--- a/presentazione_meazzo.pptx
+++ b/presentazione_meazzo.pptx
@@ -21830,7 +21830,7 @@
                     <a:latin typeface="Cambria Math" panose="02040503050406030204" pitchFamily="18" charset="0"/>
                     <a:ea typeface="Cambria Math" panose="02040503050406030204" pitchFamily="18" charset="0"/>
                   </a:rPr>
-                  <a:t>1000</a:t>
+                  <a:t>1000 Nodes</a:t>
                 </a:r>
               </a:p>
               <a:p>
@@ -22104,6 +22104,291 @@
   <p:clrMapOvr>
     <a:masterClrMapping/>
   </p:clrMapOvr>
+  <p:timing>
+    <p:tnLst>
+      <p:par>
+        <p:cTn id="1" dur="indefinite" restart="never" nodeType="tmRoot">
+          <p:childTnLst>
+            <p:seq concurrent="1" nextAc="seek">
+              <p:cTn id="2" dur="indefinite" nodeType="mainSeq">
+                <p:childTnLst>
+                  <p:par>
+                    <p:cTn id="3" fill="hold">
+                      <p:stCondLst>
+                        <p:cond delay="indefinite"/>
+                      </p:stCondLst>
+                      <p:childTnLst>
+                        <p:par>
+                          <p:cTn id="4" fill="hold">
+                            <p:stCondLst>
+                              <p:cond delay="0"/>
+                            </p:stCondLst>
+                            <p:childTnLst>
+                              <p:par>
+                                <p:cTn id="5" presetID="2" presetClass="entr" presetSubtype="6" fill="hold" nodeType="clickEffect">
+                                  <p:stCondLst>
+                                    <p:cond delay="0"/>
+                                  </p:stCondLst>
+                                  <p:childTnLst>
+                                    <p:set>
+                                      <p:cBhvr>
+                                        <p:cTn id="6" dur="1" fill="hold">
+                                          <p:stCondLst>
+                                            <p:cond delay="0"/>
+                                          </p:stCondLst>
+                                        </p:cTn>
+                                        <p:tgtEl>
+                                          <p:spTgt spid="11"/>
+                                        </p:tgtEl>
+                                        <p:attrNameLst>
+                                          <p:attrName>style.visibility</p:attrName>
+                                        </p:attrNameLst>
+                                      </p:cBhvr>
+                                      <p:to>
+                                        <p:strVal val="visible"/>
+                                      </p:to>
+                                    </p:set>
+                                    <p:anim calcmode="lin" valueType="num">
+                                      <p:cBhvr additive="base">
+                                        <p:cTn id="7" dur="500" fill="hold"/>
+                                        <p:tgtEl>
+                                          <p:spTgt spid="11"/>
+                                        </p:tgtEl>
+                                        <p:attrNameLst>
+                                          <p:attrName>ppt_x</p:attrName>
+                                        </p:attrNameLst>
+                                      </p:cBhvr>
+                                      <p:tavLst>
+                                        <p:tav tm="0">
+                                          <p:val>
+                                            <p:strVal val="1+#ppt_w/2"/>
+                                          </p:val>
+                                        </p:tav>
+                                        <p:tav tm="100000">
+                                          <p:val>
+                                            <p:strVal val="#ppt_x"/>
+                                          </p:val>
+                                        </p:tav>
+                                      </p:tavLst>
+                                    </p:anim>
+                                    <p:anim calcmode="lin" valueType="num">
+                                      <p:cBhvr additive="base">
+                                        <p:cTn id="8" dur="500" fill="hold"/>
+                                        <p:tgtEl>
+                                          <p:spTgt spid="11"/>
+                                        </p:tgtEl>
+                                        <p:attrNameLst>
+                                          <p:attrName>ppt_y</p:attrName>
+                                        </p:attrNameLst>
+                                      </p:cBhvr>
+                                      <p:tavLst>
+                                        <p:tav tm="0">
+                                          <p:val>
+                                            <p:strVal val="1+#ppt_h/2"/>
+                                          </p:val>
+                                        </p:tav>
+                                        <p:tav tm="100000">
+                                          <p:val>
+                                            <p:strVal val="#ppt_y"/>
+                                          </p:val>
+                                        </p:tav>
+                                      </p:tavLst>
+                                    </p:anim>
+                                  </p:childTnLst>
+                                </p:cTn>
+                              </p:par>
+                            </p:childTnLst>
+                          </p:cTn>
+                        </p:par>
+                        <p:par>
+                          <p:cTn id="9" fill="hold">
+                            <p:stCondLst>
+                              <p:cond delay="500"/>
+                            </p:stCondLst>
+                            <p:childTnLst>
+                              <p:par>
+                                <p:cTn id="10" presetID="2" presetClass="entr" presetSubtype="6" fill="hold" nodeType="afterEffect">
+                                  <p:stCondLst>
+                                    <p:cond delay="0"/>
+                                  </p:stCondLst>
+                                  <p:childTnLst>
+                                    <p:set>
+                                      <p:cBhvr>
+                                        <p:cTn id="11" dur="1" fill="hold">
+                                          <p:stCondLst>
+                                            <p:cond delay="0"/>
+                                          </p:stCondLst>
+                                        </p:cTn>
+                                        <p:tgtEl>
+                                          <p:spTgt spid="12"/>
+                                        </p:tgtEl>
+                                        <p:attrNameLst>
+                                          <p:attrName>style.visibility</p:attrName>
+                                        </p:attrNameLst>
+                                      </p:cBhvr>
+                                      <p:to>
+                                        <p:strVal val="visible"/>
+                                      </p:to>
+                                    </p:set>
+                                    <p:anim calcmode="lin" valueType="num">
+                                      <p:cBhvr additive="base">
+                                        <p:cTn id="12" dur="500" fill="hold"/>
+                                        <p:tgtEl>
+                                          <p:spTgt spid="12"/>
+                                        </p:tgtEl>
+                                        <p:attrNameLst>
+                                          <p:attrName>ppt_x</p:attrName>
+                                        </p:attrNameLst>
+                                      </p:cBhvr>
+                                      <p:tavLst>
+                                        <p:tav tm="0">
+                                          <p:val>
+                                            <p:strVal val="1+#ppt_w/2"/>
+                                          </p:val>
+                                        </p:tav>
+                                        <p:tav tm="100000">
+                                          <p:val>
+                                            <p:strVal val="#ppt_x"/>
+                                          </p:val>
+                                        </p:tav>
+                                      </p:tavLst>
+                                    </p:anim>
+                                    <p:anim calcmode="lin" valueType="num">
+                                      <p:cBhvr additive="base">
+                                        <p:cTn id="13" dur="500" fill="hold"/>
+                                        <p:tgtEl>
+                                          <p:spTgt spid="12"/>
+                                        </p:tgtEl>
+                                        <p:attrNameLst>
+                                          <p:attrName>ppt_y</p:attrName>
+                                        </p:attrNameLst>
+                                      </p:cBhvr>
+                                      <p:tavLst>
+                                        <p:tav tm="0">
+                                          <p:val>
+                                            <p:strVal val="1+#ppt_h/2"/>
+                                          </p:val>
+                                        </p:tav>
+                                        <p:tav tm="100000">
+                                          <p:val>
+                                            <p:strVal val="#ppt_y"/>
+                                          </p:val>
+                                        </p:tav>
+                                      </p:tavLst>
+                                    </p:anim>
+                                  </p:childTnLst>
+                                </p:cTn>
+                              </p:par>
+                            </p:childTnLst>
+                          </p:cTn>
+                        </p:par>
+                        <p:par>
+                          <p:cTn id="14" fill="hold">
+                            <p:stCondLst>
+                              <p:cond delay="1000"/>
+                            </p:stCondLst>
+                            <p:childTnLst>
+                              <p:par>
+                                <p:cTn id="15" presetID="2" presetClass="entr" presetSubtype="6" fill="hold" nodeType="afterEffect">
+                                  <p:stCondLst>
+                                    <p:cond delay="0"/>
+                                  </p:stCondLst>
+                                  <p:childTnLst>
+                                    <p:set>
+                                      <p:cBhvr>
+                                        <p:cTn id="16" dur="1" fill="hold">
+                                          <p:stCondLst>
+                                            <p:cond delay="0"/>
+                                          </p:stCondLst>
+                                        </p:cTn>
+                                        <p:tgtEl>
+                                          <p:spTgt spid="13"/>
+                                        </p:tgtEl>
+                                        <p:attrNameLst>
+                                          <p:attrName>style.visibility</p:attrName>
+                                        </p:attrNameLst>
+                                      </p:cBhvr>
+                                      <p:to>
+                                        <p:strVal val="visible"/>
+                                      </p:to>
+                                    </p:set>
+                                    <p:anim calcmode="lin" valueType="num">
+                                      <p:cBhvr additive="base">
+                                        <p:cTn id="17" dur="500" fill="hold"/>
+                                        <p:tgtEl>
+                                          <p:spTgt spid="13"/>
+                                        </p:tgtEl>
+                                        <p:attrNameLst>
+                                          <p:attrName>ppt_x</p:attrName>
+                                        </p:attrNameLst>
+                                      </p:cBhvr>
+                                      <p:tavLst>
+                                        <p:tav tm="0">
+                                          <p:val>
+                                            <p:strVal val="1+#ppt_w/2"/>
+                                          </p:val>
+                                        </p:tav>
+                                        <p:tav tm="100000">
+                                          <p:val>
+                                            <p:strVal val="#ppt_x"/>
+                                          </p:val>
+                                        </p:tav>
+                                      </p:tavLst>
+                                    </p:anim>
+                                    <p:anim calcmode="lin" valueType="num">
+                                      <p:cBhvr additive="base">
+                                        <p:cTn id="18" dur="500" fill="hold"/>
+                                        <p:tgtEl>
+                                          <p:spTgt spid="13"/>
+                                        </p:tgtEl>
+                                        <p:attrNameLst>
+                                          <p:attrName>ppt_y</p:attrName>
+                                        </p:attrNameLst>
+                                      </p:cBhvr>
+                                      <p:tavLst>
+                                        <p:tav tm="0">
+                                          <p:val>
+                                            <p:strVal val="1+#ppt_h/2"/>
+                                          </p:val>
+                                        </p:tav>
+                                        <p:tav tm="100000">
+                                          <p:val>
+                                            <p:strVal val="#ppt_y"/>
+                                          </p:val>
+                                        </p:tav>
+                                      </p:tavLst>
+                                    </p:anim>
+                                  </p:childTnLst>
+                                </p:cTn>
+                              </p:par>
+                            </p:childTnLst>
+                          </p:cTn>
+                        </p:par>
+                      </p:childTnLst>
+                    </p:cTn>
+                  </p:par>
+                </p:childTnLst>
+              </p:cTn>
+              <p:prevCondLst>
+                <p:cond evt="onPrev" delay="0">
+                  <p:tgtEl>
+                    <p:sldTgt/>
+                  </p:tgtEl>
+                </p:cond>
+              </p:prevCondLst>
+              <p:nextCondLst>
+                <p:cond evt="onNext" delay="0">
+                  <p:tgtEl>
+                    <p:sldTgt/>
+                  </p:tgtEl>
+                </p:cond>
+              </p:nextCondLst>
+            </p:seq>
+          </p:childTnLst>
+        </p:cTn>
+      </p:par>
+    </p:tnLst>
+  </p:timing>
 </p:sld>
 </file>
 
@@ -22560,16 +22845,6 @@
             <a:pPr algn="just">
               <a:defRPr/>
             </a:pPr>
-            <a:r>
-              <a:rPr lang="it-IT" b="1" dirty="0">
-                <a:solidFill>
-                  <a:srgbClr val="003F6E"/>
-                </a:solidFill>
-                <a:latin typeface="Arial" panose="020B0604020202020204" pitchFamily="34" charset="0"/>
-                <a:cs typeface="Arial" panose="020B0604020202020204" pitchFamily="34" charset="0"/>
-              </a:rPr>
-              <a:t>An </a:t>
-            </a:r>
             <a:r>
               <a:rPr lang="it-IT" b="1" dirty="0" err="1">
                 <a:solidFill>
@@ -22833,8 +23108,8 @@
         </p:nvSpPr>
         <p:spPr>
           <a:xfrm>
-            <a:off x="549214" y="2515130"/>
-            <a:ext cx="7988418" cy="646331"/>
+            <a:off x="543497" y="2238131"/>
+            <a:ext cx="7988418" cy="923330"/>
           </a:xfrm>
           <a:prstGeom prst="rect">
             <a:avLst/>
@@ -22847,6 +23122,19 @@
           </a:bodyPr>
           <a:lstStyle/>
           <a:p>
+            <a:pPr algn="ctr"/>
+            <a:r>
+              <a:rPr lang="it-IT" b="1" dirty="0">
+                <a:solidFill>
+                  <a:srgbClr val="003F6E"/>
+                </a:solidFill>
+                <a:latin typeface="Arial" panose="020B0604020202020204" pitchFamily="34" charset="0"/>
+                <a:cs typeface="Arial" panose="020B0604020202020204" pitchFamily="34" charset="0"/>
+              </a:rPr>
+              <a:t>BUT,</a:t>
+            </a:r>
+          </a:p>
+          <a:p>
             <a:pPr algn="just"/>
             <a:r>
               <a:rPr lang="it-IT" b="1" dirty="0" err="1">
@@ -22856,27 +23144,7 @@
                 <a:latin typeface="Arial" panose="020B0604020202020204" pitchFamily="34" charset="0"/>
                 <a:cs typeface="Arial" panose="020B0604020202020204" pitchFamily="34" charset="0"/>
               </a:rPr>
-              <a:t>However</a:t>
-            </a:r>
-            <a:r>
-              <a:rPr lang="it-IT" b="1" dirty="0">
-                <a:solidFill>
-                  <a:srgbClr val="003F6E"/>
-                </a:solidFill>
-                <a:latin typeface="Arial" panose="020B0604020202020204" pitchFamily="34" charset="0"/>
-                <a:cs typeface="Arial" panose="020B0604020202020204" pitchFamily="34" charset="0"/>
-              </a:rPr>
-              <a:t>, with </a:t>
-            </a:r>
-            <a:r>
-              <a:rPr lang="it-IT" b="1" dirty="0" err="1">
-                <a:solidFill>
-                  <a:srgbClr val="003F6E"/>
-                </a:solidFill>
-                <a:latin typeface="Arial" panose="020B0604020202020204" pitchFamily="34" charset="0"/>
-                <a:cs typeface="Arial" panose="020B0604020202020204" pitchFamily="34" charset="0"/>
-              </a:rPr>
-              <a:t>today's</a:t>
+              <a:t>Today’s</a:t>
             </a:r>
             <a:r>
               <a:rPr lang="it-IT" b="1" dirty="0">
@@ -22887,26 +23155,6 @@
                 <a:cs typeface="Arial" panose="020B0604020202020204" pitchFamily="34" charset="0"/>
               </a:rPr>
               <a:t> market trend </a:t>
-            </a:r>
-            <a:r>
-              <a:rPr lang="it-IT" b="1" dirty="0" err="1">
-                <a:solidFill>
-                  <a:srgbClr val="003F6E"/>
-                </a:solidFill>
-                <a:latin typeface="Arial" panose="020B0604020202020204" pitchFamily="34" charset="0"/>
-                <a:cs typeface="Arial" panose="020B0604020202020204" pitchFamily="34" charset="0"/>
-              </a:rPr>
-              <a:t>which</a:t>
-            </a:r>
-            <a:r>
-              <a:rPr lang="it-IT" b="1" dirty="0">
-                <a:solidFill>
-                  <a:srgbClr val="003F6E"/>
-                </a:solidFill>
-                <a:latin typeface="Arial" panose="020B0604020202020204" pitchFamily="34" charset="0"/>
-                <a:cs typeface="Arial" panose="020B0604020202020204" pitchFamily="34" charset="0"/>
-              </a:rPr>
-              <a:t> </a:t>
             </a:r>
             <a:r>
               <a:rPr lang="it-IT" b="1" dirty="0" err="1">

--- a/presentazione_meazzo.pptx
+++ b/presentazione_meazzo.pptx
@@ -5,7 +5,7 @@
     <p:sldMasterId id="2147483648" r:id="rId1"/>
   </p:sldMasterIdLst>
   <p:notesMasterIdLst>
-    <p:notesMasterId r:id="rId35"/>
+    <p:notesMasterId r:id="rId38"/>
   </p:notesMasterIdLst>
   <p:sldIdLst>
     <p:sldId id="261" r:id="rId2"/>
@@ -18,29 +18,32 @@
     <p:sldId id="282" r:id="rId9"/>
     <p:sldId id="264" r:id="rId10"/>
     <p:sldId id="287" r:id="rId11"/>
-    <p:sldId id="290" r:id="rId12"/>
-    <p:sldId id="288" r:id="rId13"/>
-    <p:sldId id="289" r:id="rId14"/>
-    <p:sldId id="291" r:id="rId15"/>
-    <p:sldId id="293" r:id="rId16"/>
-    <p:sldId id="294" r:id="rId17"/>
-    <p:sldId id="292" r:id="rId18"/>
-    <p:sldId id="286" r:id="rId19"/>
-    <p:sldId id="262" r:id="rId20"/>
-    <p:sldId id="266" r:id="rId21"/>
-    <p:sldId id="265" r:id="rId22"/>
-    <p:sldId id="268" r:id="rId23"/>
-    <p:sldId id="269" r:id="rId24"/>
-    <p:sldId id="270" r:id="rId25"/>
-    <p:sldId id="275" r:id="rId26"/>
-    <p:sldId id="276" r:id="rId27"/>
-    <p:sldId id="277" r:id="rId28"/>
-    <p:sldId id="285" r:id="rId29"/>
-    <p:sldId id="278" r:id="rId30"/>
-    <p:sldId id="279" r:id="rId31"/>
-    <p:sldId id="263" r:id="rId32"/>
-    <p:sldId id="272" r:id="rId33"/>
-    <p:sldId id="271" r:id="rId34"/>
+    <p:sldId id="297" r:id="rId12"/>
+    <p:sldId id="296" r:id="rId13"/>
+    <p:sldId id="290" r:id="rId14"/>
+    <p:sldId id="288" r:id="rId15"/>
+    <p:sldId id="289" r:id="rId16"/>
+    <p:sldId id="291" r:id="rId17"/>
+    <p:sldId id="293" r:id="rId18"/>
+    <p:sldId id="294" r:id="rId19"/>
+    <p:sldId id="292" r:id="rId20"/>
+    <p:sldId id="295" r:id="rId21"/>
+    <p:sldId id="286" r:id="rId22"/>
+    <p:sldId id="262" r:id="rId23"/>
+    <p:sldId id="266" r:id="rId24"/>
+    <p:sldId id="265" r:id="rId25"/>
+    <p:sldId id="268" r:id="rId26"/>
+    <p:sldId id="269" r:id="rId27"/>
+    <p:sldId id="270" r:id="rId28"/>
+    <p:sldId id="275" r:id="rId29"/>
+    <p:sldId id="276" r:id="rId30"/>
+    <p:sldId id="277" r:id="rId31"/>
+    <p:sldId id="285" r:id="rId32"/>
+    <p:sldId id="278" r:id="rId33"/>
+    <p:sldId id="279" r:id="rId34"/>
+    <p:sldId id="263" r:id="rId35"/>
+    <p:sldId id="272" r:id="rId36"/>
+    <p:sldId id="271" r:id="rId37"/>
   </p:sldIdLst>
   <p:sldSz cx="9144000" cy="6858000" type="screen4x3"/>
   <p:notesSz cx="6858000" cy="9144000"/>
@@ -162,6 +165,8 @@
           <p14:sldIdLst>
             <p14:sldId id="264"/>
             <p14:sldId id="287"/>
+            <p14:sldId id="297"/>
+            <p14:sldId id="296"/>
             <p14:sldId id="290"/>
             <p14:sldId id="288"/>
             <p14:sldId id="289"/>
@@ -169,6 +174,7 @@
             <p14:sldId id="293"/>
             <p14:sldId id="294"/>
             <p14:sldId id="292"/>
+            <p14:sldId id="295"/>
           </p14:sldIdLst>
         </p14:section>
         <p14:section name="Risultati Simulazioni" id="{EF6A5A0E-616C-3243-91B4-6B671EBE2761}">
@@ -15591,38 +15597,63 @@
           <a:bodyPr/>
           <a:lstStyle/>
           <a:p>
-            <a:r>
-              <a:rPr lang="it-IT" dirty="0"/>
-              <a:t>Ulteriore fattore che influenza </a:t>
-            </a:r>
+            <a:pPr marL="0" marR="0" lvl="0" indent="0" algn="l" defTabSz="914400" rtl="0" eaLnBrk="1" fontAlgn="auto" latinLnBrk="0" hangingPunct="1">
+              <a:lnSpc>
+                <a:spcPct val="100000"/>
+              </a:lnSpc>
+              <a:spcBef>
+                <a:spcPts val="0"/>
+              </a:spcBef>
+              <a:spcAft>
+                <a:spcPts val="0"/>
+              </a:spcAft>
+              <a:buClrTx/>
+              <a:buSzTx/>
+              <a:buFontTx/>
+              <a:buNone/>
+              <a:tabLst/>
+              <a:defRPr/>
+            </a:pPr>
             <a:r>
               <a:rPr lang="it-IT" dirty="0" err="1"/>
-              <a:t>scaling</a:t>
+              <a:t>Speedup</a:t>
             </a:r>
             <a:r>
               <a:rPr lang="it-IT" dirty="0"/>
-              <a:t>  #</a:t>
+              <a:t>, </a:t>
             </a:r>
-            <a:r>
-              <a:rPr lang="it-IT" dirty="0" err="1"/>
-              <a:t>cores</a:t>
-            </a:r>
+          </a:p>
+          <a:p>
+            <a:pPr marL="0" marR="0" lvl="0" indent="0" algn="l" defTabSz="914400" rtl="0" eaLnBrk="1" fontAlgn="auto" latinLnBrk="0" hangingPunct="1">
+              <a:lnSpc>
+                <a:spcPct val="100000"/>
+              </a:lnSpc>
+              <a:spcBef>
+                <a:spcPts val="0"/>
+              </a:spcBef>
+              <a:spcAft>
+                <a:spcPts val="0"/>
+              </a:spcAft>
+              <a:buClrTx/>
+              <a:buSzTx/>
+              <a:buFontTx/>
+              <a:buNone/>
+              <a:tabLst/>
+              <a:defRPr/>
+            </a:pPr>
             <a:r>
               <a:rPr lang="it-IT" dirty="0"/>
-              <a:t>,</a:t>
+              <a:t>Runtime</a:t>
             </a:r>
           </a:p>
           <a:p>
             <a:r>
               <a:rPr lang="it-IT" dirty="0"/>
-              <a:t>256^2x512,</a:t>
+              <a:t>Efficienza</a:t>
             </a:r>
           </a:p>
           <a:p>
-            <a:r>
-              <a:rPr lang="it-IT" dirty="0"/>
-              <a:t>Fattore 10 tra 1D e 2D,</a:t>
-            </a:r>
+            <a:endParaRPr lang="it-IT" dirty="0"/>
           </a:p>
           <a:p>
             <a:endParaRPr lang="it-IT" dirty="0"/>
@@ -15655,7 +15686,7 @@
     </p:spTree>
     <p:extLst>
       <p:ext uri="{BB962C8B-B14F-4D97-AF65-F5344CB8AC3E}">
-        <p14:creationId xmlns:p14="http://schemas.microsoft.com/office/powerpoint/2010/main" val="3346651294"/>
+        <p14:creationId xmlns:p14="http://schemas.microsoft.com/office/powerpoint/2010/main" val="1276838666"/>
       </p:ext>
     </p:extLst>
   </p:cSld>
@@ -15711,12 +15742,54 @@
           <a:p>
             <a:r>
               <a:rPr lang="it-IT" dirty="0"/>
-              <a:t>Efficienza influenzata dal numero di </a:t>
+              <a:t>Benchmark,</a:t>
+            </a:r>
+          </a:p>
+          <a:p>
+            <a:r>
+              <a:rPr lang="it-IT" dirty="0"/>
+              <a:t>Single core CPL vs 2D </a:t>
             </a:r>
             <a:r>
               <a:rPr lang="it-IT" dirty="0" err="1"/>
-              <a:t>cores</a:t>
+              <a:t>decomp</a:t>
             </a:r>
+            <a:r>
+              <a:rPr lang="it-IT" dirty="0"/>
+              <a:t>,</a:t>
+            </a:r>
+          </a:p>
+          <a:p>
+            <a:r>
+              <a:rPr lang="it-IT" dirty="0"/>
+              <a:t>Caso più limitante per lo </a:t>
+            </a:r>
+            <a:r>
+              <a:rPr lang="it-IT" dirty="0" err="1"/>
+              <a:t>scaling</a:t>
+            </a:r>
+            <a:r>
+              <a:rPr lang="it-IT" dirty="0"/>
+              <a:t>: 128^3 </a:t>
+            </a:r>
+            <a:r>
+              <a:rPr lang="it-IT" dirty="0" err="1"/>
+              <a:t>slab</a:t>
+            </a:r>
+            <a:r>
+              <a:rPr lang="it-IT" dirty="0"/>
+              <a:t> vs </a:t>
+            </a:r>
+            <a:r>
+              <a:rPr lang="it-IT" dirty="0" err="1"/>
+              <a:t>pencil</a:t>
+            </a:r>
+            <a:r>
+              <a:rPr lang="it-IT" dirty="0"/>
+              <a:t>,</a:t>
+            </a:r>
+          </a:p>
+          <a:p>
             <a:endParaRPr lang="it-IT" dirty="0"/>
           </a:p>
           <a:p>
@@ -15750,7 +15823,7 @@
     </p:spTree>
     <p:extLst>
       <p:ext uri="{BB962C8B-B14F-4D97-AF65-F5344CB8AC3E}">
-        <p14:creationId xmlns:p14="http://schemas.microsoft.com/office/powerpoint/2010/main" val="1600639977"/>
+        <p14:creationId xmlns:p14="http://schemas.microsoft.com/office/powerpoint/2010/main" val="2622871920"/>
       </p:ext>
     </p:extLst>
   </p:cSld>
@@ -15806,13 +15879,15 @@
           <a:p>
             <a:r>
               <a:rPr lang="it-IT" dirty="0"/>
-              <a:t>68cores fisici @1.4GHz vs</a:t>
+              <a:t>Ulteriore fattore che influenza </a:t>
             </a:r>
-          </a:p>
-          <a:p>
+            <a:r>
+              <a:rPr lang="it-IT" dirty="0" err="1"/>
+              <a:t>scaling</a:t>
+            </a:r>
             <a:r>
               <a:rPr lang="it-IT" dirty="0"/>
-              <a:t>36 </a:t>
+              <a:t>  #</a:t>
             </a:r>
             <a:r>
               <a:rPr lang="it-IT" dirty="0" err="1"/>
@@ -15820,35 +15895,19 @@
             </a:r>
             <a:r>
               <a:rPr lang="it-IT" dirty="0"/>
-              <a:t> x nodo @2.3GHz,</a:t>
+              <a:t>,</a:t>
             </a:r>
           </a:p>
           <a:p>
             <a:r>
               <a:rPr lang="it-IT" dirty="0"/>
-              <a:t>Metà </a:t>
-            </a:r>
-            <a:r>
-              <a:rPr lang="it-IT" dirty="0" err="1"/>
-              <a:t>cores</a:t>
-            </a:r>
-            <a:r>
-              <a:rPr lang="it-IT" dirty="0"/>
-              <a:t> per nodo -&gt; diminuite le perdite di </a:t>
-            </a:r>
-            <a:r>
-              <a:rPr lang="it-IT" dirty="0" err="1"/>
-              <a:t>eff</a:t>
-            </a:r>
-            <a:r>
-              <a:rPr lang="it-IT" dirty="0"/>
-              <a:t> sensibilmente</a:t>
+              <a:t>256^2x512,</a:t>
             </a:r>
           </a:p>
           <a:p>
             <a:r>
               <a:rPr lang="it-IT" dirty="0"/>
-              <a:t>Maggior velocità CPU -&gt; minor scalabilità</a:t>
+              <a:t>Fattore 10 tra 1D e 2D -&gt; Concentrati sul 2D</a:t>
             </a:r>
           </a:p>
           <a:p>
@@ -15882,6 +15941,276 @@
     </p:spTree>
     <p:extLst>
       <p:ext uri="{BB962C8B-B14F-4D97-AF65-F5344CB8AC3E}">
+        <p14:creationId xmlns:p14="http://schemas.microsoft.com/office/powerpoint/2010/main" val="3346651294"/>
+      </p:ext>
+    </p:extLst>
+  </p:cSld>
+  <p:clrMapOvr>
+    <a:masterClrMapping/>
+  </p:clrMapOvr>
+</p:notes>
+</file>
+
+<file path=ppt/notesSlides/notesSlide13.xml><?xml version="1.0" encoding="utf-8"?>
+<p:notes xmlns:a="http://schemas.openxmlformats.org/drawingml/2006/main" xmlns:r="http://schemas.openxmlformats.org/officeDocument/2006/relationships" xmlns:p="http://schemas.openxmlformats.org/presentationml/2006/main">
+  <p:cSld>
+    <p:spTree>
+      <p:nvGrpSpPr>
+        <p:cNvPr id="1" name=""/>
+        <p:cNvGrpSpPr/>
+        <p:nvPr/>
+      </p:nvGrpSpPr>
+      <p:grpSpPr>
+        <a:xfrm>
+          <a:off x="0" y="0"/>
+          <a:ext cx="0" cy="0"/>
+          <a:chOff x="0" y="0"/>
+          <a:chExt cx="0" cy="0"/>
+        </a:xfrm>
+      </p:grpSpPr>
+      <p:sp>
+        <p:nvSpPr>
+          <p:cNvPr id="2" name="Segnaposto immagine diapositiva 1"/>
+          <p:cNvSpPr>
+            <a:spLocks noGrp="1" noRot="1" noChangeAspect="1"/>
+          </p:cNvSpPr>
+          <p:nvPr>
+            <p:ph type="sldImg"/>
+          </p:nvPr>
+        </p:nvSpPr>
+        <p:spPr/>
+      </p:sp>
+      <p:sp>
+        <p:nvSpPr>
+          <p:cNvPr id="3" name="Segnaposto note 2"/>
+          <p:cNvSpPr>
+            <a:spLocks noGrp="1"/>
+          </p:cNvSpPr>
+          <p:nvPr>
+            <p:ph type="body" idx="1"/>
+          </p:nvPr>
+        </p:nvSpPr>
+        <p:spPr/>
+        <p:txBody>
+          <a:bodyPr/>
+          <a:lstStyle/>
+          <a:p>
+            <a:r>
+              <a:rPr lang="it-IT" dirty="0"/>
+              <a:t>Efficienza influenzata dal numero di </a:t>
+            </a:r>
+            <a:r>
+              <a:rPr lang="it-IT" dirty="0" err="1"/>
+              <a:t>cores</a:t>
+            </a:r>
+            <a:r>
+              <a:rPr lang="it-IT" dirty="0"/>
+              <a:t>,</a:t>
+            </a:r>
+          </a:p>
+          <a:p>
+            <a:r>
+              <a:rPr lang="it-IT" dirty="0"/>
+              <a:t>Gradini dovuti alla griglia di decomposizione (bilanciata 256=16x16)</a:t>
+            </a:r>
+          </a:p>
+          <a:p>
+            <a:endParaRPr lang="it-IT" dirty="0"/>
+          </a:p>
+        </p:txBody>
+      </p:sp>
+      <p:sp>
+        <p:nvSpPr>
+          <p:cNvPr id="4" name="Segnaposto numero diapositiva 3"/>
+          <p:cNvSpPr>
+            <a:spLocks noGrp="1"/>
+          </p:cNvSpPr>
+          <p:nvPr>
+            <p:ph type="sldNum" sz="quarter" idx="10"/>
+          </p:nvPr>
+        </p:nvSpPr>
+        <p:spPr/>
+        <p:txBody>
+          <a:bodyPr/>
+          <a:lstStyle/>
+          <a:p>
+            <a:fld id="{1A6B2BED-F6F4-ED4A-9D49-77F4B1011AF7}" type="slidenum">
+              <a:rPr lang="it-IT" smtClean="0"/>
+              <a:t>15</a:t>
+            </a:fld>
+            <a:endParaRPr lang="it-IT"/>
+          </a:p>
+        </p:txBody>
+      </p:sp>
+    </p:spTree>
+    <p:extLst>
+      <p:ext uri="{BB962C8B-B14F-4D97-AF65-F5344CB8AC3E}">
+        <p14:creationId xmlns:p14="http://schemas.microsoft.com/office/powerpoint/2010/main" val="1600639977"/>
+      </p:ext>
+    </p:extLst>
+  </p:cSld>
+  <p:clrMapOvr>
+    <a:masterClrMapping/>
+  </p:clrMapOvr>
+</p:notes>
+</file>
+
+<file path=ppt/notesSlides/notesSlide14.xml><?xml version="1.0" encoding="utf-8"?>
+<p:notes xmlns:a="http://schemas.openxmlformats.org/drawingml/2006/main" xmlns:r="http://schemas.openxmlformats.org/officeDocument/2006/relationships" xmlns:p="http://schemas.openxmlformats.org/presentationml/2006/main">
+  <p:cSld>
+    <p:spTree>
+      <p:nvGrpSpPr>
+        <p:cNvPr id="1" name=""/>
+        <p:cNvGrpSpPr/>
+        <p:nvPr/>
+      </p:nvGrpSpPr>
+      <p:grpSpPr>
+        <a:xfrm>
+          <a:off x="0" y="0"/>
+          <a:ext cx="0" cy="0"/>
+          <a:chOff x="0" y="0"/>
+          <a:chExt cx="0" cy="0"/>
+        </a:xfrm>
+      </p:grpSpPr>
+      <p:sp>
+        <p:nvSpPr>
+          <p:cNvPr id="2" name="Segnaposto immagine diapositiva 1"/>
+          <p:cNvSpPr>
+            <a:spLocks noGrp="1" noRot="1" noChangeAspect="1"/>
+          </p:cNvSpPr>
+          <p:nvPr>
+            <p:ph type="sldImg"/>
+          </p:nvPr>
+        </p:nvSpPr>
+        <p:spPr/>
+      </p:sp>
+      <p:sp>
+        <p:nvSpPr>
+          <p:cNvPr id="3" name="Segnaposto note 2"/>
+          <p:cNvSpPr>
+            <a:spLocks noGrp="1"/>
+          </p:cNvSpPr>
+          <p:nvPr>
+            <p:ph type="body" idx="1"/>
+          </p:nvPr>
+        </p:nvSpPr>
+        <p:spPr/>
+        <p:txBody>
+          <a:bodyPr/>
+          <a:lstStyle/>
+          <a:p>
+            <a:r>
+              <a:rPr lang="it-IT" dirty="0"/>
+              <a:t>36 </a:t>
+            </a:r>
+            <a:r>
+              <a:rPr lang="it-IT" dirty="0" err="1"/>
+              <a:t>cores</a:t>
+            </a:r>
+            <a:r>
+              <a:rPr lang="it-IT" dirty="0"/>
+              <a:t> x nodo, </a:t>
+            </a:r>
+            <a:r>
+              <a:rPr lang="it-IT" dirty="0" err="1"/>
+              <a:t>Xeon</a:t>
+            </a:r>
+            <a:r>
+              <a:rPr lang="it-IT" dirty="0"/>
+              <a:t> E5-</a:t>
+            </a:r>
+            <a:r>
+              <a:rPr lang="it-IT" sz="1200" b="0" i="0" u="none" strike="noStrike" kern="1200" dirty="0">
+                <a:solidFill>
+                  <a:schemeClr val="tx1"/>
+                </a:solidFill>
+                <a:effectLst/>
+                <a:latin typeface="+mn-lt"/>
+                <a:ea typeface="+mn-ea"/>
+                <a:cs typeface="+mn-cs"/>
+              </a:rPr>
+              <a:t>2697 v4 @ 2.30GHz</a:t>
+            </a:r>
+            <a:endParaRPr lang="it-IT" dirty="0"/>
+          </a:p>
+          <a:p>
+            <a:r>
+              <a:rPr lang="it-IT" dirty="0"/>
+              <a:t>Metà </a:t>
+            </a:r>
+            <a:r>
+              <a:rPr lang="it-IT" dirty="0" err="1"/>
+              <a:t>cores</a:t>
+            </a:r>
+            <a:r>
+              <a:rPr lang="it-IT" dirty="0"/>
+              <a:t> per nodo -&gt; diminuite le perdite di </a:t>
+            </a:r>
+            <a:r>
+              <a:rPr lang="it-IT" dirty="0" err="1"/>
+              <a:t>eff</a:t>
+            </a:r>
+            <a:r>
+              <a:rPr lang="it-IT" dirty="0"/>
+              <a:t> sensibilmente,</a:t>
+            </a:r>
+          </a:p>
+          <a:p>
+            <a:r>
+              <a:rPr lang="it-IT" dirty="0"/>
+              <a:t>Maggior velocità CPU -&gt; minor scalabilità,</a:t>
+            </a:r>
+          </a:p>
+          <a:p>
+            <a:r>
+              <a:rPr lang="it-IT" dirty="0"/>
+              <a:t>Possibili effetti dovuti alla doppia </a:t>
+            </a:r>
+            <a:r>
+              <a:rPr lang="it-IT" dirty="0" err="1"/>
+              <a:t>cpu</a:t>
+            </a:r>
+            <a:r>
+              <a:rPr lang="it-IT" dirty="0"/>
+              <a:t> x </a:t>
+            </a:r>
+            <a:r>
+              <a:rPr lang="it-IT" dirty="0" err="1"/>
+              <a:t>mobo</a:t>
+            </a:r>
+            <a:endParaRPr lang="it-IT" dirty="0"/>
+          </a:p>
+          <a:p>
+            <a:endParaRPr lang="it-IT" dirty="0"/>
+          </a:p>
+        </p:txBody>
+      </p:sp>
+      <p:sp>
+        <p:nvSpPr>
+          <p:cNvPr id="4" name="Segnaposto numero diapositiva 3"/>
+          <p:cNvSpPr>
+            <a:spLocks noGrp="1"/>
+          </p:cNvSpPr>
+          <p:nvPr>
+            <p:ph type="sldNum" sz="quarter" idx="10"/>
+          </p:nvPr>
+        </p:nvSpPr>
+        <p:spPr/>
+        <p:txBody>
+          <a:bodyPr/>
+          <a:lstStyle/>
+          <a:p>
+            <a:fld id="{1A6B2BED-F6F4-ED4A-9D49-77F4B1011AF7}" type="slidenum">
+              <a:rPr lang="it-IT" smtClean="0"/>
+              <a:t>16</a:t>
+            </a:fld>
+            <a:endParaRPr lang="it-IT"/>
+          </a:p>
+        </p:txBody>
+      </p:sp>
+    </p:spTree>
+    <p:extLst>
+      <p:ext uri="{BB962C8B-B14F-4D97-AF65-F5344CB8AC3E}">
         <p14:creationId xmlns:p14="http://schemas.microsoft.com/office/powerpoint/2010/main" val="3159788808"/>
       </p:ext>
     </p:extLst>
@@ -15892,7 +16221,7 @@
 </p:notes>
 </file>
 
-<file path=ppt/notesSlides/notesSlide13.xml><?xml version="1.0" encoding="utf-8"?>
+<file path=ppt/notesSlides/notesSlide15.xml><?xml version="1.0" encoding="utf-8"?>
 <p:notes xmlns:a="http://schemas.openxmlformats.org/drawingml/2006/main" xmlns:r="http://schemas.openxmlformats.org/officeDocument/2006/relationships" xmlns:p="http://schemas.openxmlformats.org/presentationml/2006/main">
   <p:cSld>
     <p:spTree>
@@ -15969,7 +16298,7 @@
           <a:p>
             <a:fld id="{1A6B2BED-F6F4-ED4A-9D49-77F4B1011AF7}" type="slidenum">
               <a:rPr lang="it-IT" smtClean="0"/>
-              <a:t>15</a:t>
+              <a:t>17</a:t>
             </a:fld>
             <a:endParaRPr lang="it-IT"/>
           </a:p>
@@ -15988,7 +16317,7 @@
 </p:notes>
 </file>
 
-<file path=ppt/notesSlides/notesSlide14.xml><?xml version="1.0" encoding="utf-8"?>
+<file path=ppt/notesSlides/notesSlide16.xml><?xml version="1.0" encoding="utf-8"?>
 <p:notes xmlns:a="http://schemas.openxmlformats.org/drawingml/2006/main" xmlns:r="http://schemas.openxmlformats.org/officeDocument/2006/relationships" xmlns:p="http://schemas.openxmlformats.org/presentationml/2006/main">
   <p:cSld>
     <p:spTree>
@@ -16065,7 +16394,7 @@
           <a:p>
             <a:fld id="{1A6B2BED-F6F4-ED4A-9D49-77F4B1011AF7}" type="slidenum">
               <a:rPr lang="it-IT" smtClean="0"/>
-              <a:t>16</a:t>
+              <a:t>18</a:t>
             </a:fld>
             <a:endParaRPr lang="it-IT"/>
           </a:p>
@@ -16084,7 +16413,7 @@
 </p:notes>
 </file>
 
-<file path=ppt/notesSlides/notesSlide15.xml><?xml version="1.0" encoding="utf-8"?>
+<file path=ppt/notesSlides/notesSlide17.xml><?xml version="1.0" encoding="utf-8"?>
 <p:notes xmlns:a="http://schemas.openxmlformats.org/drawingml/2006/main" xmlns:r="http://schemas.openxmlformats.org/officeDocument/2006/relationships" xmlns:p="http://schemas.openxmlformats.org/presentationml/2006/main">
   <p:cSld>
     <p:spTree>
@@ -16134,7 +16463,29 @@
             </a:r>
             <a:r>
               <a:rPr lang="it-IT" dirty="0"/>
-              <a:t> poco efficace</a:t>
+              <a:t> poco efficace,</a:t>
+            </a:r>
+          </a:p>
+          <a:p>
+            <a:r>
+              <a:rPr lang="it-IT" dirty="0"/>
+              <a:t>Picco </a:t>
+            </a:r>
+            <a:r>
+              <a:rPr lang="it-IT" dirty="0" err="1"/>
+              <a:t>Scaling</a:t>
+            </a:r>
+            <a:r>
+              <a:rPr lang="it-IT" dirty="0"/>
+              <a:t> </a:t>
+            </a:r>
+            <a:r>
+              <a:rPr lang="it-IT" dirty="0" err="1"/>
+              <a:t>f</a:t>
+            </a:r>
+            <a:r>
+              <a:rPr lang="it-IT" dirty="0"/>
+              <a:t>(#modi)</a:t>
             </a:r>
           </a:p>
           <a:p>
@@ -16162,7 +16513,7 @@
           <a:p>
             <a:fld id="{1A6B2BED-F6F4-ED4A-9D49-77F4B1011AF7}" type="slidenum">
               <a:rPr lang="it-IT" smtClean="0"/>
-              <a:t>17</a:t>
+              <a:t>19</a:t>
             </a:fld>
             <a:endParaRPr lang="it-IT"/>
           </a:p>
@@ -16181,7 +16532,129 @@
 </p:notes>
 </file>
 
-<file path=ppt/notesSlides/notesSlide16.xml><?xml version="1.0" encoding="utf-8"?>
+<file path=ppt/notesSlides/notesSlide18.xml><?xml version="1.0" encoding="utf-8"?>
+<p:notes xmlns:a="http://schemas.openxmlformats.org/drawingml/2006/main" xmlns:r="http://schemas.openxmlformats.org/officeDocument/2006/relationships" xmlns:p="http://schemas.openxmlformats.org/presentationml/2006/main">
+  <p:cSld>
+    <p:spTree>
+      <p:nvGrpSpPr>
+        <p:cNvPr id="1" name=""/>
+        <p:cNvGrpSpPr/>
+        <p:nvPr/>
+      </p:nvGrpSpPr>
+      <p:grpSpPr>
+        <a:xfrm>
+          <a:off x="0" y="0"/>
+          <a:ext cx="0" cy="0"/>
+          <a:chOff x="0" y="0"/>
+          <a:chExt cx="0" cy="0"/>
+        </a:xfrm>
+      </p:grpSpPr>
+      <p:sp>
+        <p:nvSpPr>
+          <p:cNvPr id="2" name="Segnaposto immagine diapositiva 1"/>
+          <p:cNvSpPr>
+            <a:spLocks noGrp="1" noRot="1" noChangeAspect="1"/>
+          </p:cNvSpPr>
+          <p:nvPr>
+            <p:ph type="sldImg"/>
+          </p:nvPr>
+        </p:nvSpPr>
+        <p:spPr/>
+      </p:sp>
+      <p:sp>
+        <p:nvSpPr>
+          <p:cNvPr id="3" name="Segnaposto note 2"/>
+          <p:cNvSpPr>
+            <a:spLocks noGrp="1"/>
+          </p:cNvSpPr>
+          <p:nvPr>
+            <p:ph type="body" idx="1"/>
+          </p:nvPr>
+        </p:nvSpPr>
+        <p:spPr/>
+        <p:txBody>
+          <a:bodyPr/>
+          <a:lstStyle/>
+          <a:p>
+            <a:r>
+              <a:rPr lang="it-IT" dirty="0"/>
+              <a:t>Quanto visto in precedenza GCC7 &amp; </a:t>
+            </a:r>
+            <a:r>
+              <a:rPr lang="it-IT" dirty="0" err="1"/>
+              <a:t>OpenMPI</a:t>
+            </a:r>
+            <a:r>
+              <a:rPr lang="it-IT" dirty="0"/>
+              <a:t> 3,</a:t>
+            </a:r>
+          </a:p>
+          <a:p>
+            <a:r>
+              <a:rPr lang="it-IT" dirty="0"/>
+              <a:t>Su suggerimento del </a:t>
+            </a:r>
+            <a:r>
+              <a:rPr lang="it-IT" dirty="0" err="1"/>
+              <a:t>Cineca</a:t>
+            </a:r>
+            <a:r>
+              <a:rPr lang="it-IT" dirty="0"/>
+              <a:t> -&gt; adottato Intel 18,</a:t>
+            </a:r>
+          </a:p>
+          <a:p>
+            <a:r>
+              <a:rPr lang="it-IT" dirty="0" err="1"/>
+              <a:t>Autovettorizzazione</a:t>
+            </a:r>
+            <a:r>
+              <a:rPr lang="it-IT" dirty="0"/>
+              <a:t> codice</a:t>
+            </a:r>
+          </a:p>
+          <a:p>
+            <a:endParaRPr lang="it-IT" dirty="0"/>
+          </a:p>
+        </p:txBody>
+      </p:sp>
+      <p:sp>
+        <p:nvSpPr>
+          <p:cNvPr id="4" name="Segnaposto numero diapositiva 3"/>
+          <p:cNvSpPr>
+            <a:spLocks noGrp="1"/>
+          </p:cNvSpPr>
+          <p:nvPr>
+            <p:ph type="sldNum" sz="quarter" idx="10"/>
+          </p:nvPr>
+        </p:nvSpPr>
+        <p:spPr/>
+        <p:txBody>
+          <a:bodyPr/>
+          <a:lstStyle/>
+          <a:p>
+            <a:fld id="{1A6B2BED-F6F4-ED4A-9D49-77F4B1011AF7}" type="slidenum">
+              <a:rPr lang="it-IT" smtClean="0"/>
+              <a:t>20</a:t>
+            </a:fld>
+            <a:endParaRPr lang="it-IT"/>
+          </a:p>
+        </p:txBody>
+      </p:sp>
+    </p:spTree>
+    <p:extLst>
+      <p:ext uri="{BB962C8B-B14F-4D97-AF65-F5344CB8AC3E}">
+        <p14:creationId xmlns:p14="http://schemas.microsoft.com/office/powerpoint/2010/main" val="804934454"/>
+      </p:ext>
+    </p:extLst>
+  </p:cSld>
+  <p:clrMapOvr>
+    <a:masterClrMapping/>
+  </p:clrMapOvr>
+</p:notes>
+</file>
+
+<file path=ppt/notesSlides/notesSlide19.xml><?xml version="1.0" encoding="utf-8"?>
 <p:notes xmlns:a="http://schemas.openxmlformats.org/drawingml/2006/main" xmlns:r="http://schemas.openxmlformats.org/officeDocument/2006/relationships" xmlns:p="http://schemas.openxmlformats.org/presentationml/2006/main">
   <p:cSld>
     <p:spTree>
@@ -16287,7 +16760,7 @@
           <a:p>
             <a:fld id="{1A6B2BED-F6F4-ED4A-9D49-77F4B1011AF7}" type="slidenum">
               <a:rPr lang="it-IT" smtClean="0"/>
-              <a:t>19</a:t>
+              <a:t>22</a:t>
             </a:fld>
             <a:endParaRPr lang="it-IT"/>
           </a:p>
@@ -16297,325 +16770,6 @@
     <p:extLst>
       <p:ext uri="{BB962C8B-B14F-4D97-AF65-F5344CB8AC3E}">
         <p14:creationId xmlns:p14="http://schemas.microsoft.com/office/powerpoint/2010/main" val="2388229710"/>
-      </p:ext>
-    </p:extLst>
-  </p:cSld>
-  <p:clrMapOvr>
-    <a:masterClrMapping/>
-  </p:clrMapOvr>
-</p:notes>
-</file>
-
-<file path=ppt/notesSlides/notesSlide17.xml><?xml version="1.0" encoding="utf-8"?>
-<p:notes xmlns:a="http://schemas.openxmlformats.org/drawingml/2006/main" xmlns:r="http://schemas.openxmlformats.org/officeDocument/2006/relationships" xmlns:p="http://schemas.openxmlformats.org/presentationml/2006/main">
-  <p:cSld>
-    <p:spTree>
-      <p:nvGrpSpPr>
-        <p:cNvPr id="1" name=""/>
-        <p:cNvGrpSpPr/>
-        <p:nvPr/>
-      </p:nvGrpSpPr>
-      <p:grpSpPr>
-        <a:xfrm>
-          <a:off x="0" y="0"/>
-          <a:ext cx="0" cy="0"/>
-          <a:chOff x="0" y="0"/>
-          <a:chExt cx="0" cy="0"/>
-        </a:xfrm>
-      </p:grpSpPr>
-      <p:sp>
-        <p:nvSpPr>
-          <p:cNvPr id="2" name="Segnaposto immagine diapositiva 1"/>
-          <p:cNvSpPr>
-            <a:spLocks noGrp="1" noRot="1" noChangeAspect="1"/>
-          </p:cNvSpPr>
-          <p:nvPr>
-            <p:ph type="sldImg"/>
-          </p:nvPr>
-        </p:nvSpPr>
-        <p:spPr/>
-      </p:sp>
-      <p:sp>
-        <p:nvSpPr>
-          <p:cNvPr id="3" name="Segnaposto note 2"/>
-          <p:cNvSpPr>
-            <a:spLocks noGrp="1"/>
-          </p:cNvSpPr>
-          <p:nvPr>
-            <p:ph type="body" idx="1"/>
-          </p:nvPr>
-        </p:nvSpPr>
-        <p:spPr/>
-        <p:txBody>
-          <a:bodyPr/>
-          <a:lstStyle/>
-          <a:p>
-            <a:r>
-              <a:rPr lang="it-IT" dirty="0"/>
-              <a:t>Componente fluttuazioni RMS, v'(y+=0)</a:t>
-            </a:r>
-          </a:p>
-          <a:p>
-            <a:pPr marL="0" marR="0" lvl="0" indent="0" algn="l" defTabSz="914400" rtl="0" eaLnBrk="1" fontAlgn="auto" latinLnBrk="0" hangingPunct="1">
-              <a:lnSpc>
-                <a:spcPct val="100000"/>
-              </a:lnSpc>
-              <a:spcBef>
-                <a:spcPts val="0"/>
-              </a:spcBef>
-              <a:spcAft>
-                <a:spcPts val="0"/>
-              </a:spcAft>
-              <a:buClrTx/>
-              <a:buSzTx/>
-              <a:buFontTx/>
-              <a:buNone/>
-              <a:tabLst/>
-              <a:defRPr/>
-            </a:pPr>
-            <a:r>
-              <a:rPr lang="it-IT" dirty="0"/>
-              <a:t>Andamento a parete componente fluttuante vs KMM, u'(y+=0)</a:t>
-            </a:r>
-          </a:p>
-          <a:p>
-            <a:pPr marL="0" marR="0" lvl="0" indent="0" algn="l" defTabSz="914400" rtl="0" eaLnBrk="1" fontAlgn="auto" latinLnBrk="0" hangingPunct="1">
-              <a:lnSpc>
-                <a:spcPct val="100000"/>
-              </a:lnSpc>
-              <a:spcBef>
-                <a:spcPts val="0"/>
-              </a:spcBef>
-              <a:spcAft>
-                <a:spcPts val="0"/>
-              </a:spcAft>
-              <a:buClrTx/>
-              <a:buSzTx/>
-              <a:buFontTx/>
-              <a:buNone/>
-              <a:tabLst/>
-              <a:defRPr/>
-            </a:pPr>
-            <a:r>
-              <a:rPr lang="it-IT" dirty="0"/>
-              <a:t>Scala di parete</a:t>
-            </a:r>
-          </a:p>
-          <a:p>
-            <a:endParaRPr lang="it-IT" dirty="0"/>
-          </a:p>
-        </p:txBody>
-      </p:sp>
-      <p:sp>
-        <p:nvSpPr>
-          <p:cNvPr id="4" name="Segnaposto numero diapositiva 3"/>
-          <p:cNvSpPr>
-            <a:spLocks noGrp="1"/>
-          </p:cNvSpPr>
-          <p:nvPr>
-            <p:ph type="sldNum" sz="quarter" idx="10"/>
-          </p:nvPr>
-        </p:nvSpPr>
-        <p:spPr/>
-        <p:txBody>
-          <a:bodyPr/>
-          <a:lstStyle/>
-          <a:p>
-            <a:fld id="{1A6B2BED-F6F4-ED4A-9D49-77F4B1011AF7}" type="slidenum">
-              <a:rPr lang="it-IT" smtClean="0"/>
-              <a:t>20</a:t>
-            </a:fld>
-            <a:endParaRPr lang="it-IT"/>
-          </a:p>
-        </p:txBody>
-      </p:sp>
-    </p:spTree>
-    <p:extLst>
-      <p:ext uri="{BB962C8B-B14F-4D97-AF65-F5344CB8AC3E}">
-        <p14:creationId xmlns:p14="http://schemas.microsoft.com/office/powerpoint/2010/main" val="223362207"/>
-      </p:ext>
-    </p:extLst>
-  </p:cSld>
-  <p:clrMapOvr>
-    <a:masterClrMapping/>
-  </p:clrMapOvr>
-</p:notes>
-</file>
-
-<file path=ppt/notesSlides/notesSlide18.xml><?xml version="1.0" encoding="utf-8"?>
-<p:notes xmlns:a="http://schemas.openxmlformats.org/drawingml/2006/main" xmlns:r="http://schemas.openxmlformats.org/officeDocument/2006/relationships" xmlns:p="http://schemas.openxmlformats.org/presentationml/2006/main">
-  <p:cSld>
-    <p:spTree>
-      <p:nvGrpSpPr>
-        <p:cNvPr id="1" name=""/>
-        <p:cNvGrpSpPr/>
-        <p:nvPr/>
-      </p:nvGrpSpPr>
-      <p:grpSpPr>
-        <a:xfrm>
-          <a:off x="0" y="0"/>
-          <a:ext cx="0" cy="0"/>
-          <a:chOff x="0" y="0"/>
-          <a:chExt cx="0" cy="0"/>
-        </a:xfrm>
-      </p:grpSpPr>
-      <p:sp>
-        <p:nvSpPr>
-          <p:cNvPr id="2" name="Segnaposto immagine diapositiva 1"/>
-          <p:cNvSpPr>
-            <a:spLocks noGrp="1" noRot="1" noChangeAspect="1"/>
-          </p:cNvSpPr>
-          <p:nvPr>
-            <p:ph type="sldImg"/>
-          </p:nvPr>
-        </p:nvSpPr>
-        <p:spPr/>
-      </p:sp>
-      <p:sp>
-        <p:nvSpPr>
-          <p:cNvPr id="3" name="Segnaposto note 2"/>
-          <p:cNvSpPr>
-            <a:spLocks noGrp="1"/>
-          </p:cNvSpPr>
-          <p:nvPr>
-            <p:ph type="body" idx="1"/>
-          </p:nvPr>
-        </p:nvSpPr>
-        <p:spPr/>
-        <p:txBody>
-          <a:bodyPr/>
-          <a:lstStyle/>
-          <a:p>
-            <a:endParaRPr lang="it-IT" dirty="0"/>
-          </a:p>
-        </p:txBody>
-      </p:sp>
-      <p:sp>
-        <p:nvSpPr>
-          <p:cNvPr id="4" name="Segnaposto numero diapositiva 3"/>
-          <p:cNvSpPr>
-            <a:spLocks noGrp="1"/>
-          </p:cNvSpPr>
-          <p:nvPr>
-            <p:ph type="sldNum" sz="quarter" idx="10"/>
-          </p:nvPr>
-        </p:nvSpPr>
-        <p:spPr/>
-        <p:txBody>
-          <a:bodyPr/>
-          <a:lstStyle/>
-          <a:p>
-            <a:fld id="{1A6B2BED-F6F4-ED4A-9D49-77F4B1011AF7}" type="slidenum">
-              <a:rPr lang="it-IT" smtClean="0"/>
-              <a:t>21</a:t>
-            </a:fld>
-            <a:endParaRPr lang="it-IT"/>
-          </a:p>
-        </p:txBody>
-      </p:sp>
-    </p:spTree>
-    <p:extLst>
-      <p:ext uri="{BB962C8B-B14F-4D97-AF65-F5344CB8AC3E}">
-        <p14:creationId xmlns:p14="http://schemas.microsoft.com/office/powerpoint/2010/main" val="3682061275"/>
-      </p:ext>
-    </p:extLst>
-  </p:cSld>
-  <p:clrMapOvr>
-    <a:masterClrMapping/>
-  </p:clrMapOvr>
-</p:notes>
-</file>
-
-<file path=ppt/notesSlides/notesSlide19.xml><?xml version="1.0" encoding="utf-8"?>
-<p:notes xmlns:a="http://schemas.openxmlformats.org/drawingml/2006/main" xmlns:r="http://schemas.openxmlformats.org/officeDocument/2006/relationships" xmlns:p="http://schemas.openxmlformats.org/presentationml/2006/main">
-  <p:cSld>
-    <p:spTree>
-      <p:nvGrpSpPr>
-        <p:cNvPr id="1" name=""/>
-        <p:cNvGrpSpPr/>
-        <p:nvPr/>
-      </p:nvGrpSpPr>
-      <p:grpSpPr>
-        <a:xfrm>
-          <a:off x="0" y="0"/>
-          <a:ext cx="0" cy="0"/>
-          <a:chOff x="0" y="0"/>
-          <a:chExt cx="0" cy="0"/>
-        </a:xfrm>
-      </p:grpSpPr>
-      <p:sp>
-        <p:nvSpPr>
-          <p:cNvPr id="2" name="Segnaposto immagine diapositiva 1"/>
-          <p:cNvSpPr>
-            <a:spLocks noGrp="1" noRot="1" noChangeAspect="1"/>
-          </p:cNvSpPr>
-          <p:nvPr>
-            <p:ph type="sldImg"/>
-          </p:nvPr>
-        </p:nvSpPr>
-        <p:spPr/>
-      </p:sp>
-      <p:sp>
-        <p:nvSpPr>
-          <p:cNvPr id="3" name="Segnaposto note 2"/>
-          <p:cNvSpPr>
-            <a:spLocks noGrp="1"/>
-          </p:cNvSpPr>
-          <p:nvPr>
-            <p:ph type="body" idx="1"/>
-          </p:nvPr>
-        </p:nvSpPr>
-        <p:spPr/>
-        <p:txBody>
-          <a:bodyPr/>
-          <a:lstStyle/>
-          <a:p>
-            <a:r>
-              <a:rPr lang="it-IT" dirty="0"/>
-              <a:t>Elevato costo computazionale,</a:t>
-            </a:r>
-          </a:p>
-          <a:p>
-            <a:r>
-              <a:rPr lang="it-IT" dirty="0"/>
-              <a:t>Da Parete a regione logaritmica ok </a:t>
-            </a:r>
-          </a:p>
-          <a:p>
-            <a:r>
-              <a:rPr lang="it-IT" dirty="0"/>
-              <a:t>regione esterna in assestamento</a:t>
-            </a:r>
-          </a:p>
-        </p:txBody>
-      </p:sp>
-      <p:sp>
-        <p:nvSpPr>
-          <p:cNvPr id="4" name="Segnaposto numero diapositiva 3"/>
-          <p:cNvSpPr>
-            <a:spLocks noGrp="1"/>
-          </p:cNvSpPr>
-          <p:nvPr>
-            <p:ph type="sldNum" sz="quarter" idx="10"/>
-          </p:nvPr>
-        </p:nvSpPr>
-        <p:spPr/>
-        <p:txBody>
-          <a:bodyPr/>
-          <a:lstStyle/>
-          <a:p>
-            <a:fld id="{1A6B2BED-F6F4-ED4A-9D49-77F4B1011AF7}" type="slidenum">
-              <a:rPr lang="it-IT" smtClean="0"/>
-              <a:t>22</a:t>
-            </a:fld>
-            <a:endParaRPr lang="it-IT"/>
-          </a:p>
-        </p:txBody>
-      </p:sp>
-    </p:spTree>
-    <p:extLst>
-      <p:ext uri="{BB962C8B-B14F-4D97-AF65-F5344CB8AC3E}">
-        <p14:creationId xmlns:p14="http://schemas.microsoft.com/office/powerpoint/2010/main" val="2021515545"/>
       </p:ext>
     </p:extLst>
   </p:cSld>
@@ -16758,6 +16912,325 @@
           <a:p>
             <a:r>
               <a:rPr lang="it-IT" dirty="0"/>
+              <a:t>Componente fluttuazioni RMS, v'(y+=0)</a:t>
+            </a:r>
+          </a:p>
+          <a:p>
+            <a:pPr marL="0" marR="0" lvl="0" indent="0" algn="l" defTabSz="914400" rtl="0" eaLnBrk="1" fontAlgn="auto" latinLnBrk="0" hangingPunct="1">
+              <a:lnSpc>
+                <a:spcPct val="100000"/>
+              </a:lnSpc>
+              <a:spcBef>
+                <a:spcPts val="0"/>
+              </a:spcBef>
+              <a:spcAft>
+                <a:spcPts val="0"/>
+              </a:spcAft>
+              <a:buClrTx/>
+              <a:buSzTx/>
+              <a:buFontTx/>
+              <a:buNone/>
+              <a:tabLst/>
+              <a:defRPr/>
+            </a:pPr>
+            <a:r>
+              <a:rPr lang="it-IT" dirty="0"/>
+              <a:t>Andamento a parete componente fluttuante vs KMM, u'(y+=0)</a:t>
+            </a:r>
+          </a:p>
+          <a:p>
+            <a:pPr marL="0" marR="0" lvl="0" indent="0" algn="l" defTabSz="914400" rtl="0" eaLnBrk="1" fontAlgn="auto" latinLnBrk="0" hangingPunct="1">
+              <a:lnSpc>
+                <a:spcPct val="100000"/>
+              </a:lnSpc>
+              <a:spcBef>
+                <a:spcPts val="0"/>
+              </a:spcBef>
+              <a:spcAft>
+                <a:spcPts val="0"/>
+              </a:spcAft>
+              <a:buClrTx/>
+              <a:buSzTx/>
+              <a:buFontTx/>
+              <a:buNone/>
+              <a:tabLst/>
+              <a:defRPr/>
+            </a:pPr>
+            <a:r>
+              <a:rPr lang="it-IT" dirty="0"/>
+              <a:t>Scala di parete</a:t>
+            </a:r>
+          </a:p>
+          <a:p>
+            <a:endParaRPr lang="it-IT" dirty="0"/>
+          </a:p>
+        </p:txBody>
+      </p:sp>
+      <p:sp>
+        <p:nvSpPr>
+          <p:cNvPr id="4" name="Segnaposto numero diapositiva 3"/>
+          <p:cNvSpPr>
+            <a:spLocks noGrp="1"/>
+          </p:cNvSpPr>
+          <p:nvPr>
+            <p:ph type="sldNum" sz="quarter" idx="10"/>
+          </p:nvPr>
+        </p:nvSpPr>
+        <p:spPr/>
+        <p:txBody>
+          <a:bodyPr/>
+          <a:lstStyle/>
+          <a:p>
+            <a:fld id="{1A6B2BED-F6F4-ED4A-9D49-77F4B1011AF7}" type="slidenum">
+              <a:rPr lang="it-IT" smtClean="0"/>
+              <a:t>23</a:t>
+            </a:fld>
+            <a:endParaRPr lang="it-IT"/>
+          </a:p>
+        </p:txBody>
+      </p:sp>
+    </p:spTree>
+    <p:extLst>
+      <p:ext uri="{BB962C8B-B14F-4D97-AF65-F5344CB8AC3E}">
+        <p14:creationId xmlns:p14="http://schemas.microsoft.com/office/powerpoint/2010/main" val="223362207"/>
+      </p:ext>
+    </p:extLst>
+  </p:cSld>
+  <p:clrMapOvr>
+    <a:masterClrMapping/>
+  </p:clrMapOvr>
+</p:notes>
+</file>
+
+<file path=ppt/notesSlides/notesSlide21.xml><?xml version="1.0" encoding="utf-8"?>
+<p:notes xmlns:a="http://schemas.openxmlformats.org/drawingml/2006/main" xmlns:r="http://schemas.openxmlformats.org/officeDocument/2006/relationships" xmlns:p="http://schemas.openxmlformats.org/presentationml/2006/main">
+  <p:cSld>
+    <p:spTree>
+      <p:nvGrpSpPr>
+        <p:cNvPr id="1" name=""/>
+        <p:cNvGrpSpPr/>
+        <p:nvPr/>
+      </p:nvGrpSpPr>
+      <p:grpSpPr>
+        <a:xfrm>
+          <a:off x="0" y="0"/>
+          <a:ext cx="0" cy="0"/>
+          <a:chOff x="0" y="0"/>
+          <a:chExt cx="0" cy="0"/>
+        </a:xfrm>
+      </p:grpSpPr>
+      <p:sp>
+        <p:nvSpPr>
+          <p:cNvPr id="2" name="Segnaposto immagine diapositiva 1"/>
+          <p:cNvSpPr>
+            <a:spLocks noGrp="1" noRot="1" noChangeAspect="1"/>
+          </p:cNvSpPr>
+          <p:nvPr>
+            <p:ph type="sldImg"/>
+          </p:nvPr>
+        </p:nvSpPr>
+        <p:spPr/>
+      </p:sp>
+      <p:sp>
+        <p:nvSpPr>
+          <p:cNvPr id="3" name="Segnaposto note 2"/>
+          <p:cNvSpPr>
+            <a:spLocks noGrp="1"/>
+          </p:cNvSpPr>
+          <p:nvPr>
+            <p:ph type="body" idx="1"/>
+          </p:nvPr>
+        </p:nvSpPr>
+        <p:spPr/>
+        <p:txBody>
+          <a:bodyPr/>
+          <a:lstStyle/>
+          <a:p>
+            <a:endParaRPr lang="it-IT" dirty="0"/>
+          </a:p>
+        </p:txBody>
+      </p:sp>
+      <p:sp>
+        <p:nvSpPr>
+          <p:cNvPr id="4" name="Segnaposto numero diapositiva 3"/>
+          <p:cNvSpPr>
+            <a:spLocks noGrp="1"/>
+          </p:cNvSpPr>
+          <p:nvPr>
+            <p:ph type="sldNum" sz="quarter" idx="10"/>
+          </p:nvPr>
+        </p:nvSpPr>
+        <p:spPr/>
+        <p:txBody>
+          <a:bodyPr/>
+          <a:lstStyle/>
+          <a:p>
+            <a:fld id="{1A6B2BED-F6F4-ED4A-9D49-77F4B1011AF7}" type="slidenum">
+              <a:rPr lang="it-IT" smtClean="0"/>
+              <a:t>24</a:t>
+            </a:fld>
+            <a:endParaRPr lang="it-IT"/>
+          </a:p>
+        </p:txBody>
+      </p:sp>
+    </p:spTree>
+    <p:extLst>
+      <p:ext uri="{BB962C8B-B14F-4D97-AF65-F5344CB8AC3E}">
+        <p14:creationId xmlns:p14="http://schemas.microsoft.com/office/powerpoint/2010/main" val="3682061275"/>
+      </p:ext>
+    </p:extLst>
+  </p:cSld>
+  <p:clrMapOvr>
+    <a:masterClrMapping/>
+  </p:clrMapOvr>
+</p:notes>
+</file>
+
+<file path=ppt/notesSlides/notesSlide22.xml><?xml version="1.0" encoding="utf-8"?>
+<p:notes xmlns:a="http://schemas.openxmlformats.org/drawingml/2006/main" xmlns:r="http://schemas.openxmlformats.org/officeDocument/2006/relationships" xmlns:p="http://schemas.openxmlformats.org/presentationml/2006/main">
+  <p:cSld>
+    <p:spTree>
+      <p:nvGrpSpPr>
+        <p:cNvPr id="1" name=""/>
+        <p:cNvGrpSpPr/>
+        <p:nvPr/>
+      </p:nvGrpSpPr>
+      <p:grpSpPr>
+        <a:xfrm>
+          <a:off x="0" y="0"/>
+          <a:ext cx="0" cy="0"/>
+          <a:chOff x="0" y="0"/>
+          <a:chExt cx="0" cy="0"/>
+        </a:xfrm>
+      </p:grpSpPr>
+      <p:sp>
+        <p:nvSpPr>
+          <p:cNvPr id="2" name="Segnaposto immagine diapositiva 1"/>
+          <p:cNvSpPr>
+            <a:spLocks noGrp="1" noRot="1" noChangeAspect="1"/>
+          </p:cNvSpPr>
+          <p:nvPr>
+            <p:ph type="sldImg"/>
+          </p:nvPr>
+        </p:nvSpPr>
+        <p:spPr/>
+      </p:sp>
+      <p:sp>
+        <p:nvSpPr>
+          <p:cNvPr id="3" name="Segnaposto note 2"/>
+          <p:cNvSpPr>
+            <a:spLocks noGrp="1"/>
+          </p:cNvSpPr>
+          <p:nvPr>
+            <p:ph type="body" idx="1"/>
+          </p:nvPr>
+        </p:nvSpPr>
+        <p:spPr/>
+        <p:txBody>
+          <a:bodyPr/>
+          <a:lstStyle/>
+          <a:p>
+            <a:r>
+              <a:rPr lang="it-IT" dirty="0"/>
+              <a:t>Elevato costo computazionale,</a:t>
+            </a:r>
+          </a:p>
+          <a:p>
+            <a:r>
+              <a:rPr lang="it-IT" dirty="0"/>
+              <a:t>Da Parete a regione logaritmica ok </a:t>
+            </a:r>
+          </a:p>
+          <a:p>
+            <a:r>
+              <a:rPr lang="it-IT" dirty="0"/>
+              <a:t>regione esterna in assestamento</a:t>
+            </a:r>
+          </a:p>
+        </p:txBody>
+      </p:sp>
+      <p:sp>
+        <p:nvSpPr>
+          <p:cNvPr id="4" name="Segnaposto numero diapositiva 3"/>
+          <p:cNvSpPr>
+            <a:spLocks noGrp="1"/>
+          </p:cNvSpPr>
+          <p:nvPr>
+            <p:ph type="sldNum" sz="quarter" idx="10"/>
+          </p:nvPr>
+        </p:nvSpPr>
+        <p:spPr/>
+        <p:txBody>
+          <a:bodyPr/>
+          <a:lstStyle/>
+          <a:p>
+            <a:fld id="{1A6B2BED-F6F4-ED4A-9D49-77F4B1011AF7}" type="slidenum">
+              <a:rPr lang="it-IT" smtClean="0"/>
+              <a:t>25</a:t>
+            </a:fld>
+            <a:endParaRPr lang="it-IT"/>
+          </a:p>
+        </p:txBody>
+      </p:sp>
+    </p:spTree>
+    <p:extLst>
+      <p:ext uri="{BB962C8B-B14F-4D97-AF65-F5344CB8AC3E}">
+        <p14:creationId xmlns:p14="http://schemas.microsoft.com/office/powerpoint/2010/main" val="2021515545"/>
+      </p:ext>
+    </p:extLst>
+  </p:cSld>
+  <p:clrMapOvr>
+    <a:masterClrMapping/>
+  </p:clrMapOvr>
+</p:notes>
+</file>
+
+<file path=ppt/notesSlides/notesSlide23.xml><?xml version="1.0" encoding="utf-8"?>
+<p:notes xmlns:a="http://schemas.openxmlformats.org/drawingml/2006/main" xmlns:r="http://schemas.openxmlformats.org/officeDocument/2006/relationships" xmlns:p="http://schemas.openxmlformats.org/presentationml/2006/main">
+  <p:cSld>
+    <p:spTree>
+      <p:nvGrpSpPr>
+        <p:cNvPr id="1" name=""/>
+        <p:cNvGrpSpPr/>
+        <p:nvPr/>
+      </p:nvGrpSpPr>
+      <p:grpSpPr>
+        <a:xfrm>
+          <a:off x="0" y="0"/>
+          <a:ext cx="0" cy="0"/>
+          <a:chOff x="0" y="0"/>
+          <a:chExt cx="0" cy="0"/>
+        </a:xfrm>
+      </p:grpSpPr>
+      <p:sp>
+        <p:nvSpPr>
+          <p:cNvPr id="2" name="Segnaposto immagine diapositiva 1"/>
+          <p:cNvSpPr>
+            <a:spLocks noGrp="1" noRot="1" noChangeAspect="1"/>
+          </p:cNvSpPr>
+          <p:nvPr>
+            <p:ph type="sldImg"/>
+          </p:nvPr>
+        </p:nvSpPr>
+        <p:spPr/>
+      </p:sp>
+      <p:sp>
+        <p:nvSpPr>
+          <p:cNvPr id="3" name="Segnaposto note 2"/>
+          <p:cNvSpPr>
+            <a:spLocks noGrp="1"/>
+          </p:cNvSpPr>
+          <p:nvPr>
+            <p:ph type="body" idx="1"/>
+          </p:nvPr>
+        </p:nvSpPr>
+        <p:spPr/>
+        <p:txBody>
+          <a:bodyPr/>
+          <a:lstStyle/>
+          <a:p>
+            <a:r>
+              <a:rPr lang="it-IT" dirty="0"/>
               <a:t>200-300y+ iniziano imperfezioni,</a:t>
             </a:r>
           </a:p>
@@ -16794,7 +17267,7 @@
           <a:p>
             <a:fld id="{1A6B2BED-F6F4-ED4A-9D49-77F4B1011AF7}" type="slidenum">
               <a:rPr lang="it-IT" smtClean="0"/>
-              <a:t>23</a:t>
+              <a:t>26</a:t>
             </a:fld>
             <a:endParaRPr lang="it-IT"/>
           </a:p>
@@ -16813,7 +17286,7 @@
 </p:notes>
 </file>
 
-<file path=ppt/notesSlides/notesSlide21.xml><?xml version="1.0" encoding="utf-8"?>
+<file path=ppt/notesSlides/notesSlide24.xml><?xml version="1.0" encoding="utf-8"?>
 <p:notes xmlns:a="http://schemas.openxmlformats.org/drawingml/2006/main" xmlns:r="http://schemas.openxmlformats.org/officeDocument/2006/relationships" xmlns:p="http://schemas.openxmlformats.org/presentationml/2006/main">
   <p:cSld>
     <p:spTree>
@@ -16888,7 +17361,7 @@
           <a:p>
             <a:fld id="{1A6B2BED-F6F4-ED4A-9D49-77F4B1011AF7}" type="slidenum">
               <a:rPr lang="it-IT" smtClean="0"/>
-              <a:t>24</a:t>
+              <a:t>27</a:t>
             </a:fld>
             <a:endParaRPr lang="it-IT"/>
           </a:p>
@@ -16907,7 +17380,7 @@
 </p:notes>
 </file>
 
-<file path=ppt/notesSlides/notesSlide22.xml><?xml version="1.0" encoding="utf-8"?>
+<file path=ppt/notesSlides/notesSlide25.xml><?xml version="1.0" encoding="utf-8"?>
 <p:notes xmlns:a="http://schemas.openxmlformats.org/drawingml/2006/main" xmlns:r="http://schemas.openxmlformats.org/officeDocument/2006/relationships" xmlns:p="http://schemas.openxmlformats.org/presentationml/2006/main">
   <p:cSld>
     <p:spTree>
@@ -17003,7 +17476,7 @@
           <a:p>
             <a:fld id="{1A6B2BED-F6F4-ED4A-9D49-77F4B1011AF7}" type="slidenum">
               <a:rPr lang="it-IT" smtClean="0"/>
-              <a:t>25</a:t>
+              <a:t>28</a:t>
             </a:fld>
             <a:endParaRPr lang="it-IT"/>
           </a:p>
@@ -17022,7 +17495,7 @@
 </p:notes>
 </file>
 
-<file path=ppt/notesSlides/notesSlide23.xml><?xml version="1.0" encoding="utf-8"?>
+<file path=ppt/notesSlides/notesSlide26.xml><?xml version="1.0" encoding="utf-8"?>
 <p:notes xmlns:a="http://schemas.openxmlformats.org/drawingml/2006/main" xmlns:r="http://schemas.openxmlformats.org/officeDocument/2006/relationships" xmlns:p="http://schemas.openxmlformats.org/presentationml/2006/main">
   <p:cSld>
     <p:spTree>
@@ -17097,7 +17570,7 @@
           <a:p>
             <a:fld id="{1A6B2BED-F6F4-ED4A-9D49-77F4B1011AF7}" type="slidenum">
               <a:rPr lang="it-IT" smtClean="0"/>
-              <a:t>26</a:t>
+              <a:t>29</a:t>
             </a:fld>
             <a:endParaRPr lang="it-IT"/>
           </a:p>
@@ -17116,7 +17589,7 @@
 </p:notes>
 </file>
 
-<file path=ppt/notesSlides/notesSlide24.xml><?xml version="1.0" encoding="utf-8"?>
+<file path=ppt/notesSlides/notesSlide27.xml><?xml version="1.0" encoding="utf-8"?>
 <p:notes xmlns:a="http://schemas.openxmlformats.org/drawingml/2006/main" xmlns:r="http://schemas.openxmlformats.org/officeDocument/2006/relationships" xmlns:p="http://schemas.openxmlformats.org/presentationml/2006/main">
   <p:cSld>
     <p:spTree>
@@ -17192,7 +17665,7 @@
           <a:p>
             <a:fld id="{1A6B2BED-F6F4-ED4A-9D49-77F4B1011AF7}" type="slidenum">
               <a:rPr lang="it-IT" smtClean="0"/>
-              <a:t>27</a:t>
+              <a:t>30</a:t>
             </a:fld>
             <a:endParaRPr lang="it-IT"/>
           </a:p>
@@ -17211,7 +17684,7 @@
 </p:notes>
 </file>
 
-<file path=ppt/notesSlides/notesSlide25.xml><?xml version="1.0" encoding="utf-8"?>
+<file path=ppt/notesSlides/notesSlide28.xml><?xml version="1.0" encoding="utf-8"?>
 <p:notes xmlns:a="http://schemas.openxmlformats.org/drawingml/2006/main" xmlns:r="http://schemas.openxmlformats.org/officeDocument/2006/relationships" xmlns:p="http://schemas.openxmlformats.org/presentationml/2006/main">
   <p:cSld>
     <p:spTree>
@@ -17287,7 +17760,7 @@
           <a:p>
             <a:fld id="{1A6B2BED-F6F4-ED4A-9D49-77F4B1011AF7}" type="slidenum">
               <a:rPr lang="it-IT" smtClean="0"/>
-              <a:t>28</a:t>
+              <a:t>31</a:t>
             </a:fld>
             <a:endParaRPr lang="it-IT"/>
           </a:p>
@@ -17306,7 +17779,7 @@
 </p:notes>
 </file>
 
-<file path=ppt/notesSlides/notesSlide26.xml><?xml version="1.0" encoding="utf-8"?>
+<file path=ppt/notesSlides/notesSlide29.xml><?xml version="1.0" encoding="utf-8"?>
 <p:notes xmlns:a="http://schemas.openxmlformats.org/drawingml/2006/main" xmlns:r="http://schemas.openxmlformats.org/officeDocument/2006/relationships" xmlns:p="http://schemas.openxmlformats.org/presentationml/2006/main">
   <p:cSld>
     <p:spTree>
@@ -17389,7 +17862,7 @@
           <a:p>
             <a:fld id="{1A6B2BED-F6F4-ED4A-9D49-77F4B1011AF7}" type="slidenum">
               <a:rPr lang="it-IT" smtClean="0"/>
-              <a:t>29</a:t>
+              <a:t>32</a:t>
             </a:fld>
             <a:endParaRPr lang="it-IT"/>
           </a:p>
@@ -17399,90 +17872,6 @@
     <p:extLst>
       <p:ext uri="{BB962C8B-B14F-4D97-AF65-F5344CB8AC3E}">
         <p14:creationId xmlns:p14="http://schemas.microsoft.com/office/powerpoint/2010/main" val="197244461"/>
-      </p:ext>
-    </p:extLst>
-  </p:cSld>
-  <p:clrMapOvr>
-    <a:masterClrMapping/>
-  </p:clrMapOvr>
-</p:notes>
-</file>
-
-<file path=ppt/notesSlides/notesSlide27.xml><?xml version="1.0" encoding="utf-8"?>
-<p:notes xmlns:a="http://schemas.openxmlformats.org/drawingml/2006/main" xmlns:r="http://schemas.openxmlformats.org/officeDocument/2006/relationships" xmlns:p="http://schemas.openxmlformats.org/presentationml/2006/main">
-  <p:cSld>
-    <p:spTree>
-      <p:nvGrpSpPr>
-        <p:cNvPr id="1" name=""/>
-        <p:cNvGrpSpPr/>
-        <p:nvPr/>
-      </p:nvGrpSpPr>
-      <p:grpSpPr>
-        <a:xfrm>
-          <a:off x="0" y="0"/>
-          <a:ext cx="0" cy="0"/>
-          <a:chOff x="0" y="0"/>
-          <a:chExt cx="0" cy="0"/>
-        </a:xfrm>
-      </p:grpSpPr>
-      <p:sp>
-        <p:nvSpPr>
-          <p:cNvPr id="2" name="Segnaposto immagine diapositiva 1"/>
-          <p:cNvSpPr>
-            <a:spLocks noGrp="1" noRot="1" noChangeAspect="1"/>
-          </p:cNvSpPr>
-          <p:nvPr>
-            <p:ph type="sldImg"/>
-          </p:nvPr>
-        </p:nvSpPr>
-        <p:spPr/>
-      </p:sp>
-      <p:sp>
-        <p:nvSpPr>
-          <p:cNvPr id="3" name="Segnaposto note 2"/>
-          <p:cNvSpPr>
-            <a:spLocks noGrp="1"/>
-          </p:cNvSpPr>
-          <p:nvPr>
-            <p:ph type="body" idx="1"/>
-          </p:nvPr>
-        </p:nvSpPr>
-        <p:spPr/>
-        <p:txBody>
-          <a:bodyPr/>
-          <a:lstStyle/>
-          <a:p>
-            <a:endParaRPr lang="it-IT" dirty="0"/>
-          </a:p>
-        </p:txBody>
-      </p:sp>
-      <p:sp>
-        <p:nvSpPr>
-          <p:cNvPr id="4" name="Segnaposto numero diapositiva 3"/>
-          <p:cNvSpPr>
-            <a:spLocks noGrp="1"/>
-          </p:cNvSpPr>
-          <p:nvPr>
-            <p:ph type="sldNum" sz="quarter" idx="10"/>
-          </p:nvPr>
-        </p:nvSpPr>
-        <p:spPr/>
-        <p:txBody>
-          <a:bodyPr/>
-          <a:lstStyle/>
-          <a:p>
-            <a:fld id="{1A6B2BED-F6F4-ED4A-9D49-77F4B1011AF7}" type="slidenum">
-              <a:rPr lang="it-IT" smtClean="0"/>
-              <a:t>33</a:t>
-            </a:fld>
-            <a:endParaRPr lang="it-IT"/>
-          </a:p>
-        </p:txBody>
-      </p:sp>
-    </p:spTree>
-    <p:extLst>
-      <p:ext uri="{BB962C8B-B14F-4D97-AF65-F5344CB8AC3E}">
-        <p14:creationId xmlns:p14="http://schemas.microsoft.com/office/powerpoint/2010/main" val="135479347"/>
       </p:ext>
     </p:extLst>
   </p:cSld>
@@ -17587,6 +17976,90 @@
     <p:extLst>
       <p:ext uri="{BB962C8B-B14F-4D97-AF65-F5344CB8AC3E}">
         <p14:creationId xmlns:p14="http://schemas.microsoft.com/office/powerpoint/2010/main" val="3805237108"/>
+      </p:ext>
+    </p:extLst>
+  </p:cSld>
+  <p:clrMapOvr>
+    <a:masterClrMapping/>
+  </p:clrMapOvr>
+</p:notes>
+</file>
+
+<file path=ppt/notesSlides/notesSlide30.xml><?xml version="1.0" encoding="utf-8"?>
+<p:notes xmlns:a="http://schemas.openxmlformats.org/drawingml/2006/main" xmlns:r="http://schemas.openxmlformats.org/officeDocument/2006/relationships" xmlns:p="http://schemas.openxmlformats.org/presentationml/2006/main">
+  <p:cSld>
+    <p:spTree>
+      <p:nvGrpSpPr>
+        <p:cNvPr id="1" name=""/>
+        <p:cNvGrpSpPr/>
+        <p:nvPr/>
+      </p:nvGrpSpPr>
+      <p:grpSpPr>
+        <a:xfrm>
+          <a:off x="0" y="0"/>
+          <a:ext cx="0" cy="0"/>
+          <a:chOff x="0" y="0"/>
+          <a:chExt cx="0" cy="0"/>
+        </a:xfrm>
+      </p:grpSpPr>
+      <p:sp>
+        <p:nvSpPr>
+          <p:cNvPr id="2" name="Segnaposto immagine diapositiva 1"/>
+          <p:cNvSpPr>
+            <a:spLocks noGrp="1" noRot="1" noChangeAspect="1"/>
+          </p:cNvSpPr>
+          <p:nvPr>
+            <p:ph type="sldImg"/>
+          </p:nvPr>
+        </p:nvSpPr>
+        <p:spPr/>
+      </p:sp>
+      <p:sp>
+        <p:nvSpPr>
+          <p:cNvPr id="3" name="Segnaposto note 2"/>
+          <p:cNvSpPr>
+            <a:spLocks noGrp="1"/>
+          </p:cNvSpPr>
+          <p:nvPr>
+            <p:ph type="body" idx="1"/>
+          </p:nvPr>
+        </p:nvSpPr>
+        <p:spPr/>
+        <p:txBody>
+          <a:bodyPr/>
+          <a:lstStyle/>
+          <a:p>
+            <a:endParaRPr lang="it-IT" dirty="0"/>
+          </a:p>
+        </p:txBody>
+      </p:sp>
+      <p:sp>
+        <p:nvSpPr>
+          <p:cNvPr id="4" name="Segnaposto numero diapositiva 3"/>
+          <p:cNvSpPr>
+            <a:spLocks noGrp="1"/>
+          </p:cNvSpPr>
+          <p:nvPr>
+            <p:ph type="sldNum" sz="quarter" idx="10"/>
+          </p:nvPr>
+        </p:nvSpPr>
+        <p:spPr/>
+        <p:txBody>
+          <a:bodyPr/>
+          <a:lstStyle/>
+          <a:p>
+            <a:fld id="{1A6B2BED-F6F4-ED4A-9D49-77F4B1011AF7}" type="slidenum">
+              <a:rPr lang="it-IT" smtClean="0"/>
+              <a:t>36</a:t>
+            </a:fld>
+            <a:endParaRPr lang="it-IT"/>
+          </a:p>
+        </p:txBody>
+      </p:sp>
+    </p:spTree>
+    <p:extLst>
+      <p:ext uri="{BB962C8B-B14F-4D97-AF65-F5344CB8AC3E}">
+        <p14:creationId xmlns:p14="http://schemas.microsoft.com/office/powerpoint/2010/main" val="135479347"/>
       </p:ext>
     </p:extLst>
   </p:cSld>
@@ -18050,55 +18523,8 @@
           <a:p>
             <a:r>
               <a:rPr lang="it-IT" dirty="0"/>
-              <a:t>Benchmark,</a:t>
+              <a:t>Use estensivo delle seguenti librerie esterne</a:t>
             </a:r>
-          </a:p>
-          <a:p>
-            <a:r>
-              <a:rPr lang="it-IT" dirty="0"/>
-              <a:t>Single core con 2D </a:t>
-            </a:r>
-            <a:r>
-              <a:rPr lang="it-IT" dirty="0" err="1"/>
-              <a:t>decomp</a:t>
-            </a:r>
-            <a:r>
-              <a:rPr lang="it-IT" dirty="0"/>
-              <a:t>,</a:t>
-            </a:r>
-          </a:p>
-          <a:p>
-            <a:r>
-              <a:rPr lang="it-IT" dirty="0"/>
-              <a:t>Caso più limitante per lo </a:t>
-            </a:r>
-            <a:r>
-              <a:rPr lang="it-IT" dirty="0" err="1"/>
-              <a:t>scaling</a:t>
-            </a:r>
-            <a:r>
-              <a:rPr lang="it-IT" dirty="0"/>
-              <a:t>: 64^3 </a:t>
-            </a:r>
-            <a:r>
-              <a:rPr lang="it-IT" dirty="0" err="1"/>
-              <a:t>slab</a:t>
-            </a:r>
-            <a:r>
-              <a:rPr lang="it-IT" dirty="0"/>
-              <a:t> vs </a:t>
-            </a:r>
-            <a:r>
-              <a:rPr lang="it-IT" dirty="0" err="1"/>
-              <a:t>pencil</a:t>
-            </a:r>
-            <a:r>
-              <a:rPr lang="it-IT" dirty="0"/>
-              <a:t>,</a:t>
-            </a:r>
-          </a:p>
-          <a:p>
-            <a:endParaRPr lang="it-IT" dirty="0"/>
           </a:p>
           <a:p>
             <a:endParaRPr lang="it-IT" dirty="0"/>
@@ -18187,55 +18613,8 @@
           <a:p>
             <a:r>
               <a:rPr lang="it-IT" dirty="0"/>
-              <a:t>Benchmark,</a:t>
+              <a:t>Use estensivo delle seguenti librerie esterne</a:t>
             </a:r>
-          </a:p>
-          <a:p>
-            <a:r>
-              <a:rPr lang="it-IT" dirty="0"/>
-              <a:t>Single core con 2D </a:t>
-            </a:r>
-            <a:r>
-              <a:rPr lang="it-IT" dirty="0" err="1"/>
-              <a:t>decomp</a:t>
-            </a:r>
-            <a:r>
-              <a:rPr lang="it-IT" dirty="0"/>
-              <a:t>,</a:t>
-            </a:r>
-          </a:p>
-          <a:p>
-            <a:r>
-              <a:rPr lang="it-IT" dirty="0"/>
-              <a:t>Caso più limitante per lo </a:t>
-            </a:r>
-            <a:r>
-              <a:rPr lang="it-IT" dirty="0" err="1"/>
-              <a:t>scaling</a:t>
-            </a:r>
-            <a:r>
-              <a:rPr lang="it-IT" dirty="0"/>
-              <a:t>: 64^3 </a:t>
-            </a:r>
-            <a:r>
-              <a:rPr lang="it-IT" dirty="0" err="1"/>
-              <a:t>slab</a:t>
-            </a:r>
-            <a:r>
-              <a:rPr lang="it-IT" dirty="0"/>
-              <a:t> vs </a:t>
-            </a:r>
-            <a:r>
-              <a:rPr lang="it-IT" dirty="0" err="1"/>
-              <a:t>pencil</a:t>
-            </a:r>
-            <a:r>
-              <a:rPr lang="it-IT" dirty="0"/>
-              <a:t>,</a:t>
-            </a:r>
-          </a:p>
-          <a:p>
-            <a:endParaRPr lang="it-IT" dirty="0"/>
           </a:p>
           <a:p>
             <a:endParaRPr lang="it-IT" dirty="0"/>
@@ -18268,7 +18647,7 @@
     </p:spTree>
     <p:extLst>
       <p:ext uri="{BB962C8B-B14F-4D97-AF65-F5344CB8AC3E}">
-        <p14:creationId xmlns:p14="http://schemas.microsoft.com/office/powerpoint/2010/main" val="2622871920"/>
+        <p14:creationId xmlns:p14="http://schemas.microsoft.com/office/powerpoint/2010/main" val="1570855508"/>
       </p:ext>
     </p:extLst>
   </p:cSld>
@@ -34988,6 +35367,1591 @@
           <a:p>
             <a:pPr/>
             <a:r>
+              <a:rPr lang="it-IT" b="1" dirty="0" err="1">
+                <a:solidFill>
+                  <a:schemeClr val="accent1">
+                    <a:lumMod val="50000"/>
+                  </a:schemeClr>
+                </a:solidFill>
+                <a:latin typeface="Arial" panose="020B0604020202020204" pitchFamily="34" charset="0"/>
+                <a:ea typeface="Cambria Math" panose="02040503050406030204" pitchFamily="18" charset="0"/>
+                <a:cs typeface="Arial" panose="020B0604020202020204" pitchFamily="34" charset="0"/>
+              </a:rPr>
+              <a:t>Structure</a:t>
+            </a:r>
+            <a:endParaRPr lang="it-IT" b="1" dirty="0">
+              <a:solidFill>
+                <a:schemeClr val="accent1">
+                  <a:lumMod val="50000"/>
+                </a:schemeClr>
+              </a:solidFill>
+              <a:latin typeface="Arial" panose="020B0604020202020204" pitchFamily="34" charset="0"/>
+              <a:ea typeface="Cambria Math" panose="02040503050406030204" pitchFamily="18" charset="0"/>
+              <a:cs typeface="Arial" panose="020B0604020202020204" pitchFamily="34" charset="0"/>
+            </a:endParaRPr>
+          </a:p>
+        </p:txBody>
+      </p:sp>
+      <p:sp>
+        <p:nvSpPr>
+          <p:cNvPr id="9" name="CasellaDiTesto 8">
+            <a:extLst>
+              <a:ext uri="{FF2B5EF4-FFF2-40B4-BE49-F238E27FC236}">
+                <a16:creationId xmlns:a16="http://schemas.microsoft.com/office/drawing/2014/main" id="{53351752-2C56-364D-82D2-AE07AEAC8720}"/>
+              </a:ext>
+            </a:extLst>
+          </p:cNvPr>
+          <p:cNvSpPr txBox="1"/>
+          <p:nvPr/>
+        </p:nvSpPr>
+        <p:spPr>
+          <a:xfrm>
+            <a:off x="3194462" y="3847605"/>
+            <a:ext cx="184731" cy="369332"/>
+          </a:xfrm>
+          <a:prstGeom prst="rect">
+            <a:avLst/>
+          </a:prstGeom>
+          <a:noFill/>
+        </p:spPr>
+        <p:txBody>
+          <a:bodyPr wrap="none" rtlCol="0">
+            <a:spAutoFit/>
+          </a:bodyPr>
+          <a:lstStyle/>
+          <a:p>
+            <a:endParaRPr lang="it-IT" dirty="0"/>
+          </a:p>
+        </p:txBody>
+      </p:sp>
+      <p:grpSp>
+        <p:nvGrpSpPr>
+          <p:cNvPr id="4" name="Gruppo 3">
+            <a:extLst>
+              <a:ext uri="{FF2B5EF4-FFF2-40B4-BE49-F238E27FC236}">
+                <a16:creationId xmlns:a16="http://schemas.microsoft.com/office/drawing/2014/main" id="{6040EE21-EEFD-244F-9E14-637E5C21FEFF}"/>
+              </a:ext>
+            </a:extLst>
+          </p:cNvPr>
+          <p:cNvGrpSpPr/>
+          <p:nvPr/>
+        </p:nvGrpSpPr>
+        <p:grpSpPr>
+          <a:xfrm>
+            <a:off x="83127" y="6317672"/>
+            <a:ext cx="3063834" cy="344385"/>
+            <a:chOff x="83127" y="6317672"/>
+            <a:chExt cx="3063834" cy="344385"/>
+          </a:xfrm>
+        </p:grpSpPr>
+        <p:sp>
+          <p:nvSpPr>
+            <p:cNvPr id="5" name="Rettangolo 4">
+              <a:extLst>
+                <a:ext uri="{FF2B5EF4-FFF2-40B4-BE49-F238E27FC236}">
+                  <a16:creationId xmlns:a16="http://schemas.microsoft.com/office/drawing/2014/main" id="{BF4B3357-CDC2-2442-86C2-E5C7C2A7230E}"/>
+                </a:ext>
+              </a:extLst>
+            </p:cNvPr>
+            <p:cNvSpPr/>
+            <p:nvPr/>
+          </p:nvSpPr>
+          <p:spPr>
+            <a:xfrm>
+              <a:off x="83127" y="6317672"/>
+              <a:ext cx="3063834" cy="344385"/>
+            </a:xfrm>
+            <a:prstGeom prst="rect">
+              <a:avLst/>
+            </a:prstGeom>
+            <a:solidFill>
+              <a:srgbClr val="728FA5"/>
+            </a:solidFill>
+            <a:ln>
+              <a:noFill/>
+            </a:ln>
+          </p:spPr>
+          <p:style>
+            <a:lnRef idx="0">
+              <a:scrgbClr r="0" g="0" b="0"/>
+            </a:lnRef>
+            <a:fillRef idx="0">
+              <a:scrgbClr r="0" g="0" b="0"/>
+            </a:fillRef>
+            <a:effectRef idx="0">
+              <a:scrgbClr r="0" g="0" b="0"/>
+            </a:effectRef>
+            <a:fontRef idx="minor">
+              <a:schemeClr val="lt1"/>
+            </a:fontRef>
+          </p:style>
+          <p:txBody>
+            <a:bodyPr rtlCol="0" anchor="ctr"/>
+            <a:lstStyle/>
+            <a:p>
+              <a:endParaRPr lang="it-IT" sz="1400" dirty="0"/>
+            </a:p>
+          </p:txBody>
+        </p:sp>
+        <p:sp>
+          <p:nvSpPr>
+            <p:cNvPr id="8" name="Rettangolo 7">
+              <a:extLst>
+                <a:ext uri="{FF2B5EF4-FFF2-40B4-BE49-F238E27FC236}">
+                  <a16:creationId xmlns:a16="http://schemas.microsoft.com/office/drawing/2014/main" id="{5586F461-EC0C-D148-A5B3-CCDFE544B77E}"/>
+                </a:ext>
+              </a:extLst>
+            </p:cNvPr>
+            <p:cNvSpPr/>
+            <p:nvPr/>
+          </p:nvSpPr>
+          <p:spPr>
+            <a:xfrm>
+              <a:off x="288521" y="6317672"/>
+              <a:ext cx="2858440" cy="344385"/>
+            </a:xfrm>
+            <a:prstGeom prst="rect">
+              <a:avLst/>
+            </a:prstGeom>
+            <a:solidFill>
+              <a:srgbClr val="728FA5"/>
+            </a:solidFill>
+            <a:ln>
+              <a:noFill/>
+            </a:ln>
+          </p:spPr>
+          <p:style>
+            <a:lnRef idx="0">
+              <a:scrgbClr r="0" g="0" b="0"/>
+            </a:lnRef>
+            <a:fillRef idx="0">
+              <a:scrgbClr r="0" g="0" b="0"/>
+            </a:fillRef>
+            <a:effectRef idx="0">
+              <a:scrgbClr r="0" g="0" b="0"/>
+            </a:effectRef>
+            <a:fontRef idx="minor">
+              <a:schemeClr val="lt1"/>
+            </a:fontRef>
+          </p:style>
+          <p:txBody>
+            <a:bodyPr rtlCol="0" anchor="ctr"/>
+            <a:lstStyle/>
+            <a:p>
+              <a:r>
+                <a:rPr lang="it-IT" sz="1400" dirty="0"/>
+                <a:t>Mirco Meazzo - 873477</a:t>
+              </a:r>
+            </a:p>
+          </p:txBody>
+        </p:sp>
+      </p:grpSp>
+      <p:sp>
+        <p:nvSpPr>
+          <p:cNvPr id="10" name="Titolo 1">
+            <a:extLst>
+              <a:ext uri="{FF2B5EF4-FFF2-40B4-BE49-F238E27FC236}">
+                <a16:creationId xmlns:a16="http://schemas.microsoft.com/office/drawing/2014/main" id="{8C8D6482-3CCE-E247-B568-E81C33294396}"/>
+              </a:ext>
+            </a:extLst>
+          </p:cNvPr>
+          <p:cNvSpPr>
+            <a:spLocks noGrp="1"/>
+          </p:cNvSpPr>
+          <p:nvPr>
+            <p:ph type="title"/>
+          </p:nvPr>
+        </p:nvSpPr>
+        <p:spPr/>
+        <p:txBody>
+          <a:bodyPr/>
+          <a:lstStyle/>
+          <a:p>
+            <a:r>
+              <a:rPr lang="it-IT" dirty="0"/>
+              <a:t>The Code</a:t>
+            </a:r>
+          </a:p>
+        </p:txBody>
+      </p:sp>
+      <p:sp>
+        <p:nvSpPr>
+          <p:cNvPr id="15" name="CasellaDiTesto 14">
+            <a:extLst>
+              <a:ext uri="{FF2B5EF4-FFF2-40B4-BE49-F238E27FC236}">
+                <a16:creationId xmlns:a16="http://schemas.microsoft.com/office/drawing/2014/main" id="{E9D33FAF-838E-134C-86B2-1520C34B8D98}"/>
+              </a:ext>
+            </a:extLst>
+          </p:cNvPr>
+          <p:cNvSpPr txBox="1"/>
+          <p:nvPr/>
+        </p:nvSpPr>
+        <p:spPr>
+          <a:xfrm>
+            <a:off x="666666" y="2539237"/>
+            <a:ext cx="7904793" cy="369332"/>
+          </a:xfrm>
+          <a:prstGeom prst="rect">
+            <a:avLst/>
+          </a:prstGeom>
+          <a:noFill/>
+        </p:spPr>
+        <p:txBody>
+          <a:bodyPr wrap="none" rtlCol="0">
+            <a:spAutoFit/>
+          </a:bodyPr>
+          <a:lstStyle/>
+          <a:p>
+            <a:r>
+              <a:rPr lang="it-IT" b="1" dirty="0">
+                <a:solidFill>
+                  <a:schemeClr val="accent1">
+                    <a:lumMod val="50000"/>
+                  </a:schemeClr>
+                </a:solidFill>
+                <a:latin typeface="Arial" panose="020B0604020202020204" pitchFamily="34" charset="0"/>
+                <a:cs typeface="Arial" panose="020B0604020202020204" pitchFamily="34" charset="0"/>
+              </a:rPr>
+              <a:t>The solver </a:t>
+            </a:r>
+            <a:r>
+              <a:rPr lang="it-IT" b="1" dirty="0" err="1">
+                <a:solidFill>
+                  <a:schemeClr val="accent1">
+                    <a:lumMod val="50000"/>
+                  </a:schemeClr>
+                </a:solidFill>
+                <a:latin typeface="Arial" panose="020B0604020202020204" pitchFamily="34" charset="0"/>
+                <a:cs typeface="Arial" panose="020B0604020202020204" pitchFamily="34" charset="0"/>
+              </a:rPr>
+              <a:t>is</a:t>
+            </a:r>
+            <a:r>
+              <a:rPr lang="it-IT" b="1" dirty="0">
+                <a:solidFill>
+                  <a:schemeClr val="accent1">
+                    <a:lumMod val="50000"/>
+                  </a:schemeClr>
+                </a:solidFill>
+                <a:latin typeface="Arial" panose="020B0604020202020204" pitchFamily="34" charset="0"/>
+                <a:cs typeface="Arial" panose="020B0604020202020204" pitchFamily="34" charset="0"/>
+              </a:rPr>
+              <a:t> </a:t>
+            </a:r>
+            <a:r>
+              <a:rPr lang="it-IT" b="1" dirty="0" err="1">
+                <a:solidFill>
+                  <a:schemeClr val="accent1">
+                    <a:lumMod val="50000"/>
+                  </a:schemeClr>
+                </a:solidFill>
+                <a:latin typeface="Arial" panose="020B0604020202020204" pitchFamily="34" charset="0"/>
+                <a:cs typeface="Arial" panose="020B0604020202020204" pitchFamily="34" charset="0"/>
+              </a:rPr>
+              <a:t>written</a:t>
+            </a:r>
+            <a:r>
+              <a:rPr lang="it-IT" b="1" dirty="0">
+                <a:solidFill>
+                  <a:schemeClr val="accent1">
+                    <a:lumMod val="50000"/>
+                  </a:schemeClr>
+                </a:solidFill>
+                <a:latin typeface="Arial" panose="020B0604020202020204" pitchFamily="34" charset="0"/>
+                <a:cs typeface="Arial" panose="020B0604020202020204" pitchFamily="34" charset="0"/>
+              </a:rPr>
+              <a:t> </a:t>
+            </a:r>
+            <a:r>
+              <a:rPr lang="it-IT" b="1" dirty="0" err="1">
+                <a:solidFill>
+                  <a:schemeClr val="accent1">
+                    <a:lumMod val="50000"/>
+                  </a:schemeClr>
+                </a:solidFill>
+                <a:latin typeface="Arial" panose="020B0604020202020204" pitchFamily="34" charset="0"/>
+                <a:cs typeface="Arial" panose="020B0604020202020204" pitchFamily="34" charset="0"/>
+              </a:rPr>
+              <a:t>partially</a:t>
+            </a:r>
+            <a:r>
+              <a:rPr lang="it-IT" b="1" dirty="0">
+                <a:solidFill>
+                  <a:schemeClr val="accent1">
+                    <a:lumMod val="50000"/>
+                  </a:schemeClr>
+                </a:solidFill>
+                <a:latin typeface="Arial" panose="020B0604020202020204" pitchFamily="34" charset="0"/>
+                <a:cs typeface="Arial" panose="020B0604020202020204" pitchFamily="34" charset="0"/>
+              </a:rPr>
+              <a:t> in CPL, a C </a:t>
+            </a:r>
+            <a:r>
+              <a:rPr lang="it-IT" b="1" dirty="0" err="1">
+                <a:solidFill>
+                  <a:schemeClr val="accent1">
+                    <a:lumMod val="50000"/>
+                  </a:schemeClr>
+                </a:solidFill>
+                <a:latin typeface="Arial" panose="020B0604020202020204" pitchFamily="34" charset="0"/>
+                <a:cs typeface="Arial" panose="020B0604020202020204" pitchFamily="34" charset="0"/>
+              </a:rPr>
+              <a:t>interpreter</a:t>
+            </a:r>
+            <a:r>
+              <a:rPr lang="it-IT" b="1" dirty="0">
+                <a:solidFill>
+                  <a:schemeClr val="accent1">
+                    <a:lumMod val="50000"/>
+                  </a:schemeClr>
+                </a:solidFill>
+                <a:latin typeface="Arial" panose="020B0604020202020204" pitchFamily="34" charset="0"/>
+                <a:cs typeface="Arial" panose="020B0604020202020204" pitchFamily="34" charset="0"/>
+              </a:rPr>
+              <a:t>, and </a:t>
+            </a:r>
+            <a:r>
+              <a:rPr lang="it-IT" b="1" dirty="0" err="1">
+                <a:solidFill>
+                  <a:schemeClr val="accent1">
+                    <a:lumMod val="50000"/>
+                  </a:schemeClr>
+                </a:solidFill>
+                <a:latin typeface="Arial" panose="020B0604020202020204" pitchFamily="34" charset="0"/>
+                <a:cs typeface="Arial" panose="020B0604020202020204" pitchFamily="34" charset="0"/>
+              </a:rPr>
+              <a:t>partially</a:t>
+            </a:r>
+            <a:r>
+              <a:rPr lang="it-IT" b="1" dirty="0">
+                <a:solidFill>
+                  <a:schemeClr val="accent1">
+                    <a:lumMod val="50000"/>
+                  </a:schemeClr>
+                </a:solidFill>
+                <a:latin typeface="Arial" panose="020B0604020202020204" pitchFamily="34" charset="0"/>
+                <a:cs typeface="Arial" panose="020B0604020202020204" pitchFamily="34" charset="0"/>
+              </a:rPr>
+              <a:t> in C </a:t>
+            </a:r>
+          </a:p>
+        </p:txBody>
+      </p:sp>
+      <p:sp>
+        <p:nvSpPr>
+          <p:cNvPr id="16" name="CasellaDiTesto 15">
+            <a:extLst>
+              <a:ext uri="{FF2B5EF4-FFF2-40B4-BE49-F238E27FC236}">
+                <a16:creationId xmlns:a16="http://schemas.microsoft.com/office/drawing/2014/main" id="{F5C03DB4-013A-274E-B368-C5D128122208}"/>
+              </a:ext>
+            </a:extLst>
+          </p:cNvPr>
+          <p:cNvSpPr txBox="1"/>
+          <p:nvPr/>
+        </p:nvSpPr>
+        <p:spPr>
+          <a:xfrm>
+            <a:off x="1583616" y="3529833"/>
+            <a:ext cx="1217000" cy="1287532"/>
+          </a:xfrm>
+          <a:prstGeom prst="rect">
+            <a:avLst/>
+          </a:prstGeom>
+          <a:noFill/>
+        </p:spPr>
+        <p:txBody>
+          <a:bodyPr wrap="none" rtlCol="0">
+            <a:spAutoFit/>
+          </a:bodyPr>
+          <a:lstStyle/>
+          <a:p>
+            <a:pPr marL="285750" indent="-285750">
+              <a:lnSpc>
+                <a:spcPct val="150000"/>
+              </a:lnSpc>
+              <a:buFont typeface="Arial" panose="020B0604020202020204" pitchFamily="34" charset="0"/>
+              <a:buChar char="•"/>
+            </a:pPr>
+            <a:r>
+              <a:rPr lang="it-IT" b="1" dirty="0">
+                <a:solidFill>
+                  <a:schemeClr val="accent1">
+                    <a:lumMod val="50000"/>
+                  </a:schemeClr>
+                </a:solidFill>
+                <a:latin typeface="Arial" panose="020B0604020202020204" pitchFamily="34" charset="0"/>
+                <a:cs typeface="Arial" panose="020B0604020202020204" pitchFamily="34" charset="0"/>
+              </a:rPr>
+              <a:t>MPI </a:t>
+            </a:r>
+          </a:p>
+          <a:p>
+            <a:pPr marL="285750" indent="-285750">
+              <a:lnSpc>
+                <a:spcPct val="150000"/>
+              </a:lnSpc>
+              <a:buFont typeface="Arial" panose="020B0604020202020204" pitchFamily="34" charset="0"/>
+              <a:buChar char="•"/>
+            </a:pPr>
+            <a:r>
+              <a:rPr lang="it-IT" b="1" dirty="0">
+                <a:solidFill>
+                  <a:schemeClr val="accent1">
+                    <a:lumMod val="50000"/>
+                  </a:schemeClr>
+                </a:solidFill>
+                <a:latin typeface="Arial" panose="020B0604020202020204" pitchFamily="34" charset="0"/>
+                <a:cs typeface="Arial" panose="020B0604020202020204" pitchFamily="34" charset="0"/>
+              </a:rPr>
+              <a:t>pHDF5</a:t>
+            </a:r>
+          </a:p>
+          <a:p>
+            <a:pPr marL="285750" indent="-285750">
+              <a:lnSpc>
+                <a:spcPct val="150000"/>
+              </a:lnSpc>
+              <a:buFont typeface="Arial" panose="020B0604020202020204" pitchFamily="34" charset="0"/>
+              <a:buChar char="•"/>
+            </a:pPr>
+            <a:r>
+              <a:rPr lang="it-IT" b="1" dirty="0" err="1">
+                <a:solidFill>
+                  <a:schemeClr val="accent1">
+                    <a:lumMod val="50000"/>
+                  </a:schemeClr>
+                </a:solidFill>
+                <a:latin typeface="Arial" panose="020B0604020202020204" pitchFamily="34" charset="0"/>
+                <a:cs typeface="Arial" panose="020B0604020202020204" pitchFamily="34" charset="0"/>
+              </a:rPr>
+              <a:t>fftMPI</a:t>
+            </a:r>
+            <a:endParaRPr lang="it-IT" b="1" dirty="0">
+              <a:solidFill>
+                <a:schemeClr val="accent1">
+                  <a:lumMod val="50000"/>
+                </a:schemeClr>
+              </a:solidFill>
+              <a:latin typeface="Arial" panose="020B0604020202020204" pitchFamily="34" charset="0"/>
+              <a:cs typeface="Arial" panose="020B0604020202020204" pitchFamily="34" charset="0"/>
+            </a:endParaRPr>
+          </a:p>
+        </p:txBody>
+      </p:sp>
+      <p:sp>
+        <p:nvSpPr>
+          <p:cNvPr id="18" name="Freccia destra 17">
+            <a:extLst>
+              <a:ext uri="{FF2B5EF4-FFF2-40B4-BE49-F238E27FC236}">
+                <a16:creationId xmlns:a16="http://schemas.microsoft.com/office/drawing/2014/main" id="{F75017D0-AC54-EA4A-9199-83DE6EA642AA}"/>
+              </a:ext>
+            </a:extLst>
+          </p:cNvPr>
+          <p:cNvSpPr/>
+          <p:nvPr/>
+        </p:nvSpPr>
+        <p:spPr>
+          <a:xfrm>
+            <a:off x="3379193" y="3619005"/>
+            <a:ext cx="2393576" cy="228600"/>
+          </a:xfrm>
+          <a:prstGeom prst="rightArrow">
+            <a:avLst/>
+          </a:prstGeom>
+        </p:spPr>
+        <p:style>
+          <a:lnRef idx="1">
+            <a:schemeClr val="accent1"/>
+          </a:lnRef>
+          <a:fillRef idx="3">
+            <a:schemeClr val="accent1"/>
+          </a:fillRef>
+          <a:effectRef idx="2">
+            <a:schemeClr val="accent1"/>
+          </a:effectRef>
+          <a:fontRef idx="minor">
+            <a:schemeClr val="lt1"/>
+          </a:fontRef>
+        </p:style>
+        <p:txBody>
+          <a:bodyPr rtlCol="0" anchor="ctr"/>
+          <a:lstStyle/>
+          <a:p>
+            <a:pPr algn="ctr"/>
+            <a:endParaRPr lang="it-IT"/>
+          </a:p>
+        </p:txBody>
+      </p:sp>
+      <p:sp>
+        <p:nvSpPr>
+          <p:cNvPr id="19" name="Freccia destra 18">
+            <a:extLst>
+              <a:ext uri="{FF2B5EF4-FFF2-40B4-BE49-F238E27FC236}">
+                <a16:creationId xmlns:a16="http://schemas.microsoft.com/office/drawing/2014/main" id="{14232AEE-4109-3A4D-AF6E-1E16600AEF03}"/>
+              </a:ext>
+            </a:extLst>
+          </p:cNvPr>
+          <p:cNvSpPr/>
+          <p:nvPr/>
+        </p:nvSpPr>
+        <p:spPr>
+          <a:xfrm>
+            <a:off x="3379193" y="4084739"/>
+            <a:ext cx="2393576" cy="228600"/>
+          </a:xfrm>
+          <a:prstGeom prst="rightArrow">
+            <a:avLst/>
+          </a:prstGeom>
+        </p:spPr>
+        <p:style>
+          <a:lnRef idx="1">
+            <a:schemeClr val="accent1"/>
+          </a:lnRef>
+          <a:fillRef idx="3">
+            <a:schemeClr val="accent1"/>
+          </a:fillRef>
+          <a:effectRef idx="2">
+            <a:schemeClr val="accent1"/>
+          </a:effectRef>
+          <a:fontRef idx="minor">
+            <a:schemeClr val="lt1"/>
+          </a:fontRef>
+        </p:style>
+        <p:txBody>
+          <a:bodyPr rtlCol="0" anchor="ctr"/>
+          <a:lstStyle/>
+          <a:p>
+            <a:pPr algn="ctr"/>
+            <a:endParaRPr lang="it-IT"/>
+          </a:p>
+        </p:txBody>
+      </p:sp>
+      <p:sp>
+        <p:nvSpPr>
+          <p:cNvPr id="20" name="Freccia destra 19">
+            <a:extLst>
+              <a:ext uri="{FF2B5EF4-FFF2-40B4-BE49-F238E27FC236}">
+                <a16:creationId xmlns:a16="http://schemas.microsoft.com/office/drawing/2014/main" id="{0F8F5F72-E38D-4B4C-9A25-F0B340BAF52D}"/>
+              </a:ext>
+            </a:extLst>
+          </p:cNvPr>
+          <p:cNvSpPr/>
+          <p:nvPr/>
+        </p:nvSpPr>
+        <p:spPr>
+          <a:xfrm>
+            <a:off x="3379193" y="4550473"/>
+            <a:ext cx="2393576" cy="228600"/>
+          </a:xfrm>
+          <a:prstGeom prst="rightArrow">
+            <a:avLst/>
+          </a:prstGeom>
+        </p:spPr>
+        <p:style>
+          <a:lnRef idx="1">
+            <a:schemeClr val="accent1"/>
+          </a:lnRef>
+          <a:fillRef idx="3">
+            <a:schemeClr val="accent1"/>
+          </a:fillRef>
+          <a:effectRef idx="2">
+            <a:schemeClr val="accent1"/>
+          </a:effectRef>
+          <a:fontRef idx="minor">
+            <a:schemeClr val="lt1"/>
+          </a:fontRef>
+        </p:style>
+        <p:txBody>
+          <a:bodyPr rtlCol="0" anchor="ctr"/>
+          <a:lstStyle/>
+          <a:p>
+            <a:pPr algn="ctr"/>
+            <a:endParaRPr lang="it-IT"/>
+          </a:p>
+        </p:txBody>
+      </p:sp>
+      <p:sp>
+        <p:nvSpPr>
+          <p:cNvPr id="21" name="CasellaDiTesto 20">
+            <a:extLst>
+              <a:ext uri="{FF2B5EF4-FFF2-40B4-BE49-F238E27FC236}">
+                <a16:creationId xmlns:a16="http://schemas.microsoft.com/office/drawing/2014/main" id="{A396D6B3-3DE3-DA49-9C8A-CEA1A49DA31F}"/>
+              </a:ext>
+            </a:extLst>
+          </p:cNvPr>
+          <p:cNvSpPr txBox="1"/>
+          <p:nvPr/>
+        </p:nvSpPr>
+        <p:spPr>
+          <a:xfrm>
+            <a:off x="6398081" y="4014373"/>
+            <a:ext cx="1826141" cy="369332"/>
+          </a:xfrm>
+          <a:prstGeom prst="rect">
+            <a:avLst/>
+          </a:prstGeom>
+          <a:noFill/>
+        </p:spPr>
+        <p:txBody>
+          <a:bodyPr wrap="none" rtlCol="0">
+            <a:spAutoFit/>
+          </a:bodyPr>
+          <a:lstStyle/>
+          <a:p>
+            <a:r>
+              <a:rPr lang="it-IT" b="1" dirty="0" err="1">
+                <a:solidFill>
+                  <a:schemeClr val="accent1">
+                    <a:lumMod val="50000"/>
+                  </a:schemeClr>
+                </a:solidFill>
+                <a:latin typeface="Arial" panose="020B0604020202020204" pitchFamily="34" charset="0"/>
+                <a:cs typeface="Arial" panose="020B0604020202020204" pitchFamily="34" charset="0"/>
+              </a:rPr>
+              <a:t>Parallelized</a:t>
+            </a:r>
+            <a:r>
+              <a:rPr lang="it-IT" b="1" dirty="0">
+                <a:solidFill>
+                  <a:schemeClr val="accent1">
+                    <a:lumMod val="50000"/>
+                  </a:schemeClr>
+                </a:solidFill>
+                <a:latin typeface="Arial" panose="020B0604020202020204" pitchFamily="34" charset="0"/>
+                <a:cs typeface="Arial" panose="020B0604020202020204" pitchFamily="34" charset="0"/>
+              </a:rPr>
+              <a:t> I/O</a:t>
+            </a:r>
+          </a:p>
+        </p:txBody>
+      </p:sp>
+      <p:sp>
+        <p:nvSpPr>
+          <p:cNvPr id="22" name="CasellaDiTesto 21">
+            <a:extLst>
+              <a:ext uri="{FF2B5EF4-FFF2-40B4-BE49-F238E27FC236}">
+                <a16:creationId xmlns:a16="http://schemas.microsoft.com/office/drawing/2014/main" id="{CA1D8D29-5F04-7E4D-BAB0-D7833C4D07A5}"/>
+              </a:ext>
+            </a:extLst>
+          </p:cNvPr>
+          <p:cNvSpPr txBox="1"/>
+          <p:nvPr/>
+        </p:nvSpPr>
+        <p:spPr>
+          <a:xfrm>
+            <a:off x="6453640" y="4480107"/>
+            <a:ext cx="1715021" cy="369332"/>
+          </a:xfrm>
+          <a:prstGeom prst="rect">
+            <a:avLst/>
+          </a:prstGeom>
+          <a:noFill/>
+        </p:spPr>
+        <p:txBody>
+          <a:bodyPr wrap="none" rtlCol="0">
+            <a:spAutoFit/>
+          </a:bodyPr>
+          <a:lstStyle/>
+          <a:p>
+            <a:r>
+              <a:rPr lang="it-IT" b="1" dirty="0">
+                <a:solidFill>
+                  <a:schemeClr val="accent1">
+                    <a:lumMod val="50000"/>
+                  </a:schemeClr>
+                </a:solidFill>
+              </a:rPr>
+              <a:t>Array </a:t>
+            </a:r>
+            <a:r>
+              <a:rPr lang="it-IT" b="1" dirty="0" err="1">
+                <a:solidFill>
+                  <a:schemeClr val="accent1">
+                    <a:lumMod val="50000"/>
+                  </a:schemeClr>
+                </a:solidFill>
+              </a:rPr>
+              <a:t>Transpose</a:t>
+            </a:r>
+            <a:endParaRPr lang="it-IT" b="1" dirty="0">
+              <a:solidFill>
+                <a:schemeClr val="accent1">
+                  <a:lumMod val="50000"/>
+                </a:schemeClr>
+              </a:solidFill>
+            </a:endParaRPr>
+          </a:p>
+        </p:txBody>
+      </p:sp>
+      <p:sp>
+        <p:nvSpPr>
+          <p:cNvPr id="23" name="CasellaDiTesto 22">
+            <a:extLst>
+              <a:ext uri="{FF2B5EF4-FFF2-40B4-BE49-F238E27FC236}">
+                <a16:creationId xmlns:a16="http://schemas.microsoft.com/office/drawing/2014/main" id="{2E772988-F5AB-FF49-B314-08005B23FEDB}"/>
+              </a:ext>
+            </a:extLst>
+          </p:cNvPr>
+          <p:cNvSpPr txBox="1"/>
+          <p:nvPr/>
+        </p:nvSpPr>
+        <p:spPr>
+          <a:xfrm>
+            <a:off x="6346786" y="3548639"/>
+            <a:ext cx="1928733" cy="369332"/>
+          </a:xfrm>
+          <a:prstGeom prst="rect">
+            <a:avLst/>
+          </a:prstGeom>
+          <a:noFill/>
+        </p:spPr>
+        <p:txBody>
+          <a:bodyPr wrap="none" rtlCol="0">
+            <a:spAutoFit/>
+          </a:bodyPr>
+          <a:lstStyle/>
+          <a:p>
+            <a:r>
+              <a:rPr lang="it-IT" b="1" dirty="0" err="1">
+                <a:solidFill>
+                  <a:schemeClr val="accent1">
+                    <a:lumMod val="50000"/>
+                  </a:schemeClr>
+                </a:solidFill>
+                <a:latin typeface="Arial" panose="020B0604020202020204" pitchFamily="34" charset="0"/>
+                <a:cs typeface="Arial" panose="020B0604020202020204" pitchFamily="34" charset="0"/>
+              </a:rPr>
+              <a:t>Communication</a:t>
+            </a:r>
+            <a:endParaRPr lang="it-IT" b="1" dirty="0">
+              <a:solidFill>
+                <a:schemeClr val="accent1">
+                  <a:lumMod val="50000"/>
+                </a:schemeClr>
+              </a:solidFill>
+              <a:latin typeface="Arial" panose="020B0604020202020204" pitchFamily="34" charset="0"/>
+              <a:cs typeface="Arial" panose="020B0604020202020204" pitchFamily="34" charset="0"/>
+            </a:endParaRPr>
+          </a:p>
+        </p:txBody>
+      </p:sp>
+    </p:spTree>
+    <p:extLst>
+      <p:ext uri="{BB962C8B-B14F-4D97-AF65-F5344CB8AC3E}">
+        <p14:creationId xmlns:p14="http://schemas.microsoft.com/office/powerpoint/2010/main" val="208869493"/>
+      </p:ext>
+    </p:extLst>
+  </p:cSld>
+  <p:clrMapOvr>
+    <a:masterClrMapping/>
+  </p:clrMapOvr>
+  <p:timing>
+    <p:tnLst>
+      <p:par>
+        <p:cTn id="1" dur="indefinite" restart="never" nodeType="tmRoot">
+          <p:childTnLst>
+            <p:seq concurrent="1" nextAc="seek">
+              <p:cTn id="2" dur="indefinite" nodeType="mainSeq">
+                <p:childTnLst>
+                  <p:par>
+                    <p:cTn id="3" fill="hold">
+                      <p:stCondLst>
+                        <p:cond delay="indefinite"/>
+                      </p:stCondLst>
+                      <p:childTnLst>
+                        <p:par>
+                          <p:cTn id="4" fill="hold">
+                            <p:stCondLst>
+                              <p:cond delay="0"/>
+                            </p:stCondLst>
+                            <p:childTnLst>
+                              <p:par>
+                                <p:cTn id="5" presetID="1" presetClass="entr" presetSubtype="0" fill="hold" grpId="1" nodeType="clickEffect">
+                                  <p:stCondLst>
+                                    <p:cond delay="0"/>
+                                  </p:stCondLst>
+                                  <p:childTnLst>
+                                    <p:set>
+                                      <p:cBhvr>
+                                        <p:cTn id="6" dur="1" fill="hold">
+                                          <p:stCondLst>
+                                            <p:cond delay="0"/>
+                                          </p:stCondLst>
+                                        </p:cTn>
+                                        <p:tgtEl>
+                                          <p:spTgt spid="16"/>
+                                        </p:tgtEl>
+                                        <p:attrNameLst>
+                                          <p:attrName>style.visibility</p:attrName>
+                                        </p:attrNameLst>
+                                      </p:cBhvr>
+                                      <p:to>
+                                        <p:strVal val="visible"/>
+                                      </p:to>
+                                    </p:set>
+                                  </p:childTnLst>
+                                </p:cTn>
+                              </p:par>
+                            </p:childTnLst>
+                          </p:cTn>
+                        </p:par>
+                      </p:childTnLst>
+                    </p:cTn>
+                  </p:par>
+                  <p:par>
+                    <p:cTn id="7" fill="hold">
+                      <p:stCondLst>
+                        <p:cond delay="indefinite"/>
+                      </p:stCondLst>
+                      <p:childTnLst>
+                        <p:par>
+                          <p:cTn id="8" fill="hold">
+                            <p:stCondLst>
+                              <p:cond delay="0"/>
+                            </p:stCondLst>
+                            <p:childTnLst>
+                              <p:par>
+                                <p:cTn id="9" presetID="12" presetClass="entr" presetSubtype="8" fill="hold" grpId="0" nodeType="clickEffect">
+                                  <p:stCondLst>
+                                    <p:cond delay="0"/>
+                                  </p:stCondLst>
+                                  <p:childTnLst>
+                                    <p:set>
+                                      <p:cBhvr>
+                                        <p:cTn id="10" dur="1" fill="hold">
+                                          <p:stCondLst>
+                                            <p:cond delay="0"/>
+                                          </p:stCondLst>
+                                        </p:cTn>
+                                        <p:tgtEl>
+                                          <p:spTgt spid="18"/>
+                                        </p:tgtEl>
+                                        <p:attrNameLst>
+                                          <p:attrName>style.visibility</p:attrName>
+                                        </p:attrNameLst>
+                                      </p:cBhvr>
+                                      <p:to>
+                                        <p:strVal val="visible"/>
+                                      </p:to>
+                                    </p:set>
+                                    <p:anim calcmode="lin" valueType="num">
+                                      <p:cBhvr additive="base">
+                                        <p:cTn id="11" dur="500"/>
+                                        <p:tgtEl>
+                                          <p:spTgt spid="18"/>
+                                        </p:tgtEl>
+                                        <p:attrNameLst>
+                                          <p:attrName>ppt_x</p:attrName>
+                                        </p:attrNameLst>
+                                      </p:cBhvr>
+                                      <p:tavLst>
+                                        <p:tav tm="0">
+                                          <p:val>
+                                            <p:strVal val="#ppt_x-#ppt_w*1.125000"/>
+                                          </p:val>
+                                        </p:tav>
+                                        <p:tav tm="100000">
+                                          <p:val>
+                                            <p:strVal val="#ppt_x"/>
+                                          </p:val>
+                                        </p:tav>
+                                      </p:tavLst>
+                                    </p:anim>
+                                    <p:animEffect transition="in" filter="wipe(right)">
+                                      <p:cBhvr>
+                                        <p:cTn id="12" dur="500"/>
+                                        <p:tgtEl>
+                                          <p:spTgt spid="18"/>
+                                        </p:tgtEl>
+                                      </p:cBhvr>
+                                    </p:animEffect>
+                                  </p:childTnLst>
+                                </p:cTn>
+                              </p:par>
+                            </p:childTnLst>
+                          </p:cTn>
+                        </p:par>
+                        <p:par>
+                          <p:cTn id="13" fill="hold">
+                            <p:stCondLst>
+                              <p:cond delay="500"/>
+                            </p:stCondLst>
+                            <p:childTnLst>
+                              <p:par>
+                                <p:cTn id="14" presetID="12" presetClass="entr" presetSubtype="8" fill="hold" grpId="0" nodeType="afterEffect">
+                                  <p:stCondLst>
+                                    <p:cond delay="0"/>
+                                  </p:stCondLst>
+                                  <p:childTnLst>
+                                    <p:set>
+                                      <p:cBhvr>
+                                        <p:cTn id="15" dur="1" fill="hold">
+                                          <p:stCondLst>
+                                            <p:cond delay="0"/>
+                                          </p:stCondLst>
+                                        </p:cTn>
+                                        <p:tgtEl>
+                                          <p:spTgt spid="23"/>
+                                        </p:tgtEl>
+                                        <p:attrNameLst>
+                                          <p:attrName>style.visibility</p:attrName>
+                                        </p:attrNameLst>
+                                      </p:cBhvr>
+                                      <p:to>
+                                        <p:strVal val="visible"/>
+                                      </p:to>
+                                    </p:set>
+                                    <p:anim calcmode="lin" valueType="num">
+                                      <p:cBhvr additive="base">
+                                        <p:cTn id="16" dur="500"/>
+                                        <p:tgtEl>
+                                          <p:spTgt spid="23"/>
+                                        </p:tgtEl>
+                                        <p:attrNameLst>
+                                          <p:attrName>ppt_x</p:attrName>
+                                        </p:attrNameLst>
+                                      </p:cBhvr>
+                                      <p:tavLst>
+                                        <p:tav tm="0">
+                                          <p:val>
+                                            <p:strVal val="#ppt_x-#ppt_w*1.125000"/>
+                                          </p:val>
+                                        </p:tav>
+                                        <p:tav tm="100000">
+                                          <p:val>
+                                            <p:strVal val="#ppt_x"/>
+                                          </p:val>
+                                        </p:tav>
+                                      </p:tavLst>
+                                    </p:anim>
+                                    <p:animEffect transition="in" filter="wipe(right)">
+                                      <p:cBhvr>
+                                        <p:cTn id="17" dur="500"/>
+                                        <p:tgtEl>
+                                          <p:spTgt spid="23"/>
+                                        </p:tgtEl>
+                                      </p:cBhvr>
+                                    </p:animEffect>
+                                  </p:childTnLst>
+                                </p:cTn>
+                              </p:par>
+                            </p:childTnLst>
+                          </p:cTn>
+                        </p:par>
+                      </p:childTnLst>
+                    </p:cTn>
+                  </p:par>
+                  <p:par>
+                    <p:cTn id="18" fill="hold">
+                      <p:stCondLst>
+                        <p:cond delay="indefinite"/>
+                      </p:stCondLst>
+                      <p:childTnLst>
+                        <p:par>
+                          <p:cTn id="19" fill="hold">
+                            <p:stCondLst>
+                              <p:cond delay="0"/>
+                            </p:stCondLst>
+                            <p:childTnLst>
+                              <p:par>
+                                <p:cTn id="20" presetID="12" presetClass="entr" presetSubtype="8" fill="hold" grpId="0" nodeType="clickEffect">
+                                  <p:stCondLst>
+                                    <p:cond delay="0"/>
+                                  </p:stCondLst>
+                                  <p:childTnLst>
+                                    <p:set>
+                                      <p:cBhvr>
+                                        <p:cTn id="21" dur="1" fill="hold">
+                                          <p:stCondLst>
+                                            <p:cond delay="0"/>
+                                          </p:stCondLst>
+                                        </p:cTn>
+                                        <p:tgtEl>
+                                          <p:spTgt spid="19"/>
+                                        </p:tgtEl>
+                                        <p:attrNameLst>
+                                          <p:attrName>style.visibility</p:attrName>
+                                        </p:attrNameLst>
+                                      </p:cBhvr>
+                                      <p:to>
+                                        <p:strVal val="visible"/>
+                                      </p:to>
+                                    </p:set>
+                                    <p:anim calcmode="lin" valueType="num">
+                                      <p:cBhvr additive="base">
+                                        <p:cTn id="22" dur="500"/>
+                                        <p:tgtEl>
+                                          <p:spTgt spid="19"/>
+                                        </p:tgtEl>
+                                        <p:attrNameLst>
+                                          <p:attrName>ppt_x</p:attrName>
+                                        </p:attrNameLst>
+                                      </p:cBhvr>
+                                      <p:tavLst>
+                                        <p:tav tm="0">
+                                          <p:val>
+                                            <p:strVal val="#ppt_x-#ppt_w*1.125000"/>
+                                          </p:val>
+                                        </p:tav>
+                                        <p:tav tm="100000">
+                                          <p:val>
+                                            <p:strVal val="#ppt_x"/>
+                                          </p:val>
+                                        </p:tav>
+                                      </p:tavLst>
+                                    </p:anim>
+                                    <p:animEffect transition="in" filter="wipe(right)">
+                                      <p:cBhvr>
+                                        <p:cTn id="23" dur="500"/>
+                                        <p:tgtEl>
+                                          <p:spTgt spid="19"/>
+                                        </p:tgtEl>
+                                      </p:cBhvr>
+                                    </p:animEffect>
+                                  </p:childTnLst>
+                                </p:cTn>
+                              </p:par>
+                            </p:childTnLst>
+                          </p:cTn>
+                        </p:par>
+                        <p:par>
+                          <p:cTn id="24" fill="hold">
+                            <p:stCondLst>
+                              <p:cond delay="500"/>
+                            </p:stCondLst>
+                            <p:childTnLst>
+                              <p:par>
+                                <p:cTn id="25" presetID="12" presetClass="entr" presetSubtype="8" fill="hold" grpId="0" nodeType="afterEffect">
+                                  <p:stCondLst>
+                                    <p:cond delay="0"/>
+                                  </p:stCondLst>
+                                  <p:childTnLst>
+                                    <p:set>
+                                      <p:cBhvr>
+                                        <p:cTn id="26" dur="1" fill="hold">
+                                          <p:stCondLst>
+                                            <p:cond delay="0"/>
+                                          </p:stCondLst>
+                                        </p:cTn>
+                                        <p:tgtEl>
+                                          <p:spTgt spid="21"/>
+                                        </p:tgtEl>
+                                        <p:attrNameLst>
+                                          <p:attrName>style.visibility</p:attrName>
+                                        </p:attrNameLst>
+                                      </p:cBhvr>
+                                      <p:to>
+                                        <p:strVal val="visible"/>
+                                      </p:to>
+                                    </p:set>
+                                    <p:anim calcmode="lin" valueType="num">
+                                      <p:cBhvr additive="base">
+                                        <p:cTn id="27" dur="500"/>
+                                        <p:tgtEl>
+                                          <p:spTgt spid="21"/>
+                                        </p:tgtEl>
+                                        <p:attrNameLst>
+                                          <p:attrName>ppt_x</p:attrName>
+                                        </p:attrNameLst>
+                                      </p:cBhvr>
+                                      <p:tavLst>
+                                        <p:tav tm="0">
+                                          <p:val>
+                                            <p:strVal val="#ppt_x-#ppt_w*1.125000"/>
+                                          </p:val>
+                                        </p:tav>
+                                        <p:tav tm="100000">
+                                          <p:val>
+                                            <p:strVal val="#ppt_x"/>
+                                          </p:val>
+                                        </p:tav>
+                                      </p:tavLst>
+                                    </p:anim>
+                                    <p:animEffect transition="in" filter="wipe(right)">
+                                      <p:cBhvr>
+                                        <p:cTn id="28" dur="500"/>
+                                        <p:tgtEl>
+                                          <p:spTgt spid="21"/>
+                                        </p:tgtEl>
+                                      </p:cBhvr>
+                                    </p:animEffect>
+                                  </p:childTnLst>
+                                </p:cTn>
+                              </p:par>
+                            </p:childTnLst>
+                          </p:cTn>
+                        </p:par>
+                      </p:childTnLst>
+                    </p:cTn>
+                  </p:par>
+                  <p:par>
+                    <p:cTn id="29" fill="hold">
+                      <p:stCondLst>
+                        <p:cond delay="indefinite"/>
+                      </p:stCondLst>
+                      <p:childTnLst>
+                        <p:par>
+                          <p:cTn id="30" fill="hold">
+                            <p:stCondLst>
+                              <p:cond delay="0"/>
+                            </p:stCondLst>
+                            <p:childTnLst>
+                              <p:par>
+                                <p:cTn id="31" presetID="12" presetClass="entr" presetSubtype="8" fill="hold" grpId="0" nodeType="clickEffect">
+                                  <p:stCondLst>
+                                    <p:cond delay="0"/>
+                                  </p:stCondLst>
+                                  <p:childTnLst>
+                                    <p:set>
+                                      <p:cBhvr>
+                                        <p:cTn id="32" dur="1" fill="hold">
+                                          <p:stCondLst>
+                                            <p:cond delay="0"/>
+                                          </p:stCondLst>
+                                        </p:cTn>
+                                        <p:tgtEl>
+                                          <p:spTgt spid="20"/>
+                                        </p:tgtEl>
+                                        <p:attrNameLst>
+                                          <p:attrName>style.visibility</p:attrName>
+                                        </p:attrNameLst>
+                                      </p:cBhvr>
+                                      <p:to>
+                                        <p:strVal val="visible"/>
+                                      </p:to>
+                                    </p:set>
+                                    <p:anim calcmode="lin" valueType="num">
+                                      <p:cBhvr additive="base">
+                                        <p:cTn id="33" dur="500"/>
+                                        <p:tgtEl>
+                                          <p:spTgt spid="20"/>
+                                        </p:tgtEl>
+                                        <p:attrNameLst>
+                                          <p:attrName>ppt_x</p:attrName>
+                                        </p:attrNameLst>
+                                      </p:cBhvr>
+                                      <p:tavLst>
+                                        <p:tav tm="0">
+                                          <p:val>
+                                            <p:strVal val="#ppt_x-#ppt_w*1.125000"/>
+                                          </p:val>
+                                        </p:tav>
+                                        <p:tav tm="100000">
+                                          <p:val>
+                                            <p:strVal val="#ppt_x"/>
+                                          </p:val>
+                                        </p:tav>
+                                      </p:tavLst>
+                                    </p:anim>
+                                    <p:animEffect transition="in" filter="wipe(right)">
+                                      <p:cBhvr>
+                                        <p:cTn id="34" dur="500"/>
+                                        <p:tgtEl>
+                                          <p:spTgt spid="20"/>
+                                        </p:tgtEl>
+                                      </p:cBhvr>
+                                    </p:animEffect>
+                                  </p:childTnLst>
+                                </p:cTn>
+                              </p:par>
+                            </p:childTnLst>
+                          </p:cTn>
+                        </p:par>
+                        <p:par>
+                          <p:cTn id="35" fill="hold">
+                            <p:stCondLst>
+                              <p:cond delay="500"/>
+                            </p:stCondLst>
+                            <p:childTnLst>
+                              <p:par>
+                                <p:cTn id="36" presetID="12" presetClass="entr" presetSubtype="8" fill="hold" grpId="0" nodeType="afterEffect">
+                                  <p:stCondLst>
+                                    <p:cond delay="0"/>
+                                  </p:stCondLst>
+                                  <p:childTnLst>
+                                    <p:set>
+                                      <p:cBhvr>
+                                        <p:cTn id="37" dur="1" fill="hold">
+                                          <p:stCondLst>
+                                            <p:cond delay="0"/>
+                                          </p:stCondLst>
+                                        </p:cTn>
+                                        <p:tgtEl>
+                                          <p:spTgt spid="22"/>
+                                        </p:tgtEl>
+                                        <p:attrNameLst>
+                                          <p:attrName>style.visibility</p:attrName>
+                                        </p:attrNameLst>
+                                      </p:cBhvr>
+                                      <p:to>
+                                        <p:strVal val="visible"/>
+                                      </p:to>
+                                    </p:set>
+                                    <p:anim calcmode="lin" valueType="num">
+                                      <p:cBhvr additive="base">
+                                        <p:cTn id="38" dur="500"/>
+                                        <p:tgtEl>
+                                          <p:spTgt spid="22"/>
+                                        </p:tgtEl>
+                                        <p:attrNameLst>
+                                          <p:attrName>ppt_x</p:attrName>
+                                        </p:attrNameLst>
+                                      </p:cBhvr>
+                                      <p:tavLst>
+                                        <p:tav tm="0">
+                                          <p:val>
+                                            <p:strVal val="#ppt_x-#ppt_w*1.125000"/>
+                                          </p:val>
+                                        </p:tav>
+                                        <p:tav tm="100000">
+                                          <p:val>
+                                            <p:strVal val="#ppt_x"/>
+                                          </p:val>
+                                        </p:tav>
+                                      </p:tavLst>
+                                    </p:anim>
+                                    <p:animEffect transition="in" filter="wipe(right)">
+                                      <p:cBhvr>
+                                        <p:cTn id="39" dur="500"/>
+                                        <p:tgtEl>
+                                          <p:spTgt spid="22"/>
+                                        </p:tgtEl>
+                                      </p:cBhvr>
+                                    </p:animEffect>
+                                  </p:childTnLst>
+                                </p:cTn>
+                              </p:par>
+                            </p:childTnLst>
+                          </p:cTn>
+                        </p:par>
+                      </p:childTnLst>
+                    </p:cTn>
+                  </p:par>
+                </p:childTnLst>
+              </p:cTn>
+              <p:prevCondLst>
+                <p:cond evt="onPrev" delay="0">
+                  <p:tgtEl>
+                    <p:sldTgt/>
+                  </p:tgtEl>
+                </p:cond>
+              </p:prevCondLst>
+              <p:nextCondLst>
+                <p:cond evt="onNext" delay="0">
+                  <p:tgtEl>
+                    <p:sldTgt/>
+                  </p:tgtEl>
+                </p:cond>
+              </p:nextCondLst>
+            </p:seq>
+          </p:childTnLst>
+        </p:cTn>
+      </p:par>
+    </p:tnLst>
+    <p:bldLst>
+      <p:bldP spid="16" grpId="1"/>
+      <p:bldP spid="18" grpId="0" animBg="1"/>
+      <p:bldP spid="19" grpId="0" animBg="1"/>
+      <p:bldP spid="20" grpId="0" animBg="1"/>
+      <p:bldP spid="21" grpId="0"/>
+      <p:bldP spid="22" grpId="0"/>
+      <p:bldP spid="23" grpId="0"/>
+    </p:bldLst>
+  </p:timing>
+</p:sld>
+</file>
+
+<file path=ppt/slides/slide11.xml><?xml version="1.0" encoding="utf-8"?>
+<p:sld xmlns:a="http://schemas.openxmlformats.org/drawingml/2006/main" xmlns:r="http://schemas.openxmlformats.org/officeDocument/2006/relationships" xmlns:p="http://schemas.openxmlformats.org/presentationml/2006/main">
+  <p:cSld>
+    <p:spTree>
+      <p:nvGrpSpPr>
+        <p:cNvPr id="1" name=""/>
+        <p:cNvGrpSpPr/>
+        <p:nvPr/>
+      </p:nvGrpSpPr>
+      <p:grpSpPr>
+        <a:xfrm>
+          <a:off x="0" y="0"/>
+          <a:ext cx="0" cy="0"/>
+          <a:chOff x="0" y="0"/>
+          <a:chExt cx="0" cy="0"/>
+        </a:xfrm>
+      </p:grpSpPr>
+      <p:sp>
+        <p:nvSpPr>
+          <p:cNvPr id="3" name="Segnaposto contenuto 2"/>
+          <p:cNvSpPr>
+            <a:spLocks noGrp="1"/>
+          </p:cNvSpPr>
+          <p:nvPr>
+            <p:ph idx="1"/>
+          </p:nvPr>
+        </p:nvSpPr>
+        <p:spPr/>
+        <p:txBody>
+          <a:bodyPr/>
+          <a:lstStyle/>
+          <a:p>
+            <a:pPr/>
+            <a:r>
+              <a:rPr lang="it-IT" b="1" dirty="0" err="1">
+                <a:solidFill>
+                  <a:schemeClr val="accent1">
+                    <a:lumMod val="50000"/>
+                  </a:schemeClr>
+                </a:solidFill>
+                <a:latin typeface="Arial" panose="020B0604020202020204" pitchFamily="34" charset="0"/>
+                <a:ea typeface="Cambria Math" panose="02040503050406030204" pitchFamily="18" charset="0"/>
+                <a:cs typeface="Arial" panose="020B0604020202020204" pitchFamily="34" charset="0"/>
+              </a:rPr>
+              <a:t>Structure</a:t>
+            </a:r>
+            <a:endParaRPr lang="it-IT" b="1" dirty="0">
+              <a:solidFill>
+                <a:schemeClr val="accent1">
+                  <a:lumMod val="50000"/>
+                </a:schemeClr>
+              </a:solidFill>
+              <a:latin typeface="Arial" panose="020B0604020202020204" pitchFamily="34" charset="0"/>
+              <a:ea typeface="Cambria Math" panose="02040503050406030204" pitchFamily="18" charset="0"/>
+              <a:cs typeface="Arial" panose="020B0604020202020204" pitchFamily="34" charset="0"/>
+            </a:endParaRPr>
+          </a:p>
+        </p:txBody>
+      </p:sp>
+      <p:grpSp>
+        <p:nvGrpSpPr>
+          <p:cNvPr id="4" name="Gruppo 3">
+            <a:extLst>
+              <a:ext uri="{FF2B5EF4-FFF2-40B4-BE49-F238E27FC236}">
+                <a16:creationId xmlns:a16="http://schemas.microsoft.com/office/drawing/2014/main" id="{6040EE21-EEFD-244F-9E14-637E5C21FEFF}"/>
+              </a:ext>
+            </a:extLst>
+          </p:cNvPr>
+          <p:cNvGrpSpPr/>
+          <p:nvPr/>
+        </p:nvGrpSpPr>
+        <p:grpSpPr>
+          <a:xfrm>
+            <a:off x="83127" y="6317672"/>
+            <a:ext cx="3063834" cy="344385"/>
+            <a:chOff x="83127" y="6317672"/>
+            <a:chExt cx="3063834" cy="344385"/>
+          </a:xfrm>
+        </p:grpSpPr>
+        <p:sp>
+          <p:nvSpPr>
+            <p:cNvPr id="5" name="Rettangolo 4">
+              <a:extLst>
+                <a:ext uri="{FF2B5EF4-FFF2-40B4-BE49-F238E27FC236}">
+                  <a16:creationId xmlns:a16="http://schemas.microsoft.com/office/drawing/2014/main" id="{BF4B3357-CDC2-2442-86C2-E5C7C2A7230E}"/>
+                </a:ext>
+              </a:extLst>
+            </p:cNvPr>
+            <p:cNvSpPr/>
+            <p:nvPr/>
+          </p:nvSpPr>
+          <p:spPr>
+            <a:xfrm>
+              <a:off x="83127" y="6317672"/>
+              <a:ext cx="3063834" cy="344385"/>
+            </a:xfrm>
+            <a:prstGeom prst="rect">
+              <a:avLst/>
+            </a:prstGeom>
+            <a:solidFill>
+              <a:srgbClr val="728FA5"/>
+            </a:solidFill>
+            <a:ln>
+              <a:noFill/>
+            </a:ln>
+          </p:spPr>
+          <p:style>
+            <a:lnRef idx="0">
+              <a:scrgbClr r="0" g="0" b="0"/>
+            </a:lnRef>
+            <a:fillRef idx="0">
+              <a:scrgbClr r="0" g="0" b="0"/>
+            </a:fillRef>
+            <a:effectRef idx="0">
+              <a:scrgbClr r="0" g="0" b="0"/>
+            </a:effectRef>
+            <a:fontRef idx="minor">
+              <a:schemeClr val="lt1"/>
+            </a:fontRef>
+          </p:style>
+          <p:txBody>
+            <a:bodyPr rtlCol="0" anchor="ctr"/>
+            <a:lstStyle/>
+            <a:p>
+              <a:endParaRPr lang="it-IT" sz="1400" dirty="0"/>
+            </a:p>
+          </p:txBody>
+        </p:sp>
+        <p:sp>
+          <p:nvSpPr>
+            <p:cNvPr id="8" name="Rettangolo 7">
+              <a:extLst>
+                <a:ext uri="{FF2B5EF4-FFF2-40B4-BE49-F238E27FC236}">
+                  <a16:creationId xmlns:a16="http://schemas.microsoft.com/office/drawing/2014/main" id="{5586F461-EC0C-D148-A5B3-CCDFE544B77E}"/>
+                </a:ext>
+              </a:extLst>
+            </p:cNvPr>
+            <p:cNvSpPr/>
+            <p:nvPr/>
+          </p:nvSpPr>
+          <p:spPr>
+            <a:xfrm>
+              <a:off x="288521" y="6317672"/>
+              <a:ext cx="2858440" cy="344385"/>
+            </a:xfrm>
+            <a:prstGeom prst="rect">
+              <a:avLst/>
+            </a:prstGeom>
+            <a:solidFill>
+              <a:srgbClr val="728FA5"/>
+            </a:solidFill>
+            <a:ln>
+              <a:noFill/>
+            </a:ln>
+          </p:spPr>
+          <p:style>
+            <a:lnRef idx="0">
+              <a:scrgbClr r="0" g="0" b="0"/>
+            </a:lnRef>
+            <a:fillRef idx="0">
+              <a:scrgbClr r="0" g="0" b="0"/>
+            </a:fillRef>
+            <a:effectRef idx="0">
+              <a:scrgbClr r="0" g="0" b="0"/>
+            </a:effectRef>
+            <a:fontRef idx="minor">
+              <a:schemeClr val="lt1"/>
+            </a:fontRef>
+          </p:style>
+          <p:txBody>
+            <a:bodyPr rtlCol="0" anchor="ctr"/>
+            <a:lstStyle/>
+            <a:p>
+              <a:r>
+                <a:rPr lang="it-IT" sz="1400" dirty="0"/>
+                <a:t>Mirco Meazzo - 873477</a:t>
+              </a:r>
+            </a:p>
+          </p:txBody>
+        </p:sp>
+      </p:grpSp>
+      <p:sp>
+        <p:nvSpPr>
+          <p:cNvPr id="10" name="Titolo 1">
+            <a:extLst>
+              <a:ext uri="{FF2B5EF4-FFF2-40B4-BE49-F238E27FC236}">
+                <a16:creationId xmlns:a16="http://schemas.microsoft.com/office/drawing/2014/main" id="{8C8D6482-3CCE-E247-B568-E81C33294396}"/>
+              </a:ext>
+            </a:extLst>
+          </p:cNvPr>
+          <p:cNvSpPr>
+            <a:spLocks noGrp="1"/>
+          </p:cNvSpPr>
+          <p:nvPr>
+            <p:ph type="title"/>
+          </p:nvPr>
+        </p:nvSpPr>
+        <p:spPr/>
+        <p:txBody>
+          <a:bodyPr/>
+          <a:lstStyle/>
+          <a:p>
+            <a:r>
+              <a:rPr lang="it-IT" dirty="0"/>
+              <a:t>The Code</a:t>
+            </a:r>
+          </a:p>
+        </p:txBody>
+      </p:sp>
+      <p:sp>
+        <p:nvSpPr>
+          <p:cNvPr id="6" name="CasellaDiTesto 5">
+            <a:extLst>
+              <a:ext uri="{FF2B5EF4-FFF2-40B4-BE49-F238E27FC236}">
+                <a16:creationId xmlns:a16="http://schemas.microsoft.com/office/drawing/2014/main" id="{8D6818F9-E9FE-3C42-B3AA-A9BD6AF3F801}"/>
+              </a:ext>
+            </a:extLst>
+          </p:cNvPr>
+          <p:cNvSpPr txBox="1"/>
+          <p:nvPr/>
+        </p:nvSpPr>
+        <p:spPr>
+          <a:xfrm>
+            <a:off x="4545106" y="3953435"/>
+            <a:ext cx="1120820" cy="369332"/>
+          </a:xfrm>
+          <a:prstGeom prst="rect">
+            <a:avLst/>
+          </a:prstGeom>
+          <a:noFill/>
+        </p:spPr>
+        <p:txBody>
+          <a:bodyPr wrap="none" rtlCol="0">
+            <a:spAutoFit/>
+          </a:bodyPr>
+          <a:lstStyle/>
+          <a:p>
+            <a:r>
+              <a:rPr lang="it-IT" dirty="0"/>
+              <a:t>Immagine</a:t>
+            </a:r>
+          </a:p>
+        </p:txBody>
+      </p:sp>
+    </p:spTree>
+    <p:extLst>
+      <p:ext uri="{BB962C8B-B14F-4D97-AF65-F5344CB8AC3E}">
+        <p14:creationId xmlns:p14="http://schemas.microsoft.com/office/powerpoint/2010/main" val="2384773576"/>
+      </p:ext>
+    </p:extLst>
+  </p:cSld>
+  <p:clrMapOvr>
+    <a:masterClrMapping/>
+  </p:clrMapOvr>
+</p:sld>
+</file>
+
+<file path=ppt/slides/slide12.xml><?xml version="1.0" encoding="utf-8"?>
+<p:sld xmlns:a="http://schemas.openxmlformats.org/drawingml/2006/main" xmlns:r="http://schemas.openxmlformats.org/officeDocument/2006/relationships" xmlns:p="http://schemas.openxmlformats.org/presentationml/2006/main">
+  <p:cSld>
+    <p:spTree>
+      <p:nvGrpSpPr>
+        <p:cNvPr id="1" name=""/>
+        <p:cNvGrpSpPr/>
+        <p:nvPr/>
+      </p:nvGrpSpPr>
+      <p:grpSpPr>
+        <a:xfrm>
+          <a:off x="0" y="0"/>
+          <a:ext cx="0" cy="0"/>
+          <a:chOff x="0" y="0"/>
+          <a:chExt cx="0" cy="0"/>
+        </a:xfrm>
+      </p:grpSpPr>
+      <p:sp>
+        <p:nvSpPr>
+          <p:cNvPr id="3" name="Segnaposto contenuto 2"/>
+          <p:cNvSpPr>
+            <a:spLocks noGrp="1"/>
+          </p:cNvSpPr>
+          <p:nvPr>
+            <p:ph idx="1"/>
+          </p:nvPr>
+        </p:nvSpPr>
+        <p:spPr/>
+        <p:txBody>
+          <a:bodyPr/>
+          <a:lstStyle/>
+          <a:p>
+            <a:pPr/>
+            <a:r>
               <a:rPr lang="it-IT" b="1" dirty="0">
                 <a:solidFill>
                   <a:schemeClr val="accent1">
@@ -35223,6 +37187,11 @@
                     <m:oMath xmlns:m="http://schemas.openxmlformats.org/officeDocument/2006/math">
                       <m:r>
                         <a:rPr lang="it-IT" sz="3600" i="1" smtClean="0">
+                          <a:solidFill>
+                            <a:schemeClr val="accent1">
+                              <a:lumMod val="50000"/>
+                            </a:schemeClr>
+                          </a:solidFill>
                           <a:latin typeface="Cambria Math" panose="02040503050406030204" pitchFamily="18" charset="0"/>
                           <a:ea typeface="Cambria Math" panose="02040503050406030204" pitchFamily="18" charset="0"/>
                         </a:rPr>
@@ -35230,6 +37199,11 @@
                       </m:r>
                       <m:r>
                         <a:rPr lang="it-IT" sz="3600" b="0" i="1" smtClean="0">
+                          <a:solidFill>
+                            <a:schemeClr val="accent1">
+                              <a:lumMod val="50000"/>
+                            </a:schemeClr>
+                          </a:solidFill>
                           <a:latin typeface="Cambria Math" panose="02040503050406030204" pitchFamily="18" charset="0"/>
                           <a:ea typeface="Cambria Math" panose="02040503050406030204" pitchFamily="18" charset="0"/>
                         </a:rPr>
@@ -35239,6 +37213,11 @@
                         <m:fPr>
                           <m:ctrlPr>
                             <a:rPr lang="it-IT" sz="3600" b="0" i="1" smtClean="0">
+                              <a:solidFill>
+                                <a:schemeClr val="accent1">
+                                  <a:lumMod val="50000"/>
+                                </a:schemeClr>
+                              </a:solidFill>
                               <a:latin typeface="Cambria Math" panose="02040503050406030204" pitchFamily="18" charset="0"/>
                               <a:ea typeface="Cambria Math" panose="02040503050406030204" pitchFamily="18" charset="0"/>
                             </a:rPr>
@@ -35249,6 +37228,11 @@
                             <m:sSubPr>
                               <m:ctrlPr>
                                 <a:rPr lang="it-IT" sz="3600" b="0" i="1" smtClean="0">
+                                  <a:solidFill>
+                                    <a:schemeClr val="accent1">
+                                      <a:lumMod val="50000"/>
+                                    </a:schemeClr>
+                                  </a:solidFill>
                                   <a:latin typeface="Cambria Math" panose="02040503050406030204" pitchFamily="18" charset="0"/>
                                   <a:ea typeface="Cambria Math" panose="02040503050406030204" pitchFamily="18" charset="0"/>
                                 </a:rPr>
@@ -35257,6 +37241,11 @@
                             <m:e>
                               <m:r>
                                 <a:rPr lang="it-IT" sz="3600" b="0" i="1" smtClean="0">
+                                  <a:solidFill>
+                                    <a:schemeClr val="accent1">
+                                      <a:lumMod val="50000"/>
+                                    </a:schemeClr>
+                                  </a:solidFill>
                                   <a:latin typeface="Cambria Math" panose="02040503050406030204" pitchFamily="18" charset="0"/>
                                   <a:ea typeface="Cambria Math" panose="02040503050406030204" pitchFamily="18" charset="0"/>
                                 </a:rPr>
@@ -35266,6 +37255,11 @@
                             <m:sub>
                               <m:r>
                                 <a:rPr lang="it-IT" sz="3600" b="0" i="1" smtClean="0">
+                                  <a:solidFill>
+                                    <a:schemeClr val="accent1">
+                                      <a:lumMod val="50000"/>
+                                    </a:schemeClr>
+                                  </a:solidFill>
                                   <a:latin typeface="Cambria Math" panose="02040503050406030204" pitchFamily="18" charset="0"/>
                                   <a:ea typeface="Cambria Math" panose="02040503050406030204" pitchFamily="18" charset="0"/>
                                 </a:rPr>
@@ -35279,6 +37273,11 @@
                             <m:sSubPr>
                               <m:ctrlPr>
                                 <a:rPr lang="it-IT" sz="3600" b="0" i="1" smtClean="0">
+                                  <a:solidFill>
+                                    <a:schemeClr val="accent1">
+                                      <a:lumMod val="50000"/>
+                                    </a:schemeClr>
+                                  </a:solidFill>
                                   <a:latin typeface="Cambria Math" panose="02040503050406030204" pitchFamily="18" charset="0"/>
                                   <a:ea typeface="Cambria Math" panose="02040503050406030204" pitchFamily="18" charset="0"/>
                                 </a:rPr>
@@ -35287,6 +37286,11 @@
                             <m:e>
                               <m:r>
                                 <a:rPr lang="it-IT" sz="3600" b="0" i="1" smtClean="0">
+                                  <a:solidFill>
+                                    <a:schemeClr val="accent1">
+                                      <a:lumMod val="50000"/>
+                                    </a:schemeClr>
+                                  </a:solidFill>
                                   <a:latin typeface="Cambria Math" panose="02040503050406030204" pitchFamily="18" charset="0"/>
                                   <a:ea typeface="Cambria Math" panose="02040503050406030204" pitchFamily="18" charset="0"/>
                                 </a:rPr>
@@ -35296,6 +37300,11 @@
                             <m:sub>
                               <m:r>
                                 <a:rPr lang="it-IT" sz="3600" b="0" i="1" smtClean="0">
+                                  <a:solidFill>
+                                    <a:schemeClr val="accent1">
+                                      <a:lumMod val="50000"/>
+                                    </a:schemeClr>
+                                  </a:solidFill>
                                   <a:latin typeface="Cambria Math" panose="02040503050406030204" pitchFamily="18" charset="0"/>
                                   <a:ea typeface="Cambria Math" panose="02040503050406030204" pitchFamily="18" charset="0"/>
                                 </a:rPr>
@@ -35308,7 +37317,15 @@
                     </m:oMath>
                   </m:oMathPara>
                 </a14:m>
-                <a:endParaRPr lang="it-IT" dirty="0"/>
+                <a:endParaRPr lang="it-IT" dirty="0">
+                  <a:solidFill>
+                    <a:schemeClr val="accent1">
+                      <a:lumMod val="50000"/>
+                    </a:schemeClr>
+                  </a:solidFill>
+                  <a:latin typeface="Arial" panose="020B0604020202020204" pitchFamily="34" charset="0"/>
+                  <a:cs typeface="Arial" panose="020B0604020202020204" pitchFamily="34" charset="0"/>
+                </a:endParaRPr>
               </a:p>
             </p:txBody>
           </p:sp>
@@ -35396,6 +37413,11 @@
                     <m:oMath xmlns:m="http://schemas.openxmlformats.org/officeDocument/2006/math">
                       <m:r>
                         <a:rPr lang="it-IT" sz="3600" i="1" smtClean="0">
+                          <a:solidFill>
+                            <a:schemeClr val="accent1">
+                              <a:lumMod val="50000"/>
+                            </a:schemeClr>
+                          </a:solidFill>
                           <a:latin typeface="Cambria Math" panose="02040503050406030204" pitchFamily="18" charset="0"/>
                           <a:ea typeface="Cambria Math" panose="02040503050406030204" pitchFamily="18" charset="0"/>
                         </a:rPr>
@@ -35403,6 +37425,11 @@
                       </m:r>
                       <m:r>
                         <a:rPr lang="it-IT" sz="3600" b="0" i="1" smtClean="0">
+                          <a:solidFill>
+                            <a:schemeClr val="accent1">
+                              <a:lumMod val="50000"/>
+                            </a:schemeClr>
+                          </a:solidFill>
                           <a:latin typeface="Cambria Math" panose="02040503050406030204" pitchFamily="18" charset="0"/>
                           <a:ea typeface="Cambria Math" panose="02040503050406030204" pitchFamily="18" charset="0"/>
                         </a:rPr>
@@ -35412,6 +37439,11 @@
                         <m:fPr>
                           <m:ctrlPr>
                             <a:rPr lang="it-IT" sz="3600" b="0" i="1" smtClean="0">
+                              <a:solidFill>
+                                <a:schemeClr val="accent1">
+                                  <a:lumMod val="50000"/>
+                                </a:schemeClr>
+                              </a:solidFill>
                               <a:latin typeface="Cambria Math" panose="02040503050406030204" pitchFamily="18" charset="0"/>
                               <a:ea typeface="Cambria Math" panose="02040503050406030204" pitchFamily="18" charset="0"/>
                             </a:rPr>
@@ -35420,6 +37452,11 @@
                         <m:num>
                           <m:r>
                             <a:rPr lang="it-IT" sz="3600" b="0" i="1" smtClean="0">
+                              <a:solidFill>
+                                <a:schemeClr val="accent1">
+                                  <a:lumMod val="50000"/>
+                                </a:schemeClr>
+                              </a:solidFill>
                               <a:latin typeface="Cambria Math" panose="02040503050406030204" pitchFamily="18" charset="0"/>
                               <a:ea typeface="Cambria Math" panose="02040503050406030204" pitchFamily="18" charset="0"/>
                             </a:rPr>
@@ -35429,6 +37466,11 @@
                         <m:den>
                           <m:r>
                             <a:rPr lang="it-IT" sz="3600" b="0" i="1" smtClean="0">
+                              <a:solidFill>
+                                <a:schemeClr val="accent1">
+                                  <a:lumMod val="50000"/>
+                                </a:schemeClr>
+                              </a:solidFill>
                               <a:latin typeface="Cambria Math" panose="02040503050406030204" pitchFamily="18" charset="0"/>
                               <a:ea typeface="Cambria Math" panose="02040503050406030204" pitchFamily="18" charset="0"/>
                             </a:rPr>
@@ -35439,7 +37481,13 @@
                     </m:oMath>
                   </m:oMathPara>
                 </a14:m>
-                <a:endParaRPr lang="it-IT" sz="3600" dirty="0"/>
+                <a:endParaRPr lang="it-IT" sz="3600" dirty="0">
+                  <a:solidFill>
+                    <a:schemeClr val="accent1">
+                      <a:lumMod val="50000"/>
+                    </a:schemeClr>
+                  </a:solidFill>
+                </a:endParaRPr>
               </a:p>
             </p:txBody>
           </p:sp>
@@ -35492,7 +37540,7 @@
     </p:spTree>
     <p:extLst>
       <p:ext uri="{BB962C8B-B14F-4D97-AF65-F5344CB8AC3E}">
-        <p14:creationId xmlns:p14="http://schemas.microsoft.com/office/powerpoint/2010/main" val="208869493"/>
+        <p14:creationId xmlns:p14="http://schemas.microsoft.com/office/powerpoint/2010/main" val="1712903421"/>
       </p:ext>
     </p:extLst>
   </p:cSld>
@@ -35502,7 +37550,7 @@
 </p:sld>
 </file>
 
-<file path=ppt/slides/slide11.xml><?xml version="1.0" encoding="utf-8"?>
+<file path=ppt/slides/slide13.xml><?xml version="1.0" encoding="utf-8"?>
 <p:sld xmlns:a="http://schemas.openxmlformats.org/drawingml/2006/main" xmlns:r="http://schemas.openxmlformats.org/officeDocument/2006/relationships" xmlns:p="http://schemas.openxmlformats.org/presentationml/2006/main">
   <p:cSld>
     <p:spTree>
@@ -35806,7 +37854,7 @@
 </p:sld>
 </file>
 
-<file path=ppt/slides/slide12.xml><?xml version="1.0" encoding="utf-8"?>
+<file path=ppt/slides/slide14.xml><?xml version="1.0" encoding="utf-8"?>
 <p:sld xmlns:a="http://schemas.openxmlformats.org/drawingml/2006/main" xmlns:r="http://schemas.openxmlformats.org/officeDocument/2006/relationships" xmlns:p="http://schemas.openxmlformats.org/presentationml/2006/main">
   <p:cSld>
     <p:spTree>
@@ -36110,7 +38158,7 @@
 </p:sld>
 </file>
 
-<file path=ppt/slides/slide13.xml><?xml version="1.0" encoding="utf-8"?>
+<file path=ppt/slides/slide15.xml><?xml version="1.0" encoding="utf-8"?>
 <p:sld xmlns:a="http://schemas.openxmlformats.org/drawingml/2006/main" xmlns:r="http://schemas.openxmlformats.org/officeDocument/2006/relationships" xmlns:p="http://schemas.openxmlformats.org/presentationml/2006/main">
   <p:cSld>
     <p:spTree>
@@ -36414,7 +38462,7 @@
 </p:sld>
 </file>
 
-<file path=ppt/slides/slide14.xml><?xml version="1.0" encoding="utf-8"?>
+<file path=ppt/slides/slide16.xml><?xml version="1.0" encoding="utf-8"?>
 <p:sld xmlns:a="http://schemas.openxmlformats.org/drawingml/2006/main" xmlns:r="http://schemas.openxmlformats.org/officeDocument/2006/relationships" xmlns:p="http://schemas.openxmlformats.org/presentationml/2006/main">
   <p:cSld>
     <p:spTree>
@@ -36718,7 +38766,7 @@
 </p:sld>
 </file>
 
-<file path=ppt/slides/slide15.xml><?xml version="1.0" encoding="utf-8"?>
+<file path=ppt/slides/slide17.xml><?xml version="1.0" encoding="utf-8"?>
 <p:sld xmlns:a="http://schemas.openxmlformats.org/drawingml/2006/main" xmlns:r="http://schemas.openxmlformats.org/officeDocument/2006/relationships" xmlns:p="http://schemas.openxmlformats.org/presentationml/2006/main">
   <p:cSld>
     <p:spTree>
@@ -37022,7 +39070,7 @@
 </p:sld>
 </file>
 
-<file path=ppt/slides/slide16.xml><?xml version="1.0" encoding="utf-8"?>
+<file path=ppt/slides/slide18.xml><?xml version="1.0" encoding="utf-8"?>
 <p:sld xmlns:a="http://schemas.openxmlformats.org/drawingml/2006/main" xmlns:r="http://schemas.openxmlformats.org/officeDocument/2006/relationships" xmlns:p="http://schemas.openxmlformats.org/presentationml/2006/main">
   <p:cSld>
     <p:spTree>
@@ -37326,7 +39374,7 @@
 </p:sld>
 </file>
 
-<file path=ppt/slides/slide17.xml><?xml version="1.0" encoding="utf-8"?>
+<file path=ppt/slides/slide19.xml><?xml version="1.0" encoding="utf-8"?>
 <p:sld xmlns:a="http://schemas.openxmlformats.org/drawingml/2006/main" xmlns:r="http://schemas.openxmlformats.org/officeDocument/2006/relationships" xmlns:p="http://schemas.openxmlformats.org/presentationml/2006/main">
   <p:cSld>
     <p:spTree>
@@ -37630,7 +39678,503 @@
 </p:sld>
 </file>
 
-<file path=ppt/slides/slide18.xml><?xml version="1.0" encoding="utf-8"?>
+<file path=ppt/slides/slide2.xml><?xml version="1.0" encoding="utf-8"?>
+<p:sld xmlns:a="http://schemas.openxmlformats.org/drawingml/2006/main" xmlns:r="http://schemas.openxmlformats.org/officeDocument/2006/relationships" xmlns:p="http://schemas.openxmlformats.org/presentationml/2006/main">
+  <p:cSld>
+    <p:spTree>
+      <p:nvGrpSpPr>
+        <p:cNvPr id="1" name=""/>
+        <p:cNvGrpSpPr/>
+        <p:nvPr/>
+      </p:nvGrpSpPr>
+      <p:grpSpPr>
+        <a:xfrm>
+          <a:off x="0" y="0"/>
+          <a:ext cx="0" cy="0"/>
+          <a:chOff x="0" y="0"/>
+          <a:chExt cx="0" cy="0"/>
+        </a:xfrm>
+      </p:grpSpPr>
+      <p:sp>
+        <p:nvSpPr>
+          <p:cNvPr id="2" name="Titolo 1">
+            <a:extLst>
+              <a:ext uri="{FF2B5EF4-FFF2-40B4-BE49-F238E27FC236}">
+                <a16:creationId xmlns:a16="http://schemas.microsoft.com/office/drawing/2014/main" id="{29DEBB23-8600-8447-8217-F4704728958C}"/>
+              </a:ext>
+            </a:extLst>
+          </p:cNvPr>
+          <p:cNvSpPr>
+            <a:spLocks noGrp="1"/>
+          </p:cNvSpPr>
+          <p:nvPr>
+            <p:ph type="title"/>
+          </p:nvPr>
+        </p:nvSpPr>
+        <p:spPr/>
+        <p:txBody>
+          <a:bodyPr/>
+          <a:lstStyle/>
+          <a:p>
+            <a:r>
+              <a:rPr lang="it-IT" dirty="0" err="1"/>
+              <a:t>Summary</a:t>
+            </a:r>
+            <a:endParaRPr lang="it-IT" dirty="0"/>
+          </a:p>
+        </p:txBody>
+      </p:sp>
+      <p:graphicFrame>
+        <p:nvGraphicFramePr>
+          <p:cNvPr id="4" name="Segnaposto contenuto 3">
+            <a:extLst>
+              <a:ext uri="{FF2B5EF4-FFF2-40B4-BE49-F238E27FC236}">
+                <a16:creationId xmlns:a16="http://schemas.microsoft.com/office/drawing/2014/main" id="{740710D4-BCDA-4446-8952-338BE60B649E}"/>
+              </a:ext>
+            </a:extLst>
+          </p:cNvPr>
+          <p:cNvGraphicFramePr>
+            <a:graphicFrameLocks noGrp="1"/>
+          </p:cNvGraphicFramePr>
+          <p:nvPr>
+            <p:ph idx="1"/>
+            <p:extLst>
+              <p:ext uri="{D42A27DB-BD31-4B8C-83A1-F6EECF244321}">
+                <p14:modId xmlns:p14="http://schemas.microsoft.com/office/powerpoint/2010/main" val="3565327883"/>
+              </p:ext>
+            </p:extLst>
+          </p:nvPr>
+        </p:nvGraphicFramePr>
+        <p:xfrm>
+          <a:off x="-2259529" y="1379700"/>
+          <a:ext cx="8323263" cy="4525963"/>
+        </p:xfrm>
+        <a:graphic>
+          <a:graphicData uri="http://schemas.openxmlformats.org/drawingml/2006/diagram">
+            <dgm:relIds xmlns:dgm="http://schemas.openxmlformats.org/drawingml/2006/diagram" xmlns:r="http://schemas.openxmlformats.org/officeDocument/2006/relationships" r:dm="rId3" r:lo="rId4" r:qs="rId5" r:cs="rId6"/>
+          </a:graphicData>
+        </a:graphic>
+      </p:graphicFrame>
+      <p:sp>
+        <p:nvSpPr>
+          <p:cNvPr id="7" name="Rettangolo 6">
+            <a:extLst>
+              <a:ext uri="{FF2B5EF4-FFF2-40B4-BE49-F238E27FC236}">
+                <a16:creationId xmlns:a16="http://schemas.microsoft.com/office/drawing/2014/main" id="{90506E7B-D7EB-5B42-BB41-2B105C8284FD}"/>
+              </a:ext>
+            </a:extLst>
+          </p:cNvPr>
+          <p:cNvSpPr/>
+          <p:nvPr/>
+        </p:nvSpPr>
+        <p:spPr>
+          <a:xfrm>
+            <a:off x="142504" y="6305797"/>
+            <a:ext cx="3028208" cy="344385"/>
+          </a:xfrm>
+          <a:prstGeom prst="rect">
+            <a:avLst/>
+          </a:prstGeom>
+          <a:solidFill>
+            <a:srgbClr val="728FA5"/>
+          </a:solidFill>
+          <a:ln>
+            <a:noFill/>
+          </a:ln>
+        </p:spPr>
+        <p:style>
+          <a:lnRef idx="0">
+            <a:scrgbClr r="0" g="0" b="0"/>
+          </a:lnRef>
+          <a:fillRef idx="0">
+            <a:scrgbClr r="0" g="0" b="0"/>
+          </a:fillRef>
+          <a:effectRef idx="0">
+            <a:scrgbClr r="0" g="0" b="0"/>
+          </a:effectRef>
+          <a:fontRef idx="minor">
+            <a:schemeClr val="lt1"/>
+          </a:fontRef>
+        </p:style>
+        <p:txBody>
+          <a:bodyPr rtlCol="0" anchor="ctr"/>
+          <a:lstStyle/>
+          <a:p>
+            <a:pPr algn="ctr"/>
+            <a:endParaRPr lang="it-IT"/>
+          </a:p>
+        </p:txBody>
+      </p:sp>
+      <p:sp>
+        <p:nvSpPr>
+          <p:cNvPr id="10" name="Rettangolo 9">
+            <a:extLst>
+              <a:ext uri="{FF2B5EF4-FFF2-40B4-BE49-F238E27FC236}">
+                <a16:creationId xmlns:a16="http://schemas.microsoft.com/office/drawing/2014/main" id="{61AAF7CD-7882-214C-A416-FFA273827622}"/>
+              </a:ext>
+            </a:extLst>
+          </p:cNvPr>
+          <p:cNvSpPr/>
+          <p:nvPr/>
+        </p:nvSpPr>
+        <p:spPr>
+          <a:xfrm>
+            <a:off x="288521" y="6317672"/>
+            <a:ext cx="2858440" cy="344385"/>
+          </a:xfrm>
+          <a:prstGeom prst="rect">
+            <a:avLst/>
+          </a:prstGeom>
+          <a:solidFill>
+            <a:srgbClr val="728FA5"/>
+          </a:solidFill>
+          <a:ln>
+            <a:noFill/>
+          </a:ln>
+        </p:spPr>
+        <p:style>
+          <a:lnRef idx="0">
+            <a:scrgbClr r="0" g="0" b="0"/>
+          </a:lnRef>
+          <a:fillRef idx="0">
+            <a:scrgbClr r="0" g="0" b="0"/>
+          </a:fillRef>
+          <a:effectRef idx="0">
+            <a:scrgbClr r="0" g="0" b="0"/>
+          </a:effectRef>
+          <a:fontRef idx="minor">
+            <a:schemeClr val="lt1"/>
+          </a:fontRef>
+        </p:style>
+        <p:txBody>
+          <a:bodyPr rtlCol="0" anchor="ctr"/>
+          <a:lstStyle/>
+          <a:p>
+            <a:r>
+              <a:rPr lang="it-IT" sz="1400" dirty="0"/>
+              <a:t>Mirco Meazzo - 873477</a:t>
+            </a:r>
+          </a:p>
+        </p:txBody>
+      </p:sp>
+    </p:spTree>
+    <p:extLst>
+      <p:ext uri="{BB962C8B-B14F-4D97-AF65-F5344CB8AC3E}">
+        <p14:creationId xmlns:p14="http://schemas.microsoft.com/office/powerpoint/2010/main" val="362014694"/>
+      </p:ext>
+    </p:extLst>
+  </p:cSld>
+  <p:clrMapOvr>
+    <a:masterClrMapping/>
+  </p:clrMapOvr>
+</p:sld>
+</file>
+
+<file path=ppt/slides/slide20.xml><?xml version="1.0" encoding="utf-8"?>
+<p:sld xmlns:a="http://schemas.openxmlformats.org/drawingml/2006/main" xmlns:r="http://schemas.openxmlformats.org/officeDocument/2006/relationships" xmlns:p="http://schemas.openxmlformats.org/presentationml/2006/main">
+  <p:cSld>
+    <p:spTree>
+      <p:nvGrpSpPr>
+        <p:cNvPr id="1" name=""/>
+        <p:cNvGrpSpPr/>
+        <p:nvPr/>
+      </p:nvGrpSpPr>
+      <p:grpSpPr>
+        <a:xfrm>
+          <a:off x="0" y="0"/>
+          <a:ext cx="0" cy="0"/>
+          <a:chOff x="0" y="0"/>
+          <a:chExt cx="0" cy="0"/>
+        </a:xfrm>
+      </p:grpSpPr>
+      <p:pic>
+        <p:nvPicPr>
+          <p:cNvPr id="11" name="Immagine 10">
+            <a:extLst>
+              <a:ext uri="{FF2B5EF4-FFF2-40B4-BE49-F238E27FC236}">
+                <a16:creationId xmlns:a16="http://schemas.microsoft.com/office/drawing/2014/main" id="{06BDAB01-0D49-BB4F-A7D4-7CD8F022AE91}"/>
+              </a:ext>
+            </a:extLst>
+          </p:cNvPr>
+          <p:cNvPicPr>
+            <a:picLocks noChangeAspect="1"/>
+          </p:cNvPicPr>
+          <p:nvPr/>
+        </p:nvPicPr>
+        <p:blipFill>
+          <a:blip r:embed="rId3"/>
+          <a:stretch>
+            <a:fillRect/>
+          </a:stretch>
+        </p:blipFill>
+        <p:spPr>
+          <a:xfrm>
+            <a:off x="0" y="2289287"/>
+            <a:ext cx="4689252" cy="3516939"/>
+          </a:xfrm>
+          <a:prstGeom prst="rect">
+            <a:avLst/>
+          </a:prstGeom>
+        </p:spPr>
+      </p:pic>
+      <p:sp>
+        <p:nvSpPr>
+          <p:cNvPr id="3" name="Segnaposto contenuto 2"/>
+          <p:cNvSpPr>
+            <a:spLocks noGrp="1"/>
+          </p:cNvSpPr>
+          <p:nvPr>
+            <p:ph idx="1"/>
+          </p:nvPr>
+        </p:nvSpPr>
+        <p:spPr/>
+        <p:txBody>
+          <a:bodyPr/>
+          <a:lstStyle/>
+          <a:p>
+            <a:pPr/>
+            <a:r>
+              <a:rPr lang="it-IT" b="1" dirty="0">
+                <a:solidFill>
+                  <a:schemeClr val="accent1">
+                    <a:lumMod val="50000"/>
+                  </a:schemeClr>
+                </a:solidFill>
+                <a:latin typeface="Arial" panose="020B0604020202020204" pitchFamily="34" charset="0"/>
+                <a:ea typeface="Cambria Math" panose="02040503050406030204" pitchFamily="18" charset="0"/>
+                <a:cs typeface="Arial" panose="020B0604020202020204" pitchFamily="34" charset="0"/>
+              </a:rPr>
+              <a:t>Performance</a:t>
+            </a:r>
+          </a:p>
+        </p:txBody>
+      </p:sp>
+      <p:sp>
+        <p:nvSpPr>
+          <p:cNvPr id="9" name="CasellaDiTesto 8">
+            <a:extLst>
+              <a:ext uri="{FF2B5EF4-FFF2-40B4-BE49-F238E27FC236}">
+                <a16:creationId xmlns:a16="http://schemas.microsoft.com/office/drawing/2014/main" id="{53351752-2C56-364D-82D2-AE07AEAC8720}"/>
+              </a:ext>
+            </a:extLst>
+          </p:cNvPr>
+          <p:cNvSpPr txBox="1"/>
+          <p:nvPr/>
+        </p:nvSpPr>
+        <p:spPr>
+          <a:xfrm>
+            <a:off x="3194462" y="3847605"/>
+            <a:ext cx="184731" cy="369332"/>
+          </a:xfrm>
+          <a:prstGeom prst="rect">
+            <a:avLst/>
+          </a:prstGeom>
+          <a:noFill/>
+        </p:spPr>
+        <p:txBody>
+          <a:bodyPr wrap="none" rtlCol="0">
+            <a:spAutoFit/>
+          </a:bodyPr>
+          <a:lstStyle/>
+          <a:p>
+            <a:endParaRPr lang="it-IT" dirty="0"/>
+          </a:p>
+        </p:txBody>
+      </p:sp>
+      <p:grpSp>
+        <p:nvGrpSpPr>
+          <p:cNvPr id="4" name="Gruppo 3">
+            <a:extLst>
+              <a:ext uri="{FF2B5EF4-FFF2-40B4-BE49-F238E27FC236}">
+                <a16:creationId xmlns:a16="http://schemas.microsoft.com/office/drawing/2014/main" id="{6040EE21-EEFD-244F-9E14-637E5C21FEFF}"/>
+              </a:ext>
+            </a:extLst>
+          </p:cNvPr>
+          <p:cNvGrpSpPr/>
+          <p:nvPr/>
+        </p:nvGrpSpPr>
+        <p:grpSpPr>
+          <a:xfrm>
+            <a:off x="83127" y="6317672"/>
+            <a:ext cx="3063834" cy="344385"/>
+            <a:chOff x="83127" y="6317672"/>
+            <a:chExt cx="3063834" cy="344385"/>
+          </a:xfrm>
+        </p:grpSpPr>
+        <p:sp>
+          <p:nvSpPr>
+            <p:cNvPr id="5" name="Rettangolo 4">
+              <a:extLst>
+                <a:ext uri="{FF2B5EF4-FFF2-40B4-BE49-F238E27FC236}">
+                  <a16:creationId xmlns:a16="http://schemas.microsoft.com/office/drawing/2014/main" id="{BF4B3357-CDC2-2442-86C2-E5C7C2A7230E}"/>
+                </a:ext>
+              </a:extLst>
+            </p:cNvPr>
+            <p:cNvSpPr/>
+            <p:nvPr/>
+          </p:nvSpPr>
+          <p:spPr>
+            <a:xfrm>
+              <a:off x="83127" y="6317672"/>
+              <a:ext cx="3063834" cy="344385"/>
+            </a:xfrm>
+            <a:prstGeom prst="rect">
+              <a:avLst/>
+            </a:prstGeom>
+            <a:solidFill>
+              <a:srgbClr val="728FA5"/>
+            </a:solidFill>
+            <a:ln>
+              <a:noFill/>
+            </a:ln>
+          </p:spPr>
+          <p:style>
+            <a:lnRef idx="0">
+              <a:scrgbClr r="0" g="0" b="0"/>
+            </a:lnRef>
+            <a:fillRef idx="0">
+              <a:scrgbClr r="0" g="0" b="0"/>
+            </a:fillRef>
+            <a:effectRef idx="0">
+              <a:scrgbClr r="0" g="0" b="0"/>
+            </a:effectRef>
+            <a:fontRef idx="minor">
+              <a:schemeClr val="lt1"/>
+            </a:fontRef>
+          </p:style>
+          <p:txBody>
+            <a:bodyPr rtlCol="0" anchor="ctr"/>
+            <a:lstStyle/>
+            <a:p>
+              <a:endParaRPr lang="it-IT" sz="1400" dirty="0"/>
+            </a:p>
+          </p:txBody>
+        </p:sp>
+        <p:sp>
+          <p:nvSpPr>
+            <p:cNvPr id="8" name="Rettangolo 7">
+              <a:extLst>
+                <a:ext uri="{FF2B5EF4-FFF2-40B4-BE49-F238E27FC236}">
+                  <a16:creationId xmlns:a16="http://schemas.microsoft.com/office/drawing/2014/main" id="{5586F461-EC0C-D148-A5B3-CCDFE544B77E}"/>
+                </a:ext>
+              </a:extLst>
+            </p:cNvPr>
+            <p:cNvSpPr/>
+            <p:nvPr/>
+          </p:nvSpPr>
+          <p:spPr>
+            <a:xfrm>
+              <a:off x="288521" y="6317672"/>
+              <a:ext cx="2858440" cy="344385"/>
+            </a:xfrm>
+            <a:prstGeom prst="rect">
+              <a:avLst/>
+            </a:prstGeom>
+            <a:solidFill>
+              <a:srgbClr val="728FA5"/>
+            </a:solidFill>
+            <a:ln>
+              <a:noFill/>
+            </a:ln>
+          </p:spPr>
+          <p:style>
+            <a:lnRef idx="0">
+              <a:scrgbClr r="0" g="0" b="0"/>
+            </a:lnRef>
+            <a:fillRef idx="0">
+              <a:scrgbClr r="0" g="0" b="0"/>
+            </a:fillRef>
+            <a:effectRef idx="0">
+              <a:scrgbClr r="0" g="0" b="0"/>
+            </a:effectRef>
+            <a:fontRef idx="minor">
+              <a:schemeClr val="lt1"/>
+            </a:fontRef>
+          </p:style>
+          <p:txBody>
+            <a:bodyPr rtlCol="0" anchor="ctr"/>
+            <a:lstStyle/>
+            <a:p>
+              <a:r>
+                <a:rPr lang="it-IT" sz="1400" dirty="0"/>
+                <a:t>Mirco Meazzo - 873477</a:t>
+              </a:r>
+            </a:p>
+          </p:txBody>
+        </p:sp>
+      </p:grpSp>
+      <p:sp>
+        <p:nvSpPr>
+          <p:cNvPr id="10" name="Titolo 1">
+            <a:extLst>
+              <a:ext uri="{FF2B5EF4-FFF2-40B4-BE49-F238E27FC236}">
+                <a16:creationId xmlns:a16="http://schemas.microsoft.com/office/drawing/2014/main" id="{8C8D6482-3CCE-E247-B568-E81C33294396}"/>
+              </a:ext>
+            </a:extLst>
+          </p:cNvPr>
+          <p:cNvSpPr>
+            <a:spLocks noGrp="1"/>
+          </p:cNvSpPr>
+          <p:nvPr>
+            <p:ph type="title"/>
+          </p:nvPr>
+        </p:nvSpPr>
+        <p:spPr/>
+        <p:txBody>
+          <a:bodyPr/>
+          <a:lstStyle/>
+          <a:p>
+            <a:r>
+              <a:rPr lang="it-IT" dirty="0"/>
+              <a:t>The Code</a:t>
+            </a:r>
+          </a:p>
+        </p:txBody>
+      </p:sp>
+      <p:pic>
+        <p:nvPicPr>
+          <p:cNvPr id="12" name="Immagine 11">
+            <a:extLst>
+              <a:ext uri="{FF2B5EF4-FFF2-40B4-BE49-F238E27FC236}">
+                <a16:creationId xmlns:a16="http://schemas.microsoft.com/office/drawing/2014/main" id="{84DA5D8D-A2EC-CA43-BD6D-AE2BEC2BFE29}"/>
+              </a:ext>
+            </a:extLst>
+          </p:cNvPr>
+          <p:cNvPicPr>
+            <a:picLocks noChangeAspect="1"/>
+          </p:cNvPicPr>
+          <p:nvPr/>
+        </p:nvPicPr>
+        <p:blipFill>
+          <a:blip r:embed="rId4"/>
+          <a:stretch>
+            <a:fillRect/>
+          </a:stretch>
+        </p:blipFill>
+        <p:spPr>
+          <a:xfrm>
+            <a:off x="4454747" y="2273801"/>
+            <a:ext cx="4689252" cy="3516939"/>
+          </a:xfrm>
+          <a:prstGeom prst="rect">
+            <a:avLst/>
+          </a:prstGeom>
+        </p:spPr>
+      </p:pic>
+    </p:spTree>
+    <p:extLst>
+      <p:ext uri="{BB962C8B-B14F-4D97-AF65-F5344CB8AC3E}">
+        <p14:creationId xmlns:p14="http://schemas.microsoft.com/office/powerpoint/2010/main" val="3610253171"/>
+      </p:ext>
+    </p:extLst>
+  </p:cSld>
+  <p:clrMapOvr>
+    <a:masterClrMapping/>
+  </p:clrMapOvr>
+</p:sld>
+</file>
+
+<file path=ppt/slides/slide21.xml><?xml version="1.0" encoding="utf-8"?>
 <p:sld xmlns:a="http://schemas.openxmlformats.org/drawingml/2006/main" xmlns:r="http://schemas.openxmlformats.org/officeDocument/2006/relationships" xmlns:p="http://schemas.openxmlformats.org/presentationml/2006/main">
   <p:cSld>
     <p:spTree>
@@ -37859,7 +40403,7 @@
 </p:sld>
 </file>
 
-<file path=ppt/slides/slide19.xml><?xml version="1.0" encoding="utf-8"?>
+<file path=ppt/slides/slide22.xml><?xml version="1.0" encoding="utf-8"?>
 <p:sld xmlns:a="http://schemas.openxmlformats.org/drawingml/2006/main" xmlns:r="http://schemas.openxmlformats.org/officeDocument/2006/relationships" xmlns:p="http://schemas.openxmlformats.org/presentationml/2006/main">
   <p:cSld>
     <p:spTree>
@@ -38850,199 +41394,7 @@
 </p:sld>
 </file>
 
-<file path=ppt/slides/slide2.xml><?xml version="1.0" encoding="utf-8"?>
-<p:sld xmlns:a="http://schemas.openxmlformats.org/drawingml/2006/main" xmlns:r="http://schemas.openxmlformats.org/officeDocument/2006/relationships" xmlns:p="http://schemas.openxmlformats.org/presentationml/2006/main">
-  <p:cSld>
-    <p:spTree>
-      <p:nvGrpSpPr>
-        <p:cNvPr id="1" name=""/>
-        <p:cNvGrpSpPr/>
-        <p:nvPr/>
-      </p:nvGrpSpPr>
-      <p:grpSpPr>
-        <a:xfrm>
-          <a:off x="0" y="0"/>
-          <a:ext cx="0" cy="0"/>
-          <a:chOff x="0" y="0"/>
-          <a:chExt cx="0" cy="0"/>
-        </a:xfrm>
-      </p:grpSpPr>
-      <p:sp>
-        <p:nvSpPr>
-          <p:cNvPr id="2" name="Titolo 1">
-            <a:extLst>
-              <a:ext uri="{FF2B5EF4-FFF2-40B4-BE49-F238E27FC236}">
-                <a16:creationId xmlns:a16="http://schemas.microsoft.com/office/drawing/2014/main" id="{29DEBB23-8600-8447-8217-F4704728958C}"/>
-              </a:ext>
-            </a:extLst>
-          </p:cNvPr>
-          <p:cNvSpPr>
-            <a:spLocks noGrp="1"/>
-          </p:cNvSpPr>
-          <p:nvPr>
-            <p:ph type="title"/>
-          </p:nvPr>
-        </p:nvSpPr>
-        <p:spPr/>
-        <p:txBody>
-          <a:bodyPr/>
-          <a:lstStyle/>
-          <a:p>
-            <a:r>
-              <a:rPr lang="it-IT" dirty="0" err="1"/>
-              <a:t>Summary</a:t>
-            </a:r>
-            <a:endParaRPr lang="it-IT" dirty="0"/>
-          </a:p>
-        </p:txBody>
-      </p:sp>
-      <p:graphicFrame>
-        <p:nvGraphicFramePr>
-          <p:cNvPr id="4" name="Segnaposto contenuto 3">
-            <a:extLst>
-              <a:ext uri="{FF2B5EF4-FFF2-40B4-BE49-F238E27FC236}">
-                <a16:creationId xmlns:a16="http://schemas.microsoft.com/office/drawing/2014/main" id="{740710D4-BCDA-4446-8952-338BE60B649E}"/>
-              </a:ext>
-            </a:extLst>
-          </p:cNvPr>
-          <p:cNvGraphicFramePr>
-            <a:graphicFrameLocks noGrp="1"/>
-          </p:cNvGraphicFramePr>
-          <p:nvPr>
-            <p:ph idx="1"/>
-            <p:extLst>
-              <p:ext uri="{D42A27DB-BD31-4B8C-83A1-F6EECF244321}">
-                <p14:modId xmlns:p14="http://schemas.microsoft.com/office/powerpoint/2010/main" val="3565327883"/>
-              </p:ext>
-            </p:extLst>
-          </p:nvPr>
-        </p:nvGraphicFramePr>
-        <p:xfrm>
-          <a:off x="-2259529" y="1379700"/>
-          <a:ext cx="8323263" cy="4525963"/>
-        </p:xfrm>
-        <a:graphic>
-          <a:graphicData uri="http://schemas.openxmlformats.org/drawingml/2006/diagram">
-            <dgm:relIds xmlns:dgm="http://schemas.openxmlformats.org/drawingml/2006/diagram" xmlns:r="http://schemas.openxmlformats.org/officeDocument/2006/relationships" r:dm="rId3" r:lo="rId4" r:qs="rId5" r:cs="rId6"/>
-          </a:graphicData>
-        </a:graphic>
-      </p:graphicFrame>
-      <p:sp>
-        <p:nvSpPr>
-          <p:cNvPr id="7" name="Rettangolo 6">
-            <a:extLst>
-              <a:ext uri="{FF2B5EF4-FFF2-40B4-BE49-F238E27FC236}">
-                <a16:creationId xmlns:a16="http://schemas.microsoft.com/office/drawing/2014/main" id="{90506E7B-D7EB-5B42-BB41-2B105C8284FD}"/>
-              </a:ext>
-            </a:extLst>
-          </p:cNvPr>
-          <p:cNvSpPr/>
-          <p:nvPr/>
-        </p:nvSpPr>
-        <p:spPr>
-          <a:xfrm>
-            <a:off x="142504" y="6305797"/>
-            <a:ext cx="3028208" cy="344385"/>
-          </a:xfrm>
-          <a:prstGeom prst="rect">
-            <a:avLst/>
-          </a:prstGeom>
-          <a:solidFill>
-            <a:srgbClr val="728FA5"/>
-          </a:solidFill>
-          <a:ln>
-            <a:noFill/>
-          </a:ln>
-        </p:spPr>
-        <p:style>
-          <a:lnRef idx="0">
-            <a:scrgbClr r="0" g="0" b="0"/>
-          </a:lnRef>
-          <a:fillRef idx="0">
-            <a:scrgbClr r="0" g="0" b="0"/>
-          </a:fillRef>
-          <a:effectRef idx="0">
-            <a:scrgbClr r="0" g="0" b="0"/>
-          </a:effectRef>
-          <a:fontRef idx="minor">
-            <a:schemeClr val="lt1"/>
-          </a:fontRef>
-        </p:style>
-        <p:txBody>
-          <a:bodyPr rtlCol="0" anchor="ctr"/>
-          <a:lstStyle/>
-          <a:p>
-            <a:pPr algn="ctr"/>
-            <a:endParaRPr lang="it-IT"/>
-          </a:p>
-        </p:txBody>
-      </p:sp>
-      <p:sp>
-        <p:nvSpPr>
-          <p:cNvPr id="10" name="Rettangolo 9">
-            <a:extLst>
-              <a:ext uri="{FF2B5EF4-FFF2-40B4-BE49-F238E27FC236}">
-                <a16:creationId xmlns:a16="http://schemas.microsoft.com/office/drawing/2014/main" id="{61AAF7CD-7882-214C-A416-FFA273827622}"/>
-              </a:ext>
-            </a:extLst>
-          </p:cNvPr>
-          <p:cNvSpPr/>
-          <p:nvPr/>
-        </p:nvSpPr>
-        <p:spPr>
-          <a:xfrm>
-            <a:off x="288521" y="6317672"/>
-            <a:ext cx="2858440" cy="344385"/>
-          </a:xfrm>
-          <a:prstGeom prst="rect">
-            <a:avLst/>
-          </a:prstGeom>
-          <a:solidFill>
-            <a:srgbClr val="728FA5"/>
-          </a:solidFill>
-          <a:ln>
-            <a:noFill/>
-          </a:ln>
-        </p:spPr>
-        <p:style>
-          <a:lnRef idx="0">
-            <a:scrgbClr r="0" g="0" b="0"/>
-          </a:lnRef>
-          <a:fillRef idx="0">
-            <a:scrgbClr r="0" g="0" b="0"/>
-          </a:fillRef>
-          <a:effectRef idx="0">
-            <a:scrgbClr r="0" g="0" b="0"/>
-          </a:effectRef>
-          <a:fontRef idx="minor">
-            <a:schemeClr val="lt1"/>
-          </a:fontRef>
-        </p:style>
-        <p:txBody>
-          <a:bodyPr rtlCol="0" anchor="ctr"/>
-          <a:lstStyle/>
-          <a:p>
-            <a:r>
-              <a:rPr lang="it-IT" sz="1400" dirty="0"/>
-              <a:t>Mirco Meazzo - 873477</a:t>
-            </a:r>
-          </a:p>
-        </p:txBody>
-      </p:sp>
-    </p:spTree>
-    <p:extLst>
-      <p:ext uri="{BB962C8B-B14F-4D97-AF65-F5344CB8AC3E}">
-        <p14:creationId xmlns:p14="http://schemas.microsoft.com/office/powerpoint/2010/main" val="362014694"/>
-      </p:ext>
-    </p:extLst>
-  </p:cSld>
-  <p:clrMapOvr>
-    <a:masterClrMapping/>
-  </p:clrMapOvr>
-</p:sld>
-</file>
-
-<file path=ppt/slides/slide20.xml><?xml version="1.0" encoding="utf-8"?>
+<file path=ppt/slides/slide23.xml><?xml version="1.0" encoding="utf-8"?>
 <p:sld xmlns:a="http://schemas.openxmlformats.org/drawingml/2006/main" xmlns:r="http://schemas.openxmlformats.org/officeDocument/2006/relationships" xmlns:p="http://schemas.openxmlformats.org/presentationml/2006/main">
   <p:cSld>
     <p:spTree>
@@ -39449,7 +41801,7 @@
 </p:sld>
 </file>
 
-<file path=ppt/slides/slide21.xml><?xml version="1.0" encoding="utf-8"?>
+<file path=ppt/slides/slide24.xml><?xml version="1.0" encoding="utf-8"?>
 <p:sld xmlns:a="http://schemas.openxmlformats.org/drawingml/2006/main" xmlns:r="http://schemas.openxmlformats.org/officeDocument/2006/relationships" xmlns:p="http://schemas.openxmlformats.org/presentationml/2006/main">
   <p:cSld>
     <p:spTree>
@@ -39826,7 +42178,7 @@
 </p:sld>
 </file>
 
-<file path=ppt/slides/slide22.xml><?xml version="1.0" encoding="utf-8"?>
+<file path=ppt/slides/slide25.xml><?xml version="1.0" encoding="utf-8"?>
 <p:sld xmlns:a="http://schemas.openxmlformats.org/drawingml/2006/main" xmlns:r="http://schemas.openxmlformats.org/officeDocument/2006/relationships" xmlns:p="http://schemas.openxmlformats.org/presentationml/2006/main">
   <p:cSld>
     <p:spTree>
@@ -40203,7 +42555,7 @@
 </p:sld>
 </file>
 
-<file path=ppt/slides/slide23.xml><?xml version="1.0" encoding="utf-8"?>
+<file path=ppt/slides/slide26.xml><?xml version="1.0" encoding="utf-8"?>
 <p:sld xmlns:a="http://schemas.openxmlformats.org/drawingml/2006/main" xmlns:r="http://schemas.openxmlformats.org/officeDocument/2006/relationships" xmlns:p="http://schemas.openxmlformats.org/presentationml/2006/main">
   <p:cSld>
     <p:spTree>
@@ -40580,7 +42932,7 @@
 </p:sld>
 </file>
 
-<file path=ppt/slides/slide24.xml><?xml version="1.0" encoding="utf-8"?>
+<file path=ppt/slides/slide27.xml><?xml version="1.0" encoding="utf-8"?>
 <p:sld xmlns:a="http://schemas.openxmlformats.org/drawingml/2006/main" xmlns:r="http://schemas.openxmlformats.org/officeDocument/2006/relationships" xmlns:p="http://schemas.openxmlformats.org/presentationml/2006/main">
   <p:cSld>
     <p:spTree>
@@ -40975,7 +43327,7 @@
 </p:sld>
 </file>
 
-<file path=ppt/slides/slide25.xml><?xml version="1.0" encoding="utf-8"?>
+<file path=ppt/slides/slide28.xml><?xml version="1.0" encoding="utf-8"?>
 <p:sld xmlns:a="http://schemas.openxmlformats.org/drawingml/2006/main" xmlns:r="http://schemas.openxmlformats.org/officeDocument/2006/relationships" xmlns:p="http://schemas.openxmlformats.org/presentationml/2006/main">
   <p:cSld>
     <p:spTree>
@@ -41621,7 +43973,7 @@
 </p:sld>
 </file>
 
-<file path=ppt/slides/slide26.xml><?xml version="1.0" encoding="utf-8"?>
+<file path=ppt/slides/slide29.xml><?xml version="1.0" encoding="utf-8"?>
 <p:sld xmlns:a="http://schemas.openxmlformats.org/drawingml/2006/main" xmlns:r="http://schemas.openxmlformats.org/officeDocument/2006/relationships" xmlns:p="http://schemas.openxmlformats.org/presentationml/2006/main">
   <p:cSld>
     <p:spTree>
@@ -42021,7 +44373,194 @@
 </p:sld>
 </file>
 
-<file path=ppt/slides/slide27.xml><?xml version="1.0" encoding="utf-8"?>
+<file path=ppt/slides/slide3.xml><?xml version="1.0" encoding="utf-8"?>
+<p:sld xmlns:a="http://schemas.openxmlformats.org/drawingml/2006/main" xmlns:r="http://schemas.openxmlformats.org/officeDocument/2006/relationships" xmlns:p="http://schemas.openxmlformats.org/presentationml/2006/main">
+  <p:cSld>
+    <p:spTree>
+      <p:nvGrpSpPr>
+        <p:cNvPr id="1" name=""/>
+        <p:cNvGrpSpPr/>
+        <p:nvPr/>
+      </p:nvGrpSpPr>
+      <p:grpSpPr>
+        <a:xfrm>
+          <a:off x="0" y="0"/>
+          <a:ext cx="0" cy="0"/>
+          <a:chOff x="0" y="0"/>
+          <a:chExt cx="0" cy="0"/>
+        </a:xfrm>
+      </p:grpSpPr>
+      <p:sp>
+        <p:nvSpPr>
+          <p:cNvPr id="2" name="Titolo 1">
+            <a:extLst>
+              <a:ext uri="{FF2B5EF4-FFF2-40B4-BE49-F238E27FC236}">
+                <a16:creationId xmlns:a16="http://schemas.microsoft.com/office/drawing/2014/main" id="{29DEBB23-8600-8447-8217-F4704728958C}"/>
+              </a:ext>
+            </a:extLst>
+          </p:cNvPr>
+          <p:cNvSpPr>
+            <a:spLocks noGrp="1"/>
+          </p:cNvSpPr>
+          <p:nvPr>
+            <p:ph type="title"/>
+          </p:nvPr>
+        </p:nvSpPr>
+        <p:spPr/>
+        <p:txBody>
+          <a:bodyPr/>
+          <a:lstStyle/>
+          <a:p>
+            <a:r>
+              <a:rPr lang="it-IT" dirty="0" err="1"/>
+              <a:t>Summary</a:t>
+            </a:r>
+            <a:endParaRPr lang="it-IT" dirty="0"/>
+          </a:p>
+        </p:txBody>
+      </p:sp>
+      <p:graphicFrame>
+        <p:nvGraphicFramePr>
+          <p:cNvPr id="4" name="Segnaposto contenuto 3">
+            <a:extLst>
+              <a:ext uri="{FF2B5EF4-FFF2-40B4-BE49-F238E27FC236}">
+                <a16:creationId xmlns:a16="http://schemas.microsoft.com/office/drawing/2014/main" id="{740710D4-BCDA-4446-8952-338BE60B649E}"/>
+              </a:ext>
+            </a:extLst>
+          </p:cNvPr>
+          <p:cNvGraphicFramePr>
+            <a:graphicFrameLocks noGrp="1"/>
+          </p:cNvGraphicFramePr>
+          <p:nvPr>
+            <p:ph idx="1"/>
+          </p:nvPr>
+        </p:nvGraphicFramePr>
+        <p:xfrm>
+          <a:off x="-2259529" y="1379700"/>
+          <a:ext cx="8323263" cy="4525963"/>
+        </p:xfrm>
+        <a:graphic>
+          <a:graphicData uri="http://schemas.openxmlformats.org/drawingml/2006/diagram">
+            <dgm:relIds xmlns:dgm="http://schemas.openxmlformats.org/drawingml/2006/diagram" xmlns:r="http://schemas.openxmlformats.org/officeDocument/2006/relationships" r:dm="rId2" r:lo="rId3" r:qs="rId4" r:cs="rId5"/>
+          </a:graphicData>
+        </a:graphic>
+      </p:graphicFrame>
+      <p:sp>
+        <p:nvSpPr>
+          <p:cNvPr id="7" name="Rettangolo 6">
+            <a:extLst>
+              <a:ext uri="{FF2B5EF4-FFF2-40B4-BE49-F238E27FC236}">
+                <a16:creationId xmlns:a16="http://schemas.microsoft.com/office/drawing/2014/main" id="{90506E7B-D7EB-5B42-BB41-2B105C8284FD}"/>
+              </a:ext>
+            </a:extLst>
+          </p:cNvPr>
+          <p:cNvSpPr/>
+          <p:nvPr/>
+        </p:nvSpPr>
+        <p:spPr>
+          <a:xfrm>
+            <a:off x="142504" y="6305797"/>
+            <a:ext cx="3028208" cy="344385"/>
+          </a:xfrm>
+          <a:prstGeom prst="rect">
+            <a:avLst/>
+          </a:prstGeom>
+          <a:solidFill>
+            <a:srgbClr val="728FA5"/>
+          </a:solidFill>
+          <a:ln>
+            <a:noFill/>
+          </a:ln>
+        </p:spPr>
+        <p:style>
+          <a:lnRef idx="0">
+            <a:scrgbClr r="0" g="0" b="0"/>
+          </a:lnRef>
+          <a:fillRef idx="0">
+            <a:scrgbClr r="0" g="0" b="0"/>
+          </a:fillRef>
+          <a:effectRef idx="0">
+            <a:scrgbClr r="0" g="0" b="0"/>
+          </a:effectRef>
+          <a:fontRef idx="minor">
+            <a:schemeClr val="lt1"/>
+          </a:fontRef>
+        </p:style>
+        <p:txBody>
+          <a:bodyPr rtlCol="0" anchor="ctr"/>
+          <a:lstStyle/>
+          <a:p>
+            <a:pPr algn="ctr"/>
+            <a:endParaRPr lang="it-IT"/>
+          </a:p>
+        </p:txBody>
+      </p:sp>
+      <p:sp>
+        <p:nvSpPr>
+          <p:cNvPr id="10" name="Rettangolo 9">
+            <a:extLst>
+              <a:ext uri="{FF2B5EF4-FFF2-40B4-BE49-F238E27FC236}">
+                <a16:creationId xmlns:a16="http://schemas.microsoft.com/office/drawing/2014/main" id="{61AAF7CD-7882-214C-A416-FFA273827622}"/>
+              </a:ext>
+            </a:extLst>
+          </p:cNvPr>
+          <p:cNvSpPr/>
+          <p:nvPr/>
+        </p:nvSpPr>
+        <p:spPr>
+          <a:xfrm>
+            <a:off x="288521" y="6317672"/>
+            <a:ext cx="2858440" cy="344385"/>
+          </a:xfrm>
+          <a:prstGeom prst="rect">
+            <a:avLst/>
+          </a:prstGeom>
+          <a:solidFill>
+            <a:srgbClr val="728FA5"/>
+          </a:solidFill>
+          <a:ln>
+            <a:noFill/>
+          </a:ln>
+        </p:spPr>
+        <p:style>
+          <a:lnRef idx="0">
+            <a:scrgbClr r="0" g="0" b="0"/>
+          </a:lnRef>
+          <a:fillRef idx="0">
+            <a:scrgbClr r="0" g="0" b="0"/>
+          </a:fillRef>
+          <a:effectRef idx="0">
+            <a:scrgbClr r="0" g="0" b="0"/>
+          </a:effectRef>
+          <a:fontRef idx="minor">
+            <a:schemeClr val="lt1"/>
+          </a:fontRef>
+        </p:style>
+        <p:txBody>
+          <a:bodyPr rtlCol="0" anchor="ctr"/>
+          <a:lstStyle/>
+          <a:p>
+            <a:r>
+              <a:rPr lang="it-IT" sz="1400" dirty="0"/>
+              <a:t>Mirco Meazzo - 873477</a:t>
+            </a:r>
+          </a:p>
+        </p:txBody>
+      </p:sp>
+    </p:spTree>
+    <p:extLst>
+      <p:ext uri="{BB962C8B-B14F-4D97-AF65-F5344CB8AC3E}">
+        <p14:creationId xmlns:p14="http://schemas.microsoft.com/office/powerpoint/2010/main" val="1453347171"/>
+      </p:ext>
+    </p:extLst>
+  </p:cSld>
+  <p:clrMapOvr>
+    <a:masterClrMapping/>
+  </p:clrMapOvr>
+</p:sld>
+</file>
+
+<file path=ppt/slides/slide30.xml><?xml version="1.0" encoding="utf-8"?>
 <p:sld xmlns:a="http://schemas.openxmlformats.org/drawingml/2006/main" xmlns:r="http://schemas.openxmlformats.org/officeDocument/2006/relationships" xmlns:p="http://schemas.openxmlformats.org/presentationml/2006/main">
   <p:cSld>
     <p:spTree>
@@ -42671,7 +45210,7 @@
 </p:sld>
 </file>
 
-<file path=ppt/slides/slide28.xml><?xml version="1.0" encoding="utf-8"?>
+<file path=ppt/slides/slide31.xml><?xml version="1.0" encoding="utf-8"?>
 <p:sld xmlns:a="http://schemas.openxmlformats.org/drawingml/2006/main" xmlns:r="http://schemas.openxmlformats.org/officeDocument/2006/relationships" xmlns:p="http://schemas.openxmlformats.org/presentationml/2006/main">
   <p:cSld>
     <p:spTree>
@@ -44483,7 +47022,7 @@
 </p:sld>
 </file>
 
-<file path=ppt/slides/slide29.xml><?xml version="1.0" encoding="utf-8"?>
+<file path=ppt/slides/slide32.xml><?xml version="1.0" encoding="utf-8"?>
 <p:sld xmlns:a="http://schemas.openxmlformats.org/drawingml/2006/main" xmlns:r="http://schemas.openxmlformats.org/officeDocument/2006/relationships" xmlns:p="http://schemas.openxmlformats.org/presentationml/2006/main">
   <p:cSld>
     <p:spTree>
@@ -45539,194 +48078,7 @@
 </p:sld>
 </file>
 
-<file path=ppt/slides/slide3.xml><?xml version="1.0" encoding="utf-8"?>
-<p:sld xmlns:a="http://schemas.openxmlformats.org/drawingml/2006/main" xmlns:r="http://schemas.openxmlformats.org/officeDocument/2006/relationships" xmlns:p="http://schemas.openxmlformats.org/presentationml/2006/main">
-  <p:cSld>
-    <p:spTree>
-      <p:nvGrpSpPr>
-        <p:cNvPr id="1" name=""/>
-        <p:cNvGrpSpPr/>
-        <p:nvPr/>
-      </p:nvGrpSpPr>
-      <p:grpSpPr>
-        <a:xfrm>
-          <a:off x="0" y="0"/>
-          <a:ext cx="0" cy="0"/>
-          <a:chOff x="0" y="0"/>
-          <a:chExt cx="0" cy="0"/>
-        </a:xfrm>
-      </p:grpSpPr>
-      <p:sp>
-        <p:nvSpPr>
-          <p:cNvPr id="2" name="Titolo 1">
-            <a:extLst>
-              <a:ext uri="{FF2B5EF4-FFF2-40B4-BE49-F238E27FC236}">
-                <a16:creationId xmlns:a16="http://schemas.microsoft.com/office/drawing/2014/main" id="{29DEBB23-8600-8447-8217-F4704728958C}"/>
-              </a:ext>
-            </a:extLst>
-          </p:cNvPr>
-          <p:cNvSpPr>
-            <a:spLocks noGrp="1"/>
-          </p:cNvSpPr>
-          <p:nvPr>
-            <p:ph type="title"/>
-          </p:nvPr>
-        </p:nvSpPr>
-        <p:spPr/>
-        <p:txBody>
-          <a:bodyPr/>
-          <a:lstStyle/>
-          <a:p>
-            <a:r>
-              <a:rPr lang="it-IT" dirty="0" err="1"/>
-              <a:t>Summary</a:t>
-            </a:r>
-            <a:endParaRPr lang="it-IT" dirty="0"/>
-          </a:p>
-        </p:txBody>
-      </p:sp>
-      <p:graphicFrame>
-        <p:nvGraphicFramePr>
-          <p:cNvPr id="4" name="Segnaposto contenuto 3">
-            <a:extLst>
-              <a:ext uri="{FF2B5EF4-FFF2-40B4-BE49-F238E27FC236}">
-                <a16:creationId xmlns:a16="http://schemas.microsoft.com/office/drawing/2014/main" id="{740710D4-BCDA-4446-8952-338BE60B649E}"/>
-              </a:ext>
-            </a:extLst>
-          </p:cNvPr>
-          <p:cNvGraphicFramePr>
-            <a:graphicFrameLocks noGrp="1"/>
-          </p:cNvGraphicFramePr>
-          <p:nvPr>
-            <p:ph idx="1"/>
-          </p:nvPr>
-        </p:nvGraphicFramePr>
-        <p:xfrm>
-          <a:off x="-2259529" y="1379700"/>
-          <a:ext cx="8323263" cy="4525963"/>
-        </p:xfrm>
-        <a:graphic>
-          <a:graphicData uri="http://schemas.openxmlformats.org/drawingml/2006/diagram">
-            <dgm:relIds xmlns:dgm="http://schemas.openxmlformats.org/drawingml/2006/diagram" xmlns:r="http://schemas.openxmlformats.org/officeDocument/2006/relationships" r:dm="rId2" r:lo="rId3" r:qs="rId4" r:cs="rId5"/>
-          </a:graphicData>
-        </a:graphic>
-      </p:graphicFrame>
-      <p:sp>
-        <p:nvSpPr>
-          <p:cNvPr id="7" name="Rettangolo 6">
-            <a:extLst>
-              <a:ext uri="{FF2B5EF4-FFF2-40B4-BE49-F238E27FC236}">
-                <a16:creationId xmlns:a16="http://schemas.microsoft.com/office/drawing/2014/main" id="{90506E7B-D7EB-5B42-BB41-2B105C8284FD}"/>
-              </a:ext>
-            </a:extLst>
-          </p:cNvPr>
-          <p:cNvSpPr/>
-          <p:nvPr/>
-        </p:nvSpPr>
-        <p:spPr>
-          <a:xfrm>
-            <a:off x="142504" y="6305797"/>
-            <a:ext cx="3028208" cy="344385"/>
-          </a:xfrm>
-          <a:prstGeom prst="rect">
-            <a:avLst/>
-          </a:prstGeom>
-          <a:solidFill>
-            <a:srgbClr val="728FA5"/>
-          </a:solidFill>
-          <a:ln>
-            <a:noFill/>
-          </a:ln>
-        </p:spPr>
-        <p:style>
-          <a:lnRef idx="0">
-            <a:scrgbClr r="0" g="0" b="0"/>
-          </a:lnRef>
-          <a:fillRef idx="0">
-            <a:scrgbClr r="0" g="0" b="0"/>
-          </a:fillRef>
-          <a:effectRef idx="0">
-            <a:scrgbClr r="0" g="0" b="0"/>
-          </a:effectRef>
-          <a:fontRef idx="minor">
-            <a:schemeClr val="lt1"/>
-          </a:fontRef>
-        </p:style>
-        <p:txBody>
-          <a:bodyPr rtlCol="0" anchor="ctr"/>
-          <a:lstStyle/>
-          <a:p>
-            <a:pPr algn="ctr"/>
-            <a:endParaRPr lang="it-IT"/>
-          </a:p>
-        </p:txBody>
-      </p:sp>
-      <p:sp>
-        <p:nvSpPr>
-          <p:cNvPr id="10" name="Rettangolo 9">
-            <a:extLst>
-              <a:ext uri="{FF2B5EF4-FFF2-40B4-BE49-F238E27FC236}">
-                <a16:creationId xmlns:a16="http://schemas.microsoft.com/office/drawing/2014/main" id="{61AAF7CD-7882-214C-A416-FFA273827622}"/>
-              </a:ext>
-            </a:extLst>
-          </p:cNvPr>
-          <p:cNvSpPr/>
-          <p:nvPr/>
-        </p:nvSpPr>
-        <p:spPr>
-          <a:xfrm>
-            <a:off x="288521" y="6317672"/>
-            <a:ext cx="2858440" cy="344385"/>
-          </a:xfrm>
-          <a:prstGeom prst="rect">
-            <a:avLst/>
-          </a:prstGeom>
-          <a:solidFill>
-            <a:srgbClr val="728FA5"/>
-          </a:solidFill>
-          <a:ln>
-            <a:noFill/>
-          </a:ln>
-        </p:spPr>
-        <p:style>
-          <a:lnRef idx="0">
-            <a:scrgbClr r="0" g="0" b="0"/>
-          </a:lnRef>
-          <a:fillRef idx="0">
-            <a:scrgbClr r="0" g="0" b="0"/>
-          </a:fillRef>
-          <a:effectRef idx="0">
-            <a:scrgbClr r="0" g="0" b="0"/>
-          </a:effectRef>
-          <a:fontRef idx="minor">
-            <a:schemeClr val="lt1"/>
-          </a:fontRef>
-        </p:style>
-        <p:txBody>
-          <a:bodyPr rtlCol="0" anchor="ctr"/>
-          <a:lstStyle/>
-          <a:p>
-            <a:r>
-              <a:rPr lang="it-IT" sz="1400" dirty="0"/>
-              <a:t>Mirco Meazzo - 873477</a:t>
-            </a:r>
-          </a:p>
-        </p:txBody>
-      </p:sp>
-    </p:spTree>
-    <p:extLst>
-      <p:ext uri="{BB962C8B-B14F-4D97-AF65-F5344CB8AC3E}">
-        <p14:creationId xmlns:p14="http://schemas.microsoft.com/office/powerpoint/2010/main" val="1453347171"/>
-      </p:ext>
-    </p:extLst>
-  </p:cSld>
-  <p:clrMapOvr>
-    <a:masterClrMapping/>
-  </p:clrMapOvr>
-</p:sld>
-</file>
-
-<file path=ppt/slides/slide30.xml><?xml version="1.0" encoding="utf-8"?>
+<file path=ppt/slides/slide33.xml><?xml version="1.0" encoding="utf-8"?>
 <p:sld xmlns:a="http://schemas.openxmlformats.org/drawingml/2006/main" xmlns:r="http://schemas.openxmlformats.org/officeDocument/2006/relationships" xmlns:p="http://schemas.openxmlformats.org/presentationml/2006/main">
   <p:cSld>
     <p:spTree>
@@ -45918,7 +48270,7 @@
 </p:sld>
 </file>
 
-<file path=ppt/slides/slide31.xml><?xml version="1.0" encoding="utf-8"?>
+<file path=ppt/slides/slide34.xml><?xml version="1.0" encoding="utf-8"?>
 <p:sld xmlns:a="http://schemas.openxmlformats.org/drawingml/2006/main" xmlns:r="http://schemas.openxmlformats.org/officeDocument/2006/relationships" xmlns:p="http://schemas.openxmlformats.org/presentationml/2006/main">
   <p:cSld>
     <p:spTree>
@@ -46282,7 +48634,7 @@
 </p:sld>
 </file>
 
-<file path=ppt/slides/slide32.xml><?xml version="1.0" encoding="utf-8"?>
+<file path=ppt/slides/slide35.xml><?xml version="1.0" encoding="utf-8"?>
 <p:sld xmlns:a="http://schemas.openxmlformats.org/drawingml/2006/main" xmlns:r="http://schemas.openxmlformats.org/officeDocument/2006/relationships" xmlns:p="http://schemas.openxmlformats.org/presentationml/2006/main">
   <p:cSld>
     <p:spTree>
@@ -47112,7 +49464,7 @@
 </p:sld>
 </file>
 
-<file path=ppt/slides/slide33.xml><?xml version="1.0" encoding="utf-8"?>
+<file path=ppt/slides/slide36.xml><?xml version="1.0" encoding="utf-8"?>
 <p:sld xmlns:a="http://schemas.openxmlformats.org/drawingml/2006/main" xmlns:r="http://schemas.openxmlformats.org/officeDocument/2006/relationships" xmlns:p="http://schemas.openxmlformats.org/presentationml/2006/main">
   <p:cSld>
     <p:spTree>
@@ -54455,20 +56807,12 @@
               <a:defRPr/>
             </a:pPr>
             <a:r>
-              <a:rPr lang="it-IT" b="1" dirty="0" err="1">
-                <a:solidFill>
-                  <a:srgbClr val="003F6E"/>
-                </a:solidFill>
-              </a:rPr>
-              <a:t>Uses</a:t>
-            </a:r>
-            <a:r>
               <a:rPr lang="it-IT" b="1" dirty="0">
                 <a:solidFill>
                   <a:srgbClr val="003F6E"/>
                 </a:solidFill>
               </a:rPr>
-              <a:t> </a:t>
+              <a:t>Use </a:t>
             </a:r>
             <a:r>
               <a:rPr lang="it-IT" b="1" dirty="0" err="1">

--- a/presentazione_meazzo.pptx
+++ b/presentazione_meazzo.pptx
@@ -5,45 +5,49 @@
     <p:sldMasterId id="2147483648" r:id="rId1"/>
   </p:sldMasterIdLst>
   <p:notesMasterIdLst>
-    <p:notesMasterId r:id="rId38"/>
+    <p:notesMasterId r:id="rId42"/>
   </p:notesMasterIdLst>
   <p:sldIdLst>
     <p:sldId id="261" r:id="rId2"/>
     <p:sldId id="280" r:id="rId3"/>
     <p:sldId id="284" r:id="rId4"/>
     <p:sldId id="257" r:id="rId5"/>
-    <p:sldId id="273" r:id="rId6"/>
-    <p:sldId id="283" r:id="rId7"/>
-    <p:sldId id="281" r:id="rId8"/>
-    <p:sldId id="282" r:id="rId9"/>
-    <p:sldId id="264" r:id="rId10"/>
-    <p:sldId id="287" r:id="rId11"/>
-    <p:sldId id="297" r:id="rId12"/>
-    <p:sldId id="296" r:id="rId13"/>
-    <p:sldId id="290" r:id="rId14"/>
-    <p:sldId id="288" r:id="rId15"/>
-    <p:sldId id="289" r:id="rId16"/>
-    <p:sldId id="291" r:id="rId17"/>
-    <p:sldId id="293" r:id="rId18"/>
-    <p:sldId id="294" r:id="rId19"/>
-    <p:sldId id="292" r:id="rId20"/>
-    <p:sldId id="295" r:id="rId21"/>
-    <p:sldId id="286" r:id="rId22"/>
-    <p:sldId id="262" r:id="rId23"/>
-    <p:sldId id="266" r:id="rId24"/>
-    <p:sldId id="265" r:id="rId25"/>
-    <p:sldId id="268" r:id="rId26"/>
-    <p:sldId id="269" r:id="rId27"/>
-    <p:sldId id="270" r:id="rId28"/>
-    <p:sldId id="275" r:id="rId29"/>
-    <p:sldId id="276" r:id="rId30"/>
-    <p:sldId id="277" r:id="rId31"/>
-    <p:sldId id="285" r:id="rId32"/>
-    <p:sldId id="278" r:id="rId33"/>
-    <p:sldId id="279" r:id="rId34"/>
-    <p:sldId id="263" r:id="rId35"/>
-    <p:sldId id="272" r:id="rId36"/>
-    <p:sldId id="271" r:id="rId37"/>
+    <p:sldId id="299" r:id="rId6"/>
+    <p:sldId id="298" r:id="rId7"/>
+    <p:sldId id="273" r:id="rId8"/>
+    <p:sldId id="283" r:id="rId9"/>
+    <p:sldId id="281" r:id="rId10"/>
+    <p:sldId id="282" r:id="rId11"/>
+    <p:sldId id="264" r:id="rId12"/>
+    <p:sldId id="287" r:id="rId13"/>
+    <p:sldId id="297" r:id="rId14"/>
+    <p:sldId id="300" r:id="rId15"/>
+    <p:sldId id="301" r:id="rId16"/>
+    <p:sldId id="296" r:id="rId17"/>
+    <p:sldId id="290" r:id="rId18"/>
+    <p:sldId id="288" r:id="rId19"/>
+    <p:sldId id="289" r:id="rId20"/>
+    <p:sldId id="291" r:id="rId21"/>
+    <p:sldId id="293" r:id="rId22"/>
+    <p:sldId id="294" r:id="rId23"/>
+    <p:sldId id="292" r:id="rId24"/>
+    <p:sldId id="295" r:id="rId25"/>
+    <p:sldId id="286" r:id="rId26"/>
+    <p:sldId id="262" r:id="rId27"/>
+    <p:sldId id="266" r:id="rId28"/>
+    <p:sldId id="265" r:id="rId29"/>
+    <p:sldId id="268" r:id="rId30"/>
+    <p:sldId id="269" r:id="rId31"/>
+    <p:sldId id="270" r:id="rId32"/>
+    <p:sldId id="275" r:id="rId33"/>
+    <p:sldId id="276" r:id="rId34"/>
+    <p:sldId id="277" r:id="rId35"/>
+    <p:sldId id="285" r:id="rId36"/>
+    <p:sldId id="278" r:id="rId37"/>
+    <p:sldId id="279" r:id="rId38"/>
+    <p:sldId id="263" r:id="rId39"/>
+    <p:sldId id="272" r:id="rId40"/>
+    <p:sldId id="271" r:id="rId41"/>
   </p:sldIdLst>
   <p:sldSz cx="9144000" cy="6858000" type="screen4x3"/>
   <p:notesSz cx="6858000" cy="9144000"/>
@@ -155,6 +159,8 @@
           <p14:sldIdLst>
             <p14:sldId id="284"/>
             <p14:sldId id="257"/>
+            <p14:sldId id="299"/>
+            <p14:sldId id="298"/>
             <p14:sldId id="273"/>
             <p14:sldId id="283"/>
             <p14:sldId id="281"/>
@@ -166,6 +172,8 @@
             <p14:sldId id="264"/>
             <p14:sldId id="287"/>
             <p14:sldId id="297"/>
+            <p14:sldId id="300"/>
+            <p14:sldId id="301"/>
             <p14:sldId id="296"/>
             <p14:sldId id="290"/>
             <p14:sldId id="288"/>
@@ -15597,6 +15605,394 @@
           <a:bodyPr/>
           <a:lstStyle/>
           <a:p>
+            <a:r>
+              <a:rPr lang="it-IT" dirty="0"/>
+              <a:t>Use estensivo delle seguenti librerie esterne,</a:t>
+            </a:r>
+          </a:p>
+          <a:p>
+            <a:r>
+              <a:rPr lang="it-IT" dirty="0"/>
+              <a:t>…Grazie all’uso di </a:t>
+            </a:r>
+            <a:r>
+              <a:rPr lang="it-IT" dirty="0" err="1"/>
+              <a:t>fftMPI</a:t>
+            </a:r>
+            <a:endParaRPr lang="it-IT" dirty="0"/>
+          </a:p>
+          <a:p>
+            <a:endParaRPr lang="it-IT" dirty="0"/>
+          </a:p>
+        </p:txBody>
+      </p:sp>
+      <p:sp>
+        <p:nvSpPr>
+          <p:cNvPr id="4" name="Segnaposto numero diapositiva 3"/>
+          <p:cNvSpPr>
+            <a:spLocks noGrp="1"/>
+          </p:cNvSpPr>
+          <p:nvPr>
+            <p:ph type="sldNum" sz="quarter" idx="10"/>
+          </p:nvPr>
+        </p:nvSpPr>
+        <p:spPr/>
+        <p:txBody>
+          <a:bodyPr/>
+          <a:lstStyle/>
+          <a:p>
+            <a:fld id="{1A6B2BED-F6F4-ED4A-9D49-77F4B1011AF7}" type="slidenum">
+              <a:rPr lang="it-IT" smtClean="0"/>
+              <a:t>12</a:t>
+            </a:fld>
+            <a:endParaRPr lang="it-IT"/>
+          </a:p>
+        </p:txBody>
+      </p:sp>
+    </p:spTree>
+    <p:extLst>
+      <p:ext uri="{BB962C8B-B14F-4D97-AF65-F5344CB8AC3E}">
+        <p14:creationId xmlns:p14="http://schemas.microsoft.com/office/powerpoint/2010/main" val="2605832399"/>
+      </p:ext>
+    </p:extLst>
+  </p:cSld>
+  <p:clrMapOvr>
+    <a:masterClrMapping/>
+  </p:clrMapOvr>
+</p:notes>
+</file>
+
+<file path=ppt/notesSlides/notesSlide11.xml><?xml version="1.0" encoding="utf-8"?>
+<p:notes xmlns:a="http://schemas.openxmlformats.org/drawingml/2006/main" xmlns:r="http://schemas.openxmlformats.org/officeDocument/2006/relationships" xmlns:p="http://schemas.openxmlformats.org/presentationml/2006/main">
+  <p:cSld>
+    <p:spTree>
+      <p:nvGrpSpPr>
+        <p:cNvPr id="1" name=""/>
+        <p:cNvGrpSpPr/>
+        <p:nvPr/>
+      </p:nvGrpSpPr>
+      <p:grpSpPr>
+        <a:xfrm>
+          <a:off x="0" y="0"/>
+          <a:ext cx="0" cy="0"/>
+          <a:chOff x="0" y="0"/>
+          <a:chExt cx="0" cy="0"/>
+        </a:xfrm>
+      </p:grpSpPr>
+      <p:sp>
+        <p:nvSpPr>
+          <p:cNvPr id="2" name="Segnaposto immagine diapositiva 1"/>
+          <p:cNvSpPr>
+            <a:spLocks noGrp="1" noRot="1" noChangeAspect="1"/>
+          </p:cNvSpPr>
+          <p:nvPr>
+            <p:ph type="sldImg"/>
+          </p:nvPr>
+        </p:nvSpPr>
+        <p:spPr/>
+      </p:sp>
+      <p:sp>
+        <p:nvSpPr>
+          <p:cNvPr id="3" name="Segnaposto note 2"/>
+          <p:cNvSpPr>
+            <a:spLocks noGrp="1"/>
+          </p:cNvSpPr>
+          <p:nvPr>
+            <p:ph type="body" idx="1"/>
+          </p:nvPr>
+        </p:nvSpPr>
+        <p:spPr/>
+        <p:txBody>
+          <a:bodyPr/>
+          <a:lstStyle/>
+          <a:p>
+            <a:r>
+              <a:rPr lang="it-IT" dirty="0"/>
+              <a:t>decomposizione 2D arrays,</a:t>
+            </a:r>
+          </a:p>
+          <a:p>
+            <a:r>
+              <a:rPr lang="it-IT" dirty="0"/>
+              <a:t>consente maggiore scalabilità del codice,</a:t>
+            </a:r>
+          </a:p>
+          <a:p>
+            <a:r>
+              <a:rPr lang="it-IT" dirty="0"/>
+              <a:t>sposta limite teorico </a:t>
+            </a:r>
+            <a:r>
+              <a:rPr lang="it-IT" dirty="0" err="1"/>
+              <a:t>scaling</a:t>
+            </a:r>
+            <a:r>
+              <a:rPr lang="it-IT" dirty="0"/>
+              <a:t>,</a:t>
+            </a:r>
+          </a:p>
+          <a:p>
+            <a:r>
+              <a:rPr lang="it-IT" dirty="0"/>
+              <a:t>prodotto tra i 2 modi più piccoli</a:t>
+            </a:r>
+          </a:p>
+        </p:txBody>
+      </p:sp>
+      <p:sp>
+        <p:nvSpPr>
+          <p:cNvPr id="4" name="Segnaposto numero diapositiva 3"/>
+          <p:cNvSpPr>
+            <a:spLocks noGrp="1"/>
+          </p:cNvSpPr>
+          <p:nvPr>
+            <p:ph type="sldNum" sz="quarter" idx="10"/>
+          </p:nvPr>
+        </p:nvSpPr>
+        <p:spPr/>
+        <p:txBody>
+          <a:bodyPr/>
+          <a:lstStyle/>
+          <a:p>
+            <a:fld id="{1A6B2BED-F6F4-ED4A-9D49-77F4B1011AF7}" type="slidenum">
+              <a:rPr lang="it-IT" smtClean="0"/>
+              <a:t>13</a:t>
+            </a:fld>
+            <a:endParaRPr lang="it-IT"/>
+          </a:p>
+        </p:txBody>
+      </p:sp>
+    </p:spTree>
+    <p:extLst>
+      <p:ext uri="{BB962C8B-B14F-4D97-AF65-F5344CB8AC3E}">
+        <p14:creationId xmlns:p14="http://schemas.microsoft.com/office/powerpoint/2010/main" val="1570855508"/>
+      </p:ext>
+    </p:extLst>
+  </p:cSld>
+  <p:clrMapOvr>
+    <a:masterClrMapping/>
+  </p:clrMapOvr>
+</p:notes>
+</file>
+
+<file path=ppt/notesSlides/notesSlide12.xml><?xml version="1.0" encoding="utf-8"?>
+<p:notes xmlns:a="http://schemas.openxmlformats.org/drawingml/2006/main" xmlns:r="http://schemas.openxmlformats.org/officeDocument/2006/relationships" xmlns:p="http://schemas.openxmlformats.org/presentationml/2006/main">
+  <p:cSld>
+    <p:spTree>
+      <p:nvGrpSpPr>
+        <p:cNvPr id="1" name=""/>
+        <p:cNvGrpSpPr/>
+        <p:nvPr/>
+      </p:nvGrpSpPr>
+      <p:grpSpPr>
+        <a:xfrm>
+          <a:off x="0" y="0"/>
+          <a:ext cx="0" cy="0"/>
+          <a:chOff x="0" y="0"/>
+          <a:chExt cx="0" cy="0"/>
+        </a:xfrm>
+      </p:grpSpPr>
+      <p:sp>
+        <p:nvSpPr>
+          <p:cNvPr id="2" name="Segnaposto immagine diapositiva 1"/>
+          <p:cNvSpPr>
+            <a:spLocks noGrp="1" noRot="1" noChangeAspect="1"/>
+          </p:cNvSpPr>
+          <p:nvPr>
+            <p:ph type="sldImg"/>
+          </p:nvPr>
+        </p:nvSpPr>
+        <p:spPr/>
+      </p:sp>
+      <p:sp>
+        <p:nvSpPr>
+          <p:cNvPr id="3" name="Segnaposto note 2"/>
+          <p:cNvSpPr>
+            <a:spLocks noGrp="1"/>
+          </p:cNvSpPr>
+          <p:nvPr>
+            <p:ph type="body" idx="1"/>
+          </p:nvPr>
+        </p:nvSpPr>
+        <p:spPr/>
+        <p:txBody>
+          <a:bodyPr/>
+          <a:lstStyle/>
+          <a:p>
+            <a:r>
+              <a:rPr lang="it-IT" dirty="0"/>
+              <a:t>Rappresenta principio funzionamento trasposizione MPI</a:t>
+            </a:r>
+          </a:p>
+        </p:txBody>
+      </p:sp>
+      <p:sp>
+        <p:nvSpPr>
+          <p:cNvPr id="4" name="Segnaposto numero diapositiva 3"/>
+          <p:cNvSpPr>
+            <a:spLocks noGrp="1"/>
+          </p:cNvSpPr>
+          <p:nvPr>
+            <p:ph type="sldNum" sz="quarter" idx="10"/>
+          </p:nvPr>
+        </p:nvSpPr>
+        <p:spPr/>
+        <p:txBody>
+          <a:bodyPr/>
+          <a:lstStyle/>
+          <a:p>
+            <a:fld id="{1A6B2BED-F6F4-ED4A-9D49-77F4B1011AF7}" type="slidenum">
+              <a:rPr lang="it-IT" smtClean="0"/>
+              <a:t>14</a:t>
+            </a:fld>
+            <a:endParaRPr lang="it-IT"/>
+          </a:p>
+        </p:txBody>
+      </p:sp>
+    </p:spTree>
+    <p:extLst>
+      <p:ext uri="{BB962C8B-B14F-4D97-AF65-F5344CB8AC3E}">
+        <p14:creationId xmlns:p14="http://schemas.microsoft.com/office/powerpoint/2010/main" val="3649088041"/>
+      </p:ext>
+    </p:extLst>
+  </p:cSld>
+  <p:clrMapOvr>
+    <a:masterClrMapping/>
+  </p:clrMapOvr>
+</p:notes>
+</file>
+
+<file path=ppt/notesSlides/notesSlide13.xml><?xml version="1.0" encoding="utf-8"?>
+<p:notes xmlns:a="http://schemas.openxmlformats.org/drawingml/2006/main" xmlns:r="http://schemas.openxmlformats.org/officeDocument/2006/relationships" xmlns:p="http://schemas.openxmlformats.org/presentationml/2006/main">
+  <p:cSld>
+    <p:spTree>
+      <p:nvGrpSpPr>
+        <p:cNvPr id="1" name=""/>
+        <p:cNvGrpSpPr/>
+        <p:nvPr/>
+      </p:nvGrpSpPr>
+      <p:grpSpPr>
+        <a:xfrm>
+          <a:off x="0" y="0"/>
+          <a:ext cx="0" cy="0"/>
+          <a:chOff x="0" y="0"/>
+          <a:chExt cx="0" cy="0"/>
+        </a:xfrm>
+      </p:grpSpPr>
+      <p:sp>
+        <p:nvSpPr>
+          <p:cNvPr id="2" name="Segnaposto immagine diapositiva 1"/>
+          <p:cNvSpPr>
+            <a:spLocks noGrp="1" noRot="1" noChangeAspect="1"/>
+          </p:cNvSpPr>
+          <p:nvPr>
+            <p:ph type="sldImg"/>
+          </p:nvPr>
+        </p:nvSpPr>
+        <p:spPr/>
+      </p:sp>
+      <p:sp>
+        <p:nvSpPr>
+          <p:cNvPr id="3" name="Segnaposto note 2"/>
+          <p:cNvSpPr>
+            <a:spLocks noGrp="1"/>
+          </p:cNvSpPr>
+          <p:nvPr>
+            <p:ph type="body" idx="1"/>
+          </p:nvPr>
+        </p:nvSpPr>
+        <p:spPr/>
+        <p:txBody>
+          <a:bodyPr/>
+          <a:lstStyle/>
+          <a:p>
+            <a:r>
+              <a:rPr lang="it-IT" dirty="0"/>
+              <a:t>Schema logico</a:t>
+            </a:r>
+          </a:p>
+        </p:txBody>
+      </p:sp>
+      <p:sp>
+        <p:nvSpPr>
+          <p:cNvPr id="4" name="Segnaposto numero diapositiva 3"/>
+          <p:cNvSpPr>
+            <a:spLocks noGrp="1"/>
+          </p:cNvSpPr>
+          <p:nvPr>
+            <p:ph type="sldNum" sz="quarter" idx="10"/>
+          </p:nvPr>
+        </p:nvSpPr>
+        <p:spPr/>
+        <p:txBody>
+          <a:bodyPr/>
+          <a:lstStyle/>
+          <a:p>
+            <a:fld id="{1A6B2BED-F6F4-ED4A-9D49-77F4B1011AF7}" type="slidenum">
+              <a:rPr lang="it-IT" smtClean="0"/>
+              <a:t>15</a:t>
+            </a:fld>
+            <a:endParaRPr lang="it-IT"/>
+          </a:p>
+        </p:txBody>
+      </p:sp>
+    </p:spTree>
+    <p:extLst>
+      <p:ext uri="{BB962C8B-B14F-4D97-AF65-F5344CB8AC3E}">
+        <p14:creationId xmlns:p14="http://schemas.microsoft.com/office/powerpoint/2010/main" val="3809947259"/>
+      </p:ext>
+    </p:extLst>
+  </p:cSld>
+  <p:clrMapOvr>
+    <a:masterClrMapping/>
+  </p:clrMapOvr>
+</p:notes>
+</file>
+
+<file path=ppt/notesSlides/notesSlide14.xml><?xml version="1.0" encoding="utf-8"?>
+<p:notes xmlns:a="http://schemas.openxmlformats.org/drawingml/2006/main" xmlns:r="http://schemas.openxmlformats.org/officeDocument/2006/relationships" xmlns:p="http://schemas.openxmlformats.org/presentationml/2006/main">
+  <p:cSld>
+    <p:spTree>
+      <p:nvGrpSpPr>
+        <p:cNvPr id="1" name=""/>
+        <p:cNvGrpSpPr/>
+        <p:nvPr/>
+      </p:nvGrpSpPr>
+      <p:grpSpPr>
+        <a:xfrm>
+          <a:off x="0" y="0"/>
+          <a:ext cx="0" cy="0"/>
+          <a:chOff x="0" y="0"/>
+          <a:chExt cx="0" cy="0"/>
+        </a:xfrm>
+      </p:grpSpPr>
+      <p:sp>
+        <p:nvSpPr>
+          <p:cNvPr id="2" name="Segnaposto immagine diapositiva 1"/>
+          <p:cNvSpPr>
+            <a:spLocks noGrp="1" noRot="1" noChangeAspect="1"/>
+          </p:cNvSpPr>
+          <p:nvPr>
+            <p:ph type="sldImg"/>
+          </p:nvPr>
+        </p:nvSpPr>
+        <p:spPr/>
+      </p:sp>
+      <p:sp>
+        <p:nvSpPr>
+          <p:cNvPr id="3" name="Segnaposto note 2"/>
+          <p:cNvSpPr>
+            <a:spLocks noGrp="1"/>
+          </p:cNvSpPr>
+          <p:nvPr>
+            <p:ph type="body" idx="1"/>
+          </p:nvPr>
+        </p:nvSpPr>
+        <p:spPr/>
+        <p:txBody>
+          <a:bodyPr/>
+          <a:lstStyle/>
+          <a:p>
             <a:pPr marL="0" marR="0" lvl="0" indent="0" algn="l" defTabSz="914400" rtl="0" eaLnBrk="1" fontAlgn="auto" latinLnBrk="0" hangingPunct="1">
               <a:lnSpc>
                 <a:spcPct val="100000"/>
@@ -15677,7 +16073,7 @@
           <a:p>
             <a:fld id="{1A6B2BED-F6F4-ED4A-9D49-77F4B1011AF7}" type="slidenum">
               <a:rPr lang="it-IT" smtClean="0"/>
-              <a:t>12</a:t>
+              <a:t>16</a:t>
             </a:fld>
             <a:endParaRPr lang="it-IT"/>
           </a:p>
@@ -15696,7 +16092,7 @@
 </p:notes>
 </file>
 
-<file path=ppt/notesSlides/notesSlide11.xml><?xml version="1.0" encoding="utf-8"?>
+<file path=ppt/notesSlides/notesSlide15.xml><?xml version="1.0" encoding="utf-8"?>
 <p:notes xmlns:a="http://schemas.openxmlformats.org/drawingml/2006/main" xmlns:r="http://schemas.openxmlformats.org/officeDocument/2006/relationships" xmlns:p="http://schemas.openxmlformats.org/presentationml/2006/main">
   <p:cSld>
     <p:spTree>
@@ -15814,7 +16210,7 @@
           <a:p>
             <a:fld id="{1A6B2BED-F6F4-ED4A-9D49-77F4B1011AF7}" type="slidenum">
               <a:rPr lang="it-IT" smtClean="0"/>
-              <a:t>13</a:t>
+              <a:t>17</a:t>
             </a:fld>
             <a:endParaRPr lang="it-IT"/>
           </a:p>
@@ -15833,7 +16229,7 @@
 </p:notes>
 </file>
 
-<file path=ppt/notesSlides/notesSlide12.xml><?xml version="1.0" encoding="utf-8"?>
+<file path=ppt/notesSlides/notesSlide16.xml><?xml version="1.0" encoding="utf-8"?>
 <p:notes xmlns:a="http://schemas.openxmlformats.org/drawingml/2006/main" xmlns:r="http://schemas.openxmlformats.org/officeDocument/2006/relationships" xmlns:p="http://schemas.openxmlformats.org/presentationml/2006/main">
   <p:cSld>
     <p:spTree>
@@ -15932,7 +16328,7 @@
           <a:p>
             <a:fld id="{1A6B2BED-F6F4-ED4A-9D49-77F4B1011AF7}" type="slidenum">
               <a:rPr lang="it-IT" smtClean="0"/>
-              <a:t>14</a:t>
+              <a:t>18</a:t>
             </a:fld>
             <a:endParaRPr lang="it-IT"/>
           </a:p>
@@ -15951,7 +16347,7 @@
 </p:notes>
 </file>
 
-<file path=ppt/notesSlides/notesSlide13.xml><?xml version="1.0" encoding="utf-8"?>
+<file path=ppt/notesSlides/notesSlide17.xml><?xml version="1.0" encoding="utf-8"?>
 <p:notes xmlns:a="http://schemas.openxmlformats.org/drawingml/2006/main" xmlns:r="http://schemas.openxmlformats.org/officeDocument/2006/relationships" xmlns:p="http://schemas.openxmlformats.org/presentationml/2006/main">
   <p:cSld>
     <p:spTree>
@@ -16036,7 +16432,7 @@
           <a:p>
             <a:fld id="{1A6B2BED-F6F4-ED4A-9D49-77F4B1011AF7}" type="slidenum">
               <a:rPr lang="it-IT" smtClean="0"/>
-              <a:t>15</a:t>
+              <a:t>19</a:t>
             </a:fld>
             <a:endParaRPr lang="it-IT"/>
           </a:p>
@@ -16055,7 +16451,7 @@
 </p:notes>
 </file>
 
-<file path=ppt/notesSlides/notesSlide14.xml><?xml version="1.0" encoding="utf-8"?>
+<file path=ppt/notesSlides/notesSlide18.xml><?xml version="1.0" encoding="utf-8"?>
 <p:notes xmlns:a="http://schemas.openxmlformats.org/drawingml/2006/main" xmlns:r="http://schemas.openxmlformats.org/officeDocument/2006/relationships" xmlns:p="http://schemas.openxmlformats.org/presentationml/2006/main">
   <p:cSld>
     <p:spTree>
@@ -16202,7 +16598,7 @@
           <a:p>
             <a:fld id="{1A6B2BED-F6F4-ED4A-9D49-77F4B1011AF7}" type="slidenum">
               <a:rPr lang="it-IT" smtClean="0"/>
-              <a:t>16</a:t>
+              <a:t>20</a:t>
             </a:fld>
             <a:endParaRPr lang="it-IT"/>
           </a:p>
@@ -16221,7 +16617,7 @@
 </p:notes>
 </file>
 
-<file path=ppt/notesSlides/notesSlide15.xml><?xml version="1.0" encoding="utf-8"?>
+<file path=ppt/notesSlides/notesSlide19.xml><?xml version="1.0" encoding="utf-8"?>
 <p:notes xmlns:a="http://schemas.openxmlformats.org/drawingml/2006/main" xmlns:r="http://schemas.openxmlformats.org/officeDocument/2006/relationships" xmlns:p="http://schemas.openxmlformats.org/presentationml/2006/main">
   <p:cSld>
     <p:spTree>
@@ -16298,7 +16694,7 @@
           <a:p>
             <a:fld id="{1A6B2BED-F6F4-ED4A-9D49-77F4B1011AF7}" type="slidenum">
               <a:rPr lang="it-IT" smtClean="0"/>
-              <a:t>17</a:t>
+              <a:t>21</a:t>
             </a:fld>
             <a:endParaRPr lang="it-IT"/>
           </a:p>
@@ -16308,468 +16704,6 @@
     <p:extLst>
       <p:ext uri="{BB962C8B-B14F-4D97-AF65-F5344CB8AC3E}">
         <p14:creationId xmlns:p14="http://schemas.microsoft.com/office/powerpoint/2010/main" val="879229269"/>
-      </p:ext>
-    </p:extLst>
-  </p:cSld>
-  <p:clrMapOvr>
-    <a:masterClrMapping/>
-  </p:clrMapOvr>
-</p:notes>
-</file>
-
-<file path=ppt/notesSlides/notesSlide16.xml><?xml version="1.0" encoding="utf-8"?>
-<p:notes xmlns:a="http://schemas.openxmlformats.org/drawingml/2006/main" xmlns:r="http://schemas.openxmlformats.org/officeDocument/2006/relationships" xmlns:p="http://schemas.openxmlformats.org/presentationml/2006/main">
-  <p:cSld>
-    <p:spTree>
-      <p:nvGrpSpPr>
-        <p:cNvPr id="1" name=""/>
-        <p:cNvGrpSpPr/>
-        <p:nvPr/>
-      </p:nvGrpSpPr>
-      <p:grpSpPr>
-        <a:xfrm>
-          <a:off x="0" y="0"/>
-          <a:ext cx="0" cy="0"/>
-          <a:chOff x="0" y="0"/>
-          <a:chExt cx="0" cy="0"/>
-        </a:xfrm>
-      </p:grpSpPr>
-      <p:sp>
-        <p:nvSpPr>
-          <p:cNvPr id="2" name="Segnaposto immagine diapositiva 1"/>
-          <p:cNvSpPr>
-            <a:spLocks noGrp="1" noRot="1" noChangeAspect="1"/>
-          </p:cNvSpPr>
-          <p:nvPr>
-            <p:ph type="sldImg"/>
-          </p:nvPr>
-        </p:nvSpPr>
-        <p:spPr/>
-      </p:sp>
-      <p:sp>
-        <p:nvSpPr>
-          <p:cNvPr id="3" name="Segnaposto note 2"/>
-          <p:cNvSpPr>
-            <a:spLocks noGrp="1"/>
-          </p:cNvSpPr>
-          <p:nvPr>
-            <p:ph type="body" idx="1"/>
-          </p:nvPr>
-        </p:nvSpPr>
-        <p:spPr/>
-        <p:txBody>
-          <a:bodyPr/>
-          <a:lstStyle/>
-          <a:p>
-            <a:r>
-              <a:rPr lang="it-IT" dirty="0"/>
-              <a:t>Aumento dimensioni migliori prestazioni,</a:t>
-            </a:r>
-          </a:p>
-          <a:p>
-            <a:r>
-              <a:rPr lang="it-IT" dirty="0"/>
-              <a:t>4096x512^2</a:t>
-            </a:r>
-          </a:p>
-          <a:p>
-            <a:endParaRPr lang="it-IT" dirty="0"/>
-          </a:p>
-        </p:txBody>
-      </p:sp>
-      <p:sp>
-        <p:nvSpPr>
-          <p:cNvPr id="4" name="Segnaposto numero diapositiva 3"/>
-          <p:cNvSpPr>
-            <a:spLocks noGrp="1"/>
-          </p:cNvSpPr>
-          <p:nvPr>
-            <p:ph type="sldNum" sz="quarter" idx="10"/>
-          </p:nvPr>
-        </p:nvSpPr>
-        <p:spPr/>
-        <p:txBody>
-          <a:bodyPr/>
-          <a:lstStyle/>
-          <a:p>
-            <a:fld id="{1A6B2BED-F6F4-ED4A-9D49-77F4B1011AF7}" type="slidenum">
-              <a:rPr lang="it-IT" smtClean="0"/>
-              <a:t>18</a:t>
-            </a:fld>
-            <a:endParaRPr lang="it-IT"/>
-          </a:p>
-        </p:txBody>
-      </p:sp>
-    </p:spTree>
-    <p:extLst>
-      <p:ext uri="{BB962C8B-B14F-4D97-AF65-F5344CB8AC3E}">
-        <p14:creationId xmlns:p14="http://schemas.microsoft.com/office/powerpoint/2010/main" val="1347671880"/>
-      </p:ext>
-    </p:extLst>
-  </p:cSld>
-  <p:clrMapOvr>
-    <a:masterClrMapping/>
-  </p:clrMapOvr>
-</p:notes>
-</file>
-
-<file path=ppt/notesSlides/notesSlide17.xml><?xml version="1.0" encoding="utf-8"?>
-<p:notes xmlns:a="http://schemas.openxmlformats.org/drawingml/2006/main" xmlns:r="http://schemas.openxmlformats.org/officeDocument/2006/relationships" xmlns:p="http://schemas.openxmlformats.org/presentationml/2006/main">
-  <p:cSld>
-    <p:spTree>
-      <p:nvGrpSpPr>
-        <p:cNvPr id="1" name=""/>
-        <p:cNvGrpSpPr/>
-        <p:nvPr/>
-      </p:nvGrpSpPr>
-      <p:grpSpPr>
-        <a:xfrm>
-          <a:off x="0" y="0"/>
-          <a:ext cx="0" cy="0"/>
-          <a:chOff x="0" y="0"/>
-          <a:chExt cx="0" cy="0"/>
-        </a:xfrm>
-      </p:grpSpPr>
-      <p:sp>
-        <p:nvSpPr>
-          <p:cNvPr id="2" name="Segnaposto immagine diapositiva 1"/>
-          <p:cNvSpPr>
-            <a:spLocks noGrp="1" noRot="1" noChangeAspect="1"/>
-          </p:cNvSpPr>
-          <p:nvPr>
-            <p:ph type="sldImg"/>
-          </p:nvPr>
-        </p:nvSpPr>
-        <p:spPr/>
-      </p:sp>
-      <p:sp>
-        <p:nvSpPr>
-          <p:cNvPr id="3" name="Segnaposto note 2"/>
-          <p:cNvSpPr>
-            <a:spLocks noGrp="1"/>
-          </p:cNvSpPr>
-          <p:nvPr>
-            <p:ph type="body" idx="1"/>
-          </p:nvPr>
-        </p:nvSpPr>
-        <p:spPr/>
-        <p:txBody>
-          <a:bodyPr/>
-          <a:lstStyle/>
-          <a:p>
-            <a:r>
-              <a:rPr lang="it-IT" dirty="0" err="1"/>
-              <a:t>Hyperthreading</a:t>
-            </a:r>
-            <a:r>
-              <a:rPr lang="it-IT" dirty="0"/>
-              <a:t> poco efficace,</a:t>
-            </a:r>
-          </a:p>
-          <a:p>
-            <a:r>
-              <a:rPr lang="it-IT" dirty="0"/>
-              <a:t>Picco </a:t>
-            </a:r>
-            <a:r>
-              <a:rPr lang="it-IT" dirty="0" err="1"/>
-              <a:t>Scaling</a:t>
-            </a:r>
-            <a:r>
-              <a:rPr lang="it-IT" dirty="0"/>
-              <a:t> </a:t>
-            </a:r>
-            <a:r>
-              <a:rPr lang="it-IT" dirty="0" err="1"/>
-              <a:t>f</a:t>
-            </a:r>
-            <a:r>
-              <a:rPr lang="it-IT" dirty="0"/>
-              <a:t>(#modi)</a:t>
-            </a:r>
-          </a:p>
-          <a:p>
-            <a:endParaRPr lang="it-IT" dirty="0"/>
-          </a:p>
-          <a:p>
-            <a:endParaRPr lang="it-IT" dirty="0"/>
-          </a:p>
-        </p:txBody>
-      </p:sp>
-      <p:sp>
-        <p:nvSpPr>
-          <p:cNvPr id="4" name="Segnaposto numero diapositiva 3"/>
-          <p:cNvSpPr>
-            <a:spLocks noGrp="1"/>
-          </p:cNvSpPr>
-          <p:nvPr>
-            <p:ph type="sldNum" sz="quarter" idx="10"/>
-          </p:nvPr>
-        </p:nvSpPr>
-        <p:spPr/>
-        <p:txBody>
-          <a:bodyPr/>
-          <a:lstStyle/>
-          <a:p>
-            <a:fld id="{1A6B2BED-F6F4-ED4A-9D49-77F4B1011AF7}" type="slidenum">
-              <a:rPr lang="it-IT" smtClean="0"/>
-              <a:t>19</a:t>
-            </a:fld>
-            <a:endParaRPr lang="it-IT"/>
-          </a:p>
-        </p:txBody>
-      </p:sp>
-    </p:spTree>
-    <p:extLst>
-      <p:ext uri="{BB962C8B-B14F-4D97-AF65-F5344CB8AC3E}">
-        <p14:creationId xmlns:p14="http://schemas.microsoft.com/office/powerpoint/2010/main" val="4245440185"/>
-      </p:ext>
-    </p:extLst>
-  </p:cSld>
-  <p:clrMapOvr>
-    <a:masterClrMapping/>
-  </p:clrMapOvr>
-</p:notes>
-</file>
-
-<file path=ppt/notesSlides/notesSlide18.xml><?xml version="1.0" encoding="utf-8"?>
-<p:notes xmlns:a="http://schemas.openxmlformats.org/drawingml/2006/main" xmlns:r="http://schemas.openxmlformats.org/officeDocument/2006/relationships" xmlns:p="http://schemas.openxmlformats.org/presentationml/2006/main">
-  <p:cSld>
-    <p:spTree>
-      <p:nvGrpSpPr>
-        <p:cNvPr id="1" name=""/>
-        <p:cNvGrpSpPr/>
-        <p:nvPr/>
-      </p:nvGrpSpPr>
-      <p:grpSpPr>
-        <a:xfrm>
-          <a:off x="0" y="0"/>
-          <a:ext cx="0" cy="0"/>
-          <a:chOff x="0" y="0"/>
-          <a:chExt cx="0" cy="0"/>
-        </a:xfrm>
-      </p:grpSpPr>
-      <p:sp>
-        <p:nvSpPr>
-          <p:cNvPr id="2" name="Segnaposto immagine diapositiva 1"/>
-          <p:cNvSpPr>
-            <a:spLocks noGrp="1" noRot="1" noChangeAspect="1"/>
-          </p:cNvSpPr>
-          <p:nvPr>
-            <p:ph type="sldImg"/>
-          </p:nvPr>
-        </p:nvSpPr>
-        <p:spPr/>
-      </p:sp>
-      <p:sp>
-        <p:nvSpPr>
-          <p:cNvPr id="3" name="Segnaposto note 2"/>
-          <p:cNvSpPr>
-            <a:spLocks noGrp="1"/>
-          </p:cNvSpPr>
-          <p:nvPr>
-            <p:ph type="body" idx="1"/>
-          </p:nvPr>
-        </p:nvSpPr>
-        <p:spPr/>
-        <p:txBody>
-          <a:bodyPr/>
-          <a:lstStyle/>
-          <a:p>
-            <a:r>
-              <a:rPr lang="it-IT" dirty="0"/>
-              <a:t>Quanto visto in precedenza GCC7 &amp; </a:t>
-            </a:r>
-            <a:r>
-              <a:rPr lang="it-IT" dirty="0" err="1"/>
-              <a:t>OpenMPI</a:t>
-            </a:r>
-            <a:r>
-              <a:rPr lang="it-IT" dirty="0"/>
-              <a:t> 3,</a:t>
-            </a:r>
-          </a:p>
-          <a:p>
-            <a:r>
-              <a:rPr lang="it-IT" dirty="0"/>
-              <a:t>Su suggerimento del </a:t>
-            </a:r>
-            <a:r>
-              <a:rPr lang="it-IT" dirty="0" err="1"/>
-              <a:t>Cineca</a:t>
-            </a:r>
-            <a:r>
-              <a:rPr lang="it-IT" dirty="0"/>
-              <a:t> -&gt; adottato Intel 18,</a:t>
-            </a:r>
-          </a:p>
-          <a:p>
-            <a:r>
-              <a:rPr lang="it-IT" dirty="0" err="1"/>
-              <a:t>Autovettorizzazione</a:t>
-            </a:r>
-            <a:r>
-              <a:rPr lang="it-IT" dirty="0"/>
-              <a:t> codice</a:t>
-            </a:r>
-          </a:p>
-          <a:p>
-            <a:endParaRPr lang="it-IT" dirty="0"/>
-          </a:p>
-        </p:txBody>
-      </p:sp>
-      <p:sp>
-        <p:nvSpPr>
-          <p:cNvPr id="4" name="Segnaposto numero diapositiva 3"/>
-          <p:cNvSpPr>
-            <a:spLocks noGrp="1"/>
-          </p:cNvSpPr>
-          <p:nvPr>
-            <p:ph type="sldNum" sz="quarter" idx="10"/>
-          </p:nvPr>
-        </p:nvSpPr>
-        <p:spPr/>
-        <p:txBody>
-          <a:bodyPr/>
-          <a:lstStyle/>
-          <a:p>
-            <a:fld id="{1A6B2BED-F6F4-ED4A-9D49-77F4B1011AF7}" type="slidenum">
-              <a:rPr lang="it-IT" smtClean="0"/>
-              <a:t>20</a:t>
-            </a:fld>
-            <a:endParaRPr lang="it-IT"/>
-          </a:p>
-        </p:txBody>
-      </p:sp>
-    </p:spTree>
-    <p:extLst>
-      <p:ext uri="{BB962C8B-B14F-4D97-AF65-F5344CB8AC3E}">
-        <p14:creationId xmlns:p14="http://schemas.microsoft.com/office/powerpoint/2010/main" val="804934454"/>
-      </p:ext>
-    </p:extLst>
-  </p:cSld>
-  <p:clrMapOvr>
-    <a:masterClrMapping/>
-  </p:clrMapOvr>
-</p:notes>
-</file>
-
-<file path=ppt/notesSlides/notesSlide19.xml><?xml version="1.0" encoding="utf-8"?>
-<p:notes xmlns:a="http://schemas.openxmlformats.org/drawingml/2006/main" xmlns:r="http://schemas.openxmlformats.org/officeDocument/2006/relationships" xmlns:p="http://schemas.openxmlformats.org/presentationml/2006/main">
-  <p:cSld>
-    <p:spTree>
-      <p:nvGrpSpPr>
-        <p:cNvPr id="1" name=""/>
-        <p:cNvGrpSpPr/>
-        <p:nvPr/>
-      </p:nvGrpSpPr>
-      <p:grpSpPr>
-        <a:xfrm>
-          <a:off x="0" y="0"/>
-          <a:ext cx="0" cy="0"/>
-          <a:chOff x="0" y="0"/>
-          <a:chExt cx="0" cy="0"/>
-        </a:xfrm>
-      </p:grpSpPr>
-      <p:sp>
-        <p:nvSpPr>
-          <p:cNvPr id="2" name="Segnaposto immagine diapositiva 1"/>
-          <p:cNvSpPr>
-            <a:spLocks noGrp="1" noRot="1" noChangeAspect="1"/>
-          </p:cNvSpPr>
-          <p:nvPr>
-            <p:ph type="sldImg"/>
-          </p:nvPr>
-        </p:nvSpPr>
-        <p:spPr/>
-      </p:sp>
-      <p:sp>
-        <p:nvSpPr>
-          <p:cNvPr id="3" name="Segnaposto note 2"/>
-          <p:cNvSpPr>
-            <a:spLocks noGrp="1"/>
-          </p:cNvSpPr>
-          <p:nvPr>
-            <p:ph type="body" idx="1"/>
-          </p:nvPr>
-        </p:nvSpPr>
-        <p:spPr/>
-        <p:txBody>
-          <a:bodyPr/>
-          <a:lstStyle/>
-          <a:p>
-            <a:r>
-              <a:rPr lang="it-IT" dirty="0"/>
-              <a:t>Validare solutore, </a:t>
-            </a:r>
-          </a:p>
-          <a:p>
-            <a:r>
-              <a:rPr lang="it-IT" dirty="0"/>
-              <a:t>Legge di parete,</a:t>
-            </a:r>
-          </a:p>
-          <a:p>
-            <a:r>
-              <a:rPr lang="it-IT" dirty="0"/>
-              <a:t>Aritmetica moderna &gt;&gt; KMM 1986</a:t>
-            </a:r>
-          </a:p>
-          <a:p>
-            <a:r>
-              <a:rPr lang="it-IT" dirty="0" err="1"/>
-              <a:t>Tau_w</a:t>
-            </a:r>
-            <a:r>
-              <a:rPr lang="it-IT" dirty="0"/>
-              <a:t>= </a:t>
-            </a:r>
-            <a:r>
-              <a:rPr lang="it-IT" dirty="0" err="1"/>
-              <a:t>wall</a:t>
-            </a:r>
-            <a:r>
-              <a:rPr lang="it-IT" dirty="0"/>
-              <a:t> </a:t>
-            </a:r>
-            <a:r>
-              <a:rPr lang="it-IT" dirty="0" err="1"/>
-              <a:t>shear</a:t>
-            </a:r>
-            <a:r>
-              <a:rPr lang="it-IT" dirty="0"/>
-              <a:t> stress</a:t>
-            </a:r>
-          </a:p>
-        </p:txBody>
-      </p:sp>
-      <p:sp>
-        <p:nvSpPr>
-          <p:cNvPr id="4" name="Segnaposto numero diapositiva 3"/>
-          <p:cNvSpPr>
-            <a:spLocks noGrp="1"/>
-          </p:cNvSpPr>
-          <p:nvPr>
-            <p:ph type="sldNum" sz="quarter" idx="10"/>
-          </p:nvPr>
-        </p:nvSpPr>
-        <p:spPr/>
-        <p:txBody>
-          <a:bodyPr/>
-          <a:lstStyle/>
-          <a:p>
-            <a:fld id="{1A6B2BED-F6F4-ED4A-9D49-77F4B1011AF7}" type="slidenum">
-              <a:rPr lang="it-IT" smtClean="0"/>
-              <a:t>22</a:t>
-            </a:fld>
-            <a:endParaRPr lang="it-IT"/>
-          </a:p>
-        </p:txBody>
-      </p:sp>
-    </p:spTree>
-    <p:extLst>
-      <p:ext uri="{BB962C8B-B14F-4D97-AF65-F5344CB8AC3E}">
-        <p14:creationId xmlns:p14="http://schemas.microsoft.com/office/powerpoint/2010/main" val="2388229710"/>
       </p:ext>
     </p:extLst>
   </p:cSld>
@@ -16912,6 +16846,468 @@
           <a:p>
             <a:r>
               <a:rPr lang="it-IT" dirty="0"/>
+              <a:t>Aumento dimensioni migliori prestazioni,</a:t>
+            </a:r>
+          </a:p>
+          <a:p>
+            <a:r>
+              <a:rPr lang="it-IT" dirty="0"/>
+              <a:t>4096x512^2</a:t>
+            </a:r>
+          </a:p>
+          <a:p>
+            <a:endParaRPr lang="it-IT" dirty="0"/>
+          </a:p>
+        </p:txBody>
+      </p:sp>
+      <p:sp>
+        <p:nvSpPr>
+          <p:cNvPr id="4" name="Segnaposto numero diapositiva 3"/>
+          <p:cNvSpPr>
+            <a:spLocks noGrp="1"/>
+          </p:cNvSpPr>
+          <p:nvPr>
+            <p:ph type="sldNum" sz="quarter" idx="10"/>
+          </p:nvPr>
+        </p:nvSpPr>
+        <p:spPr/>
+        <p:txBody>
+          <a:bodyPr/>
+          <a:lstStyle/>
+          <a:p>
+            <a:fld id="{1A6B2BED-F6F4-ED4A-9D49-77F4B1011AF7}" type="slidenum">
+              <a:rPr lang="it-IT" smtClean="0"/>
+              <a:t>22</a:t>
+            </a:fld>
+            <a:endParaRPr lang="it-IT"/>
+          </a:p>
+        </p:txBody>
+      </p:sp>
+    </p:spTree>
+    <p:extLst>
+      <p:ext uri="{BB962C8B-B14F-4D97-AF65-F5344CB8AC3E}">
+        <p14:creationId xmlns:p14="http://schemas.microsoft.com/office/powerpoint/2010/main" val="1347671880"/>
+      </p:ext>
+    </p:extLst>
+  </p:cSld>
+  <p:clrMapOvr>
+    <a:masterClrMapping/>
+  </p:clrMapOvr>
+</p:notes>
+</file>
+
+<file path=ppt/notesSlides/notesSlide21.xml><?xml version="1.0" encoding="utf-8"?>
+<p:notes xmlns:a="http://schemas.openxmlformats.org/drawingml/2006/main" xmlns:r="http://schemas.openxmlformats.org/officeDocument/2006/relationships" xmlns:p="http://schemas.openxmlformats.org/presentationml/2006/main">
+  <p:cSld>
+    <p:spTree>
+      <p:nvGrpSpPr>
+        <p:cNvPr id="1" name=""/>
+        <p:cNvGrpSpPr/>
+        <p:nvPr/>
+      </p:nvGrpSpPr>
+      <p:grpSpPr>
+        <a:xfrm>
+          <a:off x="0" y="0"/>
+          <a:ext cx="0" cy="0"/>
+          <a:chOff x="0" y="0"/>
+          <a:chExt cx="0" cy="0"/>
+        </a:xfrm>
+      </p:grpSpPr>
+      <p:sp>
+        <p:nvSpPr>
+          <p:cNvPr id="2" name="Segnaposto immagine diapositiva 1"/>
+          <p:cNvSpPr>
+            <a:spLocks noGrp="1" noRot="1" noChangeAspect="1"/>
+          </p:cNvSpPr>
+          <p:nvPr>
+            <p:ph type="sldImg"/>
+          </p:nvPr>
+        </p:nvSpPr>
+        <p:spPr/>
+      </p:sp>
+      <p:sp>
+        <p:nvSpPr>
+          <p:cNvPr id="3" name="Segnaposto note 2"/>
+          <p:cNvSpPr>
+            <a:spLocks noGrp="1"/>
+          </p:cNvSpPr>
+          <p:nvPr>
+            <p:ph type="body" idx="1"/>
+          </p:nvPr>
+        </p:nvSpPr>
+        <p:spPr/>
+        <p:txBody>
+          <a:bodyPr/>
+          <a:lstStyle/>
+          <a:p>
+            <a:r>
+              <a:rPr lang="it-IT" dirty="0" err="1"/>
+              <a:t>Hyperthreading</a:t>
+            </a:r>
+            <a:r>
+              <a:rPr lang="it-IT" dirty="0"/>
+              <a:t> poco efficace,</a:t>
+            </a:r>
+          </a:p>
+          <a:p>
+            <a:r>
+              <a:rPr lang="it-IT" dirty="0"/>
+              <a:t>Picco </a:t>
+            </a:r>
+            <a:r>
+              <a:rPr lang="it-IT" dirty="0" err="1"/>
+              <a:t>Scaling</a:t>
+            </a:r>
+            <a:r>
+              <a:rPr lang="it-IT" dirty="0"/>
+              <a:t> </a:t>
+            </a:r>
+            <a:r>
+              <a:rPr lang="it-IT" dirty="0" err="1"/>
+              <a:t>f</a:t>
+            </a:r>
+            <a:r>
+              <a:rPr lang="it-IT" dirty="0"/>
+              <a:t>(#modi)</a:t>
+            </a:r>
+          </a:p>
+          <a:p>
+            <a:endParaRPr lang="it-IT" dirty="0"/>
+          </a:p>
+          <a:p>
+            <a:endParaRPr lang="it-IT" dirty="0"/>
+          </a:p>
+        </p:txBody>
+      </p:sp>
+      <p:sp>
+        <p:nvSpPr>
+          <p:cNvPr id="4" name="Segnaposto numero diapositiva 3"/>
+          <p:cNvSpPr>
+            <a:spLocks noGrp="1"/>
+          </p:cNvSpPr>
+          <p:nvPr>
+            <p:ph type="sldNum" sz="quarter" idx="10"/>
+          </p:nvPr>
+        </p:nvSpPr>
+        <p:spPr/>
+        <p:txBody>
+          <a:bodyPr/>
+          <a:lstStyle/>
+          <a:p>
+            <a:fld id="{1A6B2BED-F6F4-ED4A-9D49-77F4B1011AF7}" type="slidenum">
+              <a:rPr lang="it-IT" smtClean="0"/>
+              <a:t>23</a:t>
+            </a:fld>
+            <a:endParaRPr lang="it-IT"/>
+          </a:p>
+        </p:txBody>
+      </p:sp>
+    </p:spTree>
+    <p:extLst>
+      <p:ext uri="{BB962C8B-B14F-4D97-AF65-F5344CB8AC3E}">
+        <p14:creationId xmlns:p14="http://schemas.microsoft.com/office/powerpoint/2010/main" val="4245440185"/>
+      </p:ext>
+    </p:extLst>
+  </p:cSld>
+  <p:clrMapOvr>
+    <a:masterClrMapping/>
+  </p:clrMapOvr>
+</p:notes>
+</file>
+
+<file path=ppt/notesSlides/notesSlide22.xml><?xml version="1.0" encoding="utf-8"?>
+<p:notes xmlns:a="http://schemas.openxmlformats.org/drawingml/2006/main" xmlns:r="http://schemas.openxmlformats.org/officeDocument/2006/relationships" xmlns:p="http://schemas.openxmlformats.org/presentationml/2006/main">
+  <p:cSld>
+    <p:spTree>
+      <p:nvGrpSpPr>
+        <p:cNvPr id="1" name=""/>
+        <p:cNvGrpSpPr/>
+        <p:nvPr/>
+      </p:nvGrpSpPr>
+      <p:grpSpPr>
+        <a:xfrm>
+          <a:off x="0" y="0"/>
+          <a:ext cx="0" cy="0"/>
+          <a:chOff x="0" y="0"/>
+          <a:chExt cx="0" cy="0"/>
+        </a:xfrm>
+      </p:grpSpPr>
+      <p:sp>
+        <p:nvSpPr>
+          <p:cNvPr id="2" name="Segnaposto immagine diapositiva 1"/>
+          <p:cNvSpPr>
+            <a:spLocks noGrp="1" noRot="1" noChangeAspect="1"/>
+          </p:cNvSpPr>
+          <p:nvPr>
+            <p:ph type="sldImg"/>
+          </p:nvPr>
+        </p:nvSpPr>
+        <p:spPr/>
+      </p:sp>
+      <p:sp>
+        <p:nvSpPr>
+          <p:cNvPr id="3" name="Segnaposto note 2"/>
+          <p:cNvSpPr>
+            <a:spLocks noGrp="1"/>
+          </p:cNvSpPr>
+          <p:nvPr>
+            <p:ph type="body" idx="1"/>
+          </p:nvPr>
+        </p:nvSpPr>
+        <p:spPr/>
+        <p:txBody>
+          <a:bodyPr/>
+          <a:lstStyle/>
+          <a:p>
+            <a:r>
+              <a:rPr lang="it-IT" dirty="0"/>
+              <a:t>Quanto visto in precedenza GCC7 &amp; </a:t>
+            </a:r>
+            <a:r>
+              <a:rPr lang="it-IT" dirty="0" err="1"/>
+              <a:t>OpenMPI</a:t>
+            </a:r>
+            <a:r>
+              <a:rPr lang="it-IT" dirty="0"/>
+              <a:t> 3,</a:t>
+            </a:r>
+          </a:p>
+          <a:p>
+            <a:r>
+              <a:rPr lang="it-IT" dirty="0"/>
+              <a:t>Su suggerimento del </a:t>
+            </a:r>
+            <a:r>
+              <a:rPr lang="it-IT" dirty="0" err="1"/>
+              <a:t>Cineca</a:t>
+            </a:r>
+            <a:r>
+              <a:rPr lang="it-IT" dirty="0"/>
+              <a:t> -&gt; adottato Intel 18,</a:t>
+            </a:r>
+          </a:p>
+          <a:p>
+            <a:r>
+              <a:rPr lang="it-IT" dirty="0" err="1"/>
+              <a:t>Autovettorizzazione</a:t>
+            </a:r>
+            <a:r>
+              <a:rPr lang="it-IT" dirty="0"/>
+              <a:t> codice</a:t>
+            </a:r>
+          </a:p>
+          <a:p>
+            <a:endParaRPr lang="it-IT" dirty="0"/>
+          </a:p>
+        </p:txBody>
+      </p:sp>
+      <p:sp>
+        <p:nvSpPr>
+          <p:cNvPr id="4" name="Segnaposto numero diapositiva 3"/>
+          <p:cNvSpPr>
+            <a:spLocks noGrp="1"/>
+          </p:cNvSpPr>
+          <p:nvPr>
+            <p:ph type="sldNum" sz="quarter" idx="10"/>
+          </p:nvPr>
+        </p:nvSpPr>
+        <p:spPr/>
+        <p:txBody>
+          <a:bodyPr/>
+          <a:lstStyle/>
+          <a:p>
+            <a:fld id="{1A6B2BED-F6F4-ED4A-9D49-77F4B1011AF7}" type="slidenum">
+              <a:rPr lang="it-IT" smtClean="0"/>
+              <a:t>24</a:t>
+            </a:fld>
+            <a:endParaRPr lang="it-IT"/>
+          </a:p>
+        </p:txBody>
+      </p:sp>
+    </p:spTree>
+    <p:extLst>
+      <p:ext uri="{BB962C8B-B14F-4D97-AF65-F5344CB8AC3E}">
+        <p14:creationId xmlns:p14="http://schemas.microsoft.com/office/powerpoint/2010/main" val="804934454"/>
+      </p:ext>
+    </p:extLst>
+  </p:cSld>
+  <p:clrMapOvr>
+    <a:masterClrMapping/>
+  </p:clrMapOvr>
+</p:notes>
+</file>
+
+<file path=ppt/notesSlides/notesSlide23.xml><?xml version="1.0" encoding="utf-8"?>
+<p:notes xmlns:a="http://schemas.openxmlformats.org/drawingml/2006/main" xmlns:r="http://schemas.openxmlformats.org/officeDocument/2006/relationships" xmlns:p="http://schemas.openxmlformats.org/presentationml/2006/main">
+  <p:cSld>
+    <p:spTree>
+      <p:nvGrpSpPr>
+        <p:cNvPr id="1" name=""/>
+        <p:cNvGrpSpPr/>
+        <p:nvPr/>
+      </p:nvGrpSpPr>
+      <p:grpSpPr>
+        <a:xfrm>
+          <a:off x="0" y="0"/>
+          <a:ext cx="0" cy="0"/>
+          <a:chOff x="0" y="0"/>
+          <a:chExt cx="0" cy="0"/>
+        </a:xfrm>
+      </p:grpSpPr>
+      <p:sp>
+        <p:nvSpPr>
+          <p:cNvPr id="2" name="Segnaposto immagine diapositiva 1"/>
+          <p:cNvSpPr>
+            <a:spLocks noGrp="1" noRot="1" noChangeAspect="1"/>
+          </p:cNvSpPr>
+          <p:nvPr>
+            <p:ph type="sldImg"/>
+          </p:nvPr>
+        </p:nvSpPr>
+        <p:spPr/>
+      </p:sp>
+      <p:sp>
+        <p:nvSpPr>
+          <p:cNvPr id="3" name="Segnaposto note 2"/>
+          <p:cNvSpPr>
+            <a:spLocks noGrp="1"/>
+          </p:cNvSpPr>
+          <p:nvPr>
+            <p:ph type="body" idx="1"/>
+          </p:nvPr>
+        </p:nvSpPr>
+        <p:spPr/>
+        <p:txBody>
+          <a:bodyPr/>
+          <a:lstStyle/>
+          <a:p>
+            <a:r>
+              <a:rPr lang="it-IT" dirty="0"/>
+              <a:t>Validare solutore, </a:t>
+            </a:r>
+          </a:p>
+          <a:p>
+            <a:r>
+              <a:rPr lang="it-IT" dirty="0"/>
+              <a:t>Legge di parete,</a:t>
+            </a:r>
+          </a:p>
+          <a:p>
+            <a:r>
+              <a:rPr lang="it-IT" dirty="0"/>
+              <a:t>Aritmetica moderna &gt;&gt; KMM 1986</a:t>
+            </a:r>
+          </a:p>
+          <a:p>
+            <a:r>
+              <a:rPr lang="it-IT" dirty="0" err="1"/>
+              <a:t>Tau_w</a:t>
+            </a:r>
+            <a:r>
+              <a:rPr lang="it-IT" dirty="0"/>
+              <a:t>= </a:t>
+            </a:r>
+            <a:r>
+              <a:rPr lang="it-IT" dirty="0" err="1"/>
+              <a:t>wall</a:t>
+            </a:r>
+            <a:r>
+              <a:rPr lang="it-IT" dirty="0"/>
+              <a:t> </a:t>
+            </a:r>
+            <a:r>
+              <a:rPr lang="it-IT" dirty="0" err="1"/>
+              <a:t>shear</a:t>
+            </a:r>
+            <a:r>
+              <a:rPr lang="it-IT" dirty="0"/>
+              <a:t> stress</a:t>
+            </a:r>
+          </a:p>
+        </p:txBody>
+      </p:sp>
+      <p:sp>
+        <p:nvSpPr>
+          <p:cNvPr id="4" name="Segnaposto numero diapositiva 3"/>
+          <p:cNvSpPr>
+            <a:spLocks noGrp="1"/>
+          </p:cNvSpPr>
+          <p:nvPr>
+            <p:ph type="sldNum" sz="quarter" idx="10"/>
+          </p:nvPr>
+        </p:nvSpPr>
+        <p:spPr/>
+        <p:txBody>
+          <a:bodyPr/>
+          <a:lstStyle/>
+          <a:p>
+            <a:fld id="{1A6B2BED-F6F4-ED4A-9D49-77F4B1011AF7}" type="slidenum">
+              <a:rPr lang="it-IT" smtClean="0"/>
+              <a:t>26</a:t>
+            </a:fld>
+            <a:endParaRPr lang="it-IT"/>
+          </a:p>
+        </p:txBody>
+      </p:sp>
+    </p:spTree>
+    <p:extLst>
+      <p:ext uri="{BB962C8B-B14F-4D97-AF65-F5344CB8AC3E}">
+        <p14:creationId xmlns:p14="http://schemas.microsoft.com/office/powerpoint/2010/main" val="2388229710"/>
+      </p:ext>
+    </p:extLst>
+  </p:cSld>
+  <p:clrMapOvr>
+    <a:masterClrMapping/>
+  </p:clrMapOvr>
+</p:notes>
+</file>
+
+<file path=ppt/notesSlides/notesSlide24.xml><?xml version="1.0" encoding="utf-8"?>
+<p:notes xmlns:a="http://schemas.openxmlformats.org/drawingml/2006/main" xmlns:r="http://schemas.openxmlformats.org/officeDocument/2006/relationships" xmlns:p="http://schemas.openxmlformats.org/presentationml/2006/main">
+  <p:cSld>
+    <p:spTree>
+      <p:nvGrpSpPr>
+        <p:cNvPr id="1" name=""/>
+        <p:cNvGrpSpPr/>
+        <p:nvPr/>
+      </p:nvGrpSpPr>
+      <p:grpSpPr>
+        <a:xfrm>
+          <a:off x="0" y="0"/>
+          <a:ext cx="0" cy="0"/>
+          <a:chOff x="0" y="0"/>
+          <a:chExt cx="0" cy="0"/>
+        </a:xfrm>
+      </p:grpSpPr>
+      <p:sp>
+        <p:nvSpPr>
+          <p:cNvPr id="2" name="Segnaposto immagine diapositiva 1"/>
+          <p:cNvSpPr>
+            <a:spLocks noGrp="1" noRot="1" noChangeAspect="1"/>
+          </p:cNvSpPr>
+          <p:nvPr>
+            <p:ph type="sldImg"/>
+          </p:nvPr>
+        </p:nvSpPr>
+        <p:spPr/>
+      </p:sp>
+      <p:sp>
+        <p:nvSpPr>
+          <p:cNvPr id="3" name="Segnaposto note 2"/>
+          <p:cNvSpPr>
+            <a:spLocks noGrp="1"/>
+          </p:cNvSpPr>
+          <p:nvPr>
+            <p:ph type="body" idx="1"/>
+          </p:nvPr>
+        </p:nvSpPr>
+        <p:spPr/>
+        <p:txBody>
+          <a:bodyPr/>
+          <a:lstStyle/>
+          <a:p>
+            <a:r>
+              <a:rPr lang="it-IT" dirty="0"/>
               <a:t>Componente fluttuazioni RMS, v'(y+=0)</a:t>
             </a:r>
           </a:p>
@@ -16983,7 +17379,7 @@
           <a:p>
             <a:fld id="{1A6B2BED-F6F4-ED4A-9D49-77F4B1011AF7}" type="slidenum">
               <a:rPr lang="it-IT" smtClean="0"/>
-              <a:t>23</a:t>
+              <a:t>27</a:t>
             </a:fld>
             <a:endParaRPr lang="it-IT"/>
           </a:p>
@@ -17002,7 +17398,7 @@
 </p:notes>
 </file>
 
-<file path=ppt/notesSlides/notesSlide21.xml><?xml version="1.0" encoding="utf-8"?>
+<file path=ppt/notesSlides/notesSlide25.xml><?xml version="1.0" encoding="utf-8"?>
 <p:notes xmlns:a="http://schemas.openxmlformats.org/drawingml/2006/main" xmlns:r="http://schemas.openxmlformats.org/officeDocument/2006/relationships" xmlns:p="http://schemas.openxmlformats.org/presentationml/2006/main">
   <p:cSld>
     <p:spTree>
@@ -17067,7 +17463,7 @@
           <a:p>
             <a:fld id="{1A6B2BED-F6F4-ED4A-9D49-77F4B1011AF7}" type="slidenum">
               <a:rPr lang="it-IT" smtClean="0"/>
-              <a:t>24</a:t>
+              <a:t>28</a:t>
             </a:fld>
             <a:endParaRPr lang="it-IT"/>
           </a:p>
@@ -17086,7 +17482,7 @@
 </p:notes>
 </file>
 
-<file path=ppt/notesSlides/notesSlide22.xml><?xml version="1.0" encoding="utf-8"?>
+<file path=ppt/notesSlides/notesSlide26.xml><?xml version="1.0" encoding="utf-8"?>
 <p:notes xmlns:a="http://schemas.openxmlformats.org/drawingml/2006/main" xmlns:r="http://schemas.openxmlformats.org/officeDocument/2006/relationships" xmlns:p="http://schemas.openxmlformats.org/presentationml/2006/main">
   <p:cSld>
     <p:spTree>
@@ -17166,7 +17562,7 @@
           <a:p>
             <a:fld id="{1A6B2BED-F6F4-ED4A-9D49-77F4B1011AF7}" type="slidenum">
               <a:rPr lang="it-IT" smtClean="0"/>
-              <a:t>25</a:t>
+              <a:t>29</a:t>
             </a:fld>
             <a:endParaRPr lang="it-IT"/>
           </a:p>
@@ -17185,7 +17581,7 @@
 </p:notes>
 </file>
 
-<file path=ppt/notesSlides/notesSlide23.xml><?xml version="1.0" encoding="utf-8"?>
+<file path=ppt/notesSlides/notesSlide27.xml><?xml version="1.0" encoding="utf-8"?>
 <p:notes xmlns:a="http://schemas.openxmlformats.org/drawingml/2006/main" xmlns:r="http://schemas.openxmlformats.org/officeDocument/2006/relationships" xmlns:p="http://schemas.openxmlformats.org/presentationml/2006/main">
   <p:cSld>
     <p:spTree>
@@ -17267,7 +17663,7 @@
           <a:p>
             <a:fld id="{1A6B2BED-F6F4-ED4A-9D49-77F4B1011AF7}" type="slidenum">
               <a:rPr lang="it-IT" smtClean="0"/>
-              <a:t>26</a:t>
+              <a:t>30</a:t>
             </a:fld>
             <a:endParaRPr lang="it-IT"/>
           </a:p>
@@ -17286,7 +17682,7 @@
 </p:notes>
 </file>
 
-<file path=ppt/notesSlides/notesSlide24.xml><?xml version="1.0" encoding="utf-8"?>
+<file path=ppt/notesSlides/notesSlide28.xml><?xml version="1.0" encoding="utf-8"?>
 <p:notes xmlns:a="http://schemas.openxmlformats.org/drawingml/2006/main" xmlns:r="http://schemas.openxmlformats.org/officeDocument/2006/relationships" xmlns:p="http://schemas.openxmlformats.org/presentationml/2006/main">
   <p:cSld>
     <p:spTree>
@@ -17361,7 +17757,7 @@
           <a:p>
             <a:fld id="{1A6B2BED-F6F4-ED4A-9D49-77F4B1011AF7}" type="slidenum">
               <a:rPr lang="it-IT" smtClean="0"/>
-              <a:t>27</a:t>
+              <a:t>31</a:t>
             </a:fld>
             <a:endParaRPr lang="it-IT"/>
           </a:p>
@@ -17380,7 +17776,7 @@
 </p:notes>
 </file>
 
-<file path=ppt/notesSlides/notesSlide25.xml><?xml version="1.0" encoding="utf-8"?>
+<file path=ppt/notesSlides/notesSlide29.xml><?xml version="1.0" encoding="utf-8"?>
 <p:notes xmlns:a="http://schemas.openxmlformats.org/drawingml/2006/main" xmlns:r="http://schemas.openxmlformats.org/officeDocument/2006/relationships" xmlns:p="http://schemas.openxmlformats.org/presentationml/2006/main">
   <p:cSld>
     <p:spTree>
@@ -17476,7 +17872,7 @@
           <a:p>
             <a:fld id="{1A6B2BED-F6F4-ED4A-9D49-77F4B1011AF7}" type="slidenum">
               <a:rPr lang="it-IT" smtClean="0"/>
-              <a:t>28</a:t>
+              <a:t>32</a:t>
             </a:fld>
             <a:endParaRPr lang="it-IT"/>
           </a:p>
@@ -17486,392 +17882,6 @@
     <p:extLst>
       <p:ext uri="{BB962C8B-B14F-4D97-AF65-F5344CB8AC3E}">
         <p14:creationId xmlns:p14="http://schemas.microsoft.com/office/powerpoint/2010/main" val="3447422975"/>
-      </p:ext>
-    </p:extLst>
-  </p:cSld>
-  <p:clrMapOvr>
-    <a:masterClrMapping/>
-  </p:clrMapOvr>
-</p:notes>
-</file>
-
-<file path=ppt/notesSlides/notesSlide26.xml><?xml version="1.0" encoding="utf-8"?>
-<p:notes xmlns:a="http://schemas.openxmlformats.org/drawingml/2006/main" xmlns:r="http://schemas.openxmlformats.org/officeDocument/2006/relationships" xmlns:p="http://schemas.openxmlformats.org/presentationml/2006/main">
-  <p:cSld>
-    <p:spTree>
-      <p:nvGrpSpPr>
-        <p:cNvPr id="1" name=""/>
-        <p:cNvGrpSpPr/>
-        <p:nvPr/>
-      </p:nvGrpSpPr>
-      <p:grpSpPr>
-        <a:xfrm>
-          <a:off x="0" y="0"/>
-          <a:ext cx="0" cy="0"/>
-          <a:chOff x="0" y="0"/>
-          <a:chExt cx="0" cy="0"/>
-        </a:xfrm>
-      </p:grpSpPr>
-      <p:sp>
-        <p:nvSpPr>
-          <p:cNvPr id="2" name="Segnaposto immagine diapositiva 1"/>
-          <p:cNvSpPr>
-            <a:spLocks noGrp="1" noRot="1" noChangeAspect="1"/>
-          </p:cNvSpPr>
-          <p:nvPr>
-            <p:ph type="sldImg"/>
-          </p:nvPr>
-        </p:nvSpPr>
-        <p:spPr/>
-      </p:sp>
-      <p:sp>
-        <p:nvSpPr>
-          <p:cNvPr id="3" name="Segnaposto note 2"/>
-          <p:cNvSpPr>
-            <a:spLocks noGrp="1"/>
-          </p:cNvSpPr>
-          <p:nvPr>
-            <p:ph type="body" idx="1"/>
-          </p:nvPr>
-        </p:nvSpPr>
-        <p:spPr/>
-        <p:txBody>
-          <a:bodyPr/>
-          <a:lstStyle/>
-          <a:p>
-            <a:r>
-              <a:rPr lang="it-IT" dirty="0"/>
-              <a:t>Panoramica legge parete,</a:t>
-            </a:r>
-          </a:p>
-          <a:p>
-            <a:r>
-              <a:rPr lang="it-IT" dirty="0" err="1"/>
-              <a:t>U_mean</a:t>
-            </a:r>
-            <a:endParaRPr lang="it-IT" dirty="0"/>
-          </a:p>
-        </p:txBody>
-      </p:sp>
-      <p:sp>
-        <p:nvSpPr>
-          <p:cNvPr id="4" name="Segnaposto numero diapositiva 3"/>
-          <p:cNvSpPr>
-            <a:spLocks noGrp="1"/>
-          </p:cNvSpPr>
-          <p:nvPr>
-            <p:ph type="sldNum" sz="quarter" idx="10"/>
-          </p:nvPr>
-        </p:nvSpPr>
-        <p:spPr/>
-        <p:txBody>
-          <a:bodyPr/>
-          <a:lstStyle/>
-          <a:p>
-            <a:fld id="{1A6B2BED-F6F4-ED4A-9D49-77F4B1011AF7}" type="slidenum">
-              <a:rPr lang="it-IT" smtClean="0"/>
-              <a:t>29</a:t>
-            </a:fld>
-            <a:endParaRPr lang="it-IT"/>
-          </a:p>
-        </p:txBody>
-      </p:sp>
-    </p:spTree>
-    <p:extLst>
-      <p:ext uri="{BB962C8B-B14F-4D97-AF65-F5344CB8AC3E}">
-        <p14:creationId xmlns:p14="http://schemas.microsoft.com/office/powerpoint/2010/main" val="1911989197"/>
-      </p:ext>
-    </p:extLst>
-  </p:cSld>
-  <p:clrMapOvr>
-    <a:masterClrMapping/>
-  </p:clrMapOvr>
-</p:notes>
-</file>
-
-<file path=ppt/notesSlides/notesSlide27.xml><?xml version="1.0" encoding="utf-8"?>
-<p:notes xmlns:a="http://schemas.openxmlformats.org/drawingml/2006/main" xmlns:r="http://schemas.openxmlformats.org/officeDocument/2006/relationships" xmlns:p="http://schemas.openxmlformats.org/presentationml/2006/main">
-  <p:cSld>
-    <p:spTree>
-      <p:nvGrpSpPr>
-        <p:cNvPr id="1" name=""/>
-        <p:cNvGrpSpPr/>
-        <p:nvPr/>
-      </p:nvGrpSpPr>
-      <p:grpSpPr>
-        <a:xfrm>
-          <a:off x="0" y="0"/>
-          <a:ext cx="0" cy="0"/>
-          <a:chOff x="0" y="0"/>
-          <a:chExt cx="0" cy="0"/>
-        </a:xfrm>
-      </p:grpSpPr>
-      <p:sp>
-        <p:nvSpPr>
-          <p:cNvPr id="2" name="Segnaposto immagine diapositiva 1"/>
-          <p:cNvSpPr>
-            <a:spLocks noGrp="1" noRot="1" noChangeAspect="1"/>
-          </p:cNvSpPr>
-          <p:nvPr>
-            <p:ph type="sldImg"/>
-          </p:nvPr>
-        </p:nvSpPr>
-        <p:spPr/>
-      </p:sp>
-      <p:sp>
-        <p:nvSpPr>
-          <p:cNvPr id="3" name="Segnaposto note 2"/>
-          <p:cNvSpPr>
-            <a:spLocks noGrp="1"/>
-          </p:cNvSpPr>
-          <p:nvPr>
-            <p:ph type="body" idx="1"/>
-          </p:nvPr>
-        </p:nvSpPr>
-        <p:spPr/>
-        <p:txBody>
-          <a:bodyPr/>
-          <a:lstStyle/>
-          <a:p>
-            <a:r>
-              <a:rPr lang="it-IT" dirty="0"/>
-              <a:t>Funzione </a:t>
-            </a:r>
-            <a:r>
-              <a:rPr lang="it-IT" dirty="0" err="1"/>
-              <a:t>Predittore</a:t>
-            </a:r>
-            <a:r>
-              <a:rPr lang="it-IT" dirty="0"/>
-              <a:t> andamento logaritmico</a:t>
-            </a:r>
-          </a:p>
-        </p:txBody>
-      </p:sp>
-      <p:sp>
-        <p:nvSpPr>
-          <p:cNvPr id="4" name="Segnaposto numero diapositiva 3"/>
-          <p:cNvSpPr>
-            <a:spLocks noGrp="1"/>
-          </p:cNvSpPr>
-          <p:nvPr>
-            <p:ph type="sldNum" sz="quarter" idx="10"/>
-          </p:nvPr>
-        </p:nvSpPr>
-        <p:spPr/>
-        <p:txBody>
-          <a:bodyPr/>
-          <a:lstStyle/>
-          <a:p>
-            <a:fld id="{1A6B2BED-F6F4-ED4A-9D49-77F4B1011AF7}" type="slidenum">
-              <a:rPr lang="it-IT" smtClean="0"/>
-              <a:t>30</a:t>
-            </a:fld>
-            <a:endParaRPr lang="it-IT"/>
-          </a:p>
-        </p:txBody>
-      </p:sp>
-    </p:spTree>
-    <p:extLst>
-      <p:ext uri="{BB962C8B-B14F-4D97-AF65-F5344CB8AC3E}">
-        <p14:creationId xmlns:p14="http://schemas.microsoft.com/office/powerpoint/2010/main" val="4013558028"/>
-      </p:ext>
-    </p:extLst>
-  </p:cSld>
-  <p:clrMapOvr>
-    <a:masterClrMapping/>
-  </p:clrMapOvr>
-</p:notes>
-</file>
-
-<file path=ppt/notesSlides/notesSlide28.xml><?xml version="1.0" encoding="utf-8"?>
-<p:notes xmlns:a="http://schemas.openxmlformats.org/drawingml/2006/main" xmlns:r="http://schemas.openxmlformats.org/officeDocument/2006/relationships" xmlns:p="http://schemas.openxmlformats.org/presentationml/2006/main">
-  <p:cSld>
-    <p:spTree>
-      <p:nvGrpSpPr>
-        <p:cNvPr id="1" name=""/>
-        <p:cNvGrpSpPr/>
-        <p:nvPr/>
-      </p:nvGrpSpPr>
-      <p:grpSpPr>
-        <a:xfrm>
-          <a:off x="0" y="0"/>
-          <a:ext cx="0" cy="0"/>
-          <a:chOff x="0" y="0"/>
-          <a:chExt cx="0" cy="0"/>
-        </a:xfrm>
-      </p:grpSpPr>
-      <p:sp>
-        <p:nvSpPr>
-          <p:cNvPr id="2" name="Segnaposto immagine diapositiva 1"/>
-          <p:cNvSpPr>
-            <a:spLocks noGrp="1" noRot="1" noChangeAspect="1"/>
-          </p:cNvSpPr>
-          <p:nvPr>
-            <p:ph type="sldImg"/>
-          </p:nvPr>
-        </p:nvSpPr>
-        <p:spPr/>
-      </p:sp>
-      <p:sp>
-        <p:nvSpPr>
-          <p:cNvPr id="3" name="Segnaposto note 2"/>
-          <p:cNvSpPr>
-            <a:spLocks noGrp="1"/>
-          </p:cNvSpPr>
-          <p:nvPr>
-            <p:ph type="body" idx="1"/>
-          </p:nvPr>
-        </p:nvSpPr>
-        <p:spPr/>
-        <p:txBody>
-          <a:bodyPr/>
-          <a:lstStyle/>
-          <a:p>
-            <a:r>
-              <a:rPr lang="it-IT" dirty="0"/>
-              <a:t>Funzione </a:t>
-            </a:r>
-            <a:r>
-              <a:rPr lang="it-IT" dirty="0" err="1"/>
-              <a:t>Predittore</a:t>
-            </a:r>
-            <a:r>
-              <a:rPr lang="it-IT" dirty="0"/>
-              <a:t> andamento logaritmico</a:t>
-            </a:r>
-          </a:p>
-        </p:txBody>
-      </p:sp>
-      <p:sp>
-        <p:nvSpPr>
-          <p:cNvPr id="4" name="Segnaposto numero diapositiva 3"/>
-          <p:cNvSpPr>
-            <a:spLocks noGrp="1"/>
-          </p:cNvSpPr>
-          <p:nvPr>
-            <p:ph type="sldNum" sz="quarter" idx="10"/>
-          </p:nvPr>
-        </p:nvSpPr>
-        <p:spPr/>
-        <p:txBody>
-          <a:bodyPr/>
-          <a:lstStyle/>
-          <a:p>
-            <a:fld id="{1A6B2BED-F6F4-ED4A-9D49-77F4B1011AF7}" type="slidenum">
-              <a:rPr lang="it-IT" smtClean="0"/>
-              <a:t>31</a:t>
-            </a:fld>
-            <a:endParaRPr lang="it-IT"/>
-          </a:p>
-        </p:txBody>
-      </p:sp>
-    </p:spTree>
-    <p:extLst>
-      <p:ext uri="{BB962C8B-B14F-4D97-AF65-F5344CB8AC3E}">
-        <p14:creationId xmlns:p14="http://schemas.microsoft.com/office/powerpoint/2010/main" val="1896786706"/>
-      </p:ext>
-    </p:extLst>
-  </p:cSld>
-  <p:clrMapOvr>
-    <a:masterClrMapping/>
-  </p:clrMapOvr>
-</p:notes>
-</file>
-
-<file path=ppt/notesSlides/notesSlide29.xml><?xml version="1.0" encoding="utf-8"?>
-<p:notes xmlns:a="http://schemas.openxmlformats.org/drawingml/2006/main" xmlns:r="http://schemas.openxmlformats.org/officeDocument/2006/relationships" xmlns:p="http://schemas.openxmlformats.org/presentationml/2006/main">
-  <p:cSld>
-    <p:spTree>
-      <p:nvGrpSpPr>
-        <p:cNvPr id="1" name=""/>
-        <p:cNvGrpSpPr/>
-        <p:nvPr/>
-      </p:nvGrpSpPr>
-      <p:grpSpPr>
-        <a:xfrm>
-          <a:off x="0" y="0"/>
-          <a:ext cx="0" cy="0"/>
-          <a:chOff x="0" y="0"/>
-          <a:chExt cx="0" cy="0"/>
-        </a:xfrm>
-      </p:grpSpPr>
-      <p:sp>
-        <p:nvSpPr>
-          <p:cNvPr id="2" name="Segnaposto immagine diapositiva 1"/>
-          <p:cNvSpPr>
-            <a:spLocks noGrp="1" noRot="1" noChangeAspect="1"/>
-          </p:cNvSpPr>
-          <p:nvPr>
-            <p:ph type="sldImg"/>
-          </p:nvPr>
-        </p:nvSpPr>
-        <p:spPr/>
-      </p:sp>
-      <p:sp>
-        <p:nvSpPr>
-          <p:cNvPr id="3" name="Segnaposto note 2"/>
-          <p:cNvSpPr>
-            <a:spLocks noGrp="1"/>
-          </p:cNvSpPr>
-          <p:nvPr>
-            <p:ph type="body" idx="1"/>
-          </p:nvPr>
-        </p:nvSpPr>
-        <p:spPr/>
-        <p:txBody>
-          <a:bodyPr/>
-          <a:lstStyle/>
-          <a:p>
-            <a:r>
-              <a:rPr lang="it-IT" dirty="0"/>
-              <a:t>Costo computazionale,</a:t>
-            </a:r>
-          </a:p>
-          <a:p>
-            <a:r>
-              <a:rPr lang="it-IT" dirty="0"/>
-              <a:t>Dati parziali,</a:t>
-            </a:r>
-          </a:p>
-          <a:p>
-            <a:r>
-              <a:rPr lang="it-IT" dirty="0"/>
-              <a:t>1gg di lavoro partendo da 48x48x1000</a:t>
-            </a:r>
-          </a:p>
-          <a:p>
-            <a:endParaRPr lang="it-IT" dirty="0"/>
-          </a:p>
-        </p:txBody>
-      </p:sp>
-      <p:sp>
-        <p:nvSpPr>
-          <p:cNvPr id="4" name="Segnaposto numero diapositiva 3"/>
-          <p:cNvSpPr>
-            <a:spLocks noGrp="1"/>
-          </p:cNvSpPr>
-          <p:nvPr>
-            <p:ph type="sldNum" sz="quarter" idx="10"/>
-          </p:nvPr>
-        </p:nvSpPr>
-        <p:spPr/>
-        <p:txBody>
-          <a:bodyPr/>
-          <a:lstStyle/>
-          <a:p>
-            <a:fld id="{1A6B2BED-F6F4-ED4A-9D49-77F4B1011AF7}" type="slidenum">
-              <a:rPr lang="it-IT" smtClean="0"/>
-              <a:t>32</a:t>
-            </a:fld>
-            <a:endParaRPr lang="it-IT"/>
-          </a:p>
-        </p:txBody>
-      </p:sp>
-    </p:spTree>
-    <p:extLst>
-      <p:ext uri="{BB962C8B-B14F-4D97-AF65-F5344CB8AC3E}">
-        <p14:creationId xmlns:p14="http://schemas.microsoft.com/office/powerpoint/2010/main" val="197244461"/>
       </p:ext>
     </p:extLst>
   </p:cSld>
@@ -17926,24 +17936,32 @@
           <a:lstStyle/>
           <a:p>
             <a:r>
+              <a:rPr lang="it-IT" dirty="0"/>
+              <a:t>Dominio su cui è effettuata l’analisi rappresenta un Channel Flow,</a:t>
+            </a:r>
+          </a:p>
+          <a:p>
+            <a:r>
+              <a:rPr lang="it-IT" dirty="0"/>
+              <a:t>Estensione pareti è </a:t>
+            </a:r>
+            <a:r>
               <a:rPr lang="it-IT" dirty="0" err="1"/>
-              <a:t>Ark</a:t>
+              <a:t>virtual</a:t>
             </a:r>
             <a:r>
               <a:rPr lang="it-IT" dirty="0"/>
-              <a:t> </a:t>
+              <a:t> infinita -&gt;</a:t>
+            </a:r>
+          </a:p>
+          <a:p>
+            <a:r>
+              <a:rPr lang="it-IT" dirty="0"/>
+              <a:t>Assunte condizioni periodicità al contorno per </a:t>
             </a:r>
             <a:r>
               <a:rPr lang="it-IT" dirty="0" err="1"/>
-              <a:t>shared</a:t>
-            </a:r>
-            <a:r>
-              <a:rPr lang="it-IT" dirty="0"/>
-              <a:t> </a:t>
-            </a:r>
-            <a:r>
-              <a:rPr lang="it-IT" dirty="0" err="1"/>
-              <a:t>memory</a:t>
+              <a:t>xz</a:t>
             </a:r>
             <a:endParaRPr lang="it-IT" dirty="0"/>
           </a:p>
@@ -18029,6 +18047,308 @@
           <a:bodyPr/>
           <a:lstStyle/>
           <a:p>
+            <a:r>
+              <a:rPr lang="it-IT" dirty="0"/>
+              <a:t>Panoramica legge parete,</a:t>
+            </a:r>
+          </a:p>
+          <a:p>
+            <a:r>
+              <a:rPr lang="it-IT" dirty="0" err="1"/>
+              <a:t>U_mean</a:t>
+            </a:r>
+            <a:endParaRPr lang="it-IT" dirty="0"/>
+          </a:p>
+        </p:txBody>
+      </p:sp>
+      <p:sp>
+        <p:nvSpPr>
+          <p:cNvPr id="4" name="Segnaposto numero diapositiva 3"/>
+          <p:cNvSpPr>
+            <a:spLocks noGrp="1"/>
+          </p:cNvSpPr>
+          <p:nvPr>
+            <p:ph type="sldNum" sz="quarter" idx="10"/>
+          </p:nvPr>
+        </p:nvSpPr>
+        <p:spPr/>
+        <p:txBody>
+          <a:bodyPr/>
+          <a:lstStyle/>
+          <a:p>
+            <a:fld id="{1A6B2BED-F6F4-ED4A-9D49-77F4B1011AF7}" type="slidenum">
+              <a:rPr lang="it-IT" smtClean="0"/>
+              <a:t>33</a:t>
+            </a:fld>
+            <a:endParaRPr lang="it-IT"/>
+          </a:p>
+        </p:txBody>
+      </p:sp>
+    </p:spTree>
+    <p:extLst>
+      <p:ext uri="{BB962C8B-B14F-4D97-AF65-F5344CB8AC3E}">
+        <p14:creationId xmlns:p14="http://schemas.microsoft.com/office/powerpoint/2010/main" val="1911989197"/>
+      </p:ext>
+    </p:extLst>
+  </p:cSld>
+  <p:clrMapOvr>
+    <a:masterClrMapping/>
+  </p:clrMapOvr>
+</p:notes>
+</file>
+
+<file path=ppt/notesSlides/notesSlide31.xml><?xml version="1.0" encoding="utf-8"?>
+<p:notes xmlns:a="http://schemas.openxmlformats.org/drawingml/2006/main" xmlns:r="http://schemas.openxmlformats.org/officeDocument/2006/relationships" xmlns:p="http://schemas.openxmlformats.org/presentationml/2006/main">
+  <p:cSld>
+    <p:spTree>
+      <p:nvGrpSpPr>
+        <p:cNvPr id="1" name=""/>
+        <p:cNvGrpSpPr/>
+        <p:nvPr/>
+      </p:nvGrpSpPr>
+      <p:grpSpPr>
+        <a:xfrm>
+          <a:off x="0" y="0"/>
+          <a:ext cx="0" cy="0"/>
+          <a:chOff x="0" y="0"/>
+          <a:chExt cx="0" cy="0"/>
+        </a:xfrm>
+      </p:grpSpPr>
+      <p:sp>
+        <p:nvSpPr>
+          <p:cNvPr id="2" name="Segnaposto immagine diapositiva 1"/>
+          <p:cNvSpPr>
+            <a:spLocks noGrp="1" noRot="1" noChangeAspect="1"/>
+          </p:cNvSpPr>
+          <p:nvPr>
+            <p:ph type="sldImg"/>
+          </p:nvPr>
+        </p:nvSpPr>
+        <p:spPr/>
+      </p:sp>
+      <p:sp>
+        <p:nvSpPr>
+          <p:cNvPr id="3" name="Segnaposto note 2"/>
+          <p:cNvSpPr>
+            <a:spLocks noGrp="1"/>
+          </p:cNvSpPr>
+          <p:nvPr>
+            <p:ph type="body" idx="1"/>
+          </p:nvPr>
+        </p:nvSpPr>
+        <p:spPr/>
+        <p:txBody>
+          <a:bodyPr/>
+          <a:lstStyle/>
+          <a:p>
+            <a:r>
+              <a:rPr lang="it-IT" dirty="0"/>
+              <a:t>Funzione </a:t>
+            </a:r>
+            <a:r>
+              <a:rPr lang="it-IT" dirty="0" err="1"/>
+              <a:t>Predittore</a:t>
+            </a:r>
+            <a:r>
+              <a:rPr lang="it-IT" dirty="0"/>
+              <a:t> andamento logaritmico</a:t>
+            </a:r>
+          </a:p>
+        </p:txBody>
+      </p:sp>
+      <p:sp>
+        <p:nvSpPr>
+          <p:cNvPr id="4" name="Segnaposto numero diapositiva 3"/>
+          <p:cNvSpPr>
+            <a:spLocks noGrp="1"/>
+          </p:cNvSpPr>
+          <p:nvPr>
+            <p:ph type="sldNum" sz="quarter" idx="10"/>
+          </p:nvPr>
+        </p:nvSpPr>
+        <p:spPr/>
+        <p:txBody>
+          <a:bodyPr/>
+          <a:lstStyle/>
+          <a:p>
+            <a:fld id="{1A6B2BED-F6F4-ED4A-9D49-77F4B1011AF7}" type="slidenum">
+              <a:rPr lang="it-IT" smtClean="0"/>
+              <a:t>34</a:t>
+            </a:fld>
+            <a:endParaRPr lang="it-IT"/>
+          </a:p>
+        </p:txBody>
+      </p:sp>
+    </p:spTree>
+    <p:extLst>
+      <p:ext uri="{BB962C8B-B14F-4D97-AF65-F5344CB8AC3E}">
+        <p14:creationId xmlns:p14="http://schemas.microsoft.com/office/powerpoint/2010/main" val="4013558028"/>
+      </p:ext>
+    </p:extLst>
+  </p:cSld>
+  <p:clrMapOvr>
+    <a:masterClrMapping/>
+  </p:clrMapOvr>
+</p:notes>
+</file>
+
+<file path=ppt/notesSlides/notesSlide32.xml><?xml version="1.0" encoding="utf-8"?>
+<p:notes xmlns:a="http://schemas.openxmlformats.org/drawingml/2006/main" xmlns:r="http://schemas.openxmlformats.org/officeDocument/2006/relationships" xmlns:p="http://schemas.openxmlformats.org/presentationml/2006/main">
+  <p:cSld>
+    <p:spTree>
+      <p:nvGrpSpPr>
+        <p:cNvPr id="1" name=""/>
+        <p:cNvGrpSpPr/>
+        <p:nvPr/>
+      </p:nvGrpSpPr>
+      <p:grpSpPr>
+        <a:xfrm>
+          <a:off x="0" y="0"/>
+          <a:ext cx="0" cy="0"/>
+          <a:chOff x="0" y="0"/>
+          <a:chExt cx="0" cy="0"/>
+        </a:xfrm>
+      </p:grpSpPr>
+      <p:sp>
+        <p:nvSpPr>
+          <p:cNvPr id="2" name="Segnaposto immagine diapositiva 1"/>
+          <p:cNvSpPr>
+            <a:spLocks noGrp="1" noRot="1" noChangeAspect="1"/>
+          </p:cNvSpPr>
+          <p:nvPr>
+            <p:ph type="sldImg"/>
+          </p:nvPr>
+        </p:nvSpPr>
+        <p:spPr/>
+      </p:sp>
+      <p:sp>
+        <p:nvSpPr>
+          <p:cNvPr id="3" name="Segnaposto note 2"/>
+          <p:cNvSpPr>
+            <a:spLocks noGrp="1"/>
+          </p:cNvSpPr>
+          <p:nvPr>
+            <p:ph type="body" idx="1"/>
+          </p:nvPr>
+        </p:nvSpPr>
+        <p:spPr/>
+        <p:txBody>
+          <a:bodyPr/>
+          <a:lstStyle/>
+          <a:p>
+            <a:r>
+              <a:rPr lang="it-IT" dirty="0"/>
+              <a:t>Funzione </a:t>
+            </a:r>
+            <a:r>
+              <a:rPr lang="it-IT" dirty="0" err="1"/>
+              <a:t>Predittore</a:t>
+            </a:r>
+            <a:r>
+              <a:rPr lang="it-IT" dirty="0"/>
+              <a:t> andamento logaritmico</a:t>
+            </a:r>
+          </a:p>
+        </p:txBody>
+      </p:sp>
+      <p:sp>
+        <p:nvSpPr>
+          <p:cNvPr id="4" name="Segnaposto numero diapositiva 3"/>
+          <p:cNvSpPr>
+            <a:spLocks noGrp="1"/>
+          </p:cNvSpPr>
+          <p:nvPr>
+            <p:ph type="sldNum" sz="quarter" idx="10"/>
+          </p:nvPr>
+        </p:nvSpPr>
+        <p:spPr/>
+        <p:txBody>
+          <a:bodyPr/>
+          <a:lstStyle/>
+          <a:p>
+            <a:fld id="{1A6B2BED-F6F4-ED4A-9D49-77F4B1011AF7}" type="slidenum">
+              <a:rPr lang="it-IT" smtClean="0"/>
+              <a:t>35</a:t>
+            </a:fld>
+            <a:endParaRPr lang="it-IT"/>
+          </a:p>
+        </p:txBody>
+      </p:sp>
+    </p:spTree>
+    <p:extLst>
+      <p:ext uri="{BB962C8B-B14F-4D97-AF65-F5344CB8AC3E}">
+        <p14:creationId xmlns:p14="http://schemas.microsoft.com/office/powerpoint/2010/main" val="1896786706"/>
+      </p:ext>
+    </p:extLst>
+  </p:cSld>
+  <p:clrMapOvr>
+    <a:masterClrMapping/>
+  </p:clrMapOvr>
+</p:notes>
+</file>
+
+<file path=ppt/notesSlides/notesSlide33.xml><?xml version="1.0" encoding="utf-8"?>
+<p:notes xmlns:a="http://schemas.openxmlformats.org/drawingml/2006/main" xmlns:r="http://schemas.openxmlformats.org/officeDocument/2006/relationships" xmlns:p="http://schemas.openxmlformats.org/presentationml/2006/main">
+  <p:cSld>
+    <p:spTree>
+      <p:nvGrpSpPr>
+        <p:cNvPr id="1" name=""/>
+        <p:cNvGrpSpPr/>
+        <p:nvPr/>
+      </p:nvGrpSpPr>
+      <p:grpSpPr>
+        <a:xfrm>
+          <a:off x="0" y="0"/>
+          <a:ext cx="0" cy="0"/>
+          <a:chOff x="0" y="0"/>
+          <a:chExt cx="0" cy="0"/>
+        </a:xfrm>
+      </p:grpSpPr>
+      <p:sp>
+        <p:nvSpPr>
+          <p:cNvPr id="2" name="Segnaposto immagine diapositiva 1"/>
+          <p:cNvSpPr>
+            <a:spLocks noGrp="1" noRot="1" noChangeAspect="1"/>
+          </p:cNvSpPr>
+          <p:nvPr>
+            <p:ph type="sldImg"/>
+          </p:nvPr>
+        </p:nvSpPr>
+        <p:spPr/>
+      </p:sp>
+      <p:sp>
+        <p:nvSpPr>
+          <p:cNvPr id="3" name="Segnaposto note 2"/>
+          <p:cNvSpPr>
+            <a:spLocks noGrp="1"/>
+          </p:cNvSpPr>
+          <p:nvPr>
+            <p:ph type="body" idx="1"/>
+          </p:nvPr>
+        </p:nvSpPr>
+        <p:spPr/>
+        <p:txBody>
+          <a:bodyPr/>
+          <a:lstStyle/>
+          <a:p>
+            <a:r>
+              <a:rPr lang="it-IT" dirty="0"/>
+              <a:t>Costo computazionale,</a:t>
+            </a:r>
+          </a:p>
+          <a:p>
+            <a:r>
+              <a:rPr lang="it-IT" dirty="0"/>
+              <a:t>Dati parziali,</a:t>
+            </a:r>
+          </a:p>
+          <a:p>
+            <a:r>
+              <a:rPr lang="it-IT" dirty="0"/>
+              <a:t>1gg di lavoro partendo da 48x48x1000</a:t>
+            </a:r>
+          </a:p>
+          <a:p>
             <a:endParaRPr lang="it-IT" dirty="0"/>
           </a:p>
         </p:txBody>
@@ -18051,6 +18371,90 @@
             <a:fld id="{1A6B2BED-F6F4-ED4A-9D49-77F4B1011AF7}" type="slidenum">
               <a:rPr lang="it-IT" smtClean="0"/>
               <a:t>36</a:t>
+            </a:fld>
+            <a:endParaRPr lang="it-IT"/>
+          </a:p>
+        </p:txBody>
+      </p:sp>
+    </p:spTree>
+    <p:extLst>
+      <p:ext uri="{BB962C8B-B14F-4D97-AF65-F5344CB8AC3E}">
+        <p14:creationId xmlns:p14="http://schemas.microsoft.com/office/powerpoint/2010/main" val="197244461"/>
+      </p:ext>
+    </p:extLst>
+  </p:cSld>
+  <p:clrMapOvr>
+    <a:masterClrMapping/>
+  </p:clrMapOvr>
+</p:notes>
+</file>
+
+<file path=ppt/notesSlides/notesSlide34.xml><?xml version="1.0" encoding="utf-8"?>
+<p:notes xmlns:a="http://schemas.openxmlformats.org/drawingml/2006/main" xmlns:r="http://schemas.openxmlformats.org/officeDocument/2006/relationships" xmlns:p="http://schemas.openxmlformats.org/presentationml/2006/main">
+  <p:cSld>
+    <p:spTree>
+      <p:nvGrpSpPr>
+        <p:cNvPr id="1" name=""/>
+        <p:cNvGrpSpPr/>
+        <p:nvPr/>
+      </p:nvGrpSpPr>
+      <p:grpSpPr>
+        <a:xfrm>
+          <a:off x="0" y="0"/>
+          <a:ext cx="0" cy="0"/>
+          <a:chOff x="0" y="0"/>
+          <a:chExt cx="0" cy="0"/>
+        </a:xfrm>
+      </p:grpSpPr>
+      <p:sp>
+        <p:nvSpPr>
+          <p:cNvPr id="2" name="Segnaposto immagine diapositiva 1"/>
+          <p:cNvSpPr>
+            <a:spLocks noGrp="1" noRot="1" noChangeAspect="1"/>
+          </p:cNvSpPr>
+          <p:nvPr>
+            <p:ph type="sldImg"/>
+          </p:nvPr>
+        </p:nvSpPr>
+        <p:spPr/>
+      </p:sp>
+      <p:sp>
+        <p:nvSpPr>
+          <p:cNvPr id="3" name="Segnaposto note 2"/>
+          <p:cNvSpPr>
+            <a:spLocks noGrp="1"/>
+          </p:cNvSpPr>
+          <p:nvPr>
+            <p:ph type="body" idx="1"/>
+          </p:nvPr>
+        </p:nvSpPr>
+        <p:spPr/>
+        <p:txBody>
+          <a:bodyPr/>
+          <a:lstStyle/>
+          <a:p>
+            <a:endParaRPr lang="it-IT" dirty="0"/>
+          </a:p>
+        </p:txBody>
+      </p:sp>
+      <p:sp>
+        <p:nvSpPr>
+          <p:cNvPr id="4" name="Segnaposto numero diapositiva 3"/>
+          <p:cNvSpPr>
+            <a:spLocks noGrp="1"/>
+          </p:cNvSpPr>
+          <p:nvPr>
+            <p:ph type="sldNum" sz="quarter" idx="10"/>
+          </p:nvPr>
+        </p:nvSpPr>
+        <p:spPr/>
+        <p:txBody>
+          <a:bodyPr/>
+          <a:lstStyle/>
+          <a:p>
+            <a:fld id="{1A6B2BED-F6F4-ED4A-9D49-77F4B1011AF7}" type="slidenum">
+              <a:rPr lang="it-IT" smtClean="0"/>
+              <a:t>40</a:t>
             </a:fld>
             <a:endParaRPr lang="it-IT"/>
           </a:p>
@@ -18115,33 +18519,42 @@
           <a:p>
             <a:r>
               <a:rPr lang="it-IT" dirty="0"/>
-              <a:t>Basato su </a:t>
+              <a:t>Sistema composto </a:t>
             </a:r>
             <a:r>
               <a:rPr lang="it-IT" dirty="0" err="1"/>
-              <a:t>ark</a:t>
+              <a:t>eq</a:t>
             </a:r>
             <a:r>
               <a:rPr lang="it-IT" dirty="0"/>
-              <a:t> a memoria distribuita,</a:t>
+              <a:t> della dinamica di Velocità e </a:t>
+            </a:r>
+            <a:r>
+              <a:rPr lang="it-IT" dirty="0" err="1"/>
+              <a:t>vorticità</a:t>
+            </a:r>
+            <a:r>
+              <a:rPr lang="it-IT" dirty="0"/>
+              <a:t> normali alla parete nel dominio delle frequenze,</a:t>
             </a:r>
           </a:p>
           <a:p>
             <a:r>
               <a:rPr lang="it-IT" dirty="0"/>
-              <a:t>Impiegare </a:t>
-            </a:r>
-            <a:r>
-              <a:rPr lang="it-IT" dirty="0" err="1"/>
-              <a:t>tech</a:t>
-            </a:r>
-            <a:r>
-              <a:rPr lang="it-IT" dirty="0"/>
-              <a:t> MPI,</a:t>
+              <a:t>H non lineari,</a:t>
             </a:r>
           </a:p>
           <a:p>
-            <a:endParaRPr lang="it-IT" dirty="0"/>
+            <a:r>
+              <a:rPr lang="it-IT" dirty="0"/>
+              <a:t>D derivate-y,</a:t>
+            </a:r>
+          </a:p>
+          <a:p>
+            <a:r>
+              <a:rPr lang="it-IT" dirty="0"/>
+              <a:t>A e b numeri d’onda</a:t>
+            </a:r>
           </a:p>
         </p:txBody>
       </p:sp>
@@ -18171,6 +18584,250 @@
     </p:spTree>
     <p:extLst>
       <p:ext uri="{BB962C8B-B14F-4D97-AF65-F5344CB8AC3E}">
+        <p14:creationId xmlns:p14="http://schemas.microsoft.com/office/powerpoint/2010/main" val="3281959786"/>
+      </p:ext>
+    </p:extLst>
+  </p:cSld>
+  <p:clrMapOvr>
+    <a:masterClrMapping/>
+  </p:clrMapOvr>
+</p:notes>
+</file>
+
+<file path=ppt/notesSlides/notesSlide5.xml><?xml version="1.0" encoding="utf-8"?>
+<p:notes xmlns:a="http://schemas.openxmlformats.org/drawingml/2006/main" xmlns:r="http://schemas.openxmlformats.org/officeDocument/2006/relationships" xmlns:p="http://schemas.openxmlformats.org/presentationml/2006/main">
+  <p:cSld>
+    <p:spTree>
+      <p:nvGrpSpPr>
+        <p:cNvPr id="1" name=""/>
+        <p:cNvGrpSpPr/>
+        <p:nvPr/>
+      </p:nvGrpSpPr>
+      <p:grpSpPr>
+        <a:xfrm>
+          <a:off x="0" y="0"/>
+          <a:ext cx="0" cy="0"/>
+          <a:chOff x="0" y="0"/>
+          <a:chExt cx="0" cy="0"/>
+        </a:xfrm>
+      </p:grpSpPr>
+      <p:sp>
+        <p:nvSpPr>
+          <p:cNvPr id="2" name="Segnaposto immagine diapositiva 1"/>
+          <p:cNvSpPr>
+            <a:spLocks noGrp="1" noRot="1" noChangeAspect="1"/>
+          </p:cNvSpPr>
+          <p:nvPr>
+            <p:ph type="sldImg"/>
+          </p:nvPr>
+        </p:nvSpPr>
+        <p:spPr/>
+      </p:sp>
+      <p:sp>
+        <p:nvSpPr>
+          <p:cNvPr id="3" name="Segnaposto note 2"/>
+          <p:cNvSpPr>
+            <a:spLocks noGrp="1"/>
+          </p:cNvSpPr>
+          <p:nvPr>
+            <p:ph type="body" idx="1"/>
+          </p:nvPr>
+        </p:nvSpPr>
+        <p:spPr/>
+        <p:txBody>
+          <a:bodyPr/>
+          <a:lstStyle/>
+          <a:p>
+            <a:r>
+              <a:rPr lang="it-IT" dirty="0"/>
+              <a:t>Visto elevato costo computazionale è richiesta </a:t>
+            </a:r>
+            <a:r>
+              <a:rPr lang="it-IT" dirty="0" err="1"/>
+              <a:t>ark</a:t>
+            </a:r>
+            <a:r>
+              <a:rPr lang="it-IT" dirty="0"/>
+              <a:t> parallela,</a:t>
+            </a:r>
+          </a:p>
+          <a:p>
+            <a:r>
+              <a:rPr lang="it-IT" dirty="0" err="1"/>
+              <a:t>Ark</a:t>
+            </a:r>
+            <a:r>
+              <a:rPr lang="it-IT" dirty="0"/>
+              <a:t> </a:t>
+            </a:r>
+            <a:r>
+              <a:rPr lang="it-IT" dirty="0" err="1"/>
+              <a:t>shared</a:t>
+            </a:r>
+            <a:r>
+              <a:rPr lang="it-IT" dirty="0"/>
+              <a:t> </a:t>
+            </a:r>
+            <a:r>
+              <a:rPr lang="it-IT" dirty="0" err="1"/>
+              <a:t>memory</a:t>
+            </a:r>
+            <a:endParaRPr lang="it-IT" dirty="0"/>
+          </a:p>
+        </p:txBody>
+      </p:sp>
+      <p:sp>
+        <p:nvSpPr>
+          <p:cNvPr id="4" name="Segnaposto numero diapositiva 3"/>
+          <p:cNvSpPr>
+            <a:spLocks noGrp="1"/>
+          </p:cNvSpPr>
+          <p:nvPr>
+            <p:ph type="sldNum" sz="quarter" idx="10"/>
+          </p:nvPr>
+        </p:nvSpPr>
+        <p:spPr/>
+        <p:txBody>
+          <a:bodyPr/>
+          <a:lstStyle/>
+          <a:p>
+            <a:fld id="{1A6B2BED-F6F4-ED4A-9D49-77F4B1011AF7}" type="slidenum">
+              <a:rPr lang="it-IT" smtClean="0"/>
+              <a:t>6</a:t>
+            </a:fld>
+            <a:endParaRPr lang="it-IT"/>
+          </a:p>
+        </p:txBody>
+      </p:sp>
+    </p:spTree>
+    <p:extLst>
+      <p:ext uri="{BB962C8B-B14F-4D97-AF65-F5344CB8AC3E}">
+        <p14:creationId xmlns:p14="http://schemas.microsoft.com/office/powerpoint/2010/main" val="110193036"/>
+      </p:ext>
+    </p:extLst>
+  </p:cSld>
+  <p:clrMapOvr>
+    <a:masterClrMapping/>
+  </p:clrMapOvr>
+</p:notes>
+</file>
+
+<file path=ppt/notesSlides/notesSlide6.xml><?xml version="1.0" encoding="utf-8"?>
+<p:notes xmlns:a="http://schemas.openxmlformats.org/drawingml/2006/main" xmlns:r="http://schemas.openxmlformats.org/officeDocument/2006/relationships" xmlns:p="http://schemas.openxmlformats.org/presentationml/2006/main">
+  <p:cSld>
+    <p:spTree>
+      <p:nvGrpSpPr>
+        <p:cNvPr id="1" name=""/>
+        <p:cNvGrpSpPr/>
+        <p:nvPr/>
+      </p:nvGrpSpPr>
+      <p:grpSpPr>
+        <a:xfrm>
+          <a:off x="0" y="0"/>
+          <a:ext cx="0" cy="0"/>
+          <a:chOff x="0" y="0"/>
+          <a:chExt cx="0" cy="0"/>
+        </a:xfrm>
+      </p:grpSpPr>
+      <p:sp>
+        <p:nvSpPr>
+          <p:cNvPr id="2" name="Segnaposto immagine diapositiva 1"/>
+          <p:cNvSpPr>
+            <a:spLocks noGrp="1" noRot="1" noChangeAspect="1"/>
+          </p:cNvSpPr>
+          <p:nvPr>
+            <p:ph type="sldImg"/>
+          </p:nvPr>
+        </p:nvSpPr>
+        <p:spPr/>
+      </p:sp>
+      <p:sp>
+        <p:nvSpPr>
+          <p:cNvPr id="3" name="Segnaposto note 2"/>
+          <p:cNvSpPr>
+            <a:spLocks noGrp="1"/>
+          </p:cNvSpPr>
+          <p:nvPr>
+            <p:ph type="body" idx="1"/>
+          </p:nvPr>
+        </p:nvSpPr>
+        <p:spPr/>
+        <p:txBody>
+          <a:bodyPr/>
+          <a:lstStyle/>
+          <a:p>
+            <a:r>
+              <a:rPr lang="it-IT" dirty="0"/>
+              <a:t>Basato su </a:t>
+            </a:r>
+            <a:r>
+              <a:rPr lang="it-IT" dirty="0" err="1"/>
+              <a:t>ark</a:t>
+            </a:r>
+            <a:r>
+              <a:rPr lang="it-IT" dirty="0"/>
+              <a:t> a memoria distribuita,</a:t>
+            </a:r>
+          </a:p>
+          <a:p>
+            <a:r>
+              <a:rPr lang="it-IT" dirty="0"/>
+              <a:t>Realizzare questo </a:t>
+            </a:r>
+            <a:r>
+              <a:rPr lang="it-IT" dirty="0" err="1"/>
+              <a:t>sys</a:t>
+            </a:r>
+            <a:r>
+              <a:rPr lang="it-IT" dirty="0"/>
+              <a:t> Efficiente e semplice?</a:t>
+            </a:r>
+          </a:p>
+          <a:p>
+            <a:r>
+              <a:rPr lang="it-IT" dirty="0"/>
+              <a:t>Impiegare </a:t>
+            </a:r>
+            <a:r>
+              <a:rPr lang="it-IT" dirty="0" err="1"/>
+              <a:t>tech</a:t>
+            </a:r>
+            <a:r>
+              <a:rPr lang="it-IT" dirty="0"/>
+              <a:t> MPI</a:t>
+            </a:r>
+          </a:p>
+          <a:p>
+            <a:endParaRPr lang="it-IT" dirty="0"/>
+          </a:p>
+        </p:txBody>
+      </p:sp>
+      <p:sp>
+        <p:nvSpPr>
+          <p:cNvPr id="4" name="Segnaposto numero diapositiva 3"/>
+          <p:cNvSpPr>
+            <a:spLocks noGrp="1"/>
+          </p:cNvSpPr>
+          <p:nvPr>
+            <p:ph type="sldNum" sz="quarter" idx="10"/>
+          </p:nvPr>
+        </p:nvSpPr>
+        <p:spPr/>
+        <p:txBody>
+          <a:bodyPr/>
+          <a:lstStyle/>
+          <a:p>
+            <a:fld id="{1A6B2BED-F6F4-ED4A-9D49-77F4B1011AF7}" type="slidenum">
+              <a:rPr lang="it-IT" smtClean="0"/>
+              <a:t>7</a:t>
+            </a:fld>
+            <a:endParaRPr lang="it-IT"/>
+          </a:p>
+        </p:txBody>
+      </p:sp>
+    </p:spTree>
+    <p:extLst>
+      <p:ext uri="{BB962C8B-B14F-4D97-AF65-F5344CB8AC3E}">
         <p14:creationId xmlns:p14="http://schemas.microsoft.com/office/powerpoint/2010/main" val="3870911311"/>
       </p:ext>
     </p:extLst>
@@ -18181,7 +18838,7 @@
 </p:notes>
 </file>
 
-<file path=ppt/notesSlides/notesSlide5.xml><?xml version="1.0" encoding="utf-8"?>
+<file path=ppt/notesSlides/notesSlide7.xml><?xml version="1.0" encoding="utf-8"?>
 <p:notes xmlns:a="http://schemas.openxmlformats.org/drawingml/2006/main" xmlns:r="http://schemas.openxmlformats.org/officeDocument/2006/relationships" xmlns:p="http://schemas.openxmlformats.org/presentationml/2006/main">
   <p:cSld>
     <p:spTree>
@@ -18249,7 +18906,7 @@
           <a:p>
             <a:fld id="{1A6B2BED-F6F4-ED4A-9D49-77F4B1011AF7}" type="slidenum">
               <a:rPr lang="it-IT" smtClean="0"/>
-              <a:t>6</a:t>
+              <a:t>8</a:t>
             </a:fld>
             <a:endParaRPr lang="it-IT"/>
           </a:p>
@@ -18268,7 +18925,7 @@
 </p:notes>
 </file>
 
-<file path=ppt/notesSlides/notesSlide6.xml><?xml version="1.0" encoding="utf-8"?>
+<file path=ppt/notesSlides/notesSlide8.xml><?xml version="1.0" encoding="utf-8"?>
 <p:notes xmlns:a="http://schemas.openxmlformats.org/drawingml/2006/main" xmlns:r="http://schemas.openxmlformats.org/officeDocument/2006/relationships" xmlns:p="http://schemas.openxmlformats.org/presentationml/2006/main">
   <p:cSld>
     <p:spTree>
@@ -18356,7 +19013,7 @@
           <a:p>
             <a:fld id="{1A6B2BED-F6F4-ED4A-9D49-77F4B1011AF7}" type="slidenum">
               <a:rPr lang="it-IT" smtClean="0"/>
-              <a:t>7</a:t>
+              <a:t>9</a:t>
             </a:fld>
             <a:endParaRPr lang="it-IT"/>
           </a:p>
@@ -18375,7 +19032,7 @@
 </p:notes>
 </file>
 
-<file path=ppt/notesSlides/notesSlide7.xml><?xml version="1.0" encoding="utf-8"?>
+<file path=ppt/notesSlides/notesSlide9.xml><?xml version="1.0" encoding="utf-8"?>
 <p:notes xmlns:a="http://schemas.openxmlformats.org/drawingml/2006/main" xmlns:r="http://schemas.openxmlformats.org/officeDocument/2006/relationships" xmlns:p="http://schemas.openxmlformats.org/presentationml/2006/main">
   <p:cSld>
     <p:spTree>
@@ -18458,7 +19115,7 @@
           <a:p>
             <a:fld id="{1A6B2BED-F6F4-ED4A-9D49-77F4B1011AF7}" type="slidenum">
               <a:rPr lang="it-IT" smtClean="0"/>
-              <a:t>8</a:t>
+              <a:t>10</a:t>
             </a:fld>
             <a:endParaRPr lang="it-IT"/>
           </a:p>
@@ -18468,186 +19125,6 @@
     <p:extLst>
       <p:ext uri="{BB962C8B-B14F-4D97-AF65-F5344CB8AC3E}">
         <p14:creationId xmlns:p14="http://schemas.microsoft.com/office/powerpoint/2010/main" val="3350068243"/>
-      </p:ext>
-    </p:extLst>
-  </p:cSld>
-  <p:clrMapOvr>
-    <a:masterClrMapping/>
-  </p:clrMapOvr>
-</p:notes>
-</file>
-
-<file path=ppt/notesSlides/notesSlide8.xml><?xml version="1.0" encoding="utf-8"?>
-<p:notes xmlns:a="http://schemas.openxmlformats.org/drawingml/2006/main" xmlns:r="http://schemas.openxmlformats.org/officeDocument/2006/relationships" xmlns:p="http://schemas.openxmlformats.org/presentationml/2006/main">
-  <p:cSld>
-    <p:spTree>
-      <p:nvGrpSpPr>
-        <p:cNvPr id="1" name=""/>
-        <p:cNvGrpSpPr/>
-        <p:nvPr/>
-      </p:nvGrpSpPr>
-      <p:grpSpPr>
-        <a:xfrm>
-          <a:off x="0" y="0"/>
-          <a:ext cx="0" cy="0"/>
-          <a:chOff x="0" y="0"/>
-          <a:chExt cx="0" cy="0"/>
-        </a:xfrm>
-      </p:grpSpPr>
-      <p:sp>
-        <p:nvSpPr>
-          <p:cNvPr id="2" name="Segnaposto immagine diapositiva 1"/>
-          <p:cNvSpPr>
-            <a:spLocks noGrp="1" noRot="1" noChangeAspect="1"/>
-          </p:cNvSpPr>
-          <p:nvPr>
-            <p:ph type="sldImg"/>
-          </p:nvPr>
-        </p:nvSpPr>
-        <p:spPr/>
-      </p:sp>
-      <p:sp>
-        <p:nvSpPr>
-          <p:cNvPr id="3" name="Segnaposto note 2"/>
-          <p:cNvSpPr>
-            <a:spLocks noGrp="1"/>
-          </p:cNvSpPr>
-          <p:nvPr>
-            <p:ph type="body" idx="1"/>
-          </p:nvPr>
-        </p:nvSpPr>
-        <p:spPr/>
-        <p:txBody>
-          <a:bodyPr/>
-          <a:lstStyle/>
-          <a:p>
-            <a:r>
-              <a:rPr lang="it-IT" dirty="0"/>
-              <a:t>Use estensivo delle seguenti librerie esterne</a:t>
-            </a:r>
-          </a:p>
-          <a:p>
-            <a:endParaRPr lang="it-IT" dirty="0"/>
-          </a:p>
-        </p:txBody>
-      </p:sp>
-      <p:sp>
-        <p:nvSpPr>
-          <p:cNvPr id="4" name="Segnaposto numero diapositiva 3"/>
-          <p:cNvSpPr>
-            <a:spLocks noGrp="1"/>
-          </p:cNvSpPr>
-          <p:nvPr>
-            <p:ph type="sldNum" sz="quarter" idx="10"/>
-          </p:nvPr>
-        </p:nvSpPr>
-        <p:spPr/>
-        <p:txBody>
-          <a:bodyPr/>
-          <a:lstStyle/>
-          <a:p>
-            <a:fld id="{1A6B2BED-F6F4-ED4A-9D49-77F4B1011AF7}" type="slidenum">
-              <a:rPr lang="it-IT" smtClean="0"/>
-              <a:t>10</a:t>
-            </a:fld>
-            <a:endParaRPr lang="it-IT"/>
-          </a:p>
-        </p:txBody>
-      </p:sp>
-    </p:spTree>
-    <p:extLst>
-      <p:ext uri="{BB962C8B-B14F-4D97-AF65-F5344CB8AC3E}">
-        <p14:creationId xmlns:p14="http://schemas.microsoft.com/office/powerpoint/2010/main" val="2605832399"/>
-      </p:ext>
-    </p:extLst>
-  </p:cSld>
-  <p:clrMapOvr>
-    <a:masterClrMapping/>
-  </p:clrMapOvr>
-</p:notes>
-</file>
-
-<file path=ppt/notesSlides/notesSlide9.xml><?xml version="1.0" encoding="utf-8"?>
-<p:notes xmlns:a="http://schemas.openxmlformats.org/drawingml/2006/main" xmlns:r="http://schemas.openxmlformats.org/officeDocument/2006/relationships" xmlns:p="http://schemas.openxmlformats.org/presentationml/2006/main">
-  <p:cSld>
-    <p:spTree>
-      <p:nvGrpSpPr>
-        <p:cNvPr id="1" name=""/>
-        <p:cNvGrpSpPr/>
-        <p:nvPr/>
-      </p:nvGrpSpPr>
-      <p:grpSpPr>
-        <a:xfrm>
-          <a:off x="0" y="0"/>
-          <a:ext cx="0" cy="0"/>
-          <a:chOff x="0" y="0"/>
-          <a:chExt cx="0" cy="0"/>
-        </a:xfrm>
-      </p:grpSpPr>
-      <p:sp>
-        <p:nvSpPr>
-          <p:cNvPr id="2" name="Segnaposto immagine diapositiva 1"/>
-          <p:cNvSpPr>
-            <a:spLocks noGrp="1" noRot="1" noChangeAspect="1"/>
-          </p:cNvSpPr>
-          <p:nvPr>
-            <p:ph type="sldImg"/>
-          </p:nvPr>
-        </p:nvSpPr>
-        <p:spPr/>
-      </p:sp>
-      <p:sp>
-        <p:nvSpPr>
-          <p:cNvPr id="3" name="Segnaposto note 2"/>
-          <p:cNvSpPr>
-            <a:spLocks noGrp="1"/>
-          </p:cNvSpPr>
-          <p:nvPr>
-            <p:ph type="body" idx="1"/>
-          </p:nvPr>
-        </p:nvSpPr>
-        <p:spPr/>
-        <p:txBody>
-          <a:bodyPr/>
-          <a:lstStyle/>
-          <a:p>
-            <a:r>
-              <a:rPr lang="it-IT" dirty="0"/>
-              <a:t>Use estensivo delle seguenti librerie esterne</a:t>
-            </a:r>
-          </a:p>
-          <a:p>
-            <a:endParaRPr lang="it-IT" dirty="0"/>
-          </a:p>
-        </p:txBody>
-      </p:sp>
-      <p:sp>
-        <p:nvSpPr>
-          <p:cNvPr id="4" name="Segnaposto numero diapositiva 3"/>
-          <p:cNvSpPr>
-            <a:spLocks noGrp="1"/>
-          </p:cNvSpPr>
-          <p:nvPr>
-            <p:ph type="sldNum" sz="quarter" idx="10"/>
-          </p:nvPr>
-        </p:nvSpPr>
-        <p:spPr/>
-        <p:txBody>
-          <a:bodyPr/>
-          <a:lstStyle/>
-          <a:p>
-            <a:fld id="{1A6B2BED-F6F4-ED4A-9D49-77F4B1011AF7}" type="slidenum">
-              <a:rPr lang="it-IT" smtClean="0"/>
-              <a:t>11</a:t>
-            </a:fld>
-            <a:endParaRPr lang="it-IT"/>
-          </a:p>
-        </p:txBody>
-      </p:sp>
-    </p:spTree>
-    <p:extLst>
-      <p:ext uri="{BB962C8B-B14F-4D97-AF65-F5344CB8AC3E}">
-        <p14:creationId xmlns:p14="http://schemas.microsoft.com/office/powerpoint/2010/main" val="1570855508"/>
       </p:ext>
     </p:extLst>
   </p:cSld>
@@ -35336,6 +35813,1005 @@
 <file path=ppt/slides/slide10.xml><?xml version="1.0" encoding="utf-8"?>
 <p:sld xmlns:a="http://schemas.openxmlformats.org/drawingml/2006/main" xmlns:r="http://schemas.openxmlformats.org/officeDocument/2006/relationships" xmlns:p="http://schemas.openxmlformats.org/presentationml/2006/main">
   <p:cSld>
+    <p:bg>
+      <p:bgPr>
+        <a:solidFill>
+          <a:schemeClr val="bg1"/>
+        </a:solidFill>
+        <a:effectLst/>
+      </p:bgPr>
+    </p:bg>
+    <p:spTree>
+      <p:nvGrpSpPr>
+        <p:cNvPr id="1" name=""/>
+        <p:cNvGrpSpPr/>
+        <p:nvPr/>
+      </p:nvGrpSpPr>
+      <p:grpSpPr>
+        <a:xfrm>
+          <a:off x="0" y="0"/>
+          <a:ext cx="0" cy="0"/>
+          <a:chOff x="0" y="0"/>
+          <a:chExt cx="0" cy="0"/>
+        </a:xfrm>
+      </p:grpSpPr>
+      <p:sp>
+        <p:nvSpPr>
+          <p:cNvPr id="2" name="Titolo 1"/>
+          <p:cNvSpPr>
+            <a:spLocks noGrp="1"/>
+          </p:cNvSpPr>
+          <p:nvPr>
+            <p:ph type="title"/>
+          </p:nvPr>
+        </p:nvSpPr>
+        <p:spPr/>
+        <p:txBody>
+          <a:bodyPr/>
+          <a:lstStyle/>
+          <a:p>
+            <a:r>
+              <a:rPr lang="it-IT" dirty="0" err="1"/>
+              <a:t>Introduction</a:t>
+            </a:r>
+            <a:endParaRPr lang="it-IT" dirty="0"/>
+          </a:p>
+        </p:txBody>
+      </p:sp>
+      <p:sp>
+        <p:nvSpPr>
+          <p:cNvPr id="20" name="Rettangolo 19">
+            <a:extLst>
+              <a:ext uri="{FF2B5EF4-FFF2-40B4-BE49-F238E27FC236}">
+                <a16:creationId xmlns:a16="http://schemas.microsoft.com/office/drawing/2014/main" id="{A4E9BCCF-4D4A-7E45-A212-19DCF57112AB}"/>
+              </a:ext>
+            </a:extLst>
+          </p:cNvPr>
+          <p:cNvSpPr/>
+          <p:nvPr/>
+        </p:nvSpPr>
+        <p:spPr>
+          <a:xfrm>
+            <a:off x="142504" y="6305797"/>
+            <a:ext cx="3028208" cy="344385"/>
+          </a:xfrm>
+          <a:prstGeom prst="rect">
+            <a:avLst/>
+          </a:prstGeom>
+          <a:solidFill>
+            <a:srgbClr val="728FA5"/>
+          </a:solidFill>
+          <a:ln>
+            <a:noFill/>
+          </a:ln>
+        </p:spPr>
+        <p:style>
+          <a:lnRef idx="0">
+            <a:scrgbClr r="0" g="0" b="0"/>
+          </a:lnRef>
+          <a:fillRef idx="0">
+            <a:scrgbClr r="0" g="0" b="0"/>
+          </a:fillRef>
+          <a:effectRef idx="0">
+            <a:scrgbClr r="0" g="0" b="0"/>
+          </a:effectRef>
+          <a:fontRef idx="minor">
+            <a:schemeClr val="lt1"/>
+          </a:fontRef>
+        </p:style>
+        <p:txBody>
+          <a:bodyPr rtlCol="0" anchor="ctr"/>
+          <a:lstStyle/>
+          <a:p>
+            <a:pPr algn="ctr"/>
+            <a:endParaRPr lang="it-IT"/>
+          </a:p>
+        </p:txBody>
+      </p:sp>
+      <p:sp>
+        <p:nvSpPr>
+          <p:cNvPr id="23" name="Rettangolo 22">
+            <a:extLst>
+              <a:ext uri="{FF2B5EF4-FFF2-40B4-BE49-F238E27FC236}">
+                <a16:creationId xmlns:a16="http://schemas.microsoft.com/office/drawing/2014/main" id="{EE007654-138F-224B-AD9C-A0636B62F617}"/>
+              </a:ext>
+            </a:extLst>
+          </p:cNvPr>
+          <p:cNvSpPr/>
+          <p:nvPr/>
+        </p:nvSpPr>
+        <p:spPr>
+          <a:xfrm>
+            <a:off x="288521" y="6317672"/>
+            <a:ext cx="2858440" cy="344385"/>
+          </a:xfrm>
+          <a:prstGeom prst="rect">
+            <a:avLst/>
+          </a:prstGeom>
+          <a:solidFill>
+            <a:srgbClr val="728FA5"/>
+          </a:solidFill>
+          <a:ln>
+            <a:noFill/>
+          </a:ln>
+        </p:spPr>
+        <p:style>
+          <a:lnRef idx="0">
+            <a:scrgbClr r="0" g="0" b="0"/>
+          </a:lnRef>
+          <a:fillRef idx="0">
+            <a:scrgbClr r="0" g="0" b="0"/>
+          </a:fillRef>
+          <a:effectRef idx="0">
+            <a:scrgbClr r="0" g="0" b="0"/>
+          </a:effectRef>
+          <a:fontRef idx="minor">
+            <a:schemeClr val="lt1"/>
+          </a:fontRef>
+        </p:style>
+        <p:txBody>
+          <a:bodyPr rtlCol="0" anchor="ctr"/>
+          <a:lstStyle/>
+          <a:p>
+            <a:r>
+              <a:rPr lang="it-IT" sz="1400" dirty="0"/>
+              <a:t>Mirco Meazzo - 873477</a:t>
+            </a:r>
+          </a:p>
+        </p:txBody>
+      </p:sp>
+      <p:sp>
+        <p:nvSpPr>
+          <p:cNvPr id="10" name="Segnaposto contenuto 2">
+            <a:extLst>
+              <a:ext uri="{FF2B5EF4-FFF2-40B4-BE49-F238E27FC236}">
+                <a16:creationId xmlns:a16="http://schemas.microsoft.com/office/drawing/2014/main" id="{D0C50720-7239-2349-BB0C-2DEFF960F537}"/>
+              </a:ext>
+            </a:extLst>
+          </p:cNvPr>
+          <p:cNvSpPr txBox="1">
+            <a:spLocks noGrp="1"/>
+          </p:cNvSpPr>
+          <p:nvPr>
+            <p:ph idx="1"/>
+          </p:nvPr>
+        </p:nvSpPr>
+        <p:spPr>
+          <a:xfrm>
+            <a:off x="553561" y="2127045"/>
+            <a:ext cx="8050961" cy="2913585"/>
+          </a:xfrm>
+          <a:prstGeom prst="rect">
+            <a:avLst/>
+          </a:prstGeom>
+        </p:spPr>
+        <p:txBody>
+          <a:bodyPr vert="horz" lIns="91440" tIns="45720" rIns="91440" bIns="45720" rtlCol="0">
+            <a:normAutofit/>
+          </a:bodyPr>
+          <a:lstStyle>
+            <a:lvl1pPr marL="0" indent="0" algn="l" defTabSz="457200" rtl="0" eaLnBrk="1" latinLnBrk="0" hangingPunct="1">
+              <a:spcBef>
+                <a:spcPct val="20000"/>
+              </a:spcBef>
+              <a:buFont typeface="Wingdings" charset="2"/>
+              <a:buNone/>
+              <a:defRPr sz="2200" kern="1200">
+                <a:solidFill>
+                  <a:schemeClr val="tx1"/>
+                </a:solidFill>
+                <a:latin typeface="Arial"/>
+                <a:ea typeface="+mn-ea"/>
+                <a:cs typeface="Arial"/>
+              </a:defRPr>
+            </a:lvl1pPr>
+            <a:lvl2pPr marL="742950" indent="-285750" algn="l" defTabSz="457200" rtl="0" eaLnBrk="1" latinLnBrk="0" hangingPunct="1">
+              <a:spcBef>
+                <a:spcPct val="20000"/>
+              </a:spcBef>
+              <a:buFont typeface="Arial"/>
+              <a:buChar char="–"/>
+              <a:defRPr sz="2200" kern="1200">
+                <a:solidFill>
+                  <a:schemeClr val="tx1"/>
+                </a:solidFill>
+                <a:latin typeface="Arial"/>
+                <a:ea typeface="+mn-ea"/>
+                <a:cs typeface="Arial"/>
+              </a:defRPr>
+            </a:lvl2pPr>
+            <a:lvl3pPr marL="1143000" indent="-228600" algn="l" defTabSz="457200" rtl="0" eaLnBrk="1" latinLnBrk="0" hangingPunct="1">
+              <a:spcBef>
+                <a:spcPct val="20000"/>
+              </a:spcBef>
+              <a:buFont typeface="Arial"/>
+              <a:buChar char="•"/>
+              <a:defRPr sz="2200" kern="1200">
+                <a:solidFill>
+                  <a:schemeClr val="tx1"/>
+                </a:solidFill>
+                <a:latin typeface="Arial"/>
+                <a:ea typeface="+mn-ea"/>
+                <a:cs typeface="Arial"/>
+              </a:defRPr>
+            </a:lvl3pPr>
+            <a:lvl4pPr marL="1600200" indent="-228600" algn="l" defTabSz="457200" rtl="0" eaLnBrk="1" latinLnBrk="0" hangingPunct="1">
+              <a:spcBef>
+                <a:spcPct val="20000"/>
+              </a:spcBef>
+              <a:buFont typeface="Arial"/>
+              <a:buChar char="–"/>
+              <a:defRPr sz="2200" kern="1200">
+                <a:solidFill>
+                  <a:schemeClr val="tx1"/>
+                </a:solidFill>
+                <a:latin typeface="Arial"/>
+                <a:ea typeface="+mn-ea"/>
+                <a:cs typeface="Arial"/>
+              </a:defRPr>
+            </a:lvl4pPr>
+            <a:lvl5pPr marL="2057400" indent="-228600" algn="l" defTabSz="457200" rtl="0" eaLnBrk="1" latinLnBrk="0" hangingPunct="1">
+              <a:spcBef>
+                <a:spcPct val="20000"/>
+              </a:spcBef>
+              <a:buFont typeface="Arial"/>
+              <a:buChar char="»"/>
+              <a:defRPr sz="2200" kern="1200">
+                <a:solidFill>
+                  <a:schemeClr val="tx1"/>
+                </a:solidFill>
+                <a:latin typeface="Arial"/>
+                <a:ea typeface="+mn-ea"/>
+                <a:cs typeface="Arial"/>
+              </a:defRPr>
+            </a:lvl5pPr>
+            <a:lvl6pPr marL="2514600" indent="-228600" algn="l" defTabSz="457200" rtl="0" eaLnBrk="1" latinLnBrk="0" hangingPunct="1">
+              <a:spcBef>
+                <a:spcPct val="20000"/>
+              </a:spcBef>
+              <a:buFont typeface="Arial"/>
+              <a:buChar char="•"/>
+              <a:defRPr sz="2000" kern="1200">
+                <a:solidFill>
+                  <a:schemeClr val="tx1"/>
+                </a:solidFill>
+                <a:latin typeface="+mn-lt"/>
+                <a:ea typeface="+mn-ea"/>
+                <a:cs typeface="+mn-cs"/>
+              </a:defRPr>
+            </a:lvl6pPr>
+            <a:lvl7pPr marL="2971800" indent="-228600" algn="l" defTabSz="457200" rtl="0" eaLnBrk="1" latinLnBrk="0" hangingPunct="1">
+              <a:spcBef>
+                <a:spcPct val="20000"/>
+              </a:spcBef>
+              <a:buFont typeface="Arial"/>
+              <a:buChar char="•"/>
+              <a:defRPr sz="2000" kern="1200">
+                <a:solidFill>
+                  <a:schemeClr val="tx1"/>
+                </a:solidFill>
+                <a:latin typeface="+mn-lt"/>
+                <a:ea typeface="+mn-ea"/>
+                <a:cs typeface="+mn-cs"/>
+              </a:defRPr>
+            </a:lvl7pPr>
+            <a:lvl8pPr marL="3429000" indent="-228600" algn="l" defTabSz="457200" rtl="0" eaLnBrk="1" latinLnBrk="0" hangingPunct="1">
+              <a:spcBef>
+                <a:spcPct val="20000"/>
+              </a:spcBef>
+              <a:buFont typeface="Arial"/>
+              <a:buChar char="•"/>
+              <a:defRPr sz="2000" kern="1200">
+                <a:solidFill>
+                  <a:schemeClr val="tx1"/>
+                </a:solidFill>
+                <a:latin typeface="+mn-lt"/>
+                <a:ea typeface="+mn-ea"/>
+                <a:cs typeface="+mn-cs"/>
+              </a:defRPr>
+            </a:lvl8pPr>
+            <a:lvl9pPr marL="3886200" indent="-228600" algn="l" defTabSz="457200" rtl="0" eaLnBrk="1" latinLnBrk="0" hangingPunct="1">
+              <a:spcBef>
+                <a:spcPct val="20000"/>
+              </a:spcBef>
+              <a:buFont typeface="Arial"/>
+              <a:buChar char="•"/>
+              <a:defRPr sz="2000" kern="1200">
+                <a:solidFill>
+                  <a:schemeClr val="tx1"/>
+                </a:solidFill>
+                <a:latin typeface="+mn-lt"/>
+                <a:ea typeface="+mn-ea"/>
+                <a:cs typeface="+mn-cs"/>
+              </a:defRPr>
+            </a:lvl9pPr>
+          </a:lstStyle>
+          <a:p>
+            <a:pPr>
+              <a:defRPr/>
+            </a:pPr>
+            <a:r>
+              <a:rPr lang="it-IT" b="1" dirty="0">
+                <a:solidFill>
+                  <a:srgbClr val="003F6E"/>
+                </a:solidFill>
+              </a:rPr>
+              <a:t>Architecture </a:t>
+            </a:r>
+            <a:r>
+              <a:rPr lang="it-IT" b="1" dirty="0" err="1">
+                <a:solidFill>
+                  <a:srgbClr val="003F6E"/>
+                </a:solidFill>
+              </a:rPr>
+              <a:t>Drawbacks</a:t>
+            </a:r>
+            <a:r>
+              <a:rPr lang="it-IT" b="1" dirty="0">
+                <a:solidFill>
+                  <a:srgbClr val="003F6E"/>
+                </a:solidFill>
+              </a:rPr>
+              <a:t>:</a:t>
+            </a:r>
+          </a:p>
+          <a:p>
+            <a:pPr>
+              <a:defRPr/>
+            </a:pPr>
+            <a:endParaRPr lang="it-IT" b="1" dirty="0">
+              <a:solidFill>
+                <a:srgbClr val="003F6E"/>
+              </a:solidFill>
+            </a:endParaRPr>
+          </a:p>
+          <a:p>
+            <a:pPr marL="342900" indent="-342900">
+              <a:buFont typeface="Arial" panose="020B0604020202020204" pitchFamily="34" charset="0"/>
+              <a:buChar char="•"/>
+              <a:defRPr/>
+            </a:pPr>
+            <a:r>
+              <a:rPr lang="it-IT" b="1" dirty="0">
+                <a:solidFill>
+                  <a:srgbClr val="003F6E"/>
+                </a:solidFill>
+              </a:rPr>
+              <a:t>Message </a:t>
+            </a:r>
+            <a:r>
+              <a:rPr lang="it-IT" b="1" dirty="0" err="1">
+                <a:solidFill>
+                  <a:srgbClr val="003F6E"/>
+                </a:solidFill>
+              </a:rPr>
+              <a:t>passing</a:t>
+            </a:r>
+            <a:r>
+              <a:rPr lang="it-IT" b="1" dirty="0">
+                <a:solidFill>
+                  <a:srgbClr val="003F6E"/>
+                </a:solidFill>
+              </a:rPr>
+              <a:t> </a:t>
+            </a:r>
+            <a:r>
+              <a:rPr lang="it-IT" b="1" dirty="0" err="1">
+                <a:solidFill>
+                  <a:srgbClr val="003F6E"/>
+                </a:solidFill>
+              </a:rPr>
+              <a:t>latency</a:t>
+            </a:r>
+            <a:endParaRPr lang="it-IT" b="1" dirty="0">
+              <a:solidFill>
+                <a:srgbClr val="003F6E"/>
+              </a:solidFill>
+            </a:endParaRPr>
+          </a:p>
+          <a:p>
+            <a:pPr marL="342900" indent="-342900">
+              <a:buFont typeface="Arial" panose="020B0604020202020204" pitchFamily="34" charset="0"/>
+              <a:buChar char="•"/>
+              <a:defRPr/>
+            </a:pPr>
+            <a:r>
+              <a:rPr lang="it-IT" b="1" dirty="0" err="1">
+                <a:solidFill>
+                  <a:srgbClr val="003F6E"/>
+                </a:solidFill>
+              </a:rPr>
+              <a:t>Bandwidth</a:t>
+            </a:r>
+            <a:r>
+              <a:rPr lang="it-IT" b="1" dirty="0">
+                <a:solidFill>
+                  <a:srgbClr val="003F6E"/>
+                </a:solidFill>
+              </a:rPr>
+              <a:t> </a:t>
+            </a:r>
+            <a:r>
+              <a:rPr lang="it-IT" b="1" dirty="0" err="1">
+                <a:solidFill>
+                  <a:srgbClr val="003F6E"/>
+                </a:solidFill>
+              </a:rPr>
+              <a:t>limitations</a:t>
+            </a:r>
+            <a:endParaRPr lang="it-IT" b="1" dirty="0">
+              <a:solidFill>
+                <a:srgbClr val="003F6E"/>
+              </a:solidFill>
+            </a:endParaRPr>
+          </a:p>
+          <a:p>
+            <a:pPr marL="342900" indent="-342900">
+              <a:buFont typeface="Arial" panose="020B0604020202020204" pitchFamily="34" charset="0"/>
+              <a:buChar char="•"/>
+              <a:defRPr/>
+            </a:pPr>
+            <a:r>
+              <a:rPr lang="it-IT" b="1" dirty="0" err="1">
+                <a:solidFill>
+                  <a:srgbClr val="003F6E"/>
+                </a:solidFill>
+              </a:rPr>
+              <a:t>Difficult</a:t>
+            </a:r>
+            <a:r>
+              <a:rPr lang="it-IT" b="1" dirty="0">
+                <a:solidFill>
+                  <a:srgbClr val="003F6E"/>
+                </a:solidFill>
+              </a:rPr>
+              <a:t> </a:t>
+            </a:r>
+            <a:r>
+              <a:rPr lang="it-IT" b="1" dirty="0" err="1">
+                <a:solidFill>
+                  <a:srgbClr val="003F6E"/>
+                </a:solidFill>
+              </a:rPr>
+              <a:t>troubleshooting</a:t>
+            </a:r>
+            <a:endParaRPr lang="it-IT" b="1" dirty="0">
+              <a:solidFill>
+                <a:srgbClr val="003F6E"/>
+              </a:solidFill>
+            </a:endParaRPr>
+          </a:p>
+        </p:txBody>
+      </p:sp>
+    </p:spTree>
+    <p:extLst>
+      <p:ext uri="{BB962C8B-B14F-4D97-AF65-F5344CB8AC3E}">
+        <p14:creationId xmlns:p14="http://schemas.microsoft.com/office/powerpoint/2010/main" val="993053730"/>
+      </p:ext>
+    </p:extLst>
+  </p:cSld>
+  <p:clrMapOvr>
+    <a:masterClrMapping/>
+  </p:clrMapOvr>
+  <p:timing>
+    <p:tnLst>
+      <p:par>
+        <p:cTn id="1" dur="indefinite" restart="never" nodeType="tmRoot">
+          <p:childTnLst>
+            <p:seq concurrent="1" nextAc="seek">
+              <p:cTn id="2" dur="indefinite" nodeType="mainSeq">
+                <p:childTnLst>
+                  <p:par>
+                    <p:cTn id="3" fill="hold">
+                      <p:stCondLst>
+                        <p:cond delay="indefinite"/>
+                      </p:stCondLst>
+                      <p:childTnLst>
+                        <p:par>
+                          <p:cTn id="4" fill="hold">
+                            <p:stCondLst>
+                              <p:cond delay="0"/>
+                            </p:stCondLst>
+                            <p:childTnLst>
+                              <p:par>
+                                <p:cTn id="5" presetID="2" presetClass="entr" presetSubtype="4" fill="hold" nodeType="clickEffect">
+                                  <p:stCondLst>
+                                    <p:cond delay="0"/>
+                                  </p:stCondLst>
+                                  <p:childTnLst>
+                                    <p:set>
+                                      <p:cBhvr>
+                                        <p:cTn id="6" dur="1" fill="hold">
+                                          <p:stCondLst>
+                                            <p:cond delay="0"/>
+                                          </p:stCondLst>
+                                        </p:cTn>
+                                        <p:tgtEl>
+                                          <p:spTgt spid="10">
+                                            <p:txEl>
+                                              <p:pRg st="2" end="2"/>
+                                            </p:txEl>
+                                          </p:spTgt>
+                                        </p:tgtEl>
+                                        <p:attrNameLst>
+                                          <p:attrName>style.visibility</p:attrName>
+                                        </p:attrNameLst>
+                                      </p:cBhvr>
+                                      <p:to>
+                                        <p:strVal val="visible"/>
+                                      </p:to>
+                                    </p:set>
+                                    <p:anim calcmode="lin" valueType="num">
+                                      <p:cBhvr additive="base">
+                                        <p:cTn id="7" dur="500" fill="hold"/>
+                                        <p:tgtEl>
+                                          <p:spTgt spid="10">
+                                            <p:txEl>
+                                              <p:pRg st="2" end="2"/>
+                                            </p:txEl>
+                                          </p:spTgt>
+                                        </p:tgtEl>
+                                        <p:attrNameLst>
+                                          <p:attrName>ppt_x</p:attrName>
+                                        </p:attrNameLst>
+                                      </p:cBhvr>
+                                      <p:tavLst>
+                                        <p:tav tm="0">
+                                          <p:val>
+                                            <p:strVal val="#ppt_x"/>
+                                          </p:val>
+                                        </p:tav>
+                                        <p:tav tm="100000">
+                                          <p:val>
+                                            <p:strVal val="#ppt_x"/>
+                                          </p:val>
+                                        </p:tav>
+                                      </p:tavLst>
+                                    </p:anim>
+                                    <p:anim calcmode="lin" valueType="num">
+                                      <p:cBhvr additive="base">
+                                        <p:cTn id="8" dur="500" fill="hold"/>
+                                        <p:tgtEl>
+                                          <p:spTgt spid="10">
+                                            <p:txEl>
+                                              <p:pRg st="2" end="2"/>
+                                            </p:txEl>
+                                          </p:spTgt>
+                                        </p:tgtEl>
+                                        <p:attrNameLst>
+                                          <p:attrName>ppt_y</p:attrName>
+                                        </p:attrNameLst>
+                                      </p:cBhvr>
+                                      <p:tavLst>
+                                        <p:tav tm="0">
+                                          <p:val>
+                                            <p:strVal val="1+#ppt_h/2"/>
+                                          </p:val>
+                                        </p:tav>
+                                        <p:tav tm="100000">
+                                          <p:val>
+                                            <p:strVal val="#ppt_y"/>
+                                          </p:val>
+                                        </p:tav>
+                                      </p:tavLst>
+                                    </p:anim>
+                                  </p:childTnLst>
+                                </p:cTn>
+                              </p:par>
+                            </p:childTnLst>
+                          </p:cTn>
+                        </p:par>
+                        <p:par>
+                          <p:cTn id="9" fill="hold">
+                            <p:stCondLst>
+                              <p:cond delay="500"/>
+                            </p:stCondLst>
+                            <p:childTnLst>
+                              <p:par>
+                                <p:cTn id="10" presetID="2" presetClass="entr" presetSubtype="4" fill="hold" nodeType="afterEffect">
+                                  <p:stCondLst>
+                                    <p:cond delay="0"/>
+                                  </p:stCondLst>
+                                  <p:childTnLst>
+                                    <p:set>
+                                      <p:cBhvr>
+                                        <p:cTn id="11" dur="1" fill="hold">
+                                          <p:stCondLst>
+                                            <p:cond delay="0"/>
+                                          </p:stCondLst>
+                                        </p:cTn>
+                                        <p:tgtEl>
+                                          <p:spTgt spid="10">
+                                            <p:txEl>
+                                              <p:pRg st="3" end="3"/>
+                                            </p:txEl>
+                                          </p:spTgt>
+                                        </p:tgtEl>
+                                        <p:attrNameLst>
+                                          <p:attrName>style.visibility</p:attrName>
+                                        </p:attrNameLst>
+                                      </p:cBhvr>
+                                      <p:to>
+                                        <p:strVal val="visible"/>
+                                      </p:to>
+                                    </p:set>
+                                    <p:anim calcmode="lin" valueType="num">
+                                      <p:cBhvr additive="base">
+                                        <p:cTn id="12" dur="500" fill="hold"/>
+                                        <p:tgtEl>
+                                          <p:spTgt spid="10">
+                                            <p:txEl>
+                                              <p:pRg st="3" end="3"/>
+                                            </p:txEl>
+                                          </p:spTgt>
+                                        </p:tgtEl>
+                                        <p:attrNameLst>
+                                          <p:attrName>ppt_x</p:attrName>
+                                        </p:attrNameLst>
+                                      </p:cBhvr>
+                                      <p:tavLst>
+                                        <p:tav tm="0">
+                                          <p:val>
+                                            <p:strVal val="#ppt_x"/>
+                                          </p:val>
+                                        </p:tav>
+                                        <p:tav tm="100000">
+                                          <p:val>
+                                            <p:strVal val="#ppt_x"/>
+                                          </p:val>
+                                        </p:tav>
+                                      </p:tavLst>
+                                    </p:anim>
+                                    <p:anim calcmode="lin" valueType="num">
+                                      <p:cBhvr additive="base">
+                                        <p:cTn id="13" dur="500" fill="hold"/>
+                                        <p:tgtEl>
+                                          <p:spTgt spid="10">
+                                            <p:txEl>
+                                              <p:pRg st="3" end="3"/>
+                                            </p:txEl>
+                                          </p:spTgt>
+                                        </p:tgtEl>
+                                        <p:attrNameLst>
+                                          <p:attrName>ppt_y</p:attrName>
+                                        </p:attrNameLst>
+                                      </p:cBhvr>
+                                      <p:tavLst>
+                                        <p:tav tm="0">
+                                          <p:val>
+                                            <p:strVal val="1+#ppt_h/2"/>
+                                          </p:val>
+                                        </p:tav>
+                                        <p:tav tm="100000">
+                                          <p:val>
+                                            <p:strVal val="#ppt_y"/>
+                                          </p:val>
+                                        </p:tav>
+                                      </p:tavLst>
+                                    </p:anim>
+                                  </p:childTnLst>
+                                </p:cTn>
+                              </p:par>
+                            </p:childTnLst>
+                          </p:cTn>
+                        </p:par>
+                        <p:par>
+                          <p:cTn id="14" fill="hold">
+                            <p:stCondLst>
+                              <p:cond delay="1000"/>
+                            </p:stCondLst>
+                            <p:childTnLst>
+                              <p:par>
+                                <p:cTn id="15" presetID="2" presetClass="entr" presetSubtype="4" fill="hold" nodeType="afterEffect">
+                                  <p:stCondLst>
+                                    <p:cond delay="0"/>
+                                  </p:stCondLst>
+                                  <p:childTnLst>
+                                    <p:set>
+                                      <p:cBhvr>
+                                        <p:cTn id="16" dur="1" fill="hold">
+                                          <p:stCondLst>
+                                            <p:cond delay="0"/>
+                                          </p:stCondLst>
+                                        </p:cTn>
+                                        <p:tgtEl>
+                                          <p:spTgt spid="10">
+                                            <p:txEl>
+                                              <p:pRg st="4" end="4"/>
+                                            </p:txEl>
+                                          </p:spTgt>
+                                        </p:tgtEl>
+                                        <p:attrNameLst>
+                                          <p:attrName>style.visibility</p:attrName>
+                                        </p:attrNameLst>
+                                      </p:cBhvr>
+                                      <p:to>
+                                        <p:strVal val="visible"/>
+                                      </p:to>
+                                    </p:set>
+                                    <p:anim calcmode="lin" valueType="num">
+                                      <p:cBhvr additive="base">
+                                        <p:cTn id="17" dur="500" fill="hold"/>
+                                        <p:tgtEl>
+                                          <p:spTgt spid="10">
+                                            <p:txEl>
+                                              <p:pRg st="4" end="4"/>
+                                            </p:txEl>
+                                          </p:spTgt>
+                                        </p:tgtEl>
+                                        <p:attrNameLst>
+                                          <p:attrName>ppt_x</p:attrName>
+                                        </p:attrNameLst>
+                                      </p:cBhvr>
+                                      <p:tavLst>
+                                        <p:tav tm="0">
+                                          <p:val>
+                                            <p:strVal val="#ppt_x"/>
+                                          </p:val>
+                                        </p:tav>
+                                        <p:tav tm="100000">
+                                          <p:val>
+                                            <p:strVal val="#ppt_x"/>
+                                          </p:val>
+                                        </p:tav>
+                                      </p:tavLst>
+                                    </p:anim>
+                                    <p:anim calcmode="lin" valueType="num">
+                                      <p:cBhvr additive="base">
+                                        <p:cTn id="18" dur="500" fill="hold"/>
+                                        <p:tgtEl>
+                                          <p:spTgt spid="10">
+                                            <p:txEl>
+                                              <p:pRg st="4" end="4"/>
+                                            </p:txEl>
+                                          </p:spTgt>
+                                        </p:tgtEl>
+                                        <p:attrNameLst>
+                                          <p:attrName>ppt_y</p:attrName>
+                                        </p:attrNameLst>
+                                      </p:cBhvr>
+                                      <p:tavLst>
+                                        <p:tav tm="0">
+                                          <p:val>
+                                            <p:strVal val="1+#ppt_h/2"/>
+                                          </p:val>
+                                        </p:tav>
+                                        <p:tav tm="100000">
+                                          <p:val>
+                                            <p:strVal val="#ppt_y"/>
+                                          </p:val>
+                                        </p:tav>
+                                      </p:tavLst>
+                                    </p:anim>
+                                  </p:childTnLst>
+                                </p:cTn>
+                              </p:par>
+                            </p:childTnLst>
+                          </p:cTn>
+                        </p:par>
+                      </p:childTnLst>
+                    </p:cTn>
+                  </p:par>
+                </p:childTnLst>
+              </p:cTn>
+              <p:prevCondLst>
+                <p:cond evt="onPrev" delay="0">
+                  <p:tgtEl>
+                    <p:sldTgt/>
+                  </p:tgtEl>
+                </p:cond>
+              </p:prevCondLst>
+              <p:nextCondLst>
+                <p:cond evt="onNext" delay="0">
+                  <p:tgtEl>
+                    <p:sldTgt/>
+                  </p:tgtEl>
+                </p:cond>
+              </p:nextCondLst>
+            </p:seq>
+          </p:childTnLst>
+        </p:cTn>
+      </p:par>
+    </p:tnLst>
+  </p:timing>
+</p:sld>
+</file>
+
+<file path=ppt/slides/slide11.xml><?xml version="1.0" encoding="utf-8"?>
+<p:sld xmlns:a="http://schemas.openxmlformats.org/drawingml/2006/main" xmlns:r="http://schemas.openxmlformats.org/officeDocument/2006/relationships" xmlns:p="http://schemas.openxmlformats.org/presentationml/2006/main">
+  <p:cSld>
+    <p:spTree>
+      <p:nvGrpSpPr>
+        <p:cNvPr id="1" name=""/>
+        <p:cNvGrpSpPr/>
+        <p:nvPr/>
+      </p:nvGrpSpPr>
+      <p:grpSpPr>
+        <a:xfrm>
+          <a:off x="0" y="0"/>
+          <a:ext cx="0" cy="0"/>
+          <a:chOff x="0" y="0"/>
+          <a:chExt cx="0" cy="0"/>
+        </a:xfrm>
+      </p:grpSpPr>
+      <p:sp>
+        <p:nvSpPr>
+          <p:cNvPr id="2" name="Titolo 1">
+            <a:extLst>
+              <a:ext uri="{FF2B5EF4-FFF2-40B4-BE49-F238E27FC236}">
+                <a16:creationId xmlns:a16="http://schemas.microsoft.com/office/drawing/2014/main" id="{29DEBB23-8600-8447-8217-F4704728958C}"/>
+              </a:ext>
+            </a:extLst>
+          </p:cNvPr>
+          <p:cNvSpPr>
+            <a:spLocks noGrp="1"/>
+          </p:cNvSpPr>
+          <p:nvPr>
+            <p:ph type="title"/>
+          </p:nvPr>
+        </p:nvSpPr>
+        <p:spPr/>
+        <p:txBody>
+          <a:bodyPr/>
+          <a:lstStyle/>
+          <a:p>
+            <a:r>
+              <a:rPr lang="it-IT" dirty="0" err="1"/>
+              <a:t>Summary</a:t>
+            </a:r>
+            <a:endParaRPr lang="it-IT" dirty="0"/>
+          </a:p>
+        </p:txBody>
+      </p:sp>
+      <p:graphicFrame>
+        <p:nvGraphicFramePr>
+          <p:cNvPr id="4" name="Segnaposto contenuto 3">
+            <a:extLst>
+              <a:ext uri="{FF2B5EF4-FFF2-40B4-BE49-F238E27FC236}">
+                <a16:creationId xmlns:a16="http://schemas.microsoft.com/office/drawing/2014/main" id="{740710D4-BCDA-4446-8952-338BE60B649E}"/>
+              </a:ext>
+            </a:extLst>
+          </p:cNvPr>
+          <p:cNvGraphicFramePr>
+            <a:graphicFrameLocks noGrp="1"/>
+          </p:cNvGraphicFramePr>
+          <p:nvPr>
+            <p:ph idx="1"/>
+            <p:extLst>
+              <p:ext uri="{D42A27DB-BD31-4B8C-83A1-F6EECF244321}">
+                <p14:modId xmlns:p14="http://schemas.microsoft.com/office/powerpoint/2010/main" val="413333649"/>
+              </p:ext>
+            </p:extLst>
+          </p:nvPr>
+        </p:nvGraphicFramePr>
+        <p:xfrm>
+          <a:off x="417410" y="1379700"/>
+          <a:ext cx="8323263" cy="4525963"/>
+        </p:xfrm>
+        <a:graphic>
+          <a:graphicData uri="http://schemas.openxmlformats.org/drawingml/2006/diagram">
+            <dgm:relIds xmlns:dgm="http://schemas.openxmlformats.org/drawingml/2006/diagram" xmlns:r="http://schemas.openxmlformats.org/officeDocument/2006/relationships" r:dm="rId2" r:lo="rId3" r:qs="rId4" r:cs="rId5"/>
+          </a:graphicData>
+        </a:graphic>
+      </p:graphicFrame>
+      <p:sp>
+        <p:nvSpPr>
+          <p:cNvPr id="7" name="Rettangolo 6">
+            <a:extLst>
+              <a:ext uri="{FF2B5EF4-FFF2-40B4-BE49-F238E27FC236}">
+                <a16:creationId xmlns:a16="http://schemas.microsoft.com/office/drawing/2014/main" id="{90506E7B-D7EB-5B42-BB41-2B105C8284FD}"/>
+              </a:ext>
+            </a:extLst>
+          </p:cNvPr>
+          <p:cNvSpPr/>
+          <p:nvPr/>
+        </p:nvSpPr>
+        <p:spPr>
+          <a:xfrm>
+            <a:off x="142504" y="6305797"/>
+            <a:ext cx="3028208" cy="344385"/>
+          </a:xfrm>
+          <a:prstGeom prst="rect">
+            <a:avLst/>
+          </a:prstGeom>
+          <a:solidFill>
+            <a:srgbClr val="728FA5"/>
+          </a:solidFill>
+          <a:ln>
+            <a:noFill/>
+          </a:ln>
+        </p:spPr>
+        <p:style>
+          <a:lnRef idx="0">
+            <a:scrgbClr r="0" g="0" b="0"/>
+          </a:lnRef>
+          <a:fillRef idx="0">
+            <a:scrgbClr r="0" g="0" b="0"/>
+          </a:fillRef>
+          <a:effectRef idx="0">
+            <a:scrgbClr r="0" g="0" b="0"/>
+          </a:effectRef>
+          <a:fontRef idx="minor">
+            <a:schemeClr val="lt1"/>
+          </a:fontRef>
+        </p:style>
+        <p:txBody>
+          <a:bodyPr rtlCol="0" anchor="ctr"/>
+          <a:lstStyle/>
+          <a:p>
+            <a:pPr algn="ctr"/>
+            <a:endParaRPr lang="it-IT"/>
+          </a:p>
+        </p:txBody>
+      </p:sp>
+      <p:sp>
+        <p:nvSpPr>
+          <p:cNvPr id="10" name="Rettangolo 9">
+            <a:extLst>
+              <a:ext uri="{FF2B5EF4-FFF2-40B4-BE49-F238E27FC236}">
+                <a16:creationId xmlns:a16="http://schemas.microsoft.com/office/drawing/2014/main" id="{61AAF7CD-7882-214C-A416-FFA273827622}"/>
+              </a:ext>
+            </a:extLst>
+          </p:cNvPr>
+          <p:cNvSpPr/>
+          <p:nvPr/>
+        </p:nvSpPr>
+        <p:spPr>
+          <a:xfrm>
+            <a:off x="288521" y="6317672"/>
+            <a:ext cx="2858440" cy="344385"/>
+          </a:xfrm>
+          <a:prstGeom prst="rect">
+            <a:avLst/>
+          </a:prstGeom>
+          <a:solidFill>
+            <a:srgbClr val="728FA5"/>
+          </a:solidFill>
+          <a:ln>
+            <a:noFill/>
+          </a:ln>
+        </p:spPr>
+        <p:style>
+          <a:lnRef idx="0">
+            <a:scrgbClr r="0" g="0" b="0"/>
+          </a:lnRef>
+          <a:fillRef idx="0">
+            <a:scrgbClr r="0" g="0" b="0"/>
+          </a:fillRef>
+          <a:effectRef idx="0">
+            <a:scrgbClr r="0" g="0" b="0"/>
+          </a:effectRef>
+          <a:fontRef idx="minor">
+            <a:schemeClr val="lt1"/>
+          </a:fontRef>
+        </p:style>
+        <p:txBody>
+          <a:bodyPr rtlCol="0" anchor="ctr"/>
+          <a:lstStyle/>
+          <a:p>
+            <a:r>
+              <a:rPr lang="it-IT" sz="1400" dirty="0"/>
+              <a:t>Mirco Meazzo - 873477</a:t>
+            </a:r>
+          </a:p>
+        </p:txBody>
+      </p:sp>
+    </p:spTree>
+    <p:extLst>
+      <p:ext uri="{BB962C8B-B14F-4D97-AF65-F5344CB8AC3E}">
+        <p14:creationId xmlns:p14="http://schemas.microsoft.com/office/powerpoint/2010/main" val="1296088962"/>
+      </p:ext>
+    </p:extLst>
+  </p:cSld>
+  <p:clrMapOvr>
+    <a:masterClrMapping/>
+  </p:clrMapOvr>
+</p:sld>
+</file>
+
+<file path=ppt/slides/slide12.xml><?xml version="1.0" encoding="utf-8"?>
+<p:sld xmlns:a="http://schemas.openxmlformats.org/drawingml/2006/main" xmlns:r="http://schemas.openxmlformats.org/officeDocument/2006/relationships" xmlns:p="http://schemas.openxmlformats.org/presentationml/2006/main">
+  <p:cSld>
     <p:spTree>
       <p:nvGrpSpPr>
         <p:cNvPr id="1" name=""/>
@@ -36661,7 +38137,511 @@
 </p:sld>
 </file>
 
-<file path=ppt/slides/slide11.xml><?xml version="1.0" encoding="utf-8"?>
+<file path=ppt/slides/slide13.xml><?xml version="1.0" encoding="utf-8"?>
+<p:sld xmlns:a="http://schemas.openxmlformats.org/drawingml/2006/main" xmlns:r="http://schemas.openxmlformats.org/officeDocument/2006/relationships" xmlns:p="http://schemas.openxmlformats.org/presentationml/2006/main">
+  <p:cSld>
+    <p:spTree>
+      <p:nvGrpSpPr>
+        <p:cNvPr id="1" name=""/>
+        <p:cNvGrpSpPr/>
+        <p:nvPr/>
+      </p:nvGrpSpPr>
+      <p:grpSpPr>
+        <a:xfrm>
+          <a:off x="0" y="0"/>
+          <a:ext cx="0" cy="0"/>
+          <a:chOff x="0" y="0"/>
+          <a:chExt cx="0" cy="0"/>
+        </a:xfrm>
+      </p:grpSpPr>
+      <p:sp>
+        <p:nvSpPr>
+          <p:cNvPr id="3" name="Segnaposto contenuto 2"/>
+          <p:cNvSpPr>
+            <a:spLocks noGrp="1"/>
+          </p:cNvSpPr>
+          <p:nvPr>
+            <p:ph idx="1"/>
+          </p:nvPr>
+        </p:nvSpPr>
+        <p:spPr/>
+        <p:txBody>
+          <a:bodyPr/>
+          <a:lstStyle/>
+          <a:p>
+            <a:pPr/>
+            <a:r>
+              <a:rPr lang="it-IT" b="1" dirty="0" err="1">
+                <a:solidFill>
+                  <a:schemeClr val="accent1">
+                    <a:lumMod val="50000"/>
+                  </a:schemeClr>
+                </a:solidFill>
+                <a:latin typeface="Arial" panose="020B0604020202020204" pitchFamily="34" charset="0"/>
+                <a:ea typeface="Cambria Math" panose="02040503050406030204" pitchFamily="18" charset="0"/>
+                <a:cs typeface="Arial" panose="020B0604020202020204" pitchFamily="34" charset="0"/>
+              </a:rPr>
+              <a:t>Structure</a:t>
+            </a:r>
+            <a:endParaRPr lang="it-IT" b="1" dirty="0">
+              <a:solidFill>
+                <a:schemeClr val="accent1">
+                  <a:lumMod val="50000"/>
+                </a:schemeClr>
+              </a:solidFill>
+              <a:latin typeface="Arial" panose="020B0604020202020204" pitchFamily="34" charset="0"/>
+              <a:ea typeface="Cambria Math" panose="02040503050406030204" pitchFamily="18" charset="0"/>
+              <a:cs typeface="Arial" panose="020B0604020202020204" pitchFamily="34" charset="0"/>
+            </a:endParaRPr>
+          </a:p>
+        </p:txBody>
+      </p:sp>
+      <p:grpSp>
+        <p:nvGrpSpPr>
+          <p:cNvPr id="4" name="Gruppo 3">
+            <a:extLst>
+              <a:ext uri="{FF2B5EF4-FFF2-40B4-BE49-F238E27FC236}">
+                <a16:creationId xmlns:a16="http://schemas.microsoft.com/office/drawing/2014/main" id="{6040EE21-EEFD-244F-9E14-637E5C21FEFF}"/>
+              </a:ext>
+            </a:extLst>
+          </p:cNvPr>
+          <p:cNvGrpSpPr/>
+          <p:nvPr/>
+        </p:nvGrpSpPr>
+        <p:grpSpPr>
+          <a:xfrm>
+            <a:off x="83127" y="6317672"/>
+            <a:ext cx="3063834" cy="344385"/>
+            <a:chOff x="83127" y="6317672"/>
+            <a:chExt cx="3063834" cy="344385"/>
+          </a:xfrm>
+        </p:grpSpPr>
+        <p:sp>
+          <p:nvSpPr>
+            <p:cNvPr id="5" name="Rettangolo 4">
+              <a:extLst>
+                <a:ext uri="{FF2B5EF4-FFF2-40B4-BE49-F238E27FC236}">
+                  <a16:creationId xmlns:a16="http://schemas.microsoft.com/office/drawing/2014/main" id="{BF4B3357-CDC2-2442-86C2-E5C7C2A7230E}"/>
+                </a:ext>
+              </a:extLst>
+            </p:cNvPr>
+            <p:cNvSpPr/>
+            <p:nvPr/>
+          </p:nvSpPr>
+          <p:spPr>
+            <a:xfrm>
+              <a:off x="83127" y="6317672"/>
+              <a:ext cx="3063834" cy="344385"/>
+            </a:xfrm>
+            <a:prstGeom prst="rect">
+              <a:avLst/>
+            </a:prstGeom>
+            <a:solidFill>
+              <a:srgbClr val="728FA5"/>
+            </a:solidFill>
+            <a:ln>
+              <a:noFill/>
+            </a:ln>
+          </p:spPr>
+          <p:style>
+            <a:lnRef idx="0">
+              <a:scrgbClr r="0" g="0" b="0"/>
+            </a:lnRef>
+            <a:fillRef idx="0">
+              <a:scrgbClr r="0" g="0" b="0"/>
+            </a:fillRef>
+            <a:effectRef idx="0">
+              <a:scrgbClr r="0" g="0" b="0"/>
+            </a:effectRef>
+            <a:fontRef idx="minor">
+              <a:schemeClr val="lt1"/>
+            </a:fontRef>
+          </p:style>
+          <p:txBody>
+            <a:bodyPr rtlCol="0" anchor="ctr"/>
+            <a:lstStyle/>
+            <a:p>
+              <a:endParaRPr lang="it-IT" sz="1400" dirty="0"/>
+            </a:p>
+          </p:txBody>
+        </p:sp>
+        <p:sp>
+          <p:nvSpPr>
+            <p:cNvPr id="8" name="Rettangolo 7">
+              <a:extLst>
+                <a:ext uri="{FF2B5EF4-FFF2-40B4-BE49-F238E27FC236}">
+                  <a16:creationId xmlns:a16="http://schemas.microsoft.com/office/drawing/2014/main" id="{5586F461-EC0C-D148-A5B3-CCDFE544B77E}"/>
+                </a:ext>
+              </a:extLst>
+            </p:cNvPr>
+            <p:cNvSpPr/>
+            <p:nvPr/>
+          </p:nvSpPr>
+          <p:spPr>
+            <a:xfrm>
+              <a:off x="288521" y="6317672"/>
+              <a:ext cx="2858440" cy="344385"/>
+            </a:xfrm>
+            <a:prstGeom prst="rect">
+              <a:avLst/>
+            </a:prstGeom>
+            <a:solidFill>
+              <a:srgbClr val="728FA5"/>
+            </a:solidFill>
+            <a:ln>
+              <a:noFill/>
+            </a:ln>
+          </p:spPr>
+          <p:style>
+            <a:lnRef idx="0">
+              <a:scrgbClr r="0" g="0" b="0"/>
+            </a:lnRef>
+            <a:fillRef idx="0">
+              <a:scrgbClr r="0" g="0" b="0"/>
+            </a:fillRef>
+            <a:effectRef idx="0">
+              <a:scrgbClr r="0" g="0" b="0"/>
+            </a:effectRef>
+            <a:fontRef idx="minor">
+              <a:schemeClr val="lt1"/>
+            </a:fontRef>
+          </p:style>
+          <p:txBody>
+            <a:bodyPr rtlCol="0" anchor="ctr"/>
+            <a:lstStyle/>
+            <a:p>
+              <a:r>
+                <a:rPr lang="it-IT" sz="1400" dirty="0"/>
+                <a:t>Mirco Meazzo - 873477</a:t>
+              </a:r>
+            </a:p>
+          </p:txBody>
+        </p:sp>
+      </p:grpSp>
+      <p:sp>
+        <p:nvSpPr>
+          <p:cNvPr id="10" name="Titolo 1">
+            <a:extLst>
+              <a:ext uri="{FF2B5EF4-FFF2-40B4-BE49-F238E27FC236}">
+                <a16:creationId xmlns:a16="http://schemas.microsoft.com/office/drawing/2014/main" id="{8C8D6482-3CCE-E247-B568-E81C33294396}"/>
+              </a:ext>
+            </a:extLst>
+          </p:cNvPr>
+          <p:cNvSpPr>
+            <a:spLocks noGrp="1"/>
+          </p:cNvSpPr>
+          <p:nvPr>
+            <p:ph type="title"/>
+          </p:nvPr>
+        </p:nvSpPr>
+        <p:spPr/>
+        <p:txBody>
+          <a:bodyPr/>
+          <a:lstStyle/>
+          <a:p>
+            <a:r>
+              <a:rPr lang="it-IT" dirty="0"/>
+              <a:t>The Code</a:t>
+            </a:r>
+          </a:p>
+        </p:txBody>
+      </p:sp>
+      <p:pic>
+        <p:nvPicPr>
+          <p:cNvPr id="11" name="Immagine 10">
+            <a:extLst>
+              <a:ext uri="{FF2B5EF4-FFF2-40B4-BE49-F238E27FC236}">
+                <a16:creationId xmlns:a16="http://schemas.microsoft.com/office/drawing/2014/main" id="{AB8B36B9-3365-E043-9D62-97AD3674FD5B}"/>
+              </a:ext>
+            </a:extLst>
+          </p:cNvPr>
+          <p:cNvPicPr>
+            <a:picLocks noChangeAspect="1"/>
+          </p:cNvPicPr>
+          <p:nvPr/>
+        </p:nvPicPr>
+        <p:blipFill>
+          <a:blip r:embed="rId3"/>
+          <a:stretch>
+            <a:fillRect/>
+          </a:stretch>
+        </p:blipFill>
+        <p:spPr>
+          <a:xfrm>
+            <a:off x="1733299" y="2190749"/>
+            <a:ext cx="5771528" cy="3344863"/>
+          </a:xfrm>
+          <a:prstGeom prst="rect">
+            <a:avLst/>
+          </a:prstGeom>
+        </p:spPr>
+      </p:pic>
+    </p:spTree>
+    <p:extLst>
+      <p:ext uri="{BB962C8B-B14F-4D97-AF65-F5344CB8AC3E}">
+        <p14:creationId xmlns:p14="http://schemas.microsoft.com/office/powerpoint/2010/main" val="2384773576"/>
+      </p:ext>
+    </p:extLst>
+  </p:cSld>
+  <p:clrMapOvr>
+    <a:masterClrMapping/>
+  </p:clrMapOvr>
+</p:sld>
+</file>
+
+<file path=ppt/slides/slide14.xml><?xml version="1.0" encoding="utf-8"?>
+<p:sld xmlns:a="http://schemas.openxmlformats.org/drawingml/2006/main" xmlns:r="http://schemas.openxmlformats.org/officeDocument/2006/relationships" xmlns:p="http://schemas.openxmlformats.org/presentationml/2006/main">
+  <p:cSld>
+    <p:spTree>
+      <p:nvGrpSpPr>
+        <p:cNvPr id="1" name=""/>
+        <p:cNvGrpSpPr/>
+        <p:nvPr/>
+      </p:nvGrpSpPr>
+      <p:grpSpPr>
+        <a:xfrm>
+          <a:off x="0" y="0"/>
+          <a:ext cx="0" cy="0"/>
+          <a:chOff x="0" y="0"/>
+          <a:chExt cx="0" cy="0"/>
+        </a:xfrm>
+      </p:grpSpPr>
+      <p:pic>
+        <p:nvPicPr>
+          <p:cNvPr id="6" name="Immagine 5">
+            <a:extLst>
+              <a:ext uri="{FF2B5EF4-FFF2-40B4-BE49-F238E27FC236}">
+                <a16:creationId xmlns:a16="http://schemas.microsoft.com/office/drawing/2014/main" id="{14D30023-8EE2-C64D-9120-9FF48540976F}"/>
+              </a:ext>
+            </a:extLst>
+          </p:cNvPr>
+          <p:cNvPicPr>
+            <a:picLocks noChangeAspect="1"/>
+          </p:cNvPicPr>
+          <p:nvPr/>
+        </p:nvPicPr>
+        <p:blipFill>
+          <a:blip r:embed="rId3"/>
+          <a:stretch>
+            <a:fillRect/>
+          </a:stretch>
+        </p:blipFill>
+        <p:spPr>
+          <a:xfrm>
+            <a:off x="344660" y="1868200"/>
+            <a:ext cx="8468763" cy="4257963"/>
+          </a:xfrm>
+          <a:prstGeom prst="rect">
+            <a:avLst/>
+          </a:prstGeom>
+        </p:spPr>
+      </p:pic>
+      <p:sp>
+        <p:nvSpPr>
+          <p:cNvPr id="3" name="Segnaposto contenuto 2"/>
+          <p:cNvSpPr>
+            <a:spLocks noGrp="1"/>
+          </p:cNvSpPr>
+          <p:nvPr>
+            <p:ph idx="1"/>
+          </p:nvPr>
+        </p:nvSpPr>
+        <p:spPr/>
+        <p:txBody>
+          <a:bodyPr/>
+          <a:lstStyle/>
+          <a:p>
+            <a:pPr/>
+            <a:r>
+              <a:rPr lang="it-IT" b="1" dirty="0" err="1">
+                <a:solidFill>
+                  <a:schemeClr val="accent1">
+                    <a:lumMod val="50000"/>
+                  </a:schemeClr>
+                </a:solidFill>
+                <a:latin typeface="Arial" panose="020B0604020202020204" pitchFamily="34" charset="0"/>
+                <a:ea typeface="Cambria Math" panose="02040503050406030204" pitchFamily="18" charset="0"/>
+                <a:cs typeface="Arial" panose="020B0604020202020204" pitchFamily="34" charset="0"/>
+              </a:rPr>
+              <a:t>Structure</a:t>
+            </a:r>
+            <a:endParaRPr lang="it-IT" b="1" dirty="0">
+              <a:solidFill>
+                <a:schemeClr val="accent1">
+                  <a:lumMod val="50000"/>
+                </a:schemeClr>
+              </a:solidFill>
+              <a:latin typeface="Arial" panose="020B0604020202020204" pitchFamily="34" charset="0"/>
+              <a:ea typeface="Cambria Math" panose="02040503050406030204" pitchFamily="18" charset="0"/>
+              <a:cs typeface="Arial" panose="020B0604020202020204" pitchFamily="34" charset="0"/>
+            </a:endParaRPr>
+          </a:p>
+        </p:txBody>
+      </p:sp>
+      <p:grpSp>
+        <p:nvGrpSpPr>
+          <p:cNvPr id="4" name="Gruppo 3">
+            <a:extLst>
+              <a:ext uri="{FF2B5EF4-FFF2-40B4-BE49-F238E27FC236}">
+                <a16:creationId xmlns:a16="http://schemas.microsoft.com/office/drawing/2014/main" id="{6040EE21-EEFD-244F-9E14-637E5C21FEFF}"/>
+              </a:ext>
+            </a:extLst>
+          </p:cNvPr>
+          <p:cNvGrpSpPr/>
+          <p:nvPr/>
+        </p:nvGrpSpPr>
+        <p:grpSpPr>
+          <a:xfrm>
+            <a:off x="83127" y="6317672"/>
+            <a:ext cx="3063834" cy="344385"/>
+            <a:chOff x="83127" y="6317672"/>
+            <a:chExt cx="3063834" cy="344385"/>
+          </a:xfrm>
+        </p:grpSpPr>
+        <p:sp>
+          <p:nvSpPr>
+            <p:cNvPr id="5" name="Rettangolo 4">
+              <a:extLst>
+                <a:ext uri="{FF2B5EF4-FFF2-40B4-BE49-F238E27FC236}">
+                  <a16:creationId xmlns:a16="http://schemas.microsoft.com/office/drawing/2014/main" id="{BF4B3357-CDC2-2442-86C2-E5C7C2A7230E}"/>
+                </a:ext>
+              </a:extLst>
+            </p:cNvPr>
+            <p:cNvSpPr/>
+            <p:nvPr/>
+          </p:nvSpPr>
+          <p:spPr>
+            <a:xfrm>
+              <a:off x="83127" y="6317672"/>
+              <a:ext cx="3063834" cy="344385"/>
+            </a:xfrm>
+            <a:prstGeom prst="rect">
+              <a:avLst/>
+            </a:prstGeom>
+            <a:solidFill>
+              <a:srgbClr val="728FA5"/>
+            </a:solidFill>
+            <a:ln>
+              <a:noFill/>
+            </a:ln>
+          </p:spPr>
+          <p:style>
+            <a:lnRef idx="0">
+              <a:scrgbClr r="0" g="0" b="0"/>
+            </a:lnRef>
+            <a:fillRef idx="0">
+              <a:scrgbClr r="0" g="0" b="0"/>
+            </a:fillRef>
+            <a:effectRef idx="0">
+              <a:scrgbClr r="0" g="0" b="0"/>
+            </a:effectRef>
+            <a:fontRef idx="minor">
+              <a:schemeClr val="lt1"/>
+            </a:fontRef>
+          </p:style>
+          <p:txBody>
+            <a:bodyPr rtlCol="0" anchor="ctr"/>
+            <a:lstStyle/>
+            <a:p>
+              <a:endParaRPr lang="it-IT" sz="1400" dirty="0"/>
+            </a:p>
+          </p:txBody>
+        </p:sp>
+        <p:sp>
+          <p:nvSpPr>
+            <p:cNvPr id="8" name="Rettangolo 7">
+              <a:extLst>
+                <a:ext uri="{FF2B5EF4-FFF2-40B4-BE49-F238E27FC236}">
+                  <a16:creationId xmlns:a16="http://schemas.microsoft.com/office/drawing/2014/main" id="{5586F461-EC0C-D148-A5B3-CCDFE544B77E}"/>
+                </a:ext>
+              </a:extLst>
+            </p:cNvPr>
+            <p:cNvSpPr/>
+            <p:nvPr/>
+          </p:nvSpPr>
+          <p:spPr>
+            <a:xfrm>
+              <a:off x="288521" y="6317672"/>
+              <a:ext cx="2858440" cy="344385"/>
+            </a:xfrm>
+            <a:prstGeom prst="rect">
+              <a:avLst/>
+            </a:prstGeom>
+            <a:solidFill>
+              <a:srgbClr val="728FA5"/>
+            </a:solidFill>
+            <a:ln>
+              <a:noFill/>
+            </a:ln>
+          </p:spPr>
+          <p:style>
+            <a:lnRef idx="0">
+              <a:scrgbClr r="0" g="0" b="0"/>
+            </a:lnRef>
+            <a:fillRef idx="0">
+              <a:scrgbClr r="0" g="0" b="0"/>
+            </a:fillRef>
+            <a:effectRef idx="0">
+              <a:scrgbClr r="0" g="0" b="0"/>
+            </a:effectRef>
+            <a:fontRef idx="minor">
+              <a:schemeClr val="lt1"/>
+            </a:fontRef>
+          </p:style>
+          <p:txBody>
+            <a:bodyPr rtlCol="0" anchor="ctr"/>
+            <a:lstStyle/>
+            <a:p>
+              <a:r>
+                <a:rPr lang="it-IT" sz="1400" dirty="0"/>
+                <a:t>Mirco Meazzo - 873477</a:t>
+              </a:r>
+            </a:p>
+          </p:txBody>
+        </p:sp>
+      </p:grpSp>
+      <p:sp>
+        <p:nvSpPr>
+          <p:cNvPr id="10" name="Titolo 1">
+            <a:extLst>
+              <a:ext uri="{FF2B5EF4-FFF2-40B4-BE49-F238E27FC236}">
+                <a16:creationId xmlns:a16="http://schemas.microsoft.com/office/drawing/2014/main" id="{8C8D6482-3CCE-E247-B568-E81C33294396}"/>
+              </a:ext>
+            </a:extLst>
+          </p:cNvPr>
+          <p:cNvSpPr>
+            <a:spLocks noGrp="1"/>
+          </p:cNvSpPr>
+          <p:nvPr>
+            <p:ph type="title"/>
+          </p:nvPr>
+        </p:nvSpPr>
+        <p:spPr/>
+        <p:txBody>
+          <a:bodyPr/>
+          <a:lstStyle/>
+          <a:p>
+            <a:r>
+              <a:rPr lang="it-IT" dirty="0"/>
+              <a:t>The Code</a:t>
+            </a:r>
+          </a:p>
+        </p:txBody>
+      </p:sp>
+    </p:spTree>
+    <p:extLst>
+      <p:ext uri="{BB962C8B-B14F-4D97-AF65-F5344CB8AC3E}">
+        <p14:creationId xmlns:p14="http://schemas.microsoft.com/office/powerpoint/2010/main" val="1620221387"/>
+      </p:ext>
+    </p:extLst>
+  </p:cSld>
+  <p:clrMapOvr>
+    <a:masterClrMapping/>
+  </p:clrMapOvr>
+</p:sld>
+</file>
+
+<file path=ppt/slides/slide15.xml><?xml version="1.0" encoding="utf-8"?>
 <p:sld xmlns:a="http://schemas.openxmlformats.org/drawingml/2006/main" xmlns:r="http://schemas.openxmlformats.org/officeDocument/2006/relationships" xmlns:p="http://schemas.openxmlformats.org/presentationml/2006/main">
   <p:cSld>
     <p:spTree>
@@ -36872,10 +38852,10 @@
       </p:sp>
       <p:sp>
         <p:nvSpPr>
-          <p:cNvPr id="6" name="CasellaDiTesto 5">
+          <p:cNvPr id="9" name="CasellaDiTesto 8">
             <a:extLst>
               <a:ext uri="{FF2B5EF4-FFF2-40B4-BE49-F238E27FC236}">
-                <a16:creationId xmlns:a16="http://schemas.microsoft.com/office/drawing/2014/main" id="{8D6818F9-E9FE-3C42-B3AA-A9BD6AF3F801}"/>
+                <a16:creationId xmlns:a16="http://schemas.microsoft.com/office/drawing/2014/main" id="{DADBDCDC-3DD8-9F41-BED7-DFBF687DCC58}"/>
               </a:ext>
             </a:extLst>
           </p:cNvPr>
@@ -36884,8 +38864,8 @@
         </p:nvSpPr>
         <p:spPr>
           <a:xfrm>
-            <a:off x="4545106" y="3953435"/>
-            <a:ext cx="1120820" cy="369332"/>
+            <a:off x="4127157" y="3756454"/>
+            <a:ext cx="1998304" cy="369332"/>
           </a:xfrm>
           <a:prstGeom prst="rect">
             <a:avLst/>
@@ -36899,8 +38879,8 @@
           <a:lstStyle/>
           <a:p>
             <a:r>
-              <a:rPr lang="it-IT" dirty="0"/>
-              <a:t>Immagine</a:t>
+              <a:rPr lang="it-IT"/>
+              <a:t>Immagine struttura</a:t>
             </a:r>
           </a:p>
         </p:txBody>
@@ -36908,7 +38888,7 @@
     </p:spTree>
     <p:extLst>
       <p:ext uri="{BB962C8B-B14F-4D97-AF65-F5344CB8AC3E}">
-        <p14:creationId xmlns:p14="http://schemas.microsoft.com/office/powerpoint/2010/main" val="2384773576"/>
+        <p14:creationId xmlns:p14="http://schemas.microsoft.com/office/powerpoint/2010/main" val="1742347663"/>
       </p:ext>
     </p:extLst>
   </p:cSld>
@@ -36918,7 +38898,7 @@
 </p:sld>
 </file>
 
-<file path=ppt/slides/slide12.xml><?xml version="1.0" encoding="utf-8"?>
+<file path=ppt/slides/slide16.xml><?xml version="1.0" encoding="utf-8"?>
 <p:sld xmlns:a="http://schemas.openxmlformats.org/drawingml/2006/main" xmlns:r="http://schemas.openxmlformats.org/officeDocument/2006/relationships" xmlns:p="http://schemas.openxmlformats.org/presentationml/2006/main">
   <p:cSld>
     <p:spTree>
@@ -37550,7 +39530,7 @@
 </p:sld>
 </file>
 
-<file path=ppt/slides/slide13.xml><?xml version="1.0" encoding="utf-8"?>
+<file path=ppt/slides/slide17.xml><?xml version="1.0" encoding="utf-8"?>
 <p:sld xmlns:a="http://schemas.openxmlformats.org/drawingml/2006/main" xmlns:r="http://schemas.openxmlformats.org/officeDocument/2006/relationships" xmlns:p="http://schemas.openxmlformats.org/presentationml/2006/main">
   <p:cSld>
     <p:spTree>
@@ -37854,7 +39834,7 @@
 </p:sld>
 </file>
 
-<file path=ppt/slides/slide14.xml><?xml version="1.0" encoding="utf-8"?>
+<file path=ppt/slides/slide18.xml><?xml version="1.0" encoding="utf-8"?>
 <p:sld xmlns:a="http://schemas.openxmlformats.org/drawingml/2006/main" xmlns:r="http://schemas.openxmlformats.org/officeDocument/2006/relationships" xmlns:p="http://schemas.openxmlformats.org/presentationml/2006/main">
   <p:cSld>
     <p:spTree>
@@ -38158,7 +40138,7 @@
 </p:sld>
 </file>
 
-<file path=ppt/slides/slide15.xml><?xml version="1.0" encoding="utf-8"?>
+<file path=ppt/slides/slide19.xml><?xml version="1.0" encoding="utf-8"?>
 <p:sld xmlns:a="http://schemas.openxmlformats.org/drawingml/2006/main" xmlns:r="http://schemas.openxmlformats.org/officeDocument/2006/relationships" xmlns:p="http://schemas.openxmlformats.org/presentationml/2006/main">
   <p:cSld>
     <p:spTree>
@@ -38453,1222 +40433,6 @@
     <p:extLst>
       <p:ext uri="{BB962C8B-B14F-4D97-AF65-F5344CB8AC3E}">
         <p14:creationId xmlns:p14="http://schemas.microsoft.com/office/powerpoint/2010/main" val="2024515547"/>
-      </p:ext>
-    </p:extLst>
-  </p:cSld>
-  <p:clrMapOvr>
-    <a:masterClrMapping/>
-  </p:clrMapOvr>
-</p:sld>
-</file>
-
-<file path=ppt/slides/slide16.xml><?xml version="1.0" encoding="utf-8"?>
-<p:sld xmlns:a="http://schemas.openxmlformats.org/drawingml/2006/main" xmlns:r="http://schemas.openxmlformats.org/officeDocument/2006/relationships" xmlns:p="http://schemas.openxmlformats.org/presentationml/2006/main">
-  <p:cSld>
-    <p:spTree>
-      <p:nvGrpSpPr>
-        <p:cNvPr id="1" name=""/>
-        <p:cNvGrpSpPr/>
-        <p:nvPr/>
-      </p:nvGrpSpPr>
-      <p:grpSpPr>
-        <a:xfrm>
-          <a:off x="0" y="0"/>
-          <a:ext cx="0" cy="0"/>
-          <a:chOff x="0" y="0"/>
-          <a:chExt cx="0" cy="0"/>
-        </a:xfrm>
-      </p:grpSpPr>
-      <p:pic>
-        <p:nvPicPr>
-          <p:cNvPr id="11" name="Immagine 10">
-            <a:extLst>
-              <a:ext uri="{FF2B5EF4-FFF2-40B4-BE49-F238E27FC236}">
-                <a16:creationId xmlns:a16="http://schemas.microsoft.com/office/drawing/2014/main" id="{06BDAB01-0D49-BB4F-A7D4-7CD8F022AE91}"/>
-              </a:ext>
-            </a:extLst>
-          </p:cNvPr>
-          <p:cNvPicPr>
-            <a:picLocks noChangeAspect="1"/>
-          </p:cNvPicPr>
-          <p:nvPr/>
-        </p:nvPicPr>
-        <p:blipFill>
-          <a:blip r:embed="rId3"/>
-          <a:stretch>
-            <a:fillRect/>
-          </a:stretch>
-        </p:blipFill>
-        <p:spPr>
-          <a:xfrm>
-            <a:off x="0" y="2289287"/>
-            <a:ext cx="4689252" cy="3516939"/>
-          </a:xfrm>
-          <a:prstGeom prst="rect">
-            <a:avLst/>
-          </a:prstGeom>
-        </p:spPr>
-      </p:pic>
-      <p:sp>
-        <p:nvSpPr>
-          <p:cNvPr id="3" name="Segnaposto contenuto 2"/>
-          <p:cNvSpPr>
-            <a:spLocks noGrp="1"/>
-          </p:cNvSpPr>
-          <p:nvPr>
-            <p:ph idx="1"/>
-          </p:nvPr>
-        </p:nvSpPr>
-        <p:spPr/>
-        <p:txBody>
-          <a:bodyPr/>
-          <a:lstStyle/>
-          <a:p>
-            <a:pPr/>
-            <a:r>
-              <a:rPr lang="it-IT" b="1" dirty="0">
-                <a:solidFill>
-                  <a:schemeClr val="accent1">
-                    <a:lumMod val="50000"/>
-                  </a:schemeClr>
-                </a:solidFill>
-                <a:latin typeface="Arial" panose="020B0604020202020204" pitchFamily="34" charset="0"/>
-                <a:ea typeface="Cambria Math" panose="02040503050406030204" pitchFamily="18" charset="0"/>
-                <a:cs typeface="Arial" panose="020B0604020202020204" pitchFamily="34" charset="0"/>
-              </a:rPr>
-              <a:t>Performance</a:t>
-            </a:r>
-          </a:p>
-        </p:txBody>
-      </p:sp>
-      <p:sp>
-        <p:nvSpPr>
-          <p:cNvPr id="9" name="CasellaDiTesto 8">
-            <a:extLst>
-              <a:ext uri="{FF2B5EF4-FFF2-40B4-BE49-F238E27FC236}">
-                <a16:creationId xmlns:a16="http://schemas.microsoft.com/office/drawing/2014/main" id="{53351752-2C56-364D-82D2-AE07AEAC8720}"/>
-              </a:ext>
-            </a:extLst>
-          </p:cNvPr>
-          <p:cNvSpPr txBox="1"/>
-          <p:nvPr/>
-        </p:nvSpPr>
-        <p:spPr>
-          <a:xfrm>
-            <a:off x="3194462" y="3847605"/>
-            <a:ext cx="184731" cy="369332"/>
-          </a:xfrm>
-          <a:prstGeom prst="rect">
-            <a:avLst/>
-          </a:prstGeom>
-          <a:noFill/>
-        </p:spPr>
-        <p:txBody>
-          <a:bodyPr wrap="none" rtlCol="0">
-            <a:spAutoFit/>
-          </a:bodyPr>
-          <a:lstStyle/>
-          <a:p>
-            <a:endParaRPr lang="it-IT" dirty="0"/>
-          </a:p>
-        </p:txBody>
-      </p:sp>
-      <p:grpSp>
-        <p:nvGrpSpPr>
-          <p:cNvPr id="4" name="Gruppo 3">
-            <a:extLst>
-              <a:ext uri="{FF2B5EF4-FFF2-40B4-BE49-F238E27FC236}">
-                <a16:creationId xmlns:a16="http://schemas.microsoft.com/office/drawing/2014/main" id="{6040EE21-EEFD-244F-9E14-637E5C21FEFF}"/>
-              </a:ext>
-            </a:extLst>
-          </p:cNvPr>
-          <p:cNvGrpSpPr/>
-          <p:nvPr/>
-        </p:nvGrpSpPr>
-        <p:grpSpPr>
-          <a:xfrm>
-            <a:off x="83127" y="6317672"/>
-            <a:ext cx="3063834" cy="344385"/>
-            <a:chOff x="83127" y="6317672"/>
-            <a:chExt cx="3063834" cy="344385"/>
-          </a:xfrm>
-        </p:grpSpPr>
-        <p:sp>
-          <p:nvSpPr>
-            <p:cNvPr id="5" name="Rettangolo 4">
-              <a:extLst>
-                <a:ext uri="{FF2B5EF4-FFF2-40B4-BE49-F238E27FC236}">
-                  <a16:creationId xmlns:a16="http://schemas.microsoft.com/office/drawing/2014/main" id="{BF4B3357-CDC2-2442-86C2-E5C7C2A7230E}"/>
-                </a:ext>
-              </a:extLst>
-            </p:cNvPr>
-            <p:cNvSpPr/>
-            <p:nvPr/>
-          </p:nvSpPr>
-          <p:spPr>
-            <a:xfrm>
-              <a:off x="83127" y="6317672"/>
-              <a:ext cx="3063834" cy="344385"/>
-            </a:xfrm>
-            <a:prstGeom prst="rect">
-              <a:avLst/>
-            </a:prstGeom>
-            <a:solidFill>
-              <a:srgbClr val="728FA5"/>
-            </a:solidFill>
-            <a:ln>
-              <a:noFill/>
-            </a:ln>
-          </p:spPr>
-          <p:style>
-            <a:lnRef idx="0">
-              <a:scrgbClr r="0" g="0" b="0"/>
-            </a:lnRef>
-            <a:fillRef idx="0">
-              <a:scrgbClr r="0" g="0" b="0"/>
-            </a:fillRef>
-            <a:effectRef idx="0">
-              <a:scrgbClr r="0" g="0" b="0"/>
-            </a:effectRef>
-            <a:fontRef idx="minor">
-              <a:schemeClr val="lt1"/>
-            </a:fontRef>
-          </p:style>
-          <p:txBody>
-            <a:bodyPr rtlCol="0" anchor="ctr"/>
-            <a:lstStyle/>
-            <a:p>
-              <a:endParaRPr lang="it-IT" sz="1400" dirty="0"/>
-            </a:p>
-          </p:txBody>
-        </p:sp>
-        <p:sp>
-          <p:nvSpPr>
-            <p:cNvPr id="8" name="Rettangolo 7">
-              <a:extLst>
-                <a:ext uri="{FF2B5EF4-FFF2-40B4-BE49-F238E27FC236}">
-                  <a16:creationId xmlns:a16="http://schemas.microsoft.com/office/drawing/2014/main" id="{5586F461-EC0C-D148-A5B3-CCDFE544B77E}"/>
-                </a:ext>
-              </a:extLst>
-            </p:cNvPr>
-            <p:cNvSpPr/>
-            <p:nvPr/>
-          </p:nvSpPr>
-          <p:spPr>
-            <a:xfrm>
-              <a:off x="288521" y="6317672"/>
-              <a:ext cx="2858440" cy="344385"/>
-            </a:xfrm>
-            <a:prstGeom prst="rect">
-              <a:avLst/>
-            </a:prstGeom>
-            <a:solidFill>
-              <a:srgbClr val="728FA5"/>
-            </a:solidFill>
-            <a:ln>
-              <a:noFill/>
-            </a:ln>
-          </p:spPr>
-          <p:style>
-            <a:lnRef idx="0">
-              <a:scrgbClr r="0" g="0" b="0"/>
-            </a:lnRef>
-            <a:fillRef idx="0">
-              <a:scrgbClr r="0" g="0" b="0"/>
-            </a:fillRef>
-            <a:effectRef idx="0">
-              <a:scrgbClr r="0" g="0" b="0"/>
-            </a:effectRef>
-            <a:fontRef idx="minor">
-              <a:schemeClr val="lt1"/>
-            </a:fontRef>
-          </p:style>
-          <p:txBody>
-            <a:bodyPr rtlCol="0" anchor="ctr"/>
-            <a:lstStyle/>
-            <a:p>
-              <a:r>
-                <a:rPr lang="it-IT" sz="1400" dirty="0"/>
-                <a:t>Mirco Meazzo - 873477</a:t>
-              </a:r>
-            </a:p>
-          </p:txBody>
-        </p:sp>
-      </p:grpSp>
-      <p:sp>
-        <p:nvSpPr>
-          <p:cNvPr id="10" name="Titolo 1">
-            <a:extLst>
-              <a:ext uri="{FF2B5EF4-FFF2-40B4-BE49-F238E27FC236}">
-                <a16:creationId xmlns:a16="http://schemas.microsoft.com/office/drawing/2014/main" id="{8C8D6482-3CCE-E247-B568-E81C33294396}"/>
-              </a:ext>
-            </a:extLst>
-          </p:cNvPr>
-          <p:cNvSpPr>
-            <a:spLocks noGrp="1"/>
-          </p:cNvSpPr>
-          <p:nvPr>
-            <p:ph type="title"/>
-          </p:nvPr>
-        </p:nvSpPr>
-        <p:spPr/>
-        <p:txBody>
-          <a:bodyPr/>
-          <a:lstStyle/>
-          <a:p>
-            <a:r>
-              <a:rPr lang="it-IT" dirty="0"/>
-              <a:t>The Code</a:t>
-            </a:r>
-          </a:p>
-        </p:txBody>
-      </p:sp>
-      <p:pic>
-        <p:nvPicPr>
-          <p:cNvPr id="12" name="Immagine 11">
-            <a:extLst>
-              <a:ext uri="{FF2B5EF4-FFF2-40B4-BE49-F238E27FC236}">
-                <a16:creationId xmlns:a16="http://schemas.microsoft.com/office/drawing/2014/main" id="{84DA5D8D-A2EC-CA43-BD6D-AE2BEC2BFE29}"/>
-              </a:ext>
-            </a:extLst>
-          </p:cNvPr>
-          <p:cNvPicPr>
-            <a:picLocks noChangeAspect="1"/>
-          </p:cNvPicPr>
-          <p:nvPr/>
-        </p:nvPicPr>
-        <p:blipFill>
-          <a:blip r:embed="rId4"/>
-          <a:stretch>
-            <a:fillRect/>
-          </a:stretch>
-        </p:blipFill>
-        <p:spPr>
-          <a:xfrm>
-            <a:off x="4454747" y="2273801"/>
-            <a:ext cx="4689252" cy="3516939"/>
-          </a:xfrm>
-          <a:prstGeom prst="rect">
-            <a:avLst/>
-          </a:prstGeom>
-        </p:spPr>
-      </p:pic>
-    </p:spTree>
-    <p:extLst>
-      <p:ext uri="{BB962C8B-B14F-4D97-AF65-F5344CB8AC3E}">
-        <p14:creationId xmlns:p14="http://schemas.microsoft.com/office/powerpoint/2010/main" val="1855868134"/>
-      </p:ext>
-    </p:extLst>
-  </p:cSld>
-  <p:clrMapOvr>
-    <a:masterClrMapping/>
-  </p:clrMapOvr>
-</p:sld>
-</file>
-
-<file path=ppt/slides/slide17.xml><?xml version="1.0" encoding="utf-8"?>
-<p:sld xmlns:a="http://schemas.openxmlformats.org/drawingml/2006/main" xmlns:r="http://schemas.openxmlformats.org/officeDocument/2006/relationships" xmlns:p="http://schemas.openxmlformats.org/presentationml/2006/main">
-  <p:cSld>
-    <p:spTree>
-      <p:nvGrpSpPr>
-        <p:cNvPr id="1" name=""/>
-        <p:cNvGrpSpPr/>
-        <p:nvPr/>
-      </p:nvGrpSpPr>
-      <p:grpSpPr>
-        <a:xfrm>
-          <a:off x="0" y="0"/>
-          <a:ext cx="0" cy="0"/>
-          <a:chOff x="0" y="0"/>
-          <a:chExt cx="0" cy="0"/>
-        </a:xfrm>
-      </p:grpSpPr>
-      <p:pic>
-        <p:nvPicPr>
-          <p:cNvPr id="11" name="Immagine 10">
-            <a:extLst>
-              <a:ext uri="{FF2B5EF4-FFF2-40B4-BE49-F238E27FC236}">
-                <a16:creationId xmlns:a16="http://schemas.microsoft.com/office/drawing/2014/main" id="{06BDAB01-0D49-BB4F-A7D4-7CD8F022AE91}"/>
-              </a:ext>
-            </a:extLst>
-          </p:cNvPr>
-          <p:cNvPicPr>
-            <a:picLocks noChangeAspect="1"/>
-          </p:cNvPicPr>
-          <p:nvPr/>
-        </p:nvPicPr>
-        <p:blipFill>
-          <a:blip r:embed="rId3"/>
-          <a:stretch>
-            <a:fillRect/>
-          </a:stretch>
-        </p:blipFill>
-        <p:spPr>
-          <a:xfrm>
-            <a:off x="0" y="2289287"/>
-            <a:ext cx="4689252" cy="3516939"/>
-          </a:xfrm>
-          <a:prstGeom prst="rect">
-            <a:avLst/>
-          </a:prstGeom>
-        </p:spPr>
-      </p:pic>
-      <p:sp>
-        <p:nvSpPr>
-          <p:cNvPr id="3" name="Segnaposto contenuto 2"/>
-          <p:cNvSpPr>
-            <a:spLocks noGrp="1"/>
-          </p:cNvSpPr>
-          <p:nvPr>
-            <p:ph idx="1"/>
-          </p:nvPr>
-        </p:nvSpPr>
-        <p:spPr/>
-        <p:txBody>
-          <a:bodyPr/>
-          <a:lstStyle/>
-          <a:p>
-            <a:pPr/>
-            <a:r>
-              <a:rPr lang="it-IT" b="1" dirty="0">
-                <a:solidFill>
-                  <a:schemeClr val="accent1">
-                    <a:lumMod val="50000"/>
-                  </a:schemeClr>
-                </a:solidFill>
-                <a:latin typeface="Arial" panose="020B0604020202020204" pitchFamily="34" charset="0"/>
-                <a:ea typeface="Cambria Math" panose="02040503050406030204" pitchFamily="18" charset="0"/>
-                <a:cs typeface="Arial" panose="020B0604020202020204" pitchFamily="34" charset="0"/>
-              </a:rPr>
-              <a:t>Performance</a:t>
-            </a:r>
-          </a:p>
-        </p:txBody>
-      </p:sp>
-      <p:sp>
-        <p:nvSpPr>
-          <p:cNvPr id="9" name="CasellaDiTesto 8">
-            <a:extLst>
-              <a:ext uri="{FF2B5EF4-FFF2-40B4-BE49-F238E27FC236}">
-                <a16:creationId xmlns:a16="http://schemas.microsoft.com/office/drawing/2014/main" id="{53351752-2C56-364D-82D2-AE07AEAC8720}"/>
-              </a:ext>
-            </a:extLst>
-          </p:cNvPr>
-          <p:cNvSpPr txBox="1"/>
-          <p:nvPr/>
-        </p:nvSpPr>
-        <p:spPr>
-          <a:xfrm>
-            <a:off x="3194462" y="3847605"/>
-            <a:ext cx="184731" cy="369332"/>
-          </a:xfrm>
-          <a:prstGeom prst="rect">
-            <a:avLst/>
-          </a:prstGeom>
-          <a:noFill/>
-        </p:spPr>
-        <p:txBody>
-          <a:bodyPr wrap="none" rtlCol="0">
-            <a:spAutoFit/>
-          </a:bodyPr>
-          <a:lstStyle/>
-          <a:p>
-            <a:endParaRPr lang="it-IT" dirty="0"/>
-          </a:p>
-        </p:txBody>
-      </p:sp>
-      <p:grpSp>
-        <p:nvGrpSpPr>
-          <p:cNvPr id="4" name="Gruppo 3">
-            <a:extLst>
-              <a:ext uri="{FF2B5EF4-FFF2-40B4-BE49-F238E27FC236}">
-                <a16:creationId xmlns:a16="http://schemas.microsoft.com/office/drawing/2014/main" id="{6040EE21-EEFD-244F-9E14-637E5C21FEFF}"/>
-              </a:ext>
-            </a:extLst>
-          </p:cNvPr>
-          <p:cNvGrpSpPr/>
-          <p:nvPr/>
-        </p:nvGrpSpPr>
-        <p:grpSpPr>
-          <a:xfrm>
-            <a:off x="83127" y="6317672"/>
-            <a:ext cx="3063834" cy="344385"/>
-            <a:chOff x="83127" y="6317672"/>
-            <a:chExt cx="3063834" cy="344385"/>
-          </a:xfrm>
-        </p:grpSpPr>
-        <p:sp>
-          <p:nvSpPr>
-            <p:cNvPr id="5" name="Rettangolo 4">
-              <a:extLst>
-                <a:ext uri="{FF2B5EF4-FFF2-40B4-BE49-F238E27FC236}">
-                  <a16:creationId xmlns:a16="http://schemas.microsoft.com/office/drawing/2014/main" id="{BF4B3357-CDC2-2442-86C2-E5C7C2A7230E}"/>
-                </a:ext>
-              </a:extLst>
-            </p:cNvPr>
-            <p:cNvSpPr/>
-            <p:nvPr/>
-          </p:nvSpPr>
-          <p:spPr>
-            <a:xfrm>
-              <a:off x="83127" y="6317672"/>
-              <a:ext cx="3063834" cy="344385"/>
-            </a:xfrm>
-            <a:prstGeom prst="rect">
-              <a:avLst/>
-            </a:prstGeom>
-            <a:solidFill>
-              <a:srgbClr val="728FA5"/>
-            </a:solidFill>
-            <a:ln>
-              <a:noFill/>
-            </a:ln>
-          </p:spPr>
-          <p:style>
-            <a:lnRef idx="0">
-              <a:scrgbClr r="0" g="0" b="0"/>
-            </a:lnRef>
-            <a:fillRef idx="0">
-              <a:scrgbClr r="0" g="0" b="0"/>
-            </a:fillRef>
-            <a:effectRef idx="0">
-              <a:scrgbClr r="0" g="0" b="0"/>
-            </a:effectRef>
-            <a:fontRef idx="minor">
-              <a:schemeClr val="lt1"/>
-            </a:fontRef>
-          </p:style>
-          <p:txBody>
-            <a:bodyPr rtlCol="0" anchor="ctr"/>
-            <a:lstStyle/>
-            <a:p>
-              <a:endParaRPr lang="it-IT" sz="1400" dirty="0"/>
-            </a:p>
-          </p:txBody>
-        </p:sp>
-        <p:sp>
-          <p:nvSpPr>
-            <p:cNvPr id="8" name="Rettangolo 7">
-              <a:extLst>
-                <a:ext uri="{FF2B5EF4-FFF2-40B4-BE49-F238E27FC236}">
-                  <a16:creationId xmlns:a16="http://schemas.microsoft.com/office/drawing/2014/main" id="{5586F461-EC0C-D148-A5B3-CCDFE544B77E}"/>
-                </a:ext>
-              </a:extLst>
-            </p:cNvPr>
-            <p:cNvSpPr/>
-            <p:nvPr/>
-          </p:nvSpPr>
-          <p:spPr>
-            <a:xfrm>
-              <a:off x="288521" y="6317672"/>
-              <a:ext cx="2858440" cy="344385"/>
-            </a:xfrm>
-            <a:prstGeom prst="rect">
-              <a:avLst/>
-            </a:prstGeom>
-            <a:solidFill>
-              <a:srgbClr val="728FA5"/>
-            </a:solidFill>
-            <a:ln>
-              <a:noFill/>
-            </a:ln>
-          </p:spPr>
-          <p:style>
-            <a:lnRef idx="0">
-              <a:scrgbClr r="0" g="0" b="0"/>
-            </a:lnRef>
-            <a:fillRef idx="0">
-              <a:scrgbClr r="0" g="0" b="0"/>
-            </a:fillRef>
-            <a:effectRef idx="0">
-              <a:scrgbClr r="0" g="0" b="0"/>
-            </a:effectRef>
-            <a:fontRef idx="minor">
-              <a:schemeClr val="lt1"/>
-            </a:fontRef>
-          </p:style>
-          <p:txBody>
-            <a:bodyPr rtlCol="0" anchor="ctr"/>
-            <a:lstStyle/>
-            <a:p>
-              <a:r>
-                <a:rPr lang="it-IT" sz="1400" dirty="0"/>
-                <a:t>Mirco Meazzo - 873477</a:t>
-              </a:r>
-            </a:p>
-          </p:txBody>
-        </p:sp>
-      </p:grpSp>
-      <p:sp>
-        <p:nvSpPr>
-          <p:cNvPr id="10" name="Titolo 1">
-            <a:extLst>
-              <a:ext uri="{FF2B5EF4-FFF2-40B4-BE49-F238E27FC236}">
-                <a16:creationId xmlns:a16="http://schemas.microsoft.com/office/drawing/2014/main" id="{8C8D6482-3CCE-E247-B568-E81C33294396}"/>
-              </a:ext>
-            </a:extLst>
-          </p:cNvPr>
-          <p:cNvSpPr>
-            <a:spLocks noGrp="1"/>
-          </p:cNvSpPr>
-          <p:nvPr>
-            <p:ph type="title"/>
-          </p:nvPr>
-        </p:nvSpPr>
-        <p:spPr/>
-        <p:txBody>
-          <a:bodyPr/>
-          <a:lstStyle/>
-          <a:p>
-            <a:r>
-              <a:rPr lang="it-IT" dirty="0"/>
-              <a:t>The Code</a:t>
-            </a:r>
-          </a:p>
-        </p:txBody>
-      </p:sp>
-      <p:pic>
-        <p:nvPicPr>
-          <p:cNvPr id="12" name="Immagine 11">
-            <a:extLst>
-              <a:ext uri="{FF2B5EF4-FFF2-40B4-BE49-F238E27FC236}">
-                <a16:creationId xmlns:a16="http://schemas.microsoft.com/office/drawing/2014/main" id="{84DA5D8D-A2EC-CA43-BD6D-AE2BEC2BFE29}"/>
-              </a:ext>
-            </a:extLst>
-          </p:cNvPr>
-          <p:cNvPicPr>
-            <a:picLocks noChangeAspect="1"/>
-          </p:cNvPicPr>
-          <p:nvPr/>
-        </p:nvPicPr>
-        <p:blipFill>
-          <a:blip r:embed="rId4"/>
-          <a:stretch>
-            <a:fillRect/>
-          </a:stretch>
-        </p:blipFill>
-        <p:spPr>
-          <a:xfrm>
-            <a:off x="4454747" y="2273801"/>
-            <a:ext cx="4689252" cy="3516939"/>
-          </a:xfrm>
-          <a:prstGeom prst="rect">
-            <a:avLst/>
-          </a:prstGeom>
-        </p:spPr>
-      </p:pic>
-    </p:spTree>
-    <p:extLst>
-      <p:ext uri="{BB962C8B-B14F-4D97-AF65-F5344CB8AC3E}">
-        <p14:creationId xmlns:p14="http://schemas.microsoft.com/office/powerpoint/2010/main" val="93771135"/>
-      </p:ext>
-    </p:extLst>
-  </p:cSld>
-  <p:clrMapOvr>
-    <a:masterClrMapping/>
-  </p:clrMapOvr>
-</p:sld>
-</file>
-
-<file path=ppt/slides/slide18.xml><?xml version="1.0" encoding="utf-8"?>
-<p:sld xmlns:a="http://schemas.openxmlformats.org/drawingml/2006/main" xmlns:r="http://schemas.openxmlformats.org/officeDocument/2006/relationships" xmlns:p="http://schemas.openxmlformats.org/presentationml/2006/main">
-  <p:cSld>
-    <p:spTree>
-      <p:nvGrpSpPr>
-        <p:cNvPr id="1" name=""/>
-        <p:cNvGrpSpPr/>
-        <p:nvPr/>
-      </p:nvGrpSpPr>
-      <p:grpSpPr>
-        <a:xfrm>
-          <a:off x="0" y="0"/>
-          <a:ext cx="0" cy="0"/>
-          <a:chOff x="0" y="0"/>
-          <a:chExt cx="0" cy="0"/>
-        </a:xfrm>
-      </p:grpSpPr>
-      <p:pic>
-        <p:nvPicPr>
-          <p:cNvPr id="11" name="Immagine 10">
-            <a:extLst>
-              <a:ext uri="{FF2B5EF4-FFF2-40B4-BE49-F238E27FC236}">
-                <a16:creationId xmlns:a16="http://schemas.microsoft.com/office/drawing/2014/main" id="{06BDAB01-0D49-BB4F-A7D4-7CD8F022AE91}"/>
-              </a:ext>
-            </a:extLst>
-          </p:cNvPr>
-          <p:cNvPicPr>
-            <a:picLocks noChangeAspect="1"/>
-          </p:cNvPicPr>
-          <p:nvPr/>
-        </p:nvPicPr>
-        <p:blipFill>
-          <a:blip r:embed="rId3"/>
-          <a:stretch>
-            <a:fillRect/>
-          </a:stretch>
-        </p:blipFill>
-        <p:spPr>
-          <a:xfrm>
-            <a:off x="0" y="2289287"/>
-            <a:ext cx="4689252" cy="3516939"/>
-          </a:xfrm>
-          <a:prstGeom prst="rect">
-            <a:avLst/>
-          </a:prstGeom>
-        </p:spPr>
-      </p:pic>
-      <p:sp>
-        <p:nvSpPr>
-          <p:cNvPr id="3" name="Segnaposto contenuto 2"/>
-          <p:cNvSpPr>
-            <a:spLocks noGrp="1"/>
-          </p:cNvSpPr>
-          <p:nvPr>
-            <p:ph idx="1"/>
-          </p:nvPr>
-        </p:nvSpPr>
-        <p:spPr/>
-        <p:txBody>
-          <a:bodyPr/>
-          <a:lstStyle/>
-          <a:p>
-            <a:pPr/>
-            <a:r>
-              <a:rPr lang="it-IT" b="1" dirty="0">
-                <a:solidFill>
-                  <a:schemeClr val="accent1">
-                    <a:lumMod val="50000"/>
-                  </a:schemeClr>
-                </a:solidFill>
-                <a:latin typeface="Arial" panose="020B0604020202020204" pitchFamily="34" charset="0"/>
-                <a:ea typeface="Cambria Math" panose="02040503050406030204" pitchFamily="18" charset="0"/>
-                <a:cs typeface="Arial" panose="020B0604020202020204" pitchFamily="34" charset="0"/>
-              </a:rPr>
-              <a:t>Performance</a:t>
-            </a:r>
-          </a:p>
-        </p:txBody>
-      </p:sp>
-      <p:sp>
-        <p:nvSpPr>
-          <p:cNvPr id="9" name="CasellaDiTesto 8">
-            <a:extLst>
-              <a:ext uri="{FF2B5EF4-FFF2-40B4-BE49-F238E27FC236}">
-                <a16:creationId xmlns:a16="http://schemas.microsoft.com/office/drawing/2014/main" id="{53351752-2C56-364D-82D2-AE07AEAC8720}"/>
-              </a:ext>
-            </a:extLst>
-          </p:cNvPr>
-          <p:cNvSpPr txBox="1"/>
-          <p:nvPr/>
-        </p:nvSpPr>
-        <p:spPr>
-          <a:xfrm>
-            <a:off x="3194462" y="3847605"/>
-            <a:ext cx="184731" cy="369332"/>
-          </a:xfrm>
-          <a:prstGeom prst="rect">
-            <a:avLst/>
-          </a:prstGeom>
-          <a:noFill/>
-        </p:spPr>
-        <p:txBody>
-          <a:bodyPr wrap="none" rtlCol="0">
-            <a:spAutoFit/>
-          </a:bodyPr>
-          <a:lstStyle/>
-          <a:p>
-            <a:endParaRPr lang="it-IT" dirty="0"/>
-          </a:p>
-        </p:txBody>
-      </p:sp>
-      <p:grpSp>
-        <p:nvGrpSpPr>
-          <p:cNvPr id="4" name="Gruppo 3">
-            <a:extLst>
-              <a:ext uri="{FF2B5EF4-FFF2-40B4-BE49-F238E27FC236}">
-                <a16:creationId xmlns:a16="http://schemas.microsoft.com/office/drawing/2014/main" id="{6040EE21-EEFD-244F-9E14-637E5C21FEFF}"/>
-              </a:ext>
-            </a:extLst>
-          </p:cNvPr>
-          <p:cNvGrpSpPr/>
-          <p:nvPr/>
-        </p:nvGrpSpPr>
-        <p:grpSpPr>
-          <a:xfrm>
-            <a:off x="83127" y="6317672"/>
-            <a:ext cx="3063834" cy="344385"/>
-            <a:chOff x="83127" y="6317672"/>
-            <a:chExt cx="3063834" cy="344385"/>
-          </a:xfrm>
-        </p:grpSpPr>
-        <p:sp>
-          <p:nvSpPr>
-            <p:cNvPr id="5" name="Rettangolo 4">
-              <a:extLst>
-                <a:ext uri="{FF2B5EF4-FFF2-40B4-BE49-F238E27FC236}">
-                  <a16:creationId xmlns:a16="http://schemas.microsoft.com/office/drawing/2014/main" id="{BF4B3357-CDC2-2442-86C2-E5C7C2A7230E}"/>
-                </a:ext>
-              </a:extLst>
-            </p:cNvPr>
-            <p:cNvSpPr/>
-            <p:nvPr/>
-          </p:nvSpPr>
-          <p:spPr>
-            <a:xfrm>
-              <a:off x="83127" y="6317672"/>
-              <a:ext cx="3063834" cy="344385"/>
-            </a:xfrm>
-            <a:prstGeom prst="rect">
-              <a:avLst/>
-            </a:prstGeom>
-            <a:solidFill>
-              <a:srgbClr val="728FA5"/>
-            </a:solidFill>
-            <a:ln>
-              <a:noFill/>
-            </a:ln>
-          </p:spPr>
-          <p:style>
-            <a:lnRef idx="0">
-              <a:scrgbClr r="0" g="0" b="0"/>
-            </a:lnRef>
-            <a:fillRef idx="0">
-              <a:scrgbClr r="0" g="0" b="0"/>
-            </a:fillRef>
-            <a:effectRef idx="0">
-              <a:scrgbClr r="0" g="0" b="0"/>
-            </a:effectRef>
-            <a:fontRef idx="minor">
-              <a:schemeClr val="lt1"/>
-            </a:fontRef>
-          </p:style>
-          <p:txBody>
-            <a:bodyPr rtlCol="0" anchor="ctr"/>
-            <a:lstStyle/>
-            <a:p>
-              <a:endParaRPr lang="it-IT" sz="1400" dirty="0"/>
-            </a:p>
-          </p:txBody>
-        </p:sp>
-        <p:sp>
-          <p:nvSpPr>
-            <p:cNvPr id="8" name="Rettangolo 7">
-              <a:extLst>
-                <a:ext uri="{FF2B5EF4-FFF2-40B4-BE49-F238E27FC236}">
-                  <a16:creationId xmlns:a16="http://schemas.microsoft.com/office/drawing/2014/main" id="{5586F461-EC0C-D148-A5B3-CCDFE544B77E}"/>
-                </a:ext>
-              </a:extLst>
-            </p:cNvPr>
-            <p:cNvSpPr/>
-            <p:nvPr/>
-          </p:nvSpPr>
-          <p:spPr>
-            <a:xfrm>
-              <a:off x="288521" y="6317672"/>
-              <a:ext cx="2858440" cy="344385"/>
-            </a:xfrm>
-            <a:prstGeom prst="rect">
-              <a:avLst/>
-            </a:prstGeom>
-            <a:solidFill>
-              <a:srgbClr val="728FA5"/>
-            </a:solidFill>
-            <a:ln>
-              <a:noFill/>
-            </a:ln>
-          </p:spPr>
-          <p:style>
-            <a:lnRef idx="0">
-              <a:scrgbClr r="0" g="0" b="0"/>
-            </a:lnRef>
-            <a:fillRef idx="0">
-              <a:scrgbClr r="0" g="0" b="0"/>
-            </a:fillRef>
-            <a:effectRef idx="0">
-              <a:scrgbClr r="0" g="0" b="0"/>
-            </a:effectRef>
-            <a:fontRef idx="minor">
-              <a:schemeClr val="lt1"/>
-            </a:fontRef>
-          </p:style>
-          <p:txBody>
-            <a:bodyPr rtlCol="0" anchor="ctr"/>
-            <a:lstStyle/>
-            <a:p>
-              <a:r>
-                <a:rPr lang="it-IT" sz="1400" dirty="0"/>
-                <a:t>Mirco Meazzo - 873477</a:t>
-              </a:r>
-            </a:p>
-          </p:txBody>
-        </p:sp>
-      </p:grpSp>
-      <p:sp>
-        <p:nvSpPr>
-          <p:cNvPr id="10" name="Titolo 1">
-            <a:extLst>
-              <a:ext uri="{FF2B5EF4-FFF2-40B4-BE49-F238E27FC236}">
-                <a16:creationId xmlns:a16="http://schemas.microsoft.com/office/drawing/2014/main" id="{8C8D6482-3CCE-E247-B568-E81C33294396}"/>
-              </a:ext>
-            </a:extLst>
-          </p:cNvPr>
-          <p:cNvSpPr>
-            <a:spLocks noGrp="1"/>
-          </p:cNvSpPr>
-          <p:nvPr>
-            <p:ph type="title"/>
-          </p:nvPr>
-        </p:nvSpPr>
-        <p:spPr/>
-        <p:txBody>
-          <a:bodyPr/>
-          <a:lstStyle/>
-          <a:p>
-            <a:r>
-              <a:rPr lang="it-IT" dirty="0"/>
-              <a:t>The Code</a:t>
-            </a:r>
-          </a:p>
-        </p:txBody>
-      </p:sp>
-      <p:pic>
-        <p:nvPicPr>
-          <p:cNvPr id="12" name="Immagine 11">
-            <a:extLst>
-              <a:ext uri="{FF2B5EF4-FFF2-40B4-BE49-F238E27FC236}">
-                <a16:creationId xmlns:a16="http://schemas.microsoft.com/office/drawing/2014/main" id="{84DA5D8D-A2EC-CA43-BD6D-AE2BEC2BFE29}"/>
-              </a:ext>
-            </a:extLst>
-          </p:cNvPr>
-          <p:cNvPicPr>
-            <a:picLocks noChangeAspect="1"/>
-          </p:cNvPicPr>
-          <p:nvPr/>
-        </p:nvPicPr>
-        <p:blipFill>
-          <a:blip r:embed="rId4"/>
-          <a:stretch>
-            <a:fillRect/>
-          </a:stretch>
-        </p:blipFill>
-        <p:spPr>
-          <a:xfrm>
-            <a:off x="4454747" y="2273801"/>
-            <a:ext cx="4689252" cy="3516939"/>
-          </a:xfrm>
-          <a:prstGeom prst="rect">
-            <a:avLst/>
-          </a:prstGeom>
-        </p:spPr>
-      </p:pic>
-    </p:spTree>
-    <p:extLst>
-      <p:ext uri="{BB962C8B-B14F-4D97-AF65-F5344CB8AC3E}">
-        <p14:creationId xmlns:p14="http://schemas.microsoft.com/office/powerpoint/2010/main" val="688053239"/>
-      </p:ext>
-    </p:extLst>
-  </p:cSld>
-  <p:clrMapOvr>
-    <a:masterClrMapping/>
-  </p:clrMapOvr>
-</p:sld>
-</file>
-
-<file path=ppt/slides/slide19.xml><?xml version="1.0" encoding="utf-8"?>
-<p:sld xmlns:a="http://schemas.openxmlformats.org/drawingml/2006/main" xmlns:r="http://schemas.openxmlformats.org/officeDocument/2006/relationships" xmlns:p="http://schemas.openxmlformats.org/presentationml/2006/main">
-  <p:cSld>
-    <p:spTree>
-      <p:nvGrpSpPr>
-        <p:cNvPr id="1" name=""/>
-        <p:cNvGrpSpPr/>
-        <p:nvPr/>
-      </p:nvGrpSpPr>
-      <p:grpSpPr>
-        <a:xfrm>
-          <a:off x="0" y="0"/>
-          <a:ext cx="0" cy="0"/>
-          <a:chOff x="0" y="0"/>
-          <a:chExt cx="0" cy="0"/>
-        </a:xfrm>
-      </p:grpSpPr>
-      <p:pic>
-        <p:nvPicPr>
-          <p:cNvPr id="11" name="Immagine 10">
-            <a:extLst>
-              <a:ext uri="{FF2B5EF4-FFF2-40B4-BE49-F238E27FC236}">
-                <a16:creationId xmlns:a16="http://schemas.microsoft.com/office/drawing/2014/main" id="{06BDAB01-0D49-BB4F-A7D4-7CD8F022AE91}"/>
-              </a:ext>
-            </a:extLst>
-          </p:cNvPr>
-          <p:cNvPicPr>
-            <a:picLocks noChangeAspect="1"/>
-          </p:cNvPicPr>
-          <p:nvPr/>
-        </p:nvPicPr>
-        <p:blipFill>
-          <a:blip r:embed="rId3"/>
-          <a:stretch>
-            <a:fillRect/>
-          </a:stretch>
-        </p:blipFill>
-        <p:spPr>
-          <a:xfrm>
-            <a:off x="0" y="2289287"/>
-            <a:ext cx="4689252" cy="3516939"/>
-          </a:xfrm>
-          <a:prstGeom prst="rect">
-            <a:avLst/>
-          </a:prstGeom>
-        </p:spPr>
-      </p:pic>
-      <p:sp>
-        <p:nvSpPr>
-          <p:cNvPr id="3" name="Segnaposto contenuto 2"/>
-          <p:cNvSpPr>
-            <a:spLocks noGrp="1"/>
-          </p:cNvSpPr>
-          <p:nvPr>
-            <p:ph idx="1"/>
-          </p:nvPr>
-        </p:nvSpPr>
-        <p:spPr/>
-        <p:txBody>
-          <a:bodyPr/>
-          <a:lstStyle/>
-          <a:p>
-            <a:pPr/>
-            <a:r>
-              <a:rPr lang="it-IT" b="1" dirty="0">
-                <a:solidFill>
-                  <a:schemeClr val="accent1">
-                    <a:lumMod val="50000"/>
-                  </a:schemeClr>
-                </a:solidFill>
-                <a:latin typeface="Arial" panose="020B0604020202020204" pitchFamily="34" charset="0"/>
-                <a:ea typeface="Cambria Math" panose="02040503050406030204" pitchFamily="18" charset="0"/>
-                <a:cs typeface="Arial" panose="020B0604020202020204" pitchFamily="34" charset="0"/>
-              </a:rPr>
-              <a:t>Performance</a:t>
-            </a:r>
-          </a:p>
-        </p:txBody>
-      </p:sp>
-      <p:sp>
-        <p:nvSpPr>
-          <p:cNvPr id="9" name="CasellaDiTesto 8">
-            <a:extLst>
-              <a:ext uri="{FF2B5EF4-FFF2-40B4-BE49-F238E27FC236}">
-                <a16:creationId xmlns:a16="http://schemas.microsoft.com/office/drawing/2014/main" id="{53351752-2C56-364D-82D2-AE07AEAC8720}"/>
-              </a:ext>
-            </a:extLst>
-          </p:cNvPr>
-          <p:cNvSpPr txBox="1"/>
-          <p:nvPr/>
-        </p:nvSpPr>
-        <p:spPr>
-          <a:xfrm>
-            <a:off x="3194462" y="3847605"/>
-            <a:ext cx="184731" cy="369332"/>
-          </a:xfrm>
-          <a:prstGeom prst="rect">
-            <a:avLst/>
-          </a:prstGeom>
-          <a:noFill/>
-        </p:spPr>
-        <p:txBody>
-          <a:bodyPr wrap="none" rtlCol="0">
-            <a:spAutoFit/>
-          </a:bodyPr>
-          <a:lstStyle/>
-          <a:p>
-            <a:endParaRPr lang="it-IT" dirty="0"/>
-          </a:p>
-        </p:txBody>
-      </p:sp>
-      <p:grpSp>
-        <p:nvGrpSpPr>
-          <p:cNvPr id="4" name="Gruppo 3">
-            <a:extLst>
-              <a:ext uri="{FF2B5EF4-FFF2-40B4-BE49-F238E27FC236}">
-                <a16:creationId xmlns:a16="http://schemas.microsoft.com/office/drawing/2014/main" id="{6040EE21-EEFD-244F-9E14-637E5C21FEFF}"/>
-              </a:ext>
-            </a:extLst>
-          </p:cNvPr>
-          <p:cNvGrpSpPr/>
-          <p:nvPr/>
-        </p:nvGrpSpPr>
-        <p:grpSpPr>
-          <a:xfrm>
-            <a:off x="83127" y="6317672"/>
-            <a:ext cx="3063834" cy="344385"/>
-            <a:chOff x="83127" y="6317672"/>
-            <a:chExt cx="3063834" cy="344385"/>
-          </a:xfrm>
-        </p:grpSpPr>
-        <p:sp>
-          <p:nvSpPr>
-            <p:cNvPr id="5" name="Rettangolo 4">
-              <a:extLst>
-                <a:ext uri="{FF2B5EF4-FFF2-40B4-BE49-F238E27FC236}">
-                  <a16:creationId xmlns:a16="http://schemas.microsoft.com/office/drawing/2014/main" id="{BF4B3357-CDC2-2442-86C2-E5C7C2A7230E}"/>
-                </a:ext>
-              </a:extLst>
-            </p:cNvPr>
-            <p:cNvSpPr/>
-            <p:nvPr/>
-          </p:nvSpPr>
-          <p:spPr>
-            <a:xfrm>
-              <a:off x="83127" y="6317672"/>
-              <a:ext cx="3063834" cy="344385"/>
-            </a:xfrm>
-            <a:prstGeom prst="rect">
-              <a:avLst/>
-            </a:prstGeom>
-            <a:solidFill>
-              <a:srgbClr val="728FA5"/>
-            </a:solidFill>
-            <a:ln>
-              <a:noFill/>
-            </a:ln>
-          </p:spPr>
-          <p:style>
-            <a:lnRef idx="0">
-              <a:scrgbClr r="0" g="0" b="0"/>
-            </a:lnRef>
-            <a:fillRef idx="0">
-              <a:scrgbClr r="0" g="0" b="0"/>
-            </a:fillRef>
-            <a:effectRef idx="0">
-              <a:scrgbClr r="0" g="0" b="0"/>
-            </a:effectRef>
-            <a:fontRef idx="minor">
-              <a:schemeClr val="lt1"/>
-            </a:fontRef>
-          </p:style>
-          <p:txBody>
-            <a:bodyPr rtlCol="0" anchor="ctr"/>
-            <a:lstStyle/>
-            <a:p>
-              <a:endParaRPr lang="it-IT" sz="1400" dirty="0"/>
-            </a:p>
-          </p:txBody>
-        </p:sp>
-        <p:sp>
-          <p:nvSpPr>
-            <p:cNvPr id="8" name="Rettangolo 7">
-              <a:extLst>
-                <a:ext uri="{FF2B5EF4-FFF2-40B4-BE49-F238E27FC236}">
-                  <a16:creationId xmlns:a16="http://schemas.microsoft.com/office/drawing/2014/main" id="{5586F461-EC0C-D148-A5B3-CCDFE544B77E}"/>
-                </a:ext>
-              </a:extLst>
-            </p:cNvPr>
-            <p:cNvSpPr/>
-            <p:nvPr/>
-          </p:nvSpPr>
-          <p:spPr>
-            <a:xfrm>
-              <a:off x="288521" y="6317672"/>
-              <a:ext cx="2858440" cy="344385"/>
-            </a:xfrm>
-            <a:prstGeom prst="rect">
-              <a:avLst/>
-            </a:prstGeom>
-            <a:solidFill>
-              <a:srgbClr val="728FA5"/>
-            </a:solidFill>
-            <a:ln>
-              <a:noFill/>
-            </a:ln>
-          </p:spPr>
-          <p:style>
-            <a:lnRef idx="0">
-              <a:scrgbClr r="0" g="0" b="0"/>
-            </a:lnRef>
-            <a:fillRef idx="0">
-              <a:scrgbClr r="0" g="0" b="0"/>
-            </a:fillRef>
-            <a:effectRef idx="0">
-              <a:scrgbClr r="0" g="0" b="0"/>
-            </a:effectRef>
-            <a:fontRef idx="minor">
-              <a:schemeClr val="lt1"/>
-            </a:fontRef>
-          </p:style>
-          <p:txBody>
-            <a:bodyPr rtlCol="0" anchor="ctr"/>
-            <a:lstStyle/>
-            <a:p>
-              <a:r>
-                <a:rPr lang="it-IT" sz="1400" dirty="0"/>
-                <a:t>Mirco Meazzo - 873477</a:t>
-              </a:r>
-            </a:p>
-          </p:txBody>
-        </p:sp>
-      </p:grpSp>
-      <p:sp>
-        <p:nvSpPr>
-          <p:cNvPr id="10" name="Titolo 1">
-            <a:extLst>
-              <a:ext uri="{FF2B5EF4-FFF2-40B4-BE49-F238E27FC236}">
-                <a16:creationId xmlns:a16="http://schemas.microsoft.com/office/drawing/2014/main" id="{8C8D6482-3CCE-E247-B568-E81C33294396}"/>
-              </a:ext>
-            </a:extLst>
-          </p:cNvPr>
-          <p:cNvSpPr>
-            <a:spLocks noGrp="1"/>
-          </p:cNvSpPr>
-          <p:nvPr>
-            <p:ph type="title"/>
-          </p:nvPr>
-        </p:nvSpPr>
-        <p:spPr/>
-        <p:txBody>
-          <a:bodyPr/>
-          <a:lstStyle/>
-          <a:p>
-            <a:r>
-              <a:rPr lang="it-IT" dirty="0"/>
-              <a:t>The Code</a:t>
-            </a:r>
-          </a:p>
-        </p:txBody>
-      </p:sp>
-      <p:pic>
-        <p:nvPicPr>
-          <p:cNvPr id="12" name="Immagine 11">
-            <a:extLst>
-              <a:ext uri="{FF2B5EF4-FFF2-40B4-BE49-F238E27FC236}">
-                <a16:creationId xmlns:a16="http://schemas.microsoft.com/office/drawing/2014/main" id="{84DA5D8D-A2EC-CA43-BD6D-AE2BEC2BFE29}"/>
-              </a:ext>
-            </a:extLst>
-          </p:cNvPr>
-          <p:cNvPicPr>
-            <a:picLocks noChangeAspect="1"/>
-          </p:cNvPicPr>
-          <p:nvPr/>
-        </p:nvPicPr>
-        <p:blipFill>
-          <a:blip r:embed="rId4"/>
-          <a:stretch>
-            <a:fillRect/>
-          </a:stretch>
-        </p:blipFill>
-        <p:spPr>
-          <a:xfrm>
-            <a:off x="4454747" y="2273801"/>
-            <a:ext cx="4689252" cy="3516939"/>
-          </a:xfrm>
-          <a:prstGeom prst="rect">
-            <a:avLst/>
-          </a:prstGeom>
-        </p:spPr>
-      </p:pic>
-    </p:spTree>
-    <p:extLst>
-      <p:ext uri="{BB962C8B-B14F-4D97-AF65-F5344CB8AC3E}">
-        <p14:creationId xmlns:p14="http://schemas.microsoft.com/office/powerpoint/2010/main" val="3020932139"/>
       </p:ext>
     </p:extLst>
   </p:cSld>
@@ -40164,6 +40928,1222 @@
     </p:spTree>
     <p:extLst>
       <p:ext uri="{BB962C8B-B14F-4D97-AF65-F5344CB8AC3E}">
+        <p14:creationId xmlns:p14="http://schemas.microsoft.com/office/powerpoint/2010/main" val="1855868134"/>
+      </p:ext>
+    </p:extLst>
+  </p:cSld>
+  <p:clrMapOvr>
+    <a:masterClrMapping/>
+  </p:clrMapOvr>
+</p:sld>
+</file>
+
+<file path=ppt/slides/slide21.xml><?xml version="1.0" encoding="utf-8"?>
+<p:sld xmlns:a="http://schemas.openxmlformats.org/drawingml/2006/main" xmlns:r="http://schemas.openxmlformats.org/officeDocument/2006/relationships" xmlns:p="http://schemas.openxmlformats.org/presentationml/2006/main">
+  <p:cSld>
+    <p:spTree>
+      <p:nvGrpSpPr>
+        <p:cNvPr id="1" name=""/>
+        <p:cNvGrpSpPr/>
+        <p:nvPr/>
+      </p:nvGrpSpPr>
+      <p:grpSpPr>
+        <a:xfrm>
+          <a:off x="0" y="0"/>
+          <a:ext cx="0" cy="0"/>
+          <a:chOff x="0" y="0"/>
+          <a:chExt cx="0" cy="0"/>
+        </a:xfrm>
+      </p:grpSpPr>
+      <p:pic>
+        <p:nvPicPr>
+          <p:cNvPr id="11" name="Immagine 10">
+            <a:extLst>
+              <a:ext uri="{FF2B5EF4-FFF2-40B4-BE49-F238E27FC236}">
+                <a16:creationId xmlns:a16="http://schemas.microsoft.com/office/drawing/2014/main" id="{06BDAB01-0D49-BB4F-A7D4-7CD8F022AE91}"/>
+              </a:ext>
+            </a:extLst>
+          </p:cNvPr>
+          <p:cNvPicPr>
+            <a:picLocks noChangeAspect="1"/>
+          </p:cNvPicPr>
+          <p:nvPr/>
+        </p:nvPicPr>
+        <p:blipFill>
+          <a:blip r:embed="rId3"/>
+          <a:stretch>
+            <a:fillRect/>
+          </a:stretch>
+        </p:blipFill>
+        <p:spPr>
+          <a:xfrm>
+            <a:off x="0" y="2289287"/>
+            <a:ext cx="4689252" cy="3516939"/>
+          </a:xfrm>
+          <a:prstGeom prst="rect">
+            <a:avLst/>
+          </a:prstGeom>
+        </p:spPr>
+      </p:pic>
+      <p:sp>
+        <p:nvSpPr>
+          <p:cNvPr id="3" name="Segnaposto contenuto 2"/>
+          <p:cNvSpPr>
+            <a:spLocks noGrp="1"/>
+          </p:cNvSpPr>
+          <p:nvPr>
+            <p:ph idx="1"/>
+          </p:nvPr>
+        </p:nvSpPr>
+        <p:spPr/>
+        <p:txBody>
+          <a:bodyPr/>
+          <a:lstStyle/>
+          <a:p>
+            <a:pPr/>
+            <a:r>
+              <a:rPr lang="it-IT" b="1" dirty="0">
+                <a:solidFill>
+                  <a:schemeClr val="accent1">
+                    <a:lumMod val="50000"/>
+                  </a:schemeClr>
+                </a:solidFill>
+                <a:latin typeface="Arial" panose="020B0604020202020204" pitchFamily="34" charset="0"/>
+                <a:ea typeface="Cambria Math" panose="02040503050406030204" pitchFamily="18" charset="0"/>
+                <a:cs typeface="Arial" panose="020B0604020202020204" pitchFamily="34" charset="0"/>
+              </a:rPr>
+              <a:t>Performance</a:t>
+            </a:r>
+          </a:p>
+        </p:txBody>
+      </p:sp>
+      <p:sp>
+        <p:nvSpPr>
+          <p:cNvPr id="9" name="CasellaDiTesto 8">
+            <a:extLst>
+              <a:ext uri="{FF2B5EF4-FFF2-40B4-BE49-F238E27FC236}">
+                <a16:creationId xmlns:a16="http://schemas.microsoft.com/office/drawing/2014/main" id="{53351752-2C56-364D-82D2-AE07AEAC8720}"/>
+              </a:ext>
+            </a:extLst>
+          </p:cNvPr>
+          <p:cNvSpPr txBox="1"/>
+          <p:nvPr/>
+        </p:nvSpPr>
+        <p:spPr>
+          <a:xfrm>
+            <a:off x="3194462" y="3847605"/>
+            <a:ext cx="184731" cy="369332"/>
+          </a:xfrm>
+          <a:prstGeom prst="rect">
+            <a:avLst/>
+          </a:prstGeom>
+          <a:noFill/>
+        </p:spPr>
+        <p:txBody>
+          <a:bodyPr wrap="none" rtlCol="0">
+            <a:spAutoFit/>
+          </a:bodyPr>
+          <a:lstStyle/>
+          <a:p>
+            <a:endParaRPr lang="it-IT" dirty="0"/>
+          </a:p>
+        </p:txBody>
+      </p:sp>
+      <p:grpSp>
+        <p:nvGrpSpPr>
+          <p:cNvPr id="4" name="Gruppo 3">
+            <a:extLst>
+              <a:ext uri="{FF2B5EF4-FFF2-40B4-BE49-F238E27FC236}">
+                <a16:creationId xmlns:a16="http://schemas.microsoft.com/office/drawing/2014/main" id="{6040EE21-EEFD-244F-9E14-637E5C21FEFF}"/>
+              </a:ext>
+            </a:extLst>
+          </p:cNvPr>
+          <p:cNvGrpSpPr/>
+          <p:nvPr/>
+        </p:nvGrpSpPr>
+        <p:grpSpPr>
+          <a:xfrm>
+            <a:off x="83127" y="6317672"/>
+            <a:ext cx="3063834" cy="344385"/>
+            <a:chOff x="83127" y="6317672"/>
+            <a:chExt cx="3063834" cy="344385"/>
+          </a:xfrm>
+        </p:grpSpPr>
+        <p:sp>
+          <p:nvSpPr>
+            <p:cNvPr id="5" name="Rettangolo 4">
+              <a:extLst>
+                <a:ext uri="{FF2B5EF4-FFF2-40B4-BE49-F238E27FC236}">
+                  <a16:creationId xmlns:a16="http://schemas.microsoft.com/office/drawing/2014/main" id="{BF4B3357-CDC2-2442-86C2-E5C7C2A7230E}"/>
+                </a:ext>
+              </a:extLst>
+            </p:cNvPr>
+            <p:cNvSpPr/>
+            <p:nvPr/>
+          </p:nvSpPr>
+          <p:spPr>
+            <a:xfrm>
+              <a:off x="83127" y="6317672"/>
+              <a:ext cx="3063834" cy="344385"/>
+            </a:xfrm>
+            <a:prstGeom prst="rect">
+              <a:avLst/>
+            </a:prstGeom>
+            <a:solidFill>
+              <a:srgbClr val="728FA5"/>
+            </a:solidFill>
+            <a:ln>
+              <a:noFill/>
+            </a:ln>
+          </p:spPr>
+          <p:style>
+            <a:lnRef idx="0">
+              <a:scrgbClr r="0" g="0" b="0"/>
+            </a:lnRef>
+            <a:fillRef idx="0">
+              <a:scrgbClr r="0" g="0" b="0"/>
+            </a:fillRef>
+            <a:effectRef idx="0">
+              <a:scrgbClr r="0" g="0" b="0"/>
+            </a:effectRef>
+            <a:fontRef idx="minor">
+              <a:schemeClr val="lt1"/>
+            </a:fontRef>
+          </p:style>
+          <p:txBody>
+            <a:bodyPr rtlCol="0" anchor="ctr"/>
+            <a:lstStyle/>
+            <a:p>
+              <a:endParaRPr lang="it-IT" sz="1400" dirty="0"/>
+            </a:p>
+          </p:txBody>
+        </p:sp>
+        <p:sp>
+          <p:nvSpPr>
+            <p:cNvPr id="8" name="Rettangolo 7">
+              <a:extLst>
+                <a:ext uri="{FF2B5EF4-FFF2-40B4-BE49-F238E27FC236}">
+                  <a16:creationId xmlns:a16="http://schemas.microsoft.com/office/drawing/2014/main" id="{5586F461-EC0C-D148-A5B3-CCDFE544B77E}"/>
+                </a:ext>
+              </a:extLst>
+            </p:cNvPr>
+            <p:cNvSpPr/>
+            <p:nvPr/>
+          </p:nvSpPr>
+          <p:spPr>
+            <a:xfrm>
+              <a:off x="288521" y="6317672"/>
+              <a:ext cx="2858440" cy="344385"/>
+            </a:xfrm>
+            <a:prstGeom prst="rect">
+              <a:avLst/>
+            </a:prstGeom>
+            <a:solidFill>
+              <a:srgbClr val="728FA5"/>
+            </a:solidFill>
+            <a:ln>
+              <a:noFill/>
+            </a:ln>
+          </p:spPr>
+          <p:style>
+            <a:lnRef idx="0">
+              <a:scrgbClr r="0" g="0" b="0"/>
+            </a:lnRef>
+            <a:fillRef idx="0">
+              <a:scrgbClr r="0" g="0" b="0"/>
+            </a:fillRef>
+            <a:effectRef idx="0">
+              <a:scrgbClr r="0" g="0" b="0"/>
+            </a:effectRef>
+            <a:fontRef idx="minor">
+              <a:schemeClr val="lt1"/>
+            </a:fontRef>
+          </p:style>
+          <p:txBody>
+            <a:bodyPr rtlCol="0" anchor="ctr"/>
+            <a:lstStyle/>
+            <a:p>
+              <a:r>
+                <a:rPr lang="it-IT" sz="1400" dirty="0"/>
+                <a:t>Mirco Meazzo - 873477</a:t>
+              </a:r>
+            </a:p>
+          </p:txBody>
+        </p:sp>
+      </p:grpSp>
+      <p:sp>
+        <p:nvSpPr>
+          <p:cNvPr id="10" name="Titolo 1">
+            <a:extLst>
+              <a:ext uri="{FF2B5EF4-FFF2-40B4-BE49-F238E27FC236}">
+                <a16:creationId xmlns:a16="http://schemas.microsoft.com/office/drawing/2014/main" id="{8C8D6482-3CCE-E247-B568-E81C33294396}"/>
+              </a:ext>
+            </a:extLst>
+          </p:cNvPr>
+          <p:cNvSpPr>
+            <a:spLocks noGrp="1"/>
+          </p:cNvSpPr>
+          <p:nvPr>
+            <p:ph type="title"/>
+          </p:nvPr>
+        </p:nvSpPr>
+        <p:spPr/>
+        <p:txBody>
+          <a:bodyPr/>
+          <a:lstStyle/>
+          <a:p>
+            <a:r>
+              <a:rPr lang="it-IT" dirty="0"/>
+              <a:t>The Code</a:t>
+            </a:r>
+          </a:p>
+        </p:txBody>
+      </p:sp>
+      <p:pic>
+        <p:nvPicPr>
+          <p:cNvPr id="12" name="Immagine 11">
+            <a:extLst>
+              <a:ext uri="{FF2B5EF4-FFF2-40B4-BE49-F238E27FC236}">
+                <a16:creationId xmlns:a16="http://schemas.microsoft.com/office/drawing/2014/main" id="{84DA5D8D-A2EC-CA43-BD6D-AE2BEC2BFE29}"/>
+              </a:ext>
+            </a:extLst>
+          </p:cNvPr>
+          <p:cNvPicPr>
+            <a:picLocks noChangeAspect="1"/>
+          </p:cNvPicPr>
+          <p:nvPr/>
+        </p:nvPicPr>
+        <p:blipFill>
+          <a:blip r:embed="rId4"/>
+          <a:stretch>
+            <a:fillRect/>
+          </a:stretch>
+        </p:blipFill>
+        <p:spPr>
+          <a:xfrm>
+            <a:off x="4454747" y="2273801"/>
+            <a:ext cx="4689252" cy="3516939"/>
+          </a:xfrm>
+          <a:prstGeom prst="rect">
+            <a:avLst/>
+          </a:prstGeom>
+        </p:spPr>
+      </p:pic>
+    </p:spTree>
+    <p:extLst>
+      <p:ext uri="{BB962C8B-B14F-4D97-AF65-F5344CB8AC3E}">
+        <p14:creationId xmlns:p14="http://schemas.microsoft.com/office/powerpoint/2010/main" val="93771135"/>
+      </p:ext>
+    </p:extLst>
+  </p:cSld>
+  <p:clrMapOvr>
+    <a:masterClrMapping/>
+  </p:clrMapOvr>
+</p:sld>
+</file>
+
+<file path=ppt/slides/slide22.xml><?xml version="1.0" encoding="utf-8"?>
+<p:sld xmlns:a="http://schemas.openxmlformats.org/drawingml/2006/main" xmlns:r="http://schemas.openxmlformats.org/officeDocument/2006/relationships" xmlns:p="http://schemas.openxmlformats.org/presentationml/2006/main">
+  <p:cSld>
+    <p:spTree>
+      <p:nvGrpSpPr>
+        <p:cNvPr id="1" name=""/>
+        <p:cNvGrpSpPr/>
+        <p:nvPr/>
+      </p:nvGrpSpPr>
+      <p:grpSpPr>
+        <a:xfrm>
+          <a:off x="0" y="0"/>
+          <a:ext cx="0" cy="0"/>
+          <a:chOff x="0" y="0"/>
+          <a:chExt cx="0" cy="0"/>
+        </a:xfrm>
+      </p:grpSpPr>
+      <p:pic>
+        <p:nvPicPr>
+          <p:cNvPr id="11" name="Immagine 10">
+            <a:extLst>
+              <a:ext uri="{FF2B5EF4-FFF2-40B4-BE49-F238E27FC236}">
+                <a16:creationId xmlns:a16="http://schemas.microsoft.com/office/drawing/2014/main" id="{06BDAB01-0D49-BB4F-A7D4-7CD8F022AE91}"/>
+              </a:ext>
+            </a:extLst>
+          </p:cNvPr>
+          <p:cNvPicPr>
+            <a:picLocks noChangeAspect="1"/>
+          </p:cNvPicPr>
+          <p:nvPr/>
+        </p:nvPicPr>
+        <p:blipFill>
+          <a:blip r:embed="rId3"/>
+          <a:stretch>
+            <a:fillRect/>
+          </a:stretch>
+        </p:blipFill>
+        <p:spPr>
+          <a:xfrm>
+            <a:off x="0" y="2289287"/>
+            <a:ext cx="4689252" cy="3516939"/>
+          </a:xfrm>
+          <a:prstGeom prst="rect">
+            <a:avLst/>
+          </a:prstGeom>
+        </p:spPr>
+      </p:pic>
+      <p:sp>
+        <p:nvSpPr>
+          <p:cNvPr id="3" name="Segnaposto contenuto 2"/>
+          <p:cNvSpPr>
+            <a:spLocks noGrp="1"/>
+          </p:cNvSpPr>
+          <p:nvPr>
+            <p:ph idx="1"/>
+          </p:nvPr>
+        </p:nvSpPr>
+        <p:spPr/>
+        <p:txBody>
+          <a:bodyPr/>
+          <a:lstStyle/>
+          <a:p>
+            <a:pPr/>
+            <a:r>
+              <a:rPr lang="it-IT" b="1" dirty="0">
+                <a:solidFill>
+                  <a:schemeClr val="accent1">
+                    <a:lumMod val="50000"/>
+                  </a:schemeClr>
+                </a:solidFill>
+                <a:latin typeface="Arial" panose="020B0604020202020204" pitchFamily="34" charset="0"/>
+                <a:ea typeface="Cambria Math" panose="02040503050406030204" pitchFamily="18" charset="0"/>
+                <a:cs typeface="Arial" panose="020B0604020202020204" pitchFamily="34" charset="0"/>
+              </a:rPr>
+              <a:t>Performance</a:t>
+            </a:r>
+          </a:p>
+        </p:txBody>
+      </p:sp>
+      <p:sp>
+        <p:nvSpPr>
+          <p:cNvPr id="9" name="CasellaDiTesto 8">
+            <a:extLst>
+              <a:ext uri="{FF2B5EF4-FFF2-40B4-BE49-F238E27FC236}">
+                <a16:creationId xmlns:a16="http://schemas.microsoft.com/office/drawing/2014/main" id="{53351752-2C56-364D-82D2-AE07AEAC8720}"/>
+              </a:ext>
+            </a:extLst>
+          </p:cNvPr>
+          <p:cNvSpPr txBox="1"/>
+          <p:nvPr/>
+        </p:nvSpPr>
+        <p:spPr>
+          <a:xfrm>
+            <a:off x="3194462" y="3847605"/>
+            <a:ext cx="184731" cy="369332"/>
+          </a:xfrm>
+          <a:prstGeom prst="rect">
+            <a:avLst/>
+          </a:prstGeom>
+          <a:noFill/>
+        </p:spPr>
+        <p:txBody>
+          <a:bodyPr wrap="none" rtlCol="0">
+            <a:spAutoFit/>
+          </a:bodyPr>
+          <a:lstStyle/>
+          <a:p>
+            <a:endParaRPr lang="it-IT" dirty="0"/>
+          </a:p>
+        </p:txBody>
+      </p:sp>
+      <p:grpSp>
+        <p:nvGrpSpPr>
+          <p:cNvPr id="4" name="Gruppo 3">
+            <a:extLst>
+              <a:ext uri="{FF2B5EF4-FFF2-40B4-BE49-F238E27FC236}">
+                <a16:creationId xmlns:a16="http://schemas.microsoft.com/office/drawing/2014/main" id="{6040EE21-EEFD-244F-9E14-637E5C21FEFF}"/>
+              </a:ext>
+            </a:extLst>
+          </p:cNvPr>
+          <p:cNvGrpSpPr/>
+          <p:nvPr/>
+        </p:nvGrpSpPr>
+        <p:grpSpPr>
+          <a:xfrm>
+            <a:off x="83127" y="6317672"/>
+            <a:ext cx="3063834" cy="344385"/>
+            <a:chOff x="83127" y="6317672"/>
+            <a:chExt cx="3063834" cy="344385"/>
+          </a:xfrm>
+        </p:grpSpPr>
+        <p:sp>
+          <p:nvSpPr>
+            <p:cNvPr id="5" name="Rettangolo 4">
+              <a:extLst>
+                <a:ext uri="{FF2B5EF4-FFF2-40B4-BE49-F238E27FC236}">
+                  <a16:creationId xmlns:a16="http://schemas.microsoft.com/office/drawing/2014/main" id="{BF4B3357-CDC2-2442-86C2-E5C7C2A7230E}"/>
+                </a:ext>
+              </a:extLst>
+            </p:cNvPr>
+            <p:cNvSpPr/>
+            <p:nvPr/>
+          </p:nvSpPr>
+          <p:spPr>
+            <a:xfrm>
+              <a:off x="83127" y="6317672"/>
+              <a:ext cx="3063834" cy="344385"/>
+            </a:xfrm>
+            <a:prstGeom prst="rect">
+              <a:avLst/>
+            </a:prstGeom>
+            <a:solidFill>
+              <a:srgbClr val="728FA5"/>
+            </a:solidFill>
+            <a:ln>
+              <a:noFill/>
+            </a:ln>
+          </p:spPr>
+          <p:style>
+            <a:lnRef idx="0">
+              <a:scrgbClr r="0" g="0" b="0"/>
+            </a:lnRef>
+            <a:fillRef idx="0">
+              <a:scrgbClr r="0" g="0" b="0"/>
+            </a:fillRef>
+            <a:effectRef idx="0">
+              <a:scrgbClr r="0" g="0" b="0"/>
+            </a:effectRef>
+            <a:fontRef idx="minor">
+              <a:schemeClr val="lt1"/>
+            </a:fontRef>
+          </p:style>
+          <p:txBody>
+            <a:bodyPr rtlCol="0" anchor="ctr"/>
+            <a:lstStyle/>
+            <a:p>
+              <a:endParaRPr lang="it-IT" sz="1400" dirty="0"/>
+            </a:p>
+          </p:txBody>
+        </p:sp>
+        <p:sp>
+          <p:nvSpPr>
+            <p:cNvPr id="8" name="Rettangolo 7">
+              <a:extLst>
+                <a:ext uri="{FF2B5EF4-FFF2-40B4-BE49-F238E27FC236}">
+                  <a16:creationId xmlns:a16="http://schemas.microsoft.com/office/drawing/2014/main" id="{5586F461-EC0C-D148-A5B3-CCDFE544B77E}"/>
+                </a:ext>
+              </a:extLst>
+            </p:cNvPr>
+            <p:cNvSpPr/>
+            <p:nvPr/>
+          </p:nvSpPr>
+          <p:spPr>
+            <a:xfrm>
+              <a:off x="288521" y="6317672"/>
+              <a:ext cx="2858440" cy="344385"/>
+            </a:xfrm>
+            <a:prstGeom prst="rect">
+              <a:avLst/>
+            </a:prstGeom>
+            <a:solidFill>
+              <a:srgbClr val="728FA5"/>
+            </a:solidFill>
+            <a:ln>
+              <a:noFill/>
+            </a:ln>
+          </p:spPr>
+          <p:style>
+            <a:lnRef idx="0">
+              <a:scrgbClr r="0" g="0" b="0"/>
+            </a:lnRef>
+            <a:fillRef idx="0">
+              <a:scrgbClr r="0" g="0" b="0"/>
+            </a:fillRef>
+            <a:effectRef idx="0">
+              <a:scrgbClr r="0" g="0" b="0"/>
+            </a:effectRef>
+            <a:fontRef idx="minor">
+              <a:schemeClr val="lt1"/>
+            </a:fontRef>
+          </p:style>
+          <p:txBody>
+            <a:bodyPr rtlCol="0" anchor="ctr"/>
+            <a:lstStyle/>
+            <a:p>
+              <a:r>
+                <a:rPr lang="it-IT" sz="1400" dirty="0"/>
+                <a:t>Mirco Meazzo - 873477</a:t>
+              </a:r>
+            </a:p>
+          </p:txBody>
+        </p:sp>
+      </p:grpSp>
+      <p:sp>
+        <p:nvSpPr>
+          <p:cNvPr id="10" name="Titolo 1">
+            <a:extLst>
+              <a:ext uri="{FF2B5EF4-FFF2-40B4-BE49-F238E27FC236}">
+                <a16:creationId xmlns:a16="http://schemas.microsoft.com/office/drawing/2014/main" id="{8C8D6482-3CCE-E247-B568-E81C33294396}"/>
+              </a:ext>
+            </a:extLst>
+          </p:cNvPr>
+          <p:cNvSpPr>
+            <a:spLocks noGrp="1"/>
+          </p:cNvSpPr>
+          <p:nvPr>
+            <p:ph type="title"/>
+          </p:nvPr>
+        </p:nvSpPr>
+        <p:spPr/>
+        <p:txBody>
+          <a:bodyPr/>
+          <a:lstStyle/>
+          <a:p>
+            <a:r>
+              <a:rPr lang="it-IT" dirty="0"/>
+              <a:t>The Code</a:t>
+            </a:r>
+          </a:p>
+        </p:txBody>
+      </p:sp>
+      <p:pic>
+        <p:nvPicPr>
+          <p:cNvPr id="12" name="Immagine 11">
+            <a:extLst>
+              <a:ext uri="{FF2B5EF4-FFF2-40B4-BE49-F238E27FC236}">
+                <a16:creationId xmlns:a16="http://schemas.microsoft.com/office/drawing/2014/main" id="{84DA5D8D-A2EC-CA43-BD6D-AE2BEC2BFE29}"/>
+              </a:ext>
+            </a:extLst>
+          </p:cNvPr>
+          <p:cNvPicPr>
+            <a:picLocks noChangeAspect="1"/>
+          </p:cNvPicPr>
+          <p:nvPr/>
+        </p:nvPicPr>
+        <p:blipFill>
+          <a:blip r:embed="rId4"/>
+          <a:stretch>
+            <a:fillRect/>
+          </a:stretch>
+        </p:blipFill>
+        <p:spPr>
+          <a:xfrm>
+            <a:off x="4454747" y="2273801"/>
+            <a:ext cx="4689252" cy="3516939"/>
+          </a:xfrm>
+          <a:prstGeom prst="rect">
+            <a:avLst/>
+          </a:prstGeom>
+        </p:spPr>
+      </p:pic>
+    </p:spTree>
+    <p:extLst>
+      <p:ext uri="{BB962C8B-B14F-4D97-AF65-F5344CB8AC3E}">
+        <p14:creationId xmlns:p14="http://schemas.microsoft.com/office/powerpoint/2010/main" val="688053239"/>
+      </p:ext>
+    </p:extLst>
+  </p:cSld>
+  <p:clrMapOvr>
+    <a:masterClrMapping/>
+  </p:clrMapOvr>
+</p:sld>
+</file>
+
+<file path=ppt/slides/slide23.xml><?xml version="1.0" encoding="utf-8"?>
+<p:sld xmlns:a="http://schemas.openxmlformats.org/drawingml/2006/main" xmlns:r="http://schemas.openxmlformats.org/officeDocument/2006/relationships" xmlns:p="http://schemas.openxmlformats.org/presentationml/2006/main">
+  <p:cSld>
+    <p:spTree>
+      <p:nvGrpSpPr>
+        <p:cNvPr id="1" name=""/>
+        <p:cNvGrpSpPr/>
+        <p:nvPr/>
+      </p:nvGrpSpPr>
+      <p:grpSpPr>
+        <a:xfrm>
+          <a:off x="0" y="0"/>
+          <a:ext cx="0" cy="0"/>
+          <a:chOff x="0" y="0"/>
+          <a:chExt cx="0" cy="0"/>
+        </a:xfrm>
+      </p:grpSpPr>
+      <p:pic>
+        <p:nvPicPr>
+          <p:cNvPr id="11" name="Immagine 10">
+            <a:extLst>
+              <a:ext uri="{FF2B5EF4-FFF2-40B4-BE49-F238E27FC236}">
+                <a16:creationId xmlns:a16="http://schemas.microsoft.com/office/drawing/2014/main" id="{06BDAB01-0D49-BB4F-A7D4-7CD8F022AE91}"/>
+              </a:ext>
+            </a:extLst>
+          </p:cNvPr>
+          <p:cNvPicPr>
+            <a:picLocks noChangeAspect="1"/>
+          </p:cNvPicPr>
+          <p:nvPr/>
+        </p:nvPicPr>
+        <p:blipFill>
+          <a:blip r:embed="rId3"/>
+          <a:stretch>
+            <a:fillRect/>
+          </a:stretch>
+        </p:blipFill>
+        <p:spPr>
+          <a:xfrm>
+            <a:off x="0" y="2289287"/>
+            <a:ext cx="4689252" cy="3516939"/>
+          </a:xfrm>
+          <a:prstGeom prst="rect">
+            <a:avLst/>
+          </a:prstGeom>
+        </p:spPr>
+      </p:pic>
+      <p:sp>
+        <p:nvSpPr>
+          <p:cNvPr id="3" name="Segnaposto contenuto 2"/>
+          <p:cNvSpPr>
+            <a:spLocks noGrp="1"/>
+          </p:cNvSpPr>
+          <p:nvPr>
+            <p:ph idx="1"/>
+          </p:nvPr>
+        </p:nvSpPr>
+        <p:spPr/>
+        <p:txBody>
+          <a:bodyPr/>
+          <a:lstStyle/>
+          <a:p>
+            <a:pPr/>
+            <a:r>
+              <a:rPr lang="it-IT" b="1" dirty="0">
+                <a:solidFill>
+                  <a:schemeClr val="accent1">
+                    <a:lumMod val="50000"/>
+                  </a:schemeClr>
+                </a:solidFill>
+                <a:latin typeface="Arial" panose="020B0604020202020204" pitchFamily="34" charset="0"/>
+                <a:ea typeface="Cambria Math" panose="02040503050406030204" pitchFamily="18" charset="0"/>
+                <a:cs typeface="Arial" panose="020B0604020202020204" pitchFamily="34" charset="0"/>
+              </a:rPr>
+              <a:t>Performance</a:t>
+            </a:r>
+          </a:p>
+        </p:txBody>
+      </p:sp>
+      <p:sp>
+        <p:nvSpPr>
+          <p:cNvPr id="9" name="CasellaDiTesto 8">
+            <a:extLst>
+              <a:ext uri="{FF2B5EF4-FFF2-40B4-BE49-F238E27FC236}">
+                <a16:creationId xmlns:a16="http://schemas.microsoft.com/office/drawing/2014/main" id="{53351752-2C56-364D-82D2-AE07AEAC8720}"/>
+              </a:ext>
+            </a:extLst>
+          </p:cNvPr>
+          <p:cNvSpPr txBox="1"/>
+          <p:nvPr/>
+        </p:nvSpPr>
+        <p:spPr>
+          <a:xfrm>
+            <a:off x="3194462" y="3847605"/>
+            <a:ext cx="184731" cy="369332"/>
+          </a:xfrm>
+          <a:prstGeom prst="rect">
+            <a:avLst/>
+          </a:prstGeom>
+          <a:noFill/>
+        </p:spPr>
+        <p:txBody>
+          <a:bodyPr wrap="none" rtlCol="0">
+            <a:spAutoFit/>
+          </a:bodyPr>
+          <a:lstStyle/>
+          <a:p>
+            <a:endParaRPr lang="it-IT" dirty="0"/>
+          </a:p>
+        </p:txBody>
+      </p:sp>
+      <p:grpSp>
+        <p:nvGrpSpPr>
+          <p:cNvPr id="4" name="Gruppo 3">
+            <a:extLst>
+              <a:ext uri="{FF2B5EF4-FFF2-40B4-BE49-F238E27FC236}">
+                <a16:creationId xmlns:a16="http://schemas.microsoft.com/office/drawing/2014/main" id="{6040EE21-EEFD-244F-9E14-637E5C21FEFF}"/>
+              </a:ext>
+            </a:extLst>
+          </p:cNvPr>
+          <p:cNvGrpSpPr/>
+          <p:nvPr/>
+        </p:nvGrpSpPr>
+        <p:grpSpPr>
+          <a:xfrm>
+            <a:off x="83127" y="6317672"/>
+            <a:ext cx="3063834" cy="344385"/>
+            <a:chOff x="83127" y="6317672"/>
+            <a:chExt cx="3063834" cy="344385"/>
+          </a:xfrm>
+        </p:grpSpPr>
+        <p:sp>
+          <p:nvSpPr>
+            <p:cNvPr id="5" name="Rettangolo 4">
+              <a:extLst>
+                <a:ext uri="{FF2B5EF4-FFF2-40B4-BE49-F238E27FC236}">
+                  <a16:creationId xmlns:a16="http://schemas.microsoft.com/office/drawing/2014/main" id="{BF4B3357-CDC2-2442-86C2-E5C7C2A7230E}"/>
+                </a:ext>
+              </a:extLst>
+            </p:cNvPr>
+            <p:cNvSpPr/>
+            <p:nvPr/>
+          </p:nvSpPr>
+          <p:spPr>
+            <a:xfrm>
+              <a:off x="83127" y="6317672"/>
+              <a:ext cx="3063834" cy="344385"/>
+            </a:xfrm>
+            <a:prstGeom prst="rect">
+              <a:avLst/>
+            </a:prstGeom>
+            <a:solidFill>
+              <a:srgbClr val="728FA5"/>
+            </a:solidFill>
+            <a:ln>
+              <a:noFill/>
+            </a:ln>
+          </p:spPr>
+          <p:style>
+            <a:lnRef idx="0">
+              <a:scrgbClr r="0" g="0" b="0"/>
+            </a:lnRef>
+            <a:fillRef idx="0">
+              <a:scrgbClr r="0" g="0" b="0"/>
+            </a:fillRef>
+            <a:effectRef idx="0">
+              <a:scrgbClr r="0" g="0" b="0"/>
+            </a:effectRef>
+            <a:fontRef idx="minor">
+              <a:schemeClr val="lt1"/>
+            </a:fontRef>
+          </p:style>
+          <p:txBody>
+            <a:bodyPr rtlCol="0" anchor="ctr"/>
+            <a:lstStyle/>
+            <a:p>
+              <a:endParaRPr lang="it-IT" sz="1400" dirty="0"/>
+            </a:p>
+          </p:txBody>
+        </p:sp>
+        <p:sp>
+          <p:nvSpPr>
+            <p:cNvPr id="8" name="Rettangolo 7">
+              <a:extLst>
+                <a:ext uri="{FF2B5EF4-FFF2-40B4-BE49-F238E27FC236}">
+                  <a16:creationId xmlns:a16="http://schemas.microsoft.com/office/drawing/2014/main" id="{5586F461-EC0C-D148-A5B3-CCDFE544B77E}"/>
+                </a:ext>
+              </a:extLst>
+            </p:cNvPr>
+            <p:cNvSpPr/>
+            <p:nvPr/>
+          </p:nvSpPr>
+          <p:spPr>
+            <a:xfrm>
+              <a:off x="288521" y="6317672"/>
+              <a:ext cx="2858440" cy="344385"/>
+            </a:xfrm>
+            <a:prstGeom prst="rect">
+              <a:avLst/>
+            </a:prstGeom>
+            <a:solidFill>
+              <a:srgbClr val="728FA5"/>
+            </a:solidFill>
+            <a:ln>
+              <a:noFill/>
+            </a:ln>
+          </p:spPr>
+          <p:style>
+            <a:lnRef idx="0">
+              <a:scrgbClr r="0" g="0" b="0"/>
+            </a:lnRef>
+            <a:fillRef idx="0">
+              <a:scrgbClr r="0" g="0" b="0"/>
+            </a:fillRef>
+            <a:effectRef idx="0">
+              <a:scrgbClr r="0" g="0" b="0"/>
+            </a:effectRef>
+            <a:fontRef idx="minor">
+              <a:schemeClr val="lt1"/>
+            </a:fontRef>
+          </p:style>
+          <p:txBody>
+            <a:bodyPr rtlCol="0" anchor="ctr"/>
+            <a:lstStyle/>
+            <a:p>
+              <a:r>
+                <a:rPr lang="it-IT" sz="1400" dirty="0"/>
+                <a:t>Mirco Meazzo - 873477</a:t>
+              </a:r>
+            </a:p>
+          </p:txBody>
+        </p:sp>
+      </p:grpSp>
+      <p:sp>
+        <p:nvSpPr>
+          <p:cNvPr id="10" name="Titolo 1">
+            <a:extLst>
+              <a:ext uri="{FF2B5EF4-FFF2-40B4-BE49-F238E27FC236}">
+                <a16:creationId xmlns:a16="http://schemas.microsoft.com/office/drawing/2014/main" id="{8C8D6482-3CCE-E247-B568-E81C33294396}"/>
+              </a:ext>
+            </a:extLst>
+          </p:cNvPr>
+          <p:cNvSpPr>
+            <a:spLocks noGrp="1"/>
+          </p:cNvSpPr>
+          <p:nvPr>
+            <p:ph type="title"/>
+          </p:nvPr>
+        </p:nvSpPr>
+        <p:spPr/>
+        <p:txBody>
+          <a:bodyPr/>
+          <a:lstStyle/>
+          <a:p>
+            <a:r>
+              <a:rPr lang="it-IT" dirty="0"/>
+              <a:t>The Code</a:t>
+            </a:r>
+          </a:p>
+        </p:txBody>
+      </p:sp>
+      <p:pic>
+        <p:nvPicPr>
+          <p:cNvPr id="12" name="Immagine 11">
+            <a:extLst>
+              <a:ext uri="{FF2B5EF4-FFF2-40B4-BE49-F238E27FC236}">
+                <a16:creationId xmlns:a16="http://schemas.microsoft.com/office/drawing/2014/main" id="{84DA5D8D-A2EC-CA43-BD6D-AE2BEC2BFE29}"/>
+              </a:ext>
+            </a:extLst>
+          </p:cNvPr>
+          <p:cNvPicPr>
+            <a:picLocks noChangeAspect="1"/>
+          </p:cNvPicPr>
+          <p:nvPr/>
+        </p:nvPicPr>
+        <p:blipFill>
+          <a:blip r:embed="rId4"/>
+          <a:stretch>
+            <a:fillRect/>
+          </a:stretch>
+        </p:blipFill>
+        <p:spPr>
+          <a:xfrm>
+            <a:off x="4454747" y="2273801"/>
+            <a:ext cx="4689252" cy="3516939"/>
+          </a:xfrm>
+          <a:prstGeom prst="rect">
+            <a:avLst/>
+          </a:prstGeom>
+        </p:spPr>
+      </p:pic>
+    </p:spTree>
+    <p:extLst>
+      <p:ext uri="{BB962C8B-B14F-4D97-AF65-F5344CB8AC3E}">
+        <p14:creationId xmlns:p14="http://schemas.microsoft.com/office/powerpoint/2010/main" val="3020932139"/>
+      </p:ext>
+    </p:extLst>
+  </p:cSld>
+  <p:clrMapOvr>
+    <a:masterClrMapping/>
+  </p:clrMapOvr>
+</p:sld>
+</file>
+
+<file path=ppt/slides/slide24.xml><?xml version="1.0" encoding="utf-8"?>
+<p:sld xmlns:a="http://schemas.openxmlformats.org/drawingml/2006/main" xmlns:r="http://schemas.openxmlformats.org/officeDocument/2006/relationships" xmlns:p="http://schemas.openxmlformats.org/presentationml/2006/main">
+  <p:cSld>
+    <p:spTree>
+      <p:nvGrpSpPr>
+        <p:cNvPr id="1" name=""/>
+        <p:cNvGrpSpPr/>
+        <p:nvPr/>
+      </p:nvGrpSpPr>
+      <p:grpSpPr>
+        <a:xfrm>
+          <a:off x="0" y="0"/>
+          <a:ext cx="0" cy="0"/>
+          <a:chOff x="0" y="0"/>
+          <a:chExt cx="0" cy="0"/>
+        </a:xfrm>
+      </p:grpSpPr>
+      <p:pic>
+        <p:nvPicPr>
+          <p:cNvPr id="11" name="Immagine 10">
+            <a:extLst>
+              <a:ext uri="{FF2B5EF4-FFF2-40B4-BE49-F238E27FC236}">
+                <a16:creationId xmlns:a16="http://schemas.microsoft.com/office/drawing/2014/main" id="{06BDAB01-0D49-BB4F-A7D4-7CD8F022AE91}"/>
+              </a:ext>
+            </a:extLst>
+          </p:cNvPr>
+          <p:cNvPicPr>
+            <a:picLocks noChangeAspect="1"/>
+          </p:cNvPicPr>
+          <p:nvPr/>
+        </p:nvPicPr>
+        <p:blipFill>
+          <a:blip r:embed="rId3"/>
+          <a:stretch>
+            <a:fillRect/>
+          </a:stretch>
+        </p:blipFill>
+        <p:spPr>
+          <a:xfrm>
+            <a:off x="0" y="2289287"/>
+            <a:ext cx="4689252" cy="3516939"/>
+          </a:xfrm>
+          <a:prstGeom prst="rect">
+            <a:avLst/>
+          </a:prstGeom>
+        </p:spPr>
+      </p:pic>
+      <p:sp>
+        <p:nvSpPr>
+          <p:cNvPr id="3" name="Segnaposto contenuto 2"/>
+          <p:cNvSpPr>
+            <a:spLocks noGrp="1"/>
+          </p:cNvSpPr>
+          <p:nvPr>
+            <p:ph idx="1"/>
+          </p:nvPr>
+        </p:nvSpPr>
+        <p:spPr/>
+        <p:txBody>
+          <a:bodyPr/>
+          <a:lstStyle/>
+          <a:p>
+            <a:pPr/>
+            <a:r>
+              <a:rPr lang="it-IT" b="1" dirty="0">
+                <a:solidFill>
+                  <a:schemeClr val="accent1">
+                    <a:lumMod val="50000"/>
+                  </a:schemeClr>
+                </a:solidFill>
+                <a:latin typeface="Arial" panose="020B0604020202020204" pitchFamily="34" charset="0"/>
+                <a:ea typeface="Cambria Math" panose="02040503050406030204" pitchFamily="18" charset="0"/>
+                <a:cs typeface="Arial" panose="020B0604020202020204" pitchFamily="34" charset="0"/>
+              </a:rPr>
+              <a:t>Performance</a:t>
+            </a:r>
+          </a:p>
+        </p:txBody>
+      </p:sp>
+      <p:sp>
+        <p:nvSpPr>
+          <p:cNvPr id="9" name="CasellaDiTesto 8">
+            <a:extLst>
+              <a:ext uri="{FF2B5EF4-FFF2-40B4-BE49-F238E27FC236}">
+                <a16:creationId xmlns:a16="http://schemas.microsoft.com/office/drawing/2014/main" id="{53351752-2C56-364D-82D2-AE07AEAC8720}"/>
+              </a:ext>
+            </a:extLst>
+          </p:cNvPr>
+          <p:cNvSpPr txBox="1"/>
+          <p:nvPr/>
+        </p:nvSpPr>
+        <p:spPr>
+          <a:xfrm>
+            <a:off x="3194462" y="3847605"/>
+            <a:ext cx="184731" cy="369332"/>
+          </a:xfrm>
+          <a:prstGeom prst="rect">
+            <a:avLst/>
+          </a:prstGeom>
+          <a:noFill/>
+        </p:spPr>
+        <p:txBody>
+          <a:bodyPr wrap="none" rtlCol="0">
+            <a:spAutoFit/>
+          </a:bodyPr>
+          <a:lstStyle/>
+          <a:p>
+            <a:endParaRPr lang="it-IT" dirty="0"/>
+          </a:p>
+        </p:txBody>
+      </p:sp>
+      <p:grpSp>
+        <p:nvGrpSpPr>
+          <p:cNvPr id="4" name="Gruppo 3">
+            <a:extLst>
+              <a:ext uri="{FF2B5EF4-FFF2-40B4-BE49-F238E27FC236}">
+                <a16:creationId xmlns:a16="http://schemas.microsoft.com/office/drawing/2014/main" id="{6040EE21-EEFD-244F-9E14-637E5C21FEFF}"/>
+              </a:ext>
+            </a:extLst>
+          </p:cNvPr>
+          <p:cNvGrpSpPr/>
+          <p:nvPr/>
+        </p:nvGrpSpPr>
+        <p:grpSpPr>
+          <a:xfrm>
+            <a:off x="83127" y="6317672"/>
+            <a:ext cx="3063834" cy="344385"/>
+            <a:chOff x="83127" y="6317672"/>
+            <a:chExt cx="3063834" cy="344385"/>
+          </a:xfrm>
+        </p:grpSpPr>
+        <p:sp>
+          <p:nvSpPr>
+            <p:cNvPr id="5" name="Rettangolo 4">
+              <a:extLst>
+                <a:ext uri="{FF2B5EF4-FFF2-40B4-BE49-F238E27FC236}">
+                  <a16:creationId xmlns:a16="http://schemas.microsoft.com/office/drawing/2014/main" id="{BF4B3357-CDC2-2442-86C2-E5C7C2A7230E}"/>
+                </a:ext>
+              </a:extLst>
+            </p:cNvPr>
+            <p:cNvSpPr/>
+            <p:nvPr/>
+          </p:nvSpPr>
+          <p:spPr>
+            <a:xfrm>
+              <a:off x="83127" y="6317672"/>
+              <a:ext cx="3063834" cy="344385"/>
+            </a:xfrm>
+            <a:prstGeom prst="rect">
+              <a:avLst/>
+            </a:prstGeom>
+            <a:solidFill>
+              <a:srgbClr val="728FA5"/>
+            </a:solidFill>
+            <a:ln>
+              <a:noFill/>
+            </a:ln>
+          </p:spPr>
+          <p:style>
+            <a:lnRef idx="0">
+              <a:scrgbClr r="0" g="0" b="0"/>
+            </a:lnRef>
+            <a:fillRef idx="0">
+              <a:scrgbClr r="0" g="0" b="0"/>
+            </a:fillRef>
+            <a:effectRef idx="0">
+              <a:scrgbClr r="0" g="0" b="0"/>
+            </a:effectRef>
+            <a:fontRef idx="minor">
+              <a:schemeClr val="lt1"/>
+            </a:fontRef>
+          </p:style>
+          <p:txBody>
+            <a:bodyPr rtlCol="0" anchor="ctr"/>
+            <a:lstStyle/>
+            <a:p>
+              <a:endParaRPr lang="it-IT" sz="1400" dirty="0"/>
+            </a:p>
+          </p:txBody>
+        </p:sp>
+        <p:sp>
+          <p:nvSpPr>
+            <p:cNvPr id="8" name="Rettangolo 7">
+              <a:extLst>
+                <a:ext uri="{FF2B5EF4-FFF2-40B4-BE49-F238E27FC236}">
+                  <a16:creationId xmlns:a16="http://schemas.microsoft.com/office/drawing/2014/main" id="{5586F461-EC0C-D148-A5B3-CCDFE544B77E}"/>
+                </a:ext>
+              </a:extLst>
+            </p:cNvPr>
+            <p:cNvSpPr/>
+            <p:nvPr/>
+          </p:nvSpPr>
+          <p:spPr>
+            <a:xfrm>
+              <a:off x="288521" y="6317672"/>
+              <a:ext cx="2858440" cy="344385"/>
+            </a:xfrm>
+            <a:prstGeom prst="rect">
+              <a:avLst/>
+            </a:prstGeom>
+            <a:solidFill>
+              <a:srgbClr val="728FA5"/>
+            </a:solidFill>
+            <a:ln>
+              <a:noFill/>
+            </a:ln>
+          </p:spPr>
+          <p:style>
+            <a:lnRef idx="0">
+              <a:scrgbClr r="0" g="0" b="0"/>
+            </a:lnRef>
+            <a:fillRef idx="0">
+              <a:scrgbClr r="0" g="0" b="0"/>
+            </a:fillRef>
+            <a:effectRef idx="0">
+              <a:scrgbClr r="0" g="0" b="0"/>
+            </a:effectRef>
+            <a:fontRef idx="minor">
+              <a:schemeClr val="lt1"/>
+            </a:fontRef>
+          </p:style>
+          <p:txBody>
+            <a:bodyPr rtlCol="0" anchor="ctr"/>
+            <a:lstStyle/>
+            <a:p>
+              <a:r>
+                <a:rPr lang="it-IT" sz="1400" dirty="0"/>
+                <a:t>Mirco Meazzo - 873477</a:t>
+              </a:r>
+            </a:p>
+          </p:txBody>
+        </p:sp>
+      </p:grpSp>
+      <p:sp>
+        <p:nvSpPr>
+          <p:cNvPr id="10" name="Titolo 1">
+            <a:extLst>
+              <a:ext uri="{FF2B5EF4-FFF2-40B4-BE49-F238E27FC236}">
+                <a16:creationId xmlns:a16="http://schemas.microsoft.com/office/drawing/2014/main" id="{8C8D6482-3CCE-E247-B568-E81C33294396}"/>
+              </a:ext>
+            </a:extLst>
+          </p:cNvPr>
+          <p:cNvSpPr>
+            <a:spLocks noGrp="1"/>
+          </p:cNvSpPr>
+          <p:nvPr>
+            <p:ph type="title"/>
+          </p:nvPr>
+        </p:nvSpPr>
+        <p:spPr/>
+        <p:txBody>
+          <a:bodyPr/>
+          <a:lstStyle/>
+          <a:p>
+            <a:r>
+              <a:rPr lang="it-IT" dirty="0"/>
+              <a:t>The Code</a:t>
+            </a:r>
+          </a:p>
+        </p:txBody>
+      </p:sp>
+      <p:pic>
+        <p:nvPicPr>
+          <p:cNvPr id="12" name="Immagine 11">
+            <a:extLst>
+              <a:ext uri="{FF2B5EF4-FFF2-40B4-BE49-F238E27FC236}">
+                <a16:creationId xmlns:a16="http://schemas.microsoft.com/office/drawing/2014/main" id="{84DA5D8D-A2EC-CA43-BD6D-AE2BEC2BFE29}"/>
+              </a:ext>
+            </a:extLst>
+          </p:cNvPr>
+          <p:cNvPicPr>
+            <a:picLocks noChangeAspect="1"/>
+          </p:cNvPicPr>
+          <p:nvPr/>
+        </p:nvPicPr>
+        <p:blipFill>
+          <a:blip r:embed="rId4"/>
+          <a:stretch>
+            <a:fillRect/>
+          </a:stretch>
+        </p:blipFill>
+        <p:spPr>
+          <a:xfrm>
+            <a:off x="4454747" y="2273801"/>
+            <a:ext cx="4689252" cy="3516939"/>
+          </a:xfrm>
+          <a:prstGeom prst="rect">
+            <a:avLst/>
+          </a:prstGeom>
+        </p:spPr>
+      </p:pic>
+    </p:spTree>
+    <p:extLst>
+      <p:ext uri="{BB962C8B-B14F-4D97-AF65-F5344CB8AC3E}">
         <p14:creationId xmlns:p14="http://schemas.microsoft.com/office/powerpoint/2010/main" val="3610253171"/>
       </p:ext>
     </p:extLst>
@@ -40174,7 +42154,7 @@
 </p:sld>
 </file>
 
-<file path=ppt/slides/slide21.xml><?xml version="1.0" encoding="utf-8"?>
+<file path=ppt/slides/slide25.xml><?xml version="1.0" encoding="utf-8"?>
 <p:sld xmlns:a="http://schemas.openxmlformats.org/drawingml/2006/main" xmlns:r="http://schemas.openxmlformats.org/officeDocument/2006/relationships" xmlns:p="http://schemas.openxmlformats.org/presentationml/2006/main">
   <p:cSld>
     <p:spTree>
@@ -40403,7 +42383,7 @@
 </p:sld>
 </file>
 
-<file path=ppt/slides/slide22.xml><?xml version="1.0" encoding="utf-8"?>
+<file path=ppt/slides/slide26.xml><?xml version="1.0" encoding="utf-8"?>
 <p:sld xmlns:a="http://schemas.openxmlformats.org/drawingml/2006/main" xmlns:r="http://schemas.openxmlformats.org/officeDocument/2006/relationships" xmlns:p="http://schemas.openxmlformats.org/presentationml/2006/main">
   <p:cSld>
     <p:spTree>
@@ -41394,7 +43374,7 @@
 </p:sld>
 </file>
 
-<file path=ppt/slides/slide23.xml><?xml version="1.0" encoding="utf-8"?>
+<file path=ppt/slides/slide27.xml><?xml version="1.0" encoding="utf-8"?>
 <p:sld xmlns:a="http://schemas.openxmlformats.org/drawingml/2006/main" xmlns:r="http://schemas.openxmlformats.org/officeDocument/2006/relationships" xmlns:p="http://schemas.openxmlformats.org/presentationml/2006/main">
   <p:cSld>
     <p:spTree>
@@ -41801,7 +43781,7 @@
 </p:sld>
 </file>
 
-<file path=ppt/slides/slide24.xml><?xml version="1.0" encoding="utf-8"?>
+<file path=ppt/slides/slide28.xml><?xml version="1.0" encoding="utf-8"?>
 <p:sld xmlns:a="http://schemas.openxmlformats.org/drawingml/2006/main" xmlns:r="http://schemas.openxmlformats.org/officeDocument/2006/relationships" xmlns:p="http://schemas.openxmlformats.org/presentationml/2006/main">
   <p:cSld>
     <p:spTree>
@@ -42178,7 +44158,7 @@
 </p:sld>
 </file>
 
-<file path=ppt/slides/slide25.xml><?xml version="1.0" encoding="utf-8"?>
+<file path=ppt/slides/slide29.xml><?xml version="1.0" encoding="utf-8"?>
 <p:sld xmlns:a="http://schemas.openxmlformats.org/drawingml/2006/main" xmlns:r="http://schemas.openxmlformats.org/officeDocument/2006/relationships" xmlns:p="http://schemas.openxmlformats.org/presentationml/2006/main">
   <p:cSld>
     <p:spTree>
@@ -42555,7 +44535,194 @@
 </p:sld>
 </file>
 
-<file path=ppt/slides/slide26.xml><?xml version="1.0" encoding="utf-8"?>
+<file path=ppt/slides/slide3.xml><?xml version="1.0" encoding="utf-8"?>
+<p:sld xmlns:a="http://schemas.openxmlformats.org/drawingml/2006/main" xmlns:r="http://schemas.openxmlformats.org/officeDocument/2006/relationships" xmlns:p="http://schemas.openxmlformats.org/presentationml/2006/main">
+  <p:cSld>
+    <p:spTree>
+      <p:nvGrpSpPr>
+        <p:cNvPr id="1" name=""/>
+        <p:cNvGrpSpPr/>
+        <p:nvPr/>
+      </p:nvGrpSpPr>
+      <p:grpSpPr>
+        <a:xfrm>
+          <a:off x="0" y="0"/>
+          <a:ext cx="0" cy="0"/>
+          <a:chOff x="0" y="0"/>
+          <a:chExt cx="0" cy="0"/>
+        </a:xfrm>
+      </p:grpSpPr>
+      <p:sp>
+        <p:nvSpPr>
+          <p:cNvPr id="2" name="Titolo 1">
+            <a:extLst>
+              <a:ext uri="{FF2B5EF4-FFF2-40B4-BE49-F238E27FC236}">
+                <a16:creationId xmlns:a16="http://schemas.microsoft.com/office/drawing/2014/main" id="{29DEBB23-8600-8447-8217-F4704728958C}"/>
+              </a:ext>
+            </a:extLst>
+          </p:cNvPr>
+          <p:cNvSpPr>
+            <a:spLocks noGrp="1"/>
+          </p:cNvSpPr>
+          <p:nvPr>
+            <p:ph type="title"/>
+          </p:nvPr>
+        </p:nvSpPr>
+        <p:spPr/>
+        <p:txBody>
+          <a:bodyPr/>
+          <a:lstStyle/>
+          <a:p>
+            <a:r>
+              <a:rPr lang="it-IT" dirty="0" err="1"/>
+              <a:t>Summary</a:t>
+            </a:r>
+            <a:endParaRPr lang="it-IT" dirty="0"/>
+          </a:p>
+        </p:txBody>
+      </p:sp>
+      <p:graphicFrame>
+        <p:nvGraphicFramePr>
+          <p:cNvPr id="4" name="Segnaposto contenuto 3">
+            <a:extLst>
+              <a:ext uri="{FF2B5EF4-FFF2-40B4-BE49-F238E27FC236}">
+                <a16:creationId xmlns:a16="http://schemas.microsoft.com/office/drawing/2014/main" id="{740710D4-BCDA-4446-8952-338BE60B649E}"/>
+              </a:ext>
+            </a:extLst>
+          </p:cNvPr>
+          <p:cNvGraphicFramePr>
+            <a:graphicFrameLocks noGrp="1"/>
+          </p:cNvGraphicFramePr>
+          <p:nvPr>
+            <p:ph idx="1"/>
+          </p:nvPr>
+        </p:nvGraphicFramePr>
+        <p:xfrm>
+          <a:off x="-2259529" y="1379700"/>
+          <a:ext cx="8323263" cy="4525963"/>
+        </p:xfrm>
+        <a:graphic>
+          <a:graphicData uri="http://schemas.openxmlformats.org/drawingml/2006/diagram">
+            <dgm:relIds xmlns:dgm="http://schemas.openxmlformats.org/drawingml/2006/diagram" xmlns:r="http://schemas.openxmlformats.org/officeDocument/2006/relationships" r:dm="rId2" r:lo="rId3" r:qs="rId4" r:cs="rId5"/>
+          </a:graphicData>
+        </a:graphic>
+      </p:graphicFrame>
+      <p:sp>
+        <p:nvSpPr>
+          <p:cNvPr id="7" name="Rettangolo 6">
+            <a:extLst>
+              <a:ext uri="{FF2B5EF4-FFF2-40B4-BE49-F238E27FC236}">
+                <a16:creationId xmlns:a16="http://schemas.microsoft.com/office/drawing/2014/main" id="{90506E7B-D7EB-5B42-BB41-2B105C8284FD}"/>
+              </a:ext>
+            </a:extLst>
+          </p:cNvPr>
+          <p:cNvSpPr/>
+          <p:nvPr/>
+        </p:nvSpPr>
+        <p:spPr>
+          <a:xfrm>
+            <a:off x="142504" y="6305797"/>
+            <a:ext cx="3028208" cy="344385"/>
+          </a:xfrm>
+          <a:prstGeom prst="rect">
+            <a:avLst/>
+          </a:prstGeom>
+          <a:solidFill>
+            <a:srgbClr val="728FA5"/>
+          </a:solidFill>
+          <a:ln>
+            <a:noFill/>
+          </a:ln>
+        </p:spPr>
+        <p:style>
+          <a:lnRef idx="0">
+            <a:scrgbClr r="0" g="0" b="0"/>
+          </a:lnRef>
+          <a:fillRef idx="0">
+            <a:scrgbClr r="0" g="0" b="0"/>
+          </a:fillRef>
+          <a:effectRef idx="0">
+            <a:scrgbClr r="0" g="0" b="0"/>
+          </a:effectRef>
+          <a:fontRef idx="minor">
+            <a:schemeClr val="lt1"/>
+          </a:fontRef>
+        </p:style>
+        <p:txBody>
+          <a:bodyPr rtlCol="0" anchor="ctr"/>
+          <a:lstStyle/>
+          <a:p>
+            <a:pPr algn="ctr"/>
+            <a:endParaRPr lang="it-IT"/>
+          </a:p>
+        </p:txBody>
+      </p:sp>
+      <p:sp>
+        <p:nvSpPr>
+          <p:cNvPr id="10" name="Rettangolo 9">
+            <a:extLst>
+              <a:ext uri="{FF2B5EF4-FFF2-40B4-BE49-F238E27FC236}">
+                <a16:creationId xmlns:a16="http://schemas.microsoft.com/office/drawing/2014/main" id="{61AAF7CD-7882-214C-A416-FFA273827622}"/>
+              </a:ext>
+            </a:extLst>
+          </p:cNvPr>
+          <p:cNvSpPr/>
+          <p:nvPr/>
+        </p:nvSpPr>
+        <p:spPr>
+          <a:xfrm>
+            <a:off x="288521" y="6317672"/>
+            <a:ext cx="2858440" cy="344385"/>
+          </a:xfrm>
+          <a:prstGeom prst="rect">
+            <a:avLst/>
+          </a:prstGeom>
+          <a:solidFill>
+            <a:srgbClr val="728FA5"/>
+          </a:solidFill>
+          <a:ln>
+            <a:noFill/>
+          </a:ln>
+        </p:spPr>
+        <p:style>
+          <a:lnRef idx="0">
+            <a:scrgbClr r="0" g="0" b="0"/>
+          </a:lnRef>
+          <a:fillRef idx="0">
+            <a:scrgbClr r="0" g="0" b="0"/>
+          </a:fillRef>
+          <a:effectRef idx="0">
+            <a:scrgbClr r="0" g="0" b="0"/>
+          </a:effectRef>
+          <a:fontRef idx="minor">
+            <a:schemeClr val="lt1"/>
+          </a:fontRef>
+        </p:style>
+        <p:txBody>
+          <a:bodyPr rtlCol="0" anchor="ctr"/>
+          <a:lstStyle/>
+          <a:p>
+            <a:r>
+              <a:rPr lang="it-IT" sz="1400" dirty="0"/>
+              <a:t>Mirco Meazzo - 873477</a:t>
+            </a:r>
+          </a:p>
+        </p:txBody>
+      </p:sp>
+    </p:spTree>
+    <p:extLst>
+      <p:ext uri="{BB962C8B-B14F-4D97-AF65-F5344CB8AC3E}">
+        <p14:creationId xmlns:p14="http://schemas.microsoft.com/office/powerpoint/2010/main" val="1453347171"/>
+      </p:ext>
+    </p:extLst>
+  </p:cSld>
+  <p:clrMapOvr>
+    <a:masterClrMapping/>
+  </p:clrMapOvr>
+</p:sld>
+</file>
+
+<file path=ppt/slides/slide30.xml><?xml version="1.0" encoding="utf-8"?>
 <p:sld xmlns:a="http://schemas.openxmlformats.org/drawingml/2006/main" xmlns:r="http://schemas.openxmlformats.org/officeDocument/2006/relationships" xmlns:p="http://schemas.openxmlformats.org/presentationml/2006/main">
   <p:cSld>
     <p:spTree>
@@ -42932,7 +45099,7 @@
 </p:sld>
 </file>
 
-<file path=ppt/slides/slide27.xml><?xml version="1.0" encoding="utf-8"?>
+<file path=ppt/slides/slide31.xml><?xml version="1.0" encoding="utf-8"?>
 <p:sld xmlns:a="http://schemas.openxmlformats.org/drawingml/2006/main" xmlns:r="http://schemas.openxmlformats.org/officeDocument/2006/relationships" xmlns:p="http://schemas.openxmlformats.org/presentationml/2006/main">
   <p:cSld>
     <p:spTree>
@@ -43327,7 +45494,7 @@
 </p:sld>
 </file>
 
-<file path=ppt/slides/slide28.xml><?xml version="1.0" encoding="utf-8"?>
+<file path=ppt/slides/slide32.xml><?xml version="1.0" encoding="utf-8"?>
 <p:sld xmlns:a="http://schemas.openxmlformats.org/drawingml/2006/main" xmlns:r="http://schemas.openxmlformats.org/officeDocument/2006/relationships" xmlns:p="http://schemas.openxmlformats.org/presentationml/2006/main">
   <p:cSld>
     <p:spTree>
@@ -43973,7 +46140,7 @@
 </p:sld>
 </file>
 
-<file path=ppt/slides/slide29.xml><?xml version="1.0" encoding="utf-8"?>
+<file path=ppt/slides/slide33.xml><?xml version="1.0" encoding="utf-8"?>
 <p:sld xmlns:a="http://schemas.openxmlformats.org/drawingml/2006/main" xmlns:r="http://schemas.openxmlformats.org/officeDocument/2006/relationships" xmlns:p="http://schemas.openxmlformats.org/presentationml/2006/main">
   <p:cSld>
     <p:spTree>
@@ -44373,194 +46540,7 @@
 </p:sld>
 </file>
 
-<file path=ppt/slides/slide3.xml><?xml version="1.0" encoding="utf-8"?>
-<p:sld xmlns:a="http://schemas.openxmlformats.org/drawingml/2006/main" xmlns:r="http://schemas.openxmlformats.org/officeDocument/2006/relationships" xmlns:p="http://schemas.openxmlformats.org/presentationml/2006/main">
-  <p:cSld>
-    <p:spTree>
-      <p:nvGrpSpPr>
-        <p:cNvPr id="1" name=""/>
-        <p:cNvGrpSpPr/>
-        <p:nvPr/>
-      </p:nvGrpSpPr>
-      <p:grpSpPr>
-        <a:xfrm>
-          <a:off x="0" y="0"/>
-          <a:ext cx="0" cy="0"/>
-          <a:chOff x="0" y="0"/>
-          <a:chExt cx="0" cy="0"/>
-        </a:xfrm>
-      </p:grpSpPr>
-      <p:sp>
-        <p:nvSpPr>
-          <p:cNvPr id="2" name="Titolo 1">
-            <a:extLst>
-              <a:ext uri="{FF2B5EF4-FFF2-40B4-BE49-F238E27FC236}">
-                <a16:creationId xmlns:a16="http://schemas.microsoft.com/office/drawing/2014/main" id="{29DEBB23-8600-8447-8217-F4704728958C}"/>
-              </a:ext>
-            </a:extLst>
-          </p:cNvPr>
-          <p:cNvSpPr>
-            <a:spLocks noGrp="1"/>
-          </p:cNvSpPr>
-          <p:nvPr>
-            <p:ph type="title"/>
-          </p:nvPr>
-        </p:nvSpPr>
-        <p:spPr/>
-        <p:txBody>
-          <a:bodyPr/>
-          <a:lstStyle/>
-          <a:p>
-            <a:r>
-              <a:rPr lang="it-IT" dirty="0" err="1"/>
-              <a:t>Summary</a:t>
-            </a:r>
-            <a:endParaRPr lang="it-IT" dirty="0"/>
-          </a:p>
-        </p:txBody>
-      </p:sp>
-      <p:graphicFrame>
-        <p:nvGraphicFramePr>
-          <p:cNvPr id="4" name="Segnaposto contenuto 3">
-            <a:extLst>
-              <a:ext uri="{FF2B5EF4-FFF2-40B4-BE49-F238E27FC236}">
-                <a16:creationId xmlns:a16="http://schemas.microsoft.com/office/drawing/2014/main" id="{740710D4-BCDA-4446-8952-338BE60B649E}"/>
-              </a:ext>
-            </a:extLst>
-          </p:cNvPr>
-          <p:cNvGraphicFramePr>
-            <a:graphicFrameLocks noGrp="1"/>
-          </p:cNvGraphicFramePr>
-          <p:nvPr>
-            <p:ph idx="1"/>
-          </p:nvPr>
-        </p:nvGraphicFramePr>
-        <p:xfrm>
-          <a:off x="-2259529" y="1379700"/>
-          <a:ext cx="8323263" cy="4525963"/>
-        </p:xfrm>
-        <a:graphic>
-          <a:graphicData uri="http://schemas.openxmlformats.org/drawingml/2006/diagram">
-            <dgm:relIds xmlns:dgm="http://schemas.openxmlformats.org/drawingml/2006/diagram" xmlns:r="http://schemas.openxmlformats.org/officeDocument/2006/relationships" r:dm="rId2" r:lo="rId3" r:qs="rId4" r:cs="rId5"/>
-          </a:graphicData>
-        </a:graphic>
-      </p:graphicFrame>
-      <p:sp>
-        <p:nvSpPr>
-          <p:cNvPr id="7" name="Rettangolo 6">
-            <a:extLst>
-              <a:ext uri="{FF2B5EF4-FFF2-40B4-BE49-F238E27FC236}">
-                <a16:creationId xmlns:a16="http://schemas.microsoft.com/office/drawing/2014/main" id="{90506E7B-D7EB-5B42-BB41-2B105C8284FD}"/>
-              </a:ext>
-            </a:extLst>
-          </p:cNvPr>
-          <p:cNvSpPr/>
-          <p:nvPr/>
-        </p:nvSpPr>
-        <p:spPr>
-          <a:xfrm>
-            <a:off x="142504" y="6305797"/>
-            <a:ext cx="3028208" cy="344385"/>
-          </a:xfrm>
-          <a:prstGeom prst="rect">
-            <a:avLst/>
-          </a:prstGeom>
-          <a:solidFill>
-            <a:srgbClr val="728FA5"/>
-          </a:solidFill>
-          <a:ln>
-            <a:noFill/>
-          </a:ln>
-        </p:spPr>
-        <p:style>
-          <a:lnRef idx="0">
-            <a:scrgbClr r="0" g="0" b="0"/>
-          </a:lnRef>
-          <a:fillRef idx="0">
-            <a:scrgbClr r="0" g="0" b="0"/>
-          </a:fillRef>
-          <a:effectRef idx="0">
-            <a:scrgbClr r="0" g="0" b="0"/>
-          </a:effectRef>
-          <a:fontRef idx="minor">
-            <a:schemeClr val="lt1"/>
-          </a:fontRef>
-        </p:style>
-        <p:txBody>
-          <a:bodyPr rtlCol="0" anchor="ctr"/>
-          <a:lstStyle/>
-          <a:p>
-            <a:pPr algn="ctr"/>
-            <a:endParaRPr lang="it-IT"/>
-          </a:p>
-        </p:txBody>
-      </p:sp>
-      <p:sp>
-        <p:nvSpPr>
-          <p:cNvPr id="10" name="Rettangolo 9">
-            <a:extLst>
-              <a:ext uri="{FF2B5EF4-FFF2-40B4-BE49-F238E27FC236}">
-                <a16:creationId xmlns:a16="http://schemas.microsoft.com/office/drawing/2014/main" id="{61AAF7CD-7882-214C-A416-FFA273827622}"/>
-              </a:ext>
-            </a:extLst>
-          </p:cNvPr>
-          <p:cNvSpPr/>
-          <p:nvPr/>
-        </p:nvSpPr>
-        <p:spPr>
-          <a:xfrm>
-            <a:off x="288521" y="6317672"/>
-            <a:ext cx="2858440" cy="344385"/>
-          </a:xfrm>
-          <a:prstGeom prst="rect">
-            <a:avLst/>
-          </a:prstGeom>
-          <a:solidFill>
-            <a:srgbClr val="728FA5"/>
-          </a:solidFill>
-          <a:ln>
-            <a:noFill/>
-          </a:ln>
-        </p:spPr>
-        <p:style>
-          <a:lnRef idx="0">
-            <a:scrgbClr r="0" g="0" b="0"/>
-          </a:lnRef>
-          <a:fillRef idx="0">
-            <a:scrgbClr r="0" g="0" b="0"/>
-          </a:fillRef>
-          <a:effectRef idx="0">
-            <a:scrgbClr r="0" g="0" b="0"/>
-          </a:effectRef>
-          <a:fontRef idx="minor">
-            <a:schemeClr val="lt1"/>
-          </a:fontRef>
-        </p:style>
-        <p:txBody>
-          <a:bodyPr rtlCol="0" anchor="ctr"/>
-          <a:lstStyle/>
-          <a:p>
-            <a:r>
-              <a:rPr lang="it-IT" sz="1400" dirty="0"/>
-              <a:t>Mirco Meazzo - 873477</a:t>
-            </a:r>
-          </a:p>
-        </p:txBody>
-      </p:sp>
-    </p:spTree>
-    <p:extLst>
-      <p:ext uri="{BB962C8B-B14F-4D97-AF65-F5344CB8AC3E}">
-        <p14:creationId xmlns:p14="http://schemas.microsoft.com/office/powerpoint/2010/main" val="1453347171"/>
-      </p:ext>
-    </p:extLst>
-  </p:cSld>
-  <p:clrMapOvr>
-    <a:masterClrMapping/>
-  </p:clrMapOvr>
-</p:sld>
-</file>
-
-<file path=ppt/slides/slide30.xml><?xml version="1.0" encoding="utf-8"?>
+<file path=ppt/slides/slide34.xml><?xml version="1.0" encoding="utf-8"?>
 <p:sld xmlns:a="http://schemas.openxmlformats.org/drawingml/2006/main" xmlns:r="http://schemas.openxmlformats.org/officeDocument/2006/relationships" xmlns:p="http://schemas.openxmlformats.org/presentationml/2006/main">
   <p:cSld>
     <p:spTree>
@@ -45210,7 +47190,7 @@
 </p:sld>
 </file>
 
-<file path=ppt/slides/slide31.xml><?xml version="1.0" encoding="utf-8"?>
+<file path=ppt/slides/slide35.xml><?xml version="1.0" encoding="utf-8"?>
 <p:sld xmlns:a="http://schemas.openxmlformats.org/drawingml/2006/main" xmlns:r="http://schemas.openxmlformats.org/officeDocument/2006/relationships" xmlns:p="http://schemas.openxmlformats.org/presentationml/2006/main">
   <p:cSld>
     <p:spTree>
@@ -47022,7 +49002,7 @@
 </p:sld>
 </file>
 
-<file path=ppt/slides/slide32.xml><?xml version="1.0" encoding="utf-8"?>
+<file path=ppt/slides/slide36.xml><?xml version="1.0" encoding="utf-8"?>
 <p:sld xmlns:a="http://schemas.openxmlformats.org/drawingml/2006/main" xmlns:r="http://schemas.openxmlformats.org/officeDocument/2006/relationships" xmlns:p="http://schemas.openxmlformats.org/presentationml/2006/main">
   <p:cSld>
     <p:spTree>
@@ -48078,7 +50058,7 @@
 </p:sld>
 </file>
 
-<file path=ppt/slides/slide33.xml><?xml version="1.0" encoding="utf-8"?>
+<file path=ppt/slides/slide37.xml><?xml version="1.0" encoding="utf-8"?>
 <p:sld xmlns:a="http://schemas.openxmlformats.org/drawingml/2006/main" xmlns:r="http://schemas.openxmlformats.org/officeDocument/2006/relationships" xmlns:p="http://schemas.openxmlformats.org/presentationml/2006/main">
   <p:cSld>
     <p:spTree>
@@ -48270,7 +50250,7 @@
 </p:sld>
 </file>
 
-<file path=ppt/slides/slide34.xml><?xml version="1.0" encoding="utf-8"?>
+<file path=ppt/slides/slide38.xml><?xml version="1.0" encoding="utf-8"?>
 <p:sld xmlns:a="http://schemas.openxmlformats.org/drawingml/2006/main" xmlns:r="http://schemas.openxmlformats.org/officeDocument/2006/relationships" xmlns:p="http://schemas.openxmlformats.org/presentationml/2006/main">
   <p:cSld>
     <p:spTree>
@@ -48634,7 +50614,7 @@
 </p:sld>
 </file>
 
-<file path=ppt/slides/slide35.xml><?xml version="1.0" encoding="utf-8"?>
+<file path=ppt/slides/slide39.xml><?xml version="1.0" encoding="utf-8"?>
 <p:sld xmlns:a="http://schemas.openxmlformats.org/drawingml/2006/main" xmlns:r="http://schemas.openxmlformats.org/officeDocument/2006/relationships" xmlns:p="http://schemas.openxmlformats.org/presentationml/2006/main">
   <p:cSld>
     <p:spTree>
@@ -49464,7 +51444,241 @@
 </p:sld>
 </file>
 
-<file path=ppt/slides/slide36.xml><?xml version="1.0" encoding="utf-8"?>
+<file path=ppt/slides/slide4.xml><?xml version="1.0" encoding="utf-8"?>
+<p:sld xmlns:a="http://schemas.openxmlformats.org/drawingml/2006/main" xmlns:r="http://schemas.openxmlformats.org/officeDocument/2006/relationships" xmlns:p="http://schemas.openxmlformats.org/presentationml/2006/main">
+  <p:cSld>
+    <p:bg>
+      <p:bgPr>
+        <a:solidFill>
+          <a:schemeClr val="bg1"/>
+        </a:solidFill>
+        <a:effectLst/>
+      </p:bgPr>
+    </p:bg>
+    <p:spTree>
+      <p:nvGrpSpPr>
+        <p:cNvPr id="1" name=""/>
+        <p:cNvGrpSpPr/>
+        <p:nvPr/>
+      </p:nvGrpSpPr>
+      <p:grpSpPr>
+        <a:xfrm>
+          <a:off x="0" y="0"/>
+          <a:ext cx="0" cy="0"/>
+          <a:chOff x="0" y="0"/>
+          <a:chExt cx="0" cy="0"/>
+        </a:xfrm>
+      </p:grpSpPr>
+      <p:sp>
+        <p:nvSpPr>
+          <p:cNvPr id="2" name="Titolo 1"/>
+          <p:cNvSpPr>
+            <a:spLocks noGrp="1"/>
+          </p:cNvSpPr>
+          <p:nvPr>
+            <p:ph type="title"/>
+          </p:nvPr>
+        </p:nvSpPr>
+        <p:spPr/>
+        <p:txBody>
+          <a:bodyPr/>
+          <a:lstStyle/>
+          <a:p>
+            <a:r>
+              <a:rPr lang="it-IT" dirty="0" err="1"/>
+              <a:t>Introduction</a:t>
+            </a:r>
+            <a:endParaRPr lang="it-IT" dirty="0"/>
+          </a:p>
+        </p:txBody>
+      </p:sp>
+      <p:sp>
+        <p:nvSpPr>
+          <p:cNvPr id="4" name="Segnaposto contenuto 2"/>
+          <p:cNvSpPr>
+            <a:spLocks noGrp="1"/>
+          </p:cNvSpPr>
+          <p:nvPr>
+            <p:ph idx="1"/>
+          </p:nvPr>
+        </p:nvSpPr>
+        <p:spPr>
+          <a:xfrm>
+            <a:off x="464242" y="1765025"/>
+            <a:ext cx="8229600" cy="1354138"/>
+          </a:xfrm>
+        </p:spPr>
+        <p:txBody>
+          <a:bodyPr>
+            <a:normAutofit/>
+          </a:bodyPr>
+          <a:lstStyle/>
+          <a:p>
+            <a:pPr>
+              <a:defRPr/>
+            </a:pPr>
+            <a:r>
+              <a:rPr lang="it-IT" b="1" kern="1200" dirty="0" err="1">
+                <a:solidFill>
+                  <a:srgbClr val="003F6E"/>
+                </a:solidFill>
+              </a:rPr>
+              <a:t>Problem</a:t>
+            </a:r>
+            <a:endParaRPr lang="it-IT" b="1" kern="1200" dirty="0">
+              <a:solidFill>
+                <a:srgbClr val="003F6E"/>
+              </a:solidFill>
+            </a:endParaRPr>
+          </a:p>
+        </p:txBody>
+      </p:sp>
+      <p:sp>
+        <p:nvSpPr>
+          <p:cNvPr id="20" name="Rettangolo 19">
+            <a:extLst>
+              <a:ext uri="{FF2B5EF4-FFF2-40B4-BE49-F238E27FC236}">
+                <a16:creationId xmlns:a16="http://schemas.microsoft.com/office/drawing/2014/main" id="{A4E9BCCF-4D4A-7E45-A212-19DCF57112AB}"/>
+              </a:ext>
+            </a:extLst>
+          </p:cNvPr>
+          <p:cNvSpPr/>
+          <p:nvPr/>
+        </p:nvSpPr>
+        <p:spPr>
+          <a:xfrm>
+            <a:off x="142504" y="6305797"/>
+            <a:ext cx="3028208" cy="344385"/>
+          </a:xfrm>
+          <a:prstGeom prst="rect">
+            <a:avLst/>
+          </a:prstGeom>
+          <a:solidFill>
+            <a:srgbClr val="728FA5"/>
+          </a:solidFill>
+          <a:ln>
+            <a:noFill/>
+          </a:ln>
+        </p:spPr>
+        <p:style>
+          <a:lnRef idx="0">
+            <a:scrgbClr r="0" g="0" b="0"/>
+          </a:lnRef>
+          <a:fillRef idx="0">
+            <a:scrgbClr r="0" g="0" b="0"/>
+          </a:fillRef>
+          <a:effectRef idx="0">
+            <a:scrgbClr r="0" g="0" b="0"/>
+          </a:effectRef>
+          <a:fontRef idx="minor">
+            <a:schemeClr val="lt1"/>
+          </a:fontRef>
+        </p:style>
+        <p:txBody>
+          <a:bodyPr rtlCol="0" anchor="ctr"/>
+          <a:lstStyle/>
+          <a:p>
+            <a:pPr algn="ctr"/>
+            <a:endParaRPr lang="it-IT"/>
+          </a:p>
+        </p:txBody>
+      </p:sp>
+      <p:sp>
+        <p:nvSpPr>
+          <p:cNvPr id="23" name="Rettangolo 22">
+            <a:extLst>
+              <a:ext uri="{FF2B5EF4-FFF2-40B4-BE49-F238E27FC236}">
+                <a16:creationId xmlns:a16="http://schemas.microsoft.com/office/drawing/2014/main" id="{EE007654-138F-224B-AD9C-A0636B62F617}"/>
+              </a:ext>
+            </a:extLst>
+          </p:cNvPr>
+          <p:cNvSpPr/>
+          <p:nvPr/>
+        </p:nvSpPr>
+        <p:spPr>
+          <a:xfrm>
+            <a:off x="288521" y="6317672"/>
+            <a:ext cx="2858440" cy="344385"/>
+          </a:xfrm>
+          <a:prstGeom prst="rect">
+            <a:avLst/>
+          </a:prstGeom>
+          <a:solidFill>
+            <a:srgbClr val="728FA5"/>
+          </a:solidFill>
+          <a:ln>
+            <a:noFill/>
+          </a:ln>
+        </p:spPr>
+        <p:style>
+          <a:lnRef idx="0">
+            <a:scrgbClr r="0" g="0" b="0"/>
+          </a:lnRef>
+          <a:fillRef idx="0">
+            <a:scrgbClr r="0" g="0" b="0"/>
+          </a:fillRef>
+          <a:effectRef idx="0">
+            <a:scrgbClr r="0" g="0" b="0"/>
+          </a:effectRef>
+          <a:fontRef idx="minor">
+            <a:schemeClr val="lt1"/>
+          </a:fontRef>
+        </p:style>
+        <p:txBody>
+          <a:bodyPr rtlCol="0" anchor="ctr"/>
+          <a:lstStyle/>
+          <a:p>
+            <a:r>
+              <a:rPr lang="it-IT" sz="1400" dirty="0"/>
+              <a:t>Mirco Meazzo - 873477</a:t>
+            </a:r>
+          </a:p>
+        </p:txBody>
+      </p:sp>
+      <p:pic>
+        <p:nvPicPr>
+          <p:cNvPr id="11" name="Immagine 10">
+            <a:extLst>
+              <a:ext uri="{FF2B5EF4-FFF2-40B4-BE49-F238E27FC236}">
+                <a16:creationId xmlns:a16="http://schemas.microsoft.com/office/drawing/2014/main" id="{3F6DD1DE-427A-454F-ADEE-78BA7558196E}"/>
+              </a:ext>
+            </a:extLst>
+          </p:cNvPr>
+          <p:cNvPicPr>
+            <a:picLocks noChangeAspect="1"/>
+          </p:cNvPicPr>
+          <p:nvPr/>
+        </p:nvPicPr>
+        <p:blipFill>
+          <a:blip r:embed="rId3"/>
+          <a:stretch>
+            <a:fillRect/>
+          </a:stretch>
+        </p:blipFill>
+        <p:spPr>
+          <a:xfrm>
+            <a:off x="1613592" y="2342522"/>
+            <a:ext cx="5930900" cy="3124200"/>
+          </a:xfrm>
+          <a:prstGeom prst="rect">
+            <a:avLst/>
+          </a:prstGeom>
+        </p:spPr>
+      </p:pic>
+    </p:spTree>
+    <p:extLst>
+      <p:ext uri="{BB962C8B-B14F-4D97-AF65-F5344CB8AC3E}">
+        <p14:creationId xmlns:p14="http://schemas.microsoft.com/office/powerpoint/2010/main" val="3383649683"/>
+      </p:ext>
+    </p:extLst>
+  </p:cSld>
+  <p:clrMapOvr>
+    <a:masterClrMapping/>
+  </p:clrMapOvr>
+</p:sld>
+</file>
+
+<file path=ppt/slides/slide40.xml><?xml version="1.0" encoding="utf-8"?>
 <p:sld xmlns:a="http://schemas.openxmlformats.org/drawingml/2006/main" xmlns:r="http://schemas.openxmlformats.org/officeDocument/2006/relationships" xmlns:p="http://schemas.openxmlformats.org/presentationml/2006/main">
   <p:cSld>
     <p:spTree>
@@ -54148,7 +56362,271 @@
 </p:sld>
 </file>
 
-<file path=ppt/slides/slide4.xml><?xml version="1.0" encoding="utf-8"?>
+<file path=ppt/slides/slide5.xml><?xml version="1.0" encoding="utf-8"?>
+<p:sld xmlns:a="http://schemas.openxmlformats.org/drawingml/2006/main" xmlns:r="http://schemas.openxmlformats.org/officeDocument/2006/relationships" xmlns:p="http://schemas.openxmlformats.org/presentationml/2006/main">
+  <p:cSld>
+    <p:bg>
+      <p:bgPr>
+        <a:solidFill>
+          <a:schemeClr val="bg1"/>
+        </a:solidFill>
+        <a:effectLst/>
+      </p:bgPr>
+    </p:bg>
+    <p:spTree>
+      <p:nvGrpSpPr>
+        <p:cNvPr id="1" name=""/>
+        <p:cNvGrpSpPr/>
+        <p:nvPr/>
+      </p:nvGrpSpPr>
+      <p:grpSpPr>
+        <a:xfrm>
+          <a:off x="0" y="0"/>
+          <a:ext cx="0" cy="0"/>
+          <a:chOff x="0" y="0"/>
+          <a:chExt cx="0" cy="0"/>
+        </a:xfrm>
+      </p:grpSpPr>
+      <p:sp>
+        <p:nvSpPr>
+          <p:cNvPr id="2" name="Titolo 1"/>
+          <p:cNvSpPr>
+            <a:spLocks noGrp="1"/>
+          </p:cNvSpPr>
+          <p:nvPr>
+            <p:ph type="title"/>
+          </p:nvPr>
+        </p:nvSpPr>
+        <p:spPr/>
+        <p:txBody>
+          <a:bodyPr/>
+          <a:lstStyle/>
+          <a:p>
+            <a:r>
+              <a:rPr lang="it-IT" dirty="0" err="1"/>
+              <a:t>Introduction</a:t>
+            </a:r>
+            <a:endParaRPr lang="it-IT" dirty="0"/>
+          </a:p>
+        </p:txBody>
+      </p:sp>
+      <p:sp>
+        <p:nvSpPr>
+          <p:cNvPr id="4" name="Segnaposto contenuto 2"/>
+          <p:cNvSpPr>
+            <a:spLocks noGrp="1"/>
+          </p:cNvSpPr>
+          <p:nvPr>
+            <p:ph idx="1"/>
+          </p:nvPr>
+        </p:nvSpPr>
+        <p:spPr>
+          <a:xfrm>
+            <a:off x="464242" y="1765025"/>
+            <a:ext cx="8229600" cy="1354138"/>
+          </a:xfrm>
+        </p:spPr>
+        <p:txBody>
+          <a:bodyPr>
+            <a:normAutofit/>
+          </a:bodyPr>
+          <a:lstStyle/>
+          <a:p>
+            <a:pPr>
+              <a:defRPr/>
+            </a:pPr>
+            <a:r>
+              <a:rPr lang="it-IT" b="1" kern="1200" dirty="0" err="1">
+                <a:solidFill>
+                  <a:srgbClr val="003F6E"/>
+                </a:solidFill>
+              </a:rPr>
+              <a:t>Problem</a:t>
+            </a:r>
+            <a:endParaRPr lang="it-IT" b="1" kern="1200" dirty="0">
+              <a:solidFill>
+                <a:srgbClr val="003F6E"/>
+              </a:solidFill>
+            </a:endParaRPr>
+          </a:p>
+        </p:txBody>
+      </p:sp>
+      <p:sp>
+        <p:nvSpPr>
+          <p:cNvPr id="20" name="Rettangolo 19">
+            <a:extLst>
+              <a:ext uri="{FF2B5EF4-FFF2-40B4-BE49-F238E27FC236}">
+                <a16:creationId xmlns:a16="http://schemas.microsoft.com/office/drawing/2014/main" id="{A4E9BCCF-4D4A-7E45-A212-19DCF57112AB}"/>
+              </a:ext>
+            </a:extLst>
+          </p:cNvPr>
+          <p:cNvSpPr/>
+          <p:nvPr/>
+        </p:nvSpPr>
+        <p:spPr>
+          <a:xfrm>
+            <a:off x="142504" y="6305797"/>
+            <a:ext cx="3028208" cy="344385"/>
+          </a:xfrm>
+          <a:prstGeom prst="rect">
+            <a:avLst/>
+          </a:prstGeom>
+          <a:solidFill>
+            <a:srgbClr val="728FA5"/>
+          </a:solidFill>
+          <a:ln>
+            <a:noFill/>
+          </a:ln>
+        </p:spPr>
+        <p:style>
+          <a:lnRef idx="0">
+            <a:scrgbClr r="0" g="0" b="0"/>
+          </a:lnRef>
+          <a:fillRef idx="0">
+            <a:scrgbClr r="0" g="0" b="0"/>
+          </a:fillRef>
+          <a:effectRef idx="0">
+            <a:scrgbClr r="0" g="0" b="0"/>
+          </a:effectRef>
+          <a:fontRef idx="minor">
+            <a:schemeClr val="lt1"/>
+          </a:fontRef>
+        </p:style>
+        <p:txBody>
+          <a:bodyPr rtlCol="0" anchor="ctr"/>
+          <a:lstStyle/>
+          <a:p>
+            <a:pPr algn="ctr"/>
+            <a:endParaRPr lang="it-IT"/>
+          </a:p>
+        </p:txBody>
+      </p:sp>
+      <p:sp>
+        <p:nvSpPr>
+          <p:cNvPr id="23" name="Rettangolo 22">
+            <a:extLst>
+              <a:ext uri="{FF2B5EF4-FFF2-40B4-BE49-F238E27FC236}">
+                <a16:creationId xmlns:a16="http://schemas.microsoft.com/office/drawing/2014/main" id="{EE007654-138F-224B-AD9C-A0636B62F617}"/>
+              </a:ext>
+            </a:extLst>
+          </p:cNvPr>
+          <p:cNvSpPr/>
+          <p:nvPr/>
+        </p:nvSpPr>
+        <p:spPr>
+          <a:xfrm>
+            <a:off x="288521" y="6317672"/>
+            <a:ext cx="2858440" cy="344385"/>
+          </a:xfrm>
+          <a:prstGeom prst="rect">
+            <a:avLst/>
+          </a:prstGeom>
+          <a:solidFill>
+            <a:srgbClr val="728FA5"/>
+          </a:solidFill>
+          <a:ln>
+            <a:noFill/>
+          </a:ln>
+        </p:spPr>
+        <p:style>
+          <a:lnRef idx="0">
+            <a:scrgbClr r="0" g="0" b="0"/>
+          </a:lnRef>
+          <a:fillRef idx="0">
+            <a:scrgbClr r="0" g="0" b="0"/>
+          </a:fillRef>
+          <a:effectRef idx="0">
+            <a:scrgbClr r="0" g="0" b="0"/>
+          </a:effectRef>
+          <a:fontRef idx="minor">
+            <a:schemeClr val="lt1"/>
+          </a:fontRef>
+        </p:style>
+        <p:txBody>
+          <a:bodyPr rtlCol="0" anchor="ctr"/>
+          <a:lstStyle/>
+          <a:p>
+            <a:r>
+              <a:rPr lang="it-IT" sz="1400" dirty="0"/>
+              <a:t>Mirco Meazzo - 873477</a:t>
+            </a:r>
+          </a:p>
+        </p:txBody>
+      </p:sp>
+      <p:pic>
+        <p:nvPicPr>
+          <p:cNvPr id="6" name="Immagine 5">
+            <a:extLst>
+              <a:ext uri="{FF2B5EF4-FFF2-40B4-BE49-F238E27FC236}">
+                <a16:creationId xmlns:a16="http://schemas.microsoft.com/office/drawing/2014/main" id="{B4F26FA1-CE9B-D849-A7A2-83846BF194AF}"/>
+              </a:ext>
+            </a:extLst>
+          </p:cNvPr>
+          <p:cNvPicPr>
+            <a:picLocks noChangeAspect="1"/>
+          </p:cNvPicPr>
+          <p:nvPr/>
+        </p:nvPicPr>
+        <p:blipFill>
+          <a:blip r:embed="rId3"/>
+          <a:stretch>
+            <a:fillRect/>
+          </a:stretch>
+        </p:blipFill>
+        <p:spPr>
+          <a:xfrm>
+            <a:off x="1194492" y="2810633"/>
+            <a:ext cx="6769100" cy="1143000"/>
+          </a:xfrm>
+          <a:prstGeom prst="rect">
+            <a:avLst/>
+          </a:prstGeom>
+        </p:spPr>
+      </p:pic>
+      <p:pic>
+        <p:nvPicPr>
+          <p:cNvPr id="10" name="Immagine 9">
+            <a:extLst>
+              <a:ext uri="{FF2B5EF4-FFF2-40B4-BE49-F238E27FC236}">
+                <a16:creationId xmlns:a16="http://schemas.microsoft.com/office/drawing/2014/main" id="{C81669CB-B228-C043-BD33-7C15EE2B576A}"/>
+              </a:ext>
+            </a:extLst>
+          </p:cNvPr>
+          <p:cNvPicPr>
+            <a:picLocks noChangeAspect="1"/>
+          </p:cNvPicPr>
+          <p:nvPr/>
+        </p:nvPicPr>
+        <p:blipFill>
+          <a:blip r:embed="rId4"/>
+          <a:stretch>
+            <a:fillRect/>
+          </a:stretch>
+        </p:blipFill>
+        <p:spPr>
+          <a:xfrm>
+            <a:off x="2559369" y="4363230"/>
+            <a:ext cx="4254500" cy="698500"/>
+          </a:xfrm>
+          <a:prstGeom prst="rect">
+            <a:avLst/>
+          </a:prstGeom>
+        </p:spPr>
+      </p:pic>
+    </p:spTree>
+    <p:extLst>
+      <p:ext uri="{BB962C8B-B14F-4D97-AF65-F5344CB8AC3E}">
+        <p14:creationId xmlns:p14="http://schemas.microsoft.com/office/powerpoint/2010/main" val="2245139888"/>
+      </p:ext>
+    </p:extLst>
+  </p:cSld>
+  <p:clrMapOvr>
+    <a:masterClrMapping/>
+  </p:clrMapOvr>
+</p:sld>
+</file>
+
+<file path=ppt/slides/slide6.xml><?xml version="1.0" encoding="utf-8"?>
 <p:sld xmlns:a="http://schemas.openxmlformats.org/drawingml/2006/main" xmlns:r="http://schemas.openxmlformats.org/officeDocument/2006/relationships" xmlns:p="http://schemas.openxmlformats.org/presentationml/2006/main">
   <p:cSld>
     <p:bg>
@@ -54430,7 +56908,7 @@
     </p:spTree>
     <p:extLst>
       <p:ext uri="{BB962C8B-B14F-4D97-AF65-F5344CB8AC3E}">
-        <p14:creationId xmlns:p14="http://schemas.microsoft.com/office/powerpoint/2010/main" val="3383649683"/>
+        <p14:creationId xmlns:p14="http://schemas.microsoft.com/office/powerpoint/2010/main" val="905416964"/>
       </p:ext>
     </p:extLst>
   </p:cSld>
@@ -54440,7 +56918,7 @@
 </p:sld>
 </file>
 
-<file path=ppt/slides/slide5.xml><?xml version="1.0" encoding="utf-8"?>
+<file path=ppt/slides/slide7.xml><?xml version="1.0" encoding="utf-8"?>
 <p:sld xmlns:a="http://schemas.openxmlformats.org/drawingml/2006/main" xmlns:r="http://schemas.openxmlformats.org/officeDocument/2006/relationships" xmlns:p="http://schemas.openxmlformats.org/presentationml/2006/main">
   <p:cSld>
     <p:bg>
@@ -55367,7 +57845,7 @@
 </p:sld>
 </file>
 
-<file path=ppt/slides/slide6.xml><?xml version="1.0" encoding="utf-8"?>
+<file path=ppt/slides/slide8.xml><?xml version="1.0" encoding="utf-8"?>
 <p:sld xmlns:a="http://schemas.openxmlformats.org/drawingml/2006/main" xmlns:r="http://schemas.openxmlformats.org/officeDocument/2006/relationships" xmlns:p="http://schemas.openxmlformats.org/presentationml/2006/main">
   <p:cSld>
     <p:bg>
@@ -56278,7 +58756,7 @@
 </p:sld>
 </file>
 
-<file path=ppt/slides/slide7.xml><?xml version="1.0" encoding="utf-8"?>
+<file path=ppt/slides/slide9.xml><?xml version="1.0" encoding="utf-8"?>
 <p:sld xmlns:a="http://schemas.openxmlformats.org/drawingml/2006/main" xmlns:r="http://schemas.openxmlformats.org/officeDocument/2006/relationships" xmlns:p="http://schemas.openxmlformats.org/presentationml/2006/main">
   <p:cSld>
     <p:bg>
@@ -57261,1005 +59739,6 @@
 </p:sld>
 </file>
 
-<file path=ppt/slides/slide8.xml><?xml version="1.0" encoding="utf-8"?>
-<p:sld xmlns:a="http://schemas.openxmlformats.org/drawingml/2006/main" xmlns:r="http://schemas.openxmlformats.org/officeDocument/2006/relationships" xmlns:p="http://schemas.openxmlformats.org/presentationml/2006/main">
-  <p:cSld>
-    <p:bg>
-      <p:bgPr>
-        <a:solidFill>
-          <a:schemeClr val="bg1"/>
-        </a:solidFill>
-        <a:effectLst/>
-      </p:bgPr>
-    </p:bg>
-    <p:spTree>
-      <p:nvGrpSpPr>
-        <p:cNvPr id="1" name=""/>
-        <p:cNvGrpSpPr/>
-        <p:nvPr/>
-      </p:nvGrpSpPr>
-      <p:grpSpPr>
-        <a:xfrm>
-          <a:off x="0" y="0"/>
-          <a:ext cx="0" cy="0"/>
-          <a:chOff x="0" y="0"/>
-          <a:chExt cx="0" cy="0"/>
-        </a:xfrm>
-      </p:grpSpPr>
-      <p:sp>
-        <p:nvSpPr>
-          <p:cNvPr id="2" name="Titolo 1"/>
-          <p:cNvSpPr>
-            <a:spLocks noGrp="1"/>
-          </p:cNvSpPr>
-          <p:nvPr>
-            <p:ph type="title"/>
-          </p:nvPr>
-        </p:nvSpPr>
-        <p:spPr/>
-        <p:txBody>
-          <a:bodyPr/>
-          <a:lstStyle/>
-          <a:p>
-            <a:r>
-              <a:rPr lang="it-IT" dirty="0" err="1"/>
-              <a:t>Introduction</a:t>
-            </a:r>
-            <a:endParaRPr lang="it-IT" dirty="0"/>
-          </a:p>
-        </p:txBody>
-      </p:sp>
-      <p:sp>
-        <p:nvSpPr>
-          <p:cNvPr id="20" name="Rettangolo 19">
-            <a:extLst>
-              <a:ext uri="{FF2B5EF4-FFF2-40B4-BE49-F238E27FC236}">
-                <a16:creationId xmlns:a16="http://schemas.microsoft.com/office/drawing/2014/main" id="{A4E9BCCF-4D4A-7E45-A212-19DCF57112AB}"/>
-              </a:ext>
-            </a:extLst>
-          </p:cNvPr>
-          <p:cNvSpPr/>
-          <p:nvPr/>
-        </p:nvSpPr>
-        <p:spPr>
-          <a:xfrm>
-            <a:off x="142504" y="6305797"/>
-            <a:ext cx="3028208" cy="344385"/>
-          </a:xfrm>
-          <a:prstGeom prst="rect">
-            <a:avLst/>
-          </a:prstGeom>
-          <a:solidFill>
-            <a:srgbClr val="728FA5"/>
-          </a:solidFill>
-          <a:ln>
-            <a:noFill/>
-          </a:ln>
-        </p:spPr>
-        <p:style>
-          <a:lnRef idx="0">
-            <a:scrgbClr r="0" g="0" b="0"/>
-          </a:lnRef>
-          <a:fillRef idx="0">
-            <a:scrgbClr r="0" g="0" b="0"/>
-          </a:fillRef>
-          <a:effectRef idx="0">
-            <a:scrgbClr r="0" g="0" b="0"/>
-          </a:effectRef>
-          <a:fontRef idx="minor">
-            <a:schemeClr val="lt1"/>
-          </a:fontRef>
-        </p:style>
-        <p:txBody>
-          <a:bodyPr rtlCol="0" anchor="ctr"/>
-          <a:lstStyle/>
-          <a:p>
-            <a:pPr algn="ctr"/>
-            <a:endParaRPr lang="it-IT"/>
-          </a:p>
-        </p:txBody>
-      </p:sp>
-      <p:sp>
-        <p:nvSpPr>
-          <p:cNvPr id="23" name="Rettangolo 22">
-            <a:extLst>
-              <a:ext uri="{FF2B5EF4-FFF2-40B4-BE49-F238E27FC236}">
-                <a16:creationId xmlns:a16="http://schemas.microsoft.com/office/drawing/2014/main" id="{EE007654-138F-224B-AD9C-A0636B62F617}"/>
-              </a:ext>
-            </a:extLst>
-          </p:cNvPr>
-          <p:cNvSpPr/>
-          <p:nvPr/>
-        </p:nvSpPr>
-        <p:spPr>
-          <a:xfrm>
-            <a:off x="288521" y="6317672"/>
-            <a:ext cx="2858440" cy="344385"/>
-          </a:xfrm>
-          <a:prstGeom prst="rect">
-            <a:avLst/>
-          </a:prstGeom>
-          <a:solidFill>
-            <a:srgbClr val="728FA5"/>
-          </a:solidFill>
-          <a:ln>
-            <a:noFill/>
-          </a:ln>
-        </p:spPr>
-        <p:style>
-          <a:lnRef idx="0">
-            <a:scrgbClr r="0" g="0" b="0"/>
-          </a:lnRef>
-          <a:fillRef idx="0">
-            <a:scrgbClr r="0" g="0" b="0"/>
-          </a:fillRef>
-          <a:effectRef idx="0">
-            <a:scrgbClr r="0" g="0" b="0"/>
-          </a:effectRef>
-          <a:fontRef idx="minor">
-            <a:schemeClr val="lt1"/>
-          </a:fontRef>
-        </p:style>
-        <p:txBody>
-          <a:bodyPr rtlCol="0" anchor="ctr"/>
-          <a:lstStyle/>
-          <a:p>
-            <a:r>
-              <a:rPr lang="it-IT" sz="1400" dirty="0"/>
-              <a:t>Mirco Meazzo - 873477</a:t>
-            </a:r>
-          </a:p>
-        </p:txBody>
-      </p:sp>
-      <p:sp>
-        <p:nvSpPr>
-          <p:cNvPr id="10" name="Segnaposto contenuto 2">
-            <a:extLst>
-              <a:ext uri="{FF2B5EF4-FFF2-40B4-BE49-F238E27FC236}">
-                <a16:creationId xmlns:a16="http://schemas.microsoft.com/office/drawing/2014/main" id="{D0C50720-7239-2349-BB0C-2DEFF960F537}"/>
-              </a:ext>
-            </a:extLst>
-          </p:cNvPr>
-          <p:cNvSpPr txBox="1">
-            <a:spLocks noGrp="1"/>
-          </p:cNvSpPr>
-          <p:nvPr>
-            <p:ph idx="1"/>
-          </p:nvPr>
-        </p:nvSpPr>
-        <p:spPr>
-          <a:xfrm>
-            <a:off x="553561" y="2127045"/>
-            <a:ext cx="8050961" cy="2913585"/>
-          </a:xfrm>
-          <a:prstGeom prst="rect">
-            <a:avLst/>
-          </a:prstGeom>
-        </p:spPr>
-        <p:txBody>
-          <a:bodyPr vert="horz" lIns="91440" tIns="45720" rIns="91440" bIns="45720" rtlCol="0">
-            <a:normAutofit/>
-          </a:bodyPr>
-          <a:lstStyle>
-            <a:lvl1pPr marL="0" indent="0" algn="l" defTabSz="457200" rtl="0" eaLnBrk="1" latinLnBrk="0" hangingPunct="1">
-              <a:spcBef>
-                <a:spcPct val="20000"/>
-              </a:spcBef>
-              <a:buFont typeface="Wingdings" charset="2"/>
-              <a:buNone/>
-              <a:defRPr sz="2200" kern="1200">
-                <a:solidFill>
-                  <a:schemeClr val="tx1"/>
-                </a:solidFill>
-                <a:latin typeface="Arial"/>
-                <a:ea typeface="+mn-ea"/>
-                <a:cs typeface="Arial"/>
-              </a:defRPr>
-            </a:lvl1pPr>
-            <a:lvl2pPr marL="742950" indent="-285750" algn="l" defTabSz="457200" rtl="0" eaLnBrk="1" latinLnBrk="0" hangingPunct="1">
-              <a:spcBef>
-                <a:spcPct val="20000"/>
-              </a:spcBef>
-              <a:buFont typeface="Arial"/>
-              <a:buChar char="–"/>
-              <a:defRPr sz="2200" kern="1200">
-                <a:solidFill>
-                  <a:schemeClr val="tx1"/>
-                </a:solidFill>
-                <a:latin typeface="Arial"/>
-                <a:ea typeface="+mn-ea"/>
-                <a:cs typeface="Arial"/>
-              </a:defRPr>
-            </a:lvl2pPr>
-            <a:lvl3pPr marL="1143000" indent="-228600" algn="l" defTabSz="457200" rtl="0" eaLnBrk="1" latinLnBrk="0" hangingPunct="1">
-              <a:spcBef>
-                <a:spcPct val="20000"/>
-              </a:spcBef>
-              <a:buFont typeface="Arial"/>
-              <a:buChar char="•"/>
-              <a:defRPr sz="2200" kern="1200">
-                <a:solidFill>
-                  <a:schemeClr val="tx1"/>
-                </a:solidFill>
-                <a:latin typeface="Arial"/>
-                <a:ea typeface="+mn-ea"/>
-                <a:cs typeface="Arial"/>
-              </a:defRPr>
-            </a:lvl3pPr>
-            <a:lvl4pPr marL="1600200" indent="-228600" algn="l" defTabSz="457200" rtl="0" eaLnBrk="1" latinLnBrk="0" hangingPunct="1">
-              <a:spcBef>
-                <a:spcPct val="20000"/>
-              </a:spcBef>
-              <a:buFont typeface="Arial"/>
-              <a:buChar char="–"/>
-              <a:defRPr sz="2200" kern="1200">
-                <a:solidFill>
-                  <a:schemeClr val="tx1"/>
-                </a:solidFill>
-                <a:latin typeface="Arial"/>
-                <a:ea typeface="+mn-ea"/>
-                <a:cs typeface="Arial"/>
-              </a:defRPr>
-            </a:lvl4pPr>
-            <a:lvl5pPr marL="2057400" indent="-228600" algn="l" defTabSz="457200" rtl="0" eaLnBrk="1" latinLnBrk="0" hangingPunct="1">
-              <a:spcBef>
-                <a:spcPct val="20000"/>
-              </a:spcBef>
-              <a:buFont typeface="Arial"/>
-              <a:buChar char="»"/>
-              <a:defRPr sz="2200" kern="1200">
-                <a:solidFill>
-                  <a:schemeClr val="tx1"/>
-                </a:solidFill>
-                <a:latin typeface="Arial"/>
-                <a:ea typeface="+mn-ea"/>
-                <a:cs typeface="Arial"/>
-              </a:defRPr>
-            </a:lvl5pPr>
-            <a:lvl6pPr marL="2514600" indent="-228600" algn="l" defTabSz="457200" rtl="0" eaLnBrk="1" latinLnBrk="0" hangingPunct="1">
-              <a:spcBef>
-                <a:spcPct val="20000"/>
-              </a:spcBef>
-              <a:buFont typeface="Arial"/>
-              <a:buChar char="•"/>
-              <a:defRPr sz="2000" kern="1200">
-                <a:solidFill>
-                  <a:schemeClr val="tx1"/>
-                </a:solidFill>
-                <a:latin typeface="+mn-lt"/>
-                <a:ea typeface="+mn-ea"/>
-                <a:cs typeface="+mn-cs"/>
-              </a:defRPr>
-            </a:lvl6pPr>
-            <a:lvl7pPr marL="2971800" indent="-228600" algn="l" defTabSz="457200" rtl="0" eaLnBrk="1" latinLnBrk="0" hangingPunct="1">
-              <a:spcBef>
-                <a:spcPct val="20000"/>
-              </a:spcBef>
-              <a:buFont typeface="Arial"/>
-              <a:buChar char="•"/>
-              <a:defRPr sz="2000" kern="1200">
-                <a:solidFill>
-                  <a:schemeClr val="tx1"/>
-                </a:solidFill>
-                <a:latin typeface="+mn-lt"/>
-                <a:ea typeface="+mn-ea"/>
-                <a:cs typeface="+mn-cs"/>
-              </a:defRPr>
-            </a:lvl7pPr>
-            <a:lvl8pPr marL="3429000" indent="-228600" algn="l" defTabSz="457200" rtl="0" eaLnBrk="1" latinLnBrk="0" hangingPunct="1">
-              <a:spcBef>
-                <a:spcPct val="20000"/>
-              </a:spcBef>
-              <a:buFont typeface="Arial"/>
-              <a:buChar char="•"/>
-              <a:defRPr sz="2000" kern="1200">
-                <a:solidFill>
-                  <a:schemeClr val="tx1"/>
-                </a:solidFill>
-                <a:latin typeface="+mn-lt"/>
-                <a:ea typeface="+mn-ea"/>
-                <a:cs typeface="+mn-cs"/>
-              </a:defRPr>
-            </a:lvl8pPr>
-            <a:lvl9pPr marL="3886200" indent="-228600" algn="l" defTabSz="457200" rtl="0" eaLnBrk="1" latinLnBrk="0" hangingPunct="1">
-              <a:spcBef>
-                <a:spcPct val="20000"/>
-              </a:spcBef>
-              <a:buFont typeface="Arial"/>
-              <a:buChar char="•"/>
-              <a:defRPr sz="2000" kern="1200">
-                <a:solidFill>
-                  <a:schemeClr val="tx1"/>
-                </a:solidFill>
-                <a:latin typeface="+mn-lt"/>
-                <a:ea typeface="+mn-ea"/>
-                <a:cs typeface="+mn-cs"/>
-              </a:defRPr>
-            </a:lvl9pPr>
-          </a:lstStyle>
-          <a:p>
-            <a:pPr>
-              <a:defRPr/>
-            </a:pPr>
-            <a:r>
-              <a:rPr lang="it-IT" b="1" dirty="0">
-                <a:solidFill>
-                  <a:srgbClr val="003F6E"/>
-                </a:solidFill>
-              </a:rPr>
-              <a:t>Architecture </a:t>
-            </a:r>
-            <a:r>
-              <a:rPr lang="it-IT" b="1" dirty="0" err="1">
-                <a:solidFill>
-                  <a:srgbClr val="003F6E"/>
-                </a:solidFill>
-              </a:rPr>
-              <a:t>Drawbacks</a:t>
-            </a:r>
-            <a:r>
-              <a:rPr lang="it-IT" b="1" dirty="0">
-                <a:solidFill>
-                  <a:srgbClr val="003F6E"/>
-                </a:solidFill>
-              </a:rPr>
-              <a:t>:</a:t>
-            </a:r>
-          </a:p>
-          <a:p>
-            <a:pPr>
-              <a:defRPr/>
-            </a:pPr>
-            <a:endParaRPr lang="it-IT" b="1" dirty="0">
-              <a:solidFill>
-                <a:srgbClr val="003F6E"/>
-              </a:solidFill>
-            </a:endParaRPr>
-          </a:p>
-          <a:p>
-            <a:pPr marL="342900" indent="-342900">
-              <a:buFont typeface="Arial" panose="020B0604020202020204" pitchFamily="34" charset="0"/>
-              <a:buChar char="•"/>
-              <a:defRPr/>
-            </a:pPr>
-            <a:r>
-              <a:rPr lang="it-IT" b="1" dirty="0">
-                <a:solidFill>
-                  <a:srgbClr val="003F6E"/>
-                </a:solidFill>
-              </a:rPr>
-              <a:t>Message </a:t>
-            </a:r>
-            <a:r>
-              <a:rPr lang="it-IT" b="1" dirty="0" err="1">
-                <a:solidFill>
-                  <a:srgbClr val="003F6E"/>
-                </a:solidFill>
-              </a:rPr>
-              <a:t>passing</a:t>
-            </a:r>
-            <a:r>
-              <a:rPr lang="it-IT" b="1" dirty="0">
-                <a:solidFill>
-                  <a:srgbClr val="003F6E"/>
-                </a:solidFill>
-              </a:rPr>
-              <a:t> </a:t>
-            </a:r>
-            <a:r>
-              <a:rPr lang="it-IT" b="1" dirty="0" err="1">
-                <a:solidFill>
-                  <a:srgbClr val="003F6E"/>
-                </a:solidFill>
-              </a:rPr>
-              <a:t>latency</a:t>
-            </a:r>
-            <a:endParaRPr lang="it-IT" b="1" dirty="0">
-              <a:solidFill>
-                <a:srgbClr val="003F6E"/>
-              </a:solidFill>
-            </a:endParaRPr>
-          </a:p>
-          <a:p>
-            <a:pPr marL="342900" indent="-342900">
-              <a:buFont typeface="Arial" panose="020B0604020202020204" pitchFamily="34" charset="0"/>
-              <a:buChar char="•"/>
-              <a:defRPr/>
-            </a:pPr>
-            <a:r>
-              <a:rPr lang="it-IT" b="1" dirty="0" err="1">
-                <a:solidFill>
-                  <a:srgbClr val="003F6E"/>
-                </a:solidFill>
-              </a:rPr>
-              <a:t>Bandwidth</a:t>
-            </a:r>
-            <a:r>
-              <a:rPr lang="it-IT" b="1" dirty="0">
-                <a:solidFill>
-                  <a:srgbClr val="003F6E"/>
-                </a:solidFill>
-              </a:rPr>
-              <a:t> </a:t>
-            </a:r>
-            <a:r>
-              <a:rPr lang="it-IT" b="1" dirty="0" err="1">
-                <a:solidFill>
-                  <a:srgbClr val="003F6E"/>
-                </a:solidFill>
-              </a:rPr>
-              <a:t>limitations</a:t>
-            </a:r>
-            <a:endParaRPr lang="it-IT" b="1" dirty="0">
-              <a:solidFill>
-                <a:srgbClr val="003F6E"/>
-              </a:solidFill>
-            </a:endParaRPr>
-          </a:p>
-          <a:p>
-            <a:pPr marL="342900" indent="-342900">
-              <a:buFont typeface="Arial" panose="020B0604020202020204" pitchFamily="34" charset="0"/>
-              <a:buChar char="•"/>
-              <a:defRPr/>
-            </a:pPr>
-            <a:r>
-              <a:rPr lang="it-IT" b="1" dirty="0" err="1">
-                <a:solidFill>
-                  <a:srgbClr val="003F6E"/>
-                </a:solidFill>
-              </a:rPr>
-              <a:t>Difficult</a:t>
-            </a:r>
-            <a:r>
-              <a:rPr lang="it-IT" b="1" dirty="0">
-                <a:solidFill>
-                  <a:srgbClr val="003F6E"/>
-                </a:solidFill>
-              </a:rPr>
-              <a:t> </a:t>
-            </a:r>
-            <a:r>
-              <a:rPr lang="it-IT" b="1" dirty="0" err="1">
-                <a:solidFill>
-                  <a:srgbClr val="003F6E"/>
-                </a:solidFill>
-              </a:rPr>
-              <a:t>troubleshooting</a:t>
-            </a:r>
-            <a:endParaRPr lang="it-IT" b="1" dirty="0">
-              <a:solidFill>
-                <a:srgbClr val="003F6E"/>
-              </a:solidFill>
-            </a:endParaRPr>
-          </a:p>
-        </p:txBody>
-      </p:sp>
-    </p:spTree>
-    <p:extLst>
-      <p:ext uri="{BB962C8B-B14F-4D97-AF65-F5344CB8AC3E}">
-        <p14:creationId xmlns:p14="http://schemas.microsoft.com/office/powerpoint/2010/main" val="993053730"/>
-      </p:ext>
-    </p:extLst>
-  </p:cSld>
-  <p:clrMapOvr>
-    <a:masterClrMapping/>
-  </p:clrMapOvr>
-  <p:timing>
-    <p:tnLst>
-      <p:par>
-        <p:cTn id="1" dur="indefinite" restart="never" nodeType="tmRoot">
-          <p:childTnLst>
-            <p:seq concurrent="1" nextAc="seek">
-              <p:cTn id="2" dur="indefinite" nodeType="mainSeq">
-                <p:childTnLst>
-                  <p:par>
-                    <p:cTn id="3" fill="hold">
-                      <p:stCondLst>
-                        <p:cond delay="indefinite"/>
-                      </p:stCondLst>
-                      <p:childTnLst>
-                        <p:par>
-                          <p:cTn id="4" fill="hold">
-                            <p:stCondLst>
-                              <p:cond delay="0"/>
-                            </p:stCondLst>
-                            <p:childTnLst>
-                              <p:par>
-                                <p:cTn id="5" presetID="2" presetClass="entr" presetSubtype="4" fill="hold" nodeType="clickEffect">
-                                  <p:stCondLst>
-                                    <p:cond delay="0"/>
-                                  </p:stCondLst>
-                                  <p:childTnLst>
-                                    <p:set>
-                                      <p:cBhvr>
-                                        <p:cTn id="6" dur="1" fill="hold">
-                                          <p:stCondLst>
-                                            <p:cond delay="0"/>
-                                          </p:stCondLst>
-                                        </p:cTn>
-                                        <p:tgtEl>
-                                          <p:spTgt spid="10">
-                                            <p:txEl>
-                                              <p:pRg st="2" end="2"/>
-                                            </p:txEl>
-                                          </p:spTgt>
-                                        </p:tgtEl>
-                                        <p:attrNameLst>
-                                          <p:attrName>style.visibility</p:attrName>
-                                        </p:attrNameLst>
-                                      </p:cBhvr>
-                                      <p:to>
-                                        <p:strVal val="visible"/>
-                                      </p:to>
-                                    </p:set>
-                                    <p:anim calcmode="lin" valueType="num">
-                                      <p:cBhvr additive="base">
-                                        <p:cTn id="7" dur="500" fill="hold"/>
-                                        <p:tgtEl>
-                                          <p:spTgt spid="10">
-                                            <p:txEl>
-                                              <p:pRg st="2" end="2"/>
-                                            </p:txEl>
-                                          </p:spTgt>
-                                        </p:tgtEl>
-                                        <p:attrNameLst>
-                                          <p:attrName>ppt_x</p:attrName>
-                                        </p:attrNameLst>
-                                      </p:cBhvr>
-                                      <p:tavLst>
-                                        <p:tav tm="0">
-                                          <p:val>
-                                            <p:strVal val="#ppt_x"/>
-                                          </p:val>
-                                        </p:tav>
-                                        <p:tav tm="100000">
-                                          <p:val>
-                                            <p:strVal val="#ppt_x"/>
-                                          </p:val>
-                                        </p:tav>
-                                      </p:tavLst>
-                                    </p:anim>
-                                    <p:anim calcmode="lin" valueType="num">
-                                      <p:cBhvr additive="base">
-                                        <p:cTn id="8" dur="500" fill="hold"/>
-                                        <p:tgtEl>
-                                          <p:spTgt spid="10">
-                                            <p:txEl>
-                                              <p:pRg st="2" end="2"/>
-                                            </p:txEl>
-                                          </p:spTgt>
-                                        </p:tgtEl>
-                                        <p:attrNameLst>
-                                          <p:attrName>ppt_y</p:attrName>
-                                        </p:attrNameLst>
-                                      </p:cBhvr>
-                                      <p:tavLst>
-                                        <p:tav tm="0">
-                                          <p:val>
-                                            <p:strVal val="1+#ppt_h/2"/>
-                                          </p:val>
-                                        </p:tav>
-                                        <p:tav tm="100000">
-                                          <p:val>
-                                            <p:strVal val="#ppt_y"/>
-                                          </p:val>
-                                        </p:tav>
-                                      </p:tavLst>
-                                    </p:anim>
-                                  </p:childTnLst>
-                                </p:cTn>
-                              </p:par>
-                            </p:childTnLst>
-                          </p:cTn>
-                        </p:par>
-                        <p:par>
-                          <p:cTn id="9" fill="hold">
-                            <p:stCondLst>
-                              <p:cond delay="500"/>
-                            </p:stCondLst>
-                            <p:childTnLst>
-                              <p:par>
-                                <p:cTn id="10" presetID="2" presetClass="entr" presetSubtype="4" fill="hold" nodeType="afterEffect">
-                                  <p:stCondLst>
-                                    <p:cond delay="0"/>
-                                  </p:stCondLst>
-                                  <p:childTnLst>
-                                    <p:set>
-                                      <p:cBhvr>
-                                        <p:cTn id="11" dur="1" fill="hold">
-                                          <p:stCondLst>
-                                            <p:cond delay="0"/>
-                                          </p:stCondLst>
-                                        </p:cTn>
-                                        <p:tgtEl>
-                                          <p:spTgt spid="10">
-                                            <p:txEl>
-                                              <p:pRg st="3" end="3"/>
-                                            </p:txEl>
-                                          </p:spTgt>
-                                        </p:tgtEl>
-                                        <p:attrNameLst>
-                                          <p:attrName>style.visibility</p:attrName>
-                                        </p:attrNameLst>
-                                      </p:cBhvr>
-                                      <p:to>
-                                        <p:strVal val="visible"/>
-                                      </p:to>
-                                    </p:set>
-                                    <p:anim calcmode="lin" valueType="num">
-                                      <p:cBhvr additive="base">
-                                        <p:cTn id="12" dur="500" fill="hold"/>
-                                        <p:tgtEl>
-                                          <p:spTgt spid="10">
-                                            <p:txEl>
-                                              <p:pRg st="3" end="3"/>
-                                            </p:txEl>
-                                          </p:spTgt>
-                                        </p:tgtEl>
-                                        <p:attrNameLst>
-                                          <p:attrName>ppt_x</p:attrName>
-                                        </p:attrNameLst>
-                                      </p:cBhvr>
-                                      <p:tavLst>
-                                        <p:tav tm="0">
-                                          <p:val>
-                                            <p:strVal val="#ppt_x"/>
-                                          </p:val>
-                                        </p:tav>
-                                        <p:tav tm="100000">
-                                          <p:val>
-                                            <p:strVal val="#ppt_x"/>
-                                          </p:val>
-                                        </p:tav>
-                                      </p:tavLst>
-                                    </p:anim>
-                                    <p:anim calcmode="lin" valueType="num">
-                                      <p:cBhvr additive="base">
-                                        <p:cTn id="13" dur="500" fill="hold"/>
-                                        <p:tgtEl>
-                                          <p:spTgt spid="10">
-                                            <p:txEl>
-                                              <p:pRg st="3" end="3"/>
-                                            </p:txEl>
-                                          </p:spTgt>
-                                        </p:tgtEl>
-                                        <p:attrNameLst>
-                                          <p:attrName>ppt_y</p:attrName>
-                                        </p:attrNameLst>
-                                      </p:cBhvr>
-                                      <p:tavLst>
-                                        <p:tav tm="0">
-                                          <p:val>
-                                            <p:strVal val="1+#ppt_h/2"/>
-                                          </p:val>
-                                        </p:tav>
-                                        <p:tav tm="100000">
-                                          <p:val>
-                                            <p:strVal val="#ppt_y"/>
-                                          </p:val>
-                                        </p:tav>
-                                      </p:tavLst>
-                                    </p:anim>
-                                  </p:childTnLst>
-                                </p:cTn>
-                              </p:par>
-                            </p:childTnLst>
-                          </p:cTn>
-                        </p:par>
-                        <p:par>
-                          <p:cTn id="14" fill="hold">
-                            <p:stCondLst>
-                              <p:cond delay="1000"/>
-                            </p:stCondLst>
-                            <p:childTnLst>
-                              <p:par>
-                                <p:cTn id="15" presetID="2" presetClass="entr" presetSubtype="4" fill="hold" nodeType="afterEffect">
-                                  <p:stCondLst>
-                                    <p:cond delay="0"/>
-                                  </p:stCondLst>
-                                  <p:childTnLst>
-                                    <p:set>
-                                      <p:cBhvr>
-                                        <p:cTn id="16" dur="1" fill="hold">
-                                          <p:stCondLst>
-                                            <p:cond delay="0"/>
-                                          </p:stCondLst>
-                                        </p:cTn>
-                                        <p:tgtEl>
-                                          <p:spTgt spid="10">
-                                            <p:txEl>
-                                              <p:pRg st="4" end="4"/>
-                                            </p:txEl>
-                                          </p:spTgt>
-                                        </p:tgtEl>
-                                        <p:attrNameLst>
-                                          <p:attrName>style.visibility</p:attrName>
-                                        </p:attrNameLst>
-                                      </p:cBhvr>
-                                      <p:to>
-                                        <p:strVal val="visible"/>
-                                      </p:to>
-                                    </p:set>
-                                    <p:anim calcmode="lin" valueType="num">
-                                      <p:cBhvr additive="base">
-                                        <p:cTn id="17" dur="500" fill="hold"/>
-                                        <p:tgtEl>
-                                          <p:spTgt spid="10">
-                                            <p:txEl>
-                                              <p:pRg st="4" end="4"/>
-                                            </p:txEl>
-                                          </p:spTgt>
-                                        </p:tgtEl>
-                                        <p:attrNameLst>
-                                          <p:attrName>ppt_x</p:attrName>
-                                        </p:attrNameLst>
-                                      </p:cBhvr>
-                                      <p:tavLst>
-                                        <p:tav tm="0">
-                                          <p:val>
-                                            <p:strVal val="#ppt_x"/>
-                                          </p:val>
-                                        </p:tav>
-                                        <p:tav tm="100000">
-                                          <p:val>
-                                            <p:strVal val="#ppt_x"/>
-                                          </p:val>
-                                        </p:tav>
-                                      </p:tavLst>
-                                    </p:anim>
-                                    <p:anim calcmode="lin" valueType="num">
-                                      <p:cBhvr additive="base">
-                                        <p:cTn id="18" dur="500" fill="hold"/>
-                                        <p:tgtEl>
-                                          <p:spTgt spid="10">
-                                            <p:txEl>
-                                              <p:pRg st="4" end="4"/>
-                                            </p:txEl>
-                                          </p:spTgt>
-                                        </p:tgtEl>
-                                        <p:attrNameLst>
-                                          <p:attrName>ppt_y</p:attrName>
-                                        </p:attrNameLst>
-                                      </p:cBhvr>
-                                      <p:tavLst>
-                                        <p:tav tm="0">
-                                          <p:val>
-                                            <p:strVal val="1+#ppt_h/2"/>
-                                          </p:val>
-                                        </p:tav>
-                                        <p:tav tm="100000">
-                                          <p:val>
-                                            <p:strVal val="#ppt_y"/>
-                                          </p:val>
-                                        </p:tav>
-                                      </p:tavLst>
-                                    </p:anim>
-                                  </p:childTnLst>
-                                </p:cTn>
-                              </p:par>
-                            </p:childTnLst>
-                          </p:cTn>
-                        </p:par>
-                      </p:childTnLst>
-                    </p:cTn>
-                  </p:par>
-                </p:childTnLst>
-              </p:cTn>
-              <p:prevCondLst>
-                <p:cond evt="onPrev" delay="0">
-                  <p:tgtEl>
-                    <p:sldTgt/>
-                  </p:tgtEl>
-                </p:cond>
-              </p:prevCondLst>
-              <p:nextCondLst>
-                <p:cond evt="onNext" delay="0">
-                  <p:tgtEl>
-                    <p:sldTgt/>
-                  </p:tgtEl>
-                </p:cond>
-              </p:nextCondLst>
-            </p:seq>
-          </p:childTnLst>
-        </p:cTn>
-      </p:par>
-    </p:tnLst>
-  </p:timing>
-</p:sld>
-</file>
-
-<file path=ppt/slides/slide9.xml><?xml version="1.0" encoding="utf-8"?>
-<p:sld xmlns:a="http://schemas.openxmlformats.org/drawingml/2006/main" xmlns:r="http://schemas.openxmlformats.org/officeDocument/2006/relationships" xmlns:p="http://schemas.openxmlformats.org/presentationml/2006/main">
-  <p:cSld>
-    <p:spTree>
-      <p:nvGrpSpPr>
-        <p:cNvPr id="1" name=""/>
-        <p:cNvGrpSpPr/>
-        <p:nvPr/>
-      </p:nvGrpSpPr>
-      <p:grpSpPr>
-        <a:xfrm>
-          <a:off x="0" y="0"/>
-          <a:ext cx="0" cy="0"/>
-          <a:chOff x="0" y="0"/>
-          <a:chExt cx="0" cy="0"/>
-        </a:xfrm>
-      </p:grpSpPr>
-      <p:sp>
-        <p:nvSpPr>
-          <p:cNvPr id="2" name="Titolo 1">
-            <a:extLst>
-              <a:ext uri="{FF2B5EF4-FFF2-40B4-BE49-F238E27FC236}">
-                <a16:creationId xmlns:a16="http://schemas.microsoft.com/office/drawing/2014/main" id="{29DEBB23-8600-8447-8217-F4704728958C}"/>
-              </a:ext>
-            </a:extLst>
-          </p:cNvPr>
-          <p:cNvSpPr>
-            <a:spLocks noGrp="1"/>
-          </p:cNvSpPr>
-          <p:nvPr>
-            <p:ph type="title"/>
-          </p:nvPr>
-        </p:nvSpPr>
-        <p:spPr/>
-        <p:txBody>
-          <a:bodyPr/>
-          <a:lstStyle/>
-          <a:p>
-            <a:r>
-              <a:rPr lang="it-IT" dirty="0" err="1"/>
-              <a:t>Summary</a:t>
-            </a:r>
-            <a:endParaRPr lang="it-IT" dirty="0"/>
-          </a:p>
-        </p:txBody>
-      </p:sp>
-      <p:graphicFrame>
-        <p:nvGraphicFramePr>
-          <p:cNvPr id="4" name="Segnaposto contenuto 3">
-            <a:extLst>
-              <a:ext uri="{FF2B5EF4-FFF2-40B4-BE49-F238E27FC236}">
-                <a16:creationId xmlns:a16="http://schemas.microsoft.com/office/drawing/2014/main" id="{740710D4-BCDA-4446-8952-338BE60B649E}"/>
-              </a:ext>
-            </a:extLst>
-          </p:cNvPr>
-          <p:cNvGraphicFramePr>
-            <a:graphicFrameLocks noGrp="1"/>
-          </p:cNvGraphicFramePr>
-          <p:nvPr>
-            <p:ph idx="1"/>
-            <p:extLst>
-              <p:ext uri="{D42A27DB-BD31-4B8C-83A1-F6EECF244321}">
-                <p14:modId xmlns:p14="http://schemas.microsoft.com/office/powerpoint/2010/main" val="413333649"/>
-              </p:ext>
-            </p:extLst>
-          </p:nvPr>
-        </p:nvGraphicFramePr>
-        <p:xfrm>
-          <a:off x="417410" y="1379700"/>
-          <a:ext cx="8323263" cy="4525963"/>
-        </p:xfrm>
-        <a:graphic>
-          <a:graphicData uri="http://schemas.openxmlformats.org/drawingml/2006/diagram">
-            <dgm:relIds xmlns:dgm="http://schemas.openxmlformats.org/drawingml/2006/diagram" xmlns:r="http://schemas.openxmlformats.org/officeDocument/2006/relationships" r:dm="rId2" r:lo="rId3" r:qs="rId4" r:cs="rId5"/>
-          </a:graphicData>
-        </a:graphic>
-      </p:graphicFrame>
-      <p:sp>
-        <p:nvSpPr>
-          <p:cNvPr id="7" name="Rettangolo 6">
-            <a:extLst>
-              <a:ext uri="{FF2B5EF4-FFF2-40B4-BE49-F238E27FC236}">
-                <a16:creationId xmlns:a16="http://schemas.microsoft.com/office/drawing/2014/main" id="{90506E7B-D7EB-5B42-BB41-2B105C8284FD}"/>
-              </a:ext>
-            </a:extLst>
-          </p:cNvPr>
-          <p:cNvSpPr/>
-          <p:nvPr/>
-        </p:nvSpPr>
-        <p:spPr>
-          <a:xfrm>
-            <a:off x="142504" y="6305797"/>
-            <a:ext cx="3028208" cy="344385"/>
-          </a:xfrm>
-          <a:prstGeom prst="rect">
-            <a:avLst/>
-          </a:prstGeom>
-          <a:solidFill>
-            <a:srgbClr val="728FA5"/>
-          </a:solidFill>
-          <a:ln>
-            <a:noFill/>
-          </a:ln>
-        </p:spPr>
-        <p:style>
-          <a:lnRef idx="0">
-            <a:scrgbClr r="0" g="0" b="0"/>
-          </a:lnRef>
-          <a:fillRef idx="0">
-            <a:scrgbClr r="0" g="0" b="0"/>
-          </a:fillRef>
-          <a:effectRef idx="0">
-            <a:scrgbClr r="0" g="0" b="0"/>
-          </a:effectRef>
-          <a:fontRef idx="minor">
-            <a:schemeClr val="lt1"/>
-          </a:fontRef>
-        </p:style>
-        <p:txBody>
-          <a:bodyPr rtlCol="0" anchor="ctr"/>
-          <a:lstStyle/>
-          <a:p>
-            <a:pPr algn="ctr"/>
-            <a:endParaRPr lang="it-IT"/>
-          </a:p>
-        </p:txBody>
-      </p:sp>
-      <p:sp>
-        <p:nvSpPr>
-          <p:cNvPr id="10" name="Rettangolo 9">
-            <a:extLst>
-              <a:ext uri="{FF2B5EF4-FFF2-40B4-BE49-F238E27FC236}">
-                <a16:creationId xmlns:a16="http://schemas.microsoft.com/office/drawing/2014/main" id="{61AAF7CD-7882-214C-A416-FFA273827622}"/>
-              </a:ext>
-            </a:extLst>
-          </p:cNvPr>
-          <p:cNvSpPr/>
-          <p:nvPr/>
-        </p:nvSpPr>
-        <p:spPr>
-          <a:xfrm>
-            <a:off x="288521" y="6317672"/>
-            <a:ext cx="2858440" cy="344385"/>
-          </a:xfrm>
-          <a:prstGeom prst="rect">
-            <a:avLst/>
-          </a:prstGeom>
-          <a:solidFill>
-            <a:srgbClr val="728FA5"/>
-          </a:solidFill>
-          <a:ln>
-            <a:noFill/>
-          </a:ln>
-        </p:spPr>
-        <p:style>
-          <a:lnRef idx="0">
-            <a:scrgbClr r="0" g="0" b="0"/>
-          </a:lnRef>
-          <a:fillRef idx="0">
-            <a:scrgbClr r="0" g="0" b="0"/>
-          </a:fillRef>
-          <a:effectRef idx="0">
-            <a:scrgbClr r="0" g="0" b="0"/>
-          </a:effectRef>
-          <a:fontRef idx="minor">
-            <a:schemeClr val="lt1"/>
-          </a:fontRef>
-        </p:style>
-        <p:txBody>
-          <a:bodyPr rtlCol="0" anchor="ctr"/>
-          <a:lstStyle/>
-          <a:p>
-            <a:r>
-              <a:rPr lang="it-IT" sz="1400" dirty="0"/>
-              <a:t>Mirco Meazzo - 873477</a:t>
-            </a:r>
-          </a:p>
-        </p:txBody>
-      </p:sp>
-    </p:spTree>
-    <p:extLst>
-      <p:ext uri="{BB962C8B-B14F-4D97-AF65-F5344CB8AC3E}">
-        <p14:creationId xmlns:p14="http://schemas.microsoft.com/office/powerpoint/2010/main" val="1296088962"/>
-      </p:ext>
-    </p:extLst>
-  </p:cSld>
-  <p:clrMapOvr>
-    <a:masterClrMapping/>
-  </p:clrMapOvr>
-</p:sld>
-</file>
-
 <file path=ppt/theme/theme1.xml><?xml version="1.0" encoding="utf-8"?>
 <a:theme xmlns:a="http://schemas.openxmlformats.org/drawingml/2006/main" name="POLI">
   <a:themeElements>

--- a/presentazione_meazzo.pptx
+++ b/presentazione_meazzo.pptx
@@ -5,7 +5,7 @@
     <p:sldMasterId id="2147483648" r:id="rId1"/>
   </p:sldMasterIdLst>
   <p:notesMasterIdLst>
-    <p:notesMasterId r:id="rId18"/>
+    <p:notesMasterId r:id="rId19"/>
   </p:notesMasterIdLst>
   <p:sldIdLst>
     <p:sldId id="261" r:id="rId2"/>
@@ -18,12 +18,13 @@
     <p:sldId id="290" r:id="rId9"/>
     <p:sldId id="292" r:id="rId10"/>
     <p:sldId id="262" r:id="rId11"/>
-    <p:sldId id="270" r:id="rId12"/>
-    <p:sldId id="277" r:id="rId13"/>
-    <p:sldId id="285" r:id="rId14"/>
-    <p:sldId id="275" r:id="rId15"/>
-    <p:sldId id="272" r:id="rId16"/>
-    <p:sldId id="271" r:id="rId17"/>
+    <p:sldId id="277" r:id="rId12"/>
+    <p:sldId id="270" r:id="rId13"/>
+    <p:sldId id="299" r:id="rId14"/>
+    <p:sldId id="285" r:id="rId15"/>
+    <p:sldId id="275" r:id="rId16"/>
+    <p:sldId id="272" r:id="rId17"/>
+    <p:sldId id="271" r:id="rId18"/>
   </p:sldIdLst>
   <p:sldSz cx="9144000" cy="6858000" type="screen4x3"/>
   <p:notesSz cx="6858000" cy="9144000"/>
@@ -149,8 +150,9 @@
         <p14:section name="Risultati Simulazioni" id="{EF6A5A0E-616C-3243-91B4-6B671EBE2761}">
           <p14:sldIdLst>
             <p14:sldId id="262"/>
+            <p14:sldId id="277"/>
             <p14:sldId id="270"/>
-            <p14:sldId id="277"/>
+            <p14:sldId id="299"/>
             <p14:sldId id="285"/>
             <p14:sldId id="275"/>
           </p14:sldIdLst>
@@ -635,13 +637,13 @@
           <a:p>
             <a:r>
               <a:rPr lang="it-IT" dirty="0"/>
-              <a:t>Validare solutore, </a:t>
+              <a:t>Validare solutore, Re=5600</a:t>
             </a:r>
           </a:p>
           <a:p>
             <a:r>
               <a:rPr lang="it-IT" dirty="0"/>
-              <a:t>Legge di parete,</a:t>
+              <a:t>Legge di parete: brevemente …,</a:t>
             </a:r>
           </a:p>
           <a:p>
@@ -760,15 +762,8 @@
           <a:p>
             <a:r>
               <a:rPr lang="it-IT" dirty="0"/>
-              <a:t>Panoramica legge parete,</a:t>
-            </a:r>
-          </a:p>
-          <a:p>
-            <a:r>
-              <a:rPr lang="it-IT" dirty="0" err="1"/>
-              <a:t>U_mean</a:t>
-            </a:r>
-            <a:endParaRPr lang="it-IT" dirty="0"/>
+              <a:t>se log -&gt; B=1/K (K=Von Karman)</a:t>
+            </a:r>
           </a:p>
         </p:txBody>
       </p:sp>
@@ -798,7 +793,7 @@
     </p:spTree>
     <p:extLst>
       <p:ext uri="{BB962C8B-B14F-4D97-AF65-F5344CB8AC3E}">
-        <p14:creationId xmlns:p14="http://schemas.microsoft.com/office/powerpoint/2010/main" val="1247092198"/>
+        <p14:creationId xmlns:p14="http://schemas.microsoft.com/office/powerpoint/2010/main" val="4013558028"/>
       </p:ext>
     </p:extLst>
   </p:cSld>
@@ -854,33 +849,15 @@
           <a:p>
             <a:r>
               <a:rPr lang="it-IT" dirty="0"/>
-              <a:t>Aggiungere slide intro su </a:t>
-            </a:r>
-            <a:r>
-              <a:rPr lang="it-IT" dirty="0" err="1"/>
-              <a:t>towsend</a:t>
-            </a:r>
-            <a:r>
-              <a:rPr lang="it-IT" dirty="0"/>
-              <a:t> con –Aumentare re x vedere meglio</a:t>
+              <a:t>Panoramica legge parete,</a:t>
             </a:r>
           </a:p>
           <a:p>
+            <a:r>
+              <a:rPr lang="it-IT" dirty="0" err="1"/>
+              <a:t>U_mean</a:t>
+            </a:r>
             <a:endParaRPr lang="it-IT" dirty="0"/>
-          </a:p>
-          <a:p>
-            <a:r>
-              <a:rPr lang="it-IT" dirty="0"/>
-              <a:t>Funzione </a:t>
-            </a:r>
-            <a:r>
-              <a:rPr lang="it-IT" dirty="0" err="1"/>
-              <a:t>Predittore</a:t>
-            </a:r>
-            <a:r>
-              <a:rPr lang="it-IT" dirty="0"/>
-              <a:t> andamento logaritmico</a:t>
-            </a:r>
           </a:p>
         </p:txBody>
       </p:sp>
@@ -910,7 +887,7 @@
     </p:spTree>
     <p:extLst>
       <p:ext uri="{BB962C8B-B14F-4D97-AF65-F5344CB8AC3E}">
-        <p14:creationId xmlns:p14="http://schemas.microsoft.com/office/powerpoint/2010/main" val="4013558028"/>
+        <p14:creationId xmlns:p14="http://schemas.microsoft.com/office/powerpoint/2010/main" val="1247092198"/>
       </p:ext>
     </p:extLst>
   </p:cSld>
@@ -966,6 +943,20 @@
           <a:p>
             <a:r>
               <a:rPr lang="it-IT" dirty="0"/>
+              <a:t>Aggiungere slide intro su </a:t>
+            </a:r>
+            <a:r>
+              <a:rPr lang="it-IT" dirty="0" err="1"/>
+              <a:t>towsend</a:t>
+            </a:r>
+            <a:r>
+              <a:rPr lang="it-IT" dirty="0"/>
+              <a:t> con</a:t>
+            </a:r>
+          </a:p>
+          <a:p>
+            <a:r>
+              <a:rPr lang="it-IT" dirty="0"/>
               <a:t>Funzione </a:t>
             </a:r>
             <a:r>
@@ -1005,7 +996,7 @@
     </p:spTree>
     <p:extLst>
       <p:ext uri="{BB962C8B-B14F-4D97-AF65-F5344CB8AC3E}">
-        <p14:creationId xmlns:p14="http://schemas.microsoft.com/office/powerpoint/2010/main" val="1896786706"/>
+        <p14:creationId xmlns:p14="http://schemas.microsoft.com/office/powerpoint/2010/main" val="3737241230"/>
       </p:ext>
     </p:extLst>
   </p:cSld>
@@ -1061,6 +1052,101 @@
           <a:p>
             <a:r>
               <a:rPr lang="it-IT" dirty="0"/>
+              <a:t>Funzione </a:t>
+            </a:r>
+            <a:r>
+              <a:rPr lang="it-IT" dirty="0" err="1"/>
+              <a:t>Predittore</a:t>
+            </a:r>
+            <a:r>
+              <a:rPr lang="it-IT" dirty="0"/>
+              <a:t> andamento logaritmico</a:t>
+            </a:r>
+          </a:p>
+        </p:txBody>
+      </p:sp>
+      <p:sp>
+        <p:nvSpPr>
+          <p:cNvPr id="4" name="Segnaposto numero diapositiva 3"/>
+          <p:cNvSpPr>
+            <a:spLocks noGrp="1"/>
+          </p:cNvSpPr>
+          <p:nvPr>
+            <p:ph type="sldNum" sz="quarter" idx="10"/>
+          </p:nvPr>
+        </p:nvSpPr>
+        <p:spPr/>
+        <p:txBody>
+          <a:bodyPr/>
+          <a:lstStyle/>
+          <a:p>
+            <a:fld id="{1A6B2BED-F6F4-ED4A-9D49-77F4B1011AF7}" type="slidenum">
+              <a:rPr lang="it-IT" smtClean="0"/>
+              <a:t>14</a:t>
+            </a:fld>
+            <a:endParaRPr lang="it-IT"/>
+          </a:p>
+        </p:txBody>
+      </p:sp>
+    </p:spTree>
+    <p:extLst>
+      <p:ext uri="{BB962C8B-B14F-4D97-AF65-F5344CB8AC3E}">
+        <p14:creationId xmlns:p14="http://schemas.microsoft.com/office/powerpoint/2010/main" val="1896786706"/>
+      </p:ext>
+    </p:extLst>
+  </p:cSld>
+  <p:clrMapOvr>
+    <a:masterClrMapping/>
+  </p:clrMapOvr>
+</p:notes>
+</file>
+
+<file path=ppt/notesSlides/notesSlide15.xml><?xml version="1.0" encoding="utf-8"?>
+<p:notes xmlns:a="http://schemas.openxmlformats.org/drawingml/2006/main" xmlns:r="http://schemas.openxmlformats.org/officeDocument/2006/relationships" xmlns:p="http://schemas.openxmlformats.org/presentationml/2006/main">
+  <p:cSld>
+    <p:spTree>
+      <p:nvGrpSpPr>
+        <p:cNvPr id="1" name=""/>
+        <p:cNvGrpSpPr/>
+        <p:nvPr/>
+      </p:nvGrpSpPr>
+      <p:grpSpPr>
+        <a:xfrm>
+          <a:off x="0" y="0"/>
+          <a:ext cx="0" cy="0"/>
+          <a:chOff x="0" y="0"/>
+          <a:chExt cx="0" cy="0"/>
+        </a:xfrm>
+      </p:grpSpPr>
+      <p:sp>
+        <p:nvSpPr>
+          <p:cNvPr id="2" name="Segnaposto immagine diapositiva 1"/>
+          <p:cNvSpPr>
+            <a:spLocks noGrp="1" noRot="1" noChangeAspect="1"/>
+          </p:cNvSpPr>
+          <p:nvPr>
+            <p:ph type="sldImg"/>
+          </p:nvPr>
+        </p:nvSpPr>
+        <p:spPr/>
+      </p:sp>
+      <p:sp>
+        <p:nvSpPr>
+          <p:cNvPr id="3" name="Segnaposto note 2"/>
+          <p:cNvSpPr>
+            <a:spLocks noGrp="1"/>
+          </p:cNvSpPr>
+          <p:nvPr>
+            <p:ph type="body" idx="1"/>
+          </p:nvPr>
+        </p:nvSpPr>
+        <p:spPr/>
+        <p:txBody>
+          <a:bodyPr/>
+          <a:lstStyle/>
+          <a:p>
+            <a:r>
+              <a:rPr lang="it-IT" dirty="0"/>
               <a:t>Componenti sforzo di taglio (</a:t>
             </a:r>
             <a:r>
@@ -1142,7 +1228,7 @@
           <a:p>
             <a:fld id="{1A6B2BED-F6F4-ED4A-9D49-77F4B1011AF7}" type="slidenum">
               <a:rPr lang="it-IT" smtClean="0"/>
-              <a:t>14</a:t>
+              <a:t>15</a:t>
             </a:fld>
             <a:endParaRPr lang="it-IT"/>
           </a:p>
@@ -1161,7 +1247,7 @@
 </p:notes>
 </file>
 
-<file path=ppt/notesSlides/notesSlide15.xml><?xml version="1.0" encoding="utf-8"?>
+<file path=ppt/notesSlides/notesSlide16.xml><?xml version="1.0" encoding="utf-8"?>
 <p:notes xmlns:a="http://schemas.openxmlformats.org/drawingml/2006/main" xmlns:r="http://schemas.openxmlformats.org/officeDocument/2006/relationships" xmlns:p="http://schemas.openxmlformats.org/presentationml/2006/main">
   <p:cSld>
     <p:spTree>
@@ -1226,7 +1312,7 @@
           <a:p>
             <a:fld id="{1A6B2BED-F6F4-ED4A-9D49-77F4B1011AF7}" type="slidenum">
               <a:rPr lang="it-IT" smtClean="0"/>
-              <a:t>16</a:t>
+              <a:t>17</a:t>
             </a:fld>
             <a:endParaRPr lang="it-IT"/>
           </a:p>
@@ -1584,6 +1670,9 @@
             </a:r>
           </a:p>
           <a:p>
+            <a:endParaRPr lang="it-IT" dirty="0"/>
+          </a:p>
+          <a:p>
             <a:r>
               <a:rPr lang="it-IT" dirty="0"/>
               <a:t>? Realizzare questo </a:t>
@@ -1600,15 +1689,7 @@
           <a:p>
             <a:r>
               <a:rPr lang="it-IT" dirty="0"/>
-              <a:t>Impiegare </a:t>
-            </a:r>
-            <a:r>
-              <a:rPr lang="it-IT" dirty="0" err="1"/>
-              <a:t>tech</a:t>
-            </a:r>
-            <a:r>
-              <a:rPr lang="it-IT" dirty="0"/>
-              <a:t> MPI:</a:t>
+              <a:t>MPI:</a:t>
             </a:r>
           </a:p>
           <a:p>
@@ -19245,8 +19326,8 @@
           </a:p>
         </p:txBody>
       </p:sp>
-      <mc:AlternateContent xmlns:mc="http://schemas.openxmlformats.org/markup-compatibility/2006" xmlns:a14="http://schemas.microsoft.com/office/drawing/2010/main">
-        <mc:Choice Requires="a14">
+      <mc:AlternateContent xmlns:mc="http://schemas.openxmlformats.org/markup-compatibility/2006">
+        <mc:Choice xmlns:a14="http://schemas.microsoft.com/office/drawing/2010/main" Requires="a14">
           <p:sp>
             <p:nvSpPr>
               <p:cNvPr id="3" name="Segnaposto contenuto 2"/>
@@ -19279,7 +19360,7 @@
                       </m:sSubPr>
                       <m:e>
                         <m:r>
-                          <a:rPr lang="it-IT" b="1" i="0" smtClean="0">
+                          <a:rPr lang="it-IT" b="1" i="1" smtClean="0">
                             <a:solidFill>
                               <a:schemeClr val="accent1">
                                 <a:lumMod val="50000"/>
@@ -19287,7 +19368,7 @@
                             </a:solidFill>
                             <a:latin typeface="Cambria Math" panose="02040503050406030204" pitchFamily="18" charset="0"/>
                           </a:rPr>
-                          <m:t>𝐑𝐞</m:t>
+                          <m:t>𝑹𝒆</m:t>
                         </m:r>
                       </m:e>
                       <m:sub>
@@ -19363,7 +19444,7 @@
             </p:txBody>
           </p:sp>
         </mc:Choice>
-        <mc:Fallback xmlns="">
+        <mc:Fallback>
           <p:sp>
             <p:nvSpPr>
               <p:cNvPr id="3" name="Segnaposto contenuto 2"/>
@@ -20145,6 +20226,460 @@
           </p:sp>
         </mc:Fallback>
       </mc:AlternateContent>
+      <p:sp>
+        <p:nvSpPr>
+          <p:cNvPr id="4" name="Rettangolo 3">
+            <a:extLst>
+              <a:ext uri="{FF2B5EF4-FFF2-40B4-BE49-F238E27FC236}">
+                <a16:creationId xmlns:a16="http://schemas.microsoft.com/office/drawing/2014/main" id="{B1116223-6519-524A-98A9-A37FDC00F863}"/>
+              </a:ext>
+            </a:extLst>
+          </p:cNvPr>
+          <p:cNvSpPr/>
+          <p:nvPr/>
+        </p:nvSpPr>
+        <p:spPr>
+          <a:xfrm>
+            <a:off x="1408386" y="4272218"/>
+            <a:ext cx="1292773" cy="1119590"/>
+          </a:xfrm>
+          <a:prstGeom prst="rect">
+            <a:avLst/>
+          </a:prstGeom>
+          <a:solidFill>
+            <a:srgbClr val="B2FF5E">
+              <a:alpha val="29000"/>
+            </a:srgbClr>
+          </a:solidFill>
+          <a:ln w="38100" cmpd="sng">
+            <a:solidFill>
+              <a:srgbClr val="B2FF5E"/>
+            </a:solidFill>
+            <a:prstDash val="dash"/>
+          </a:ln>
+          <a:effectLst>
+            <a:softEdge rad="0"/>
+          </a:effectLst>
+        </p:spPr>
+        <p:style>
+          <a:lnRef idx="1">
+            <a:schemeClr val="accent1"/>
+          </a:lnRef>
+          <a:fillRef idx="3">
+            <a:schemeClr val="accent1"/>
+          </a:fillRef>
+          <a:effectRef idx="2">
+            <a:schemeClr val="accent1"/>
+          </a:effectRef>
+          <a:fontRef idx="minor">
+            <a:schemeClr val="lt1"/>
+          </a:fontRef>
+        </p:style>
+        <p:txBody>
+          <a:bodyPr rtlCol="0" anchor="ctr"/>
+          <a:lstStyle/>
+          <a:p>
+            <a:pPr algn="ctr"/>
+            <a:endParaRPr lang="it-IT"/>
+          </a:p>
+        </p:txBody>
+      </p:sp>
+      <p:sp>
+        <p:nvSpPr>
+          <p:cNvPr id="10" name="Rettangolo 9">
+            <a:extLst>
+              <a:ext uri="{FF2B5EF4-FFF2-40B4-BE49-F238E27FC236}">
+                <a16:creationId xmlns:a16="http://schemas.microsoft.com/office/drawing/2014/main" id="{354DF4A1-2108-9848-BCD4-D3F157EC51E0}"/>
+              </a:ext>
+            </a:extLst>
+          </p:cNvPr>
+          <p:cNvSpPr/>
+          <p:nvPr/>
+        </p:nvSpPr>
+        <p:spPr>
+          <a:xfrm>
+            <a:off x="2701159" y="2976310"/>
+            <a:ext cx="1145627" cy="1949613"/>
+          </a:xfrm>
+          <a:prstGeom prst="rect">
+            <a:avLst/>
+          </a:prstGeom>
+          <a:solidFill>
+            <a:srgbClr val="7030A0">
+              <a:alpha val="6000"/>
+            </a:srgbClr>
+          </a:solidFill>
+          <a:ln w="38100">
+            <a:solidFill>
+              <a:srgbClr val="7030A0"/>
+            </a:solidFill>
+            <a:prstDash val="dash"/>
+          </a:ln>
+          <a:effectLst/>
+        </p:spPr>
+        <p:style>
+          <a:lnRef idx="1">
+            <a:schemeClr val="accent1"/>
+          </a:lnRef>
+          <a:fillRef idx="3">
+            <a:schemeClr val="accent1"/>
+          </a:fillRef>
+          <a:effectRef idx="2">
+            <a:schemeClr val="accent1"/>
+          </a:effectRef>
+          <a:fontRef idx="minor">
+            <a:schemeClr val="lt1"/>
+          </a:fontRef>
+        </p:style>
+        <p:txBody>
+          <a:bodyPr rtlCol="0" anchor="ctr"/>
+          <a:lstStyle/>
+          <a:p>
+            <a:pPr algn="ctr"/>
+            <a:endParaRPr lang="it-IT"/>
+          </a:p>
+        </p:txBody>
+      </p:sp>
+      <p:sp>
+        <p:nvSpPr>
+          <p:cNvPr id="12" name="Rettangolo 11">
+            <a:extLst>
+              <a:ext uri="{FF2B5EF4-FFF2-40B4-BE49-F238E27FC236}">
+                <a16:creationId xmlns:a16="http://schemas.microsoft.com/office/drawing/2014/main" id="{D300DD31-88BB-0840-AD54-970C60844231}"/>
+              </a:ext>
+            </a:extLst>
+          </p:cNvPr>
+          <p:cNvSpPr/>
+          <p:nvPr/>
+        </p:nvSpPr>
+        <p:spPr>
+          <a:xfrm>
+            <a:off x="3846904" y="2270237"/>
+            <a:ext cx="1303165" cy="1300936"/>
+          </a:xfrm>
+          <a:prstGeom prst="rect">
+            <a:avLst/>
+          </a:prstGeom>
+          <a:solidFill>
+            <a:srgbClr val="00B0F0">
+              <a:alpha val="7000"/>
+            </a:srgbClr>
+          </a:solidFill>
+          <a:ln w="38100">
+            <a:solidFill>
+              <a:srgbClr val="00B0F0"/>
+            </a:solidFill>
+            <a:prstDash val="dash"/>
+          </a:ln>
+          <a:effectLst/>
+        </p:spPr>
+        <p:style>
+          <a:lnRef idx="1">
+            <a:schemeClr val="accent1"/>
+          </a:lnRef>
+          <a:fillRef idx="3">
+            <a:schemeClr val="accent1"/>
+          </a:fillRef>
+          <a:effectRef idx="2">
+            <a:schemeClr val="accent1"/>
+          </a:effectRef>
+          <a:fontRef idx="minor">
+            <a:schemeClr val="lt1"/>
+          </a:fontRef>
+        </p:style>
+        <p:txBody>
+          <a:bodyPr rtlCol="0" anchor="ctr"/>
+          <a:lstStyle/>
+          <a:p>
+            <a:pPr algn="ctr"/>
+            <a:endParaRPr lang="it-IT"/>
+          </a:p>
+        </p:txBody>
+      </p:sp>
+      <p:sp>
+        <p:nvSpPr>
+          <p:cNvPr id="6" name="Parentesi graffa aperta 5">
+            <a:extLst>
+              <a:ext uri="{FF2B5EF4-FFF2-40B4-BE49-F238E27FC236}">
+                <a16:creationId xmlns:a16="http://schemas.microsoft.com/office/drawing/2014/main" id="{1B555D0C-18CC-B946-B273-A5E552B3FF60}"/>
+              </a:ext>
+            </a:extLst>
+          </p:cNvPr>
+          <p:cNvSpPr/>
+          <p:nvPr/>
+        </p:nvSpPr>
+        <p:spPr>
+          <a:xfrm rot="5400000">
+            <a:off x="1958947" y="3171246"/>
+            <a:ext cx="176108" cy="1292774"/>
+          </a:xfrm>
+          <a:prstGeom prst="leftBrace">
+            <a:avLst/>
+          </a:prstGeom>
+          <a:noFill/>
+          <a:ln>
+            <a:solidFill>
+              <a:schemeClr val="tx1"/>
+            </a:solidFill>
+          </a:ln>
+          <a:effectLst/>
+        </p:spPr>
+        <p:style>
+          <a:lnRef idx="2">
+            <a:schemeClr val="accent1"/>
+          </a:lnRef>
+          <a:fillRef idx="0">
+            <a:schemeClr val="accent1"/>
+          </a:fillRef>
+          <a:effectRef idx="1">
+            <a:schemeClr val="accent1"/>
+          </a:effectRef>
+          <a:fontRef idx="minor">
+            <a:schemeClr val="tx1"/>
+          </a:fontRef>
+        </p:style>
+        <p:txBody>
+          <a:bodyPr rtlCol="0" anchor="ctr"/>
+          <a:lstStyle/>
+          <a:p>
+            <a:pPr algn="ctr"/>
+            <a:endParaRPr lang="it-IT"/>
+          </a:p>
+        </p:txBody>
+      </p:sp>
+      <p:sp>
+        <p:nvSpPr>
+          <p:cNvPr id="7" name="CasellaDiTesto 6">
+            <a:extLst>
+              <a:ext uri="{FF2B5EF4-FFF2-40B4-BE49-F238E27FC236}">
+                <a16:creationId xmlns:a16="http://schemas.microsoft.com/office/drawing/2014/main" id="{E60C25B3-7A6D-8E4E-A14D-E9EEE0932D7E}"/>
+              </a:ext>
+            </a:extLst>
+          </p:cNvPr>
+          <p:cNvSpPr txBox="1"/>
+          <p:nvPr/>
+        </p:nvSpPr>
+        <p:spPr>
+          <a:xfrm>
+            <a:off x="1403922" y="3494896"/>
+            <a:ext cx="1289466" cy="261610"/>
+          </a:xfrm>
+          <a:prstGeom prst="rect">
+            <a:avLst/>
+          </a:prstGeom>
+          <a:noFill/>
+        </p:spPr>
+        <p:txBody>
+          <a:bodyPr wrap="square" rtlCol="0">
+            <a:spAutoFit/>
+          </a:bodyPr>
+          <a:lstStyle/>
+          <a:p>
+            <a:pPr algn="ctr"/>
+            <a:r>
+              <a:rPr lang="it-IT" sz="1100" dirty="0" err="1"/>
+              <a:t>Viscous</a:t>
+            </a:r>
+            <a:r>
+              <a:rPr lang="it-IT" sz="1100" dirty="0"/>
+              <a:t> </a:t>
+            </a:r>
+            <a:r>
+              <a:rPr lang="it-IT" sz="1100" dirty="0" err="1"/>
+              <a:t>Sublayer</a:t>
+            </a:r>
+            <a:endParaRPr lang="it-IT" sz="1100" dirty="0"/>
+          </a:p>
+        </p:txBody>
+      </p:sp>
+      <p:sp>
+        <p:nvSpPr>
+          <p:cNvPr id="15" name="Parentesi graffa aperta 14">
+            <a:extLst>
+              <a:ext uri="{FF2B5EF4-FFF2-40B4-BE49-F238E27FC236}">
+                <a16:creationId xmlns:a16="http://schemas.microsoft.com/office/drawing/2014/main" id="{E5AD6A15-77FC-E642-AE06-8B45E7346079}"/>
+              </a:ext>
+            </a:extLst>
+          </p:cNvPr>
+          <p:cNvSpPr/>
+          <p:nvPr/>
+        </p:nvSpPr>
+        <p:spPr>
+          <a:xfrm rot="5400000">
+            <a:off x="3184390" y="2040444"/>
+            <a:ext cx="176108" cy="1148684"/>
+          </a:xfrm>
+          <a:prstGeom prst="leftBrace">
+            <a:avLst/>
+          </a:prstGeom>
+          <a:noFill/>
+          <a:ln>
+            <a:solidFill>
+              <a:schemeClr val="tx1"/>
+            </a:solidFill>
+          </a:ln>
+          <a:effectLst/>
+        </p:spPr>
+        <p:style>
+          <a:lnRef idx="2">
+            <a:schemeClr val="accent1"/>
+          </a:lnRef>
+          <a:fillRef idx="0">
+            <a:schemeClr val="accent1"/>
+          </a:fillRef>
+          <a:effectRef idx="1">
+            <a:schemeClr val="accent1"/>
+          </a:effectRef>
+          <a:fontRef idx="minor">
+            <a:schemeClr val="tx1"/>
+          </a:fontRef>
+        </p:style>
+        <p:txBody>
+          <a:bodyPr rtlCol="0" anchor="ctr"/>
+          <a:lstStyle/>
+          <a:p>
+            <a:pPr algn="ctr"/>
+            <a:endParaRPr lang="it-IT"/>
+          </a:p>
+        </p:txBody>
+      </p:sp>
+      <p:sp>
+        <p:nvSpPr>
+          <p:cNvPr id="16" name="CasellaDiTesto 15">
+            <a:extLst>
+              <a:ext uri="{FF2B5EF4-FFF2-40B4-BE49-F238E27FC236}">
+                <a16:creationId xmlns:a16="http://schemas.microsoft.com/office/drawing/2014/main" id="{2A6A77A2-3E67-5F4D-9EC5-329E1E20251A}"/>
+              </a:ext>
+            </a:extLst>
+          </p:cNvPr>
+          <p:cNvSpPr txBox="1"/>
+          <p:nvPr/>
+        </p:nvSpPr>
+        <p:spPr>
+          <a:xfrm>
+            <a:off x="2701040" y="2292049"/>
+            <a:ext cx="1145745" cy="261610"/>
+          </a:xfrm>
+          <a:prstGeom prst="rect">
+            <a:avLst/>
+          </a:prstGeom>
+          <a:noFill/>
+        </p:spPr>
+        <p:txBody>
+          <a:bodyPr wrap="square" rtlCol="0">
+            <a:spAutoFit/>
+          </a:bodyPr>
+          <a:lstStyle/>
+          <a:p>
+            <a:pPr algn="ctr"/>
+            <a:r>
+              <a:rPr lang="it-IT" sz="1100" dirty="0"/>
+              <a:t>Buffer </a:t>
+            </a:r>
+            <a:r>
+              <a:rPr lang="it-IT" sz="1100" dirty="0" err="1"/>
+              <a:t>Region</a:t>
+            </a:r>
+            <a:endParaRPr lang="it-IT" sz="1100" dirty="0"/>
+          </a:p>
+        </p:txBody>
+      </p:sp>
+      <p:sp>
+        <p:nvSpPr>
+          <p:cNvPr id="17" name="Parentesi graffa aperta 16">
+            <a:extLst>
+              <a:ext uri="{FF2B5EF4-FFF2-40B4-BE49-F238E27FC236}">
+                <a16:creationId xmlns:a16="http://schemas.microsoft.com/office/drawing/2014/main" id="{5FDFE339-8CAE-154E-9946-39278952D85D}"/>
+              </a:ext>
+            </a:extLst>
+          </p:cNvPr>
+          <p:cNvSpPr/>
+          <p:nvPr/>
+        </p:nvSpPr>
+        <p:spPr>
+          <a:xfrm rot="16200000">
+            <a:off x="4425458" y="3293605"/>
+            <a:ext cx="145937" cy="1303283"/>
+          </a:xfrm>
+          <a:prstGeom prst="leftBrace">
+            <a:avLst/>
+          </a:prstGeom>
+          <a:noFill/>
+          <a:ln>
+            <a:solidFill>
+              <a:schemeClr val="tx1"/>
+            </a:solidFill>
+          </a:ln>
+          <a:effectLst/>
+        </p:spPr>
+        <p:style>
+          <a:lnRef idx="2">
+            <a:schemeClr val="accent1"/>
+          </a:lnRef>
+          <a:fillRef idx="0">
+            <a:schemeClr val="accent1"/>
+          </a:fillRef>
+          <a:effectRef idx="1">
+            <a:schemeClr val="accent1"/>
+          </a:effectRef>
+          <a:fontRef idx="minor">
+            <a:schemeClr val="tx1"/>
+          </a:fontRef>
+        </p:style>
+        <p:txBody>
+          <a:bodyPr rtlCol="0" anchor="ctr"/>
+          <a:lstStyle/>
+          <a:p>
+            <a:pPr algn="ctr"/>
+            <a:endParaRPr lang="it-IT"/>
+          </a:p>
+        </p:txBody>
+      </p:sp>
+      <p:sp>
+        <p:nvSpPr>
+          <p:cNvPr id="18" name="CasellaDiTesto 17">
+            <a:extLst>
+              <a:ext uri="{FF2B5EF4-FFF2-40B4-BE49-F238E27FC236}">
+                <a16:creationId xmlns:a16="http://schemas.microsoft.com/office/drawing/2014/main" id="{2A1A9C4B-67B7-2F4C-B796-0B1C31655E8C}"/>
+              </a:ext>
+            </a:extLst>
+          </p:cNvPr>
+          <p:cNvSpPr txBox="1"/>
+          <p:nvPr/>
+        </p:nvSpPr>
+        <p:spPr>
+          <a:xfrm>
+            <a:off x="3836276" y="4016412"/>
+            <a:ext cx="1303283" cy="261610"/>
+          </a:xfrm>
+          <a:prstGeom prst="rect">
+            <a:avLst/>
+          </a:prstGeom>
+          <a:noFill/>
+        </p:spPr>
+        <p:txBody>
+          <a:bodyPr wrap="square" rtlCol="0">
+            <a:spAutoFit/>
+          </a:bodyPr>
+          <a:lstStyle/>
+          <a:p>
+            <a:pPr algn="ctr"/>
+            <a:r>
+              <a:rPr lang="it-IT" sz="1100" dirty="0" err="1"/>
+              <a:t>Logarithmic</a:t>
+            </a:r>
+            <a:r>
+              <a:rPr lang="it-IT" sz="1100" dirty="0"/>
+              <a:t> </a:t>
+            </a:r>
+            <a:r>
+              <a:rPr lang="it-IT" sz="1100" dirty="0" err="1"/>
+              <a:t>Region</a:t>
+            </a:r>
+            <a:endParaRPr lang="it-IT" sz="1100" dirty="0"/>
+          </a:p>
+        </p:txBody>
+      </p:sp>
     </p:spTree>
     <p:extLst>
       <p:ext uri="{BB962C8B-B14F-4D97-AF65-F5344CB8AC3E}">
@@ -20167,10 +20702,1885 @@
       </p:transition>
     </mc:Fallback>
   </mc:AlternateContent>
+  <p:timing>
+    <p:tnLst>
+      <p:par>
+        <p:cTn id="1" dur="indefinite" restart="never" nodeType="tmRoot">
+          <p:childTnLst>
+            <p:seq concurrent="1" nextAc="seek">
+              <p:cTn id="2" dur="indefinite" nodeType="mainSeq">
+                <p:childTnLst>
+                  <p:par>
+                    <p:cTn id="3" fill="hold">
+                      <p:stCondLst>
+                        <p:cond delay="indefinite"/>
+                      </p:stCondLst>
+                      <p:childTnLst>
+                        <p:par>
+                          <p:cTn id="4" fill="hold">
+                            <p:stCondLst>
+                              <p:cond delay="0"/>
+                            </p:stCondLst>
+                            <p:childTnLst>
+                              <p:par>
+                                <p:cTn id="5" presetID="2" presetClass="entr" presetSubtype="4" fill="hold" grpId="0" nodeType="clickEffect">
+                                  <p:stCondLst>
+                                    <p:cond delay="0"/>
+                                  </p:stCondLst>
+                                  <p:childTnLst>
+                                    <p:set>
+                                      <p:cBhvr>
+                                        <p:cTn id="6" dur="1" fill="hold">
+                                          <p:stCondLst>
+                                            <p:cond delay="0"/>
+                                          </p:stCondLst>
+                                        </p:cTn>
+                                        <p:tgtEl>
+                                          <p:spTgt spid="7"/>
+                                        </p:tgtEl>
+                                        <p:attrNameLst>
+                                          <p:attrName>style.visibility</p:attrName>
+                                        </p:attrNameLst>
+                                      </p:cBhvr>
+                                      <p:to>
+                                        <p:strVal val="visible"/>
+                                      </p:to>
+                                    </p:set>
+                                    <p:anim calcmode="lin" valueType="num">
+                                      <p:cBhvr additive="base">
+                                        <p:cTn id="7" dur="500" fill="hold"/>
+                                        <p:tgtEl>
+                                          <p:spTgt spid="7"/>
+                                        </p:tgtEl>
+                                        <p:attrNameLst>
+                                          <p:attrName>ppt_x</p:attrName>
+                                        </p:attrNameLst>
+                                      </p:cBhvr>
+                                      <p:tavLst>
+                                        <p:tav tm="0">
+                                          <p:val>
+                                            <p:strVal val="#ppt_x"/>
+                                          </p:val>
+                                        </p:tav>
+                                        <p:tav tm="100000">
+                                          <p:val>
+                                            <p:strVal val="#ppt_x"/>
+                                          </p:val>
+                                        </p:tav>
+                                      </p:tavLst>
+                                    </p:anim>
+                                    <p:anim calcmode="lin" valueType="num">
+                                      <p:cBhvr additive="base">
+                                        <p:cTn id="8" dur="500" fill="hold"/>
+                                        <p:tgtEl>
+                                          <p:spTgt spid="7"/>
+                                        </p:tgtEl>
+                                        <p:attrNameLst>
+                                          <p:attrName>ppt_y</p:attrName>
+                                        </p:attrNameLst>
+                                      </p:cBhvr>
+                                      <p:tavLst>
+                                        <p:tav tm="0">
+                                          <p:val>
+                                            <p:strVal val="1+#ppt_h/2"/>
+                                          </p:val>
+                                        </p:tav>
+                                        <p:tav tm="100000">
+                                          <p:val>
+                                            <p:strVal val="#ppt_y"/>
+                                          </p:val>
+                                        </p:tav>
+                                      </p:tavLst>
+                                    </p:anim>
+                                  </p:childTnLst>
+                                </p:cTn>
+                              </p:par>
+                              <p:par>
+                                <p:cTn id="9" presetID="2" presetClass="entr" presetSubtype="4" fill="hold" grpId="0" nodeType="withEffect">
+                                  <p:stCondLst>
+                                    <p:cond delay="0"/>
+                                  </p:stCondLst>
+                                  <p:childTnLst>
+                                    <p:set>
+                                      <p:cBhvr>
+                                        <p:cTn id="10" dur="1" fill="hold">
+                                          <p:stCondLst>
+                                            <p:cond delay="0"/>
+                                          </p:stCondLst>
+                                        </p:cTn>
+                                        <p:tgtEl>
+                                          <p:spTgt spid="6"/>
+                                        </p:tgtEl>
+                                        <p:attrNameLst>
+                                          <p:attrName>style.visibility</p:attrName>
+                                        </p:attrNameLst>
+                                      </p:cBhvr>
+                                      <p:to>
+                                        <p:strVal val="visible"/>
+                                      </p:to>
+                                    </p:set>
+                                    <p:anim calcmode="lin" valueType="num">
+                                      <p:cBhvr additive="base">
+                                        <p:cTn id="11" dur="500" fill="hold"/>
+                                        <p:tgtEl>
+                                          <p:spTgt spid="6"/>
+                                        </p:tgtEl>
+                                        <p:attrNameLst>
+                                          <p:attrName>ppt_x</p:attrName>
+                                        </p:attrNameLst>
+                                      </p:cBhvr>
+                                      <p:tavLst>
+                                        <p:tav tm="0">
+                                          <p:val>
+                                            <p:strVal val="#ppt_x"/>
+                                          </p:val>
+                                        </p:tav>
+                                        <p:tav tm="100000">
+                                          <p:val>
+                                            <p:strVal val="#ppt_x"/>
+                                          </p:val>
+                                        </p:tav>
+                                      </p:tavLst>
+                                    </p:anim>
+                                    <p:anim calcmode="lin" valueType="num">
+                                      <p:cBhvr additive="base">
+                                        <p:cTn id="12" dur="500" fill="hold"/>
+                                        <p:tgtEl>
+                                          <p:spTgt spid="6"/>
+                                        </p:tgtEl>
+                                        <p:attrNameLst>
+                                          <p:attrName>ppt_y</p:attrName>
+                                        </p:attrNameLst>
+                                      </p:cBhvr>
+                                      <p:tavLst>
+                                        <p:tav tm="0">
+                                          <p:val>
+                                            <p:strVal val="1+#ppt_h/2"/>
+                                          </p:val>
+                                        </p:tav>
+                                        <p:tav tm="100000">
+                                          <p:val>
+                                            <p:strVal val="#ppt_y"/>
+                                          </p:val>
+                                        </p:tav>
+                                      </p:tavLst>
+                                    </p:anim>
+                                  </p:childTnLst>
+                                </p:cTn>
+                              </p:par>
+                              <p:par>
+                                <p:cTn id="13" presetID="2" presetClass="entr" presetSubtype="4" fill="hold" grpId="0" nodeType="withEffect">
+                                  <p:stCondLst>
+                                    <p:cond delay="0"/>
+                                  </p:stCondLst>
+                                  <p:childTnLst>
+                                    <p:set>
+                                      <p:cBhvr>
+                                        <p:cTn id="14" dur="1" fill="hold">
+                                          <p:stCondLst>
+                                            <p:cond delay="0"/>
+                                          </p:stCondLst>
+                                        </p:cTn>
+                                        <p:tgtEl>
+                                          <p:spTgt spid="4"/>
+                                        </p:tgtEl>
+                                        <p:attrNameLst>
+                                          <p:attrName>style.visibility</p:attrName>
+                                        </p:attrNameLst>
+                                      </p:cBhvr>
+                                      <p:to>
+                                        <p:strVal val="visible"/>
+                                      </p:to>
+                                    </p:set>
+                                    <p:anim calcmode="lin" valueType="num">
+                                      <p:cBhvr additive="base">
+                                        <p:cTn id="15" dur="500" fill="hold"/>
+                                        <p:tgtEl>
+                                          <p:spTgt spid="4"/>
+                                        </p:tgtEl>
+                                        <p:attrNameLst>
+                                          <p:attrName>ppt_x</p:attrName>
+                                        </p:attrNameLst>
+                                      </p:cBhvr>
+                                      <p:tavLst>
+                                        <p:tav tm="0">
+                                          <p:val>
+                                            <p:strVal val="#ppt_x"/>
+                                          </p:val>
+                                        </p:tav>
+                                        <p:tav tm="100000">
+                                          <p:val>
+                                            <p:strVal val="#ppt_x"/>
+                                          </p:val>
+                                        </p:tav>
+                                      </p:tavLst>
+                                    </p:anim>
+                                    <p:anim calcmode="lin" valueType="num">
+                                      <p:cBhvr additive="base">
+                                        <p:cTn id="16" dur="500" fill="hold"/>
+                                        <p:tgtEl>
+                                          <p:spTgt spid="4"/>
+                                        </p:tgtEl>
+                                        <p:attrNameLst>
+                                          <p:attrName>ppt_y</p:attrName>
+                                        </p:attrNameLst>
+                                      </p:cBhvr>
+                                      <p:tavLst>
+                                        <p:tav tm="0">
+                                          <p:val>
+                                            <p:strVal val="1+#ppt_h/2"/>
+                                          </p:val>
+                                        </p:tav>
+                                        <p:tav tm="100000">
+                                          <p:val>
+                                            <p:strVal val="#ppt_y"/>
+                                          </p:val>
+                                        </p:tav>
+                                      </p:tavLst>
+                                    </p:anim>
+                                  </p:childTnLst>
+                                </p:cTn>
+                              </p:par>
+                              <p:par>
+                                <p:cTn id="17" presetID="2" presetClass="entr" presetSubtype="1" fill="hold" grpId="0" nodeType="withEffect">
+                                  <p:stCondLst>
+                                    <p:cond delay="0"/>
+                                  </p:stCondLst>
+                                  <p:childTnLst>
+                                    <p:set>
+                                      <p:cBhvr>
+                                        <p:cTn id="18" dur="1" fill="hold">
+                                          <p:stCondLst>
+                                            <p:cond delay="0"/>
+                                          </p:stCondLst>
+                                        </p:cTn>
+                                        <p:tgtEl>
+                                          <p:spTgt spid="10"/>
+                                        </p:tgtEl>
+                                        <p:attrNameLst>
+                                          <p:attrName>style.visibility</p:attrName>
+                                        </p:attrNameLst>
+                                      </p:cBhvr>
+                                      <p:to>
+                                        <p:strVal val="visible"/>
+                                      </p:to>
+                                    </p:set>
+                                    <p:anim calcmode="lin" valueType="num">
+                                      <p:cBhvr additive="base">
+                                        <p:cTn id="19" dur="500" fill="hold"/>
+                                        <p:tgtEl>
+                                          <p:spTgt spid="10"/>
+                                        </p:tgtEl>
+                                        <p:attrNameLst>
+                                          <p:attrName>ppt_x</p:attrName>
+                                        </p:attrNameLst>
+                                      </p:cBhvr>
+                                      <p:tavLst>
+                                        <p:tav tm="0">
+                                          <p:val>
+                                            <p:strVal val="#ppt_x"/>
+                                          </p:val>
+                                        </p:tav>
+                                        <p:tav tm="100000">
+                                          <p:val>
+                                            <p:strVal val="#ppt_x"/>
+                                          </p:val>
+                                        </p:tav>
+                                      </p:tavLst>
+                                    </p:anim>
+                                    <p:anim calcmode="lin" valueType="num">
+                                      <p:cBhvr additive="base">
+                                        <p:cTn id="20" dur="500" fill="hold"/>
+                                        <p:tgtEl>
+                                          <p:spTgt spid="10"/>
+                                        </p:tgtEl>
+                                        <p:attrNameLst>
+                                          <p:attrName>ppt_y</p:attrName>
+                                        </p:attrNameLst>
+                                      </p:cBhvr>
+                                      <p:tavLst>
+                                        <p:tav tm="0">
+                                          <p:val>
+                                            <p:strVal val="0-#ppt_h/2"/>
+                                          </p:val>
+                                        </p:tav>
+                                        <p:tav tm="100000">
+                                          <p:val>
+                                            <p:strVal val="#ppt_y"/>
+                                          </p:val>
+                                        </p:tav>
+                                      </p:tavLst>
+                                    </p:anim>
+                                  </p:childTnLst>
+                                </p:cTn>
+                              </p:par>
+                              <p:par>
+                                <p:cTn id="21" presetID="2" presetClass="entr" presetSubtype="1" fill="hold" grpId="0" nodeType="withEffect">
+                                  <p:stCondLst>
+                                    <p:cond delay="0"/>
+                                  </p:stCondLst>
+                                  <p:childTnLst>
+                                    <p:set>
+                                      <p:cBhvr>
+                                        <p:cTn id="22" dur="1" fill="hold">
+                                          <p:stCondLst>
+                                            <p:cond delay="0"/>
+                                          </p:stCondLst>
+                                        </p:cTn>
+                                        <p:tgtEl>
+                                          <p:spTgt spid="15"/>
+                                        </p:tgtEl>
+                                        <p:attrNameLst>
+                                          <p:attrName>style.visibility</p:attrName>
+                                        </p:attrNameLst>
+                                      </p:cBhvr>
+                                      <p:to>
+                                        <p:strVal val="visible"/>
+                                      </p:to>
+                                    </p:set>
+                                    <p:anim calcmode="lin" valueType="num">
+                                      <p:cBhvr additive="base">
+                                        <p:cTn id="23" dur="500" fill="hold"/>
+                                        <p:tgtEl>
+                                          <p:spTgt spid="15"/>
+                                        </p:tgtEl>
+                                        <p:attrNameLst>
+                                          <p:attrName>ppt_x</p:attrName>
+                                        </p:attrNameLst>
+                                      </p:cBhvr>
+                                      <p:tavLst>
+                                        <p:tav tm="0">
+                                          <p:val>
+                                            <p:strVal val="#ppt_x"/>
+                                          </p:val>
+                                        </p:tav>
+                                        <p:tav tm="100000">
+                                          <p:val>
+                                            <p:strVal val="#ppt_x"/>
+                                          </p:val>
+                                        </p:tav>
+                                      </p:tavLst>
+                                    </p:anim>
+                                    <p:anim calcmode="lin" valueType="num">
+                                      <p:cBhvr additive="base">
+                                        <p:cTn id="24" dur="500" fill="hold"/>
+                                        <p:tgtEl>
+                                          <p:spTgt spid="15"/>
+                                        </p:tgtEl>
+                                        <p:attrNameLst>
+                                          <p:attrName>ppt_y</p:attrName>
+                                        </p:attrNameLst>
+                                      </p:cBhvr>
+                                      <p:tavLst>
+                                        <p:tav tm="0">
+                                          <p:val>
+                                            <p:strVal val="0-#ppt_h/2"/>
+                                          </p:val>
+                                        </p:tav>
+                                        <p:tav tm="100000">
+                                          <p:val>
+                                            <p:strVal val="#ppt_y"/>
+                                          </p:val>
+                                        </p:tav>
+                                      </p:tavLst>
+                                    </p:anim>
+                                  </p:childTnLst>
+                                </p:cTn>
+                              </p:par>
+                              <p:par>
+                                <p:cTn id="25" presetID="2" presetClass="entr" presetSubtype="1" fill="hold" grpId="0" nodeType="withEffect">
+                                  <p:stCondLst>
+                                    <p:cond delay="0"/>
+                                  </p:stCondLst>
+                                  <p:childTnLst>
+                                    <p:set>
+                                      <p:cBhvr>
+                                        <p:cTn id="26" dur="1" fill="hold">
+                                          <p:stCondLst>
+                                            <p:cond delay="0"/>
+                                          </p:stCondLst>
+                                        </p:cTn>
+                                        <p:tgtEl>
+                                          <p:spTgt spid="16"/>
+                                        </p:tgtEl>
+                                        <p:attrNameLst>
+                                          <p:attrName>style.visibility</p:attrName>
+                                        </p:attrNameLst>
+                                      </p:cBhvr>
+                                      <p:to>
+                                        <p:strVal val="visible"/>
+                                      </p:to>
+                                    </p:set>
+                                    <p:anim calcmode="lin" valueType="num">
+                                      <p:cBhvr additive="base">
+                                        <p:cTn id="27" dur="500" fill="hold"/>
+                                        <p:tgtEl>
+                                          <p:spTgt spid="16"/>
+                                        </p:tgtEl>
+                                        <p:attrNameLst>
+                                          <p:attrName>ppt_x</p:attrName>
+                                        </p:attrNameLst>
+                                      </p:cBhvr>
+                                      <p:tavLst>
+                                        <p:tav tm="0">
+                                          <p:val>
+                                            <p:strVal val="#ppt_x"/>
+                                          </p:val>
+                                        </p:tav>
+                                        <p:tav tm="100000">
+                                          <p:val>
+                                            <p:strVal val="#ppt_x"/>
+                                          </p:val>
+                                        </p:tav>
+                                      </p:tavLst>
+                                    </p:anim>
+                                    <p:anim calcmode="lin" valueType="num">
+                                      <p:cBhvr additive="base">
+                                        <p:cTn id="28" dur="500" fill="hold"/>
+                                        <p:tgtEl>
+                                          <p:spTgt spid="16"/>
+                                        </p:tgtEl>
+                                        <p:attrNameLst>
+                                          <p:attrName>ppt_y</p:attrName>
+                                        </p:attrNameLst>
+                                      </p:cBhvr>
+                                      <p:tavLst>
+                                        <p:tav tm="0">
+                                          <p:val>
+                                            <p:strVal val="0-#ppt_h/2"/>
+                                          </p:val>
+                                        </p:tav>
+                                        <p:tav tm="100000">
+                                          <p:val>
+                                            <p:strVal val="#ppt_y"/>
+                                          </p:val>
+                                        </p:tav>
+                                      </p:tavLst>
+                                    </p:anim>
+                                  </p:childTnLst>
+                                </p:cTn>
+                              </p:par>
+                              <p:par>
+                                <p:cTn id="29" presetID="2" presetClass="entr" presetSubtype="4" fill="hold" grpId="0" nodeType="withEffect">
+                                  <p:stCondLst>
+                                    <p:cond delay="0"/>
+                                  </p:stCondLst>
+                                  <p:childTnLst>
+                                    <p:set>
+                                      <p:cBhvr>
+                                        <p:cTn id="30" dur="1" fill="hold">
+                                          <p:stCondLst>
+                                            <p:cond delay="0"/>
+                                          </p:stCondLst>
+                                        </p:cTn>
+                                        <p:tgtEl>
+                                          <p:spTgt spid="18"/>
+                                        </p:tgtEl>
+                                        <p:attrNameLst>
+                                          <p:attrName>style.visibility</p:attrName>
+                                        </p:attrNameLst>
+                                      </p:cBhvr>
+                                      <p:to>
+                                        <p:strVal val="visible"/>
+                                      </p:to>
+                                    </p:set>
+                                    <p:anim calcmode="lin" valueType="num">
+                                      <p:cBhvr additive="base">
+                                        <p:cTn id="31" dur="500" fill="hold"/>
+                                        <p:tgtEl>
+                                          <p:spTgt spid="18"/>
+                                        </p:tgtEl>
+                                        <p:attrNameLst>
+                                          <p:attrName>ppt_x</p:attrName>
+                                        </p:attrNameLst>
+                                      </p:cBhvr>
+                                      <p:tavLst>
+                                        <p:tav tm="0">
+                                          <p:val>
+                                            <p:strVal val="#ppt_x"/>
+                                          </p:val>
+                                        </p:tav>
+                                        <p:tav tm="100000">
+                                          <p:val>
+                                            <p:strVal val="#ppt_x"/>
+                                          </p:val>
+                                        </p:tav>
+                                      </p:tavLst>
+                                    </p:anim>
+                                    <p:anim calcmode="lin" valueType="num">
+                                      <p:cBhvr additive="base">
+                                        <p:cTn id="32" dur="500" fill="hold"/>
+                                        <p:tgtEl>
+                                          <p:spTgt spid="18"/>
+                                        </p:tgtEl>
+                                        <p:attrNameLst>
+                                          <p:attrName>ppt_y</p:attrName>
+                                        </p:attrNameLst>
+                                      </p:cBhvr>
+                                      <p:tavLst>
+                                        <p:tav tm="0">
+                                          <p:val>
+                                            <p:strVal val="1+#ppt_h/2"/>
+                                          </p:val>
+                                        </p:tav>
+                                        <p:tav tm="100000">
+                                          <p:val>
+                                            <p:strVal val="#ppt_y"/>
+                                          </p:val>
+                                        </p:tav>
+                                      </p:tavLst>
+                                    </p:anim>
+                                  </p:childTnLst>
+                                </p:cTn>
+                              </p:par>
+                              <p:par>
+                                <p:cTn id="33" presetID="2" presetClass="entr" presetSubtype="4" fill="hold" grpId="0" nodeType="withEffect">
+                                  <p:stCondLst>
+                                    <p:cond delay="0"/>
+                                  </p:stCondLst>
+                                  <p:childTnLst>
+                                    <p:set>
+                                      <p:cBhvr>
+                                        <p:cTn id="34" dur="1" fill="hold">
+                                          <p:stCondLst>
+                                            <p:cond delay="0"/>
+                                          </p:stCondLst>
+                                        </p:cTn>
+                                        <p:tgtEl>
+                                          <p:spTgt spid="17"/>
+                                        </p:tgtEl>
+                                        <p:attrNameLst>
+                                          <p:attrName>style.visibility</p:attrName>
+                                        </p:attrNameLst>
+                                      </p:cBhvr>
+                                      <p:to>
+                                        <p:strVal val="visible"/>
+                                      </p:to>
+                                    </p:set>
+                                    <p:anim calcmode="lin" valueType="num">
+                                      <p:cBhvr additive="base">
+                                        <p:cTn id="35" dur="500" fill="hold"/>
+                                        <p:tgtEl>
+                                          <p:spTgt spid="17"/>
+                                        </p:tgtEl>
+                                        <p:attrNameLst>
+                                          <p:attrName>ppt_x</p:attrName>
+                                        </p:attrNameLst>
+                                      </p:cBhvr>
+                                      <p:tavLst>
+                                        <p:tav tm="0">
+                                          <p:val>
+                                            <p:strVal val="#ppt_x"/>
+                                          </p:val>
+                                        </p:tav>
+                                        <p:tav tm="100000">
+                                          <p:val>
+                                            <p:strVal val="#ppt_x"/>
+                                          </p:val>
+                                        </p:tav>
+                                      </p:tavLst>
+                                    </p:anim>
+                                    <p:anim calcmode="lin" valueType="num">
+                                      <p:cBhvr additive="base">
+                                        <p:cTn id="36" dur="500" fill="hold"/>
+                                        <p:tgtEl>
+                                          <p:spTgt spid="17"/>
+                                        </p:tgtEl>
+                                        <p:attrNameLst>
+                                          <p:attrName>ppt_y</p:attrName>
+                                        </p:attrNameLst>
+                                      </p:cBhvr>
+                                      <p:tavLst>
+                                        <p:tav tm="0">
+                                          <p:val>
+                                            <p:strVal val="1+#ppt_h/2"/>
+                                          </p:val>
+                                        </p:tav>
+                                        <p:tav tm="100000">
+                                          <p:val>
+                                            <p:strVal val="#ppt_y"/>
+                                          </p:val>
+                                        </p:tav>
+                                      </p:tavLst>
+                                    </p:anim>
+                                  </p:childTnLst>
+                                </p:cTn>
+                              </p:par>
+                              <p:par>
+                                <p:cTn id="37" presetID="2" presetClass="entr" presetSubtype="4" fill="hold" grpId="0" nodeType="withEffect">
+                                  <p:stCondLst>
+                                    <p:cond delay="0"/>
+                                  </p:stCondLst>
+                                  <p:childTnLst>
+                                    <p:set>
+                                      <p:cBhvr>
+                                        <p:cTn id="38" dur="1" fill="hold">
+                                          <p:stCondLst>
+                                            <p:cond delay="0"/>
+                                          </p:stCondLst>
+                                        </p:cTn>
+                                        <p:tgtEl>
+                                          <p:spTgt spid="12"/>
+                                        </p:tgtEl>
+                                        <p:attrNameLst>
+                                          <p:attrName>style.visibility</p:attrName>
+                                        </p:attrNameLst>
+                                      </p:cBhvr>
+                                      <p:to>
+                                        <p:strVal val="visible"/>
+                                      </p:to>
+                                    </p:set>
+                                    <p:anim calcmode="lin" valueType="num">
+                                      <p:cBhvr additive="base">
+                                        <p:cTn id="39" dur="500" fill="hold"/>
+                                        <p:tgtEl>
+                                          <p:spTgt spid="12"/>
+                                        </p:tgtEl>
+                                        <p:attrNameLst>
+                                          <p:attrName>ppt_x</p:attrName>
+                                        </p:attrNameLst>
+                                      </p:cBhvr>
+                                      <p:tavLst>
+                                        <p:tav tm="0">
+                                          <p:val>
+                                            <p:strVal val="#ppt_x"/>
+                                          </p:val>
+                                        </p:tav>
+                                        <p:tav tm="100000">
+                                          <p:val>
+                                            <p:strVal val="#ppt_x"/>
+                                          </p:val>
+                                        </p:tav>
+                                      </p:tavLst>
+                                    </p:anim>
+                                    <p:anim calcmode="lin" valueType="num">
+                                      <p:cBhvr additive="base">
+                                        <p:cTn id="40" dur="500" fill="hold"/>
+                                        <p:tgtEl>
+                                          <p:spTgt spid="12"/>
+                                        </p:tgtEl>
+                                        <p:attrNameLst>
+                                          <p:attrName>ppt_y</p:attrName>
+                                        </p:attrNameLst>
+                                      </p:cBhvr>
+                                      <p:tavLst>
+                                        <p:tav tm="0">
+                                          <p:val>
+                                            <p:strVal val="1+#ppt_h/2"/>
+                                          </p:val>
+                                        </p:tav>
+                                        <p:tav tm="100000">
+                                          <p:val>
+                                            <p:strVal val="#ppt_y"/>
+                                          </p:val>
+                                        </p:tav>
+                                      </p:tavLst>
+                                    </p:anim>
+                                  </p:childTnLst>
+                                </p:cTn>
+                              </p:par>
+                            </p:childTnLst>
+                          </p:cTn>
+                        </p:par>
+                      </p:childTnLst>
+                    </p:cTn>
+                  </p:par>
+                </p:childTnLst>
+              </p:cTn>
+              <p:prevCondLst>
+                <p:cond evt="onPrev" delay="0">
+                  <p:tgtEl>
+                    <p:sldTgt/>
+                  </p:tgtEl>
+                </p:cond>
+              </p:prevCondLst>
+              <p:nextCondLst>
+                <p:cond evt="onNext" delay="0">
+                  <p:tgtEl>
+                    <p:sldTgt/>
+                  </p:tgtEl>
+                </p:cond>
+              </p:nextCondLst>
+            </p:seq>
+          </p:childTnLst>
+        </p:cTn>
+      </p:par>
+    </p:tnLst>
+    <p:bldLst>
+      <p:bldP spid="4" grpId="0" animBg="1"/>
+      <p:bldP spid="10" grpId="0" animBg="1"/>
+      <p:bldP spid="12" grpId="0" animBg="1"/>
+      <p:bldP spid="6" grpId="0" animBg="1"/>
+      <p:bldP spid="7" grpId="0"/>
+      <p:bldP spid="15" grpId="0" animBg="1"/>
+      <p:bldP spid="16" grpId="0"/>
+      <p:bldP spid="17" grpId="0" animBg="1"/>
+      <p:bldP spid="18" grpId="0"/>
+    </p:bldLst>
+  </p:timing>
 </p:sld>
 </file>
 
 <file path=ppt/slides/slide11.xml><?xml version="1.0" encoding="utf-8"?>
+<p:sld xmlns:a="http://schemas.openxmlformats.org/drawingml/2006/main" xmlns:r="http://schemas.openxmlformats.org/officeDocument/2006/relationships" xmlns:p="http://schemas.openxmlformats.org/presentationml/2006/main">
+  <p:cSld>
+    <p:spTree>
+      <p:nvGrpSpPr>
+        <p:cNvPr id="1" name=""/>
+        <p:cNvGrpSpPr/>
+        <p:nvPr/>
+      </p:nvGrpSpPr>
+      <p:grpSpPr>
+        <a:xfrm>
+          <a:off x="0" y="0"/>
+          <a:ext cx="0" cy="0"/>
+          <a:chOff x="0" y="0"/>
+          <a:chExt cx="0" cy="0"/>
+        </a:xfrm>
+      </p:grpSpPr>
+      <mc:AlternateContent xmlns:mc="http://schemas.openxmlformats.org/markup-compatibility/2006" xmlns:a14="http://schemas.microsoft.com/office/drawing/2010/main">
+        <mc:Choice Requires="a14">
+          <p:sp>
+            <p:nvSpPr>
+              <p:cNvPr id="3" name="Segnaposto contenuto 2"/>
+              <p:cNvSpPr>
+                <a:spLocks noGrp="1"/>
+              </p:cNvSpPr>
+              <p:nvPr>
+                <p:ph idx="1"/>
+              </p:nvPr>
+            </p:nvSpPr>
+            <p:spPr/>
+            <p:txBody>
+              <a:bodyPr/>
+              <a:lstStyle/>
+              <a:p>
+                <a14:m>
+                  <m:oMath xmlns:m="http://schemas.openxmlformats.org/officeDocument/2006/math">
+                    <m:sSub>
+                      <m:sSubPr>
+                        <m:ctrlPr>
+                          <a:rPr lang="it-IT" b="1" i="1" smtClean="0">
+                            <a:solidFill>
+                              <a:schemeClr val="accent1">
+                                <a:lumMod val="50000"/>
+                              </a:schemeClr>
+                            </a:solidFill>
+                            <a:latin typeface="Cambria Math" panose="02040503050406030204" pitchFamily="18" charset="0"/>
+                          </a:rPr>
+                        </m:ctrlPr>
+                      </m:sSubPr>
+                      <m:e>
+                        <m:r>
+                          <a:rPr lang="it-IT" b="1" i="1">
+                            <a:solidFill>
+                              <a:schemeClr val="accent1">
+                                <a:lumMod val="50000"/>
+                              </a:schemeClr>
+                            </a:solidFill>
+                            <a:latin typeface="Cambria Math" panose="02040503050406030204" pitchFamily="18" charset="0"/>
+                          </a:rPr>
+                          <m:t>𝑹𝒆</m:t>
+                        </m:r>
+                      </m:e>
+                      <m:sub>
+                        <m:r>
+                          <a:rPr lang="it-IT" b="1" i="1">
+                            <a:solidFill>
+                              <a:schemeClr val="accent1">
+                                <a:lumMod val="50000"/>
+                              </a:schemeClr>
+                            </a:solidFill>
+                            <a:latin typeface="Cambria Math" panose="02040503050406030204" pitchFamily="18" charset="0"/>
+                            <a:ea typeface="Cambria Math" panose="02040503050406030204" pitchFamily="18" charset="0"/>
+                          </a:rPr>
+                          <m:t>𝝉</m:t>
+                        </m:r>
+                      </m:sub>
+                    </m:sSub>
+                  </m:oMath>
+                </a14:m>
+                <a:r>
+                  <a:rPr lang="it-IT" b="1" dirty="0">
+                    <a:solidFill>
+                      <a:schemeClr val="accent1">
+                        <a:lumMod val="50000"/>
+                      </a:schemeClr>
+                    </a:solidFill>
+                    <a:latin typeface="Arial" panose="020B0604020202020204" pitchFamily="34" charset="0"/>
+                    <a:ea typeface="Cambria Math" panose="02040503050406030204" pitchFamily="18" charset="0"/>
+                    <a:cs typeface="Arial" panose="020B0604020202020204" pitchFamily="34" charset="0"/>
+                  </a:rPr>
+                  <a:t> Comparison</a:t>
+                </a:r>
+                <a:endParaRPr lang="it-IT" b="1" dirty="0">
+                  <a:latin typeface="Arial" panose="020B0604020202020204" pitchFamily="34" charset="0"/>
+                  <a:ea typeface="Cambria Math" panose="02040503050406030204" pitchFamily="18" charset="0"/>
+                  <a:cs typeface="Arial" panose="020B0604020202020204" pitchFamily="34" charset="0"/>
+                </a:endParaRPr>
+              </a:p>
+              <a:p>
+                <a:endParaRPr lang="it-IT" b="1" dirty="0">
+                  <a:solidFill>
+                    <a:srgbClr val="003F6E"/>
+                  </a:solidFill>
+                </a:endParaRPr>
+              </a:p>
+            </p:txBody>
+          </p:sp>
+        </mc:Choice>
+        <mc:Fallback xmlns="">
+          <p:sp>
+            <p:nvSpPr>
+              <p:cNvPr id="3" name="Segnaposto contenuto 2"/>
+              <p:cNvSpPr>
+                <a:spLocks noGrp="1" noRot="1" noChangeAspect="1" noMove="1" noResize="1" noEditPoints="1" noAdjustHandles="1" noChangeArrowheads="1" noChangeShapeType="1" noTextEdit="1"/>
+              </p:cNvSpPr>
+              <p:nvPr>
+                <p:ph idx="1"/>
+              </p:nvPr>
+            </p:nvSpPr>
+            <p:spPr>
+              <a:blipFill>
+                <a:blip r:embed="rId3"/>
+                <a:stretch>
+                  <a:fillRect l="-153" t="-840"/>
+                </a:stretch>
+              </a:blipFill>
+            </p:spPr>
+            <p:txBody>
+              <a:bodyPr/>
+              <a:lstStyle/>
+              <a:p>
+                <a:r>
+                  <a:rPr lang="it-IT">
+                    <a:noFill/>
+                  </a:rPr>
+                  <a:t> </a:t>
+                </a:r>
+              </a:p>
+            </p:txBody>
+          </p:sp>
+        </mc:Fallback>
+      </mc:AlternateContent>
+      <p:sp>
+        <p:nvSpPr>
+          <p:cNvPr id="5" name="Rettangolo 4">
+            <a:extLst>
+              <a:ext uri="{FF2B5EF4-FFF2-40B4-BE49-F238E27FC236}">
+                <a16:creationId xmlns:a16="http://schemas.microsoft.com/office/drawing/2014/main" id="{BF4B3357-CDC2-2442-86C2-E5C7C2A7230E}"/>
+              </a:ext>
+            </a:extLst>
+          </p:cNvPr>
+          <p:cNvSpPr/>
+          <p:nvPr/>
+        </p:nvSpPr>
+        <p:spPr>
+          <a:xfrm>
+            <a:off x="83127" y="6317672"/>
+            <a:ext cx="3063834" cy="344385"/>
+          </a:xfrm>
+          <a:prstGeom prst="rect">
+            <a:avLst/>
+          </a:prstGeom>
+          <a:solidFill>
+            <a:srgbClr val="728FA5"/>
+          </a:solidFill>
+          <a:ln>
+            <a:noFill/>
+          </a:ln>
+        </p:spPr>
+        <p:style>
+          <a:lnRef idx="0">
+            <a:scrgbClr r="0" g="0" b="0"/>
+          </a:lnRef>
+          <a:fillRef idx="0">
+            <a:scrgbClr r="0" g="0" b="0"/>
+          </a:fillRef>
+          <a:effectRef idx="0">
+            <a:scrgbClr r="0" g="0" b="0"/>
+          </a:effectRef>
+          <a:fontRef idx="minor">
+            <a:schemeClr val="lt1"/>
+          </a:fontRef>
+        </p:style>
+        <p:txBody>
+          <a:bodyPr rtlCol="0" anchor="ctr"/>
+          <a:lstStyle/>
+          <a:p>
+            <a:endParaRPr lang="it-IT" sz="1400" dirty="0"/>
+          </a:p>
+        </p:txBody>
+      </p:sp>
+      <p:sp>
+        <p:nvSpPr>
+          <p:cNvPr id="9" name="CasellaDiTesto 8">
+            <a:extLst>
+              <a:ext uri="{FF2B5EF4-FFF2-40B4-BE49-F238E27FC236}">
+                <a16:creationId xmlns:a16="http://schemas.microsoft.com/office/drawing/2014/main" id="{53351752-2C56-364D-82D2-AE07AEAC8720}"/>
+              </a:ext>
+            </a:extLst>
+          </p:cNvPr>
+          <p:cNvSpPr txBox="1"/>
+          <p:nvPr/>
+        </p:nvSpPr>
+        <p:spPr>
+          <a:xfrm>
+            <a:off x="3194462" y="3847605"/>
+            <a:ext cx="184731" cy="369332"/>
+          </a:xfrm>
+          <a:prstGeom prst="rect">
+            <a:avLst/>
+          </a:prstGeom>
+          <a:noFill/>
+        </p:spPr>
+        <p:txBody>
+          <a:bodyPr wrap="none" rtlCol="0">
+            <a:spAutoFit/>
+          </a:bodyPr>
+          <a:lstStyle/>
+          <a:p>
+            <a:endParaRPr lang="it-IT" dirty="0"/>
+          </a:p>
+        </p:txBody>
+      </p:sp>
+      <p:pic>
+        <p:nvPicPr>
+          <p:cNvPr id="11" name="Immagine 10">
+            <a:extLst>
+              <a:ext uri="{FF2B5EF4-FFF2-40B4-BE49-F238E27FC236}">
+                <a16:creationId xmlns:a16="http://schemas.microsoft.com/office/drawing/2014/main" id="{06BDAB01-0D49-BB4F-A7D4-7CD8F022AE91}"/>
+              </a:ext>
+            </a:extLst>
+          </p:cNvPr>
+          <p:cNvPicPr>
+            <a:picLocks noChangeAspect="1"/>
+          </p:cNvPicPr>
+          <p:nvPr/>
+        </p:nvPicPr>
+        <p:blipFill>
+          <a:blip r:embed="rId4"/>
+          <a:stretch>
+            <a:fillRect/>
+          </a:stretch>
+        </p:blipFill>
+        <p:spPr>
+          <a:xfrm>
+            <a:off x="21740" y="2082572"/>
+            <a:ext cx="5199196" cy="3899397"/>
+          </a:xfrm>
+          <a:prstGeom prst="rect">
+            <a:avLst/>
+          </a:prstGeom>
+        </p:spPr>
+      </p:pic>
+      <p:sp>
+        <p:nvSpPr>
+          <p:cNvPr id="8" name="Rettangolo 7">
+            <a:extLst>
+              <a:ext uri="{FF2B5EF4-FFF2-40B4-BE49-F238E27FC236}">
+                <a16:creationId xmlns:a16="http://schemas.microsoft.com/office/drawing/2014/main" id="{5586F461-EC0C-D148-A5B3-CCDFE544B77E}"/>
+              </a:ext>
+            </a:extLst>
+          </p:cNvPr>
+          <p:cNvSpPr/>
+          <p:nvPr/>
+        </p:nvSpPr>
+        <p:spPr>
+          <a:xfrm>
+            <a:off x="288521" y="6317672"/>
+            <a:ext cx="2858440" cy="344385"/>
+          </a:xfrm>
+          <a:prstGeom prst="rect">
+            <a:avLst/>
+          </a:prstGeom>
+          <a:solidFill>
+            <a:srgbClr val="728FA5"/>
+          </a:solidFill>
+          <a:ln>
+            <a:noFill/>
+          </a:ln>
+        </p:spPr>
+        <p:style>
+          <a:lnRef idx="0">
+            <a:scrgbClr r="0" g="0" b="0"/>
+          </a:lnRef>
+          <a:fillRef idx="0">
+            <a:scrgbClr r="0" g="0" b="0"/>
+          </a:fillRef>
+          <a:effectRef idx="0">
+            <a:scrgbClr r="0" g="0" b="0"/>
+          </a:effectRef>
+          <a:fontRef idx="minor">
+            <a:schemeClr val="lt1"/>
+          </a:fontRef>
+        </p:style>
+        <p:txBody>
+          <a:bodyPr rtlCol="0" anchor="ctr"/>
+          <a:lstStyle/>
+          <a:p>
+            <a:r>
+              <a:rPr lang="it-IT" sz="1400" dirty="0"/>
+              <a:t>Mirco Meazzo - 873477</a:t>
+            </a:r>
+          </a:p>
+        </p:txBody>
+      </p:sp>
+      <p:sp>
+        <p:nvSpPr>
+          <p:cNvPr id="10" name="Titolo 1">
+            <a:extLst>
+              <a:ext uri="{FF2B5EF4-FFF2-40B4-BE49-F238E27FC236}">
+                <a16:creationId xmlns:a16="http://schemas.microsoft.com/office/drawing/2014/main" id="{02406097-9AE7-0740-A479-2E15153677BE}"/>
+              </a:ext>
+            </a:extLst>
+          </p:cNvPr>
+          <p:cNvSpPr>
+            <a:spLocks noGrp="1"/>
+          </p:cNvSpPr>
+          <p:nvPr>
+            <p:ph type="title"/>
+          </p:nvPr>
+        </p:nvSpPr>
+        <p:spPr/>
+        <p:txBody>
+          <a:bodyPr/>
+          <a:lstStyle/>
+          <a:p>
+            <a:r>
+              <a:rPr lang="it-IT" dirty="0" err="1"/>
+              <a:t>Simulations</a:t>
+            </a:r>
+            <a:r>
+              <a:rPr lang="it-IT" dirty="0"/>
+              <a:t> </a:t>
+            </a:r>
+            <a:r>
+              <a:rPr lang="it-IT" dirty="0" err="1"/>
+              <a:t>Results</a:t>
+            </a:r>
+            <a:endParaRPr lang="it-IT" dirty="0"/>
+          </a:p>
+        </p:txBody>
+      </p:sp>
+      <p:sp>
+        <p:nvSpPr>
+          <p:cNvPr id="4" name="CasellaDiTesto 3">
+            <a:extLst>
+              <a:ext uri="{FF2B5EF4-FFF2-40B4-BE49-F238E27FC236}">
+                <a16:creationId xmlns:a16="http://schemas.microsoft.com/office/drawing/2014/main" id="{0F95A18A-3312-654D-9C3B-5473E2035701}"/>
+              </a:ext>
+            </a:extLst>
+          </p:cNvPr>
+          <p:cNvSpPr txBox="1"/>
+          <p:nvPr/>
+        </p:nvSpPr>
+        <p:spPr>
+          <a:xfrm>
+            <a:off x="5220936" y="2497751"/>
+            <a:ext cx="3648628" cy="769441"/>
+          </a:xfrm>
+          <a:prstGeom prst="rect">
+            <a:avLst/>
+          </a:prstGeom>
+          <a:noFill/>
+        </p:spPr>
+        <p:txBody>
+          <a:bodyPr wrap="square" rtlCol="0">
+            <a:spAutoFit/>
+          </a:bodyPr>
+          <a:lstStyle/>
+          <a:p>
+            <a:r>
+              <a:rPr lang="it-IT" sz="2200" b="1" dirty="0">
+                <a:solidFill>
+                  <a:srgbClr val="003F6E"/>
+                </a:solidFill>
+              </a:rPr>
+              <a:t>How can </a:t>
+            </a:r>
+            <a:r>
+              <a:rPr lang="it-IT" sz="2200" b="1" dirty="0" err="1">
+                <a:solidFill>
+                  <a:srgbClr val="003F6E"/>
+                </a:solidFill>
+              </a:rPr>
+              <a:t>we</a:t>
+            </a:r>
+            <a:r>
+              <a:rPr lang="it-IT" sz="2200" b="1" dirty="0">
+                <a:solidFill>
+                  <a:srgbClr val="003F6E"/>
+                </a:solidFill>
+              </a:rPr>
+              <a:t> spot </a:t>
+            </a:r>
+            <a:r>
+              <a:rPr lang="it-IT" sz="2200" b="1" dirty="0" err="1">
+                <a:solidFill>
+                  <a:srgbClr val="003F6E"/>
+                </a:solidFill>
+              </a:rPr>
+              <a:t>logarithmic</a:t>
+            </a:r>
+            <a:r>
+              <a:rPr lang="it-IT" sz="2200" b="1" dirty="0">
+                <a:solidFill>
+                  <a:srgbClr val="003F6E"/>
+                </a:solidFill>
+              </a:rPr>
+              <a:t> </a:t>
+            </a:r>
+            <a:r>
+              <a:rPr lang="it-IT" sz="2200" b="1" dirty="0" err="1">
+                <a:solidFill>
+                  <a:srgbClr val="003F6E"/>
+                </a:solidFill>
+              </a:rPr>
+              <a:t>regions</a:t>
+            </a:r>
+            <a:r>
+              <a:rPr lang="it-IT" sz="2200" b="1" dirty="0">
+                <a:solidFill>
+                  <a:srgbClr val="003F6E"/>
+                </a:solidFill>
+              </a:rPr>
+              <a:t>?</a:t>
+            </a:r>
+          </a:p>
+        </p:txBody>
+      </p:sp>
+      <mc:AlternateContent xmlns:mc="http://schemas.openxmlformats.org/markup-compatibility/2006">
+        <mc:Choice xmlns:a14="http://schemas.microsoft.com/office/drawing/2010/main" Requires="a14">
+          <p:sp>
+            <p:nvSpPr>
+              <p:cNvPr id="6" name="CasellaDiTesto 5">
+                <a:extLst>
+                  <a:ext uri="{FF2B5EF4-FFF2-40B4-BE49-F238E27FC236}">
+                    <a16:creationId xmlns:a16="http://schemas.microsoft.com/office/drawing/2014/main" id="{F20CBB52-1C7A-A549-A341-64118B9F1921}"/>
+                  </a:ext>
+                </a:extLst>
+              </p:cNvPr>
+              <p:cNvSpPr txBox="1"/>
+              <p:nvPr/>
+            </p:nvSpPr>
+            <p:spPr>
+              <a:xfrm>
+                <a:off x="5831655" y="4568242"/>
+                <a:ext cx="2338552" cy="726417"/>
+              </a:xfrm>
+              <a:prstGeom prst="rect">
+                <a:avLst/>
+              </a:prstGeom>
+              <a:noFill/>
+            </p:spPr>
+            <p:txBody>
+              <a:bodyPr wrap="square" lIns="0" tIns="0" rIns="0" bIns="0" rtlCol="0">
+                <a:spAutoFit/>
+              </a:bodyPr>
+              <a:lstStyle/>
+              <a:p>
+                <a14:m>
+                  <m:oMathPara xmlns:m="http://schemas.openxmlformats.org/officeDocument/2006/math">
+                    <m:oMathParaPr>
+                      <m:jc m:val="centerGroup"/>
+                    </m:oMathParaPr>
+                    <m:oMath xmlns:m="http://schemas.openxmlformats.org/officeDocument/2006/math">
+                      <m:r>
+                        <a:rPr lang="it-IT" sz="2200" b="1" i="1" smtClean="0">
+                          <a:solidFill>
+                            <a:schemeClr val="tx2"/>
+                          </a:solidFill>
+                          <a:latin typeface="Cambria Math" panose="02040503050406030204" pitchFamily="18" charset="0"/>
+                          <a:ea typeface="Cambria Math" panose="02040503050406030204" pitchFamily="18" charset="0"/>
+                        </a:rPr>
+                        <m:t>𝜷</m:t>
+                      </m:r>
+                      <m:d>
+                        <m:dPr>
+                          <m:ctrlPr>
+                            <a:rPr lang="it-IT" sz="2200" b="1" i="1" smtClean="0">
+                              <a:solidFill>
+                                <a:schemeClr val="tx2"/>
+                              </a:solidFill>
+                              <a:latin typeface="Cambria Math" panose="02040503050406030204" pitchFamily="18" charset="0"/>
+                              <a:ea typeface="Cambria Math" panose="02040503050406030204" pitchFamily="18" charset="0"/>
+                            </a:rPr>
+                          </m:ctrlPr>
+                        </m:dPr>
+                        <m:e>
+                          <m:sSup>
+                            <m:sSupPr>
+                              <m:ctrlPr>
+                                <a:rPr lang="it-IT" sz="2200" b="1" i="1" smtClean="0">
+                                  <a:solidFill>
+                                    <a:schemeClr val="tx2"/>
+                                  </a:solidFill>
+                                  <a:latin typeface="Cambria Math" panose="02040503050406030204" pitchFamily="18" charset="0"/>
+                                  <a:ea typeface="Cambria Math" panose="02040503050406030204" pitchFamily="18" charset="0"/>
+                                </a:rPr>
+                              </m:ctrlPr>
+                            </m:sSupPr>
+                            <m:e>
+                              <m:r>
+                                <a:rPr lang="it-IT" sz="2200" b="1" i="1" smtClean="0">
+                                  <a:solidFill>
+                                    <a:schemeClr val="tx2"/>
+                                  </a:solidFill>
+                                  <a:latin typeface="Cambria Math" panose="02040503050406030204" pitchFamily="18" charset="0"/>
+                                  <a:ea typeface="Cambria Math" panose="02040503050406030204" pitchFamily="18" charset="0"/>
+                                </a:rPr>
+                                <m:t>𝒚</m:t>
+                              </m:r>
+                            </m:e>
+                            <m:sup>
+                              <m:r>
+                                <a:rPr lang="it-IT" sz="2200" b="1" i="1" smtClean="0">
+                                  <a:solidFill>
+                                    <a:schemeClr val="tx2"/>
+                                  </a:solidFill>
+                                  <a:latin typeface="Cambria Math" panose="02040503050406030204" pitchFamily="18" charset="0"/>
+                                  <a:ea typeface="Cambria Math" panose="02040503050406030204" pitchFamily="18" charset="0"/>
+                                </a:rPr>
+                                <m:t>+</m:t>
+                              </m:r>
+                            </m:sup>
+                          </m:sSup>
+                        </m:e>
+                      </m:d>
+                      <m:r>
+                        <a:rPr lang="it-IT" sz="2200" b="1" i="1" smtClean="0">
+                          <a:solidFill>
+                            <a:schemeClr val="tx2"/>
+                          </a:solidFill>
+                          <a:latin typeface="Cambria Math" panose="02040503050406030204" pitchFamily="18" charset="0"/>
+                          <a:ea typeface="Cambria Math" panose="02040503050406030204" pitchFamily="18" charset="0"/>
+                        </a:rPr>
+                        <m:t>=</m:t>
+                      </m:r>
+                      <m:sSup>
+                        <m:sSupPr>
+                          <m:ctrlPr>
+                            <a:rPr lang="it-IT" sz="2200" b="1" i="1" smtClean="0">
+                              <a:solidFill>
+                                <a:schemeClr val="tx2"/>
+                              </a:solidFill>
+                              <a:latin typeface="Cambria Math" panose="02040503050406030204" pitchFamily="18" charset="0"/>
+                              <a:ea typeface="Cambria Math" panose="02040503050406030204" pitchFamily="18" charset="0"/>
+                            </a:rPr>
+                          </m:ctrlPr>
+                        </m:sSupPr>
+                        <m:e>
+                          <m:r>
+                            <a:rPr lang="it-IT" sz="2200" b="1" i="1" smtClean="0">
+                              <a:solidFill>
+                                <a:schemeClr val="tx2"/>
+                              </a:solidFill>
+                              <a:latin typeface="Cambria Math" panose="02040503050406030204" pitchFamily="18" charset="0"/>
+                              <a:ea typeface="Cambria Math" panose="02040503050406030204" pitchFamily="18" charset="0"/>
+                            </a:rPr>
+                            <m:t>𝒚</m:t>
+                          </m:r>
+                        </m:e>
+                        <m:sup>
+                          <m:r>
+                            <a:rPr lang="it-IT" sz="2200" b="1" i="1" smtClean="0">
+                              <a:solidFill>
+                                <a:schemeClr val="tx2"/>
+                              </a:solidFill>
+                              <a:latin typeface="Cambria Math" panose="02040503050406030204" pitchFamily="18" charset="0"/>
+                              <a:ea typeface="Cambria Math" panose="02040503050406030204" pitchFamily="18" charset="0"/>
+                            </a:rPr>
+                            <m:t>+</m:t>
+                          </m:r>
+                        </m:sup>
+                      </m:sSup>
+                      <m:f>
+                        <m:fPr>
+                          <m:ctrlPr>
+                            <a:rPr lang="it-IT" sz="2200" b="1" i="1" smtClean="0">
+                              <a:solidFill>
+                                <a:schemeClr val="tx2"/>
+                              </a:solidFill>
+                              <a:latin typeface="Cambria Math" panose="02040503050406030204" pitchFamily="18" charset="0"/>
+                              <a:ea typeface="Cambria Math" panose="02040503050406030204" pitchFamily="18" charset="0"/>
+                            </a:rPr>
+                          </m:ctrlPr>
+                        </m:fPr>
+                        <m:num>
+                          <m:r>
+                            <a:rPr lang="it-IT" sz="2200" b="1" i="1" smtClean="0">
+                              <a:solidFill>
+                                <a:schemeClr val="tx2"/>
+                              </a:solidFill>
+                              <a:latin typeface="Cambria Math" panose="02040503050406030204" pitchFamily="18" charset="0"/>
+                              <a:ea typeface="Cambria Math" panose="02040503050406030204" pitchFamily="18" charset="0"/>
+                            </a:rPr>
+                            <m:t>𝝏</m:t>
+                          </m:r>
+                          <m:sSup>
+                            <m:sSupPr>
+                              <m:ctrlPr>
+                                <a:rPr lang="it-IT" sz="2200" b="1" i="1" smtClean="0">
+                                  <a:solidFill>
+                                    <a:schemeClr val="tx2"/>
+                                  </a:solidFill>
+                                  <a:latin typeface="Cambria Math" panose="02040503050406030204" pitchFamily="18" charset="0"/>
+                                  <a:ea typeface="Cambria Math" panose="02040503050406030204" pitchFamily="18" charset="0"/>
+                                </a:rPr>
+                              </m:ctrlPr>
+                            </m:sSupPr>
+                            <m:e>
+                              <m:r>
+                                <a:rPr lang="it-IT" sz="2200" b="1" i="1" smtClean="0">
+                                  <a:solidFill>
+                                    <a:schemeClr val="tx2"/>
+                                  </a:solidFill>
+                                  <a:latin typeface="Cambria Math" panose="02040503050406030204" pitchFamily="18" charset="0"/>
+                                  <a:ea typeface="Cambria Math" panose="02040503050406030204" pitchFamily="18" charset="0"/>
+                                </a:rPr>
+                                <m:t>𝑼</m:t>
+                              </m:r>
+                            </m:e>
+                            <m:sup>
+                              <m:r>
+                                <a:rPr lang="it-IT" sz="2200" b="1" i="1" smtClean="0">
+                                  <a:solidFill>
+                                    <a:schemeClr val="tx2"/>
+                                  </a:solidFill>
+                                  <a:latin typeface="Cambria Math" panose="02040503050406030204" pitchFamily="18" charset="0"/>
+                                  <a:ea typeface="Cambria Math" panose="02040503050406030204" pitchFamily="18" charset="0"/>
+                                </a:rPr>
+                                <m:t>+</m:t>
+                              </m:r>
+                            </m:sup>
+                          </m:sSup>
+                        </m:num>
+                        <m:den>
+                          <m:r>
+                            <a:rPr lang="it-IT" sz="2200" b="1" i="1" smtClean="0">
+                              <a:solidFill>
+                                <a:schemeClr val="tx2"/>
+                              </a:solidFill>
+                              <a:latin typeface="Cambria Math" panose="02040503050406030204" pitchFamily="18" charset="0"/>
+                              <a:ea typeface="Cambria Math" panose="02040503050406030204" pitchFamily="18" charset="0"/>
+                            </a:rPr>
+                            <m:t>𝝏</m:t>
+                          </m:r>
+                          <m:sSup>
+                            <m:sSupPr>
+                              <m:ctrlPr>
+                                <a:rPr lang="it-IT" sz="2200" b="1" i="1" smtClean="0">
+                                  <a:solidFill>
+                                    <a:schemeClr val="tx2"/>
+                                  </a:solidFill>
+                                  <a:latin typeface="Cambria Math" panose="02040503050406030204" pitchFamily="18" charset="0"/>
+                                  <a:ea typeface="Cambria Math" panose="02040503050406030204" pitchFamily="18" charset="0"/>
+                                </a:rPr>
+                              </m:ctrlPr>
+                            </m:sSupPr>
+                            <m:e>
+                              <m:r>
+                                <a:rPr lang="it-IT" sz="2200" b="1" i="1" smtClean="0">
+                                  <a:solidFill>
+                                    <a:schemeClr val="tx2"/>
+                                  </a:solidFill>
+                                  <a:latin typeface="Cambria Math" panose="02040503050406030204" pitchFamily="18" charset="0"/>
+                                  <a:ea typeface="Cambria Math" panose="02040503050406030204" pitchFamily="18" charset="0"/>
+                                </a:rPr>
+                                <m:t>𝒚</m:t>
+                              </m:r>
+                            </m:e>
+                            <m:sup>
+                              <m:r>
+                                <a:rPr lang="it-IT" sz="2200" b="1" i="1" smtClean="0">
+                                  <a:solidFill>
+                                    <a:schemeClr val="tx2"/>
+                                  </a:solidFill>
+                                  <a:latin typeface="Cambria Math" panose="02040503050406030204" pitchFamily="18" charset="0"/>
+                                  <a:ea typeface="Cambria Math" panose="02040503050406030204" pitchFamily="18" charset="0"/>
+                                </a:rPr>
+                                <m:t>+</m:t>
+                              </m:r>
+                            </m:sup>
+                          </m:sSup>
+                        </m:den>
+                      </m:f>
+                    </m:oMath>
+                  </m:oMathPara>
+                </a14:m>
+                <a:endParaRPr lang="it-IT" sz="2200" b="1" dirty="0">
+                  <a:solidFill>
+                    <a:schemeClr val="tx2"/>
+                  </a:solidFill>
+                </a:endParaRPr>
+              </a:p>
+            </p:txBody>
+          </p:sp>
+        </mc:Choice>
+        <mc:Fallback>
+          <p:sp>
+            <p:nvSpPr>
+              <p:cNvPr id="6" name="CasellaDiTesto 5">
+                <a:extLst>
+                  <a:ext uri="{FF2B5EF4-FFF2-40B4-BE49-F238E27FC236}">
+                    <a16:creationId xmlns:a16="http://schemas.microsoft.com/office/drawing/2014/main" id="{F20CBB52-1C7A-A549-A341-64118B9F1921}"/>
+                  </a:ext>
+                </a:extLst>
+              </p:cNvPr>
+              <p:cNvSpPr txBox="1">
+                <a:spLocks noRot="1" noChangeAspect="1" noMove="1" noResize="1" noEditPoints="1" noAdjustHandles="1" noChangeArrowheads="1" noChangeShapeType="1" noTextEdit="1"/>
+              </p:cNvSpPr>
+              <p:nvPr/>
+            </p:nvSpPr>
+            <p:spPr>
+              <a:xfrm>
+                <a:off x="5831655" y="4568242"/>
+                <a:ext cx="2338552" cy="726417"/>
+              </a:xfrm>
+              <a:prstGeom prst="rect">
+                <a:avLst/>
+              </a:prstGeom>
+              <a:blipFill>
+                <a:blip r:embed="rId5"/>
+                <a:stretch>
+                  <a:fillRect t="-1754" b="-12281"/>
+                </a:stretch>
+              </a:blipFill>
+            </p:spPr>
+            <p:txBody>
+              <a:bodyPr/>
+              <a:lstStyle/>
+              <a:p>
+                <a:r>
+                  <a:rPr lang="it-IT">
+                    <a:noFill/>
+                  </a:rPr>
+                  <a:t> </a:t>
+                </a:r>
+              </a:p>
+            </p:txBody>
+          </p:sp>
+        </mc:Fallback>
+      </mc:AlternateContent>
+      <mc:AlternateContent xmlns:mc="http://schemas.openxmlformats.org/markup-compatibility/2006">
+        <mc:Choice xmlns:a14="http://schemas.microsoft.com/office/drawing/2010/main" Requires="a14">
+          <p:sp>
+            <p:nvSpPr>
+              <p:cNvPr id="7" name="CasellaDiTesto 6">
+                <a:extLst>
+                  <a:ext uri="{FF2B5EF4-FFF2-40B4-BE49-F238E27FC236}">
+                    <a16:creationId xmlns:a16="http://schemas.microsoft.com/office/drawing/2014/main" id="{EAD7F751-7CCD-2442-A498-279C5128F79A}"/>
+                  </a:ext>
+                </a:extLst>
+              </p:cNvPr>
+              <p:cNvSpPr txBox="1"/>
+              <p:nvPr/>
+            </p:nvSpPr>
+            <p:spPr>
+              <a:xfrm>
+                <a:off x="5779839" y="4078176"/>
+                <a:ext cx="2530821" cy="430887"/>
+              </a:xfrm>
+              <a:prstGeom prst="rect">
+                <a:avLst/>
+              </a:prstGeom>
+              <a:noFill/>
+            </p:spPr>
+            <p:txBody>
+              <a:bodyPr wrap="none" rtlCol="0">
+                <a:spAutoFit/>
+              </a:bodyPr>
+              <a:lstStyle/>
+              <a:p>
+                <a:r>
+                  <a:rPr lang="it-IT" sz="2200" b="1" dirty="0">
+                    <a:solidFill>
+                      <a:srgbClr val="003F6E"/>
+                    </a:solidFill>
+                  </a:rPr>
+                  <a:t>Indicator </a:t>
+                </a:r>
+                <a:r>
+                  <a:rPr lang="it-IT" sz="2200" b="1" dirty="0" err="1">
+                    <a:solidFill>
+                      <a:srgbClr val="003F6E"/>
+                    </a:solidFill>
+                  </a:rPr>
+                  <a:t>function</a:t>
+                </a:r>
+                <a:r>
+                  <a:rPr lang="it-IT" sz="2200" b="1" dirty="0">
+                    <a:solidFill>
+                      <a:srgbClr val="003F6E"/>
+                    </a:solidFill>
+                  </a:rPr>
+                  <a:t> </a:t>
+                </a:r>
+                <a14:m>
+                  <m:oMath xmlns:m="http://schemas.openxmlformats.org/officeDocument/2006/math">
+                    <m:r>
+                      <a:rPr lang="it-IT" sz="2200" b="1" i="1">
+                        <a:solidFill>
+                          <a:srgbClr val="003F6E"/>
+                        </a:solidFill>
+                        <a:latin typeface="Cambria Math" panose="02040503050406030204" pitchFamily="18" charset="0"/>
+                        <a:ea typeface="Cambria Math" panose="02040503050406030204" pitchFamily="18" charset="0"/>
+                      </a:rPr>
+                      <m:t>𝜷</m:t>
+                    </m:r>
+                  </m:oMath>
+                </a14:m>
+                <a:endParaRPr lang="it-IT" sz="2200" dirty="0"/>
+              </a:p>
+            </p:txBody>
+          </p:sp>
+        </mc:Choice>
+        <mc:Fallback>
+          <p:sp>
+            <p:nvSpPr>
+              <p:cNvPr id="7" name="CasellaDiTesto 6">
+                <a:extLst>
+                  <a:ext uri="{FF2B5EF4-FFF2-40B4-BE49-F238E27FC236}">
+                    <a16:creationId xmlns:a16="http://schemas.microsoft.com/office/drawing/2014/main" id="{EAD7F751-7CCD-2442-A498-279C5128F79A}"/>
+                  </a:ext>
+                </a:extLst>
+              </p:cNvPr>
+              <p:cNvSpPr txBox="1">
+                <a:spLocks noRot="1" noChangeAspect="1" noMove="1" noResize="1" noEditPoints="1" noAdjustHandles="1" noChangeArrowheads="1" noChangeShapeType="1" noTextEdit="1"/>
+              </p:cNvSpPr>
+              <p:nvPr/>
+            </p:nvSpPr>
+            <p:spPr>
+              <a:xfrm>
+                <a:off x="5779839" y="4078176"/>
+                <a:ext cx="2530821" cy="430887"/>
+              </a:xfrm>
+              <a:prstGeom prst="rect">
+                <a:avLst/>
+              </a:prstGeom>
+              <a:blipFill>
+                <a:blip r:embed="rId6"/>
+                <a:stretch>
+                  <a:fillRect l="-2500" t="-8571" r="-500" b="-25714"/>
+                </a:stretch>
+              </a:blipFill>
+            </p:spPr>
+            <p:txBody>
+              <a:bodyPr/>
+              <a:lstStyle/>
+              <a:p>
+                <a:r>
+                  <a:rPr lang="it-IT">
+                    <a:noFill/>
+                  </a:rPr>
+                  <a:t> </a:t>
+                </a:r>
+              </a:p>
+            </p:txBody>
+          </p:sp>
+        </mc:Fallback>
+      </mc:AlternateContent>
+      <p:sp>
+        <p:nvSpPr>
+          <p:cNvPr id="14" name="Freccia giù 13">
+            <a:extLst>
+              <a:ext uri="{FF2B5EF4-FFF2-40B4-BE49-F238E27FC236}">
+                <a16:creationId xmlns:a16="http://schemas.microsoft.com/office/drawing/2014/main" id="{1D6DB9E5-516B-FC45-A8D5-5CFDCD44C961}"/>
+              </a:ext>
+            </a:extLst>
+          </p:cNvPr>
+          <p:cNvSpPr/>
+          <p:nvPr/>
+        </p:nvSpPr>
+        <p:spPr>
+          <a:xfrm>
+            <a:off x="6865151" y="3326371"/>
+            <a:ext cx="365966" cy="592625"/>
+          </a:xfrm>
+          <a:prstGeom prst="downArrow">
+            <a:avLst/>
+          </a:prstGeom>
+        </p:spPr>
+        <p:style>
+          <a:lnRef idx="1">
+            <a:schemeClr val="accent1"/>
+          </a:lnRef>
+          <a:fillRef idx="3">
+            <a:schemeClr val="accent1"/>
+          </a:fillRef>
+          <a:effectRef idx="2">
+            <a:schemeClr val="accent1"/>
+          </a:effectRef>
+          <a:fontRef idx="minor">
+            <a:schemeClr val="lt1"/>
+          </a:fontRef>
+        </p:style>
+        <p:txBody>
+          <a:bodyPr rtlCol="0" anchor="ctr"/>
+          <a:lstStyle/>
+          <a:p>
+            <a:pPr algn="ctr"/>
+            <a:endParaRPr lang="it-IT"/>
+          </a:p>
+        </p:txBody>
+      </p:sp>
+    </p:spTree>
+    <p:extLst>
+      <p:ext uri="{BB962C8B-B14F-4D97-AF65-F5344CB8AC3E}">
+        <p14:creationId xmlns:p14="http://schemas.microsoft.com/office/powerpoint/2010/main" val="2765796870"/>
+      </p:ext>
+    </p:extLst>
+  </p:cSld>
+  <p:clrMapOvr>
+    <a:masterClrMapping/>
+  </p:clrMapOvr>
+  <mc:AlternateContent xmlns:mc="http://schemas.openxmlformats.org/markup-compatibility/2006" xmlns:p14="http://schemas.microsoft.com/office/powerpoint/2010/main">
+    <mc:Choice Requires="p14">
+      <p:transition p14:dur="400">
+        <p:wipe/>
+      </p:transition>
+    </mc:Choice>
+    <mc:Fallback xmlns="">
+      <p:transition>
+        <p:wipe/>
+      </p:transition>
+    </mc:Fallback>
+  </mc:AlternateContent>
+  <p:timing>
+    <p:tnLst>
+      <p:par>
+        <p:cTn id="1" dur="indefinite" restart="never" nodeType="tmRoot">
+          <p:childTnLst>
+            <p:seq concurrent="1" nextAc="seek">
+              <p:cTn id="2" dur="indefinite" nodeType="mainSeq">
+                <p:childTnLst>
+                  <p:par>
+                    <p:cTn id="3" fill="hold">
+                      <p:stCondLst>
+                        <p:cond delay="indefinite"/>
+                        <p:cond evt="onBegin" delay="0">
+                          <p:tn val="2"/>
+                        </p:cond>
+                      </p:stCondLst>
+                      <p:childTnLst>
+                        <p:par>
+                          <p:cTn id="4" fill="hold">
+                            <p:stCondLst>
+                              <p:cond delay="0"/>
+                            </p:stCondLst>
+                            <p:childTnLst>
+                              <p:par>
+                                <p:cTn id="5" presetID="12" presetClass="entr" presetSubtype="1" fill="hold" grpId="0" nodeType="withEffect">
+                                  <p:stCondLst>
+                                    <p:cond delay="1000"/>
+                                  </p:stCondLst>
+                                  <p:childTnLst>
+                                    <p:set>
+                                      <p:cBhvr>
+                                        <p:cTn id="6" dur="1" fill="hold">
+                                          <p:stCondLst>
+                                            <p:cond delay="0"/>
+                                          </p:stCondLst>
+                                        </p:cTn>
+                                        <p:tgtEl>
+                                          <p:spTgt spid="14"/>
+                                        </p:tgtEl>
+                                        <p:attrNameLst>
+                                          <p:attrName>style.visibility</p:attrName>
+                                        </p:attrNameLst>
+                                      </p:cBhvr>
+                                      <p:to>
+                                        <p:strVal val="visible"/>
+                                      </p:to>
+                                    </p:set>
+                                    <p:anim calcmode="lin" valueType="num">
+                                      <p:cBhvr additive="base">
+                                        <p:cTn id="7" dur="500"/>
+                                        <p:tgtEl>
+                                          <p:spTgt spid="14"/>
+                                        </p:tgtEl>
+                                        <p:attrNameLst>
+                                          <p:attrName>ppt_y</p:attrName>
+                                        </p:attrNameLst>
+                                      </p:cBhvr>
+                                      <p:tavLst>
+                                        <p:tav tm="0">
+                                          <p:val>
+                                            <p:strVal val="#ppt_y-#ppt_h*1.125000"/>
+                                          </p:val>
+                                        </p:tav>
+                                        <p:tav tm="100000">
+                                          <p:val>
+                                            <p:strVal val="#ppt_y"/>
+                                          </p:val>
+                                        </p:tav>
+                                      </p:tavLst>
+                                    </p:anim>
+                                    <p:animEffect transition="in" filter="wipe(down)">
+                                      <p:cBhvr>
+                                        <p:cTn id="8" dur="500"/>
+                                        <p:tgtEl>
+                                          <p:spTgt spid="14"/>
+                                        </p:tgtEl>
+                                      </p:cBhvr>
+                                    </p:animEffect>
+                                  </p:childTnLst>
+                                </p:cTn>
+                              </p:par>
+                              <p:par>
+                                <p:cTn id="9" presetID="12" presetClass="entr" presetSubtype="1" fill="hold" grpId="0" nodeType="withEffect">
+                                  <p:stCondLst>
+                                    <p:cond delay="1000"/>
+                                  </p:stCondLst>
+                                  <p:childTnLst>
+                                    <p:set>
+                                      <p:cBhvr>
+                                        <p:cTn id="10" dur="1" fill="hold">
+                                          <p:stCondLst>
+                                            <p:cond delay="0"/>
+                                          </p:stCondLst>
+                                        </p:cTn>
+                                        <p:tgtEl>
+                                          <p:spTgt spid="7"/>
+                                        </p:tgtEl>
+                                        <p:attrNameLst>
+                                          <p:attrName>style.visibility</p:attrName>
+                                        </p:attrNameLst>
+                                      </p:cBhvr>
+                                      <p:to>
+                                        <p:strVal val="visible"/>
+                                      </p:to>
+                                    </p:set>
+                                    <p:anim calcmode="lin" valueType="num">
+                                      <p:cBhvr additive="base">
+                                        <p:cTn id="11" dur="500"/>
+                                        <p:tgtEl>
+                                          <p:spTgt spid="7"/>
+                                        </p:tgtEl>
+                                        <p:attrNameLst>
+                                          <p:attrName>ppt_y</p:attrName>
+                                        </p:attrNameLst>
+                                      </p:cBhvr>
+                                      <p:tavLst>
+                                        <p:tav tm="0">
+                                          <p:val>
+                                            <p:strVal val="#ppt_y-#ppt_h*1.125000"/>
+                                          </p:val>
+                                        </p:tav>
+                                        <p:tav tm="100000">
+                                          <p:val>
+                                            <p:strVal val="#ppt_y"/>
+                                          </p:val>
+                                        </p:tav>
+                                      </p:tavLst>
+                                    </p:anim>
+                                    <p:animEffect transition="in" filter="wipe(down)">
+                                      <p:cBhvr>
+                                        <p:cTn id="12" dur="500"/>
+                                        <p:tgtEl>
+                                          <p:spTgt spid="7"/>
+                                        </p:tgtEl>
+                                      </p:cBhvr>
+                                    </p:animEffect>
+                                  </p:childTnLst>
+                                </p:cTn>
+                              </p:par>
+                              <p:par>
+                                <p:cTn id="13" presetID="12" presetClass="entr" presetSubtype="1" fill="hold" grpId="0" nodeType="withEffect">
+                                  <p:stCondLst>
+                                    <p:cond delay="1000"/>
+                                  </p:stCondLst>
+                                  <p:childTnLst>
+                                    <p:set>
+                                      <p:cBhvr>
+                                        <p:cTn id="14" dur="1" fill="hold">
+                                          <p:stCondLst>
+                                            <p:cond delay="0"/>
+                                          </p:stCondLst>
+                                        </p:cTn>
+                                        <p:tgtEl>
+                                          <p:spTgt spid="6"/>
+                                        </p:tgtEl>
+                                        <p:attrNameLst>
+                                          <p:attrName>style.visibility</p:attrName>
+                                        </p:attrNameLst>
+                                      </p:cBhvr>
+                                      <p:to>
+                                        <p:strVal val="visible"/>
+                                      </p:to>
+                                    </p:set>
+                                    <p:anim calcmode="lin" valueType="num">
+                                      <p:cBhvr additive="base">
+                                        <p:cTn id="15" dur="500"/>
+                                        <p:tgtEl>
+                                          <p:spTgt spid="6"/>
+                                        </p:tgtEl>
+                                        <p:attrNameLst>
+                                          <p:attrName>ppt_y</p:attrName>
+                                        </p:attrNameLst>
+                                      </p:cBhvr>
+                                      <p:tavLst>
+                                        <p:tav tm="0">
+                                          <p:val>
+                                            <p:strVal val="#ppt_y-#ppt_h*1.125000"/>
+                                          </p:val>
+                                        </p:tav>
+                                        <p:tav tm="100000">
+                                          <p:val>
+                                            <p:strVal val="#ppt_y"/>
+                                          </p:val>
+                                        </p:tav>
+                                      </p:tavLst>
+                                    </p:anim>
+                                    <p:animEffect transition="in" filter="wipe(down)">
+                                      <p:cBhvr>
+                                        <p:cTn id="16" dur="500"/>
+                                        <p:tgtEl>
+                                          <p:spTgt spid="6"/>
+                                        </p:tgtEl>
+                                      </p:cBhvr>
+                                    </p:animEffect>
+                                  </p:childTnLst>
+                                </p:cTn>
+                              </p:par>
+                            </p:childTnLst>
+                          </p:cTn>
+                        </p:par>
+                      </p:childTnLst>
+                    </p:cTn>
+                  </p:par>
+                </p:childTnLst>
+              </p:cTn>
+              <p:prevCondLst>
+                <p:cond evt="onPrev" delay="0">
+                  <p:tgtEl>
+                    <p:sldTgt/>
+                  </p:tgtEl>
+                </p:cond>
+              </p:prevCondLst>
+              <p:nextCondLst>
+                <p:cond evt="onNext" delay="0">
+                  <p:tgtEl>
+                    <p:sldTgt/>
+                  </p:tgtEl>
+                </p:cond>
+              </p:nextCondLst>
+            </p:seq>
+          </p:childTnLst>
+        </p:cTn>
+      </p:par>
+    </p:tnLst>
+    <p:bldLst>
+      <p:bldP spid="6" grpId="0"/>
+      <p:bldP spid="7" grpId="0"/>
+      <p:bldP spid="14" grpId="0" animBg="1"/>
+    </p:bldLst>
+  </p:timing>
+</p:sld>
+</file>
+
+<file path=ppt/slides/slide12.xml><?xml version="1.0" encoding="utf-8"?>
 <p:sld xmlns:a="http://schemas.openxmlformats.org/drawingml/2006/main" xmlns:r="http://schemas.openxmlformats.org/officeDocument/2006/relationships" xmlns:p="http://schemas.openxmlformats.org/presentationml/2006/main">
   <p:cSld>
     <p:spTree>
@@ -20576,7 +22986,7 @@
 </p:sld>
 </file>
 
-<file path=ppt/slides/slide12.xml><?xml version="1.0" encoding="utf-8"?>
+<file path=ppt/slides/slide13.xml><?xml version="1.0" encoding="utf-8"?>
 <p:sld xmlns:a="http://schemas.openxmlformats.org/drawingml/2006/main" xmlns:r="http://schemas.openxmlformats.org/officeDocument/2006/relationships" xmlns:p="http://schemas.openxmlformats.org/presentationml/2006/main">
   <p:cSld>
     <p:spTree>
@@ -21142,7 +23552,7 @@
                   <a:srgbClr val="003F6E"/>
                 </a:solidFill>
               </a:rPr>
-              <a:t> in </a:t>
+              <a:t> </a:t>
             </a:r>
             <a:r>
               <a:rPr lang="it-IT" b="1" dirty="0" err="1">
@@ -21150,7 +23560,39 @@
                   <a:srgbClr val="003F6E"/>
                 </a:solidFill>
               </a:rPr>
-              <a:t>our</a:t>
+              <a:t>also</a:t>
+            </a:r>
+            <a:r>
+              <a:rPr lang="it-IT" b="1" dirty="0">
+                <a:solidFill>
+                  <a:srgbClr val="003F6E"/>
+                </a:solidFill>
+              </a:rPr>
+              <a:t> in </a:t>
+            </a:r>
+            <a:r>
+              <a:rPr lang="it-IT" b="1" dirty="0" err="1">
+                <a:solidFill>
+                  <a:srgbClr val="003F6E"/>
+                </a:solidFill>
+              </a:rPr>
+              <a:t>streamwise</a:t>
+            </a:r>
+            <a:r>
+              <a:rPr lang="it-IT" b="1" dirty="0">
+                <a:solidFill>
+                  <a:srgbClr val="003F6E"/>
+                </a:solidFill>
+              </a:rPr>
+              <a:t> and </a:t>
+            </a:r>
+            <a:r>
+              <a:rPr lang="it-IT" b="1" dirty="0" err="1">
+                <a:solidFill>
+                  <a:srgbClr val="003F6E"/>
+                </a:solidFill>
+              </a:rPr>
+              <a:t>spanwise</a:t>
             </a:r>
             <a:r>
               <a:rPr lang="it-IT" b="1" dirty="0">
@@ -21166,38 +23608,6 @@
                   <a:srgbClr val="003F6E"/>
                 </a:solidFill>
               </a:rPr>
-              <a:t>streamwise</a:t>
-            </a:r>
-            <a:r>
-              <a:rPr lang="it-IT" b="1" dirty="0">
-                <a:solidFill>
-                  <a:srgbClr val="003F6E"/>
-                </a:solidFill>
-              </a:rPr>
-              <a:t> and </a:t>
-            </a:r>
-            <a:r>
-              <a:rPr lang="it-IT" b="1" dirty="0" err="1">
-                <a:solidFill>
-                  <a:srgbClr val="003F6E"/>
-                </a:solidFill>
-              </a:rPr>
-              <a:t>spanwise</a:t>
-            </a:r>
-            <a:r>
-              <a:rPr lang="it-IT" b="1" dirty="0">
-                <a:solidFill>
-                  <a:srgbClr val="003F6E"/>
-                </a:solidFill>
-              </a:rPr>
-              <a:t> </a:t>
-            </a:r>
-            <a:r>
-              <a:rPr lang="it-IT" b="1" dirty="0" err="1">
-                <a:solidFill>
-                  <a:srgbClr val="003F6E"/>
-                </a:solidFill>
-              </a:rPr>
               <a:t>fluctuations</a:t>
             </a:r>
             <a:r>
@@ -21214,7 +23624,7 @@
     </p:spTree>
     <p:extLst>
       <p:ext uri="{BB962C8B-B14F-4D97-AF65-F5344CB8AC3E}">
-        <p14:creationId xmlns:p14="http://schemas.microsoft.com/office/powerpoint/2010/main" val="2765796870"/>
+        <p14:creationId xmlns:p14="http://schemas.microsoft.com/office/powerpoint/2010/main" val="2623125661"/>
       </p:ext>
     </p:extLst>
   </p:cSld>
@@ -21236,7 +23646,7 @@
 </p:sld>
 </file>
 
-<file path=ppt/slides/slide13.xml><?xml version="1.0" encoding="utf-8"?>
+<file path=ppt/slides/slide14.xml><?xml version="1.0" encoding="utf-8"?>
 <p:sld xmlns:a="http://schemas.openxmlformats.org/drawingml/2006/main" xmlns:r="http://schemas.openxmlformats.org/officeDocument/2006/relationships" xmlns:p="http://schemas.openxmlformats.org/presentationml/2006/main">
   <p:cSld>
     <p:spTree>
@@ -23031,7 +25441,7 @@
 </p:sld>
 </file>
 
-<file path=ppt/slides/slide14.xml><?xml version="1.0" encoding="utf-8"?>
+<file path=ppt/slides/slide15.xml><?xml version="1.0" encoding="utf-8"?>
 <p:sld xmlns:a="http://schemas.openxmlformats.org/drawingml/2006/main" xmlns:r="http://schemas.openxmlformats.org/officeDocument/2006/relationships" xmlns:p="http://schemas.openxmlformats.org/presentationml/2006/main">
   <p:cSld>
     <p:spTree>
@@ -23070,7 +25480,7 @@
         </p:blipFill>
         <p:spPr>
           <a:xfrm>
-            <a:off x="-469901" y="2288597"/>
+            <a:off x="-514557" y="2287319"/>
             <a:ext cx="10187197" cy="3489903"/>
           </a:xfrm>
           <a:prstGeom prst="rect">
@@ -23403,8 +25813,8 @@
         </p:nvCxnSpPr>
         <p:spPr>
           <a:xfrm flipH="1" flipV="1">
-            <a:off x="2961574" y="2958274"/>
-            <a:ext cx="370773" cy="536329"/>
+            <a:off x="2961575" y="2958275"/>
+            <a:ext cx="325252" cy="657284"/>
           </a:xfrm>
           <a:prstGeom prst="straightConnector1">
             <a:avLst/>
@@ -23444,7 +25854,7 @@
         </p:nvCxnSpPr>
         <p:spPr>
           <a:xfrm flipH="1">
-            <a:off x="2857373" y="4946698"/>
+            <a:off x="1890421" y="4985571"/>
             <a:ext cx="429454" cy="592456"/>
           </a:xfrm>
           <a:prstGeom prst="straightConnector1">
@@ -23688,7 +26098,7 @@
 </p:sld>
 </file>
 
-<file path=ppt/slides/slide15.xml><?xml version="1.0" encoding="utf-8"?>
+<file path=ppt/slides/slide16.xml><?xml version="1.0" encoding="utf-8"?>
 <p:sld xmlns:a="http://schemas.openxmlformats.org/drawingml/2006/main" xmlns:r="http://schemas.openxmlformats.org/officeDocument/2006/relationships" xmlns:p="http://schemas.openxmlformats.org/presentationml/2006/main">
   <p:cSld>
     <p:spTree>
@@ -24813,7 +27223,7 @@
 </p:sld>
 </file>
 
-<file path=ppt/slides/slide16.xml><?xml version="1.0" encoding="utf-8"?>
+<file path=ppt/slides/slide17.xml><?xml version="1.0" encoding="utf-8"?>
 <p:sld xmlns:a="http://schemas.openxmlformats.org/drawingml/2006/main" xmlns:r="http://schemas.openxmlformats.org/officeDocument/2006/relationships" xmlns:p="http://schemas.openxmlformats.org/presentationml/2006/main">
   <p:cSld>
     <p:spTree>

--- a/presentazione_meazzo.pptx
+++ b/presentazione_meazzo.pptx
@@ -5,26 +5,25 @@
     <p:sldMasterId id="2147483648" r:id="rId1"/>
   </p:sldMasterIdLst>
   <p:notesMasterIdLst>
-    <p:notesMasterId r:id="rId19"/>
+    <p:notesMasterId r:id="rId18"/>
   </p:notesMasterIdLst>
   <p:sldIdLst>
     <p:sldId id="261" r:id="rId2"/>
-    <p:sldId id="257" r:id="rId3"/>
-    <p:sldId id="302" r:id="rId4"/>
-    <p:sldId id="303" r:id="rId5"/>
-    <p:sldId id="273" r:id="rId6"/>
-    <p:sldId id="281" r:id="rId7"/>
-    <p:sldId id="287" r:id="rId8"/>
-    <p:sldId id="297" r:id="rId9"/>
-    <p:sldId id="290" r:id="rId10"/>
-    <p:sldId id="292" r:id="rId11"/>
-    <p:sldId id="262" r:id="rId12"/>
-    <p:sldId id="270" r:id="rId13"/>
-    <p:sldId id="277" r:id="rId14"/>
-    <p:sldId id="299" r:id="rId15"/>
-    <p:sldId id="285" r:id="rId16"/>
-    <p:sldId id="272" r:id="rId17"/>
-    <p:sldId id="271" r:id="rId18"/>
+    <p:sldId id="302" r:id="rId3"/>
+    <p:sldId id="303" r:id="rId4"/>
+    <p:sldId id="273" r:id="rId5"/>
+    <p:sldId id="281" r:id="rId6"/>
+    <p:sldId id="287" r:id="rId7"/>
+    <p:sldId id="297" r:id="rId8"/>
+    <p:sldId id="290" r:id="rId9"/>
+    <p:sldId id="292" r:id="rId10"/>
+    <p:sldId id="262" r:id="rId11"/>
+    <p:sldId id="270" r:id="rId12"/>
+    <p:sldId id="277" r:id="rId13"/>
+    <p:sldId id="299" r:id="rId14"/>
+    <p:sldId id="285" r:id="rId15"/>
+    <p:sldId id="272" r:id="rId16"/>
+    <p:sldId id="271" r:id="rId17"/>
   </p:sldIdLst>
   <p:sldSz cx="9144000" cy="6858000" type="screen4x3"/>
   <p:notesSz cx="6858000" cy="9144000"/>
@@ -133,7 +132,6 @@
         </p14:section>
         <p14:section name="Intro" id="{F76BB86A-C317-9044-A4D2-BDF7C053917C}">
           <p14:sldIdLst>
-            <p14:sldId id="257"/>
             <p14:sldId id="302"/>
             <p14:sldId id="303"/>
             <p14:sldId id="273"/>
@@ -265,7 +263,7 @@
           <a:p>
             <a:fld id="{2A16072E-76B3-D244-B44B-73D8EDDBFA70}" type="datetimeFigureOut">
               <a:rPr lang="it-IT" smtClean="0"/>
-              <a:t>23/09/19</a:t>
+              <a:t>26/09/19</a:t>
             </a:fld>
             <a:endParaRPr lang="it-IT"/>
           </a:p>
@@ -637,35 +635,33 @@
           <a:p>
             <a:r>
               <a:rPr lang="it-IT" dirty="0"/>
-              <a:t>Su suggerimento del </a:t>
-            </a:r>
-            <a:r>
-              <a:rPr lang="it-IT" dirty="0" err="1"/>
-              <a:t>Cineca</a:t>
-            </a:r>
-            <a:r>
-              <a:rPr lang="it-IT" dirty="0"/>
-              <a:t> -&gt; adottato Intel 18,</a:t>
+              <a:t>Validare solutore, Re=5600</a:t>
             </a:r>
           </a:p>
           <a:p>
             <a:r>
-              <a:rPr lang="it-IT" dirty="0" err="1"/>
-              <a:t>Autovettorizzazione</a:t>
-            </a:r>
-            <a:r>
               <a:rPr lang="it-IT" dirty="0"/>
-              <a:t> codice</a:t>
+              <a:t>Legge di parete: brevemente …,</a:t>
             </a:r>
           </a:p>
           <a:p>
             <a:r>
               <a:rPr lang="it-IT" dirty="0"/>
-              <a:t>Picco </a:t>
-            </a:r>
+              <a:t>Aritmetica moderna &gt;&gt; KMM 1986</a:t>
+            </a:r>
+          </a:p>
+          <a:p>
             <a:r>
               <a:rPr lang="it-IT" dirty="0" err="1"/>
-              <a:t>Scaling</a:t>
+              <a:t>Tau_w</a:t>
+            </a:r>
+            <a:r>
+              <a:rPr lang="it-IT" dirty="0"/>
+              <a:t>= </a:t>
+            </a:r>
+            <a:r>
+              <a:rPr lang="it-IT" dirty="0" err="1"/>
+              <a:t>wall</a:t>
             </a:r>
             <a:r>
               <a:rPr lang="it-IT" dirty="0"/>
@@ -673,45 +669,12 @@
             </a:r>
             <a:r>
               <a:rPr lang="it-IT" dirty="0" err="1"/>
-              <a:t>f</a:t>
+              <a:t>shear</a:t>
             </a:r>
             <a:r>
               <a:rPr lang="it-IT" dirty="0"/>
-              <a:t>(#modi)</a:t>
-            </a:r>
-          </a:p>
-          <a:p>
-            <a:pPr marL="0" marR="0" lvl="0" indent="0" algn="l" defTabSz="914400" rtl="0" eaLnBrk="1" fontAlgn="auto" latinLnBrk="0" hangingPunct="1">
-              <a:lnSpc>
-                <a:spcPct val="100000"/>
-              </a:lnSpc>
-              <a:spcBef>
-                <a:spcPts val="0"/>
-              </a:spcBef>
-              <a:spcAft>
-                <a:spcPts val="0"/>
-              </a:spcAft>
-              <a:buClrTx/>
-              <a:buSzTx/>
-              <a:buFontTx/>
-              <a:buNone/>
-              <a:tabLst/>
-              <a:defRPr/>
-            </a:pPr>
-            <a:r>
-              <a:rPr lang="it-IT" dirty="0" err="1"/>
-              <a:t>Hyperthreading</a:t>
-            </a:r>
-            <a:r>
-              <a:rPr lang="it-IT" dirty="0"/>
-              <a:t> poco efficace,</a:t>
-            </a:r>
-          </a:p>
-          <a:p>
-            <a:endParaRPr lang="it-IT" dirty="0"/>
-          </a:p>
-          <a:p>
-            <a:endParaRPr lang="it-IT" dirty="0"/>
+              <a:t> stress</a:t>
+            </a:r>
           </a:p>
         </p:txBody>
       </p:sp>
@@ -741,7 +704,7 @@
     </p:spTree>
     <p:extLst>
       <p:ext uri="{BB962C8B-B14F-4D97-AF65-F5344CB8AC3E}">
-        <p14:creationId xmlns:p14="http://schemas.microsoft.com/office/powerpoint/2010/main" val="4245440185"/>
+        <p14:creationId xmlns:p14="http://schemas.microsoft.com/office/powerpoint/2010/main" val="2388229710"/>
       </p:ext>
     </p:extLst>
   </p:cSld>
@@ -797,46 +760,68 @@
           <a:p>
             <a:r>
               <a:rPr lang="it-IT" dirty="0"/>
-              <a:t>Validare solutore, Re=5600</a:t>
+              <a:t>Panoramica legge parete,</a:t>
             </a:r>
           </a:p>
           <a:p>
             <a:r>
-              <a:rPr lang="it-IT" dirty="0"/>
-              <a:t>Legge di parete: brevemente …,</a:t>
-            </a:r>
+              <a:rPr lang="it-IT" dirty="0" err="1"/>
+              <a:t>U_mean</a:t>
+            </a:r>
+            <a:endParaRPr lang="it-IT" dirty="0"/>
           </a:p>
           <a:p>
             <a:r>
               <a:rPr lang="it-IT" dirty="0"/>
-              <a:t>Aritmetica moderna &gt;&gt; KMM 1986</a:t>
+              <a:t>Componenti sforzo di taglio (</a:t>
+            </a:r>
+            <a:r>
+              <a:rPr lang="it-IT" dirty="0" err="1"/>
+              <a:t>channel_units</a:t>
+            </a:r>
+            <a:r>
+              <a:rPr lang="it-IT" dirty="0"/>
+              <a:t>) al </a:t>
+            </a:r>
+            <a:r>
+              <a:rPr lang="it-IT" dirty="0" err="1"/>
+              <a:t>var</a:t>
+            </a:r>
+            <a:r>
+              <a:rPr lang="it-IT" dirty="0"/>
+              <a:t> di RE</a:t>
             </a:r>
           </a:p>
           <a:p>
+            <a:endParaRPr lang="it-IT" dirty="0"/>
+          </a:p>
+          <a:p>
+            <a:r>
+              <a:rPr lang="it-IT" dirty="0"/>
+              <a:t>…Re2000</a:t>
+            </a:r>
+          </a:p>
+          <a:p>
+            <a:r>
+              <a:rPr lang="it-IT" dirty="0"/>
+              <a:t>17miliardi di </a:t>
+            </a:r>
             <a:r>
               <a:rPr lang="it-IT" dirty="0" err="1"/>
-              <a:t>Tau_w</a:t>
+              <a:t>gdl</a:t>
             </a:r>
             <a:r>
               <a:rPr lang="it-IT" dirty="0"/>
-              <a:t>= </a:t>
+              <a:t>, ½ TB per </a:t>
             </a:r>
             <a:r>
               <a:rPr lang="it-IT" dirty="0" err="1"/>
-              <a:t>wall</a:t>
-            </a:r>
-            <a:r>
-              <a:rPr lang="it-IT" dirty="0"/>
-              <a:t> </a:t>
-            </a:r>
-            <a:r>
-              <a:rPr lang="it-IT" dirty="0" err="1"/>
-              <a:t>shear</a:t>
-            </a:r>
-            <a:r>
-              <a:rPr lang="it-IT" dirty="0"/>
-              <a:t> stress</a:t>
-            </a:r>
+              <a:t>step</a:t>
+            </a:r>
+            <a:endParaRPr lang="it-IT" dirty="0"/>
+          </a:p>
+          <a:p>
+            <a:endParaRPr lang="it-IT" dirty="0"/>
           </a:p>
         </p:txBody>
       </p:sp>
@@ -866,7 +851,7 @@
     </p:spTree>
     <p:extLst>
       <p:ext uri="{BB962C8B-B14F-4D97-AF65-F5344CB8AC3E}">
-        <p14:creationId xmlns:p14="http://schemas.microsoft.com/office/powerpoint/2010/main" val="2388229710"/>
+        <p14:creationId xmlns:p14="http://schemas.microsoft.com/office/powerpoint/2010/main" val="1247092198"/>
       </p:ext>
     </p:extLst>
   </p:cSld>
@@ -922,68 +907,8 @@
           <a:p>
             <a:r>
               <a:rPr lang="it-IT" dirty="0"/>
-              <a:t>Panoramica legge parete,</a:t>
-            </a:r>
-          </a:p>
-          <a:p>
-            <a:r>
-              <a:rPr lang="it-IT" dirty="0" err="1"/>
-              <a:t>U_mean</a:t>
-            </a:r>
-            <a:endParaRPr lang="it-IT" dirty="0"/>
-          </a:p>
-          <a:p>
-            <a:r>
-              <a:rPr lang="it-IT" dirty="0"/>
-              <a:t>Componenti sforzo di taglio (</a:t>
-            </a:r>
-            <a:r>
-              <a:rPr lang="it-IT" dirty="0" err="1"/>
-              <a:t>channel_units</a:t>
-            </a:r>
-            <a:r>
-              <a:rPr lang="it-IT" dirty="0"/>
-              <a:t>) al </a:t>
-            </a:r>
-            <a:r>
-              <a:rPr lang="it-IT" dirty="0" err="1"/>
-              <a:t>var</a:t>
-            </a:r>
-            <a:r>
-              <a:rPr lang="it-IT" dirty="0"/>
-              <a:t> di RE</a:t>
-            </a:r>
-          </a:p>
-          <a:p>
-            <a:endParaRPr lang="it-IT" dirty="0"/>
-          </a:p>
-          <a:p>
-            <a:r>
-              <a:rPr lang="it-IT" dirty="0"/>
-              <a:t>…Re2000</a:t>
-            </a:r>
-          </a:p>
-          <a:p>
-            <a:r>
-              <a:rPr lang="it-IT" dirty="0"/>
-              <a:t>8miliardi di </a:t>
-            </a:r>
-            <a:r>
-              <a:rPr lang="it-IT" dirty="0" err="1"/>
-              <a:t>gdl</a:t>
-            </a:r>
-            <a:r>
-              <a:rPr lang="it-IT" dirty="0"/>
-              <a:t>, ½ TB per </a:t>
-            </a:r>
-            <a:r>
-              <a:rPr lang="it-IT" dirty="0" err="1"/>
-              <a:t>step</a:t>
-            </a:r>
-            <a:endParaRPr lang="it-IT" dirty="0"/>
-          </a:p>
-          <a:p>
-            <a:endParaRPr lang="it-IT" dirty="0"/>
+              <a:t>se log -&gt; B=1/K (K=Von Karman)</a:t>
+            </a:r>
           </a:p>
         </p:txBody>
       </p:sp>
@@ -1013,7 +938,7 @@
     </p:spTree>
     <p:extLst>
       <p:ext uri="{BB962C8B-B14F-4D97-AF65-F5344CB8AC3E}">
-        <p14:creationId xmlns:p14="http://schemas.microsoft.com/office/powerpoint/2010/main" val="1247092198"/>
+        <p14:creationId xmlns:p14="http://schemas.microsoft.com/office/powerpoint/2010/main" val="4013558028"/>
       </p:ext>
     </p:extLst>
   </p:cSld>
@@ -1069,7 +994,29 @@
           <a:p>
             <a:r>
               <a:rPr lang="it-IT" dirty="0"/>
-              <a:t>se log -&gt; B=1/K (K=Von Karman)</a:t>
+              <a:t>Aggiungere slide intro su </a:t>
+            </a:r>
+            <a:r>
+              <a:rPr lang="it-IT" dirty="0" err="1"/>
+              <a:t>towsend</a:t>
+            </a:r>
+            <a:r>
+              <a:rPr lang="it-IT" dirty="0"/>
+              <a:t> con</a:t>
+            </a:r>
+          </a:p>
+          <a:p>
+            <a:r>
+              <a:rPr lang="it-IT" dirty="0"/>
+              <a:t>Funzione </a:t>
+            </a:r>
+            <a:r>
+              <a:rPr lang="it-IT" dirty="0" err="1"/>
+              <a:t>Predittore</a:t>
+            </a:r>
+            <a:r>
+              <a:rPr lang="it-IT" dirty="0"/>
+              <a:t> andamento logaritmico</a:t>
             </a:r>
           </a:p>
         </p:txBody>
@@ -1100,7 +1047,7 @@
     </p:spTree>
     <p:extLst>
       <p:ext uri="{BB962C8B-B14F-4D97-AF65-F5344CB8AC3E}">
-        <p14:creationId xmlns:p14="http://schemas.microsoft.com/office/powerpoint/2010/main" val="4013558028"/>
+        <p14:creationId xmlns:p14="http://schemas.microsoft.com/office/powerpoint/2010/main" val="3737241230"/>
       </p:ext>
     </p:extLst>
   </p:cSld>
@@ -1156,20 +1103,6 @@
           <a:p>
             <a:r>
               <a:rPr lang="it-IT" dirty="0"/>
-              <a:t>Aggiungere slide intro su </a:t>
-            </a:r>
-            <a:r>
-              <a:rPr lang="it-IT" dirty="0" err="1"/>
-              <a:t>towsend</a:t>
-            </a:r>
-            <a:r>
-              <a:rPr lang="it-IT" dirty="0"/>
-              <a:t> con</a:t>
-            </a:r>
-          </a:p>
-          <a:p>
-            <a:r>
-              <a:rPr lang="it-IT" dirty="0"/>
               <a:t>Funzione </a:t>
             </a:r>
             <a:r>
@@ -1209,7 +1142,7 @@
     </p:spTree>
     <p:extLst>
       <p:ext uri="{BB962C8B-B14F-4D97-AF65-F5344CB8AC3E}">
-        <p14:creationId xmlns:p14="http://schemas.microsoft.com/office/powerpoint/2010/main" val="3737241230"/>
+        <p14:creationId xmlns:p14="http://schemas.microsoft.com/office/powerpoint/2010/main" val="1896786706"/>
       </p:ext>
     </p:extLst>
   </p:cSld>
@@ -1220,101 +1153,6 @@
 </file>
 
 <file path=ppt/notesSlides/notesSlide15.xml><?xml version="1.0" encoding="utf-8"?>
-<p:notes xmlns:a="http://schemas.openxmlformats.org/drawingml/2006/main" xmlns:r="http://schemas.openxmlformats.org/officeDocument/2006/relationships" xmlns:p="http://schemas.openxmlformats.org/presentationml/2006/main">
-  <p:cSld>
-    <p:spTree>
-      <p:nvGrpSpPr>
-        <p:cNvPr id="1" name=""/>
-        <p:cNvGrpSpPr/>
-        <p:nvPr/>
-      </p:nvGrpSpPr>
-      <p:grpSpPr>
-        <a:xfrm>
-          <a:off x="0" y="0"/>
-          <a:ext cx="0" cy="0"/>
-          <a:chOff x="0" y="0"/>
-          <a:chExt cx="0" cy="0"/>
-        </a:xfrm>
-      </p:grpSpPr>
-      <p:sp>
-        <p:nvSpPr>
-          <p:cNvPr id="2" name="Segnaposto immagine diapositiva 1"/>
-          <p:cNvSpPr>
-            <a:spLocks noGrp="1" noRot="1" noChangeAspect="1"/>
-          </p:cNvSpPr>
-          <p:nvPr>
-            <p:ph type="sldImg"/>
-          </p:nvPr>
-        </p:nvSpPr>
-        <p:spPr/>
-      </p:sp>
-      <p:sp>
-        <p:nvSpPr>
-          <p:cNvPr id="3" name="Segnaposto note 2"/>
-          <p:cNvSpPr>
-            <a:spLocks noGrp="1"/>
-          </p:cNvSpPr>
-          <p:nvPr>
-            <p:ph type="body" idx="1"/>
-          </p:nvPr>
-        </p:nvSpPr>
-        <p:spPr/>
-        <p:txBody>
-          <a:bodyPr/>
-          <a:lstStyle/>
-          <a:p>
-            <a:r>
-              <a:rPr lang="it-IT" dirty="0"/>
-              <a:t>Funzione </a:t>
-            </a:r>
-            <a:r>
-              <a:rPr lang="it-IT" dirty="0" err="1"/>
-              <a:t>Predittore</a:t>
-            </a:r>
-            <a:r>
-              <a:rPr lang="it-IT" dirty="0"/>
-              <a:t> andamento logaritmico</a:t>
-            </a:r>
-          </a:p>
-        </p:txBody>
-      </p:sp>
-      <p:sp>
-        <p:nvSpPr>
-          <p:cNvPr id="4" name="Segnaposto numero diapositiva 3"/>
-          <p:cNvSpPr>
-            <a:spLocks noGrp="1"/>
-          </p:cNvSpPr>
-          <p:nvPr>
-            <p:ph type="sldNum" sz="quarter" idx="10"/>
-          </p:nvPr>
-        </p:nvSpPr>
-        <p:spPr/>
-        <p:txBody>
-          <a:bodyPr/>
-          <a:lstStyle/>
-          <a:p>
-            <a:fld id="{1A6B2BED-F6F4-ED4A-9D49-77F4B1011AF7}" type="slidenum">
-              <a:rPr lang="it-IT" smtClean="0"/>
-              <a:t>15</a:t>
-            </a:fld>
-            <a:endParaRPr lang="it-IT"/>
-          </a:p>
-        </p:txBody>
-      </p:sp>
-    </p:spTree>
-    <p:extLst>
-      <p:ext uri="{BB962C8B-B14F-4D97-AF65-F5344CB8AC3E}">
-        <p14:creationId xmlns:p14="http://schemas.microsoft.com/office/powerpoint/2010/main" val="1896786706"/>
-      </p:ext>
-    </p:extLst>
-  </p:cSld>
-  <p:clrMapOvr>
-    <a:masterClrMapping/>
-  </p:clrMapOvr>
-</p:notes>
-</file>
-
-<file path=ppt/notesSlides/notesSlide16.xml><?xml version="1.0" encoding="utf-8"?>
 <p:notes xmlns:a="http://schemas.openxmlformats.org/drawingml/2006/main" xmlns:r="http://schemas.openxmlformats.org/officeDocument/2006/relationships" xmlns:p="http://schemas.openxmlformats.org/presentationml/2006/main">
   <p:cSld>
     <p:spTree>
@@ -1379,7 +1217,7 @@
           <a:p>
             <a:fld id="{1A6B2BED-F6F4-ED4A-9D49-77F4B1011AF7}" type="slidenum">
               <a:rPr lang="it-IT" smtClean="0"/>
-              <a:t>17</a:t>
+              <a:t>16</a:t>
             </a:fld>
             <a:endParaRPr lang="it-IT"/>
           </a:p>
@@ -1442,10 +1280,34 @@
           <a:bodyPr/>
           <a:lstStyle/>
           <a:p>
-            <a:endParaRPr lang="it-IT" dirty="0"/>
+            <a:r>
+              <a:rPr lang="it-IT" dirty="0"/>
+              <a:t>Dal punto di vista numerico unico strumento affidabile,</a:t>
+            </a:r>
           </a:p>
           <a:p>
-            <a:endParaRPr lang="it-IT" dirty="0"/>
+            <a:r>
+              <a:rPr lang="it-IT" dirty="0"/>
+              <a:t>DNS non si avvale,</a:t>
+            </a:r>
+          </a:p>
+          <a:p>
+            <a:r>
+              <a:rPr lang="it-IT" dirty="0"/>
+              <a:t>Non adottare modelli .. Costi molto elevati computazionale,</a:t>
+            </a:r>
+          </a:p>
+          <a:p>
+            <a:r>
+              <a:rPr lang="it-IT" dirty="0"/>
+              <a:t>Solo ambito accademico, </a:t>
+            </a:r>
+          </a:p>
+          <a:p>
+            <a:r>
+              <a:rPr lang="it-IT" dirty="0"/>
+              <a:t>Scopo approfondire conoscenza turbolenza al fine di creare modelli affidabili</a:t>
+            </a:r>
           </a:p>
         </p:txBody>
       </p:sp>
@@ -1475,7 +1337,7 @@
     </p:spTree>
     <p:extLst>
       <p:ext uri="{BB962C8B-B14F-4D97-AF65-F5344CB8AC3E}">
-        <p14:creationId xmlns:p14="http://schemas.microsoft.com/office/powerpoint/2010/main" val="3805237108"/>
+        <p14:creationId xmlns:p14="http://schemas.microsoft.com/office/powerpoint/2010/main" val="3976859386"/>
       </p:ext>
     </p:extLst>
   </p:cSld>
@@ -1530,24 +1392,21 @@
           <a:lstStyle/>
           <a:p>
             <a:r>
-              <a:rPr lang="it-IT" dirty="0" err="1"/>
-              <a:t>f</a:t>
-            </a:r>
-            <a:r>
               <a:rPr lang="it-IT" dirty="0"/>
-              <a:t>(</a:t>
-            </a:r>
-            <a:r>
-              <a:rPr lang="it-IT" dirty="0" err="1"/>
-              <a:t>wave</a:t>
-            </a:r>
-            <a:r>
-              <a:rPr lang="it-IT" dirty="0"/>
-              <a:t>#),  Re^3</a:t>
+              <a:t>Costi computazioni -&gt; HPC</a:t>
             </a:r>
           </a:p>
           <a:p>
-            <a:endParaRPr lang="it-IT" dirty="0"/>
+            <a:r>
+              <a:rPr lang="it-IT" dirty="0"/>
+              <a:t>Figure testimoniano trend allineati, ma non proporzionali</a:t>
+            </a:r>
+          </a:p>
+          <a:p>
+            <a:r>
+              <a:rPr lang="it-IT" dirty="0"/>
+              <a:t>HPC necessario sviluppo solutore parallelizzati</a:t>
+            </a:r>
           </a:p>
         </p:txBody>
       </p:sp>
@@ -1577,7 +1436,7 @@
     </p:spTree>
     <p:extLst>
       <p:ext uri="{BB962C8B-B14F-4D97-AF65-F5344CB8AC3E}">
-        <p14:creationId xmlns:p14="http://schemas.microsoft.com/office/powerpoint/2010/main" val="3976859386"/>
+        <p14:creationId xmlns:p14="http://schemas.microsoft.com/office/powerpoint/2010/main" val="1428133404"/>
       </p:ext>
     </p:extLst>
   </p:cSld>
@@ -1631,6 +1490,69 @@
           <a:bodyPr/>
           <a:lstStyle/>
           <a:p>
+            <a:r>
+              <a:rPr lang="it-IT" dirty="0"/>
+              <a:t>Basato su </a:t>
+            </a:r>
+            <a:r>
+              <a:rPr lang="it-IT" dirty="0" err="1"/>
+              <a:t>ark</a:t>
+            </a:r>
+            <a:r>
+              <a:rPr lang="it-IT" dirty="0"/>
+              <a:t> a memoria distribuita,</a:t>
+            </a:r>
+          </a:p>
+          <a:p>
+            <a:endParaRPr lang="it-IT" dirty="0"/>
+          </a:p>
+          <a:p>
+            <a:r>
+              <a:rPr lang="it-IT" dirty="0"/>
+              <a:t>? Realizzare questo </a:t>
+            </a:r>
+            <a:r>
+              <a:rPr lang="it-IT" dirty="0" err="1"/>
+              <a:t>sys</a:t>
+            </a:r>
+            <a:r>
+              <a:rPr lang="it-IT" dirty="0"/>
+              <a:t> Efficiente e semplice?</a:t>
+            </a:r>
+          </a:p>
+          <a:p>
+            <a:r>
+              <a:rPr lang="it-IT" dirty="0"/>
+              <a:t>MPI:</a:t>
+            </a:r>
+          </a:p>
+          <a:p>
+            <a:pPr marL="0" marR="0" lvl="0" indent="0" algn="l" defTabSz="914400" rtl="0" eaLnBrk="1" fontAlgn="auto" latinLnBrk="0" hangingPunct="1">
+              <a:lnSpc>
+                <a:spcPct val="100000"/>
+              </a:lnSpc>
+              <a:spcBef>
+                <a:spcPts val="0"/>
+              </a:spcBef>
+              <a:spcAft>
+                <a:spcPts val="0"/>
+              </a:spcAft>
+              <a:buClrTx/>
+              <a:buSzTx/>
+              <a:buFontTx/>
+              <a:buNone/>
+              <a:tabLst/>
+              <a:defRPr/>
+            </a:pPr>
+            <a:r>
+              <a:rPr lang="it-IT" dirty="0"/>
+              <a:t>Libreria che contiene un insieme di funzioni pensate per gestire la comunicazione tra processori appartenenti alla stessa rete</a:t>
+            </a:r>
+          </a:p>
+          <a:p>
+            <a:endParaRPr lang="it-IT" dirty="0"/>
+          </a:p>
+          <a:p>
             <a:endParaRPr lang="it-IT" dirty="0"/>
           </a:p>
         </p:txBody>
@@ -1661,7 +1583,7 @@
     </p:spTree>
     <p:extLst>
       <p:ext uri="{BB962C8B-B14F-4D97-AF65-F5344CB8AC3E}">
-        <p14:creationId xmlns:p14="http://schemas.microsoft.com/office/powerpoint/2010/main" val="1428133404"/>
+        <p14:creationId xmlns:p14="http://schemas.microsoft.com/office/powerpoint/2010/main" val="3870911311"/>
       </p:ext>
     </p:extLst>
   </p:cSld>
@@ -1717,61 +1639,21 @@
           <a:p>
             <a:r>
               <a:rPr lang="it-IT" dirty="0"/>
-              <a:t>Basato su </a:t>
-            </a:r>
-            <a:r>
-              <a:rPr lang="it-IT" dirty="0" err="1"/>
-              <a:t>ark</a:t>
-            </a:r>
-            <a:r>
-              <a:rPr lang="it-IT" dirty="0"/>
-              <a:t> a memoria distribuita,</a:t>
+              <a:t>Vantaggi di questo modello di programmazione</a:t>
             </a:r>
           </a:p>
           <a:p>
-            <a:endParaRPr lang="it-IT" dirty="0"/>
-          </a:p>
-          <a:p>
             <a:r>
               <a:rPr lang="it-IT" dirty="0"/>
-              <a:t>? Realizzare questo </a:t>
+              <a:t>Principale possibilità di scalare elevato </a:t>
             </a:r>
             <a:r>
               <a:rPr lang="it-IT" dirty="0" err="1"/>
-              <a:t>sys</a:t>
+              <a:t>n</a:t>
             </a:r>
             <a:r>
               <a:rPr lang="it-IT" dirty="0"/>
-              <a:t> Efficiente e semplice?</a:t>
-            </a:r>
-          </a:p>
-          <a:p>
-            <a:r>
-              <a:rPr lang="it-IT" dirty="0"/>
-              <a:t>MPI:</a:t>
-            </a:r>
-          </a:p>
-          <a:p>
-            <a:pPr marL="0" marR="0" lvl="0" indent="0" algn="l" defTabSz="914400" rtl="0" eaLnBrk="1" fontAlgn="auto" latinLnBrk="0" hangingPunct="1">
-              <a:lnSpc>
-                <a:spcPct val="100000"/>
-              </a:lnSpc>
-              <a:spcBef>
-                <a:spcPts val="0"/>
-              </a:spcBef>
-              <a:spcAft>
-                <a:spcPts val="0"/>
-              </a:spcAft>
-              <a:buClrTx/>
-              <a:buSzTx/>
-              <a:buFontTx/>
-              <a:buNone/>
-              <a:tabLst/>
-              <a:defRPr/>
-            </a:pPr>
-            <a:r>
-              <a:rPr lang="it-IT" dirty="0"/>
-              <a:t>Libreria che contiene un insieme di funzioni pensate per gestire la comunicazione tra processori appartenenti alla stessa rete</a:t>
+              <a:t> nodi</a:t>
             </a:r>
           </a:p>
           <a:p>
@@ -1808,7 +1690,7 @@
     </p:spTree>
     <p:extLst>
       <p:ext uri="{BB962C8B-B14F-4D97-AF65-F5344CB8AC3E}">
-        <p14:creationId xmlns:p14="http://schemas.microsoft.com/office/powerpoint/2010/main" val="3870911311"/>
+        <p14:creationId xmlns:p14="http://schemas.microsoft.com/office/powerpoint/2010/main" val="1409508061"/>
       </p:ext>
     </p:extLst>
   </p:cSld>
@@ -1864,24 +1746,24 @@
           <a:p>
             <a:r>
               <a:rPr lang="it-IT" dirty="0"/>
-              <a:t>Vantaggi di questo modello di programmazione</a:t>
+              <a:t>Il nostro solutore è caratterizzato da..</a:t>
             </a:r>
           </a:p>
           <a:p>
             <a:r>
               <a:rPr lang="it-IT" dirty="0"/>
-              <a:t>Principale possibilità di scalare elevato </a:t>
-            </a:r>
-            <a:r>
-              <a:rPr lang="it-IT" dirty="0" err="1"/>
-              <a:t>n</a:t>
-            </a:r>
-            <a:r>
-              <a:rPr lang="it-IT" dirty="0"/>
-              <a:t> nodi</a:t>
+              <a:t>Use estensivo delle seguenti librerie esterne,</a:t>
             </a:r>
           </a:p>
           <a:p>
+            <a:r>
+              <a:rPr lang="it-IT" dirty="0"/>
+              <a:t>…Grazie all’uso di </a:t>
+            </a:r>
+            <a:r>
+              <a:rPr lang="it-IT" dirty="0" err="1"/>
+              <a:t>fftMPI</a:t>
+            </a:r>
             <a:endParaRPr lang="it-IT" dirty="0"/>
           </a:p>
           <a:p>
@@ -1915,7 +1797,7 @@
     </p:spTree>
     <p:extLst>
       <p:ext uri="{BB962C8B-B14F-4D97-AF65-F5344CB8AC3E}">
-        <p14:creationId xmlns:p14="http://schemas.microsoft.com/office/powerpoint/2010/main" val="1409508061"/>
+        <p14:creationId xmlns:p14="http://schemas.microsoft.com/office/powerpoint/2010/main" val="2605832399"/>
       </p:ext>
     </p:extLst>
   </p:cSld>
@@ -1971,28 +1853,34 @@
           <a:p>
             <a:r>
               <a:rPr lang="it-IT" dirty="0"/>
-              <a:t>Il nostro solutore è caratterizzato da..</a:t>
+              <a:t>decomposizione 2D arrays,</a:t>
             </a:r>
           </a:p>
           <a:p>
             <a:r>
               <a:rPr lang="it-IT" dirty="0"/>
-              <a:t>Use estensivo delle seguenti librerie esterne,</a:t>
+              <a:t>consente maggiore scalabilità del codice,</a:t>
             </a:r>
           </a:p>
           <a:p>
             <a:r>
               <a:rPr lang="it-IT" dirty="0"/>
-              <a:t>…Grazie all’uso di </a:t>
+              <a:t>sposta limite teorico </a:t>
             </a:r>
             <a:r>
               <a:rPr lang="it-IT" dirty="0" err="1"/>
-              <a:t>fftMPI</a:t>
-            </a:r>
-            <a:endParaRPr lang="it-IT" dirty="0"/>
+              <a:t>scaling</a:t>
+            </a:r>
+            <a:r>
+              <a:rPr lang="it-IT" dirty="0"/>
+              <a:t>,</a:t>
+            </a:r>
           </a:p>
           <a:p>
-            <a:endParaRPr lang="it-IT" dirty="0"/>
+            <a:r>
+              <a:rPr lang="it-IT" dirty="0"/>
+              <a:t>prodotto tra i 2 modi più piccoli</a:t>
+            </a:r>
           </a:p>
         </p:txBody>
       </p:sp>
@@ -2022,7 +1910,7 @@
     </p:spTree>
     <p:extLst>
       <p:ext uri="{BB962C8B-B14F-4D97-AF65-F5344CB8AC3E}">
-        <p14:creationId xmlns:p14="http://schemas.microsoft.com/office/powerpoint/2010/main" val="2605832399"/>
+        <p14:creationId xmlns:p14="http://schemas.microsoft.com/office/powerpoint/2010/main" val="1570855508"/>
       </p:ext>
     </p:extLst>
   </p:cSld>
@@ -2078,34 +1966,85 @@
           <a:p>
             <a:r>
               <a:rPr lang="it-IT" dirty="0"/>
-              <a:t>decomposizione 2D arrays,</a:t>
-            </a:r>
+              <a:t>Benchmark, </a:t>
+            </a:r>
+            <a:r>
+              <a:rPr lang="it-IT" dirty="0" err="1"/>
+              <a:t>S</a:t>
+            </a:r>
+            <a:r>
+              <a:rPr lang="it-IT" dirty="0"/>
+              <a:t>=</a:t>
+            </a:r>
+            <a:r>
+              <a:rPr lang="it-IT" dirty="0" err="1"/>
+              <a:t>t_single</a:t>
+            </a:r>
+            <a:r>
+              <a:rPr lang="it-IT" dirty="0"/>
+              <a:t>/</a:t>
+            </a:r>
+            <a:r>
+              <a:rPr lang="it-IT" dirty="0" err="1"/>
+              <a:t>t_p</a:t>
+            </a:r>
+            <a:endParaRPr lang="it-IT" dirty="0"/>
           </a:p>
           <a:p>
             <a:r>
               <a:rPr lang="it-IT" dirty="0"/>
-              <a:t>consente maggiore scalabilità del codice,</a:t>
-            </a:r>
+              <a:t>128^3 </a:t>
+            </a:r>
+            <a:r>
+              <a:rPr lang="it-IT" dirty="0" err="1"/>
+              <a:t>cpl</a:t>
+            </a:r>
+            <a:r>
+              <a:rPr lang="it-IT" dirty="0"/>
+              <a:t> vs </a:t>
+            </a:r>
+            <a:r>
+              <a:rPr lang="it-IT" dirty="0" err="1"/>
+              <a:t>mpi</a:t>
+            </a:r>
+            <a:endParaRPr lang="it-IT" dirty="0"/>
           </a:p>
           <a:p>
             <a:r>
               <a:rPr lang="it-IT" dirty="0"/>
-              <a:t>sposta limite teorico </a:t>
+              <a:t>Mentre </a:t>
             </a:r>
             <a:r>
               <a:rPr lang="it-IT" dirty="0" err="1"/>
-              <a:t>scaling</a:t>
+              <a:t>Decomp</a:t>
             </a:r>
             <a:r>
               <a:rPr lang="it-IT" dirty="0"/>
-              <a:t>,</a:t>
+              <a:t> 1D non presenta sensibilità al #CORES</a:t>
             </a:r>
           </a:p>
           <a:p>
             <a:r>
               <a:rPr lang="it-IT" dirty="0"/>
-              <a:t>prodotto tra i 2 modi più piccoli</a:t>
-            </a:r>
+              <a:t>256x256x512  </a:t>
+            </a:r>
+            <a:r>
+              <a:rPr lang="it-IT" dirty="0" err="1"/>
+              <a:t>f</a:t>
+            </a:r>
+            <a:r>
+              <a:rPr lang="it-IT" dirty="0"/>
+              <a:t>(CORES)</a:t>
+            </a:r>
+          </a:p>
+          <a:p>
+            <a:endParaRPr lang="it-IT" dirty="0"/>
+          </a:p>
+          <a:p>
+            <a:endParaRPr lang="it-IT" dirty="0"/>
+          </a:p>
+          <a:p>
+            <a:endParaRPr lang="it-IT" dirty="0"/>
           </a:p>
         </p:txBody>
       </p:sp>
@@ -2135,7 +2074,7 @@
     </p:spTree>
     <p:extLst>
       <p:ext uri="{BB962C8B-B14F-4D97-AF65-F5344CB8AC3E}">
-        <p14:creationId xmlns:p14="http://schemas.microsoft.com/office/powerpoint/2010/main" val="1570855508"/>
+        <p14:creationId xmlns:p14="http://schemas.microsoft.com/office/powerpoint/2010/main" val="2622871920"/>
       </p:ext>
     </p:extLst>
   </p:cSld>
@@ -2191,79 +2130,75 @@
           <a:p>
             <a:r>
               <a:rPr lang="it-IT" dirty="0"/>
-              <a:t>Benchmark, </a:t>
+              <a:t>Su suggerimento del </a:t>
             </a:r>
             <a:r>
               <a:rPr lang="it-IT" dirty="0" err="1"/>
-              <a:t>S</a:t>
+              <a:t>Cineca</a:t>
             </a:r>
             <a:r>
               <a:rPr lang="it-IT" dirty="0"/>
-              <a:t>=</a:t>
-            </a:r>
-            <a:r>
-              <a:rPr lang="it-IT" dirty="0" err="1"/>
-              <a:t>t_single</a:t>
-            </a:r>
-            <a:r>
-              <a:rPr lang="it-IT" dirty="0"/>
-              <a:t>/</a:t>
-            </a:r>
-            <a:r>
-              <a:rPr lang="it-IT" dirty="0" err="1"/>
-              <a:t>t_p</a:t>
-            </a:r>
-            <a:endParaRPr lang="it-IT" dirty="0"/>
+              <a:t> -&gt; adottato Intel 18,</a:t>
+            </a:r>
           </a:p>
           <a:p>
             <a:r>
+              <a:rPr lang="it-IT" dirty="0" err="1"/>
+              <a:t>Autovettorizzazione</a:t>
+            </a:r>
+            <a:r>
               <a:rPr lang="it-IT" dirty="0"/>
-              <a:t>128^3 </a:t>
-            </a:r>
-            <a:r>
-              <a:rPr lang="it-IT" dirty="0" err="1"/>
-              <a:t>cpl</a:t>
-            </a:r>
-            <a:r>
-              <a:rPr lang="it-IT" dirty="0"/>
-              <a:t> vs </a:t>
-            </a:r>
-            <a:r>
-              <a:rPr lang="it-IT" dirty="0" err="1"/>
-              <a:t>mpi</a:t>
-            </a:r>
-            <a:endParaRPr lang="it-IT" dirty="0"/>
+              <a:t> codice</a:t>
+            </a:r>
           </a:p>
           <a:p>
             <a:r>
               <a:rPr lang="it-IT" dirty="0"/>
-              <a:t>Mentre </a:t>
+              <a:t>Picco </a:t>
             </a:r>
             <a:r>
               <a:rPr lang="it-IT" dirty="0" err="1"/>
-              <a:t>Decomp</a:t>
+              <a:t>Scaling</a:t>
             </a:r>
             <a:r>
               <a:rPr lang="it-IT" dirty="0"/>
-              <a:t> 1D non presenta sensibilità al #CORES</a:t>
+              <a:t> </a:t>
+            </a:r>
+            <a:r>
+              <a:rPr lang="it-IT" dirty="0" err="1"/>
+              <a:t>f</a:t>
+            </a:r>
+            <a:r>
+              <a:rPr lang="it-IT" dirty="0"/>
+              <a:t>(#modi)</a:t>
             </a:r>
           </a:p>
           <a:p>
+            <a:pPr marL="0" marR="0" lvl="0" indent="0" algn="l" defTabSz="914400" rtl="0" eaLnBrk="1" fontAlgn="auto" latinLnBrk="0" hangingPunct="1">
+              <a:lnSpc>
+                <a:spcPct val="100000"/>
+              </a:lnSpc>
+              <a:spcBef>
+                <a:spcPts val="0"/>
+              </a:spcBef>
+              <a:spcAft>
+                <a:spcPts val="0"/>
+              </a:spcAft>
+              <a:buClrTx/>
+              <a:buSzTx/>
+              <a:buFontTx/>
+              <a:buNone/>
+              <a:tabLst/>
+              <a:defRPr/>
+            </a:pPr>
+            <a:r>
+              <a:rPr lang="it-IT" dirty="0" err="1"/>
+              <a:t>Hyperthreading</a:t>
+            </a:r>
             <a:r>
               <a:rPr lang="it-IT" dirty="0"/>
-              <a:t>256x256x512  </a:t>
-            </a:r>
-            <a:r>
-              <a:rPr lang="it-IT" dirty="0" err="1"/>
-              <a:t>f</a:t>
-            </a:r>
-            <a:r>
-              <a:rPr lang="it-IT" dirty="0"/>
-              <a:t>(CORES)</a:t>
-            </a:r>
-          </a:p>
-          <a:p>
-            <a:endParaRPr lang="it-IT" dirty="0"/>
+              <a:t> poco efficace,</a:t>
+            </a:r>
           </a:p>
           <a:p>
             <a:endParaRPr lang="it-IT" dirty="0"/>
@@ -2299,7 +2234,7 @@
     </p:spTree>
     <p:extLst>
       <p:ext uri="{BB962C8B-B14F-4D97-AF65-F5344CB8AC3E}">
-        <p14:creationId xmlns:p14="http://schemas.microsoft.com/office/powerpoint/2010/main" val="2622871920"/>
+        <p14:creationId xmlns:p14="http://schemas.microsoft.com/office/powerpoint/2010/main" val="4245440185"/>
       </p:ext>
     </p:extLst>
   </p:cSld>
@@ -19162,443 +19097,6 @@
           <a:chExt cx="0" cy="0"/>
         </a:xfrm>
       </p:grpSpPr>
-      <p:sp>
-        <p:nvSpPr>
-          <p:cNvPr id="9" name="CasellaDiTesto 8">
-            <a:extLst>
-              <a:ext uri="{FF2B5EF4-FFF2-40B4-BE49-F238E27FC236}">
-                <a16:creationId xmlns:a16="http://schemas.microsoft.com/office/drawing/2014/main" id="{53351752-2C56-364D-82D2-AE07AEAC8720}"/>
-              </a:ext>
-            </a:extLst>
-          </p:cNvPr>
-          <p:cNvSpPr txBox="1"/>
-          <p:nvPr/>
-        </p:nvSpPr>
-        <p:spPr>
-          <a:xfrm>
-            <a:off x="3194462" y="3847605"/>
-            <a:ext cx="184731" cy="369332"/>
-          </a:xfrm>
-          <a:prstGeom prst="rect">
-            <a:avLst/>
-          </a:prstGeom>
-          <a:noFill/>
-        </p:spPr>
-        <p:txBody>
-          <a:bodyPr wrap="none" rtlCol="0">
-            <a:spAutoFit/>
-          </a:bodyPr>
-          <a:lstStyle/>
-          <a:p>
-            <a:endParaRPr lang="it-IT" dirty="0"/>
-          </a:p>
-        </p:txBody>
-      </p:sp>
-      <p:grpSp>
-        <p:nvGrpSpPr>
-          <p:cNvPr id="4" name="Gruppo 3">
-            <a:extLst>
-              <a:ext uri="{FF2B5EF4-FFF2-40B4-BE49-F238E27FC236}">
-                <a16:creationId xmlns:a16="http://schemas.microsoft.com/office/drawing/2014/main" id="{6040EE21-EEFD-244F-9E14-637E5C21FEFF}"/>
-              </a:ext>
-            </a:extLst>
-          </p:cNvPr>
-          <p:cNvGrpSpPr/>
-          <p:nvPr/>
-        </p:nvGrpSpPr>
-        <p:grpSpPr>
-          <a:xfrm>
-            <a:off x="83127" y="6317672"/>
-            <a:ext cx="3063834" cy="344385"/>
-            <a:chOff x="83127" y="6317672"/>
-            <a:chExt cx="3063834" cy="344385"/>
-          </a:xfrm>
-        </p:grpSpPr>
-        <p:sp>
-          <p:nvSpPr>
-            <p:cNvPr id="5" name="Rettangolo 4">
-              <a:extLst>
-                <a:ext uri="{FF2B5EF4-FFF2-40B4-BE49-F238E27FC236}">
-                  <a16:creationId xmlns:a16="http://schemas.microsoft.com/office/drawing/2014/main" id="{BF4B3357-CDC2-2442-86C2-E5C7C2A7230E}"/>
-                </a:ext>
-              </a:extLst>
-            </p:cNvPr>
-            <p:cNvSpPr/>
-            <p:nvPr/>
-          </p:nvSpPr>
-          <p:spPr>
-            <a:xfrm>
-              <a:off x="83127" y="6317672"/>
-              <a:ext cx="3063834" cy="344385"/>
-            </a:xfrm>
-            <a:prstGeom prst="rect">
-              <a:avLst/>
-            </a:prstGeom>
-            <a:solidFill>
-              <a:srgbClr val="728FA5"/>
-            </a:solidFill>
-            <a:ln>
-              <a:noFill/>
-            </a:ln>
-          </p:spPr>
-          <p:style>
-            <a:lnRef idx="0">
-              <a:scrgbClr r="0" g="0" b="0"/>
-            </a:lnRef>
-            <a:fillRef idx="0">
-              <a:scrgbClr r="0" g="0" b="0"/>
-            </a:fillRef>
-            <a:effectRef idx="0">
-              <a:scrgbClr r="0" g="0" b="0"/>
-            </a:effectRef>
-            <a:fontRef idx="minor">
-              <a:schemeClr val="lt1"/>
-            </a:fontRef>
-          </p:style>
-          <p:txBody>
-            <a:bodyPr rtlCol="0" anchor="ctr"/>
-            <a:lstStyle/>
-            <a:p>
-              <a:endParaRPr lang="it-IT" sz="1400" dirty="0"/>
-            </a:p>
-          </p:txBody>
-        </p:sp>
-        <p:sp>
-          <p:nvSpPr>
-            <p:cNvPr id="8" name="Rettangolo 7">
-              <a:extLst>
-                <a:ext uri="{FF2B5EF4-FFF2-40B4-BE49-F238E27FC236}">
-                  <a16:creationId xmlns:a16="http://schemas.microsoft.com/office/drawing/2014/main" id="{5586F461-EC0C-D148-A5B3-CCDFE544B77E}"/>
-                </a:ext>
-              </a:extLst>
-            </p:cNvPr>
-            <p:cNvSpPr/>
-            <p:nvPr/>
-          </p:nvSpPr>
-          <p:spPr>
-            <a:xfrm>
-              <a:off x="288521" y="6317672"/>
-              <a:ext cx="2858440" cy="344385"/>
-            </a:xfrm>
-            <a:prstGeom prst="rect">
-              <a:avLst/>
-            </a:prstGeom>
-            <a:solidFill>
-              <a:srgbClr val="728FA5"/>
-            </a:solidFill>
-            <a:ln>
-              <a:noFill/>
-            </a:ln>
-          </p:spPr>
-          <p:style>
-            <a:lnRef idx="0">
-              <a:scrgbClr r="0" g="0" b="0"/>
-            </a:lnRef>
-            <a:fillRef idx="0">
-              <a:scrgbClr r="0" g="0" b="0"/>
-            </a:fillRef>
-            <a:effectRef idx="0">
-              <a:scrgbClr r="0" g="0" b="0"/>
-            </a:effectRef>
-            <a:fontRef idx="minor">
-              <a:schemeClr val="lt1"/>
-            </a:fontRef>
-          </p:style>
-          <p:txBody>
-            <a:bodyPr rtlCol="0" anchor="ctr"/>
-            <a:lstStyle/>
-            <a:p>
-              <a:r>
-                <a:rPr lang="it-IT" sz="1400" dirty="0"/>
-                <a:t>Mirco Meazzo - 873477</a:t>
-              </a:r>
-            </a:p>
-          </p:txBody>
-        </p:sp>
-      </p:grpSp>
-      <p:sp>
-        <p:nvSpPr>
-          <p:cNvPr id="10" name="Titolo 1">
-            <a:extLst>
-              <a:ext uri="{FF2B5EF4-FFF2-40B4-BE49-F238E27FC236}">
-                <a16:creationId xmlns:a16="http://schemas.microsoft.com/office/drawing/2014/main" id="{8C8D6482-3CCE-E247-B568-E81C33294396}"/>
-              </a:ext>
-            </a:extLst>
-          </p:cNvPr>
-          <p:cNvSpPr>
-            <a:spLocks noGrp="1"/>
-          </p:cNvSpPr>
-          <p:nvPr>
-            <p:ph type="title"/>
-          </p:nvPr>
-        </p:nvSpPr>
-        <p:spPr/>
-        <p:txBody>
-          <a:bodyPr/>
-          <a:lstStyle/>
-          <a:p>
-            <a:r>
-              <a:rPr lang="it-IT" dirty="0" err="1"/>
-              <a:t>Scaling</a:t>
-            </a:r>
-            <a:r>
-              <a:rPr lang="it-IT" dirty="0"/>
-              <a:t> Performance (2/2)</a:t>
-            </a:r>
-          </a:p>
-        </p:txBody>
-      </p:sp>
-      <p:pic>
-        <p:nvPicPr>
-          <p:cNvPr id="13" name="Immagine 12">
-            <a:extLst>
-              <a:ext uri="{FF2B5EF4-FFF2-40B4-BE49-F238E27FC236}">
-                <a16:creationId xmlns:a16="http://schemas.microsoft.com/office/drawing/2014/main" id="{D835A034-209D-5D4E-929F-5235A155ADFE}"/>
-              </a:ext>
-            </a:extLst>
-          </p:cNvPr>
-          <p:cNvPicPr>
-            <a:picLocks noChangeAspect="1"/>
-          </p:cNvPicPr>
-          <p:nvPr/>
-        </p:nvPicPr>
-        <p:blipFill>
-          <a:blip r:embed="rId3"/>
-          <a:stretch>
-            <a:fillRect/>
-          </a:stretch>
-        </p:blipFill>
-        <p:spPr>
-          <a:xfrm>
-            <a:off x="0" y="1926446"/>
-            <a:ext cx="4689252" cy="3516939"/>
-          </a:xfrm>
-          <a:prstGeom prst="rect">
-            <a:avLst/>
-          </a:prstGeom>
-        </p:spPr>
-      </p:pic>
-      <p:pic>
-        <p:nvPicPr>
-          <p:cNvPr id="12" name="Immagine 11">
-            <a:extLst>
-              <a:ext uri="{FF2B5EF4-FFF2-40B4-BE49-F238E27FC236}">
-                <a16:creationId xmlns:a16="http://schemas.microsoft.com/office/drawing/2014/main" id="{84DA5D8D-A2EC-CA43-BD6D-AE2BEC2BFE29}"/>
-              </a:ext>
-            </a:extLst>
-          </p:cNvPr>
-          <p:cNvPicPr>
-            <a:picLocks noChangeAspect="1"/>
-          </p:cNvPicPr>
-          <p:nvPr/>
-        </p:nvPicPr>
-        <p:blipFill>
-          <a:blip r:embed="rId4"/>
-          <a:stretch>
-            <a:fillRect/>
-          </a:stretch>
-        </p:blipFill>
-        <p:spPr>
-          <a:xfrm>
-            <a:off x="4454748" y="1926446"/>
-            <a:ext cx="4689252" cy="3516939"/>
-          </a:xfrm>
-          <a:prstGeom prst="rect">
-            <a:avLst/>
-          </a:prstGeom>
-        </p:spPr>
-      </p:pic>
-      <p:sp>
-        <p:nvSpPr>
-          <p:cNvPr id="14" name="CasellaDiTesto 13">
-            <a:extLst>
-              <a:ext uri="{FF2B5EF4-FFF2-40B4-BE49-F238E27FC236}">
-                <a16:creationId xmlns:a16="http://schemas.microsoft.com/office/drawing/2014/main" id="{7BF2B103-4851-6B4F-9C45-23C079CF4ECE}"/>
-              </a:ext>
-            </a:extLst>
-          </p:cNvPr>
-          <p:cNvSpPr txBox="1"/>
-          <p:nvPr/>
-        </p:nvSpPr>
-        <p:spPr>
-          <a:xfrm>
-            <a:off x="1277666" y="1860376"/>
-            <a:ext cx="2133918" cy="369332"/>
-          </a:xfrm>
-          <a:prstGeom prst="rect">
-            <a:avLst/>
-          </a:prstGeom>
-          <a:noFill/>
-        </p:spPr>
-        <p:txBody>
-          <a:bodyPr wrap="none" rtlCol="0">
-            <a:spAutoFit/>
-          </a:bodyPr>
-          <a:lstStyle/>
-          <a:p>
-            <a:r>
-              <a:rPr lang="it-IT" b="1" dirty="0">
-                <a:solidFill>
-                  <a:schemeClr val="tx2"/>
-                </a:solidFill>
-                <a:latin typeface="Arial" panose="020B0604020202020204" pitchFamily="34" charset="0"/>
-                <a:cs typeface="Arial" panose="020B0604020202020204" pitchFamily="34" charset="0"/>
-              </a:rPr>
-              <a:t>256x256x512 </a:t>
-            </a:r>
-            <a:r>
-              <a:rPr lang="it-IT" b="1" dirty="0" err="1">
-                <a:solidFill>
-                  <a:schemeClr val="tx2"/>
-                </a:solidFill>
-                <a:latin typeface="Arial" panose="020B0604020202020204" pitchFamily="34" charset="0"/>
-                <a:cs typeface="Arial" panose="020B0604020202020204" pitchFamily="34" charset="0"/>
-              </a:rPr>
-              <a:t>Grid</a:t>
-            </a:r>
-            <a:endParaRPr lang="it-IT" b="1" dirty="0">
-              <a:solidFill>
-                <a:schemeClr val="tx2"/>
-              </a:solidFill>
-              <a:latin typeface="Arial" panose="020B0604020202020204" pitchFamily="34" charset="0"/>
-              <a:cs typeface="Arial" panose="020B0604020202020204" pitchFamily="34" charset="0"/>
-            </a:endParaRPr>
-          </a:p>
-        </p:txBody>
-      </p:sp>
-      <p:sp>
-        <p:nvSpPr>
-          <p:cNvPr id="15" name="CasellaDiTesto 14">
-            <a:extLst>
-              <a:ext uri="{FF2B5EF4-FFF2-40B4-BE49-F238E27FC236}">
-                <a16:creationId xmlns:a16="http://schemas.microsoft.com/office/drawing/2014/main" id="{C5EF825B-8B32-7345-9D02-5E9BCC608182}"/>
-              </a:ext>
-            </a:extLst>
-          </p:cNvPr>
-          <p:cNvSpPr txBox="1"/>
-          <p:nvPr/>
-        </p:nvSpPr>
-        <p:spPr>
-          <a:xfrm>
-            <a:off x="5554714" y="1860376"/>
-            <a:ext cx="2723823" cy="369332"/>
-          </a:xfrm>
-          <a:prstGeom prst="rect">
-            <a:avLst/>
-          </a:prstGeom>
-          <a:noFill/>
-        </p:spPr>
-        <p:txBody>
-          <a:bodyPr wrap="none" rtlCol="0">
-            <a:spAutoFit/>
-          </a:bodyPr>
-          <a:lstStyle/>
-          <a:p>
-            <a:r>
-              <a:rPr lang="it-IT" b="1" dirty="0" err="1">
-                <a:solidFill>
-                  <a:schemeClr val="tx2"/>
-                </a:solidFill>
-                <a:latin typeface="Arial" panose="020B0604020202020204" pitchFamily="34" charset="0"/>
-                <a:cs typeface="Arial" panose="020B0604020202020204" pitchFamily="34" charset="0"/>
-              </a:rPr>
-              <a:t>Speedup</a:t>
-            </a:r>
-            <a:r>
-              <a:rPr lang="it-IT" b="1" dirty="0">
-                <a:solidFill>
-                  <a:schemeClr val="tx2"/>
-                </a:solidFill>
-                <a:latin typeface="Arial" panose="020B0604020202020204" pitchFamily="34" charset="0"/>
-                <a:cs typeface="Arial" panose="020B0604020202020204" pitchFamily="34" charset="0"/>
-              </a:rPr>
-              <a:t> vs </a:t>
-            </a:r>
-            <a:r>
-              <a:rPr lang="it-IT" b="1" dirty="0" err="1">
-                <a:solidFill>
-                  <a:schemeClr val="tx2"/>
-                </a:solidFill>
-                <a:latin typeface="Arial" panose="020B0604020202020204" pitchFamily="34" charset="0"/>
-                <a:cs typeface="Arial" panose="020B0604020202020204" pitchFamily="34" charset="0"/>
-              </a:rPr>
-              <a:t>Mesh</a:t>
-            </a:r>
-            <a:r>
-              <a:rPr lang="it-IT" b="1" dirty="0">
-                <a:solidFill>
-                  <a:schemeClr val="tx2"/>
-                </a:solidFill>
-                <a:latin typeface="Arial" panose="020B0604020202020204" pitchFamily="34" charset="0"/>
-                <a:cs typeface="Arial" panose="020B0604020202020204" pitchFamily="34" charset="0"/>
-              </a:rPr>
-              <a:t> </a:t>
-            </a:r>
-            <a:r>
-              <a:rPr lang="it-IT" b="1" dirty="0" err="1">
-                <a:solidFill>
-                  <a:schemeClr val="tx2"/>
-                </a:solidFill>
-                <a:latin typeface="Arial" panose="020B0604020202020204" pitchFamily="34" charset="0"/>
-                <a:cs typeface="Arial" panose="020B0604020202020204" pitchFamily="34" charset="0"/>
-              </a:rPr>
-              <a:t>Size</a:t>
-            </a:r>
-            <a:r>
-              <a:rPr lang="it-IT" b="1" dirty="0">
-                <a:solidFill>
-                  <a:schemeClr val="tx2"/>
-                </a:solidFill>
-                <a:latin typeface="Arial" panose="020B0604020202020204" pitchFamily="34" charset="0"/>
-                <a:cs typeface="Arial" panose="020B0604020202020204" pitchFamily="34" charset="0"/>
-              </a:rPr>
-              <a:t> </a:t>
-            </a:r>
-          </a:p>
-        </p:txBody>
-      </p:sp>
-    </p:spTree>
-    <p:extLst>
-      <p:ext uri="{BB962C8B-B14F-4D97-AF65-F5344CB8AC3E}">
-        <p14:creationId xmlns:p14="http://schemas.microsoft.com/office/powerpoint/2010/main" val="3020932139"/>
-      </p:ext>
-    </p:extLst>
-  </p:cSld>
-  <p:clrMapOvr>
-    <a:masterClrMapping/>
-  </p:clrMapOvr>
-  <mc:AlternateContent xmlns:mc="http://schemas.openxmlformats.org/markup-compatibility/2006" xmlns:p14="http://schemas.microsoft.com/office/powerpoint/2010/main">
-    <mc:Choice Requires="p14">
-      <p:transition p14:dur="400">
-        <p:wipe/>
-      </p:transition>
-    </mc:Choice>
-    <mc:Fallback xmlns="">
-      <p:transition>
-        <p:wipe/>
-      </p:transition>
-    </mc:Fallback>
-  </mc:AlternateContent>
-</p:sld>
-</file>
-
-<file path=ppt/slides/slide11.xml><?xml version="1.0" encoding="utf-8"?>
-<p:sld xmlns:a="http://schemas.openxmlformats.org/drawingml/2006/main" xmlns:r="http://schemas.openxmlformats.org/officeDocument/2006/relationships" xmlns:p="http://schemas.openxmlformats.org/presentationml/2006/main">
-  <p:cSld>
-    <p:spTree>
-      <p:nvGrpSpPr>
-        <p:cNvPr id="1" name=""/>
-        <p:cNvGrpSpPr/>
-        <p:nvPr/>
-      </p:nvGrpSpPr>
-      <p:grpSpPr>
-        <a:xfrm>
-          <a:off x="0" y="0"/>
-          <a:ext cx="0" cy="0"/>
-          <a:chOff x="0" y="0"/>
-          <a:chExt cx="0" cy="0"/>
-        </a:xfrm>
-      </p:grpSpPr>
       <p:pic>
         <p:nvPicPr>
           <p:cNvPr id="11" name="Immagine 10">
@@ -19652,8 +19150,8 @@
           </a:p>
         </p:txBody>
       </p:sp>
-      <mc:AlternateContent xmlns:mc="http://schemas.openxmlformats.org/markup-compatibility/2006">
-        <mc:Choice xmlns:a14="http://schemas.microsoft.com/office/drawing/2010/main" Requires="a14">
+      <mc:AlternateContent xmlns:mc="http://schemas.openxmlformats.org/markup-compatibility/2006" xmlns:a14="http://schemas.microsoft.com/office/drawing/2010/main">
+        <mc:Choice Requires="a14">
           <p:sp>
             <p:nvSpPr>
               <p:cNvPr id="3" name="Segnaposto contenuto 2"/>
@@ -19770,7 +19268,7 @@
             </p:txBody>
           </p:sp>
         </mc:Choice>
-        <mc:Fallback>
+        <mc:Fallback xmlns="">
           <p:sp>
             <p:nvSpPr>
               <p:cNvPr id="3" name="Segnaposto contenuto 2"/>
@@ -19937,8 +19435,8 @@
           </a:p>
         </p:txBody>
       </p:sp>
-      <mc:AlternateContent xmlns:mc="http://schemas.openxmlformats.org/markup-compatibility/2006">
-        <mc:Choice xmlns:a14="http://schemas.microsoft.com/office/drawing/2010/main" Requires="a14">
+      <mc:AlternateContent xmlns:mc="http://schemas.openxmlformats.org/markup-compatibility/2006" xmlns:a14="http://schemas.microsoft.com/office/drawing/2010/main">
+        <mc:Choice Requires="a14">
           <p:sp>
             <p:nvSpPr>
               <p:cNvPr id="14" name="CasellaDiTesto 13">
@@ -20545,7 +20043,7 @@
             </p:txBody>
           </p:sp>
         </mc:Choice>
-        <mc:Fallback>
+        <mc:Fallback xmlns="">
           <p:sp>
             <p:nvSpPr>
               <p:cNvPr id="14" name="CasellaDiTesto 13">
@@ -21785,7 +21283,7 @@
 </p:sld>
 </file>
 
-<file path=ppt/slides/slide12.xml><?xml version="1.0" encoding="utf-8"?>
+<file path=ppt/slides/slide11.xml><?xml version="1.0" encoding="utf-8"?>
 <p:sld xmlns:a="http://schemas.openxmlformats.org/drawingml/2006/main" xmlns:r="http://schemas.openxmlformats.org/officeDocument/2006/relationships" xmlns:p="http://schemas.openxmlformats.org/presentationml/2006/main">
   <p:cSld>
     <p:spTree>
@@ -21824,8 +21322,8 @@
         </p:blipFill>
         <p:spPr>
           <a:xfrm>
-            <a:off x="0" y="1890149"/>
-            <a:ext cx="4689252" cy="3516939"/>
+            <a:off x="0" y="1656677"/>
+            <a:ext cx="4689252" cy="4194051"/>
           </a:xfrm>
           <a:prstGeom prst="rect">
             <a:avLst/>
@@ -21986,114 +21484,6 @@
           </p:txBody>
         </p:sp>
       </p:grpSp>
-      <mc:AlternateContent xmlns:mc="http://schemas.openxmlformats.org/markup-compatibility/2006">
-        <mc:Choice xmlns:a14="http://schemas.microsoft.com/office/drawing/2010/main" Requires="a14">
-          <p:sp>
-            <p:nvSpPr>
-              <p:cNvPr id="10" name="Titolo 1">
-                <a:extLst>
-                  <a:ext uri="{FF2B5EF4-FFF2-40B4-BE49-F238E27FC236}">
-                    <a16:creationId xmlns:a16="http://schemas.microsoft.com/office/drawing/2014/main" id="{8C8D6482-3CCE-E247-B568-E81C33294396}"/>
-                  </a:ext>
-                </a:extLst>
-              </p:cNvPr>
-              <p:cNvSpPr>
-                <a:spLocks noGrp="1"/>
-              </p:cNvSpPr>
-              <p:nvPr>
-                <p:ph type="title"/>
-              </p:nvPr>
-            </p:nvSpPr>
-            <p:spPr/>
-            <p:txBody>
-              <a:bodyPr/>
-              <a:lstStyle/>
-              <a:p>
-                <a14:m>
-                  <m:oMath xmlns:m="http://schemas.openxmlformats.org/officeDocument/2006/math">
-                    <m:sSub>
-                      <m:sSubPr>
-                        <m:ctrlPr>
-                          <a:rPr lang="it-IT" i="1" smtClean="0">
-                            <a:latin typeface="Cambria Math" panose="02040503050406030204" pitchFamily="18" charset="0"/>
-                          </a:rPr>
-                        </m:ctrlPr>
-                      </m:sSubPr>
-                      <m:e>
-                        <m:r>
-                          <a:rPr lang="it-IT" b="1" i="0" smtClean="0">
-                            <a:latin typeface="Cambria Math" panose="02040503050406030204" pitchFamily="18" charset="0"/>
-                          </a:rPr>
-                          <m:t>𝐑𝐞</m:t>
-                        </m:r>
-                      </m:e>
-                      <m:sub>
-                        <m:r>
-                          <a:rPr lang="it-IT" i="1" smtClean="0">
-                            <a:latin typeface="Cambria Math" panose="02040503050406030204" pitchFamily="18" charset="0"/>
-                            <a:ea typeface="Cambria Math" panose="02040503050406030204" pitchFamily="18" charset="0"/>
-                          </a:rPr>
-                          <m:t>𝝉</m:t>
-                        </m:r>
-                      </m:sub>
-                    </m:sSub>
-                    <m:r>
-                      <a:rPr lang="it-IT" b="1" i="1" smtClean="0">
-                        <a:latin typeface="Cambria Math" panose="02040503050406030204" pitchFamily="18" charset="0"/>
-                      </a:rPr>
-                      <m:t> </m:t>
-                    </m:r>
-                  </m:oMath>
-                </a14:m>
-                <a:r>
-                  <a:rPr lang="it-IT" dirty="0" err="1"/>
-                  <a:t>Comparison</a:t>
-                </a:r>
-                <a:endParaRPr lang="it-IT" dirty="0"/>
-              </a:p>
-            </p:txBody>
-          </p:sp>
-        </mc:Choice>
-        <mc:Fallback>
-          <p:sp>
-            <p:nvSpPr>
-              <p:cNvPr id="10" name="Titolo 1">
-                <a:extLst>
-                  <a:ext uri="{FF2B5EF4-FFF2-40B4-BE49-F238E27FC236}">
-                    <a16:creationId xmlns:a16="http://schemas.microsoft.com/office/drawing/2014/main" id="{8C8D6482-3CCE-E247-B568-E81C33294396}"/>
-                  </a:ext>
-                </a:extLst>
-              </p:cNvPr>
-              <p:cNvSpPr>
-                <a:spLocks noGrp="1" noRot="1" noChangeAspect="1" noMove="1" noResize="1" noEditPoints="1" noAdjustHandles="1" noChangeArrowheads="1" noChangeShapeType="1" noTextEdit="1"/>
-              </p:cNvSpPr>
-              <p:nvPr>
-                <p:ph type="title"/>
-              </p:nvPr>
-            </p:nvSpPr>
-            <p:spPr>
-              <a:blipFill>
-                <a:blip r:embed="rId4"/>
-                <a:stretch>
-                  <a:fillRect t="-4478"/>
-                </a:stretch>
-              </a:blipFill>
-            </p:spPr>
-            <p:txBody>
-              <a:bodyPr/>
-              <a:lstStyle/>
-              <a:p>
-                <a:r>
-                  <a:rPr lang="it-IT">
-                    <a:noFill/>
-                  </a:rPr>
-                  <a:t> </a:t>
-                </a:r>
-              </a:p>
-            </p:txBody>
-          </p:sp>
-        </mc:Fallback>
-      </mc:AlternateContent>
       <p:pic>
         <p:nvPicPr>
           <p:cNvPr id="12" name="Immagine 11">
@@ -22109,14 +21499,14 @@
           <p:nvPr/>
         </p:nvPicPr>
         <p:blipFill>
-          <a:blip r:embed="rId5"/>
+          <a:blip r:embed="rId4"/>
           <a:stretch>
             <a:fillRect/>
           </a:stretch>
         </p:blipFill>
         <p:spPr>
           <a:xfrm>
-            <a:off x="4454748" y="1890148"/>
+            <a:off x="4454748" y="1610180"/>
             <a:ext cx="4689252" cy="3516939"/>
           </a:xfrm>
           <a:prstGeom prst="rect">
@@ -22133,13 +21523,15 @@
               </a:ext>
             </a:extLst>
           </p:cNvPr>
-          <p:cNvCxnSpPr/>
+          <p:cNvCxnSpPr>
+            <a:cxnSpLocks/>
+          </p:cNvCxnSpPr>
           <p:nvPr/>
         </p:nvCxnSpPr>
         <p:spPr>
           <a:xfrm flipH="1">
-            <a:off x="1782700" y="4641934"/>
-            <a:ext cx="313151" cy="400833"/>
+            <a:off x="1495594" y="4903582"/>
+            <a:ext cx="197728" cy="447074"/>
           </a:xfrm>
           <a:prstGeom prst="straightConnector1">
             <a:avLst/>
@@ -22179,8 +21571,8 @@
         </p:nvCxnSpPr>
         <p:spPr>
           <a:xfrm flipH="1" flipV="1">
-            <a:off x="1965548" y="4009236"/>
-            <a:ext cx="187077" cy="415401"/>
+            <a:off x="1488609" y="4032273"/>
+            <a:ext cx="213429" cy="485939"/>
           </a:xfrm>
           <a:prstGeom prst="straightConnector1">
             <a:avLst/>
@@ -22204,6 +21596,267 @@
           </a:fontRef>
         </p:style>
       </p:cxnSp>
+      <mc:AlternateContent xmlns:mc="http://schemas.openxmlformats.org/markup-compatibility/2006" xmlns:a14="http://schemas.microsoft.com/office/drawing/2010/main">
+        <mc:Choice Requires="a14">
+          <p:sp>
+            <p:nvSpPr>
+              <p:cNvPr id="13" name="Titolo 12">
+                <a:extLst>
+                  <a:ext uri="{FF2B5EF4-FFF2-40B4-BE49-F238E27FC236}">
+                    <a16:creationId xmlns:a16="http://schemas.microsoft.com/office/drawing/2014/main" id="{92DDE24F-9483-1B42-A1BA-9785F2703905}"/>
+                  </a:ext>
+                </a:extLst>
+              </p:cNvPr>
+              <p:cNvSpPr>
+                <a:spLocks noGrp="1"/>
+              </p:cNvSpPr>
+              <p:nvPr>
+                <p:ph type="title"/>
+              </p:nvPr>
+            </p:nvSpPr>
+            <p:spPr/>
+            <p:txBody>
+              <a:bodyPr/>
+              <a:lstStyle/>
+              <a:p>
+                <a:r>
+                  <a:rPr lang="en-GB" dirty="0"/>
+                  <a:t>Increasing </a:t>
+                </a:r>
+                <a14:m>
+                  <m:oMath xmlns:m="http://schemas.openxmlformats.org/officeDocument/2006/math">
+                    <m:sSub>
+                      <m:sSubPr>
+                        <m:ctrlPr>
+                          <a:rPr lang="it-IT" i="1" smtClean="0">
+                            <a:latin typeface="Cambria Math" panose="02040503050406030204" pitchFamily="18" charset="0"/>
+                          </a:rPr>
+                        </m:ctrlPr>
+                      </m:sSubPr>
+                      <m:e>
+                        <m:r>
+                          <a:rPr lang="it-IT" b="1" i="0" smtClean="0">
+                            <a:latin typeface="Cambria Math" panose="02040503050406030204" pitchFamily="18" charset="0"/>
+                          </a:rPr>
+                          <m:t>𝐑𝐞</m:t>
+                        </m:r>
+                      </m:e>
+                      <m:sub>
+                        <m:r>
+                          <a:rPr lang="it-IT" i="1" smtClean="0">
+                            <a:latin typeface="Cambria Math" panose="02040503050406030204" pitchFamily="18" charset="0"/>
+                            <a:ea typeface="Cambria Math" panose="02040503050406030204" pitchFamily="18" charset="0"/>
+                          </a:rPr>
+                          <m:t>𝝉</m:t>
+                        </m:r>
+                      </m:sub>
+                    </m:sSub>
+                  </m:oMath>
+                </a14:m>
+                <a:r>
+                  <a:rPr lang="en-GB" dirty="0"/>
+                  <a:t> to </a:t>
+                </a:r>
+                <a14:m>
+                  <m:oMath xmlns:m="http://schemas.openxmlformats.org/officeDocument/2006/math">
+                    <m:sSub>
+                      <m:sSubPr>
+                        <m:ctrlPr>
+                          <a:rPr lang="it-IT" i="1" smtClean="0">
+                            <a:latin typeface="Cambria Math" panose="02040503050406030204" pitchFamily="18" charset="0"/>
+                          </a:rPr>
+                        </m:ctrlPr>
+                      </m:sSubPr>
+                      <m:e>
+                        <m:r>
+                          <a:rPr lang="it-IT" b="1" i="0" smtClean="0">
+                            <a:latin typeface="Cambria Math" panose="02040503050406030204" pitchFamily="18" charset="0"/>
+                          </a:rPr>
+                          <m:t>𝐑𝐞</m:t>
+                        </m:r>
+                      </m:e>
+                      <m:sub>
+                        <m:r>
+                          <a:rPr lang="it-IT" i="1" smtClean="0">
+                            <a:latin typeface="Cambria Math" panose="02040503050406030204" pitchFamily="18" charset="0"/>
+                            <a:ea typeface="Cambria Math" panose="02040503050406030204" pitchFamily="18" charset="0"/>
+                          </a:rPr>
+                          <m:t>𝝉</m:t>
+                        </m:r>
+                      </m:sub>
+                    </m:sSub>
+                  </m:oMath>
+                </a14:m>
+                <a:r>
+                  <a:rPr lang="en-GB" dirty="0"/>
+                  <a:t>=1000</a:t>
+                </a:r>
+                <a:endParaRPr lang="it-IT" b="0" dirty="0"/>
+              </a:p>
+            </p:txBody>
+          </p:sp>
+        </mc:Choice>
+        <mc:Fallback xmlns="">
+          <p:sp>
+            <p:nvSpPr>
+              <p:cNvPr id="13" name="Titolo 12">
+                <a:extLst>
+                  <a:ext uri="{FF2B5EF4-FFF2-40B4-BE49-F238E27FC236}">
+                    <a16:creationId xmlns:a16="http://schemas.microsoft.com/office/drawing/2014/main" id="{92DDE24F-9483-1B42-A1BA-9785F2703905}"/>
+                  </a:ext>
+                </a:extLst>
+              </p:cNvPr>
+              <p:cNvSpPr>
+                <a:spLocks noGrp="1" noRot="1" noChangeAspect="1" noMove="1" noResize="1" noEditPoints="1" noAdjustHandles="1" noChangeArrowheads="1" noChangeShapeType="1" noTextEdit="1"/>
+              </p:cNvSpPr>
+              <p:nvPr>
+                <p:ph type="title"/>
+              </p:nvPr>
+            </p:nvSpPr>
+            <p:spPr>
+              <a:blipFill>
+                <a:blip r:embed="rId5"/>
+                <a:stretch>
+                  <a:fillRect l="-888" t="-4478"/>
+                </a:stretch>
+              </a:blipFill>
+            </p:spPr>
+            <p:txBody>
+              <a:bodyPr/>
+              <a:lstStyle/>
+              <a:p>
+                <a:r>
+                  <a:rPr lang="it-IT">
+                    <a:noFill/>
+                  </a:rPr>
+                  <a:t> </a:t>
+                </a:r>
+              </a:p>
+            </p:txBody>
+          </p:sp>
+        </mc:Fallback>
+      </mc:AlternateContent>
+      <p:sp>
+        <p:nvSpPr>
+          <p:cNvPr id="2" name="CasellaDiTesto 1">
+            <a:extLst>
+              <a:ext uri="{FF2B5EF4-FFF2-40B4-BE49-F238E27FC236}">
+                <a16:creationId xmlns:a16="http://schemas.microsoft.com/office/drawing/2014/main" id="{BE1D2921-1161-FE4D-9043-589702B46E4C}"/>
+              </a:ext>
+            </a:extLst>
+          </p:cNvPr>
+          <p:cNvSpPr txBox="1"/>
+          <p:nvPr/>
+        </p:nvSpPr>
+        <p:spPr>
+          <a:xfrm>
+            <a:off x="7120367" y="5202093"/>
+            <a:ext cx="1668631" cy="646331"/>
+          </a:xfrm>
+          <a:prstGeom prst="rect">
+            <a:avLst/>
+          </a:prstGeom>
+          <a:noFill/>
+        </p:spPr>
+        <p:txBody>
+          <a:bodyPr wrap="square" rtlCol="0">
+            <a:spAutoFit/>
+          </a:bodyPr>
+          <a:lstStyle/>
+          <a:p>
+            <a:pPr algn="just"/>
+            <a:r>
+              <a:rPr lang="it-IT" b="1" dirty="0">
+                <a:solidFill>
+                  <a:schemeClr val="tx2"/>
+                </a:solidFill>
+                <a:latin typeface="Arial" panose="020B0604020202020204" pitchFamily="34" charset="0"/>
+                <a:cs typeface="Arial" panose="020B0604020202020204" pitchFamily="34" charset="0"/>
+              </a:rPr>
+              <a:t>40 GB of data per </a:t>
+            </a:r>
+            <a:r>
+              <a:rPr lang="it-IT" b="1" dirty="0" err="1">
+                <a:solidFill>
+                  <a:schemeClr val="tx2"/>
+                </a:solidFill>
+                <a:latin typeface="Arial" panose="020B0604020202020204" pitchFamily="34" charset="0"/>
+                <a:cs typeface="Arial" panose="020B0604020202020204" pitchFamily="34" charset="0"/>
+              </a:rPr>
+              <a:t>step</a:t>
+            </a:r>
+            <a:endParaRPr lang="it-IT" b="1" dirty="0">
+              <a:solidFill>
+                <a:schemeClr val="tx2"/>
+              </a:solidFill>
+              <a:latin typeface="Arial" panose="020B0604020202020204" pitchFamily="34" charset="0"/>
+              <a:cs typeface="Arial" panose="020B0604020202020204" pitchFamily="34" charset="0"/>
+            </a:endParaRPr>
+          </a:p>
+        </p:txBody>
+      </p:sp>
+      <p:sp>
+        <p:nvSpPr>
+          <p:cNvPr id="7" name="CasellaDiTesto 6">
+            <a:extLst>
+              <a:ext uri="{FF2B5EF4-FFF2-40B4-BE49-F238E27FC236}">
+                <a16:creationId xmlns:a16="http://schemas.microsoft.com/office/drawing/2014/main" id="{BE0A8BE2-2A73-9C4E-BE44-B7CF8D720109}"/>
+              </a:ext>
+            </a:extLst>
+          </p:cNvPr>
+          <p:cNvSpPr txBox="1"/>
+          <p:nvPr/>
+        </p:nvSpPr>
+        <p:spPr>
+          <a:xfrm>
+            <a:off x="5265185" y="5202093"/>
+            <a:ext cx="1279249" cy="646331"/>
+          </a:xfrm>
+          <a:prstGeom prst="rect">
+            <a:avLst/>
+          </a:prstGeom>
+          <a:noFill/>
+        </p:spPr>
+        <p:txBody>
+          <a:bodyPr wrap="square" rtlCol="0">
+            <a:spAutoFit/>
+          </a:bodyPr>
+          <a:lstStyle/>
+          <a:p>
+            <a:pPr algn="just"/>
+            <a:r>
+              <a:rPr lang="it-IT" b="1" dirty="0">
+                <a:solidFill>
+                  <a:schemeClr val="tx2"/>
+                </a:solidFill>
+                <a:latin typeface="Arial" panose="020B0604020202020204" pitchFamily="34" charset="0"/>
+                <a:cs typeface="Arial" panose="020B0604020202020204" pitchFamily="34" charset="0"/>
+              </a:rPr>
+              <a:t>2 </a:t>
+            </a:r>
+            <a:r>
+              <a:rPr lang="it-IT" b="1" dirty="0" err="1">
+                <a:solidFill>
+                  <a:schemeClr val="tx2"/>
+                </a:solidFill>
+                <a:latin typeface="Arial" panose="020B0604020202020204" pitchFamily="34" charset="0"/>
+                <a:cs typeface="Arial" panose="020B0604020202020204" pitchFamily="34" charset="0"/>
+              </a:rPr>
+              <a:t>Billions</a:t>
+            </a:r>
+            <a:r>
+              <a:rPr lang="it-IT" b="1" dirty="0">
+                <a:solidFill>
+                  <a:schemeClr val="tx2"/>
+                </a:solidFill>
+                <a:latin typeface="Arial" panose="020B0604020202020204" pitchFamily="34" charset="0"/>
+                <a:cs typeface="Arial" panose="020B0604020202020204" pitchFamily="34" charset="0"/>
+              </a:rPr>
+              <a:t> of DOF</a:t>
+            </a:r>
+          </a:p>
+        </p:txBody>
+      </p:sp>
     </p:spTree>
     <p:extLst>
       <p:ext uri="{BB962C8B-B14F-4D97-AF65-F5344CB8AC3E}">
@@ -22229,7 +21882,7 @@
 </p:sld>
 </file>
 
-<file path=ppt/slides/slide13.xml><?xml version="1.0" encoding="utf-8"?>
+<file path=ppt/slides/slide12.xml><?xml version="1.0" encoding="utf-8"?>
 <p:sld xmlns:a="http://schemas.openxmlformats.org/drawingml/2006/main" xmlns:r="http://schemas.openxmlformats.org/officeDocument/2006/relationships" xmlns:p="http://schemas.openxmlformats.org/presentationml/2006/main">
   <p:cSld>
     <p:spTree>
@@ -22350,7 +22003,7 @@
         <p:spPr>
           <a:xfrm>
             <a:off x="4425087" y="1305455"/>
-            <a:ext cx="4718913" cy="3539185"/>
+            <a:ext cx="4718913" cy="3539184"/>
           </a:xfrm>
           <a:prstGeom prst="rect">
             <a:avLst/>
@@ -22433,12 +22086,8 @@
               <a:lstStyle/>
               <a:p>
                 <a:r>
-                  <a:rPr lang="it-IT" dirty="0" err="1"/>
-                  <a:t>Interest</a:t>
-                </a:r>
-                <a:r>
                   <a:rPr lang="it-IT" dirty="0"/>
-                  <a:t> in </a:t>
+                  <a:t>Interest in </a:t>
                 </a:r>
                 <a:r>
                   <a:rPr lang="it-IT" dirty="0" err="1"/>
@@ -22450,30 +22099,15 @@
                 </a:r>
                 <a14:m>
                   <m:oMath xmlns:m="http://schemas.openxmlformats.org/officeDocument/2006/math">
-                    <m:sSub>
-                      <m:sSubPr>
-                        <m:ctrlPr>
-                          <a:rPr lang="it-IT" i="1">
-                            <a:latin typeface="Cambria Math" panose="02040503050406030204" pitchFamily="18" charset="0"/>
-                          </a:rPr>
-                        </m:ctrlPr>
-                      </m:sSubPr>
-                      <m:e>
-                        <m:r>
-                          <a:rPr lang="it-IT">
-                            <a:latin typeface="Cambria Math" panose="02040503050406030204" pitchFamily="18" charset="0"/>
-                          </a:rPr>
-                          <m:t>𝐑𝐞</m:t>
-                        </m:r>
-                      </m:e>
-                      <m:sub/>
-                    </m:sSub>
+                    <m:r>
+                      <a:rPr lang="it-IT" b="1" i="0" smtClean="0">
+                        <a:latin typeface="Cambria Math" panose="02040503050406030204" pitchFamily="18" charset="0"/>
+                      </a:rPr>
+                      <m:t>𝐑𝐞</m:t>
+                    </m:r>
                   </m:oMath>
                 </a14:m>
-                <a:r>
-                  <a:rPr lang="it-IT" dirty="0"/>
-                  <a:t> </a:t>
-                </a:r>
+                <a:endParaRPr lang="it-IT" dirty="0"/>
               </a:p>
             </p:txBody>
           </p:sp>
@@ -22534,7 +22168,7 @@
             </p:nvSpPr>
             <p:spPr>
               <a:xfrm>
-                <a:off x="1282500" y="5020760"/>
+                <a:off x="1182245" y="4844639"/>
                 <a:ext cx="2338552" cy="726417"/>
               </a:xfrm>
               <a:prstGeom prst="rect">
@@ -22548,6 +22182,7 @@
               </a:bodyPr>
               <a:lstStyle/>
               <a:p>
+                <a:pPr/>
                 <a14:m>
                   <m:oMathPara xmlns:m="http://schemas.openxmlformats.org/officeDocument/2006/math">
                     <m:oMathParaPr>
@@ -22803,7 +22438,7 @@
             </p:nvSpPr>
             <p:spPr>
               <a:xfrm>
-                <a:off x="1282500" y="5020760"/>
+                <a:off x="1182245" y="4844639"/>
                 <a:ext cx="2338552" cy="726417"/>
               </a:xfrm>
               <a:prstGeom prst="rect">
@@ -22848,7 +22483,7 @@
             <p:spPr>
               <a:xfrm>
                 <a:off x="288521" y="1550061"/>
-                <a:ext cx="4326510" cy="3416320"/>
+                <a:ext cx="4326510" cy="1754326"/>
               </a:xfrm>
               <a:prstGeom prst="rect">
                 <a:avLst/>
@@ -22860,438 +22495,6 @@
                 <a:spAutoFit/>
               </a:bodyPr>
               <a:lstStyle/>
-              <a:p>
-                <a:pPr algn="just"/>
-                <a:r>
-                  <a:rPr lang="it-IT" b="1" dirty="0">
-                    <a:solidFill>
-                      <a:schemeClr val="tx2"/>
-                    </a:solidFill>
-                    <a:latin typeface="Arial" panose="020B0604020202020204" pitchFamily="34" charset="0"/>
-                    <a:cs typeface="Arial" panose="020B0604020202020204" pitchFamily="34" charset="0"/>
-                  </a:rPr>
-                  <a:t>Increasing </a:t>
-                </a:r>
-                <a14:m>
-                  <m:oMath xmlns:m="http://schemas.openxmlformats.org/officeDocument/2006/math">
-                    <m:sSub>
-                      <m:sSubPr>
-                        <m:ctrlPr>
-                          <a:rPr lang="it-IT" b="1" i="1" smtClean="0">
-                            <a:solidFill>
-                              <a:schemeClr val="tx2"/>
-                            </a:solidFill>
-                            <a:latin typeface="Cambria Math" panose="02040503050406030204" pitchFamily="18" charset="0"/>
-                          </a:rPr>
-                        </m:ctrlPr>
-                      </m:sSubPr>
-                      <m:e>
-                        <m:r>
-                          <a:rPr lang="it-IT" b="1" i="1" smtClean="0">
-                            <a:solidFill>
-                              <a:schemeClr val="tx2"/>
-                            </a:solidFill>
-                            <a:latin typeface="Cambria Math" panose="02040503050406030204" pitchFamily="18" charset="0"/>
-                          </a:rPr>
-                          <m:t>𝑹𝒆</m:t>
-                        </m:r>
-                      </m:e>
-                      <m:sub>
-                        <m:r>
-                          <a:rPr lang="it-IT" b="1" i="1" smtClean="0">
-                            <a:solidFill>
-                              <a:schemeClr val="tx2"/>
-                            </a:solidFill>
-                            <a:latin typeface="Cambria Math" panose="02040503050406030204" pitchFamily="18" charset="0"/>
-                            <a:ea typeface="Cambria Math" panose="02040503050406030204" pitchFamily="18" charset="0"/>
-                          </a:rPr>
-                          <m:t>𝝉</m:t>
-                        </m:r>
-                      </m:sub>
-                    </m:sSub>
-                  </m:oMath>
-                </a14:m>
-                <a:r>
-                  <a:rPr lang="it-IT" b="1" dirty="0">
-                    <a:solidFill>
-                      <a:schemeClr val="tx2"/>
-                    </a:solidFill>
-                    <a:latin typeface="Arial" panose="020B0604020202020204" pitchFamily="34" charset="0"/>
-                    <a:cs typeface="Arial" panose="020B0604020202020204" pitchFamily="34" charset="0"/>
-                  </a:rPr>
-                  <a:t> </a:t>
-                </a:r>
-                <a:r>
-                  <a:rPr lang="it-IT" b="1" dirty="0" err="1">
-                    <a:solidFill>
-                      <a:schemeClr val="tx2"/>
-                    </a:solidFill>
-                    <a:latin typeface="Arial" panose="020B0604020202020204" pitchFamily="34" charset="0"/>
-                    <a:cs typeface="Arial" panose="020B0604020202020204" pitchFamily="34" charset="0"/>
-                  </a:rPr>
-                  <a:t>is</a:t>
-                </a:r>
-                <a:r>
-                  <a:rPr lang="it-IT" b="1" dirty="0">
-                    <a:solidFill>
-                      <a:schemeClr val="tx2"/>
-                    </a:solidFill>
-                    <a:latin typeface="Arial" panose="020B0604020202020204" pitchFamily="34" charset="0"/>
-                    <a:cs typeface="Arial" panose="020B0604020202020204" pitchFamily="34" charset="0"/>
-                  </a:rPr>
-                  <a:t> </a:t>
-                </a:r>
-                <a:r>
-                  <a:rPr lang="it-IT" b="1" dirty="0" err="1">
-                    <a:solidFill>
-                      <a:schemeClr val="tx2"/>
-                    </a:solidFill>
-                    <a:latin typeface="Arial" panose="020B0604020202020204" pitchFamily="34" charset="0"/>
-                    <a:cs typeface="Arial" panose="020B0604020202020204" pitchFamily="34" charset="0"/>
-                  </a:rPr>
-                  <a:t>fundamental</a:t>
-                </a:r>
-                <a:r>
-                  <a:rPr lang="it-IT" b="1" dirty="0">
-                    <a:solidFill>
-                      <a:schemeClr val="tx2"/>
-                    </a:solidFill>
-                    <a:latin typeface="Arial" panose="020B0604020202020204" pitchFamily="34" charset="0"/>
-                    <a:cs typeface="Arial" panose="020B0604020202020204" pitchFamily="34" charset="0"/>
-                  </a:rPr>
-                  <a:t> to </a:t>
-                </a:r>
-                <a:r>
-                  <a:rPr lang="it-IT" b="1" dirty="0" err="1">
-                    <a:solidFill>
-                      <a:schemeClr val="tx2"/>
-                    </a:solidFill>
-                    <a:latin typeface="Arial" panose="020B0604020202020204" pitchFamily="34" charset="0"/>
-                    <a:cs typeface="Arial" panose="020B0604020202020204" pitchFamily="34" charset="0"/>
-                  </a:rPr>
-                  <a:t>provide</a:t>
-                </a:r>
-                <a:r>
-                  <a:rPr lang="it-IT" b="1" dirty="0">
-                    <a:solidFill>
-                      <a:schemeClr val="tx2"/>
-                    </a:solidFill>
-                    <a:latin typeface="Arial" panose="020B0604020202020204" pitchFamily="34" charset="0"/>
-                    <a:cs typeface="Arial" panose="020B0604020202020204" pitchFamily="34" charset="0"/>
-                  </a:rPr>
-                  <a:t> a </a:t>
-                </a:r>
-                <a:r>
-                  <a:rPr lang="it-IT" b="1" dirty="0" err="1">
-                    <a:solidFill>
-                      <a:schemeClr val="tx2"/>
-                    </a:solidFill>
-                    <a:latin typeface="Arial" panose="020B0604020202020204" pitchFamily="34" charset="0"/>
-                    <a:cs typeface="Arial" panose="020B0604020202020204" pitchFamily="34" charset="0"/>
-                  </a:rPr>
-                  <a:t>better</a:t>
-                </a:r>
-                <a:r>
-                  <a:rPr lang="it-IT" b="1" dirty="0">
-                    <a:solidFill>
-                      <a:schemeClr val="tx2"/>
-                    </a:solidFill>
-                    <a:latin typeface="Arial" panose="020B0604020202020204" pitchFamily="34" charset="0"/>
-                    <a:cs typeface="Arial" panose="020B0604020202020204" pitchFamily="34" charset="0"/>
-                  </a:rPr>
-                  <a:t> </a:t>
-                </a:r>
-                <a:r>
-                  <a:rPr lang="it-IT" b="1" dirty="0" err="1">
-                    <a:solidFill>
-                      <a:schemeClr val="tx2"/>
-                    </a:solidFill>
-                    <a:latin typeface="Arial" panose="020B0604020202020204" pitchFamily="34" charset="0"/>
-                    <a:cs typeface="Arial" panose="020B0604020202020204" pitchFamily="34" charset="0"/>
-                  </a:rPr>
-                  <a:t>separation</a:t>
-                </a:r>
-                <a:r>
-                  <a:rPr lang="it-IT" b="1" dirty="0">
-                    <a:solidFill>
-                      <a:schemeClr val="tx2"/>
-                    </a:solidFill>
-                    <a:latin typeface="Arial" panose="020B0604020202020204" pitchFamily="34" charset="0"/>
-                    <a:cs typeface="Arial" panose="020B0604020202020204" pitchFamily="34" charset="0"/>
-                  </a:rPr>
-                  <a:t> </a:t>
-                </a:r>
-                <a:r>
-                  <a:rPr lang="it-IT" b="1" dirty="0" err="1">
-                    <a:solidFill>
-                      <a:schemeClr val="tx2"/>
-                    </a:solidFill>
-                    <a:latin typeface="Arial" panose="020B0604020202020204" pitchFamily="34" charset="0"/>
-                    <a:cs typeface="Arial" panose="020B0604020202020204" pitchFamily="34" charset="0"/>
-                  </a:rPr>
-                  <a:t>among</a:t>
-                </a:r>
-                <a:r>
-                  <a:rPr lang="it-IT" b="1" dirty="0">
-                    <a:solidFill>
-                      <a:schemeClr val="tx2"/>
-                    </a:solidFill>
-                    <a:latin typeface="Arial" panose="020B0604020202020204" pitchFamily="34" charset="0"/>
-                    <a:cs typeface="Arial" panose="020B0604020202020204" pitchFamily="34" charset="0"/>
-                  </a:rPr>
-                  <a:t> </a:t>
-                </a:r>
-                <a:r>
-                  <a:rPr lang="it-IT" b="1" dirty="0" err="1">
-                    <a:solidFill>
-                      <a:schemeClr val="tx2"/>
-                    </a:solidFill>
-                    <a:latin typeface="Arial" panose="020B0604020202020204" pitchFamily="34" charset="0"/>
-                    <a:cs typeface="Arial" panose="020B0604020202020204" pitchFamily="34" charset="0"/>
-                  </a:rPr>
-                  <a:t>layers</a:t>
-                </a:r>
-                <a:r>
-                  <a:rPr lang="it-IT" b="1" dirty="0">
-                    <a:solidFill>
-                      <a:schemeClr val="tx2"/>
-                    </a:solidFill>
-                    <a:latin typeface="Arial" panose="020B0604020202020204" pitchFamily="34" charset="0"/>
-                    <a:cs typeface="Arial" panose="020B0604020202020204" pitchFamily="34" charset="0"/>
-                  </a:rPr>
-                  <a:t>, </a:t>
-                </a:r>
-                <a:r>
-                  <a:rPr lang="it-IT" b="1" dirty="0" err="1">
-                    <a:solidFill>
-                      <a:schemeClr val="tx2"/>
-                    </a:solidFill>
-                    <a:latin typeface="Arial" panose="020B0604020202020204" pitchFamily="34" charset="0"/>
-                    <a:cs typeface="Arial" panose="020B0604020202020204" pitchFamily="34" charset="0"/>
-                  </a:rPr>
-                  <a:t>therefore</a:t>
-                </a:r>
-                <a:r>
-                  <a:rPr lang="it-IT" b="1" dirty="0">
-                    <a:solidFill>
-                      <a:schemeClr val="tx2"/>
-                    </a:solidFill>
-                    <a:latin typeface="Arial" panose="020B0604020202020204" pitchFamily="34" charset="0"/>
-                    <a:cs typeface="Arial" panose="020B0604020202020204" pitchFamily="34" charset="0"/>
-                  </a:rPr>
-                  <a:t> </a:t>
-                </a:r>
-                <a:r>
-                  <a:rPr lang="it-IT" b="1" dirty="0" err="1">
-                    <a:solidFill>
-                      <a:schemeClr val="tx2"/>
-                    </a:solidFill>
-                    <a:latin typeface="Arial" panose="020B0604020202020204" pitchFamily="34" charset="0"/>
-                    <a:cs typeface="Arial" panose="020B0604020202020204" pitchFamily="34" charset="0"/>
-                  </a:rPr>
-                  <a:t>it</a:t>
-                </a:r>
-                <a:r>
-                  <a:rPr lang="it-IT" b="1" dirty="0">
-                    <a:solidFill>
-                      <a:schemeClr val="tx2"/>
-                    </a:solidFill>
-                    <a:latin typeface="Arial" panose="020B0604020202020204" pitchFamily="34" charset="0"/>
-                    <a:cs typeface="Arial" panose="020B0604020202020204" pitchFamily="34" charset="0"/>
-                  </a:rPr>
-                  <a:t> </a:t>
-                </a:r>
-                <a:r>
-                  <a:rPr lang="it-IT" b="1" dirty="0" err="1">
-                    <a:solidFill>
-                      <a:schemeClr val="tx2"/>
-                    </a:solidFill>
-                    <a:latin typeface="Arial" panose="020B0604020202020204" pitchFamily="34" charset="0"/>
-                    <a:cs typeface="Arial" panose="020B0604020202020204" pitchFamily="34" charset="0"/>
-                  </a:rPr>
-                  <a:t>become</a:t>
-                </a:r>
-                <a:r>
-                  <a:rPr lang="it-IT" b="1" dirty="0">
-                    <a:solidFill>
-                      <a:schemeClr val="tx2"/>
-                    </a:solidFill>
-                    <a:latin typeface="Arial" panose="020B0604020202020204" pitchFamily="34" charset="0"/>
-                    <a:cs typeface="Arial" panose="020B0604020202020204" pitchFamily="34" charset="0"/>
-                  </a:rPr>
-                  <a:t> </a:t>
-                </a:r>
-                <a:r>
-                  <a:rPr lang="it-IT" b="1" dirty="0" err="1">
-                    <a:solidFill>
-                      <a:schemeClr val="tx2"/>
-                    </a:solidFill>
-                    <a:latin typeface="Arial" panose="020B0604020202020204" pitchFamily="34" charset="0"/>
-                    <a:cs typeface="Arial" panose="020B0604020202020204" pitchFamily="34" charset="0"/>
-                  </a:rPr>
-                  <a:t>simpler</a:t>
-                </a:r>
-                <a:r>
-                  <a:rPr lang="it-IT" b="1" dirty="0">
-                    <a:solidFill>
-                      <a:schemeClr val="tx2"/>
-                    </a:solidFill>
-                    <a:latin typeface="Arial" panose="020B0604020202020204" pitchFamily="34" charset="0"/>
-                    <a:cs typeface="Arial" panose="020B0604020202020204" pitchFamily="34" charset="0"/>
-                  </a:rPr>
-                  <a:t> to </a:t>
-                </a:r>
-                <a:r>
-                  <a:rPr lang="it-IT" b="1" dirty="0" err="1">
-                    <a:solidFill>
-                      <a:schemeClr val="tx2"/>
-                    </a:solidFill>
-                    <a:latin typeface="Arial" panose="020B0604020202020204" pitchFamily="34" charset="0"/>
-                    <a:cs typeface="Arial" panose="020B0604020202020204" pitchFamily="34" charset="0"/>
-                  </a:rPr>
-                  <a:t>distinguish</a:t>
-                </a:r>
-                <a:r>
-                  <a:rPr lang="it-IT" b="1" dirty="0">
-                    <a:solidFill>
-                      <a:schemeClr val="tx2"/>
-                    </a:solidFill>
-                    <a:latin typeface="Arial" panose="020B0604020202020204" pitchFamily="34" charset="0"/>
-                    <a:cs typeface="Arial" panose="020B0604020202020204" pitchFamily="34" charset="0"/>
-                  </a:rPr>
-                  <a:t> </a:t>
-                </a:r>
-                <a:r>
-                  <a:rPr lang="it-IT" b="1" dirty="0" err="1">
-                    <a:solidFill>
-                      <a:schemeClr val="tx2"/>
-                    </a:solidFill>
-                    <a:latin typeface="Arial" panose="020B0604020202020204" pitchFamily="34" charset="0"/>
-                    <a:cs typeface="Arial" panose="020B0604020202020204" pitchFamily="34" charset="0"/>
-                  </a:rPr>
-                  <a:t>energy</a:t>
-                </a:r>
-                <a:r>
-                  <a:rPr lang="it-IT" b="1" dirty="0">
-                    <a:solidFill>
-                      <a:schemeClr val="tx2"/>
-                    </a:solidFill>
-                    <a:latin typeface="Arial" panose="020B0604020202020204" pitchFamily="34" charset="0"/>
-                    <a:cs typeface="Arial" panose="020B0604020202020204" pitchFamily="34" charset="0"/>
-                  </a:rPr>
-                  <a:t> </a:t>
-                </a:r>
-                <a:r>
-                  <a:rPr lang="it-IT" b="1" dirty="0" err="1">
-                    <a:solidFill>
-                      <a:schemeClr val="tx2"/>
-                    </a:solidFill>
-                    <a:latin typeface="Arial" panose="020B0604020202020204" pitchFamily="34" charset="0"/>
-                    <a:cs typeface="Arial" panose="020B0604020202020204" pitchFamily="34" charset="0"/>
-                  </a:rPr>
-                  <a:t>dissipating</a:t>
-                </a:r>
-                <a:r>
-                  <a:rPr lang="it-IT" b="1" dirty="0">
-                    <a:solidFill>
-                      <a:schemeClr val="tx2"/>
-                    </a:solidFill>
-                    <a:latin typeface="Arial" panose="020B0604020202020204" pitchFamily="34" charset="0"/>
-                    <a:cs typeface="Arial" panose="020B0604020202020204" pitchFamily="34" charset="0"/>
-                  </a:rPr>
-                  <a:t> </a:t>
-                </a:r>
-                <a:r>
-                  <a:rPr lang="it-IT" b="1" dirty="0" err="1">
-                    <a:solidFill>
-                      <a:schemeClr val="tx2"/>
-                    </a:solidFill>
-                    <a:latin typeface="Arial" panose="020B0604020202020204" pitchFamily="34" charset="0"/>
-                    <a:cs typeface="Arial" panose="020B0604020202020204" pitchFamily="34" charset="0"/>
-                  </a:rPr>
-                  <a:t>scales</a:t>
-                </a:r>
-                <a:r>
-                  <a:rPr lang="it-IT" b="1" dirty="0">
-                    <a:solidFill>
-                      <a:schemeClr val="tx2"/>
-                    </a:solidFill>
-                    <a:latin typeface="Arial" panose="020B0604020202020204" pitchFamily="34" charset="0"/>
-                    <a:cs typeface="Arial" panose="020B0604020202020204" pitchFamily="34" charset="0"/>
-                  </a:rPr>
-                  <a:t> from </a:t>
-                </a:r>
-                <a:r>
-                  <a:rPr lang="it-IT" b="1" dirty="0" err="1">
-                    <a:solidFill>
-                      <a:schemeClr val="tx2"/>
-                    </a:solidFill>
-                    <a:latin typeface="Arial" panose="020B0604020202020204" pitchFamily="34" charset="0"/>
-                    <a:cs typeface="Arial" panose="020B0604020202020204" pitchFamily="34" charset="0"/>
-                  </a:rPr>
-                  <a:t>energy</a:t>
-                </a:r>
-                <a:r>
-                  <a:rPr lang="it-IT" b="1" dirty="0">
-                    <a:solidFill>
-                      <a:schemeClr val="tx2"/>
-                    </a:solidFill>
-                    <a:latin typeface="Arial" panose="020B0604020202020204" pitchFamily="34" charset="0"/>
-                    <a:cs typeface="Arial" panose="020B0604020202020204" pitchFamily="34" charset="0"/>
-                  </a:rPr>
-                  <a:t> </a:t>
-                </a:r>
-                <a:r>
-                  <a:rPr lang="it-IT" b="1" dirty="0" err="1">
-                    <a:solidFill>
-                      <a:schemeClr val="tx2"/>
-                    </a:solidFill>
-                    <a:latin typeface="Arial" panose="020B0604020202020204" pitchFamily="34" charset="0"/>
-                    <a:cs typeface="Arial" panose="020B0604020202020204" pitchFamily="34" charset="0"/>
-                  </a:rPr>
-                  <a:t>containing</a:t>
-                </a:r>
-                <a:r>
-                  <a:rPr lang="it-IT" b="1" dirty="0">
-                    <a:solidFill>
-                      <a:schemeClr val="tx2"/>
-                    </a:solidFill>
-                    <a:latin typeface="Arial" panose="020B0604020202020204" pitchFamily="34" charset="0"/>
-                    <a:cs typeface="Arial" panose="020B0604020202020204" pitchFamily="34" charset="0"/>
-                  </a:rPr>
-                  <a:t> </a:t>
-                </a:r>
-                <a:r>
-                  <a:rPr lang="it-IT" b="1" dirty="0" err="1">
-                    <a:solidFill>
-                      <a:schemeClr val="tx2"/>
-                    </a:solidFill>
-                    <a:latin typeface="Arial" panose="020B0604020202020204" pitchFamily="34" charset="0"/>
-                    <a:cs typeface="Arial" panose="020B0604020202020204" pitchFamily="34" charset="0"/>
-                  </a:rPr>
-                  <a:t>scales</a:t>
-                </a:r>
-                <a:r>
-                  <a:rPr lang="it-IT" b="1" dirty="0">
-                    <a:solidFill>
-                      <a:schemeClr val="tx2"/>
-                    </a:solidFill>
-                    <a:latin typeface="Arial" panose="020B0604020202020204" pitchFamily="34" charset="0"/>
-                    <a:cs typeface="Arial" panose="020B0604020202020204" pitchFamily="34" charset="0"/>
-                  </a:rPr>
-                  <a:t>.</a:t>
-                </a:r>
-              </a:p>
-              <a:p>
-                <a:pPr algn="just"/>
-                <a:endParaRPr lang="it-IT" b="1" dirty="0">
-                  <a:solidFill>
-                    <a:schemeClr val="tx2"/>
-                  </a:solidFill>
-                  <a:latin typeface="Arial" panose="020B0604020202020204" pitchFamily="34" charset="0"/>
-                  <a:cs typeface="Arial" panose="020B0604020202020204" pitchFamily="34" charset="0"/>
-                </a:endParaRPr>
-              </a:p>
               <a:p>
                 <a:pPr algn="just"/>
                 <a:r>
@@ -23759,7 +22962,7 @@
             <p:spPr>
               <a:xfrm>
                 <a:off x="288521" y="1550061"/>
-                <a:ext cx="4326510" cy="3416320"/>
+                <a:ext cx="4326510" cy="1754326"/>
               </a:xfrm>
               <a:prstGeom prst="rect">
                 <a:avLst/>
@@ -23767,7 +22970,7 @@
               <a:blipFill>
                 <a:blip r:embed="rId6"/>
                 <a:stretch>
-                  <a:fillRect l="-1173" t="-370" r="-1173" b="-1852"/>
+                  <a:fillRect l="-1173" t="-719" r="-1173" b="-4317"/>
                 </a:stretch>
               </a:blipFill>
             </p:spPr>
@@ -23786,8 +22989,8 @@
           </p:sp>
         </mc:Fallback>
       </mc:AlternateContent>
-      <mc:AlternateContent xmlns:mc="http://schemas.openxmlformats.org/markup-compatibility/2006">
-        <mc:Choice xmlns:a14="http://schemas.microsoft.com/office/drawing/2010/main" Requires="a14">
+      <mc:AlternateContent xmlns:mc="http://schemas.openxmlformats.org/markup-compatibility/2006" xmlns:a14="http://schemas.microsoft.com/office/drawing/2010/main">
+        <mc:Choice Requires="a14">
           <p:sp>
             <p:nvSpPr>
               <p:cNvPr id="17" name="CasellaDiTesto 16">
@@ -23957,7 +23160,7 @@
             </p:txBody>
           </p:sp>
         </mc:Choice>
-        <mc:Fallback>
+        <mc:Fallback xmlns="">
           <p:sp>
             <p:nvSpPr>
               <p:cNvPr id="17" name="CasellaDiTesto 16">
@@ -24016,7 +23219,7 @@
         </p:nvSpPr>
         <p:spPr>
           <a:xfrm>
-            <a:off x="6857999" y="3723352"/>
+            <a:off x="6881750" y="2958397"/>
             <a:ext cx="1025611" cy="345990"/>
           </a:xfrm>
           <a:prstGeom prst="donut">
@@ -24060,6 +23263,265 @@
           </a:p>
         </p:txBody>
       </p:sp>
+      <p:sp>
+        <p:nvSpPr>
+          <p:cNvPr id="2" name="CasellaDiTesto 1">
+            <a:extLst>
+              <a:ext uri="{FF2B5EF4-FFF2-40B4-BE49-F238E27FC236}">
+                <a16:creationId xmlns:a16="http://schemas.microsoft.com/office/drawing/2014/main" id="{6670D4E3-E5BC-EC43-9A0A-1F08F2B9F965}"/>
+              </a:ext>
+            </a:extLst>
+          </p:cNvPr>
+          <p:cNvSpPr txBox="1"/>
+          <p:nvPr/>
+        </p:nvSpPr>
+        <p:spPr>
+          <a:xfrm>
+            <a:off x="288521" y="3612848"/>
+            <a:ext cx="4136565" cy="923330"/>
+          </a:xfrm>
+          <a:prstGeom prst="rect">
+            <a:avLst/>
+          </a:prstGeom>
+          <a:noFill/>
+        </p:spPr>
+        <p:txBody>
+          <a:bodyPr wrap="square" rtlCol="0">
+            <a:spAutoFit/>
+          </a:bodyPr>
+          <a:lstStyle/>
+          <a:p>
+            <a:pPr algn="just"/>
+            <a:r>
+              <a:rPr lang="it-IT" b="1" dirty="0">
+                <a:solidFill>
+                  <a:schemeClr val="tx2"/>
+                </a:solidFill>
+                <a:latin typeface="Arial" panose="020B0604020202020204" pitchFamily="34" charset="0"/>
+                <a:cs typeface="Arial" panose="020B0604020202020204" pitchFamily="34" charset="0"/>
+              </a:rPr>
+              <a:t>A </a:t>
+            </a:r>
+            <a:r>
+              <a:rPr lang="it-IT" b="1" dirty="0" err="1">
+                <a:solidFill>
+                  <a:schemeClr val="tx2"/>
+                </a:solidFill>
+                <a:latin typeface="Arial" panose="020B0604020202020204" pitchFamily="34" charset="0"/>
+                <a:cs typeface="Arial" panose="020B0604020202020204" pitchFamily="34" charset="0"/>
+              </a:rPr>
+              <a:t>well</a:t>
+            </a:r>
+            <a:r>
+              <a:rPr lang="it-IT" b="1" dirty="0">
+                <a:solidFill>
+                  <a:schemeClr val="tx2"/>
+                </a:solidFill>
+                <a:latin typeface="Arial" panose="020B0604020202020204" pitchFamily="34" charset="0"/>
+                <a:cs typeface="Arial" panose="020B0604020202020204" pitchFamily="34" charset="0"/>
+              </a:rPr>
+              <a:t> </a:t>
+            </a:r>
+            <a:r>
+              <a:rPr lang="it-IT" b="1" dirty="0" err="1">
+                <a:solidFill>
+                  <a:schemeClr val="tx2"/>
+                </a:solidFill>
+                <a:latin typeface="Arial" panose="020B0604020202020204" pitchFamily="34" charset="0"/>
+                <a:cs typeface="Arial" panose="020B0604020202020204" pitchFamily="34" charset="0"/>
+              </a:rPr>
+              <a:t>established</a:t>
+            </a:r>
+            <a:r>
+              <a:rPr lang="it-IT" b="1" dirty="0">
+                <a:solidFill>
+                  <a:schemeClr val="tx2"/>
+                </a:solidFill>
+                <a:latin typeface="Arial" panose="020B0604020202020204" pitchFamily="34" charset="0"/>
+                <a:cs typeface="Arial" panose="020B0604020202020204" pitchFamily="34" charset="0"/>
+              </a:rPr>
+              <a:t> </a:t>
+            </a:r>
+            <a:r>
+              <a:rPr lang="it-IT" b="1" dirty="0" err="1">
+                <a:solidFill>
+                  <a:schemeClr val="tx2"/>
+                </a:solidFill>
+                <a:latin typeface="Arial" panose="020B0604020202020204" pitchFamily="34" charset="0"/>
+                <a:cs typeface="Arial" panose="020B0604020202020204" pitchFamily="34" charset="0"/>
+              </a:rPr>
+              <a:t>indicator</a:t>
+            </a:r>
+            <a:r>
+              <a:rPr lang="it-IT" b="1" dirty="0">
+                <a:solidFill>
+                  <a:schemeClr val="tx2"/>
+                </a:solidFill>
+                <a:latin typeface="Arial" panose="020B0604020202020204" pitchFamily="34" charset="0"/>
+                <a:cs typeface="Arial" panose="020B0604020202020204" pitchFamily="34" charset="0"/>
+              </a:rPr>
+              <a:t> </a:t>
+            </a:r>
+            <a:r>
+              <a:rPr lang="it-IT" b="1" dirty="0" err="1">
+                <a:solidFill>
+                  <a:schemeClr val="tx2"/>
+                </a:solidFill>
+                <a:latin typeface="Arial" panose="020B0604020202020204" pitchFamily="34" charset="0"/>
+                <a:cs typeface="Arial" panose="020B0604020202020204" pitchFamily="34" charset="0"/>
+              </a:rPr>
+              <a:t>function</a:t>
+            </a:r>
+            <a:r>
+              <a:rPr lang="it-IT" b="1" dirty="0">
+                <a:solidFill>
+                  <a:schemeClr val="tx2"/>
+                </a:solidFill>
+                <a:latin typeface="Arial" panose="020B0604020202020204" pitchFamily="34" charset="0"/>
+                <a:cs typeface="Arial" panose="020B0604020202020204" pitchFamily="34" charset="0"/>
+              </a:rPr>
+              <a:t> </a:t>
+            </a:r>
+            <a:r>
+              <a:rPr lang="it-IT" b="1" dirty="0" err="1">
+                <a:solidFill>
+                  <a:schemeClr val="tx2"/>
+                </a:solidFill>
+                <a:latin typeface="Arial" panose="020B0604020202020204" pitchFamily="34" charset="0"/>
+                <a:cs typeface="Arial" panose="020B0604020202020204" pitchFamily="34" charset="0"/>
+              </a:rPr>
+              <a:t>has</a:t>
+            </a:r>
+            <a:r>
+              <a:rPr lang="it-IT" b="1" dirty="0">
+                <a:solidFill>
+                  <a:schemeClr val="tx2"/>
+                </a:solidFill>
+                <a:latin typeface="Arial" panose="020B0604020202020204" pitchFamily="34" charset="0"/>
+                <a:cs typeface="Arial" panose="020B0604020202020204" pitchFamily="34" charset="0"/>
+              </a:rPr>
+              <a:t> </a:t>
+            </a:r>
+            <a:r>
+              <a:rPr lang="it-IT" b="1" dirty="0" err="1">
+                <a:solidFill>
+                  <a:schemeClr val="tx2"/>
+                </a:solidFill>
+                <a:latin typeface="Arial" panose="020B0604020202020204" pitchFamily="34" charset="0"/>
+                <a:cs typeface="Arial" panose="020B0604020202020204" pitchFamily="34" charset="0"/>
+              </a:rPr>
+              <a:t>been</a:t>
+            </a:r>
+            <a:r>
+              <a:rPr lang="it-IT" b="1" dirty="0">
+                <a:solidFill>
+                  <a:schemeClr val="tx2"/>
+                </a:solidFill>
+                <a:latin typeface="Arial" panose="020B0604020202020204" pitchFamily="34" charset="0"/>
+                <a:cs typeface="Arial" panose="020B0604020202020204" pitchFamily="34" charset="0"/>
+              </a:rPr>
+              <a:t> </a:t>
+            </a:r>
+            <a:r>
+              <a:rPr lang="it-IT" b="1" dirty="0" err="1">
+                <a:solidFill>
+                  <a:schemeClr val="tx2"/>
+                </a:solidFill>
+                <a:latin typeface="Arial" panose="020B0604020202020204" pitchFamily="34" charset="0"/>
+                <a:cs typeface="Arial" panose="020B0604020202020204" pitchFamily="34" charset="0"/>
+              </a:rPr>
+              <a:t>used</a:t>
+            </a:r>
+            <a:r>
+              <a:rPr lang="it-IT" b="1" dirty="0">
+                <a:solidFill>
+                  <a:schemeClr val="tx2"/>
+                </a:solidFill>
+                <a:latin typeface="Arial" panose="020B0604020202020204" pitchFamily="34" charset="0"/>
+                <a:cs typeface="Arial" panose="020B0604020202020204" pitchFamily="34" charset="0"/>
+              </a:rPr>
+              <a:t> with the </a:t>
+            </a:r>
+            <a:r>
+              <a:rPr lang="it-IT" b="1" dirty="0" err="1">
+                <a:solidFill>
+                  <a:schemeClr val="tx2"/>
+                </a:solidFill>
+                <a:latin typeface="Arial" panose="020B0604020202020204" pitchFamily="34" charset="0"/>
+                <a:cs typeface="Arial" panose="020B0604020202020204" pitchFamily="34" charset="0"/>
+              </a:rPr>
+              <a:t>purpose</a:t>
+            </a:r>
+            <a:r>
+              <a:rPr lang="it-IT" b="1" dirty="0">
+                <a:solidFill>
+                  <a:schemeClr val="tx2"/>
+                </a:solidFill>
+                <a:latin typeface="Arial" panose="020B0604020202020204" pitchFamily="34" charset="0"/>
+                <a:cs typeface="Arial" panose="020B0604020202020204" pitchFamily="34" charset="0"/>
+              </a:rPr>
+              <a:t> to </a:t>
+            </a:r>
+            <a:r>
+              <a:rPr lang="it-IT" b="1" dirty="0" err="1">
+                <a:solidFill>
+                  <a:schemeClr val="tx2"/>
+                </a:solidFill>
+                <a:latin typeface="Arial" panose="020B0604020202020204" pitchFamily="34" charset="0"/>
+                <a:cs typeface="Arial" panose="020B0604020202020204" pitchFamily="34" charset="0"/>
+              </a:rPr>
+              <a:t>identify</a:t>
+            </a:r>
+            <a:r>
+              <a:rPr lang="it-IT" b="1" dirty="0">
+                <a:solidFill>
+                  <a:schemeClr val="tx2"/>
+                </a:solidFill>
+                <a:latin typeface="Arial" panose="020B0604020202020204" pitchFamily="34" charset="0"/>
+                <a:cs typeface="Arial" panose="020B0604020202020204" pitchFamily="34" charset="0"/>
+              </a:rPr>
+              <a:t> </a:t>
+            </a:r>
+            <a:r>
+              <a:rPr lang="it-IT" b="1" dirty="0" err="1">
+                <a:solidFill>
+                  <a:schemeClr val="tx2"/>
+                </a:solidFill>
+                <a:latin typeface="Arial" panose="020B0604020202020204" pitchFamily="34" charset="0"/>
+                <a:cs typeface="Arial" panose="020B0604020202020204" pitchFamily="34" charset="0"/>
+              </a:rPr>
+              <a:t>such</a:t>
+            </a:r>
+            <a:r>
+              <a:rPr lang="it-IT" b="1" dirty="0">
+                <a:solidFill>
+                  <a:schemeClr val="tx2"/>
+                </a:solidFill>
+                <a:latin typeface="Arial" panose="020B0604020202020204" pitchFamily="34" charset="0"/>
+                <a:cs typeface="Arial" panose="020B0604020202020204" pitchFamily="34" charset="0"/>
+              </a:rPr>
+              <a:t> </a:t>
+            </a:r>
+            <a:r>
+              <a:rPr lang="it-IT" b="1" dirty="0" err="1">
+                <a:solidFill>
+                  <a:schemeClr val="tx2"/>
+                </a:solidFill>
+                <a:latin typeface="Arial" panose="020B0604020202020204" pitchFamily="34" charset="0"/>
+                <a:cs typeface="Arial" panose="020B0604020202020204" pitchFamily="34" charset="0"/>
+              </a:rPr>
+              <a:t>regions</a:t>
+            </a:r>
+            <a:endParaRPr lang="it-IT" b="1" dirty="0">
+              <a:solidFill>
+                <a:schemeClr val="tx2"/>
+              </a:solidFill>
+              <a:latin typeface="Arial" panose="020B0604020202020204" pitchFamily="34" charset="0"/>
+              <a:cs typeface="Arial" panose="020B0604020202020204" pitchFamily="34" charset="0"/>
+            </a:endParaRPr>
+          </a:p>
+        </p:txBody>
+      </p:sp>
     </p:spTree>
     <p:extLst>
       <p:ext uri="{BB962C8B-B14F-4D97-AF65-F5344CB8AC3E}">
@@ -24085,7 +23547,7 @@
 </p:sld>
 </file>
 
-<file path=ppt/slides/slide14.xml><?xml version="1.0" encoding="utf-8"?>
+<file path=ppt/slides/slide13.xml><?xml version="1.0" encoding="utf-8"?>
 <p:sld xmlns:a="http://schemas.openxmlformats.org/drawingml/2006/main" xmlns:r="http://schemas.openxmlformats.org/officeDocument/2006/relationships" xmlns:p="http://schemas.openxmlformats.org/presentationml/2006/main">
   <p:cSld>
     <p:spTree>
@@ -24628,7 +24090,7 @@
 </p:sld>
 </file>
 
-<file path=ppt/slides/slide15.xml><?xml version="1.0" encoding="utf-8"?>
+<file path=ppt/slides/slide14.xml><?xml version="1.0" encoding="utf-8"?>
 <p:sld xmlns:a="http://schemas.openxmlformats.org/drawingml/2006/main" xmlns:r="http://schemas.openxmlformats.org/officeDocument/2006/relationships" xmlns:p="http://schemas.openxmlformats.org/presentationml/2006/main">
   <p:cSld>
     <p:spTree>
@@ -25715,24 +25177,15 @@
                                   </p:childTnLst>
                                 </p:cTn>
                               </p:par>
-                            </p:childTnLst>
-                          </p:cTn>
-                        </p:par>
-                        <p:par>
-                          <p:cTn id="9" fill="hold">
-                            <p:stCondLst>
-                              <p:cond delay="500"/>
-                            </p:stCondLst>
-                            <p:childTnLst>
                               <p:par>
-                                <p:cTn id="10" presetID="2" presetClass="entr" presetSubtype="4" fill="hold" grpId="0" nodeType="afterEffect">
+                                <p:cTn id="9" presetID="2" presetClass="entr" presetSubtype="4" fill="hold" grpId="0" nodeType="withEffect">
                                   <p:stCondLst>
                                     <p:cond delay="0"/>
                                   </p:stCondLst>
                                   <p:childTnLst>
                                     <p:set>
                                       <p:cBhvr>
-                                        <p:cTn id="11" dur="1" fill="hold">
+                                        <p:cTn id="10" dur="1" fill="hold">
                                           <p:stCondLst>
                                             <p:cond delay="0"/>
                                           </p:stCondLst>
@@ -25750,7 +25203,7 @@
                                     </p:set>
                                     <p:anim calcmode="lin" valueType="num">
                                       <p:cBhvr additive="base">
-                                        <p:cTn id="12" dur="500" fill="hold"/>
+                                        <p:cTn id="11" dur="500" fill="hold"/>
                                         <p:tgtEl>
                                           <p:spTgt spid="24"/>
                                         </p:tgtEl>
@@ -25773,7 +25226,7 @@
                                     </p:anim>
                                     <p:anim calcmode="lin" valueType="num">
                                       <p:cBhvr additive="base">
-                                        <p:cTn id="13" dur="500" fill="hold"/>
+                                        <p:cTn id="12" dur="500" fill="hold"/>
                                         <p:tgtEl>
                                           <p:spTgt spid="24"/>
                                         </p:tgtEl>
@@ -25798,14 +25251,14 @@
                                 </p:cTn>
                               </p:par>
                               <p:par>
-                                <p:cTn id="14" presetID="2" presetClass="entr" presetSubtype="4" fill="hold" grpId="0" nodeType="withEffect">
+                                <p:cTn id="13" presetID="2" presetClass="entr" presetSubtype="4" fill="hold" grpId="0" nodeType="withEffect">
                                   <p:stCondLst>
                                     <p:cond delay="0"/>
                                   </p:stCondLst>
                                   <p:childTnLst>
                                     <p:set>
                                       <p:cBhvr>
-                                        <p:cTn id="15" dur="1" fill="hold">
+                                        <p:cTn id="14" dur="1" fill="hold">
                                           <p:stCondLst>
                                             <p:cond delay="0"/>
                                           </p:stCondLst>
@@ -25823,7 +25276,7 @@
                                     </p:set>
                                     <p:anim calcmode="lin" valueType="num">
                                       <p:cBhvr additive="base">
-                                        <p:cTn id="16" dur="500" fill="hold"/>
+                                        <p:cTn id="15" dur="500" fill="hold"/>
                                         <p:tgtEl>
                                           <p:spTgt spid="2"/>
                                         </p:tgtEl>
@@ -25846,7 +25299,7 @@
                                     </p:anim>
                                     <p:anim calcmode="lin" valueType="num">
                                       <p:cBhvr additive="base">
-                                        <p:cTn id="17" dur="500" fill="hold"/>
+                                        <p:cTn id="16" dur="500" fill="hold"/>
                                         <p:tgtEl>
                                           <p:spTgt spid="2"/>
                                         </p:tgtEl>
@@ -25877,26 +25330,26 @@
                     </p:cTn>
                   </p:par>
                   <p:par>
-                    <p:cTn id="18" fill="hold">
+                    <p:cTn id="17" fill="hold">
                       <p:stCondLst>
                         <p:cond delay="indefinite"/>
                       </p:stCondLst>
                       <p:childTnLst>
                         <p:par>
-                          <p:cTn id="19" fill="hold">
+                          <p:cTn id="18" fill="hold">
                             <p:stCondLst>
                               <p:cond delay="0"/>
                             </p:stCondLst>
                             <p:childTnLst>
                               <p:par>
-                                <p:cTn id="20" presetID="2" presetClass="entr" presetSubtype="4" fill="hold" grpId="0" nodeType="clickEffect">
+                                <p:cTn id="19" presetID="2" presetClass="entr" presetSubtype="4" fill="hold" grpId="0" nodeType="clickEffect">
                                   <p:stCondLst>
                                     <p:cond delay="0"/>
                                   </p:stCondLst>
                                   <p:childTnLst>
                                     <p:set>
                                       <p:cBhvr>
-                                        <p:cTn id="21" dur="1" fill="hold">
+                                        <p:cTn id="20" dur="1" fill="hold">
                                           <p:stCondLst>
                                             <p:cond delay="0"/>
                                           </p:stCondLst>
@@ -25914,7 +25367,7 @@
                                     </p:set>
                                     <p:anim calcmode="lin" valueType="num">
                                       <p:cBhvr additive="base">
-                                        <p:cTn id="22" dur="500" fill="hold"/>
+                                        <p:cTn id="21" dur="500" fill="hold"/>
                                         <p:tgtEl>
                                           <p:spTgt spid="16"/>
                                         </p:tgtEl>
@@ -25937,7 +25390,7 @@
                                     </p:anim>
                                     <p:anim calcmode="lin" valueType="num">
                                       <p:cBhvr additive="base">
-                                        <p:cTn id="23" dur="500" fill="hold"/>
+                                        <p:cTn id="22" dur="500" fill="hold"/>
                                         <p:tgtEl>
                                           <p:spTgt spid="16"/>
                                         </p:tgtEl>
@@ -25962,14 +25415,14 @@
                                 </p:cTn>
                               </p:par>
                               <p:par>
-                                <p:cTn id="24" presetID="2" presetClass="entr" presetSubtype="4" fill="hold" grpId="1" nodeType="withEffect">
+                                <p:cTn id="23" presetID="2" presetClass="entr" presetSubtype="4" fill="hold" grpId="0" nodeType="withEffect">
                                   <p:stCondLst>
                                     <p:cond delay="0"/>
                                   </p:stCondLst>
                                   <p:childTnLst>
                                     <p:set>
                                       <p:cBhvr>
-                                        <p:cTn id="25" dur="1" fill="hold">
+                                        <p:cTn id="24" dur="1" fill="hold">
                                           <p:stCondLst>
                                             <p:cond delay="0"/>
                                           </p:stCondLst>
@@ -25987,7 +25440,7 @@
                                     </p:set>
                                     <p:anim calcmode="lin" valueType="num">
                                       <p:cBhvr additive="base">
-                                        <p:cTn id="26" dur="500" fill="hold"/>
+                                        <p:cTn id="25" dur="500" fill="hold"/>
                                         <p:tgtEl>
                                           <p:spTgt spid="23"/>
                                         </p:tgtEl>
@@ -26010,7 +25463,7 @@
                                     </p:anim>
                                     <p:anim calcmode="lin" valueType="num">
                                       <p:cBhvr additive="base">
-                                        <p:cTn id="27" dur="500" fill="hold"/>
+                                        <p:cTn id="26" dur="500" fill="hold"/>
                                         <p:tgtEl>
                                           <p:spTgt spid="23"/>
                                         </p:tgtEl>
@@ -26035,14 +25488,14 @@
                                 </p:cTn>
                               </p:par>
                               <p:par>
-                                <p:cTn id="28" presetID="2" presetClass="entr" presetSubtype="4" fill="hold" grpId="1" nodeType="withEffect">
+                                <p:cTn id="27" presetID="2" presetClass="entr" presetSubtype="4" fill="hold" grpId="0" nodeType="withEffect">
                                   <p:stCondLst>
                                     <p:cond delay="0"/>
                                   </p:stCondLst>
                                   <p:childTnLst>
                                     <p:set>
                                       <p:cBhvr>
-                                        <p:cTn id="29" dur="1" fill="hold">
+                                        <p:cTn id="28" dur="1" fill="hold">
                                           <p:stCondLst>
                                             <p:cond delay="0"/>
                                           </p:stCondLst>
@@ -26060,7 +25513,7 @@
                                     </p:set>
                                     <p:anim calcmode="lin" valueType="num">
                                       <p:cBhvr additive="base">
-                                        <p:cTn id="30" dur="500" fill="hold"/>
+                                        <p:cTn id="29" dur="500" fill="hold"/>
                                         <p:tgtEl>
                                           <p:spTgt spid="18"/>
                                         </p:tgtEl>
@@ -26083,7 +25536,7 @@
                                     </p:anim>
                                     <p:anim calcmode="lin" valueType="num">
                                       <p:cBhvr additive="base">
-                                        <p:cTn id="31" dur="500" fill="hold"/>
+                                        <p:cTn id="30" dur="500" fill="hold"/>
                                         <p:tgtEl>
                                           <p:spTgt spid="18"/>
                                         </p:tgtEl>
@@ -26114,26 +25567,26 @@
                     </p:cTn>
                   </p:par>
                   <p:par>
-                    <p:cTn id="32" fill="hold">
+                    <p:cTn id="31" fill="hold">
                       <p:stCondLst>
                         <p:cond delay="indefinite"/>
                       </p:stCondLst>
                       <p:childTnLst>
                         <p:par>
-                          <p:cTn id="33" fill="hold">
+                          <p:cTn id="32" fill="hold">
                             <p:stCondLst>
                               <p:cond delay="0"/>
                             </p:stCondLst>
                             <p:childTnLst>
                               <p:par>
-                                <p:cTn id="34" presetID="12" presetClass="entr" presetSubtype="8" fill="hold" grpId="0" nodeType="clickEffect">
+                                <p:cTn id="33" presetID="12" presetClass="entr" presetSubtype="8" fill="hold" grpId="0" nodeType="clickEffect">
                                   <p:stCondLst>
                                     <p:cond delay="0"/>
                                   </p:stCondLst>
                                   <p:childTnLst>
                                     <p:set>
                                       <p:cBhvr>
-                                        <p:cTn id="35" dur="1" fill="hold">
+                                        <p:cTn id="34" dur="1" fill="hold">
                                           <p:stCondLst>
                                             <p:cond delay="0"/>
                                           </p:stCondLst>
@@ -26151,7 +25604,7 @@
                                     </p:set>
                                     <p:anim calcmode="lin" valueType="num">
                                       <p:cBhvr additive="base">
-                                        <p:cTn id="36" dur="500"/>
+                                        <p:cTn id="35" dur="500"/>
                                         <p:tgtEl>
                                           <p:spTgt spid="17"/>
                                         </p:tgtEl>
@@ -26174,7 +25627,7 @@
                                     </p:anim>
                                     <p:animEffect transition="in" filter="wipe(right)">
                                       <p:cBhvr>
-                                        <p:cTn id="37" dur="500"/>
+                                        <p:cTn id="36" dur="500"/>
                                         <p:tgtEl>
                                           <p:spTgt spid="17"/>
                                         </p:tgtEl>
@@ -26184,14 +25637,14 @@
                                 </p:cTn>
                               </p:par>
                               <p:par>
-                                <p:cTn id="38" presetID="12" presetClass="entr" presetSubtype="8" fill="hold" grpId="0" nodeType="withEffect">
+                                <p:cTn id="37" presetID="12" presetClass="entr" presetSubtype="8" fill="hold" grpId="0" nodeType="withEffect">
                                   <p:stCondLst>
                                     <p:cond delay="0"/>
                                   </p:stCondLst>
                                   <p:childTnLst>
                                     <p:set>
                                       <p:cBhvr>
-                                        <p:cTn id="39" dur="1" fill="hold">
+                                        <p:cTn id="38" dur="1" fill="hold">
                                           <p:stCondLst>
                                             <p:cond delay="0"/>
                                           </p:stCondLst>
@@ -26209,7 +25662,7 @@
                                     </p:set>
                                     <p:anim calcmode="lin" valueType="num">
                                       <p:cBhvr additive="base">
-                                        <p:cTn id="40" dur="500"/>
+                                        <p:cTn id="39" dur="500"/>
                                         <p:tgtEl>
                                           <p:spTgt spid="21"/>
                                         </p:tgtEl>
@@ -26232,7 +25685,7 @@
                                     </p:anim>
                                     <p:animEffect transition="in" filter="wipe(right)">
                                       <p:cBhvr>
-                                        <p:cTn id="41" dur="500"/>
+                                        <p:cTn id="40" dur="500"/>
                                         <p:tgtEl>
                                           <p:spTgt spid="21"/>
                                         </p:tgtEl>
@@ -26274,15 +25727,15 @@
       <p:bldP spid="16" grpId="0"/>
       <p:bldP spid="17" grpId="0" animBg="1"/>
       <p:bldP spid="21" grpId="0"/>
-      <p:bldP spid="18" grpId="1" animBg="1"/>
-      <p:bldP spid="23" grpId="1" animBg="1"/>
+      <p:bldP spid="18" grpId="0" animBg="1"/>
+      <p:bldP spid="23" grpId="0" animBg="1"/>
       <p:bldP spid="24" grpId="0" animBg="1"/>
     </p:bldLst>
   </p:timing>
 </p:sld>
 </file>
 
-<file path=ppt/slides/slide16.xml><?xml version="1.0" encoding="utf-8"?>
+<file path=ppt/slides/slide15.xml><?xml version="1.0" encoding="utf-8"?>
 <p:sld xmlns:a="http://schemas.openxmlformats.org/drawingml/2006/main" xmlns:r="http://schemas.openxmlformats.org/officeDocument/2006/relationships" xmlns:p="http://schemas.openxmlformats.org/presentationml/2006/main">
   <p:cSld>
     <p:spTree>
@@ -27407,7 +26860,7 @@
 </p:sld>
 </file>
 
-<file path=ppt/slides/slide17.xml><?xml version="1.0" encoding="utf-8"?>
+<file path=ppt/slides/slide16.xml><?xml version="1.0" encoding="utf-8"?>
 <p:sld xmlns:a="http://schemas.openxmlformats.org/drawingml/2006/main" xmlns:r="http://schemas.openxmlformats.org/officeDocument/2006/relationships" xmlns:p="http://schemas.openxmlformats.org/presentationml/2006/main">
   <p:cSld>
     <p:spTree>
@@ -32104,1453 +31557,6 @@
 </file>
 
 <file path=ppt/slides/slide2.xml><?xml version="1.0" encoding="utf-8"?>
-<p:sld xmlns:a="http://schemas.openxmlformats.org/drawingml/2006/main" xmlns:r="http://schemas.openxmlformats.org/officeDocument/2006/relationships" xmlns:p="http://schemas.openxmlformats.org/presentationml/2006/main">
-  <p:cSld>
-    <p:bg>
-      <p:bgPr>
-        <a:solidFill>
-          <a:schemeClr val="bg1"/>
-        </a:solidFill>
-        <a:effectLst/>
-      </p:bgPr>
-    </p:bg>
-    <p:spTree>
-      <p:nvGrpSpPr>
-        <p:cNvPr id="1" name=""/>
-        <p:cNvGrpSpPr/>
-        <p:nvPr/>
-      </p:nvGrpSpPr>
-      <p:grpSpPr>
-        <a:xfrm>
-          <a:off x="0" y="0"/>
-          <a:ext cx="0" cy="0"/>
-          <a:chOff x="0" y="0"/>
-          <a:chExt cx="0" cy="0"/>
-        </a:xfrm>
-      </p:grpSpPr>
-      <p:sp>
-        <p:nvSpPr>
-          <p:cNvPr id="2" name="Titolo 1"/>
-          <p:cNvSpPr>
-            <a:spLocks noGrp="1"/>
-          </p:cNvSpPr>
-          <p:nvPr>
-            <p:ph type="title"/>
-          </p:nvPr>
-        </p:nvSpPr>
-        <p:spPr/>
-        <p:txBody>
-          <a:bodyPr/>
-          <a:lstStyle/>
-          <a:p>
-            <a:r>
-              <a:rPr lang="it-IT" dirty="0" err="1"/>
-              <a:t>Why</a:t>
-            </a:r>
-            <a:r>
-              <a:rPr lang="it-IT" dirty="0"/>
-              <a:t>?</a:t>
-            </a:r>
-          </a:p>
-        </p:txBody>
-      </p:sp>
-      <p:sp>
-        <p:nvSpPr>
-          <p:cNvPr id="20" name="Rettangolo 19">
-            <a:extLst>
-              <a:ext uri="{FF2B5EF4-FFF2-40B4-BE49-F238E27FC236}">
-                <a16:creationId xmlns:a16="http://schemas.microsoft.com/office/drawing/2014/main" id="{A4E9BCCF-4D4A-7E45-A212-19DCF57112AB}"/>
-              </a:ext>
-            </a:extLst>
-          </p:cNvPr>
-          <p:cNvSpPr/>
-          <p:nvPr/>
-        </p:nvSpPr>
-        <p:spPr>
-          <a:xfrm>
-            <a:off x="142504" y="6305797"/>
-            <a:ext cx="3028208" cy="344385"/>
-          </a:xfrm>
-          <a:prstGeom prst="rect">
-            <a:avLst/>
-          </a:prstGeom>
-          <a:solidFill>
-            <a:srgbClr val="728FA5"/>
-          </a:solidFill>
-          <a:ln>
-            <a:noFill/>
-          </a:ln>
-        </p:spPr>
-        <p:style>
-          <a:lnRef idx="0">
-            <a:scrgbClr r="0" g="0" b="0"/>
-          </a:lnRef>
-          <a:fillRef idx="0">
-            <a:scrgbClr r="0" g="0" b="0"/>
-          </a:fillRef>
-          <a:effectRef idx="0">
-            <a:scrgbClr r="0" g="0" b="0"/>
-          </a:effectRef>
-          <a:fontRef idx="minor">
-            <a:schemeClr val="lt1"/>
-          </a:fontRef>
-        </p:style>
-        <p:txBody>
-          <a:bodyPr rtlCol="0" anchor="ctr"/>
-          <a:lstStyle/>
-          <a:p>
-            <a:pPr algn="ctr"/>
-            <a:endParaRPr lang="it-IT"/>
-          </a:p>
-        </p:txBody>
-      </p:sp>
-      <p:sp>
-        <p:nvSpPr>
-          <p:cNvPr id="23" name="Rettangolo 22">
-            <a:extLst>
-              <a:ext uri="{FF2B5EF4-FFF2-40B4-BE49-F238E27FC236}">
-                <a16:creationId xmlns:a16="http://schemas.microsoft.com/office/drawing/2014/main" id="{EE007654-138F-224B-AD9C-A0636B62F617}"/>
-              </a:ext>
-            </a:extLst>
-          </p:cNvPr>
-          <p:cNvSpPr/>
-          <p:nvPr/>
-        </p:nvSpPr>
-        <p:spPr>
-          <a:xfrm>
-            <a:off x="288521" y="6317672"/>
-            <a:ext cx="2858440" cy="344385"/>
-          </a:xfrm>
-          <a:prstGeom prst="rect">
-            <a:avLst/>
-          </a:prstGeom>
-          <a:solidFill>
-            <a:srgbClr val="728FA5"/>
-          </a:solidFill>
-          <a:ln>
-            <a:noFill/>
-          </a:ln>
-        </p:spPr>
-        <p:style>
-          <a:lnRef idx="0">
-            <a:scrgbClr r="0" g="0" b="0"/>
-          </a:lnRef>
-          <a:fillRef idx="0">
-            <a:scrgbClr r="0" g="0" b="0"/>
-          </a:fillRef>
-          <a:effectRef idx="0">
-            <a:scrgbClr r="0" g="0" b="0"/>
-          </a:effectRef>
-          <a:fontRef idx="minor">
-            <a:schemeClr val="lt1"/>
-          </a:fontRef>
-        </p:style>
-        <p:txBody>
-          <a:bodyPr rtlCol="0" anchor="ctr"/>
-          <a:lstStyle/>
-          <a:p>
-            <a:r>
-              <a:rPr lang="it-IT" sz="1400" dirty="0"/>
-              <a:t>Mirco Meazzo - 873477</a:t>
-            </a:r>
-          </a:p>
-        </p:txBody>
-      </p:sp>
-      <p:sp>
-        <p:nvSpPr>
-          <p:cNvPr id="16" name="CasellaDiTesto 15">
-            <a:extLst>
-              <a:ext uri="{FF2B5EF4-FFF2-40B4-BE49-F238E27FC236}">
-                <a16:creationId xmlns:a16="http://schemas.microsoft.com/office/drawing/2014/main" id="{587C7895-F542-A94E-BE81-DAC8DA923C5D}"/>
-              </a:ext>
-            </a:extLst>
-          </p:cNvPr>
-          <p:cNvSpPr txBox="1"/>
-          <p:nvPr/>
-        </p:nvSpPr>
-        <p:spPr>
-          <a:xfrm>
-            <a:off x="464242" y="1925321"/>
-            <a:ext cx="8229600" cy="1200329"/>
-          </a:xfrm>
-          <a:prstGeom prst="rect">
-            <a:avLst/>
-          </a:prstGeom>
-          <a:noFill/>
-        </p:spPr>
-        <p:txBody>
-          <a:bodyPr wrap="square" rtlCol="0">
-            <a:spAutoFit/>
-          </a:bodyPr>
-          <a:lstStyle/>
-          <a:p>
-            <a:r>
-              <a:rPr lang="it-IT" b="1" dirty="0" err="1">
-                <a:solidFill>
-                  <a:schemeClr val="tx2"/>
-                </a:solidFill>
-                <a:latin typeface="Arial" panose="020B0604020202020204" pitchFamily="34" charset="0"/>
-                <a:cs typeface="Arial" panose="020B0604020202020204" pitchFamily="34" charset="0"/>
-              </a:rPr>
-              <a:t>Although</a:t>
-            </a:r>
-            <a:r>
-              <a:rPr lang="it-IT" b="1" dirty="0">
-                <a:solidFill>
-                  <a:schemeClr val="tx2"/>
-                </a:solidFill>
-                <a:latin typeface="Arial" panose="020B0604020202020204" pitchFamily="34" charset="0"/>
-                <a:cs typeface="Arial" panose="020B0604020202020204" pitchFamily="34" charset="0"/>
-              </a:rPr>
-              <a:t> </a:t>
-            </a:r>
-            <a:r>
-              <a:rPr lang="it-IT" b="1" dirty="0" err="1">
-                <a:solidFill>
-                  <a:schemeClr val="tx2"/>
-                </a:solidFill>
-                <a:latin typeface="Arial" panose="020B0604020202020204" pitchFamily="34" charset="0"/>
-                <a:cs typeface="Arial" panose="020B0604020202020204" pitchFamily="34" charset="0"/>
-              </a:rPr>
-              <a:t>we</a:t>
-            </a:r>
-            <a:r>
-              <a:rPr lang="it-IT" b="1" dirty="0">
-                <a:solidFill>
-                  <a:schemeClr val="tx2"/>
-                </a:solidFill>
-                <a:latin typeface="Arial" panose="020B0604020202020204" pitchFamily="34" charset="0"/>
-                <a:cs typeface="Arial" panose="020B0604020202020204" pitchFamily="34" charset="0"/>
-              </a:rPr>
-              <a:t> are </a:t>
-            </a:r>
-            <a:r>
-              <a:rPr lang="it-IT" b="1" dirty="0" err="1">
-                <a:solidFill>
-                  <a:schemeClr val="tx2"/>
-                </a:solidFill>
-                <a:latin typeface="Arial" panose="020B0604020202020204" pitchFamily="34" charset="0"/>
-                <a:cs typeface="Arial" panose="020B0604020202020204" pitchFamily="34" charset="0"/>
-              </a:rPr>
-              <a:t>surrounded</a:t>
-            </a:r>
-            <a:r>
-              <a:rPr lang="it-IT" b="1" dirty="0">
-                <a:solidFill>
-                  <a:schemeClr val="tx2"/>
-                </a:solidFill>
-                <a:latin typeface="Arial" panose="020B0604020202020204" pitchFamily="34" charset="0"/>
-                <a:cs typeface="Arial" panose="020B0604020202020204" pitchFamily="34" charset="0"/>
-              </a:rPr>
-              <a:t> </a:t>
-            </a:r>
-            <a:r>
-              <a:rPr lang="it-IT" b="1" dirty="0" err="1">
-                <a:solidFill>
-                  <a:schemeClr val="tx2"/>
-                </a:solidFill>
-                <a:latin typeface="Arial" panose="020B0604020202020204" pitchFamily="34" charset="0"/>
-                <a:cs typeface="Arial" panose="020B0604020202020204" pitchFamily="34" charset="0"/>
-              </a:rPr>
-              <a:t>all</a:t>
-            </a:r>
-            <a:r>
-              <a:rPr lang="it-IT" b="1" dirty="0">
-                <a:solidFill>
-                  <a:schemeClr val="tx2"/>
-                </a:solidFill>
-                <a:latin typeface="Arial" panose="020B0604020202020204" pitchFamily="34" charset="0"/>
-                <a:cs typeface="Arial" panose="020B0604020202020204" pitchFamily="34" charset="0"/>
-              </a:rPr>
-              <a:t> </a:t>
-            </a:r>
-            <a:r>
-              <a:rPr lang="it-IT" b="1" dirty="0" err="1">
-                <a:solidFill>
-                  <a:schemeClr val="tx2"/>
-                </a:solidFill>
-                <a:latin typeface="Arial" panose="020B0604020202020204" pitchFamily="34" charset="0"/>
-                <a:cs typeface="Arial" panose="020B0604020202020204" pitchFamily="34" charset="0"/>
-              </a:rPr>
-              <a:t>day</a:t>
-            </a:r>
-            <a:r>
-              <a:rPr lang="it-IT" b="1" dirty="0">
-                <a:solidFill>
-                  <a:schemeClr val="tx2"/>
-                </a:solidFill>
-                <a:latin typeface="Arial" panose="020B0604020202020204" pitchFamily="34" charset="0"/>
-                <a:cs typeface="Arial" panose="020B0604020202020204" pitchFamily="34" charset="0"/>
-              </a:rPr>
-              <a:t> long by </a:t>
-            </a:r>
-            <a:r>
-              <a:rPr lang="it-IT" b="1" dirty="0" err="1">
-                <a:solidFill>
-                  <a:schemeClr val="tx2"/>
-                </a:solidFill>
-                <a:latin typeface="Arial" panose="020B0604020202020204" pitchFamily="34" charset="0"/>
-                <a:cs typeface="Arial" panose="020B0604020202020204" pitchFamily="34" charset="0"/>
-              </a:rPr>
-              <a:t>fluids</a:t>
-            </a:r>
-            <a:r>
-              <a:rPr lang="it-IT" b="1" dirty="0">
-                <a:solidFill>
-                  <a:schemeClr val="tx2"/>
-                </a:solidFill>
-                <a:latin typeface="Arial" panose="020B0604020202020204" pitchFamily="34" charset="0"/>
-                <a:cs typeface="Arial" panose="020B0604020202020204" pitchFamily="34" charset="0"/>
-              </a:rPr>
-              <a:t>, </a:t>
-            </a:r>
-            <a:r>
-              <a:rPr lang="it-IT" b="1" dirty="0" err="1">
-                <a:solidFill>
-                  <a:schemeClr val="tx2"/>
-                </a:solidFill>
-                <a:latin typeface="Arial" panose="020B0604020202020204" pitchFamily="34" charset="0"/>
-                <a:cs typeface="Arial" panose="020B0604020202020204" pitchFamily="34" charset="0"/>
-              </a:rPr>
-              <a:t>like</a:t>
-            </a:r>
-            <a:r>
-              <a:rPr lang="it-IT" b="1" dirty="0">
-                <a:solidFill>
-                  <a:schemeClr val="tx2"/>
-                </a:solidFill>
-                <a:latin typeface="Arial" panose="020B0604020202020204" pitchFamily="34" charset="0"/>
-                <a:cs typeface="Arial" panose="020B0604020202020204" pitchFamily="34" charset="0"/>
-              </a:rPr>
-              <a:t> the air </a:t>
-            </a:r>
-            <a:r>
-              <a:rPr lang="it-IT" b="1" dirty="0" err="1">
-                <a:solidFill>
-                  <a:schemeClr val="tx2"/>
-                </a:solidFill>
-                <a:latin typeface="Arial" panose="020B0604020202020204" pitchFamily="34" charset="0"/>
-                <a:cs typeface="Arial" panose="020B0604020202020204" pitchFamily="34" charset="0"/>
-              </a:rPr>
-              <a:t>that</a:t>
-            </a:r>
-            <a:r>
-              <a:rPr lang="it-IT" b="1" dirty="0">
-                <a:solidFill>
-                  <a:schemeClr val="tx2"/>
-                </a:solidFill>
-                <a:latin typeface="Arial" panose="020B0604020202020204" pitchFamily="34" charset="0"/>
-                <a:cs typeface="Arial" panose="020B0604020202020204" pitchFamily="34" charset="0"/>
-              </a:rPr>
-              <a:t> </a:t>
-            </a:r>
-            <a:r>
-              <a:rPr lang="it-IT" b="1" dirty="0" err="1">
-                <a:solidFill>
-                  <a:schemeClr val="tx2"/>
-                </a:solidFill>
-                <a:latin typeface="Arial" panose="020B0604020202020204" pitchFamily="34" charset="0"/>
-                <a:cs typeface="Arial" panose="020B0604020202020204" pitchFamily="34" charset="0"/>
-              </a:rPr>
-              <a:t>we</a:t>
-            </a:r>
-            <a:r>
-              <a:rPr lang="it-IT" b="1" dirty="0">
-                <a:solidFill>
-                  <a:schemeClr val="tx2"/>
-                </a:solidFill>
-                <a:latin typeface="Arial" panose="020B0604020202020204" pitchFamily="34" charset="0"/>
-                <a:cs typeface="Arial" panose="020B0604020202020204" pitchFamily="34" charset="0"/>
-              </a:rPr>
-              <a:t> </a:t>
-            </a:r>
-            <a:r>
-              <a:rPr lang="it-IT" b="1" dirty="0" err="1">
-                <a:solidFill>
-                  <a:schemeClr val="tx2"/>
-                </a:solidFill>
-                <a:latin typeface="Arial" panose="020B0604020202020204" pitchFamily="34" charset="0"/>
-                <a:cs typeface="Arial" panose="020B0604020202020204" pitchFamily="34" charset="0"/>
-              </a:rPr>
-              <a:t>breathe</a:t>
-            </a:r>
-            <a:r>
-              <a:rPr lang="it-IT" b="1" dirty="0">
-                <a:solidFill>
-                  <a:schemeClr val="tx2"/>
-                </a:solidFill>
-                <a:latin typeface="Arial" panose="020B0604020202020204" pitchFamily="34" charset="0"/>
-                <a:cs typeface="Arial" panose="020B0604020202020204" pitchFamily="34" charset="0"/>
-              </a:rPr>
-              <a:t>, </a:t>
-            </a:r>
-            <a:r>
-              <a:rPr lang="it-IT" b="1" dirty="0" err="1">
-                <a:solidFill>
-                  <a:schemeClr val="tx2"/>
-                </a:solidFill>
-                <a:latin typeface="Arial" panose="020B0604020202020204" pitchFamily="34" charset="0"/>
-                <a:cs typeface="Arial" panose="020B0604020202020204" pitchFamily="34" charset="0"/>
-              </a:rPr>
-              <a:t>we</a:t>
-            </a:r>
-            <a:r>
-              <a:rPr lang="it-IT" b="1" dirty="0">
-                <a:solidFill>
-                  <a:schemeClr val="tx2"/>
-                </a:solidFill>
-                <a:latin typeface="Arial" panose="020B0604020202020204" pitchFamily="34" charset="0"/>
-                <a:cs typeface="Arial" panose="020B0604020202020204" pitchFamily="34" charset="0"/>
-              </a:rPr>
-              <a:t> do </a:t>
-            </a:r>
-            <a:r>
-              <a:rPr lang="it-IT" b="1" dirty="0" err="1">
-                <a:solidFill>
-                  <a:schemeClr val="tx2"/>
-                </a:solidFill>
-                <a:latin typeface="Arial" panose="020B0604020202020204" pitchFamily="34" charset="0"/>
-                <a:cs typeface="Arial" panose="020B0604020202020204" pitchFamily="34" charset="0"/>
-              </a:rPr>
-              <a:t>not</a:t>
-            </a:r>
-            <a:r>
-              <a:rPr lang="it-IT" b="1" dirty="0">
-                <a:solidFill>
-                  <a:schemeClr val="tx2"/>
-                </a:solidFill>
-                <a:latin typeface="Arial" panose="020B0604020202020204" pitchFamily="34" charset="0"/>
-                <a:cs typeface="Arial" panose="020B0604020202020204" pitchFamily="34" charset="0"/>
-              </a:rPr>
-              <a:t> </a:t>
-            </a:r>
-            <a:r>
-              <a:rPr lang="it-IT" b="1" dirty="0" err="1">
-                <a:solidFill>
-                  <a:schemeClr val="tx2"/>
-                </a:solidFill>
-                <a:latin typeface="Arial" panose="020B0604020202020204" pitchFamily="34" charset="0"/>
-                <a:cs typeface="Arial" panose="020B0604020202020204" pitchFamily="34" charset="0"/>
-              </a:rPr>
-              <a:t>know</a:t>
-            </a:r>
-            <a:r>
-              <a:rPr lang="it-IT" b="1" dirty="0">
-                <a:solidFill>
-                  <a:schemeClr val="tx2"/>
-                </a:solidFill>
-                <a:latin typeface="Arial" panose="020B0604020202020204" pitchFamily="34" charset="0"/>
-                <a:cs typeface="Arial" panose="020B0604020202020204" pitchFamily="34" charset="0"/>
-              </a:rPr>
-              <a:t> </a:t>
-            </a:r>
-            <a:r>
-              <a:rPr lang="it-IT" b="1" dirty="0" err="1">
-                <a:solidFill>
-                  <a:schemeClr val="tx2"/>
-                </a:solidFill>
-                <a:latin typeface="Arial" panose="020B0604020202020204" pitchFamily="34" charset="0"/>
-                <a:cs typeface="Arial" panose="020B0604020202020204" pitchFamily="34" charset="0"/>
-              </a:rPr>
-              <a:t>much</a:t>
-            </a:r>
-            <a:r>
-              <a:rPr lang="it-IT" b="1" dirty="0">
-                <a:solidFill>
-                  <a:schemeClr val="tx2"/>
-                </a:solidFill>
-                <a:latin typeface="Arial" panose="020B0604020202020204" pitchFamily="34" charset="0"/>
-                <a:cs typeface="Arial" panose="020B0604020202020204" pitchFamily="34" charset="0"/>
-              </a:rPr>
-              <a:t> </a:t>
-            </a:r>
-            <a:r>
-              <a:rPr lang="it-IT" b="1" dirty="0" err="1">
-                <a:solidFill>
-                  <a:schemeClr val="tx2"/>
-                </a:solidFill>
-                <a:latin typeface="Arial" panose="020B0604020202020204" pitchFamily="34" charset="0"/>
-                <a:cs typeface="Arial" panose="020B0604020202020204" pitchFamily="34" charset="0"/>
-              </a:rPr>
-              <a:t>about</a:t>
-            </a:r>
-            <a:r>
-              <a:rPr lang="it-IT" b="1" dirty="0">
-                <a:solidFill>
-                  <a:schemeClr val="tx2"/>
-                </a:solidFill>
-                <a:latin typeface="Arial" panose="020B0604020202020204" pitchFamily="34" charset="0"/>
-                <a:cs typeface="Arial" panose="020B0604020202020204" pitchFamily="34" charset="0"/>
-              </a:rPr>
-              <a:t> </a:t>
-            </a:r>
-            <a:r>
-              <a:rPr lang="it-IT" b="1" dirty="0" err="1">
-                <a:solidFill>
-                  <a:schemeClr val="tx2"/>
-                </a:solidFill>
-                <a:latin typeface="Arial" panose="020B0604020202020204" pitchFamily="34" charset="0"/>
-                <a:cs typeface="Arial" panose="020B0604020202020204" pitchFamily="34" charset="0"/>
-              </a:rPr>
-              <a:t>their</a:t>
-            </a:r>
-            <a:r>
-              <a:rPr lang="it-IT" b="1" dirty="0">
-                <a:solidFill>
-                  <a:schemeClr val="tx2"/>
-                </a:solidFill>
-                <a:latin typeface="Arial" panose="020B0604020202020204" pitchFamily="34" charset="0"/>
-                <a:cs typeface="Arial" panose="020B0604020202020204" pitchFamily="34" charset="0"/>
-              </a:rPr>
-              <a:t> </a:t>
-            </a:r>
-            <a:r>
-              <a:rPr lang="it-IT" b="1" dirty="0" err="1">
-                <a:solidFill>
-                  <a:schemeClr val="tx2"/>
-                </a:solidFill>
-                <a:latin typeface="Arial" panose="020B0604020202020204" pitchFamily="34" charset="0"/>
-                <a:cs typeface="Arial" panose="020B0604020202020204" pitchFamily="34" charset="0"/>
-              </a:rPr>
-              <a:t>behaviour</a:t>
-            </a:r>
-            <a:r>
-              <a:rPr lang="it-IT" b="1" dirty="0">
-                <a:solidFill>
-                  <a:schemeClr val="tx2"/>
-                </a:solidFill>
-                <a:latin typeface="Arial" panose="020B0604020202020204" pitchFamily="34" charset="0"/>
-                <a:cs typeface="Arial" panose="020B0604020202020204" pitchFamily="34" charset="0"/>
-              </a:rPr>
-              <a:t>.</a:t>
-            </a:r>
-          </a:p>
-          <a:p>
-            <a:r>
-              <a:rPr lang="it-IT" b="1" dirty="0" err="1">
-                <a:solidFill>
-                  <a:schemeClr val="tx2"/>
-                </a:solidFill>
-                <a:latin typeface="Arial" panose="020B0604020202020204" pitchFamily="34" charset="0"/>
-                <a:cs typeface="Arial" panose="020B0604020202020204" pitchFamily="34" charset="0"/>
-              </a:rPr>
-              <a:t>This</a:t>
-            </a:r>
-            <a:r>
-              <a:rPr lang="it-IT" b="1" dirty="0">
-                <a:solidFill>
-                  <a:schemeClr val="tx2"/>
-                </a:solidFill>
-                <a:latin typeface="Arial" panose="020B0604020202020204" pitchFamily="34" charset="0"/>
-                <a:cs typeface="Arial" panose="020B0604020202020204" pitchFamily="34" charset="0"/>
-              </a:rPr>
-              <a:t> </a:t>
-            </a:r>
-            <a:r>
-              <a:rPr lang="it-IT" b="1" dirty="0" err="1">
-                <a:solidFill>
-                  <a:schemeClr val="tx2"/>
-                </a:solidFill>
-                <a:latin typeface="Arial" panose="020B0604020202020204" pitchFamily="34" charset="0"/>
-                <a:cs typeface="Arial" panose="020B0604020202020204" pitchFamily="34" charset="0"/>
-              </a:rPr>
-              <a:t>happens</a:t>
-            </a:r>
-            <a:r>
-              <a:rPr lang="it-IT" b="1" dirty="0">
-                <a:solidFill>
-                  <a:schemeClr val="tx2"/>
-                </a:solidFill>
-                <a:latin typeface="Arial" panose="020B0604020202020204" pitchFamily="34" charset="0"/>
-                <a:cs typeface="Arial" panose="020B0604020202020204" pitchFamily="34" charset="0"/>
-              </a:rPr>
-              <a:t> </a:t>
-            </a:r>
-            <a:r>
-              <a:rPr lang="it-IT" b="1" dirty="0" err="1">
-                <a:solidFill>
-                  <a:schemeClr val="tx2"/>
-                </a:solidFill>
-                <a:latin typeface="Arial" panose="020B0604020202020204" pitchFamily="34" charset="0"/>
-                <a:cs typeface="Arial" panose="020B0604020202020204" pitchFamily="34" charset="0"/>
-              </a:rPr>
-              <a:t>because</a:t>
-            </a:r>
-            <a:r>
-              <a:rPr lang="it-IT" b="1" dirty="0">
-                <a:solidFill>
-                  <a:schemeClr val="tx2"/>
-                </a:solidFill>
-                <a:latin typeface="Arial" panose="020B0604020202020204" pitchFamily="34" charset="0"/>
-                <a:cs typeface="Arial" panose="020B0604020202020204" pitchFamily="34" charset="0"/>
-              </a:rPr>
-              <a:t> </a:t>
-            </a:r>
-            <a:r>
-              <a:rPr lang="it-IT" b="1" dirty="0" err="1">
-                <a:solidFill>
-                  <a:schemeClr val="tx2"/>
-                </a:solidFill>
-                <a:latin typeface="Arial" panose="020B0604020202020204" pitchFamily="34" charset="0"/>
-                <a:cs typeface="Arial" panose="020B0604020202020204" pitchFamily="34" charset="0"/>
-              </a:rPr>
-              <a:t>we</a:t>
-            </a:r>
-            <a:r>
-              <a:rPr lang="it-IT" b="1" dirty="0">
-                <a:solidFill>
-                  <a:schemeClr val="tx2"/>
-                </a:solidFill>
-                <a:latin typeface="Arial" panose="020B0604020202020204" pitchFamily="34" charset="0"/>
-                <a:cs typeface="Arial" panose="020B0604020202020204" pitchFamily="34" charset="0"/>
-              </a:rPr>
-              <a:t> do </a:t>
-            </a:r>
-            <a:r>
-              <a:rPr lang="it-IT" b="1" dirty="0" err="1">
-                <a:solidFill>
-                  <a:schemeClr val="tx2"/>
-                </a:solidFill>
-                <a:latin typeface="Arial" panose="020B0604020202020204" pitchFamily="34" charset="0"/>
-                <a:cs typeface="Arial" panose="020B0604020202020204" pitchFamily="34" charset="0"/>
-              </a:rPr>
-              <a:t>not</a:t>
-            </a:r>
-            <a:r>
-              <a:rPr lang="it-IT" b="1" dirty="0">
-                <a:solidFill>
-                  <a:schemeClr val="tx2"/>
-                </a:solidFill>
-                <a:latin typeface="Arial" panose="020B0604020202020204" pitchFamily="34" charset="0"/>
-                <a:cs typeface="Arial" panose="020B0604020202020204" pitchFamily="34" charset="0"/>
-              </a:rPr>
-              <a:t> dominate the "</a:t>
-            </a:r>
-            <a:r>
-              <a:rPr lang="it-IT" b="1" dirty="0" err="1">
-                <a:solidFill>
-                  <a:schemeClr val="tx2"/>
-                </a:solidFill>
-                <a:latin typeface="Arial" panose="020B0604020202020204" pitchFamily="34" charset="0"/>
-                <a:cs typeface="Arial" panose="020B0604020202020204" pitchFamily="34" charset="0"/>
-              </a:rPr>
-              <a:t>secrets</a:t>
-            </a:r>
-            <a:r>
-              <a:rPr lang="it-IT" b="1" dirty="0">
-                <a:solidFill>
-                  <a:schemeClr val="tx2"/>
-                </a:solidFill>
-                <a:latin typeface="Arial" panose="020B0604020202020204" pitchFamily="34" charset="0"/>
-                <a:cs typeface="Arial" panose="020B0604020202020204" pitchFamily="34" charset="0"/>
-              </a:rPr>
-              <a:t>" of the </a:t>
-            </a:r>
-            <a:r>
-              <a:rPr lang="it-IT" b="1" dirty="0" err="1">
-                <a:solidFill>
-                  <a:schemeClr val="tx2"/>
-                </a:solidFill>
-                <a:latin typeface="Arial" panose="020B0604020202020204" pitchFamily="34" charset="0"/>
-                <a:cs typeface="Arial" panose="020B0604020202020204" pitchFamily="34" charset="0"/>
-              </a:rPr>
-              <a:t>turbulence</a:t>
-            </a:r>
-            <a:endParaRPr lang="it-IT" b="1" dirty="0">
-              <a:solidFill>
-                <a:schemeClr val="tx2"/>
-              </a:solidFill>
-              <a:latin typeface="Arial" panose="020B0604020202020204" pitchFamily="34" charset="0"/>
-              <a:cs typeface="Arial" panose="020B0604020202020204" pitchFamily="34" charset="0"/>
-            </a:endParaRPr>
-          </a:p>
-        </p:txBody>
-      </p:sp>
-      <p:sp>
-        <p:nvSpPr>
-          <p:cNvPr id="19" name="CasellaDiTesto 18">
-            <a:extLst>
-              <a:ext uri="{FF2B5EF4-FFF2-40B4-BE49-F238E27FC236}">
-                <a16:creationId xmlns:a16="http://schemas.microsoft.com/office/drawing/2014/main" id="{4AEADF04-395F-3245-AB2C-86F9D4BB0A2E}"/>
-              </a:ext>
-            </a:extLst>
-          </p:cNvPr>
-          <p:cNvSpPr txBox="1"/>
-          <p:nvPr/>
-        </p:nvSpPr>
-        <p:spPr>
-          <a:xfrm>
-            <a:off x="464242" y="3319516"/>
-            <a:ext cx="8405322" cy="923330"/>
-          </a:xfrm>
-          <a:prstGeom prst="rect">
-            <a:avLst/>
-          </a:prstGeom>
-          <a:noFill/>
-        </p:spPr>
-        <p:txBody>
-          <a:bodyPr wrap="square" rtlCol="0">
-            <a:spAutoFit/>
-          </a:bodyPr>
-          <a:lstStyle/>
-          <a:p>
-            <a:r>
-              <a:rPr lang="it-IT" b="1" dirty="0">
-                <a:solidFill>
-                  <a:schemeClr val="tx2"/>
-                </a:solidFill>
-                <a:latin typeface="Arial" panose="020B0604020202020204" pitchFamily="34" charset="0"/>
-                <a:cs typeface="Arial" panose="020B0604020202020204" pitchFamily="34" charset="0"/>
-              </a:rPr>
-              <a:t>A </a:t>
-            </a:r>
-            <a:r>
-              <a:rPr lang="it-IT" b="1" dirty="0" err="1">
-                <a:solidFill>
-                  <a:schemeClr val="tx2"/>
-                </a:solidFill>
-                <a:latin typeface="Arial" panose="020B0604020202020204" pitchFamily="34" charset="0"/>
-                <a:cs typeface="Arial" panose="020B0604020202020204" pitchFamily="34" charset="0"/>
-              </a:rPr>
-              <a:t>better</a:t>
-            </a:r>
-            <a:r>
-              <a:rPr lang="it-IT" b="1" dirty="0">
-                <a:solidFill>
-                  <a:schemeClr val="tx2"/>
-                </a:solidFill>
-                <a:latin typeface="Arial" panose="020B0604020202020204" pitchFamily="34" charset="0"/>
-                <a:cs typeface="Arial" panose="020B0604020202020204" pitchFamily="34" charset="0"/>
-              </a:rPr>
-              <a:t> </a:t>
-            </a:r>
-            <a:r>
-              <a:rPr lang="it-IT" b="1" dirty="0" err="1">
-                <a:solidFill>
-                  <a:schemeClr val="tx2"/>
-                </a:solidFill>
-                <a:latin typeface="Arial" panose="020B0604020202020204" pitchFamily="34" charset="0"/>
-                <a:cs typeface="Arial" panose="020B0604020202020204" pitchFamily="34" charset="0"/>
-              </a:rPr>
-              <a:t>understanding</a:t>
-            </a:r>
-            <a:r>
-              <a:rPr lang="it-IT" b="1" dirty="0">
-                <a:solidFill>
-                  <a:schemeClr val="tx2"/>
-                </a:solidFill>
-                <a:latin typeface="Arial" panose="020B0604020202020204" pitchFamily="34" charset="0"/>
-                <a:cs typeface="Arial" panose="020B0604020202020204" pitchFamily="34" charset="0"/>
-              </a:rPr>
-              <a:t> of the </a:t>
-            </a:r>
-            <a:r>
-              <a:rPr lang="it-IT" b="1" dirty="0" err="1">
-                <a:solidFill>
-                  <a:schemeClr val="tx2"/>
-                </a:solidFill>
-                <a:latin typeface="Arial" panose="020B0604020202020204" pitchFamily="34" charset="0"/>
-                <a:cs typeface="Arial" panose="020B0604020202020204" pitchFamily="34" charset="0"/>
-              </a:rPr>
-              <a:t>turbulence</a:t>
-            </a:r>
-            <a:r>
-              <a:rPr lang="it-IT" b="1" dirty="0">
-                <a:solidFill>
-                  <a:schemeClr val="tx2"/>
-                </a:solidFill>
-                <a:latin typeface="Arial" panose="020B0604020202020204" pitchFamily="34" charset="0"/>
-                <a:cs typeface="Arial" panose="020B0604020202020204" pitchFamily="34" charset="0"/>
-              </a:rPr>
-              <a:t> </a:t>
-            </a:r>
-            <a:r>
-              <a:rPr lang="it-IT" b="1" dirty="0" err="1">
-                <a:solidFill>
-                  <a:schemeClr val="tx2"/>
-                </a:solidFill>
-                <a:latin typeface="Arial" panose="020B0604020202020204" pitchFamily="34" charset="0"/>
-                <a:cs typeface="Arial" panose="020B0604020202020204" pitchFamily="34" charset="0"/>
-              </a:rPr>
-              <a:t>phenomena</a:t>
-            </a:r>
-            <a:r>
-              <a:rPr lang="it-IT" b="1" dirty="0">
-                <a:solidFill>
-                  <a:schemeClr val="tx2"/>
-                </a:solidFill>
-                <a:latin typeface="Arial" panose="020B0604020202020204" pitchFamily="34" charset="0"/>
-                <a:cs typeface="Arial" panose="020B0604020202020204" pitchFamily="34" charset="0"/>
-              </a:rPr>
-              <a:t>/</a:t>
-            </a:r>
-            <a:r>
-              <a:rPr lang="it-IT" b="1" dirty="0" err="1">
-                <a:solidFill>
-                  <a:schemeClr val="tx2"/>
-                </a:solidFill>
-                <a:latin typeface="Arial" panose="020B0604020202020204" pitchFamily="34" charset="0"/>
-                <a:cs typeface="Arial" panose="020B0604020202020204" pitchFamily="34" charset="0"/>
-              </a:rPr>
-              <a:t>s</a:t>
-            </a:r>
-            <a:r>
-              <a:rPr lang="it-IT" b="1" dirty="0">
-                <a:solidFill>
-                  <a:schemeClr val="tx2"/>
-                </a:solidFill>
-                <a:latin typeface="Arial" panose="020B0604020202020204" pitchFamily="34" charset="0"/>
-                <a:cs typeface="Arial" panose="020B0604020202020204" pitchFamily="34" charset="0"/>
-              </a:rPr>
-              <a:t> </a:t>
-            </a:r>
-            <a:r>
-              <a:rPr lang="it-IT" b="1" dirty="0" err="1">
-                <a:solidFill>
-                  <a:schemeClr val="tx2"/>
-                </a:solidFill>
-                <a:latin typeface="Arial" panose="020B0604020202020204" pitchFamily="34" charset="0"/>
-                <a:cs typeface="Arial" panose="020B0604020202020204" pitchFamily="34" charset="0"/>
-              </a:rPr>
-              <a:t>is</a:t>
-            </a:r>
-            <a:r>
-              <a:rPr lang="it-IT" b="1" dirty="0">
-                <a:solidFill>
-                  <a:schemeClr val="tx2"/>
-                </a:solidFill>
-                <a:latin typeface="Arial" panose="020B0604020202020204" pitchFamily="34" charset="0"/>
-                <a:cs typeface="Arial" panose="020B0604020202020204" pitchFamily="34" charset="0"/>
-              </a:rPr>
-              <a:t> </a:t>
-            </a:r>
-            <a:r>
-              <a:rPr lang="it-IT" b="1" dirty="0" err="1">
-                <a:solidFill>
-                  <a:schemeClr val="tx2"/>
-                </a:solidFill>
-                <a:latin typeface="Arial" panose="020B0604020202020204" pitchFamily="34" charset="0"/>
-                <a:cs typeface="Arial" panose="020B0604020202020204" pitchFamily="34" charset="0"/>
-              </a:rPr>
-              <a:t>mandatory</a:t>
-            </a:r>
-            <a:r>
-              <a:rPr lang="it-IT" b="1" dirty="0">
-                <a:solidFill>
-                  <a:schemeClr val="tx2"/>
-                </a:solidFill>
-                <a:latin typeface="Arial" panose="020B0604020202020204" pitchFamily="34" charset="0"/>
-                <a:cs typeface="Arial" panose="020B0604020202020204" pitchFamily="34" charset="0"/>
-              </a:rPr>
-              <a:t> </a:t>
-            </a:r>
-            <a:r>
-              <a:rPr lang="it-IT" b="1" dirty="0" err="1">
-                <a:solidFill>
-                  <a:schemeClr val="tx2"/>
-                </a:solidFill>
-                <a:latin typeface="Arial" panose="020B0604020202020204" pitchFamily="34" charset="0"/>
-                <a:cs typeface="Arial" panose="020B0604020202020204" pitchFamily="34" charset="0"/>
-              </a:rPr>
-              <a:t>if</a:t>
-            </a:r>
-            <a:r>
-              <a:rPr lang="it-IT" b="1" dirty="0">
-                <a:solidFill>
-                  <a:schemeClr val="tx2"/>
-                </a:solidFill>
-                <a:latin typeface="Arial" panose="020B0604020202020204" pitchFamily="34" charset="0"/>
-                <a:cs typeface="Arial" panose="020B0604020202020204" pitchFamily="34" charset="0"/>
-              </a:rPr>
-              <a:t> </a:t>
-            </a:r>
-            <a:r>
-              <a:rPr lang="it-IT" b="1" dirty="0" err="1">
-                <a:solidFill>
-                  <a:schemeClr val="tx2"/>
-                </a:solidFill>
-                <a:latin typeface="Arial" panose="020B0604020202020204" pitchFamily="34" charset="0"/>
-                <a:cs typeface="Arial" panose="020B0604020202020204" pitchFamily="34" charset="0"/>
-              </a:rPr>
-              <a:t>we</a:t>
-            </a:r>
-            <a:r>
-              <a:rPr lang="it-IT" b="1" dirty="0">
-                <a:solidFill>
-                  <a:schemeClr val="tx2"/>
-                </a:solidFill>
-                <a:latin typeface="Arial" panose="020B0604020202020204" pitchFamily="34" charset="0"/>
-                <a:cs typeface="Arial" panose="020B0604020202020204" pitchFamily="34" charset="0"/>
-              </a:rPr>
-              <a:t> </a:t>
-            </a:r>
-            <a:r>
-              <a:rPr lang="it-IT" b="1" dirty="0" err="1">
-                <a:solidFill>
-                  <a:schemeClr val="tx2"/>
-                </a:solidFill>
-                <a:latin typeface="Arial" panose="020B0604020202020204" pitchFamily="34" charset="0"/>
-                <a:cs typeface="Arial" panose="020B0604020202020204" pitchFamily="34" charset="0"/>
-              </a:rPr>
-              <a:t>want</a:t>
-            </a:r>
-            <a:r>
-              <a:rPr lang="it-IT" b="1" dirty="0">
-                <a:solidFill>
-                  <a:schemeClr val="tx2"/>
-                </a:solidFill>
-                <a:latin typeface="Arial" panose="020B0604020202020204" pitchFamily="34" charset="0"/>
-                <a:cs typeface="Arial" panose="020B0604020202020204" pitchFamily="34" charset="0"/>
-              </a:rPr>
-              <a:t> to reduce the </a:t>
-            </a:r>
-            <a:r>
-              <a:rPr lang="it-IT" b="1" dirty="0" err="1">
-                <a:solidFill>
-                  <a:schemeClr val="tx2"/>
-                </a:solidFill>
-                <a:latin typeface="Arial" panose="020B0604020202020204" pitchFamily="34" charset="0"/>
-                <a:cs typeface="Arial" panose="020B0604020202020204" pitchFamily="34" charset="0"/>
-              </a:rPr>
-              <a:t>power</a:t>
-            </a:r>
-            <a:r>
-              <a:rPr lang="it-IT" b="1" dirty="0">
-                <a:solidFill>
-                  <a:schemeClr val="tx2"/>
-                </a:solidFill>
-                <a:latin typeface="Arial" panose="020B0604020202020204" pitchFamily="34" charset="0"/>
-                <a:cs typeface="Arial" panose="020B0604020202020204" pitchFamily="34" charset="0"/>
-              </a:rPr>
-              <a:t> </a:t>
-            </a:r>
-            <a:r>
-              <a:rPr lang="it-IT" b="1" dirty="0" err="1">
-                <a:solidFill>
-                  <a:schemeClr val="tx2"/>
-                </a:solidFill>
-                <a:latin typeface="Arial" panose="020B0604020202020204" pitchFamily="34" charset="0"/>
-                <a:cs typeface="Arial" panose="020B0604020202020204" pitchFamily="34" charset="0"/>
-              </a:rPr>
-              <a:t>needed</a:t>
-            </a:r>
-            <a:r>
-              <a:rPr lang="it-IT" b="1" dirty="0">
-                <a:solidFill>
-                  <a:schemeClr val="tx2"/>
-                </a:solidFill>
-                <a:latin typeface="Arial" panose="020B0604020202020204" pitchFamily="34" charset="0"/>
-                <a:cs typeface="Arial" panose="020B0604020202020204" pitchFamily="34" charset="0"/>
-              </a:rPr>
-              <a:t> to </a:t>
-            </a:r>
-            <a:r>
-              <a:rPr lang="it-IT" b="1" dirty="0" err="1">
-                <a:solidFill>
-                  <a:schemeClr val="tx2"/>
-                </a:solidFill>
-                <a:latin typeface="Arial" panose="020B0604020202020204" pitchFamily="34" charset="0"/>
-                <a:cs typeface="Arial" panose="020B0604020202020204" pitchFamily="34" charset="0"/>
-              </a:rPr>
-              <a:t>stream</a:t>
-            </a:r>
-            <a:r>
-              <a:rPr lang="it-IT" b="1" dirty="0">
-                <a:solidFill>
-                  <a:schemeClr val="tx2"/>
-                </a:solidFill>
-                <a:latin typeface="Arial" panose="020B0604020202020204" pitchFamily="34" charset="0"/>
-                <a:cs typeface="Arial" panose="020B0604020202020204" pitchFamily="34" charset="0"/>
-              </a:rPr>
-              <a:t> </a:t>
-            </a:r>
-            <a:r>
-              <a:rPr lang="it-IT" b="1" dirty="0" err="1">
-                <a:solidFill>
-                  <a:schemeClr val="tx2"/>
-                </a:solidFill>
-                <a:latin typeface="Arial" panose="020B0604020202020204" pitchFamily="34" charset="0"/>
-                <a:cs typeface="Arial" panose="020B0604020202020204" pitchFamily="34" charset="0"/>
-              </a:rPr>
-              <a:t>through</a:t>
-            </a:r>
-            <a:r>
-              <a:rPr lang="it-IT" b="1" dirty="0">
-                <a:solidFill>
-                  <a:schemeClr val="tx2"/>
-                </a:solidFill>
-                <a:latin typeface="Arial" panose="020B0604020202020204" pitchFamily="34" charset="0"/>
-                <a:cs typeface="Arial" panose="020B0604020202020204" pitchFamily="34" charset="0"/>
-              </a:rPr>
-              <a:t> </a:t>
-            </a:r>
-            <a:r>
-              <a:rPr lang="it-IT" b="1" dirty="0" err="1">
-                <a:solidFill>
-                  <a:schemeClr val="tx2"/>
-                </a:solidFill>
-                <a:latin typeface="Arial" panose="020B0604020202020204" pitchFamily="34" charset="0"/>
-                <a:cs typeface="Arial" panose="020B0604020202020204" pitchFamily="34" charset="0"/>
-              </a:rPr>
-              <a:t>fluids</a:t>
-            </a:r>
-            <a:r>
-              <a:rPr lang="it-IT" b="1" dirty="0">
-                <a:solidFill>
-                  <a:schemeClr val="tx2"/>
-                </a:solidFill>
-                <a:latin typeface="Arial" panose="020B0604020202020204" pitchFamily="34" charset="0"/>
-                <a:cs typeface="Arial" panose="020B0604020202020204" pitchFamily="34" charset="0"/>
-              </a:rPr>
-              <a:t>, </a:t>
-            </a:r>
-            <a:r>
-              <a:rPr lang="it-IT" b="1" dirty="0" err="1">
-                <a:solidFill>
-                  <a:schemeClr val="tx2"/>
-                </a:solidFill>
-                <a:latin typeface="Arial" panose="020B0604020202020204" pitchFamily="34" charset="0"/>
-                <a:cs typeface="Arial" panose="020B0604020202020204" pitchFamily="34" charset="0"/>
-              </a:rPr>
-              <a:t>thus</a:t>
-            </a:r>
-            <a:r>
-              <a:rPr lang="it-IT" b="1" dirty="0">
-                <a:solidFill>
-                  <a:schemeClr val="tx2"/>
-                </a:solidFill>
-                <a:latin typeface="Arial" panose="020B0604020202020204" pitchFamily="34" charset="0"/>
-                <a:cs typeface="Arial" panose="020B0604020202020204" pitchFamily="34" charset="0"/>
-              </a:rPr>
-              <a:t> </a:t>
-            </a:r>
-            <a:r>
-              <a:rPr lang="it-IT" b="1" dirty="0" err="1">
-                <a:solidFill>
-                  <a:schemeClr val="tx2"/>
-                </a:solidFill>
-                <a:latin typeface="Arial" panose="020B0604020202020204" pitchFamily="34" charset="0"/>
-                <a:cs typeface="Arial" panose="020B0604020202020204" pitchFamily="34" charset="0"/>
-              </a:rPr>
-              <a:t>reducing</a:t>
-            </a:r>
-            <a:r>
-              <a:rPr lang="it-IT" b="1" dirty="0">
-                <a:solidFill>
-                  <a:schemeClr val="tx2"/>
-                </a:solidFill>
-                <a:latin typeface="Arial" panose="020B0604020202020204" pitchFamily="34" charset="0"/>
-                <a:cs typeface="Arial" panose="020B0604020202020204" pitchFamily="34" charset="0"/>
-              </a:rPr>
-              <a:t> </a:t>
-            </a:r>
-            <a:r>
-              <a:rPr lang="it-IT" b="1" dirty="0" err="1">
-                <a:solidFill>
-                  <a:schemeClr val="tx2"/>
-                </a:solidFill>
-                <a:latin typeface="Arial" panose="020B0604020202020204" pitchFamily="34" charset="0"/>
-                <a:cs typeface="Arial" panose="020B0604020202020204" pitchFamily="34" charset="0"/>
-              </a:rPr>
-              <a:t>our</a:t>
-            </a:r>
-            <a:r>
-              <a:rPr lang="it-IT" b="1" dirty="0">
-                <a:solidFill>
-                  <a:schemeClr val="tx2"/>
-                </a:solidFill>
-                <a:latin typeface="Arial" panose="020B0604020202020204" pitchFamily="34" charset="0"/>
-                <a:cs typeface="Arial" panose="020B0604020202020204" pitchFamily="34" charset="0"/>
-              </a:rPr>
-              <a:t> </a:t>
-            </a:r>
-            <a:r>
-              <a:rPr lang="it-IT" b="1" dirty="0" err="1">
-                <a:solidFill>
-                  <a:schemeClr val="tx2"/>
-                </a:solidFill>
-                <a:latin typeface="Arial" panose="020B0604020202020204" pitchFamily="34" charset="0"/>
-                <a:cs typeface="Arial" panose="020B0604020202020204" pitchFamily="34" charset="0"/>
-              </a:rPr>
-              <a:t>footprint</a:t>
-            </a:r>
-            <a:r>
-              <a:rPr lang="it-IT" b="1" dirty="0">
-                <a:solidFill>
-                  <a:schemeClr val="tx2"/>
-                </a:solidFill>
-                <a:latin typeface="Arial" panose="020B0604020202020204" pitchFamily="34" charset="0"/>
-                <a:cs typeface="Arial" panose="020B0604020202020204" pitchFamily="34" charset="0"/>
-              </a:rPr>
-              <a:t> on the </a:t>
-            </a:r>
-            <a:r>
-              <a:rPr lang="it-IT" b="1" dirty="0" err="1">
-                <a:solidFill>
-                  <a:schemeClr val="tx2"/>
-                </a:solidFill>
-                <a:latin typeface="Arial" panose="020B0604020202020204" pitchFamily="34" charset="0"/>
-                <a:cs typeface="Arial" panose="020B0604020202020204" pitchFamily="34" charset="0"/>
-              </a:rPr>
-              <a:t>environment</a:t>
-            </a:r>
-            <a:r>
-              <a:rPr lang="it-IT" b="1" dirty="0">
-                <a:solidFill>
-                  <a:schemeClr val="tx2"/>
-                </a:solidFill>
-                <a:latin typeface="Arial" panose="020B0604020202020204" pitchFamily="34" charset="0"/>
-                <a:cs typeface="Arial" panose="020B0604020202020204" pitchFamily="34" charset="0"/>
-              </a:rPr>
-              <a:t>.</a:t>
-            </a:r>
-          </a:p>
-        </p:txBody>
-      </p:sp>
-      <p:sp>
-        <p:nvSpPr>
-          <p:cNvPr id="24" name="CasellaDiTesto 23">
-            <a:extLst>
-              <a:ext uri="{FF2B5EF4-FFF2-40B4-BE49-F238E27FC236}">
-                <a16:creationId xmlns:a16="http://schemas.microsoft.com/office/drawing/2014/main" id="{E67E50F2-EEBA-A946-B08A-2BFD3131D023}"/>
-              </a:ext>
-            </a:extLst>
-          </p:cNvPr>
-          <p:cNvSpPr txBox="1"/>
-          <p:nvPr/>
-        </p:nvSpPr>
-        <p:spPr>
-          <a:xfrm>
-            <a:off x="447312" y="4436712"/>
-            <a:ext cx="8405322" cy="923330"/>
-          </a:xfrm>
-          <a:prstGeom prst="rect">
-            <a:avLst/>
-          </a:prstGeom>
-          <a:noFill/>
-        </p:spPr>
-        <p:txBody>
-          <a:bodyPr wrap="square" rtlCol="0">
-            <a:spAutoFit/>
-          </a:bodyPr>
-          <a:lstStyle/>
-          <a:p>
-            <a:r>
-              <a:rPr lang="it-IT" b="1" dirty="0">
-                <a:solidFill>
-                  <a:schemeClr val="tx2"/>
-                </a:solidFill>
-                <a:latin typeface="Arial" panose="020B0604020202020204" pitchFamily="34" charset="0"/>
-                <a:cs typeface="Arial" panose="020B0604020202020204" pitchFamily="34" charset="0"/>
-              </a:rPr>
-              <a:t>An </a:t>
-            </a:r>
-            <a:r>
-              <a:rPr lang="it-IT" b="1" dirty="0" err="1">
-                <a:solidFill>
-                  <a:schemeClr val="tx2"/>
-                </a:solidFill>
-                <a:latin typeface="Arial" panose="020B0604020202020204" pitchFamily="34" charset="0"/>
-                <a:cs typeface="Arial" panose="020B0604020202020204" pitchFamily="34" charset="0"/>
-              </a:rPr>
-              <a:t>example</a:t>
-            </a:r>
-            <a:r>
-              <a:rPr lang="it-IT" b="1" dirty="0">
-                <a:solidFill>
-                  <a:schemeClr val="tx2"/>
-                </a:solidFill>
-                <a:latin typeface="Arial" panose="020B0604020202020204" pitchFamily="34" charset="0"/>
-                <a:cs typeface="Arial" panose="020B0604020202020204" pitchFamily="34" charset="0"/>
-              </a:rPr>
-              <a:t> of </a:t>
-            </a:r>
-            <a:r>
-              <a:rPr lang="it-IT" b="1" dirty="0" err="1">
-                <a:solidFill>
-                  <a:schemeClr val="tx2"/>
-                </a:solidFill>
-                <a:latin typeface="Arial" panose="020B0604020202020204" pitchFamily="34" charset="0"/>
-                <a:cs typeface="Arial" panose="020B0604020202020204" pitchFamily="34" charset="0"/>
-              </a:rPr>
-              <a:t>practical</a:t>
-            </a:r>
-            <a:r>
-              <a:rPr lang="it-IT" b="1" dirty="0">
-                <a:solidFill>
-                  <a:schemeClr val="tx2"/>
-                </a:solidFill>
-                <a:latin typeface="Arial" panose="020B0604020202020204" pitchFamily="34" charset="0"/>
-                <a:cs typeface="Arial" panose="020B0604020202020204" pitchFamily="34" charset="0"/>
-              </a:rPr>
-              <a:t> </a:t>
-            </a:r>
-            <a:r>
-              <a:rPr lang="it-IT" b="1" dirty="0" err="1">
-                <a:solidFill>
-                  <a:schemeClr val="tx2"/>
-                </a:solidFill>
-                <a:latin typeface="Arial" panose="020B0604020202020204" pitchFamily="34" charset="0"/>
-                <a:cs typeface="Arial" panose="020B0604020202020204" pitchFamily="34" charset="0"/>
-              </a:rPr>
-              <a:t>implications</a:t>
-            </a:r>
-            <a:r>
-              <a:rPr lang="it-IT" b="1" dirty="0">
-                <a:solidFill>
-                  <a:schemeClr val="tx2"/>
-                </a:solidFill>
-                <a:latin typeface="Arial" panose="020B0604020202020204" pitchFamily="34" charset="0"/>
-                <a:cs typeface="Arial" panose="020B0604020202020204" pitchFamily="34" charset="0"/>
-              </a:rPr>
-              <a:t> of a </a:t>
-            </a:r>
-            <a:r>
-              <a:rPr lang="it-IT" b="1" dirty="0" err="1">
-                <a:solidFill>
-                  <a:schemeClr val="tx2"/>
-                </a:solidFill>
-                <a:latin typeface="Arial" panose="020B0604020202020204" pitchFamily="34" charset="0"/>
-                <a:cs typeface="Arial" panose="020B0604020202020204" pitchFamily="34" charset="0"/>
-              </a:rPr>
-              <a:t>better</a:t>
-            </a:r>
-            <a:r>
-              <a:rPr lang="it-IT" b="1" dirty="0">
-                <a:solidFill>
-                  <a:schemeClr val="tx2"/>
-                </a:solidFill>
-                <a:latin typeface="Arial" panose="020B0604020202020204" pitchFamily="34" charset="0"/>
-                <a:cs typeface="Arial" panose="020B0604020202020204" pitchFamily="34" charset="0"/>
-              </a:rPr>
-              <a:t> </a:t>
-            </a:r>
-            <a:r>
-              <a:rPr lang="it-IT" b="1" dirty="0" err="1">
-                <a:solidFill>
-                  <a:schemeClr val="tx2"/>
-                </a:solidFill>
-                <a:latin typeface="Arial" panose="020B0604020202020204" pitchFamily="34" charset="0"/>
-                <a:cs typeface="Arial" panose="020B0604020202020204" pitchFamily="34" charset="0"/>
-              </a:rPr>
-              <a:t>understanding</a:t>
-            </a:r>
-            <a:r>
-              <a:rPr lang="it-IT" b="1" dirty="0">
-                <a:solidFill>
-                  <a:schemeClr val="tx2"/>
-                </a:solidFill>
-                <a:latin typeface="Arial" panose="020B0604020202020204" pitchFamily="34" charset="0"/>
-                <a:cs typeface="Arial" panose="020B0604020202020204" pitchFamily="34" charset="0"/>
-              </a:rPr>
-              <a:t> of the </a:t>
-            </a:r>
-            <a:r>
-              <a:rPr lang="it-IT" b="1" dirty="0" err="1">
-                <a:solidFill>
-                  <a:schemeClr val="tx2"/>
-                </a:solidFill>
-                <a:latin typeface="Arial" panose="020B0604020202020204" pitchFamily="34" charset="0"/>
-                <a:cs typeface="Arial" panose="020B0604020202020204" pitchFamily="34" charset="0"/>
-              </a:rPr>
-              <a:t>phenomena</a:t>
-            </a:r>
-            <a:r>
-              <a:rPr lang="it-IT" b="1" dirty="0">
-                <a:solidFill>
-                  <a:schemeClr val="tx2"/>
-                </a:solidFill>
-                <a:latin typeface="Arial" panose="020B0604020202020204" pitchFamily="34" charset="0"/>
-                <a:cs typeface="Arial" panose="020B0604020202020204" pitchFamily="34" charset="0"/>
-              </a:rPr>
-              <a:t>/</a:t>
-            </a:r>
-            <a:r>
-              <a:rPr lang="it-IT" b="1" dirty="0" err="1">
-                <a:solidFill>
-                  <a:schemeClr val="tx2"/>
-                </a:solidFill>
-                <a:latin typeface="Arial" panose="020B0604020202020204" pitchFamily="34" charset="0"/>
-                <a:cs typeface="Arial" panose="020B0604020202020204" pitchFamily="34" charset="0"/>
-              </a:rPr>
-              <a:t>s</a:t>
-            </a:r>
-            <a:r>
-              <a:rPr lang="it-IT" b="1" dirty="0">
-                <a:solidFill>
-                  <a:schemeClr val="tx2"/>
-                </a:solidFill>
-                <a:latin typeface="Arial" panose="020B0604020202020204" pitchFamily="34" charset="0"/>
-                <a:cs typeface="Arial" panose="020B0604020202020204" pitchFamily="34" charset="0"/>
-              </a:rPr>
-              <a:t> </a:t>
-            </a:r>
-            <a:r>
-              <a:rPr lang="it-IT" b="1" dirty="0" err="1">
-                <a:solidFill>
-                  <a:schemeClr val="tx2"/>
-                </a:solidFill>
-                <a:latin typeface="Arial" panose="020B0604020202020204" pitchFamily="34" charset="0"/>
-                <a:cs typeface="Arial" panose="020B0604020202020204" pitchFamily="34" charset="0"/>
-              </a:rPr>
-              <a:t>could</a:t>
-            </a:r>
-            <a:r>
-              <a:rPr lang="it-IT" b="1" dirty="0">
-                <a:solidFill>
-                  <a:schemeClr val="tx2"/>
-                </a:solidFill>
-                <a:latin typeface="Arial" panose="020B0604020202020204" pitchFamily="34" charset="0"/>
-                <a:cs typeface="Arial" panose="020B0604020202020204" pitchFamily="34" charset="0"/>
-              </a:rPr>
-              <a:t> </a:t>
-            </a:r>
-            <a:r>
-              <a:rPr lang="it-IT" b="1" dirty="0" err="1">
-                <a:solidFill>
-                  <a:schemeClr val="tx2"/>
-                </a:solidFill>
-                <a:latin typeface="Arial" panose="020B0604020202020204" pitchFamily="34" charset="0"/>
-                <a:cs typeface="Arial" panose="020B0604020202020204" pitchFamily="34" charset="0"/>
-              </a:rPr>
-              <a:t>potentially</a:t>
-            </a:r>
-            <a:r>
-              <a:rPr lang="it-IT" b="1" dirty="0">
-                <a:solidFill>
-                  <a:schemeClr val="tx2"/>
-                </a:solidFill>
-                <a:latin typeface="Arial" panose="020B0604020202020204" pitchFamily="34" charset="0"/>
-                <a:cs typeface="Arial" panose="020B0604020202020204" pitchFamily="34" charset="0"/>
-              </a:rPr>
-              <a:t> </a:t>
-            </a:r>
-            <a:r>
-              <a:rPr lang="it-IT" b="1" dirty="0" err="1">
-                <a:solidFill>
-                  <a:schemeClr val="tx2"/>
-                </a:solidFill>
-                <a:latin typeface="Arial" panose="020B0604020202020204" pitchFamily="34" charset="0"/>
-                <a:cs typeface="Arial" panose="020B0604020202020204" pitchFamily="34" charset="0"/>
-              </a:rPr>
-              <a:t>lead</a:t>
-            </a:r>
-            <a:r>
-              <a:rPr lang="it-IT" b="1" dirty="0">
-                <a:solidFill>
-                  <a:schemeClr val="tx2"/>
-                </a:solidFill>
-                <a:latin typeface="Arial" panose="020B0604020202020204" pitchFamily="34" charset="0"/>
-                <a:cs typeface="Arial" panose="020B0604020202020204" pitchFamily="34" charset="0"/>
-              </a:rPr>
-              <a:t> to </a:t>
-            </a:r>
-            <a:r>
-              <a:rPr lang="it-IT" b="1" dirty="0" err="1">
-                <a:solidFill>
-                  <a:schemeClr val="tx2"/>
-                </a:solidFill>
-                <a:latin typeface="Arial" panose="020B0604020202020204" pitchFamily="34" charset="0"/>
-                <a:cs typeface="Arial" panose="020B0604020202020204" pitchFamily="34" charset="0"/>
-              </a:rPr>
-              <a:t>safer</a:t>
-            </a:r>
-            <a:r>
-              <a:rPr lang="it-IT" b="1" dirty="0">
-                <a:solidFill>
-                  <a:schemeClr val="tx2"/>
-                </a:solidFill>
-                <a:latin typeface="Arial" panose="020B0604020202020204" pitchFamily="34" charset="0"/>
-                <a:cs typeface="Arial" panose="020B0604020202020204" pitchFamily="34" charset="0"/>
-              </a:rPr>
-              <a:t> and more </a:t>
-            </a:r>
-            <a:r>
-              <a:rPr lang="it-IT" b="1" dirty="0" err="1">
-                <a:solidFill>
-                  <a:schemeClr val="tx2"/>
-                </a:solidFill>
-                <a:latin typeface="Arial" panose="020B0604020202020204" pitchFamily="34" charset="0"/>
-                <a:cs typeface="Arial" panose="020B0604020202020204" pitchFamily="34" charset="0"/>
-              </a:rPr>
-              <a:t>efficient</a:t>
-            </a:r>
-            <a:r>
-              <a:rPr lang="it-IT" b="1" dirty="0">
-                <a:solidFill>
-                  <a:schemeClr val="tx2"/>
-                </a:solidFill>
-                <a:latin typeface="Arial" panose="020B0604020202020204" pitchFamily="34" charset="0"/>
-                <a:cs typeface="Arial" panose="020B0604020202020204" pitchFamily="34" charset="0"/>
-              </a:rPr>
-              <a:t> </a:t>
-            </a:r>
-            <a:r>
-              <a:rPr lang="it-IT" b="1" dirty="0" err="1">
-                <a:solidFill>
-                  <a:schemeClr val="tx2"/>
-                </a:solidFill>
-                <a:latin typeface="Arial" panose="020B0604020202020204" pitchFamily="34" charset="0"/>
-                <a:cs typeface="Arial" panose="020B0604020202020204" pitchFamily="34" charset="0"/>
-              </a:rPr>
-              <a:t>transportation</a:t>
-            </a:r>
-            <a:r>
-              <a:rPr lang="it-IT" b="1" dirty="0">
-                <a:solidFill>
-                  <a:schemeClr val="tx2"/>
-                </a:solidFill>
-                <a:latin typeface="Arial" panose="020B0604020202020204" pitchFamily="34" charset="0"/>
-                <a:cs typeface="Arial" panose="020B0604020202020204" pitchFamily="34" charset="0"/>
-              </a:rPr>
-              <a:t> </a:t>
-            </a:r>
-            <a:r>
-              <a:rPr lang="it-IT" b="1" dirty="0" err="1">
-                <a:solidFill>
-                  <a:schemeClr val="tx2"/>
-                </a:solidFill>
-                <a:latin typeface="Arial" panose="020B0604020202020204" pitchFamily="34" charset="0"/>
-                <a:cs typeface="Arial" panose="020B0604020202020204" pitchFamily="34" charset="0"/>
-              </a:rPr>
-              <a:t>systems</a:t>
-            </a:r>
-            <a:endParaRPr lang="it-IT" b="1" dirty="0">
-              <a:solidFill>
-                <a:schemeClr val="tx2"/>
-              </a:solidFill>
-              <a:latin typeface="Arial" panose="020B0604020202020204" pitchFamily="34" charset="0"/>
-              <a:cs typeface="Arial" panose="020B0604020202020204" pitchFamily="34" charset="0"/>
-            </a:endParaRPr>
-          </a:p>
-        </p:txBody>
-      </p:sp>
-    </p:spTree>
-    <p:extLst>
-      <p:ext uri="{BB962C8B-B14F-4D97-AF65-F5344CB8AC3E}">
-        <p14:creationId xmlns:p14="http://schemas.microsoft.com/office/powerpoint/2010/main" val="3383649683"/>
-      </p:ext>
-    </p:extLst>
-  </p:cSld>
-  <p:clrMapOvr>
-    <a:masterClrMapping/>
-  </p:clrMapOvr>
-  <mc:AlternateContent xmlns:mc="http://schemas.openxmlformats.org/markup-compatibility/2006" xmlns:p14="http://schemas.microsoft.com/office/powerpoint/2010/main">
-    <mc:Choice Requires="p14">
-      <p:transition p14:dur="400">
-        <p:wipe/>
-      </p:transition>
-    </mc:Choice>
-    <mc:Fallback xmlns="">
-      <p:transition>
-        <p:wipe/>
-      </p:transition>
-    </mc:Fallback>
-  </mc:AlternateContent>
-</p:sld>
-</file>
-
-<file path=ppt/slides/slide3.xml><?xml version="1.0" encoding="utf-8"?>
 <p:sld xmlns:a="http://schemas.openxmlformats.org/drawingml/2006/main" xmlns:r="http://schemas.openxmlformats.org/officeDocument/2006/relationships" xmlns:p="http://schemas.openxmlformats.org/presentationml/2006/main">
   <p:cSld>
     <p:bg>
@@ -34902,7 +32908,7 @@
 </p:sld>
 </file>
 
-<file path=ppt/slides/slide4.xml><?xml version="1.0" encoding="utf-8"?>
+<file path=ppt/slides/slide3.xml><?xml version="1.0" encoding="utf-8"?>
 <p:sld xmlns:a="http://schemas.openxmlformats.org/drawingml/2006/main" xmlns:r="http://schemas.openxmlformats.org/officeDocument/2006/relationships" xmlns:p="http://schemas.openxmlformats.org/presentationml/2006/main">
   <p:cSld>
     <p:bg>
@@ -35360,7 +33366,7 @@
 </p:sld>
 </file>
 
-<file path=ppt/slides/slide5.xml><?xml version="1.0" encoding="utf-8"?>
+<file path=ppt/slides/slide4.xml><?xml version="1.0" encoding="utf-8"?>
 <p:sld xmlns:a="http://schemas.openxmlformats.org/drawingml/2006/main" xmlns:r="http://schemas.openxmlformats.org/officeDocument/2006/relationships" xmlns:p="http://schemas.openxmlformats.org/presentationml/2006/main">
   <p:cSld>
     <p:bg>
@@ -36618,7 +34624,7 @@
 </p:sld>
 </file>
 
-<file path=ppt/slides/slide6.xml><?xml version="1.0" encoding="utf-8"?>
+<file path=ppt/slides/slide5.xml><?xml version="1.0" encoding="utf-8"?>
 <p:sld xmlns:a="http://schemas.openxmlformats.org/drawingml/2006/main" xmlns:r="http://schemas.openxmlformats.org/officeDocument/2006/relationships" xmlns:p="http://schemas.openxmlformats.org/presentationml/2006/main">
   <p:cSld>
     <p:bg>
@@ -37413,7 +35419,7 @@
 </p:sld>
 </file>
 
-<file path=ppt/slides/slide7.xml><?xml version="1.0" encoding="utf-8"?>
+<file path=ppt/slides/slide6.xml><?xml version="1.0" encoding="utf-8"?>
 <p:sld xmlns:a="http://schemas.openxmlformats.org/drawingml/2006/main" xmlns:r="http://schemas.openxmlformats.org/officeDocument/2006/relationships" xmlns:p="http://schemas.openxmlformats.org/presentationml/2006/main">
   <p:cSld>
     <p:spTree>
@@ -38465,7 +36471,7 @@
 </p:sld>
 </file>
 
-<file path=ppt/slides/slide8.xml><?xml version="1.0" encoding="utf-8"?>
+<file path=ppt/slides/slide7.xml><?xml version="1.0" encoding="utf-8"?>
 <p:sld xmlns:a="http://schemas.openxmlformats.org/drawingml/2006/main" xmlns:r="http://schemas.openxmlformats.org/officeDocument/2006/relationships" xmlns:p="http://schemas.openxmlformats.org/presentationml/2006/main">
   <p:cSld>
     <p:spTree>
@@ -38671,6 +36677,410 @@
     <p:extLst>
       <p:ext uri="{BB962C8B-B14F-4D97-AF65-F5344CB8AC3E}">
         <p14:creationId xmlns:p14="http://schemas.microsoft.com/office/powerpoint/2010/main" val="2384773576"/>
+      </p:ext>
+    </p:extLst>
+  </p:cSld>
+  <p:clrMapOvr>
+    <a:masterClrMapping/>
+  </p:clrMapOvr>
+  <mc:AlternateContent xmlns:mc="http://schemas.openxmlformats.org/markup-compatibility/2006" xmlns:p14="http://schemas.microsoft.com/office/powerpoint/2010/main">
+    <mc:Choice Requires="p14">
+      <p:transition p14:dur="400">
+        <p:wipe/>
+      </p:transition>
+    </mc:Choice>
+    <mc:Fallback xmlns="">
+      <p:transition>
+        <p:wipe/>
+      </p:transition>
+    </mc:Fallback>
+  </mc:AlternateContent>
+</p:sld>
+</file>
+
+<file path=ppt/slides/slide8.xml><?xml version="1.0" encoding="utf-8"?>
+<p:sld xmlns:a="http://schemas.openxmlformats.org/drawingml/2006/main" xmlns:r="http://schemas.openxmlformats.org/officeDocument/2006/relationships" xmlns:p="http://schemas.openxmlformats.org/presentationml/2006/main">
+  <p:cSld>
+    <p:spTree>
+      <p:nvGrpSpPr>
+        <p:cNvPr id="1" name=""/>
+        <p:cNvGrpSpPr/>
+        <p:nvPr/>
+      </p:nvGrpSpPr>
+      <p:grpSpPr>
+        <a:xfrm>
+          <a:off x="0" y="0"/>
+          <a:ext cx="0" cy="0"/>
+          <a:chOff x="0" y="0"/>
+          <a:chExt cx="0" cy="0"/>
+        </a:xfrm>
+      </p:grpSpPr>
+      <p:sp>
+        <p:nvSpPr>
+          <p:cNvPr id="9" name="CasellaDiTesto 8">
+            <a:extLst>
+              <a:ext uri="{FF2B5EF4-FFF2-40B4-BE49-F238E27FC236}">
+                <a16:creationId xmlns:a16="http://schemas.microsoft.com/office/drawing/2014/main" id="{53351752-2C56-364D-82D2-AE07AEAC8720}"/>
+              </a:ext>
+            </a:extLst>
+          </p:cNvPr>
+          <p:cNvSpPr txBox="1"/>
+          <p:nvPr/>
+        </p:nvSpPr>
+        <p:spPr>
+          <a:xfrm>
+            <a:off x="3194462" y="3847605"/>
+            <a:ext cx="184731" cy="369332"/>
+          </a:xfrm>
+          <a:prstGeom prst="rect">
+            <a:avLst/>
+          </a:prstGeom>
+          <a:noFill/>
+        </p:spPr>
+        <p:txBody>
+          <a:bodyPr wrap="none" rtlCol="0">
+            <a:spAutoFit/>
+          </a:bodyPr>
+          <a:lstStyle/>
+          <a:p>
+            <a:endParaRPr lang="it-IT" dirty="0"/>
+          </a:p>
+        </p:txBody>
+      </p:sp>
+      <p:grpSp>
+        <p:nvGrpSpPr>
+          <p:cNvPr id="4" name="Gruppo 3">
+            <a:extLst>
+              <a:ext uri="{FF2B5EF4-FFF2-40B4-BE49-F238E27FC236}">
+                <a16:creationId xmlns:a16="http://schemas.microsoft.com/office/drawing/2014/main" id="{6040EE21-EEFD-244F-9E14-637E5C21FEFF}"/>
+              </a:ext>
+            </a:extLst>
+          </p:cNvPr>
+          <p:cNvGrpSpPr/>
+          <p:nvPr/>
+        </p:nvGrpSpPr>
+        <p:grpSpPr>
+          <a:xfrm>
+            <a:off x="83127" y="6317672"/>
+            <a:ext cx="3063834" cy="344385"/>
+            <a:chOff x="83127" y="6317672"/>
+            <a:chExt cx="3063834" cy="344385"/>
+          </a:xfrm>
+        </p:grpSpPr>
+        <p:sp>
+          <p:nvSpPr>
+            <p:cNvPr id="5" name="Rettangolo 4">
+              <a:extLst>
+                <a:ext uri="{FF2B5EF4-FFF2-40B4-BE49-F238E27FC236}">
+                  <a16:creationId xmlns:a16="http://schemas.microsoft.com/office/drawing/2014/main" id="{BF4B3357-CDC2-2442-86C2-E5C7C2A7230E}"/>
+                </a:ext>
+              </a:extLst>
+            </p:cNvPr>
+            <p:cNvSpPr/>
+            <p:nvPr/>
+          </p:nvSpPr>
+          <p:spPr>
+            <a:xfrm>
+              <a:off x="83127" y="6317672"/>
+              <a:ext cx="3063834" cy="344385"/>
+            </a:xfrm>
+            <a:prstGeom prst="rect">
+              <a:avLst/>
+            </a:prstGeom>
+            <a:solidFill>
+              <a:srgbClr val="728FA5"/>
+            </a:solidFill>
+            <a:ln>
+              <a:noFill/>
+            </a:ln>
+          </p:spPr>
+          <p:style>
+            <a:lnRef idx="0">
+              <a:scrgbClr r="0" g="0" b="0"/>
+            </a:lnRef>
+            <a:fillRef idx="0">
+              <a:scrgbClr r="0" g="0" b="0"/>
+            </a:fillRef>
+            <a:effectRef idx="0">
+              <a:scrgbClr r="0" g="0" b="0"/>
+            </a:effectRef>
+            <a:fontRef idx="minor">
+              <a:schemeClr val="lt1"/>
+            </a:fontRef>
+          </p:style>
+          <p:txBody>
+            <a:bodyPr rtlCol="0" anchor="ctr"/>
+            <a:lstStyle/>
+            <a:p>
+              <a:endParaRPr lang="it-IT" sz="1400" dirty="0"/>
+            </a:p>
+          </p:txBody>
+        </p:sp>
+        <p:sp>
+          <p:nvSpPr>
+            <p:cNvPr id="8" name="Rettangolo 7">
+              <a:extLst>
+                <a:ext uri="{FF2B5EF4-FFF2-40B4-BE49-F238E27FC236}">
+                  <a16:creationId xmlns:a16="http://schemas.microsoft.com/office/drawing/2014/main" id="{5586F461-EC0C-D148-A5B3-CCDFE544B77E}"/>
+                </a:ext>
+              </a:extLst>
+            </p:cNvPr>
+            <p:cNvSpPr/>
+            <p:nvPr/>
+          </p:nvSpPr>
+          <p:spPr>
+            <a:xfrm>
+              <a:off x="288521" y="6317672"/>
+              <a:ext cx="2858440" cy="344385"/>
+            </a:xfrm>
+            <a:prstGeom prst="rect">
+              <a:avLst/>
+            </a:prstGeom>
+            <a:solidFill>
+              <a:srgbClr val="728FA5"/>
+            </a:solidFill>
+            <a:ln>
+              <a:noFill/>
+            </a:ln>
+          </p:spPr>
+          <p:style>
+            <a:lnRef idx="0">
+              <a:scrgbClr r="0" g="0" b="0"/>
+            </a:lnRef>
+            <a:fillRef idx="0">
+              <a:scrgbClr r="0" g="0" b="0"/>
+            </a:fillRef>
+            <a:effectRef idx="0">
+              <a:scrgbClr r="0" g="0" b="0"/>
+            </a:effectRef>
+            <a:fontRef idx="minor">
+              <a:schemeClr val="lt1"/>
+            </a:fontRef>
+          </p:style>
+          <p:txBody>
+            <a:bodyPr rtlCol="0" anchor="ctr"/>
+            <a:lstStyle/>
+            <a:p>
+              <a:r>
+                <a:rPr lang="it-IT" sz="1400" dirty="0"/>
+                <a:t>Mirco Meazzo - 873477</a:t>
+              </a:r>
+            </a:p>
+          </p:txBody>
+        </p:sp>
+      </p:grpSp>
+      <p:sp>
+        <p:nvSpPr>
+          <p:cNvPr id="10" name="Titolo 1">
+            <a:extLst>
+              <a:ext uri="{FF2B5EF4-FFF2-40B4-BE49-F238E27FC236}">
+                <a16:creationId xmlns:a16="http://schemas.microsoft.com/office/drawing/2014/main" id="{8C8D6482-3CCE-E247-B568-E81C33294396}"/>
+              </a:ext>
+            </a:extLst>
+          </p:cNvPr>
+          <p:cNvSpPr>
+            <a:spLocks noGrp="1"/>
+          </p:cNvSpPr>
+          <p:nvPr>
+            <p:ph type="title"/>
+          </p:nvPr>
+        </p:nvSpPr>
+        <p:spPr/>
+        <p:txBody>
+          <a:bodyPr/>
+          <a:lstStyle/>
+          <a:p>
+            <a:r>
+              <a:rPr lang="it-IT" dirty="0" err="1"/>
+              <a:t>Scaling</a:t>
+            </a:r>
+            <a:r>
+              <a:rPr lang="it-IT" dirty="0"/>
+              <a:t> Performance (1/2)</a:t>
+            </a:r>
+          </a:p>
+        </p:txBody>
+      </p:sp>
+      <p:pic>
+        <p:nvPicPr>
+          <p:cNvPr id="12" name="Immagine 11">
+            <a:extLst>
+              <a:ext uri="{FF2B5EF4-FFF2-40B4-BE49-F238E27FC236}">
+                <a16:creationId xmlns:a16="http://schemas.microsoft.com/office/drawing/2014/main" id="{84DA5D8D-A2EC-CA43-BD6D-AE2BEC2BFE29}"/>
+              </a:ext>
+            </a:extLst>
+          </p:cNvPr>
+          <p:cNvPicPr>
+            <a:picLocks noChangeAspect="1"/>
+          </p:cNvPicPr>
+          <p:nvPr/>
+        </p:nvPicPr>
+        <p:blipFill>
+          <a:blip r:embed="rId3"/>
+          <a:stretch>
+            <a:fillRect/>
+          </a:stretch>
+        </p:blipFill>
+        <p:spPr>
+          <a:xfrm>
+            <a:off x="-1" y="1933098"/>
+            <a:ext cx="4689252" cy="3516939"/>
+          </a:xfrm>
+          <a:prstGeom prst="rect">
+            <a:avLst/>
+          </a:prstGeom>
+        </p:spPr>
+      </p:pic>
+      <p:pic>
+        <p:nvPicPr>
+          <p:cNvPr id="13" name="Immagine 12">
+            <a:extLst>
+              <a:ext uri="{FF2B5EF4-FFF2-40B4-BE49-F238E27FC236}">
+                <a16:creationId xmlns:a16="http://schemas.microsoft.com/office/drawing/2014/main" id="{6F03EA6D-3F34-594E-B8C7-2462DE45F5FC}"/>
+              </a:ext>
+            </a:extLst>
+          </p:cNvPr>
+          <p:cNvPicPr>
+            <a:picLocks noChangeAspect="1"/>
+          </p:cNvPicPr>
+          <p:nvPr/>
+        </p:nvPicPr>
+        <p:blipFill>
+          <a:blip r:embed="rId4"/>
+          <a:stretch>
+            <a:fillRect/>
+          </a:stretch>
+        </p:blipFill>
+        <p:spPr>
+          <a:xfrm>
+            <a:off x="4454748" y="1933098"/>
+            <a:ext cx="4689252" cy="3516939"/>
+          </a:xfrm>
+          <a:prstGeom prst="rect">
+            <a:avLst/>
+          </a:prstGeom>
+        </p:spPr>
+      </p:pic>
+      <p:sp>
+        <p:nvSpPr>
+          <p:cNvPr id="6" name="CasellaDiTesto 5">
+            <a:extLst>
+              <a:ext uri="{FF2B5EF4-FFF2-40B4-BE49-F238E27FC236}">
+                <a16:creationId xmlns:a16="http://schemas.microsoft.com/office/drawing/2014/main" id="{7CEE1858-5D0E-1E42-BD31-D1E061392A3D}"/>
+              </a:ext>
+            </a:extLst>
+          </p:cNvPr>
+          <p:cNvSpPr txBox="1"/>
+          <p:nvPr/>
+        </p:nvSpPr>
+        <p:spPr>
+          <a:xfrm>
+            <a:off x="1277666" y="1860376"/>
+            <a:ext cx="2133918" cy="369332"/>
+          </a:xfrm>
+          <a:prstGeom prst="rect">
+            <a:avLst/>
+          </a:prstGeom>
+          <a:noFill/>
+        </p:spPr>
+        <p:txBody>
+          <a:bodyPr wrap="none" rtlCol="0">
+            <a:spAutoFit/>
+          </a:bodyPr>
+          <a:lstStyle/>
+          <a:p>
+            <a:r>
+              <a:rPr lang="it-IT" b="1" dirty="0">
+                <a:solidFill>
+                  <a:schemeClr val="tx2"/>
+                </a:solidFill>
+                <a:latin typeface="Arial" panose="020B0604020202020204" pitchFamily="34" charset="0"/>
+                <a:cs typeface="Arial" panose="020B0604020202020204" pitchFamily="34" charset="0"/>
+              </a:rPr>
+              <a:t>128x128x128 </a:t>
+            </a:r>
+            <a:r>
+              <a:rPr lang="it-IT" b="1" dirty="0" err="1">
+                <a:solidFill>
+                  <a:schemeClr val="tx2"/>
+                </a:solidFill>
+                <a:latin typeface="Arial" panose="020B0604020202020204" pitchFamily="34" charset="0"/>
+                <a:cs typeface="Arial" panose="020B0604020202020204" pitchFamily="34" charset="0"/>
+              </a:rPr>
+              <a:t>Grid</a:t>
+            </a:r>
+            <a:endParaRPr lang="it-IT" b="1" dirty="0">
+              <a:solidFill>
+                <a:schemeClr val="tx2"/>
+              </a:solidFill>
+              <a:latin typeface="Arial" panose="020B0604020202020204" pitchFamily="34" charset="0"/>
+              <a:cs typeface="Arial" panose="020B0604020202020204" pitchFamily="34" charset="0"/>
+            </a:endParaRPr>
+          </a:p>
+        </p:txBody>
+      </p:sp>
+      <p:sp>
+        <p:nvSpPr>
+          <p:cNvPr id="14" name="CasellaDiTesto 13">
+            <a:extLst>
+              <a:ext uri="{FF2B5EF4-FFF2-40B4-BE49-F238E27FC236}">
+                <a16:creationId xmlns:a16="http://schemas.microsoft.com/office/drawing/2014/main" id="{9667A7A1-D301-CE4E-B313-4741445A04C1}"/>
+              </a:ext>
+            </a:extLst>
+          </p:cNvPr>
+          <p:cNvSpPr txBox="1"/>
+          <p:nvPr/>
+        </p:nvSpPr>
+        <p:spPr>
+          <a:xfrm>
+            <a:off x="5858659" y="1860376"/>
+            <a:ext cx="2133918" cy="369332"/>
+          </a:xfrm>
+          <a:prstGeom prst="rect">
+            <a:avLst/>
+          </a:prstGeom>
+          <a:noFill/>
+        </p:spPr>
+        <p:txBody>
+          <a:bodyPr wrap="none" rtlCol="0">
+            <a:spAutoFit/>
+          </a:bodyPr>
+          <a:lstStyle/>
+          <a:p>
+            <a:r>
+              <a:rPr lang="it-IT" b="1" dirty="0">
+                <a:solidFill>
+                  <a:schemeClr val="tx2"/>
+                </a:solidFill>
+                <a:latin typeface="Arial" panose="020B0604020202020204" pitchFamily="34" charset="0"/>
+                <a:cs typeface="Arial" panose="020B0604020202020204" pitchFamily="34" charset="0"/>
+              </a:rPr>
+              <a:t>256x256x512 </a:t>
+            </a:r>
+            <a:r>
+              <a:rPr lang="it-IT" b="1" dirty="0" err="1">
+                <a:solidFill>
+                  <a:schemeClr val="tx2"/>
+                </a:solidFill>
+                <a:latin typeface="Arial" panose="020B0604020202020204" pitchFamily="34" charset="0"/>
+                <a:cs typeface="Arial" panose="020B0604020202020204" pitchFamily="34" charset="0"/>
+              </a:rPr>
+              <a:t>Grid</a:t>
+            </a:r>
+            <a:endParaRPr lang="it-IT" b="1" dirty="0">
+              <a:solidFill>
+                <a:schemeClr val="tx2"/>
+              </a:solidFill>
+              <a:latin typeface="Arial" panose="020B0604020202020204" pitchFamily="34" charset="0"/>
+              <a:cs typeface="Arial" panose="020B0604020202020204" pitchFamily="34" charset="0"/>
+            </a:endParaRPr>
+          </a:p>
+        </p:txBody>
+      </p:sp>
+    </p:spTree>
+    <p:extLst>
+      <p:ext uri="{BB962C8B-B14F-4D97-AF65-F5344CB8AC3E}">
+        <p14:creationId xmlns:p14="http://schemas.microsoft.com/office/powerpoint/2010/main" val="958382515"/>
       </p:ext>
     </p:extLst>
   </p:cSld>
@@ -38890,17 +37300,17 @@
             </a:r>
             <a:r>
               <a:rPr lang="it-IT" dirty="0"/>
-              <a:t> Performance (1/2)</a:t>
+              <a:t> Performance (2/2)</a:t>
             </a:r>
           </a:p>
         </p:txBody>
       </p:sp>
       <p:pic>
         <p:nvPicPr>
-          <p:cNvPr id="12" name="Immagine 11">
+          <p:cNvPr id="13" name="Immagine 12">
             <a:extLst>
               <a:ext uri="{FF2B5EF4-FFF2-40B4-BE49-F238E27FC236}">
-                <a16:creationId xmlns:a16="http://schemas.microsoft.com/office/drawing/2014/main" id="{84DA5D8D-A2EC-CA43-BD6D-AE2BEC2BFE29}"/>
+                <a16:creationId xmlns:a16="http://schemas.microsoft.com/office/drawing/2014/main" id="{D835A034-209D-5D4E-929F-5235A155ADFE}"/>
               </a:ext>
             </a:extLst>
           </p:cNvPr>
@@ -38917,7 +37327,7 @@
         </p:blipFill>
         <p:spPr>
           <a:xfrm>
-            <a:off x="-1" y="1933098"/>
+            <a:off x="0" y="1926446"/>
             <a:ext cx="4689252" cy="3516939"/>
           </a:xfrm>
           <a:prstGeom prst="rect">
@@ -38927,10 +37337,10 @@
       </p:pic>
       <p:pic>
         <p:nvPicPr>
-          <p:cNvPr id="13" name="Immagine 12">
+          <p:cNvPr id="12" name="Immagine 11">
             <a:extLst>
               <a:ext uri="{FF2B5EF4-FFF2-40B4-BE49-F238E27FC236}">
-                <a16:creationId xmlns:a16="http://schemas.microsoft.com/office/drawing/2014/main" id="{6F03EA6D-3F34-594E-B8C7-2462DE45F5FC}"/>
+                <a16:creationId xmlns:a16="http://schemas.microsoft.com/office/drawing/2014/main" id="{84DA5D8D-A2EC-CA43-BD6D-AE2BEC2BFE29}"/>
               </a:ext>
             </a:extLst>
           </p:cNvPr>
@@ -38947,7 +37357,7 @@
         </p:blipFill>
         <p:spPr>
           <a:xfrm>
-            <a:off x="4454748" y="1933098"/>
+            <a:off x="4454748" y="1926446"/>
             <a:ext cx="4689252" cy="3516939"/>
           </a:xfrm>
           <a:prstGeom prst="rect">
@@ -38957,10 +37367,10 @@
       </p:pic>
       <p:sp>
         <p:nvSpPr>
-          <p:cNvPr id="6" name="CasellaDiTesto 5">
+          <p:cNvPr id="14" name="CasellaDiTesto 13">
             <a:extLst>
               <a:ext uri="{FF2B5EF4-FFF2-40B4-BE49-F238E27FC236}">
-                <a16:creationId xmlns:a16="http://schemas.microsoft.com/office/drawing/2014/main" id="{7CEE1858-5D0E-1E42-BD31-D1E061392A3D}"/>
+                <a16:creationId xmlns:a16="http://schemas.microsoft.com/office/drawing/2014/main" id="{7BF2B103-4851-6B4F-9C45-23C079CF4ECE}"/>
               </a:ext>
             </a:extLst>
           </p:cNvPr>
@@ -38991,7 +37401,7 @@
                 <a:latin typeface="Arial" panose="020B0604020202020204" pitchFamily="34" charset="0"/>
                 <a:cs typeface="Arial" panose="020B0604020202020204" pitchFamily="34" charset="0"/>
               </a:rPr>
-              <a:t>128x128x128 </a:t>
+              <a:t>256x256x512 </a:t>
             </a:r>
             <a:r>
               <a:rPr lang="it-IT" b="1" dirty="0" err="1">
@@ -39015,10 +37425,10 @@
       </p:sp>
       <p:sp>
         <p:nvSpPr>
-          <p:cNvPr id="14" name="CasellaDiTesto 13">
+          <p:cNvPr id="15" name="CasellaDiTesto 14">
             <a:extLst>
               <a:ext uri="{FF2B5EF4-FFF2-40B4-BE49-F238E27FC236}">
-                <a16:creationId xmlns:a16="http://schemas.microsoft.com/office/drawing/2014/main" id="{9667A7A1-D301-CE4E-B313-4741445A04C1}"/>
+                <a16:creationId xmlns:a16="http://schemas.microsoft.com/office/drawing/2014/main" id="{C5EF825B-8B32-7345-9D02-5E9BCC608182}"/>
               </a:ext>
             </a:extLst>
           </p:cNvPr>
@@ -39027,8 +37437,8 @@
         </p:nvSpPr>
         <p:spPr>
           <a:xfrm>
-            <a:off x="5858659" y="1860376"/>
-            <a:ext cx="2133918" cy="369332"/>
+            <a:off x="5554714" y="1860376"/>
+            <a:ext cx="2723823" cy="369332"/>
           </a:xfrm>
           <a:prstGeom prst="rect">
             <a:avLst/>
@@ -39042,39 +37452,72 @@
           <a:lstStyle/>
           <a:p>
             <a:r>
-              <a:rPr lang="it-IT" b="1" dirty="0">
+              <a:rPr lang="it-IT" b="1" dirty="0" err="1">
                 <a:solidFill>
                   <a:schemeClr val="tx2"/>
                 </a:solidFill>
                 <a:latin typeface="Arial" panose="020B0604020202020204" pitchFamily="34" charset="0"/>
                 <a:cs typeface="Arial" panose="020B0604020202020204" pitchFamily="34" charset="0"/>
               </a:rPr>
-              <a:t>256x256x512 </a:t>
-            </a:r>
-            <a:r>
-              <a:rPr lang="it-IT" b="1" dirty="0" err="1">
+              <a:t>Speedup</a:t>
+            </a:r>
+            <a:r>
+              <a:rPr lang="it-IT" b="1" dirty="0">
                 <a:solidFill>
                   <a:schemeClr val="tx2"/>
                 </a:solidFill>
                 <a:latin typeface="Arial" panose="020B0604020202020204" pitchFamily="34" charset="0"/>
                 <a:cs typeface="Arial" panose="020B0604020202020204" pitchFamily="34" charset="0"/>
               </a:rPr>
-              <a:t>Grid</a:t>
-            </a:r>
-            <a:endParaRPr lang="it-IT" b="1" dirty="0">
-              <a:solidFill>
-                <a:schemeClr val="tx2"/>
-              </a:solidFill>
-              <a:latin typeface="Arial" panose="020B0604020202020204" pitchFamily="34" charset="0"/>
-              <a:cs typeface="Arial" panose="020B0604020202020204" pitchFamily="34" charset="0"/>
-            </a:endParaRPr>
+              <a:t> vs </a:t>
+            </a:r>
+            <a:r>
+              <a:rPr lang="it-IT" b="1" dirty="0" err="1">
+                <a:solidFill>
+                  <a:schemeClr val="tx2"/>
+                </a:solidFill>
+                <a:latin typeface="Arial" panose="020B0604020202020204" pitchFamily="34" charset="0"/>
+                <a:cs typeface="Arial" panose="020B0604020202020204" pitchFamily="34" charset="0"/>
+              </a:rPr>
+              <a:t>Mesh</a:t>
+            </a:r>
+            <a:r>
+              <a:rPr lang="it-IT" b="1" dirty="0">
+                <a:solidFill>
+                  <a:schemeClr val="tx2"/>
+                </a:solidFill>
+                <a:latin typeface="Arial" panose="020B0604020202020204" pitchFamily="34" charset="0"/>
+                <a:cs typeface="Arial" panose="020B0604020202020204" pitchFamily="34" charset="0"/>
+              </a:rPr>
+              <a:t> </a:t>
+            </a:r>
+            <a:r>
+              <a:rPr lang="it-IT" b="1" dirty="0" err="1">
+                <a:solidFill>
+                  <a:schemeClr val="tx2"/>
+                </a:solidFill>
+                <a:latin typeface="Arial" panose="020B0604020202020204" pitchFamily="34" charset="0"/>
+                <a:cs typeface="Arial" panose="020B0604020202020204" pitchFamily="34" charset="0"/>
+              </a:rPr>
+              <a:t>Size</a:t>
+            </a:r>
+            <a:r>
+              <a:rPr lang="it-IT" b="1" dirty="0">
+                <a:solidFill>
+                  <a:schemeClr val="tx2"/>
+                </a:solidFill>
+                <a:latin typeface="Arial" panose="020B0604020202020204" pitchFamily="34" charset="0"/>
+                <a:cs typeface="Arial" panose="020B0604020202020204" pitchFamily="34" charset="0"/>
+              </a:rPr>
+              <a:t> </a:t>
+            </a:r>
           </a:p>
         </p:txBody>
       </p:sp>
     </p:spTree>
     <p:extLst>
       <p:ext uri="{BB962C8B-B14F-4D97-AF65-F5344CB8AC3E}">
-        <p14:creationId xmlns:p14="http://schemas.microsoft.com/office/powerpoint/2010/main" val="958382515"/>
+        <p14:creationId xmlns:p14="http://schemas.microsoft.com/office/powerpoint/2010/main" val="3020932139"/>
       </p:ext>
     </p:extLst>
   </p:cSld>

--- a/presentazione_meazzo.pptx
+++ b/presentazione_meazzo.pptx
@@ -20,7 +20,7 @@
     <p:sldId id="262" r:id="rId11"/>
     <p:sldId id="270" r:id="rId12"/>
     <p:sldId id="277" r:id="rId13"/>
-    <p:sldId id="299" r:id="rId14"/>
+    <p:sldId id="304" r:id="rId14"/>
     <p:sldId id="285" r:id="rId15"/>
     <p:sldId id="272" r:id="rId16"/>
     <p:sldId id="271" r:id="rId17"/>
@@ -151,7 +151,7 @@
             <p14:sldId id="262"/>
             <p14:sldId id="270"/>
             <p14:sldId id="277"/>
-            <p14:sldId id="299"/>
+            <p14:sldId id="304"/>
             <p14:sldId id="285"/>
           </p14:sldIdLst>
         </p14:section>
@@ -992,32 +992,7 @@
           <a:bodyPr/>
           <a:lstStyle/>
           <a:p>
-            <a:r>
-              <a:rPr lang="it-IT" dirty="0"/>
-              <a:t>Aggiungere slide intro su </a:t>
-            </a:r>
-            <a:r>
-              <a:rPr lang="it-IT" dirty="0" err="1"/>
-              <a:t>towsend</a:t>
-            </a:r>
-            <a:r>
-              <a:rPr lang="it-IT" dirty="0"/>
-              <a:t> con</a:t>
-            </a:r>
-          </a:p>
-          <a:p>
-            <a:r>
-              <a:rPr lang="it-IT" dirty="0"/>
-              <a:t>Funzione </a:t>
-            </a:r>
-            <a:r>
-              <a:rPr lang="it-IT" dirty="0" err="1"/>
-              <a:t>Predittore</a:t>
-            </a:r>
-            <a:r>
-              <a:rPr lang="it-IT" dirty="0"/>
-              <a:t> andamento logaritmico</a:t>
-            </a:r>
+            <a:endParaRPr lang="it-IT" dirty="0"/>
           </a:p>
         </p:txBody>
       </p:sp>
@@ -1047,7 +1022,7 @@
     </p:spTree>
     <p:extLst>
       <p:ext uri="{BB962C8B-B14F-4D97-AF65-F5344CB8AC3E}">
-        <p14:creationId xmlns:p14="http://schemas.microsoft.com/office/powerpoint/2010/main" val="3737241230"/>
+        <p14:creationId xmlns:p14="http://schemas.microsoft.com/office/powerpoint/2010/main" val="3907203179"/>
       </p:ext>
     </p:extLst>
   </p:cSld>
@@ -1492,38 +1467,25 @@
           <a:p>
             <a:r>
               <a:rPr lang="it-IT" dirty="0"/>
-              <a:t>Basato su </a:t>
-            </a:r>
-            <a:r>
-              <a:rPr lang="it-IT" dirty="0" err="1"/>
-              <a:t>ark</a:t>
-            </a:r>
-            <a:r>
-              <a:rPr lang="it-IT" dirty="0"/>
-              <a:t> a memoria distribuita,</a:t>
+              <a:t>Punto di partenza è stato codice a memoria distribuita</a:t>
             </a:r>
           </a:p>
           <a:p>
-            <a:endParaRPr lang="it-IT" dirty="0"/>
+            <a:r>
+              <a:rPr lang="it-IT" dirty="0"/>
+              <a:t>bassa efficienza parallela</a:t>
+            </a:r>
           </a:p>
           <a:p>
             <a:r>
               <a:rPr lang="it-IT" dirty="0"/>
-              <a:t>? Realizzare questo </a:t>
-            </a:r>
-            <a:r>
-              <a:rPr lang="it-IT" dirty="0" err="1"/>
-              <a:t>sys</a:t>
-            </a:r>
-            <a:r>
-              <a:rPr lang="it-IT" dirty="0"/>
-              <a:t> Efficiente e semplice?</a:t>
+              <a:t>Al fine di aumentare efficienza </a:t>
             </a:r>
           </a:p>
           <a:p>
             <a:r>
               <a:rPr lang="it-IT" dirty="0"/>
-              <a:t>MPI:</a:t>
+              <a:t>innanzitutto introdotto MPI:</a:t>
             </a:r>
           </a:p>
           <a:p>
@@ -1639,12 +1601,29 @@
           <a:p>
             <a:r>
               <a:rPr lang="it-IT" dirty="0"/>
-              <a:t>Vantaggi di questo modello di programmazione</a:t>
+              <a:t>Adozione MPI richiede apposito metodo di programmazione</a:t>
             </a:r>
           </a:p>
           <a:p>
             <a:r>
               <a:rPr lang="it-IT" dirty="0"/>
+              <a:t>1 codice 4000 </a:t>
+            </a:r>
+            <a:r>
+              <a:rPr lang="it-IT" dirty="0" err="1"/>
+              <a:t>cores</a:t>
+            </a:r>
+            <a:endParaRPr lang="it-IT" dirty="0"/>
+          </a:p>
+          <a:p>
+            <a:r>
+              <a:rPr lang="it-IT" dirty="0"/>
+              <a:t>Vantaggi di questo modello di programmazione</a:t>
+            </a:r>
+          </a:p>
+          <a:p>
+            <a:r>
+              <a:rPr lang="it-IT" dirty="0"/>
               <a:t>Principale possibilità di scalare elevato </a:t>
             </a:r>
             <a:r>
@@ -1654,6 +1633,24 @@
             <a:r>
               <a:rPr lang="it-IT" dirty="0"/>
               <a:t> nodi</a:t>
+            </a:r>
+          </a:p>
+          <a:p>
+            <a:r>
+              <a:rPr lang="it-IT" dirty="0"/>
+              <a:t>utilizzo di hardware standard rispetto a CUDA </a:t>
+            </a:r>
+          </a:p>
+          <a:p>
+            <a:r>
+              <a:rPr lang="it-IT" dirty="0"/>
+              <a:t>Svantaggi: latenza messaggi, </a:t>
+            </a:r>
+          </a:p>
+          <a:p>
+            <a:r>
+              <a:rPr lang="it-IT" dirty="0"/>
+              <a:t>dipendenza larghezza banda</a:t>
             </a:r>
           </a:p>
           <a:p>
@@ -19120,7 +19117,7 @@
         <p:spPr>
           <a:xfrm>
             <a:off x="457200" y="1968762"/>
-            <a:ext cx="5199197" cy="3899398"/>
+            <a:ext cx="5199197" cy="3899397"/>
           </a:xfrm>
           <a:prstGeom prst="rect">
             <a:avLst/>
@@ -21322,7 +21319,7 @@
         </p:blipFill>
         <p:spPr>
           <a:xfrm>
-            <a:off x="0" y="1656677"/>
+            <a:off x="0" y="1403383"/>
             <a:ext cx="4689252" cy="4194051"/>
           </a:xfrm>
           <a:prstGeom prst="rect">
@@ -21506,7 +21503,7 @@
         </p:blipFill>
         <p:spPr>
           <a:xfrm>
-            <a:off x="4454748" y="1610180"/>
+            <a:off x="4447911" y="1403383"/>
             <a:ext cx="4689252" cy="3516939"/>
           </a:xfrm>
           <a:prstGeom prst="rect">
@@ -21530,7 +21527,7 @@
         </p:nvCxnSpPr>
         <p:spPr>
           <a:xfrm flipH="1">
-            <a:off x="1495594" y="4903582"/>
+            <a:off x="1520013" y="4712800"/>
             <a:ext cx="197728" cy="447074"/>
           </a:xfrm>
           <a:prstGeom prst="straightConnector1">
@@ -21571,7 +21568,7 @@
         </p:nvCxnSpPr>
         <p:spPr>
           <a:xfrm flipH="1" flipV="1">
-            <a:off x="1488609" y="4032273"/>
+            <a:off x="1477045" y="3789301"/>
             <a:ext cx="213429" cy="485939"/>
           </a:xfrm>
           <a:prstGeom prst="straightConnector1">
@@ -21750,7 +21747,7 @@
         </p:nvSpPr>
         <p:spPr>
           <a:xfrm>
-            <a:off x="7120367" y="5202093"/>
+            <a:off x="6877299" y="5156508"/>
             <a:ext cx="1668631" cy="646331"/>
           </a:xfrm>
           <a:prstGeom prst="rect">
@@ -21809,7 +21806,7 @@
         </p:nvSpPr>
         <p:spPr>
           <a:xfrm>
-            <a:off x="5265185" y="5202093"/>
+            <a:off x="5143651" y="5150707"/>
             <a:ext cx="1279249" cy="646331"/>
           </a:xfrm>
           <a:prstGeom prst="rect">
@@ -23661,7 +23658,7 @@
         </p:nvPicPr>
         <p:blipFill>
           <a:blip r:embed="rId3">
-            <a:alphaModFix amt="20000"/>
+            <a:alphaModFix/>
           </a:blip>
           <a:stretch>
             <a:fillRect/>
@@ -23669,8 +23666,8 @@
         </p:blipFill>
         <p:spPr>
           <a:xfrm>
-            <a:off x="21740" y="1698920"/>
-            <a:ext cx="5199196" cy="3899397"/>
+            <a:off x="21740" y="2257063"/>
+            <a:ext cx="4455005" cy="3341254"/>
           </a:xfrm>
           <a:prstGeom prst="rect">
             <a:avLst/>
@@ -23752,7 +23749,7 @@
           <a:p>
             <a:r>
               <a:rPr lang="it-IT" dirty="0" err="1"/>
-              <a:t>Particular</a:t>
+              <a:t>Fluctuations</a:t>
             </a:r>
             <a:r>
               <a:rPr lang="it-IT" dirty="0"/>
@@ -23760,7 +23757,7 @@
             </a:r>
             <a:r>
               <a:rPr lang="it-IT" dirty="0" err="1"/>
-              <a:t>Fluctuations</a:t>
+              <a:t>Behaviour</a:t>
             </a:r>
             <a:r>
               <a:rPr lang="it-IT" dirty="0"/>
@@ -23768,18 +23765,125 @@
             </a:r>
             <a:r>
               <a:rPr lang="it-IT" dirty="0" err="1"/>
-              <a:t>Behaviour</a:t>
-            </a:r>
-            <a:endParaRPr lang="it-IT" dirty="0"/>
+              <a:t>at</a:t>
+            </a:r>
+            <a:r>
+              <a:rPr lang="it-IT" dirty="0"/>
+              <a:t> High Re (1/2)</a:t>
+            </a:r>
           </a:p>
         </p:txBody>
       </p:sp>
       <p:sp>
         <p:nvSpPr>
-          <p:cNvPr id="22" name="Segnaposto contenuto 2">
+          <p:cNvPr id="2" name="Rettangolo 1">
             <a:extLst>
               <a:ext uri="{FF2B5EF4-FFF2-40B4-BE49-F238E27FC236}">
-                <a16:creationId xmlns:a16="http://schemas.microsoft.com/office/drawing/2014/main" id="{A4BC135E-B203-2E41-A1A8-85A2D04427CE}"/>
+                <a16:creationId xmlns:a16="http://schemas.microsoft.com/office/drawing/2014/main" id="{26F80FC8-8FCD-FF4E-B221-8FDC1EBA7820}"/>
+              </a:ext>
+            </a:extLst>
+          </p:cNvPr>
+          <p:cNvSpPr/>
+          <p:nvPr/>
+        </p:nvSpPr>
+        <p:spPr>
+          <a:xfrm>
+            <a:off x="2166355" y="4152281"/>
+            <a:ext cx="1273080" cy="83012"/>
+          </a:xfrm>
+          <a:prstGeom prst="rect">
+            <a:avLst/>
+          </a:prstGeom>
+          <a:solidFill>
+            <a:srgbClr val="40A3FF">
+              <a:alpha val="50196"/>
+            </a:srgbClr>
+          </a:solidFill>
+          <a:ln>
+            <a:noFill/>
+          </a:ln>
+        </p:spPr>
+        <p:style>
+          <a:lnRef idx="0">
+            <a:scrgbClr r="0" g="0" b="0"/>
+          </a:lnRef>
+          <a:fillRef idx="0">
+            <a:scrgbClr r="0" g="0" b="0"/>
+          </a:fillRef>
+          <a:effectRef idx="0">
+            <a:scrgbClr r="0" g="0" b="0"/>
+          </a:effectRef>
+          <a:fontRef idx="minor">
+            <a:schemeClr val="lt1"/>
+          </a:fontRef>
+        </p:style>
+        <p:txBody>
+          <a:bodyPr rtlCol="0" anchor="ctr"/>
+          <a:lstStyle/>
+          <a:p>
+            <a:pPr algn="ctr"/>
+            <a:endParaRPr lang="it-IT"/>
+          </a:p>
+        </p:txBody>
+      </p:sp>
+      <p:sp>
+        <p:nvSpPr>
+          <p:cNvPr id="12" name="Rettangolo 11">
+            <a:extLst>
+              <a:ext uri="{FF2B5EF4-FFF2-40B4-BE49-F238E27FC236}">
+                <a16:creationId xmlns:a16="http://schemas.microsoft.com/office/drawing/2014/main" id="{7880AB1A-A4C4-3447-8A4D-EA8B26DE658D}"/>
+              </a:ext>
+            </a:extLst>
+          </p:cNvPr>
+          <p:cNvSpPr/>
+          <p:nvPr/>
+        </p:nvSpPr>
+        <p:spPr>
+          <a:xfrm>
+            <a:off x="2590435" y="2671762"/>
+            <a:ext cx="958446" cy="83012"/>
+          </a:xfrm>
+          <a:prstGeom prst="rect">
+            <a:avLst/>
+          </a:prstGeom>
+          <a:solidFill>
+            <a:srgbClr val="40A3FF">
+              <a:alpha val="50196"/>
+            </a:srgbClr>
+          </a:solidFill>
+          <a:ln>
+            <a:noFill/>
+          </a:ln>
+        </p:spPr>
+        <p:style>
+          <a:lnRef idx="0">
+            <a:scrgbClr r="0" g="0" b="0"/>
+          </a:lnRef>
+          <a:fillRef idx="0">
+            <a:scrgbClr r="0" g="0" b="0"/>
+          </a:fillRef>
+          <a:effectRef idx="0">
+            <a:scrgbClr r="0" g="0" b="0"/>
+          </a:effectRef>
+          <a:fontRef idx="minor">
+            <a:schemeClr val="lt1"/>
+          </a:fontRef>
+        </p:style>
+        <p:txBody>
+          <a:bodyPr rtlCol="0" anchor="ctr"/>
+          <a:lstStyle/>
+          <a:p>
+            <a:pPr algn="ctr"/>
+            <a:endParaRPr lang="it-IT"/>
+          </a:p>
+        </p:txBody>
+      </p:sp>
+      <p:sp>
+        <p:nvSpPr>
+          <p:cNvPr id="13" name="Segnaposto contenuto 2">
+            <a:extLst>
+              <a:ext uri="{FF2B5EF4-FFF2-40B4-BE49-F238E27FC236}">
+                <a16:creationId xmlns:a16="http://schemas.microsoft.com/office/drawing/2014/main" id="{553A6946-210A-BD49-B859-289C7299E491}"/>
               </a:ext>
             </a:extLst>
           </p:cNvPr>
@@ -23790,8 +23894,8 @@
         </p:nvSpPr>
         <p:spPr>
           <a:xfrm>
-            <a:off x="5220936" y="2375936"/>
-            <a:ext cx="3481594" cy="1471669"/>
+            <a:off x="288521" y="1512060"/>
+            <a:ext cx="8581043" cy="363040"/>
           </a:xfrm>
           <a:prstGeom prst="rect">
             <a:avLst/>
@@ -23799,7 +23903,7 @@
         </p:spPr>
         <p:txBody>
           <a:bodyPr vert="horz" lIns="91440" tIns="45720" rIns="91440" bIns="45720" rtlCol="0">
-            <a:normAutofit/>
+            <a:normAutofit lnSpcReduction="10000"/>
           </a:bodyPr>
           <a:lstStyle>
             <a:lvl1pPr marL="0" indent="0" algn="l" defTabSz="457200" rtl="0" eaLnBrk="1" latinLnBrk="0" hangingPunct="1">
@@ -23939,125 +24043,109 @@
             </a:lvl9pPr>
           </a:lstStyle>
           <a:p>
-            <a:pPr>
+            <a:pPr algn="just">
               <a:defRPr/>
             </a:pPr>
             <a:r>
-              <a:rPr lang="it-IT" b="1" dirty="0">
-                <a:solidFill>
-                  <a:srgbClr val="003F6E"/>
+              <a:rPr lang="it-IT" sz="1800" b="1" dirty="0">
+                <a:solidFill>
+                  <a:schemeClr val="tx2"/>
                 </a:solidFill>
               </a:rPr>
-              <a:t>Can </a:t>
-            </a:r>
-            <a:r>
-              <a:rPr lang="it-IT" b="1" dirty="0" err="1">
-                <a:solidFill>
-                  <a:srgbClr val="003F6E"/>
+              <a:t>How </a:t>
+            </a:r>
+            <a:r>
+              <a:rPr lang="it-IT" sz="1800" b="1" dirty="0" err="1">
+                <a:solidFill>
+                  <a:schemeClr val="tx2"/>
                 </a:solidFill>
               </a:rPr>
-              <a:t>we</a:t>
-            </a:r>
-            <a:r>
-              <a:rPr lang="it-IT" b="1" dirty="0">
-                <a:solidFill>
-                  <a:srgbClr val="003F6E"/>
+              <a:t>does</a:t>
+            </a:r>
+            <a:r>
+              <a:rPr lang="it-IT" sz="1800" b="1" dirty="0">
+                <a:solidFill>
+                  <a:schemeClr val="tx2"/>
                 </a:solidFill>
               </a:rPr>
-              <a:t> spot </a:t>
-            </a:r>
-            <a:r>
-              <a:rPr lang="it-IT" b="1" dirty="0" err="1">
-                <a:solidFill>
-                  <a:srgbClr val="003F6E"/>
+              <a:t> the high Re </a:t>
+            </a:r>
+            <a:r>
+              <a:rPr lang="it-IT" sz="1800" b="1" dirty="0" err="1">
+                <a:solidFill>
+                  <a:schemeClr val="tx2"/>
                 </a:solidFill>
               </a:rPr>
-              <a:t>particular</a:t>
-            </a:r>
-            <a:r>
-              <a:rPr lang="it-IT" b="1" dirty="0">
-                <a:solidFill>
-                  <a:srgbClr val="003F6E"/>
+              <a:t>condition</a:t>
+            </a:r>
+            <a:r>
+              <a:rPr lang="it-IT" sz="1800" b="1" dirty="0">
+                <a:solidFill>
+                  <a:schemeClr val="tx2"/>
                 </a:solidFill>
               </a:rPr>
               <a:t> </a:t>
             </a:r>
             <a:r>
-              <a:rPr lang="it-IT" b="1" dirty="0" err="1">
-                <a:solidFill>
-                  <a:srgbClr val="003F6E"/>
+              <a:rPr lang="it-IT" sz="1800" b="1" dirty="0" err="1">
+                <a:solidFill>
+                  <a:schemeClr val="tx2"/>
                 </a:solidFill>
               </a:rPr>
-              <a:t>behaviours</a:t>
-            </a:r>
-            <a:r>
-              <a:rPr lang="it-IT" b="1" dirty="0">
-                <a:solidFill>
-                  <a:srgbClr val="003F6E"/>
+              <a:t>modify</a:t>
+            </a:r>
+            <a:r>
+              <a:rPr lang="it-IT" sz="1800" b="1" dirty="0">
+                <a:solidFill>
+                  <a:schemeClr val="tx2"/>
                 </a:solidFill>
               </a:rPr>
               <a:t> </a:t>
             </a:r>
             <a:r>
-              <a:rPr lang="it-IT" b="1" dirty="0" err="1">
-                <a:solidFill>
-                  <a:srgbClr val="003F6E"/>
+              <a:rPr lang="it-IT" sz="1800" b="1" dirty="0" err="1">
+                <a:solidFill>
+                  <a:schemeClr val="tx2"/>
                 </a:solidFill>
               </a:rPr>
-              <a:t>also</a:t>
-            </a:r>
-            <a:r>
-              <a:rPr lang="it-IT" b="1" dirty="0">
-                <a:solidFill>
-                  <a:srgbClr val="003F6E"/>
-                </a:solidFill>
-              </a:rPr>
-              <a:t> in </a:t>
-            </a:r>
-            <a:r>
-              <a:rPr lang="it-IT" b="1" dirty="0" err="1">
-                <a:solidFill>
-                  <a:srgbClr val="003F6E"/>
-                </a:solidFill>
-              </a:rPr>
-              <a:t>streamwise</a:t>
-            </a:r>
-            <a:r>
-              <a:rPr lang="it-IT" b="1" dirty="0">
-                <a:solidFill>
-                  <a:srgbClr val="003F6E"/>
-                </a:solidFill>
-              </a:rPr>
-              <a:t> and </a:t>
-            </a:r>
-            <a:r>
-              <a:rPr lang="it-IT" b="1" dirty="0" err="1">
-                <a:solidFill>
-                  <a:srgbClr val="003F6E"/>
-                </a:solidFill>
-              </a:rPr>
-              <a:t>spanwise</a:t>
-            </a:r>
-            <a:r>
-              <a:rPr lang="it-IT" b="1" dirty="0">
-                <a:solidFill>
-                  <a:srgbClr val="003F6E"/>
+              <a:t>our</a:t>
+            </a:r>
+            <a:r>
+              <a:rPr lang="it-IT" sz="1800" b="1" dirty="0">
+                <a:solidFill>
+                  <a:schemeClr val="tx2"/>
                 </a:solidFill>
               </a:rPr>
               <a:t> </a:t>
             </a:r>
             <a:r>
-              <a:rPr lang="it-IT" b="1" dirty="0" err="1">
-                <a:solidFill>
-                  <a:srgbClr val="003F6E"/>
+              <a:rPr lang="it-IT" sz="1800" b="1" dirty="0" err="1">
+                <a:solidFill>
+                  <a:schemeClr val="tx2"/>
                 </a:solidFill>
               </a:rPr>
               <a:t>fluctuations</a:t>
             </a:r>
             <a:r>
-              <a:rPr lang="it-IT" b="1" dirty="0">
-                <a:solidFill>
-                  <a:srgbClr val="003F6E"/>
+              <a:rPr lang="it-IT" sz="1800" b="1" dirty="0">
+                <a:solidFill>
+                  <a:schemeClr val="tx2"/>
+                </a:solidFill>
+              </a:rPr>
+              <a:t> </a:t>
+            </a:r>
+            <a:r>
+              <a:rPr lang="it-IT" sz="1800" b="1" dirty="0" err="1">
+                <a:solidFill>
+                  <a:schemeClr val="tx2"/>
+                </a:solidFill>
+              </a:rPr>
+              <a:t>profiles</a:t>
+            </a:r>
+            <a:r>
+              <a:rPr lang="it-IT" sz="1800" b="1" dirty="0">
+                <a:solidFill>
+                  <a:schemeClr val="tx2"/>
                 </a:solidFill>
               </a:rPr>
               <a:t>?</a:t>
@@ -24065,10 +24153,1326 @@
           </a:p>
         </p:txBody>
       </p:sp>
+      <p:sp>
+        <p:nvSpPr>
+          <p:cNvPr id="14" name="CasellaDiTesto 13">
+            <a:extLst>
+              <a:ext uri="{FF2B5EF4-FFF2-40B4-BE49-F238E27FC236}">
+                <a16:creationId xmlns:a16="http://schemas.microsoft.com/office/drawing/2014/main" id="{FCB0CC9B-3C2D-C94C-8DCE-3E0E024730E2}"/>
+              </a:ext>
+            </a:extLst>
+          </p:cNvPr>
+          <p:cNvSpPr txBox="1"/>
+          <p:nvPr/>
+        </p:nvSpPr>
+        <p:spPr>
+          <a:xfrm>
+            <a:off x="4476745" y="2178750"/>
+            <a:ext cx="4480250" cy="369332"/>
+          </a:xfrm>
+          <a:prstGeom prst="rect">
+            <a:avLst/>
+          </a:prstGeom>
+          <a:noFill/>
+        </p:spPr>
+        <p:txBody>
+          <a:bodyPr wrap="square" rtlCol="0">
+            <a:spAutoFit/>
+          </a:bodyPr>
+          <a:lstStyle/>
+          <a:p>
+            <a:pPr algn="just"/>
+            <a:r>
+              <a:rPr lang="it-IT" b="1" dirty="0" err="1">
+                <a:solidFill>
+                  <a:schemeClr val="tx2"/>
+                </a:solidFill>
+                <a:latin typeface="Arial" panose="020B0604020202020204" pitchFamily="34" charset="0"/>
+                <a:cs typeface="Arial" panose="020B0604020202020204" pitchFamily="34" charset="0"/>
+              </a:rPr>
+              <a:t>Townsend’s</a:t>
+            </a:r>
+            <a:r>
+              <a:rPr lang="it-IT" b="1" dirty="0">
+                <a:solidFill>
+                  <a:schemeClr val="tx2"/>
+                </a:solidFill>
+                <a:latin typeface="Arial" panose="020B0604020202020204" pitchFamily="34" charset="0"/>
+                <a:cs typeface="Arial" panose="020B0604020202020204" pitchFamily="34" charset="0"/>
+              </a:rPr>
+              <a:t> </a:t>
+            </a:r>
+            <a:r>
+              <a:rPr lang="it-IT" b="1" dirty="0" err="1">
+                <a:solidFill>
+                  <a:schemeClr val="tx2"/>
+                </a:solidFill>
+                <a:latin typeface="Arial" panose="020B0604020202020204" pitchFamily="34" charset="0"/>
+                <a:cs typeface="Arial" panose="020B0604020202020204" pitchFamily="34" charset="0"/>
+              </a:rPr>
+              <a:t>attached</a:t>
+            </a:r>
+            <a:r>
+              <a:rPr lang="it-IT" b="1" dirty="0">
+                <a:solidFill>
+                  <a:schemeClr val="tx2"/>
+                </a:solidFill>
+                <a:latin typeface="Arial" panose="020B0604020202020204" pitchFamily="34" charset="0"/>
+                <a:cs typeface="Arial" panose="020B0604020202020204" pitchFamily="34" charset="0"/>
+              </a:rPr>
+              <a:t> </a:t>
+            </a:r>
+            <a:r>
+              <a:rPr lang="it-IT" b="1" dirty="0" err="1">
+                <a:solidFill>
+                  <a:schemeClr val="tx2"/>
+                </a:solidFill>
+                <a:latin typeface="Arial" panose="020B0604020202020204" pitchFamily="34" charset="0"/>
+                <a:cs typeface="Arial" panose="020B0604020202020204" pitchFamily="34" charset="0"/>
+              </a:rPr>
+              <a:t>eddy</a:t>
+            </a:r>
+            <a:r>
+              <a:rPr lang="it-IT" b="1" dirty="0">
+                <a:solidFill>
+                  <a:schemeClr val="tx2"/>
+                </a:solidFill>
+                <a:latin typeface="Arial" panose="020B0604020202020204" pitchFamily="34" charset="0"/>
+                <a:cs typeface="Arial" panose="020B0604020202020204" pitchFamily="34" charset="0"/>
+              </a:rPr>
+              <a:t> </a:t>
+            </a:r>
+            <a:r>
+              <a:rPr lang="it-IT" b="1" dirty="0" err="1">
+                <a:solidFill>
+                  <a:schemeClr val="tx2"/>
+                </a:solidFill>
+                <a:latin typeface="Arial" panose="020B0604020202020204" pitchFamily="34" charset="0"/>
+                <a:cs typeface="Arial" panose="020B0604020202020204" pitchFamily="34" charset="0"/>
+              </a:rPr>
+              <a:t>hypothesis</a:t>
+            </a:r>
+            <a:r>
+              <a:rPr lang="it-IT" b="1" dirty="0">
+                <a:solidFill>
+                  <a:schemeClr val="tx2"/>
+                </a:solidFill>
+                <a:latin typeface="Arial" panose="020B0604020202020204" pitchFamily="34" charset="0"/>
+                <a:cs typeface="Arial" panose="020B0604020202020204" pitchFamily="34" charset="0"/>
+              </a:rPr>
+              <a:t>:</a:t>
+            </a:r>
+          </a:p>
+        </p:txBody>
+      </p:sp>
+      <p:sp>
+        <p:nvSpPr>
+          <p:cNvPr id="3" name="CasellaDiTesto 2">
+            <a:extLst>
+              <a:ext uri="{FF2B5EF4-FFF2-40B4-BE49-F238E27FC236}">
+                <a16:creationId xmlns:a16="http://schemas.microsoft.com/office/drawing/2014/main" id="{FCB2BB8C-F4D7-BF48-9B49-8852853B92FC}"/>
+              </a:ext>
+            </a:extLst>
+          </p:cNvPr>
+          <p:cNvSpPr txBox="1"/>
+          <p:nvPr/>
+        </p:nvSpPr>
+        <p:spPr>
+          <a:xfrm>
+            <a:off x="4476745" y="2515943"/>
+            <a:ext cx="4392819" cy="1703030"/>
+          </a:xfrm>
+          <a:prstGeom prst="rect">
+            <a:avLst/>
+          </a:prstGeom>
+          <a:noFill/>
+        </p:spPr>
+        <p:txBody>
+          <a:bodyPr wrap="square" rtlCol="0">
+            <a:spAutoFit/>
+          </a:bodyPr>
+          <a:lstStyle/>
+          <a:p>
+            <a:pPr marL="285750" indent="-285750" algn="just">
+              <a:lnSpc>
+                <a:spcPct val="150000"/>
+              </a:lnSpc>
+              <a:buFont typeface="Arial" panose="020B0604020202020204" pitchFamily="34" charset="0"/>
+              <a:buChar char="•"/>
+            </a:pPr>
+            <a:r>
+              <a:rPr lang="it-IT" b="1" dirty="0" err="1">
+                <a:solidFill>
+                  <a:schemeClr val="tx2"/>
+                </a:solidFill>
+                <a:latin typeface="Arial" panose="020B0604020202020204" pitchFamily="34" charset="0"/>
+                <a:cs typeface="Arial" panose="020B0604020202020204" pitchFamily="34" charset="0"/>
+              </a:rPr>
+              <a:t>Logarithmic</a:t>
+            </a:r>
+            <a:r>
+              <a:rPr lang="it-IT" b="1" dirty="0">
+                <a:solidFill>
+                  <a:schemeClr val="tx2"/>
+                </a:solidFill>
+                <a:latin typeface="Arial" panose="020B0604020202020204" pitchFamily="34" charset="0"/>
+                <a:cs typeface="Arial" panose="020B0604020202020204" pitchFamily="34" charset="0"/>
+              </a:rPr>
+              <a:t> </a:t>
+            </a:r>
+            <a:r>
+              <a:rPr lang="it-IT" b="1" dirty="0" err="1">
+                <a:solidFill>
+                  <a:schemeClr val="tx2"/>
+                </a:solidFill>
+                <a:latin typeface="Arial" panose="020B0604020202020204" pitchFamily="34" charset="0"/>
+                <a:cs typeface="Arial" panose="020B0604020202020204" pitchFamily="34" charset="0"/>
+              </a:rPr>
+              <a:t>region</a:t>
+            </a:r>
+            <a:endParaRPr lang="it-IT" b="1" dirty="0">
+              <a:solidFill>
+                <a:schemeClr val="tx2"/>
+              </a:solidFill>
+              <a:latin typeface="Arial" panose="020B0604020202020204" pitchFamily="34" charset="0"/>
+              <a:cs typeface="Arial" panose="020B0604020202020204" pitchFamily="34" charset="0"/>
+            </a:endParaRPr>
+          </a:p>
+          <a:p>
+            <a:pPr marL="285750" indent="-285750" algn="just">
+              <a:lnSpc>
+                <a:spcPct val="150000"/>
+              </a:lnSpc>
+              <a:buFont typeface="Arial" panose="020B0604020202020204" pitchFamily="34" charset="0"/>
+              <a:buChar char="•"/>
+            </a:pPr>
+            <a:r>
+              <a:rPr lang="it-IT" b="1" dirty="0" err="1">
+                <a:solidFill>
+                  <a:schemeClr val="tx2"/>
+                </a:solidFill>
+                <a:latin typeface="Arial" panose="020B0604020202020204" pitchFamily="34" charset="0"/>
+                <a:cs typeface="Arial" panose="020B0604020202020204" pitchFamily="34" charset="0"/>
+              </a:rPr>
+              <a:t>Hierarchy</a:t>
+            </a:r>
+            <a:r>
+              <a:rPr lang="it-IT" b="1" dirty="0">
+                <a:solidFill>
+                  <a:schemeClr val="tx2"/>
+                </a:solidFill>
+                <a:latin typeface="Arial" panose="020B0604020202020204" pitchFamily="34" charset="0"/>
+                <a:cs typeface="Arial" panose="020B0604020202020204" pitchFamily="34" charset="0"/>
+              </a:rPr>
+              <a:t> of self-</a:t>
+            </a:r>
+            <a:r>
+              <a:rPr lang="it-IT" b="1" dirty="0" err="1">
+                <a:solidFill>
+                  <a:schemeClr val="tx2"/>
+                </a:solidFill>
+                <a:latin typeface="Arial" panose="020B0604020202020204" pitchFamily="34" charset="0"/>
+                <a:cs typeface="Arial" panose="020B0604020202020204" pitchFamily="34" charset="0"/>
+              </a:rPr>
+              <a:t>similar</a:t>
+            </a:r>
+            <a:r>
+              <a:rPr lang="it-IT" b="1" dirty="0">
+                <a:solidFill>
+                  <a:schemeClr val="tx2"/>
+                </a:solidFill>
+                <a:latin typeface="Arial" panose="020B0604020202020204" pitchFamily="34" charset="0"/>
+                <a:cs typeface="Arial" panose="020B0604020202020204" pitchFamily="34" charset="0"/>
+              </a:rPr>
+              <a:t> </a:t>
+            </a:r>
+            <a:r>
+              <a:rPr lang="it-IT" b="1" dirty="0" err="1">
+                <a:solidFill>
+                  <a:schemeClr val="tx2"/>
+                </a:solidFill>
+                <a:latin typeface="Arial" panose="020B0604020202020204" pitchFamily="34" charset="0"/>
+                <a:cs typeface="Arial" panose="020B0604020202020204" pitchFamily="34" charset="0"/>
+              </a:rPr>
+              <a:t>eddies</a:t>
+            </a:r>
+            <a:endParaRPr lang="it-IT" b="1" dirty="0">
+              <a:solidFill>
+                <a:schemeClr val="tx2"/>
+              </a:solidFill>
+              <a:latin typeface="Arial" panose="020B0604020202020204" pitchFamily="34" charset="0"/>
+              <a:cs typeface="Arial" panose="020B0604020202020204" pitchFamily="34" charset="0"/>
+            </a:endParaRPr>
+          </a:p>
+          <a:p>
+            <a:pPr marL="285750" indent="-285750" algn="just">
+              <a:lnSpc>
+                <a:spcPct val="150000"/>
+              </a:lnSpc>
+              <a:buFont typeface="Arial" panose="020B0604020202020204" pitchFamily="34" charset="0"/>
+              <a:buChar char="•"/>
+            </a:pPr>
+            <a:r>
+              <a:rPr lang="it-IT" b="1" dirty="0" err="1">
+                <a:solidFill>
+                  <a:schemeClr val="tx2"/>
+                </a:solidFill>
+                <a:latin typeface="Arial" panose="020B0604020202020204" pitchFamily="34" charset="0"/>
+                <a:cs typeface="Arial" panose="020B0604020202020204" pitchFamily="34" charset="0"/>
+              </a:rPr>
+              <a:t>Velocity</a:t>
+            </a:r>
+            <a:r>
+              <a:rPr lang="it-IT" b="1" dirty="0">
+                <a:solidFill>
+                  <a:schemeClr val="tx2"/>
+                </a:solidFill>
+                <a:latin typeface="Arial" panose="020B0604020202020204" pitchFamily="34" charset="0"/>
+                <a:cs typeface="Arial" panose="020B0604020202020204" pitchFamily="34" charset="0"/>
+              </a:rPr>
+              <a:t> </a:t>
+            </a:r>
+            <a:r>
+              <a:rPr lang="it-IT" b="1" dirty="0" err="1">
+                <a:solidFill>
+                  <a:schemeClr val="tx2"/>
+                </a:solidFill>
+                <a:latin typeface="Arial" panose="020B0604020202020204" pitchFamily="34" charset="0"/>
+                <a:cs typeface="Arial" panose="020B0604020202020204" pitchFamily="34" charset="0"/>
+              </a:rPr>
+              <a:t>field</a:t>
+            </a:r>
+            <a:r>
+              <a:rPr lang="it-IT" b="1" dirty="0">
+                <a:solidFill>
+                  <a:schemeClr val="tx2"/>
+                </a:solidFill>
+                <a:latin typeface="Arial" panose="020B0604020202020204" pitchFamily="34" charset="0"/>
+                <a:cs typeface="Arial" panose="020B0604020202020204" pitchFamily="34" charset="0"/>
+              </a:rPr>
+              <a:t> </a:t>
+            </a:r>
+            <a:r>
+              <a:rPr lang="it-IT" b="1" dirty="0" err="1">
+                <a:solidFill>
+                  <a:schemeClr val="tx2"/>
+                </a:solidFill>
+                <a:latin typeface="Arial" panose="020B0604020202020204" pitchFamily="34" charset="0"/>
+                <a:cs typeface="Arial" panose="020B0604020202020204" pitchFamily="34" charset="0"/>
+              </a:rPr>
+              <a:t>extent</a:t>
+            </a:r>
+            <a:r>
+              <a:rPr lang="it-IT" b="1" dirty="0">
+                <a:solidFill>
+                  <a:schemeClr val="tx2"/>
+                </a:solidFill>
+                <a:latin typeface="Arial" panose="020B0604020202020204" pitchFamily="34" charset="0"/>
+                <a:cs typeface="Arial" panose="020B0604020202020204" pitchFamily="34" charset="0"/>
+              </a:rPr>
+              <a:t> to the </a:t>
+            </a:r>
+            <a:r>
+              <a:rPr lang="it-IT" b="1" dirty="0" err="1">
+                <a:solidFill>
+                  <a:schemeClr val="tx2"/>
+                </a:solidFill>
+                <a:latin typeface="Arial" panose="020B0604020202020204" pitchFamily="34" charset="0"/>
+                <a:cs typeface="Arial" panose="020B0604020202020204" pitchFamily="34" charset="0"/>
+              </a:rPr>
+              <a:t>wall</a:t>
+            </a:r>
+            <a:endParaRPr lang="it-IT" b="1" dirty="0">
+              <a:solidFill>
+                <a:schemeClr val="tx2"/>
+              </a:solidFill>
+              <a:latin typeface="Arial" panose="020B0604020202020204" pitchFamily="34" charset="0"/>
+              <a:cs typeface="Arial" panose="020B0604020202020204" pitchFamily="34" charset="0"/>
+            </a:endParaRPr>
+          </a:p>
+          <a:p>
+            <a:pPr marL="285750" indent="-285750" algn="just">
+              <a:lnSpc>
+                <a:spcPct val="150000"/>
+              </a:lnSpc>
+              <a:buFont typeface="Arial" panose="020B0604020202020204" pitchFamily="34" charset="0"/>
+              <a:buChar char="•"/>
+            </a:pPr>
+            <a:r>
+              <a:rPr lang="it-IT" b="1" dirty="0">
+                <a:solidFill>
+                  <a:schemeClr val="tx2"/>
+                </a:solidFill>
+                <a:latin typeface="Arial" panose="020B0604020202020204" pitchFamily="34" charset="0"/>
+                <a:cs typeface="Arial" panose="020B0604020202020204" pitchFamily="34" charset="0"/>
+              </a:rPr>
+              <a:t>Eddy </a:t>
+            </a:r>
+            <a:r>
+              <a:rPr lang="it-IT" b="1" dirty="0" err="1">
+                <a:solidFill>
+                  <a:schemeClr val="tx2"/>
+                </a:solidFill>
+                <a:latin typeface="Arial" panose="020B0604020202020204" pitchFamily="34" charset="0"/>
+                <a:cs typeface="Arial" panose="020B0604020202020204" pitchFamily="34" charset="0"/>
+              </a:rPr>
+              <a:t>size</a:t>
+            </a:r>
+            <a:r>
+              <a:rPr lang="it-IT" b="1" dirty="0">
+                <a:solidFill>
+                  <a:schemeClr val="tx2"/>
+                </a:solidFill>
+                <a:latin typeface="Arial" panose="020B0604020202020204" pitchFamily="34" charset="0"/>
+                <a:cs typeface="Arial" panose="020B0604020202020204" pitchFamily="34" charset="0"/>
+              </a:rPr>
+              <a:t> </a:t>
+            </a:r>
+            <a:r>
+              <a:rPr lang="it-IT" b="1" dirty="0" err="1">
+                <a:solidFill>
+                  <a:schemeClr val="tx2"/>
+                </a:solidFill>
+                <a:latin typeface="Arial" panose="020B0604020202020204" pitchFamily="34" charset="0"/>
+                <a:cs typeface="Arial" panose="020B0604020202020204" pitchFamily="34" charset="0"/>
+              </a:rPr>
+              <a:t>scales</a:t>
+            </a:r>
+            <a:r>
+              <a:rPr lang="it-IT" b="1" dirty="0">
+                <a:solidFill>
+                  <a:schemeClr val="tx2"/>
+                </a:solidFill>
+                <a:latin typeface="Arial" panose="020B0604020202020204" pitchFamily="34" charset="0"/>
+                <a:cs typeface="Arial" panose="020B0604020202020204" pitchFamily="34" charset="0"/>
+              </a:rPr>
+              <a:t> with </a:t>
+            </a:r>
+            <a:r>
+              <a:rPr lang="it-IT" b="1" dirty="0" err="1">
+                <a:solidFill>
+                  <a:schemeClr val="tx2"/>
+                </a:solidFill>
+                <a:latin typeface="Arial" panose="020B0604020202020204" pitchFamily="34" charset="0"/>
+                <a:cs typeface="Arial" panose="020B0604020202020204" pitchFamily="34" charset="0"/>
+              </a:rPr>
+              <a:t>wall</a:t>
+            </a:r>
+            <a:r>
+              <a:rPr lang="it-IT" b="1" dirty="0">
+                <a:solidFill>
+                  <a:schemeClr val="tx2"/>
+                </a:solidFill>
+                <a:latin typeface="Arial" panose="020B0604020202020204" pitchFamily="34" charset="0"/>
+                <a:cs typeface="Arial" panose="020B0604020202020204" pitchFamily="34" charset="0"/>
+              </a:rPr>
+              <a:t> </a:t>
+            </a:r>
+            <a:r>
+              <a:rPr lang="it-IT" b="1" dirty="0" err="1">
+                <a:solidFill>
+                  <a:schemeClr val="tx2"/>
+                </a:solidFill>
+                <a:latin typeface="Arial" panose="020B0604020202020204" pitchFamily="34" charset="0"/>
+                <a:cs typeface="Arial" panose="020B0604020202020204" pitchFamily="34" charset="0"/>
+              </a:rPr>
+              <a:t>distance</a:t>
+            </a:r>
+            <a:endParaRPr lang="it-IT" b="1" dirty="0">
+              <a:solidFill>
+                <a:schemeClr val="tx2"/>
+              </a:solidFill>
+              <a:latin typeface="Arial" panose="020B0604020202020204" pitchFamily="34" charset="0"/>
+              <a:cs typeface="Arial" panose="020B0604020202020204" pitchFamily="34" charset="0"/>
+            </a:endParaRPr>
+          </a:p>
+        </p:txBody>
+      </p:sp>
+      <mc:AlternateContent xmlns:mc="http://schemas.openxmlformats.org/markup-compatibility/2006">
+        <mc:Choice xmlns:a14="http://schemas.microsoft.com/office/drawing/2010/main" Requires="a14">
+          <p:sp>
+            <p:nvSpPr>
+              <p:cNvPr id="4" name="CasellaDiTesto 3">
+                <a:extLst>
+                  <a:ext uri="{FF2B5EF4-FFF2-40B4-BE49-F238E27FC236}">
+                    <a16:creationId xmlns:a16="http://schemas.microsoft.com/office/drawing/2014/main" id="{DA72DDD2-BD2B-C54B-BE2E-3E052477072F}"/>
+                  </a:ext>
+                </a:extLst>
+              </p:cNvPr>
+              <p:cNvSpPr txBox="1"/>
+              <p:nvPr/>
+            </p:nvSpPr>
+            <p:spPr>
+              <a:xfrm>
+                <a:off x="5119780" y="4409954"/>
+                <a:ext cx="3106748" cy="1360309"/>
+              </a:xfrm>
+              <a:prstGeom prst="rect">
+                <a:avLst/>
+              </a:prstGeom>
+              <a:noFill/>
+            </p:spPr>
+            <p:txBody>
+              <a:bodyPr wrap="none" rtlCol="0">
+                <a:spAutoFit/>
+              </a:bodyPr>
+              <a:lstStyle/>
+              <a:p>
+                <a14:m>
+                  <m:oMathPara xmlns:m="http://schemas.openxmlformats.org/officeDocument/2006/math">
+                    <m:oMathParaPr>
+                      <m:jc m:val="centerGroup"/>
+                    </m:oMathParaPr>
+                    <m:oMath xmlns:m="http://schemas.openxmlformats.org/officeDocument/2006/math">
+                      <m:d>
+                        <m:dPr>
+                          <m:begChr m:val="{"/>
+                          <m:endChr m:val=""/>
+                          <m:ctrlPr>
+                            <a:rPr lang="it-IT" b="1" i="1" smtClean="0">
+                              <a:solidFill>
+                                <a:schemeClr val="tx2"/>
+                              </a:solidFill>
+                              <a:latin typeface="Cambria Math" panose="02040503050406030204" pitchFamily="18" charset="0"/>
+                              <a:cs typeface="Arial" panose="020B0604020202020204" pitchFamily="34" charset="0"/>
+                            </a:rPr>
+                          </m:ctrlPr>
+                        </m:dPr>
+                        <m:e>
+                          <m:eqArr>
+                            <m:eqArrPr>
+                              <m:ctrlPr>
+                                <a:rPr lang="it-IT" b="1" i="1" smtClean="0">
+                                  <a:solidFill>
+                                    <a:schemeClr val="tx2"/>
+                                  </a:solidFill>
+                                  <a:latin typeface="Cambria Math" panose="02040503050406030204" pitchFamily="18" charset="0"/>
+                                  <a:cs typeface="Arial" panose="020B0604020202020204" pitchFamily="34" charset="0"/>
+                                </a:rPr>
+                              </m:ctrlPr>
+                            </m:eqArrPr>
+                            <m:e>
+                              <m:sSup>
+                                <m:sSupPr>
+                                  <m:ctrlPr>
+                                    <a:rPr lang="it-IT" b="1" i="1" smtClean="0">
+                                      <a:solidFill>
+                                        <a:schemeClr val="tx2"/>
+                                      </a:solidFill>
+                                      <a:latin typeface="Cambria Math" panose="02040503050406030204" pitchFamily="18" charset="0"/>
+                                      <a:cs typeface="Arial" panose="020B0604020202020204" pitchFamily="34" charset="0"/>
+                                    </a:rPr>
+                                  </m:ctrlPr>
+                                </m:sSupPr>
+                                <m:e>
+                                  <m:d>
+                                    <m:dPr>
+                                      <m:begChr m:val="⟨"/>
+                                      <m:endChr m:val="⟩"/>
+                                      <m:ctrlPr>
+                                        <a:rPr lang="it-IT" b="1" i="1">
+                                          <a:solidFill>
+                                            <a:schemeClr val="tx2"/>
+                                          </a:solidFill>
+                                          <a:latin typeface="Cambria Math" panose="02040503050406030204" pitchFamily="18" charset="0"/>
+                                          <a:cs typeface="Arial" panose="020B0604020202020204" pitchFamily="34" charset="0"/>
+                                        </a:rPr>
+                                      </m:ctrlPr>
+                                    </m:dPr>
+                                    <m:e>
+                                      <m:r>
+                                        <a:rPr lang="it-IT" b="1" i="1">
+                                          <a:solidFill>
+                                            <a:schemeClr val="tx2"/>
+                                          </a:solidFill>
+                                          <a:latin typeface="Cambria Math" panose="02040503050406030204" pitchFamily="18" charset="0"/>
+                                          <a:cs typeface="Arial" panose="020B0604020202020204" pitchFamily="34" charset="0"/>
+                                        </a:rPr>
+                                        <m:t>𝒗</m:t>
+                                      </m:r>
+                                      <m:r>
+                                        <a:rPr lang="it-IT" b="1" i="1" smtClean="0">
+                                          <a:solidFill>
+                                            <a:schemeClr val="tx2"/>
+                                          </a:solidFill>
+                                          <a:latin typeface="Cambria Math" panose="02040503050406030204" pitchFamily="18" charset="0"/>
+                                          <a:cs typeface="Arial" panose="020B0604020202020204" pitchFamily="34" charset="0"/>
+                                        </a:rPr>
+                                        <m:t>′</m:t>
+                                      </m:r>
+                                      <m:r>
+                                        <a:rPr lang="it-IT" b="1" i="1">
+                                          <a:solidFill>
+                                            <a:schemeClr val="tx2"/>
+                                          </a:solidFill>
+                                          <a:latin typeface="Cambria Math" panose="02040503050406030204" pitchFamily="18" charset="0"/>
+                                          <a:cs typeface="Arial" panose="020B0604020202020204" pitchFamily="34" charset="0"/>
+                                        </a:rPr>
+                                        <m:t>𝒗</m:t>
+                                      </m:r>
+                                      <m:r>
+                                        <a:rPr lang="it-IT" b="1" i="1" smtClean="0">
+                                          <a:solidFill>
+                                            <a:schemeClr val="tx2"/>
+                                          </a:solidFill>
+                                          <a:latin typeface="Cambria Math" panose="02040503050406030204" pitchFamily="18" charset="0"/>
+                                          <a:cs typeface="Arial" panose="020B0604020202020204" pitchFamily="34" charset="0"/>
+                                        </a:rPr>
+                                        <m:t>′</m:t>
+                                      </m:r>
+                                    </m:e>
+                                  </m:d>
+                                </m:e>
+                                <m:sup>
+                                  <m:r>
+                                    <a:rPr lang="it-IT" b="1" i="1" smtClean="0">
+                                      <a:solidFill>
+                                        <a:schemeClr val="tx2"/>
+                                      </a:solidFill>
+                                      <a:latin typeface="Cambria Math" panose="02040503050406030204" pitchFamily="18" charset="0"/>
+                                      <a:cs typeface="Arial" panose="020B0604020202020204" pitchFamily="34" charset="0"/>
+                                    </a:rPr>
+                                    <m:t>+</m:t>
+                                  </m:r>
+                                </m:sup>
+                              </m:sSup>
+                              <m:r>
+                                <a:rPr lang="it-IT" b="1" i="1" smtClean="0">
+                                  <a:solidFill>
+                                    <a:schemeClr val="tx2"/>
+                                  </a:solidFill>
+                                  <a:latin typeface="Cambria Math" panose="02040503050406030204" pitchFamily="18" charset="0"/>
+                                  <a:cs typeface="Arial" panose="020B0604020202020204" pitchFamily="34" charset="0"/>
+                                </a:rPr>
+                                <m:t>=</m:t>
+                              </m:r>
+                              <m:sSub>
+                                <m:sSubPr>
+                                  <m:ctrlPr>
+                                    <a:rPr lang="it-IT" b="1" i="1" smtClean="0">
+                                      <a:solidFill>
+                                        <a:schemeClr val="tx2"/>
+                                      </a:solidFill>
+                                      <a:latin typeface="Cambria Math" panose="02040503050406030204" pitchFamily="18" charset="0"/>
+                                      <a:cs typeface="Arial" panose="020B0604020202020204" pitchFamily="34" charset="0"/>
+                                    </a:rPr>
+                                  </m:ctrlPr>
+                                </m:sSubPr>
+                                <m:e>
+                                  <m:r>
+                                    <a:rPr lang="it-IT" b="1" i="1" smtClean="0">
+                                      <a:solidFill>
+                                        <a:schemeClr val="tx2"/>
+                                      </a:solidFill>
+                                      <a:latin typeface="Cambria Math" panose="02040503050406030204" pitchFamily="18" charset="0"/>
+                                      <a:cs typeface="Arial" panose="020B0604020202020204" pitchFamily="34" charset="0"/>
+                                    </a:rPr>
+                                    <m:t>𝑨</m:t>
+                                  </m:r>
+                                </m:e>
+                                <m:sub>
+                                  <m:r>
+                                    <a:rPr lang="it-IT" b="1" i="1" smtClean="0">
+                                      <a:solidFill>
+                                        <a:schemeClr val="tx2"/>
+                                      </a:solidFill>
+                                      <a:latin typeface="Cambria Math" panose="02040503050406030204" pitchFamily="18" charset="0"/>
+                                      <a:cs typeface="Arial" panose="020B0604020202020204" pitchFamily="34" charset="0"/>
+                                    </a:rPr>
+                                    <m:t>𝟐</m:t>
+                                  </m:r>
+                                </m:sub>
+                              </m:sSub>
+                            </m:e>
+                            <m:e>
+                              <m:r>
+                                <a:rPr lang="it-IT" b="1" i="1" smtClean="0">
+                                  <a:solidFill>
+                                    <a:schemeClr val="tx2"/>
+                                  </a:solidFill>
+                                  <a:latin typeface="Cambria Math" panose="02040503050406030204" pitchFamily="18" charset="0"/>
+                                </a:rPr>
+                                <m:t>−</m:t>
+                              </m:r>
+                              <m:sSup>
+                                <m:sSupPr>
+                                  <m:ctrlPr>
+                                    <a:rPr lang="it-IT" b="1" i="1" smtClean="0">
+                                      <a:solidFill>
+                                        <a:schemeClr val="tx2"/>
+                                      </a:solidFill>
+                                      <a:latin typeface="Cambria Math" panose="02040503050406030204" pitchFamily="18" charset="0"/>
+                                    </a:rPr>
+                                  </m:ctrlPr>
+                                </m:sSupPr>
+                                <m:e>
+                                  <m:d>
+                                    <m:dPr>
+                                      <m:begChr m:val="⟨"/>
+                                      <m:endChr m:val="⟩"/>
+                                      <m:ctrlPr>
+                                        <a:rPr lang="it-IT" b="1" i="1" smtClean="0">
+                                          <a:solidFill>
+                                            <a:schemeClr val="tx2"/>
+                                          </a:solidFill>
+                                          <a:latin typeface="Cambria Math" panose="02040503050406030204" pitchFamily="18" charset="0"/>
+                                        </a:rPr>
+                                      </m:ctrlPr>
+                                    </m:dPr>
+                                    <m:e>
+                                      <m:sSup>
+                                        <m:sSupPr>
+                                          <m:ctrlPr>
+                                            <a:rPr lang="it-IT" b="1" i="1" smtClean="0">
+                                              <a:solidFill>
+                                                <a:schemeClr val="tx2"/>
+                                              </a:solidFill>
+                                              <a:latin typeface="Cambria Math" panose="02040503050406030204" pitchFamily="18" charset="0"/>
+                                            </a:rPr>
+                                          </m:ctrlPr>
+                                        </m:sSupPr>
+                                        <m:e>
+                                          <m:r>
+                                            <a:rPr lang="it-IT" b="1" i="1" smtClean="0">
+                                              <a:solidFill>
+                                                <a:schemeClr val="tx2"/>
+                                              </a:solidFill>
+                                              <a:latin typeface="Cambria Math" panose="02040503050406030204" pitchFamily="18" charset="0"/>
+                                            </a:rPr>
+                                            <m:t>𝒖</m:t>
+                                          </m:r>
+                                        </m:e>
+                                        <m:sup>
+                                          <m:r>
+                                            <a:rPr lang="it-IT" b="1" i="1" smtClean="0">
+                                              <a:solidFill>
+                                                <a:schemeClr val="tx2"/>
+                                              </a:solidFill>
+                                              <a:latin typeface="Cambria Math" panose="02040503050406030204" pitchFamily="18" charset="0"/>
+                                            </a:rPr>
+                                            <m:t>′</m:t>
+                                          </m:r>
+                                        </m:sup>
+                                      </m:sSup>
+                                      <m:sSup>
+                                        <m:sSupPr>
+                                          <m:ctrlPr>
+                                            <a:rPr lang="it-IT" b="1" i="1" smtClean="0">
+                                              <a:solidFill>
+                                                <a:schemeClr val="tx2"/>
+                                              </a:solidFill>
+                                              <a:latin typeface="Cambria Math" panose="02040503050406030204" pitchFamily="18" charset="0"/>
+                                            </a:rPr>
+                                          </m:ctrlPr>
+                                        </m:sSupPr>
+                                        <m:e>
+                                          <m:r>
+                                            <a:rPr lang="it-IT" b="1" i="1" smtClean="0">
+                                              <a:solidFill>
+                                                <a:schemeClr val="tx2"/>
+                                              </a:solidFill>
+                                              <a:latin typeface="Cambria Math" panose="02040503050406030204" pitchFamily="18" charset="0"/>
+                                            </a:rPr>
+                                            <m:t>𝒗</m:t>
+                                          </m:r>
+                                        </m:e>
+                                        <m:sup>
+                                          <m:r>
+                                            <a:rPr lang="it-IT" b="1" i="1" smtClean="0">
+                                              <a:solidFill>
+                                                <a:schemeClr val="tx2"/>
+                                              </a:solidFill>
+                                              <a:latin typeface="Cambria Math" panose="02040503050406030204" pitchFamily="18" charset="0"/>
+                                            </a:rPr>
+                                            <m:t>′</m:t>
+                                          </m:r>
+                                        </m:sup>
+                                      </m:sSup>
+                                    </m:e>
+                                  </m:d>
+                                </m:e>
+                                <m:sup>
+                                  <m:r>
+                                    <a:rPr lang="it-IT" b="1" i="1" smtClean="0">
+                                      <a:solidFill>
+                                        <a:schemeClr val="tx2"/>
+                                      </a:solidFill>
+                                      <a:latin typeface="Cambria Math" panose="02040503050406030204" pitchFamily="18" charset="0"/>
+                                    </a:rPr>
+                                    <m:t>+</m:t>
+                                  </m:r>
+                                </m:sup>
+                              </m:sSup>
+                              <m:r>
+                                <a:rPr lang="it-IT" b="1" i="1" smtClean="0">
+                                  <a:solidFill>
+                                    <a:schemeClr val="tx2"/>
+                                  </a:solidFill>
+                                  <a:latin typeface="Cambria Math" panose="02040503050406030204" pitchFamily="18" charset="0"/>
+                                </a:rPr>
+                                <m:t>=</m:t>
+                              </m:r>
+                              <m:r>
+                                <a:rPr lang="it-IT" b="1" i="1" smtClean="0">
+                                  <a:solidFill>
+                                    <a:schemeClr val="tx2"/>
+                                  </a:solidFill>
+                                  <a:latin typeface="Cambria Math" panose="02040503050406030204" pitchFamily="18" charset="0"/>
+                                  <a:ea typeface="Cambria Math" panose="02040503050406030204" pitchFamily="18" charset="0"/>
+                                </a:rPr>
+                                <m:t>𝟏</m:t>
+                              </m:r>
+                            </m:e>
+                            <m:e>
+                              <m:sSup>
+                                <m:sSupPr>
+                                  <m:ctrlPr>
+                                    <a:rPr lang="it-IT" b="1" i="1" smtClean="0">
+                                      <a:solidFill>
+                                        <a:schemeClr val="tx2"/>
+                                      </a:solidFill>
+                                      <a:latin typeface="Cambria Math" panose="02040503050406030204" pitchFamily="18" charset="0"/>
+                                    </a:rPr>
+                                  </m:ctrlPr>
+                                </m:sSupPr>
+                                <m:e>
+                                  <m:d>
+                                    <m:dPr>
+                                      <m:begChr m:val="⟨"/>
+                                      <m:endChr m:val="⟩"/>
+                                      <m:ctrlPr>
+                                        <a:rPr lang="it-IT" b="1" i="1" smtClean="0">
+                                          <a:solidFill>
+                                            <a:schemeClr val="tx2"/>
+                                          </a:solidFill>
+                                          <a:latin typeface="Cambria Math" panose="02040503050406030204" pitchFamily="18" charset="0"/>
+                                        </a:rPr>
+                                      </m:ctrlPr>
+                                    </m:dPr>
+                                    <m:e>
+                                      <m:sSup>
+                                        <m:sSupPr>
+                                          <m:ctrlPr>
+                                            <a:rPr lang="it-IT" b="1" i="1" smtClean="0">
+                                              <a:solidFill>
+                                                <a:schemeClr val="tx2"/>
+                                              </a:solidFill>
+                                              <a:latin typeface="Cambria Math" panose="02040503050406030204" pitchFamily="18" charset="0"/>
+                                            </a:rPr>
+                                          </m:ctrlPr>
+                                        </m:sSupPr>
+                                        <m:e>
+                                          <m:r>
+                                            <a:rPr lang="it-IT" b="1" i="1" smtClean="0">
+                                              <a:solidFill>
+                                                <a:schemeClr val="tx2"/>
+                                              </a:solidFill>
+                                              <a:latin typeface="Cambria Math" panose="02040503050406030204" pitchFamily="18" charset="0"/>
+                                            </a:rPr>
+                                            <m:t>𝒖</m:t>
+                                          </m:r>
+                                        </m:e>
+                                        <m:sup>
+                                          <m:r>
+                                            <a:rPr lang="it-IT" b="1" i="1" smtClean="0">
+                                              <a:solidFill>
+                                                <a:schemeClr val="tx2"/>
+                                              </a:solidFill>
+                                              <a:latin typeface="Cambria Math" panose="02040503050406030204" pitchFamily="18" charset="0"/>
+                                            </a:rPr>
+                                            <m:t>′</m:t>
+                                          </m:r>
+                                        </m:sup>
+                                      </m:sSup>
+                                      <m:r>
+                                        <a:rPr lang="it-IT" b="1" i="1" smtClean="0">
+                                          <a:solidFill>
+                                            <a:schemeClr val="tx2"/>
+                                          </a:solidFill>
+                                          <a:latin typeface="Cambria Math" panose="02040503050406030204" pitchFamily="18" charset="0"/>
+                                        </a:rPr>
+                                        <m:t>𝒖</m:t>
+                                      </m:r>
+                                      <m:r>
+                                        <a:rPr lang="it-IT" b="1" i="1" smtClean="0">
+                                          <a:solidFill>
+                                            <a:schemeClr val="tx2"/>
+                                          </a:solidFill>
+                                          <a:latin typeface="Cambria Math" panose="02040503050406030204" pitchFamily="18" charset="0"/>
+                                        </a:rPr>
+                                        <m:t>′</m:t>
+                                      </m:r>
+                                    </m:e>
+                                  </m:d>
+                                </m:e>
+                                <m:sup>
+                                  <m:r>
+                                    <a:rPr lang="it-IT" b="1" i="1" smtClean="0">
+                                      <a:solidFill>
+                                        <a:schemeClr val="tx2"/>
+                                      </a:solidFill>
+                                      <a:latin typeface="Cambria Math" panose="02040503050406030204" pitchFamily="18" charset="0"/>
+                                    </a:rPr>
+                                    <m:t>+</m:t>
+                                  </m:r>
+                                </m:sup>
+                              </m:sSup>
+                              <m:r>
+                                <a:rPr lang="it-IT" b="1" i="1" smtClean="0">
+                                  <a:solidFill>
+                                    <a:schemeClr val="tx2"/>
+                                  </a:solidFill>
+                                  <a:latin typeface="Cambria Math" panose="02040503050406030204" pitchFamily="18" charset="0"/>
+                                </a:rPr>
+                                <m:t>=</m:t>
+                              </m:r>
+                              <m:sSub>
+                                <m:sSubPr>
+                                  <m:ctrlPr>
+                                    <a:rPr lang="it-IT" b="1" i="1" smtClean="0">
+                                      <a:solidFill>
+                                        <a:schemeClr val="tx2"/>
+                                      </a:solidFill>
+                                      <a:latin typeface="Cambria Math" panose="02040503050406030204" pitchFamily="18" charset="0"/>
+                                    </a:rPr>
+                                  </m:ctrlPr>
+                                </m:sSubPr>
+                                <m:e>
+                                  <m:r>
+                                    <a:rPr lang="it-IT" b="1" i="1" smtClean="0">
+                                      <a:solidFill>
+                                        <a:schemeClr val="tx2"/>
+                                      </a:solidFill>
+                                      <a:latin typeface="Cambria Math" panose="02040503050406030204" pitchFamily="18" charset="0"/>
+                                    </a:rPr>
+                                    <m:t>𝑨</m:t>
+                                  </m:r>
+                                </m:e>
+                                <m:sub>
+                                  <m:r>
+                                    <a:rPr lang="it-IT" b="1" i="1" smtClean="0">
+                                      <a:solidFill>
+                                        <a:schemeClr val="tx2"/>
+                                      </a:solidFill>
+                                      <a:latin typeface="Cambria Math" panose="02040503050406030204" pitchFamily="18" charset="0"/>
+                                    </a:rPr>
+                                    <m:t>𝟏</m:t>
+                                  </m:r>
+                                </m:sub>
+                              </m:sSub>
+                              <m:r>
+                                <a:rPr lang="it-IT" b="1" i="1" smtClean="0">
+                                  <a:solidFill>
+                                    <a:schemeClr val="tx2"/>
+                                  </a:solidFill>
+                                  <a:latin typeface="Cambria Math" panose="02040503050406030204" pitchFamily="18" charset="0"/>
+                                </a:rPr>
+                                <m:t>−</m:t>
+                              </m:r>
+                              <m:sSub>
+                                <m:sSubPr>
+                                  <m:ctrlPr>
+                                    <a:rPr lang="it-IT" b="1" i="1" smtClean="0">
+                                      <a:solidFill>
+                                        <a:schemeClr val="tx2"/>
+                                      </a:solidFill>
+                                      <a:latin typeface="Cambria Math" panose="02040503050406030204" pitchFamily="18" charset="0"/>
+                                    </a:rPr>
+                                  </m:ctrlPr>
+                                </m:sSubPr>
+                                <m:e>
+                                  <m:r>
+                                    <a:rPr lang="it-IT" b="1" i="1" smtClean="0">
+                                      <a:solidFill>
+                                        <a:schemeClr val="tx2"/>
+                                      </a:solidFill>
+                                      <a:latin typeface="Cambria Math" panose="02040503050406030204" pitchFamily="18" charset="0"/>
+                                    </a:rPr>
+                                    <m:t>𝑩</m:t>
+                                  </m:r>
+                                </m:e>
+                                <m:sub>
+                                  <m:r>
+                                    <a:rPr lang="it-IT" b="1" i="1" smtClean="0">
+                                      <a:solidFill>
+                                        <a:schemeClr val="tx2"/>
+                                      </a:solidFill>
+                                      <a:latin typeface="Cambria Math" panose="02040503050406030204" pitchFamily="18" charset="0"/>
+                                    </a:rPr>
+                                    <m:t>𝟏</m:t>
+                                  </m:r>
+                                </m:sub>
+                              </m:sSub>
+                              <m:r>
+                                <a:rPr lang="it-IT" b="1" i="0" smtClean="0">
+                                  <a:solidFill>
+                                    <a:schemeClr val="tx2"/>
+                                  </a:solidFill>
+                                  <a:latin typeface="Cambria Math" panose="02040503050406030204" pitchFamily="18" charset="0"/>
+                                </a:rPr>
+                                <m:t>𝐥𝐨𝐠</m:t>
+                              </m:r>
+                              <m:r>
+                                <a:rPr lang="it-IT" b="1" i="1" smtClean="0">
+                                  <a:solidFill>
+                                    <a:schemeClr val="tx2"/>
+                                  </a:solidFill>
+                                  <a:latin typeface="Cambria Math" panose="02040503050406030204" pitchFamily="18" charset="0"/>
+                                </a:rPr>
+                                <m:t>⁡(</m:t>
+                              </m:r>
+                              <m:sSup>
+                                <m:sSupPr>
+                                  <m:ctrlPr>
+                                    <a:rPr lang="it-IT" b="1" i="1" smtClean="0">
+                                      <a:solidFill>
+                                        <a:schemeClr val="tx2"/>
+                                      </a:solidFill>
+                                      <a:latin typeface="Cambria Math" panose="02040503050406030204" pitchFamily="18" charset="0"/>
+                                    </a:rPr>
+                                  </m:ctrlPr>
+                                </m:sSupPr>
+                                <m:e>
+                                  <m:r>
+                                    <a:rPr lang="it-IT" b="1" i="1" smtClean="0">
+                                      <a:solidFill>
+                                        <a:schemeClr val="tx2"/>
+                                      </a:solidFill>
+                                      <a:latin typeface="Cambria Math" panose="02040503050406030204" pitchFamily="18" charset="0"/>
+                                    </a:rPr>
+                                    <m:t>𝒚</m:t>
+                                  </m:r>
+                                </m:e>
+                                <m:sup>
+                                  <m:r>
+                                    <a:rPr lang="it-IT" b="1" i="1" smtClean="0">
+                                      <a:solidFill>
+                                        <a:schemeClr val="tx2"/>
+                                      </a:solidFill>
+                                      <a:latin typeface="Cambria Math" panose="02040503050406030204" pitchFamily="18" charset="0"/>
+                                    </a:rPr>
+                                    <m:t>+</m:t>
+                                  </m:r>
+                                </m:sup>
+                              </m:sSup>
+                              <m:r>
+                                <a:rPr lang="it-IT" b="1" i="1" smtClean="0">
+                                  <a:solidFill>
+                                    <a:schemeClr val="tx2"/>
+                                  </a:solidFill>
+                                  <a:latin typeface="Cambria Math" panose="02040503050406030204" pitchFamily="18" charset="0"/>
+                                </a:rPr>
+                                <m:t>)</m:t>
+                              </m:r>
+                            </m:e>
+                            <m:e>
+                              <m:sSup>
+                                <m:sSupPr>
+                                  <m:ctrlPr>
+                                    <a:rPr lang="it-IT" b="1" i="1" smtClean="0">
+                                      <a:solidFill>
+                                        <a:schemeClr val="tx2"/>
+                                      </a:solidFill>
+                                      <a:latin typeface="Cambria Math" panose="02040503050406030204" pitchFamily="18" charset="0"/>
+                                    </a:rPr>
+                                  </m:ctrlPr>
+                                </m:sSupPr>
+                                <m:e>
+                                  <m:d>
+                                    <m:dPr>
+                                      <m:begChr m:val="⟨"/>
+                                      <m:endChr m:val="⟩"/>
+                                      <m:ctrlPr>
+                                        <a:rPr lang="it-IT" b="1" i="1" smtClean="0">
+                                          <a:solidFill>
+                                            <a:schemeClr val="tx2"/>
+                                          </a:solidFill>
+                                          <a:latin typeface="Cambria Math" panose="02040503050406030204" pitchFamily="18" charset="0"/>
+                                        </a:rPr>
+                                      </m:ctrlPr>
+                                    </m:dPr>
+                                    <m:e>
+                                      <m:sSup>
+                                        <m:sSupPr>
+                                          <m:ctrlPr>
+                                            <a:rPr lang="it-IT" b="1" i="1" smtClean="0">
+                                              <a:solidFill>
+                                                <a:schemeClr val="tx2"/>
+                                              </a:solidFill>
+                                              <a:latin typeface="Cambria Math" panose="02040503050406030204" pitchFamily="18" charset="0"/>
+                                            </a:rPr>
+                                          </m:ctrlPr>
+                                        </m:sSupPr>
+                                        <m:e>
+                                          <m:r>
+                                            <a:rPr lang="it-IT" b="1" i="1" smtClean="0">
+                                              <a:solidFill>
+                                                <a:schemeClr val="tx2"/>
+                                              </a:solidFill>
+                                              <a:latin typeface="Cambria Math" panose="02040503050406030204" pitchFamily="18" charset="0"/>
+                                            </a:rPr>
+                                            <m:t>𝒘</m:t>
+                                          </m:r>
+                                        </m:e>
+                                        <m:sup>
+                                          <m:r>
+                                            <a:rPr lang="it-IT" b="1" i="1" smtClean="0">
+                                              <a:solidFill>
+                                                <a:schemeClr val="tx2"/>
+                                              </a:solidFill>
+                                              <a:latin typeface="Cambria Math" panose="02040503050406030204" pitchFamily="18" charset="0"/>
+                                            </a:rPr>
+                                            <m:t>′</m:t>
+                                          </m:r>
+                                        </m:sup>
+                                      </m:sSup>
+                                      <m:r>
+                                        <a:rPr lang="it-IT" b="1" i="1" smtClean="0">
+                                          <a:solidFill>
+                                            <a:schemeClr val="tx2"/>
+                                          </a:solidFill>
+                                          <a:latin typeface="Cambria Math" panose="02040503050406030204" pitchFamily="18" charset="0"/>
+                                        </a:rPr>
+                                        <m:t>𝒘</m:t>
+                                      </m:r>
+                                      <m:r>
+                                        <a:rPr lang="it-IT" b="1" i="1" smtClean="0">
+                                          <a:solidFill>
+                                            <a:schemeClr val="tx2"/>
+                                          </a:solidFill>
+                                          <a:latin typeface="Cambria Math" panose="02040503050406030204" pitchFamily="18" charset="0"/>
+                                        </a:rPr>
+                                        <m:t>′</m:t>
+                                      </m:r>
+                                    </m:e>
+                                  </m:d>
+                                </m:e>
+                                <m:sup>
+                                  <m:r>
+                                    <a:rPr lang="it-IT" b="1" i="1" smtClean="0">
+                                      <a:solidFill>
+                                        <a:schemeClr val="tx2"/>
+                                      </a:solidFill>
+                                      <a:latin typeface="Cambria Math" panose="02040503050406030204" pitchFamily="18" charset="0"/>
+                                    </a:rPr>
+                                    <m:t>+</m:t>
+                                  </m:r>
+                                </m:sup>
+                              </m:sSup>
+                              <m:r>
+                                <a:rPr lang="it-IT" b="1" i="1" smtClean="0">
+                                  <a:solidFill>
+                                    <a:schemeClr val="tx2"/>
+                                  </a:solidFill>
+                                  <a:latin typeface="Cambria Math" panose="02040503050406030204" pitchFamily="18" charset="0"/>
+                                </a:rPr>
+                                <m:t>=</m:t>
+                              </m:r>
+                              <m:sSub>
+                                <m:sSubPr>
+                                  <m:ctrlPr>
+                                    <a:rPr lang="it-IT" b="1" i="1" smtClean="0">
+                                      <a:solidFill>
+                                        <a:schemeClr val="tx2"/>
+                                      </a:solidFill>
+                                      <a:latin typeface="Cambria Math" panose="02040503050406030204" pitchFamily="18" charset="0"/>
+                                    </a:rPr>
+                                  </m:ctrlPr>
+                                </m:sSubPr>
+                                <m:e>
+                                  <m:r>
+                                    <a:rPr lang="it-IT" b="1" i="1" smtClean="0">
+                                      <a:solidFill>
+                                        <a:schemeClr val="tx2"/>
+                                      </a:solidFill>
+                                      <a:latin typeface="Cambria Math" panose="02040503050406030204" pitchFamily="18" charset="0"/>
+                                    </a:rPr>
+                                    <m:t>𝑨</m:t>
+                                  </m:r>
+                                </m:e>
+                                <m:sub>
+                                  <m:r>
+                                    <a:rPr lang="it-IT" b="1" i="1" smtClean="0">
+                                      <a:solidFill>
+                                        <a:schemeClr val="tx2"/>
+                                      </a:solidFill>
+                                      <a:latin typeface="Cambria Math" panose="02040503050406030204" pitchFamily="18" charset="0"/>
+                                    </a:rPr>
+                                    <m:t>𝟑</m:t>
+                                  </m:r>
+                                </m:sub>
+                              </m:sSub>
+                              <m:r>
+                                <a:rPr lang="it-IT" b="1" i="1" smtClean="0">
+                                  <a:solidFill>
+                                    <a:schemeClr val="tx2"/>
+                                  </a:solidFill>
+                                  <a:latin typeface="Cambria Math" panose="02040503050406030204" pitchFamily="18" charset="0"/>
+                                </a:rPr>
+                                <m:t>−</m:t>
+                              </m:r>
+                              <m:sSub>
+                                <m:sSubPr>
+                                  <m:ctrlPr>
+                                    <a:rPr lang="it-IT" b="1" i="1" smtClean="0">
+                                      <a:solidFill>
+                                        <a:schemeClr val="tx2"/>
+                                      </a:solidFill>
+                                      <a:latin typeface="Cambria Math" panose="02040503050406030204" pitchFamily="18" charset="0"/>
+                                    </a:rPr>
+                                  </m:ctrlPr>
+                                </m:sSubPr>
+                                <m:e>
+                                  <m:r>
+                                    <a:rPr lang="it-IT" b="1" i="1" smtClean="0">
+                                      <a:solidFill>
+                                        <a:schemeClr val="tx2"/>
+                                      </a:solidFill>
+                                      <a:latin typeface="Cambria Math" panose="02040503050406030204" pitchFamily="18" charset="0"/>
+                                    </a:rPr>
+                                    <m:t>𝑩</m:t>
+                                  </m:r>
+                                </m:e>
+                                <m:sub>
+                                  <m:r>
+                                    <a:rPr lang="it-IT" b="1" i="1" smtClean="0">
+                                      <a:solidFill>
+                                        <a:schemeClr val="tx2"/>
+                                      </a:solidFill>
+                                      <a:latin typeface="Cambria Math" panose="02040503050406030204" pitchFamily="18" charset="0"/>
+                                    </a:rPr>
+                                    <m:t>𝟑</m:t>
+                                  </m:r>
+                                </m:sub>
+                              </m:sSub>
+                              <m:r>
+                                <a:rPr lang="it-IT" b="1" i="0" smtClean="0">
+                                  <a:solidFill>
+                                    <a:schemeClr val="tx2"/>
+                                  </a:solidFill>
+                                  <a:latin typeface="Cambria Math" panose="02040503050406030204" pitchFamily="18" charset="0"/>
+                                </a:rPr>
+                                <m:t>𝐥𝐨𝐠</m:t>
+                              </m:r>
+                              <m:r>
+                                <a:rPr lang="it-IT" b="1" i="1" smtClean="0">
+                                  <a:solidFill>
+                                    <a:schemeClr val="tx2"/>
+                                  </a:solidFill>
+                                  <a:latin typeface="Cambria Math" panose="02040503050406030204" pitchFamily="18" charset="0"/>
+                                </a:rPr>
+                                <m:t>⁡(</m:t>
+                              </m:r>
+                              <m:sSup>
+                                <m:sSupPr>
+                                  <m:ctrlPr>
+                                    <a:rPr lang="it-IT" b="1" i="1" smtClean="0">
+                                      <a:solidFill>
+                                        <a:schemeClr val="tx2"/>
+                                      </a:solidFill>
+                                      <a:latin typeface="Cambria Math" panose="02040503050406030204" pitchFamily="18" charset="0"/>
+                                    </a:rPr>
+                                  </m:ctrlPr>
+                                </m:sSupPr>
+                                <m:e>
+                                  <m:r>
+                                    <a:rPr lang="it-IT" b="1" i="1" smtClean="0">
+                                      <a:solidFill>
+                                        <a:schemeClr val="tx2"/>
+                                      </a:solidFill>
+                                      <a:latin typeface="Cambria Math" panose="02040503050406030204" pitchFamily="18" charset="0"/>
+                                    </a:rPr>
+                                    <m:t>𝒚</m:t>
+                                  </m:r>
+                                </m:e>
+                                <m:sup>
+                                  <m:r>
+                                    <a:rPr lang="it-IT" b="1" i="1" smtClean="0">
+                                      <a:solidFill>
+                                        <a:schemeClr val="tx2"/>
+                                      </a:solidFill>
+                                      <a:latin typeface="Cambria Math" panose="02040503050406030204" pitchFamily="18" charset="0"/>
+                                    </a:rPr>
+                                    <m:t>+</m:t>
+                                  </m:r>
+                                </m:sup>
+                              </m:sSup>
+                              <m:r>
+                                <a:rPr lang="it-IT" b="1" i="1" smtClean="0">
+                                  <a:solidFill>
+                                    <a:schemeClr val="tx2"/>
+                                  </a:solidFill>
+                                  <a:latin typeface="Cambria Math" panose="02040503050406030204" pitchFamily="18" charset="0"/>
+                                </a:rPr>
+                                <m:t>)</m:t>
+                              </m:r>
+                            </m:e>
+                          </m:eqArr>
+                        </m:e>
+                      </m:d>
+                    </m:oMath>
+                  </m:oMathPara>
+                </a14:m>
+                <a:endParaRPr lang="it-IT" b="1" dirty="0">
+                  <a:solidFill>
+                    <a:schemeClr val="tx2"/>
+                  </a:solidFill>
+                  <a:latin typeface="Arial" panose="020B0604020202020204" pitchFamily="34" charset="0"/>
+                  <a:cs typeface="Arial" panose="020B0604020202020204" pitchFamily="34" charset="0"/>
+                </a:endParaRPr>
+              </a:p>
+            </p:txBody>
+          </p:sp>
+        </mc:Choice>
+        <mc:Fallback>
+          <p:sp>
+            <p:nvSpPr>
+              <p:cNvPr id="4" name="CasellaDiTesto 3">
+                <a:extLst>
+                  <a:ext uri="{FF2B5EF4-FFF2-40B4-BE49-F238E27FC236}">
+                    <a16:creationId xmlns:a16="http://schemas.microsoft.com/office/drawing/2014/main" id="{DA72DDD2-BD2B-C54B-BE2E-3E052477072F}"/>
+                  </a:ext>
+                </a:extLst>
+              </p:cNvPr>
+              <p:cNvSpPr txBox="1">
+                <a:spLocks noRot="1" noChangeAspect="1" noMove="1" noResize="1" noEditPoints="1" noAdjustHandles="1" noChangeArrowheads="1" noChangeShapeType="1" noTextEdit="1"/>
+              </p:cNvSpPr>
+              <p:nvPr/>
+            </p:nvSpPr>
+            <p:spPr>
+              <a:xfrm>
+                <a:off x="5119780" y="4409954"/>
+                <a:ext cx="3106748" cy="1360309"/>
+              </a:xfrm>
+              <a:prstGeom prst="rect">
+                <a:avLst/>
+              </a:prstGeom>
+              <a:blipFill>
+                <a:blip r:embed="rId4"/>
+                <a:stretch>
+                  <a:fillRect b="-926"/>
+                </a:stretch>
+              </a:blipFill>
+            </p:spPr>
+            <p:txBody>
+              <a:bodyPr/>
+              <a:lstStyle/>
+              <a:p>
+                <a:r>
+                  <a:rPr lang="it-IT">
+                    <a:noFill/>
+                  </a:rPr>
+                  <a:t> </a:t>
+                </a:r>
+              </a:p>
+            </p:txBody>
+          </p:sp>
+        </mc:Fallback>
+      </mc:AlternateContent>
     </p:spTree>
     <p:extLst>
       <p:ext uri="{BB962C8B-B14F-4D97-AF65-F5344CB8AC3E}">
-        <p14:creationId xmlns:p14="http://schemas.microsoft.com/office/powerpoint/2010/main" val="2623125661"/>
+        <p14:creationId xmlns:p14="http://schemas.microsoft.com/office/powerpoint/2010/main" val="1001874613"/>
       </p:ext>
     </p:extLst>
   </p:cSld>
@@ -24087,6 +25491,204 @@
       </p:transition>
     </mc:Fallback>
   </mc:AlternateContent>
+  <p:timing>
+    <p:tnLst>
+      <p:par>
+        <p:cTn id="1" dur="indefinite" restart="never" nodeType="tmRoot">
+          <p:childTnLst>
+            <p:seq concurrent="1" nextAc="seek">
+              <p:cTn id="2" dur="indefinite" nodeType="mainSeq">
+                <p:childTnLst>
+                  <p:par>
+                    <p:cTn id="3" fill="hold">
+                      <p:stCondLst>
+                        <p:cond delay="indefinite"/>
+                      </p:stCondLst>
+                      <p:childTnLst>
+                        <p:par>
+                          <p:cTn id="4" fill="hold">
+                            <p:stCondLst>
+                              <p:cond delay="0"/>
+                            </p:stCondLst>
+                            <p:childTnLst>
+                              <p:par>
+                                <p:cTn id="5" presetID="2" presetClass="entr" presetSubtype="4" fill="hold" grpId="0" nodeType="clickEffect">
+                                  <p:stCondLst>
+                                    <p:cond delay="0"/>
+                                  </p:stCondLst>
+                                  <p:childTnLst>
+                                    <p:set>
+                                      <p:cBhvr>
+                                        <p:cTn id="6" dur="1" fill="hold">
+                                          <p:stCondLst>
+                                            <p:cond delay="0"/>
+                                          </p:stCondLst>
+                                        </p:cTn>
+                                        <p:tgtEl>
+                                          <p:spTgt spid="12"/>
+                                        </p:tgtEl>
+                                        <p:attrNameLst>
+                                          <p:attrName>style.visibility</p:attrName>
+                                        </p:attrNameLst>
+                                      </p:cBhvr>
+                                      <p:to>
+                                        <p:strVal val="visible"/>
+                                      </p:to>
+                                    </p:set>
+                                    <p:anim calcmode="lin" valueType="num">
+                                      <p:cBhvr additive="base">
+                                        <p:cTn id="7" dur="500" fill="hold"/>
+                                        <p:tgtEl>
+                                          <p:spTgt spid="12"/>
+                                        </p:tgtEl>
+                                        <p:attrNameLst>
+                                          <p:attrName>ppt_x</p:attrName>
+                                        </p:attrNameLst>
+                                      </p:cBhvr>
+                                      <p:tavLst>
+                                        <p:tav tm="0">
+                                          <p:val>
+                                            <p:strVal val="#ppt_x"/>
+                                          </p:val>
+                                        </p:tav>
+                                        <p:tav tm="100000">
+                                          <p:val>
+                                            <p:strVal val="#ppt_x"/>
+                                          </p:val>
+                                        </p:tav>
+                                      </p:tavLst>
+                                    </p:anim>
+                                    <p:anim calcmode="lin" valueType="num">
+                                      <p:cBhvr additive="base">
+                                        <p:cTn id="8" dur="500" fill="hold"/>
+                                        <p:tgtEl>
+                                          <p:spTgt spid="12"/>
+                                        </p:tgtEl>
+                                        <p:attrNameLst>
+                                          <p:attrName>ppt_y</p:attrName>
+                                        </p:attrNameLst>
+                                      </p:cBhvr>
+                                      <p:tavLst>
+                                        <p:tav tm="0">
+                                          <p:val>
+                                            <p:strVal val="1+#ppt_h/2"/>
+                                          </p:val>
+                                        </p:tav>
+                                        <p:tav tm="100000">
+                                          <p:val>
+                                            <p:strVal val="#ppt_y"/>
+                                          </p:val>
+                                        </p:tav>
+                                      </p:tavLst>
+                                    </p:anim>
+                                  </p:childTnLst>
+                                </p:cTn>
+                              </p:par>
+                              <p:par>
+                                <p:cTn id="9" presetID="2" presetClass="entr" presetSubtype="4" fill="hold" grpId="0" nodeType="withEffect">
+                                  <p:stCondLst>
+                                    <p:cond delay="0"/>
+                                  </p:stCondLst>
+                                  <p:childTnLst>
+                                    <p:set>
+                                      <p:cBhvr>
+                                        <p:cTn id="10" dur="1" fill="hold">
+                                          <p:stCondLst>
+                                            <p:cond delay="0"/>
+                                          </p:stCondLst>
+                                        </p:cTn>
+                                        <p:tgtEl>
+                                          <p:spTgt spid="2"/>
+                                        </p:tgtEl>
+                                        <p:attrNameLst>
+                                          <p:attrName>style.visibility</p:attrName>
+                                        </p:attrNameLst>
+                                      </p:cBhvr>
+                                      <p:to>
+                                        <p:strVal val="visible"/>
+                                      </p:to>
+                                    </p:set>
+                                    <p:anim calcmode="lin" valueType="num">
+                                      <p:cBhvr additive="base">
+                                        <p:cTn id="11" dur="500" fill="hold"/>
+                                        <p:tgtEl>
+                                          <p:spTgt spid="2"/>
+                                        </p:tgtEl>
+                                        <p:attrNameLst>
+                                          <p:attrName>ppt_x</p:attrName>
+                                        </p:attrNameLst>
+                                      </p:cBhvr>
+                                      <p:tavLst>
+                                        <p:tav tm="0">
+                                          <p:val>
+                                            <p:strVal val="#ppt_x"/>
+                                          </p:val>
+                                        </p:tav>
+                                        <p:tav tm="100000">
+                                          <p:val>
+                                            <p:strVal val="#ppt_x"/>
+                                          </p:val>
+                                        </p:tav>
+                                      </p:tavLst>
+                                    </p:anim>
+                                    <p:anim calcmode="lin" valueType="num">
+                                      <p:cBhvr additive="base">
+                                        <p:cTn id="12" dur="500" fill="hold"/>
+                                        <p:tgtEl>
+                                          <p:spTgt spid="2"/>
+                                        </p:tgtEl>
+                                        <p:attrNameLst>
+                                          <p:attrName>ppt_y</p:attrName>
+                                        </p:attrNameLst>
+                                      </p:cBhvr>
+                                      <p:tavLst>
+                                        <p:tav tm="0">
+                                          <p:val>
+                                            <p:strVal val="1+#ppt_h/2"/>
+                                          </p:val>
+                                        </p:tav>
+                                        <p:tav tm="100000">
+                                          <p:val>
+                                            <p:strVal val="#ppt_y"/>
+                                          </p:val>
+                                        </p:tav>
+                                      </p:tavLst>
+                                    </p:anim>
+                                  </p:childTnLst>
+                                </p:cTn>
+                              </p:par>
+                            </p:childTnLst>
+                          </p:cTn>
+                        </p:par>
+                      </p:childTnLst>
+                    </p:cTn>
+                  </p:par>
+                </p:childTnLst>
+              </p:cTn>
+              <p:prevCondLst>
+                <p:cond evt="onPrev" delay="0">
+                  <p:tgtEl>
+                    <p:sldTgt/>
+                  </p:tgtEl>
+                </p:cond>
+              </p:prevCondLst>
+              <p:nextCondLst>
+                <p:cond evt="onNext" delay="0">
+                  <p:tgtEl>
+                    <p:sldTgt/>
+                  </p:tgtEl>
+                </p:cond>
+              </p:nextCondLst>
+            </p:seq>
+          </p:childTnLst>
+        </p:cTn>
+      </p:par>
+    </p:tnLst>
+    <p:bldLst>
+      <p:bldP spid="2" grpId="0" animBg="1"/>
+      <p:bldP spid="12" grpId="0" animBg="1"/>
+    </p:bldLst>
+  </p:timing>
 </p:sld>
 </file>
 
@@ -24293,7 +25895,7 @@
           <a:p>
             <a:r>
               <a:rPr lang="it-IT" dirty="0" err="1"/>
-              <a:t>Simulations</a:t>
+              <a:t>Fluctuations</a:t>
             </a:r>
             <a:r>
               <a:rPr lang="it-IT" dirty="0"/>
@@ -24301,9 +25903,20 @@
             </a:r>
             <a:r>
               <a:rPr lang="it-IT" dirty="0" err="1"/>
-              <a:t>Results</a:t>
-            </a:r>
-            <a:endParaRPr lang="it-IT" dirty="0"/>
+              <a:t>Behaviour</a:t>
+            </a:r>
+            <a:r>
+              <a:rPr lang="it-IT" dirty="0"/>
+              <a:t> </a:t>
+            </a:r>
+            <a:r>
+              <a:rPr lang="it-IT" dirty="0" err="1"/>
+              <a:t>at</a:t>
+            </a:r>
+            <a:r>
+              <a:rPr lang="it-IT" dirty="0"/>
+              <a:t> High Re (2/2)</a:t>
+            </a:r>
           </a:p>
         </p:txBody>
       </p:sp>
@@ -24321,8 +25934,8 @@
         </p:nvSpPr>
         <p:spPr>
           <a:xfrm>
-            <a:off x="5442595" y="3922301"/>
-            <a:ext cx="3348313" cy="1015663"/>
+            <a:off x="5442595" y="4072983"/>
+            <a:ext cx="3348313" cy="646331"/>
           </a:xfrm>
           <a:prstGeom prst="rect">
             <a:avLst/>
@@ -24336,11 +25949,9 @@
           <a:lstStyle/>
           <a:p>
             <a:r>
-              <a:rPr lang="it-IT" sz="2000" b="1" dirty="0" err="1">
-                <a:solidFill>
-                  <a:schemeClr val="accent1">
-                    <a:lumMod val="50000"/>
-                  </a:schemeClr>
+              <a:rPr lang="it-IT" b="1" dirty="0" err="1">
+                <a:solidFill>
+                  <a:schemeClr val="tx2"/>
                 </a:solidFill>
                 <a:latin typeface="Arial" panose="020B0604020202020204" pitchFamily="34" charset="0"/>
                 <a:ea typeface="Cambria Math" panose="02040503050406030204" pitchFamily="18" charset="0"/>
@@ -24349,11 +25960,9 @@
               <a:t>Spanwise</a:t>
             </a:r>
             <a:r>
-              <a:rPr lang="it-IT" sz="2000" b="1" dirty="0">
-                <a:solidFill>
-                  <a:schemeClr val="accent1">
-                    <a:lumMod val="50000"/>
-                  </a:schemeClr>
+              <a:rPr lang="it-IT" b="1" dirty="0">
+                <a:solidFill>
+                  <a:schemeClr val="tx2"/>
                 </a:solidFill>
                 <a:latin typeface="Arial" panose="020B0604020202020204" pitchFamily="34" charset="0"/>
                 <a:ea typeface="Cambria Math" panose="02040503050406030204" pitchFamily="18" charset="0"/>
@@ -24362,11 +25971,9 @@
               <a:t> </a:t>
             </a:r>
             <a:r>
-              <a:rPr lang="it-IT" sz="2000" b="1" dirty="0" err="1">
-                <a:solidFill>
-                  <a:schemeClr val="accent1">
-                    <a:lumMod val="50000"/>
-                  </a:schemeClr>
+              <a:rPr lang="it-IT" b="1" dirty="0" err="1">
+                <a:solidFill>
+                  <a:schemeClr val="tx2"/>
                 </a:solidFill>
                 <a:latin typeface="Arial" panose="020B0604020202020204" pitchFamily="34" charset="0"/>
                 <a:ea typeface="Cambria Math" panose="02040503050406030204" pitchFamily="18" charset="0"/>
@@ -24375,11 +25982,9 @@
               <a:t>fluctations</a:t>
             </a:r>
             <a:r>
-              <a:rPr lang="it-IT" sz="2000" b="1" dirty="0">
-                <a:solidFill>
-                  <a:schemeClr val="accent1">
-                    <a:lumMod val="50000"/>
-                  </a:schemeClr>
+              <a:rPr lang="it-IT" b="1" dirty="0">
+                <a:solidFill>
+                  <a:schemeClr val="tx2"/>
                 </a:solidFill>
                 <a:latin typeface="Arial" panose="020B0604020202020204" pitchFamily="34" charset="0"/>
                 <a:ea typeface="Cambria Math" panose="02040503050406030204" pitchFamily="18" charset="0"/>
@@ -24388,11 +25993,9 @@
               <a:t> </a:t>
             </a:r>
             <a:r>
-              <a:rPr lang="it-IT" sz="2000" b="1" dirty="0" err="1">
-                <a:solidFill>
-                  <a:schemeClr val="accent1">
-                    <a:lumMod val="50000"/>
-                  </a:schemeClr>
+              <a:rPr lang="it-IT" b="1" dirty="0" err="1">
+                <a:solidFill>
+                  <a:schemeClr val="tx2"/>
                 </a:solidFill>
                 <a:latin typeface="Arial" panose="020B0604020202020204" pitchFamily="34" charset="0"/>
                 <a:ea typeface="Cambria Math" panose="02040503050406030204" pitchFamily="18" charset="0"/>
@@ -24401,11 +26004,9 @@
               <a:t>term</a:t>
             </a:r>
             <a:r>
-              <a:rPr lang="it-IT" sz="2000" b="1" dirty="0">
-                <a:solidFill>
-                  <a:schemeClr val="accent1">
-                    <a:lumMod val="50000"/>
-                  </a:schemeClr>
+              <a:rPr lang="it-IT" b="1" dirty="0">
+                <a:solidFill>
+                  <a:schemeClr val="tx2"/>
                 </a:solidFill>
                 <a:latin typeface="Arial" panose="020B0604020202020204" pitchFamily="34" charset="0"/>
                 <a:ea typeface="Cambria Math" panose="02040503050406030204" pitchFamily="18" charset="0"/>
@@ -24414,11 +26015,9 @@
               <a:t> </a:t>
             </a:r>
             <a:r>
-              <a:rPr lang="it-IT" sz="2000" b="1" dirty="0" err="1">
-                <a:solidFill>
-                  <a:schemeClr val="accent1">
-                    <a:lumMod val="50000"/>
-                  </a:schemeClr>
+              <a:rPr lang="it-IT" b="1" dirty="0" err="1">
+                <a:solidFill>
+                  <a:schemeClr val="tx2"/>
                 </a:solidFill>
                 <a:latin typeface="Arial" panose="020B0604020202020204" pitchFamily="34" charset="0"/>
                 <a:ea typeface="Cambria Math" panose="02040503050406030204" pitchFamily="18" charset="0"/>
@@ -24428,13 +26027,17 @@
             </a:r>
             <a:r>
               <a:rPr lang="it-IT" dirty="0">
-                <a:latin typeface="Cambria Math" panose="02040503050406030204" pitchFamily="18" charset="0"/>
+                <a:solidFill>
+                  <a:schemeClr val="tx2"/>
+                </a:solidFill>
+                <a:latin typeface="Arial" panose="020B0604020202020204" pitchFamily="34" charset="0"/>
                 <a:ea typeface="Cambria Math" panose="02040503050406030204" pitchFamily="18" charset="0"/>
+                <a:cs typeface="Arial" panose="020B0604020202020204" pitchFamily="34" charset="0"/>
               </a:rPr>
               <a:t> </a:t>
             </a:r>
             <a:r>
-              <a:rPr lang="it-IT" sz="2000" b="1" dirty="0" err="1">
+              <a:rPr lang="it-IT" b="1" dirty="0" err="1">
                 <a:solidFill>
                   <a:srgbClr val="92D050"/>
                 </a:solidFill>
@@ -24445,7 +26048,7 @@
               <a:t>logaritmic</a:t>
             </a:r>
             <a:r>
-              <a:rPr lang="it-IT" sz="2000" b="1" dirty="0">
+              <a:rPr lang="it-IT" b="1" dirty="0">
                 <a:solidFill>
                   <a:srgbClr val="92D050"/>
                 </a:solidFill>
@@ -24456,7 +26059,7 @@
               <a:t> </a:t>
             </a:r>
             <a:r>
-              <a:rPr lang="it-IT" sz="2000" b="1" dirty="0" err="1">
+              <a:rPr lang="it-IT" b="1" dirty="0" err="1">
                 <a:solidFill>
                   <a:srgbClr val="92D050"/>
                 </a:solidFill>
@@ -24466,7 +26069,7 @@
               </a:rPr>
               <a:t>behaviour</a:t>
             </a:r>
-            <a:endParaRPr lang="it-IT" sz="2000" b="1" dirty="0">
+            <a:endParaRPr lang="it-IT" b="1" dirty="0">
               <a:solidFill>
                 <a:srgbClr val="92D050"/>
               </a:solidFill>
@@ -24543,8 +26146,8 @@
         </p:nvSpPr>
         <p:spPr>
           <a:xfrm>
-            <a:off x="5442595" y="1922267"/>
-            <a:ext cx="3581729" cy="1015663"/>
+            <a:off x="5442240" y="2014600"/>
+            <a:ext cx="3581729" cy="923330"/>
           </a:xfrm>
           <a:prstGeom prst="rect">
             <a:avLst/>
@@ -24558,11 +26161,9 @@
           <a:lstStyle/>
           <a:p>
             <a:r>
-              <a:rPr lang="it-IT" sz="2000" b="1" dirty="0" err="1">
-                <a:solidFill>
-                  <a:schemeClr val="accent1">
-                    <a:lumMod val="50000"/>
-                  </a:schemeClr>
+              <a:rPr lang="it-IT" b="1" dirty="0" err="1">
+                <a:solidFill>
+                  <a:schemeClr val="tx2"/>
                 </a:solidFill>
                 <a:latin typeface="Arial" panose="020B0604020202020204" pitchFamily="34" charset="0"/>
                 <a:ea typeface="Cambria Math" panose="02040503050406030204" pitchFamily="18" charset="0"/>
@@ -24571,11 +26172,9 @@
               <a:t>Streamwise</a:t>
             </a:r>
             <a:r>
-              <a:rPr lang="it-IT" sz="2000" b="1" dirty="0">
-                <a:solidFill>
-                  <a:schemeClr val="accent1">
-                    <a:lumMod val="50000"/>
-                  </a:schemeClr>
+              <a:rPr lang="it-IT" b="1" dirty="0">
+                <a:solidFill>
+                  <a:schemeClr val="tx2"/>
                 </a:solidFill>
                 <a:latin typeface="Arial" panose="020B0604020202020204" pitchFamily="34" charset="0"/>
                 <a:ea typeface="Cambria Math" panose="02040503050406030204" pitchFamily="18" charset="0"/>
@@ -24584,11 +26183,9 @@
               <a:t> </a:t>
             </a:r>
             <a:r>
-              <a:rPr lang="it-IT" sz="2000" b="1" dirty="0" err="1">
-                <a:solidFill>
-                  <a:schemeClr val="accent1">
-                    <a:lumMod val="50000"/>
-                  </a:schemeClr>
+              <a:rPr lang="it-IT" b="1" dirty="0" err="1">
+                <a:solidFill>
+                  <a:schemeClr val="tx2"/>
                 </a:solidFill>
                 <a:latin typeface="Arial" panose="020B0604020202020204" pitchFamily="34" charset="0"/>
                 <a:ea typeface="Cambria Math" panose="02040503050406030204" pitchFamily="18" charset="0"/>
@@ -24597,11 +26194,9 @@
               <a:t>fluctuations</a:t>
             </a:r>
             <a:r>
-              <a:rPr lang="it-IT" sz="2000" b="1" dirty="0">
-                <a:solidFill>
-                  <a:schemeClr val="accent1">
-                    <a:lumMod val="50000"/>
-                  </a:schemeClr>
+              <a:rPr lang="it-IT" b="1" dirty="0">
+                <a:solidFill>
+                  <a:schemeClr val="tx2"/>
                 </a:solidFill>
                 <a:latin typeface="Arial" panose="020B0604020202020204" pitchFamily="34" charset="0"/>
                 <a:ea typeface="Cambria Math" panose="02040503050406030204" pitchFamily="18" charset="0"/>
@@ -24610,11 +26205,9 @@
               <a:t> </a:t>
             </a:r>
             <a:r>
-              <a:rPr lang="it-IT" sz="2000" b="1" dirty="0" err="1">
-                <a:solidFill>
-                  <a:schemeClr val="accent1">
-                    <a:lumMod val="50000"/>
-                  </a:schemeClr>
+              <a:rPr lang="it-IT" b="1" dirty="0" err="1">
+                <a:solidFill>
+                  <a:schemeClr val="tx2"/>
                 </a:solidFill>
                 <a:latin typeface="Arial" panose="020B0604020202020204" pitchFamily="34" charset="0"/>
                 <a:ea typeface="Cambria Math" panose="02040503050406030204" pitchFamily="18" charset="0"/>
@@ -24623,11 +26216,9 @@
               <a:t>term</a:t>
             </a:r>
             <a:r>
-              <a:rPr lang="it-IT" sz="2000" b="1" dirty="0">
-                <a:solidFill>
-                  <a:schemeClr val="accent1">
-                    <a:lumMod val="50000"/>
-                  </a:schemeClr>
+              <a:rPr lang="it-IT" b="1" dirty="0">
+                <a:solidFill>
+                  <a:schemeClr val="tx2"/>
                 </a:solidFill>
                 <a:latin typeface="Arial" panose="020B0604020202020204" pitchFamily="34" charset="0"/>
                 <a:ea typeface="Cambria Math" panose="02040503050406030204" pitchFamily="18" charset="0"/>
@@ -24636,11 +26227,9 @@
               <a:t> </a:t>
             </a:r>
             <a:r>
-              <a:rPr lang="it-IT" sz="2000" b="1" dirty="0" err="1">
-                <a:solidFill>
-                  <a:schemeClr val="accent1">
-                    <a:lumMod val="50000"/>
-                  </a:schemeClr>
+              <a:rPr lang="it-IT" b="1" dirty="0" err="1">
+                <a:solidFill>
+                  <a:schemeClr val="tx2"/>
                 </a:solidFill>
                 <a:latin typeface="Arial" panose="020B0604020202020204" pitchFamily="34" charset="0"/>
                 <a:ea typeface="Cambria Math" panose="02040503050406030204" pitchFamily="18" charset="0"/>
@@ -24649,11 +26238,9 @@
               <a:t>is</a:t>
             </a:r>
             <a:r>
-              <a:rPr lang="it-IT" sz="2000" b="1" dirty="0">
-                <a:solidFill>
-                  <a:schemeClr val="accent1">
-                    <a:lumMod val="50000"/>
-                  </a:schemeClr>
+              <a:rPr lang="it-IT" b="1" dirty="0">
+                <a:solidFill>
+                  <a:schemeClr val="tx2"/>
                 </a:solidFill>
                 <a:latin typeface="Arial" panose="020B0604020202020204" pitchFamily="34" charset="0"/>
                 <a:ea typeface="Cambria Math" panose="02040503050406030204" pitchFamily="18" charset="0"/>
@@ -24662,11 +26249,9 @@
               <a:t> </a:t>
             </a:r>
             <a:r>
-              <a:rPr lang="it-IT" sz="2000" b="1" dirty="0" err="1">
-                <a:solidFill>
-                  <a:schemeClr val="accent1">
-                    <a:lumMod val="50000"/>
-                  </a:schemeClr>
+              <a:rPr lang="it-IT" b="1" dirty="0" err="1">
+                <a:solidFill>
+                  <a:schemeClr val="tx2"/>
                 </a:solidFill>
                 <a:latin typeface="Arial" panose="020B0604020202020204" pitchFamily="34" charset="0"/>
                 <a:ea typeface="Cambria Math" panose="02040503050406030204" pitchFamily="18" charset="0"/>
@@ -24675,11 +26260,9 @@
               <a:t>close</a:t>
             </a:r>
             <a:r>
-              <a:rPr lang="it-IT" sz="2000" b="1" dirty="0">
-                <a:solidFill>
-                  <a:schemeClr val="accent1">
-                    <a:lumMod val="50000"/>
-                  </a:schemeClr>
+              <a:rPr lang="it-IT" b="1" dirty="0">
+                <a:solidFill>
+                  <a:schemeClr val="tx2"/>
                 </a:solidFill>
                 <a:latin typeface="Arial" panose="020B0604020202020204" pitchFamily="34" charset="0"/>
                 <a:ea typeface="Cambria Math" panose="02040503050406030204" pitchFamily="18" charset="0"/>
@@ -24688,11 +26271,9 @@
               <a:t> to </a:t>
             </a:r>
             <a:r>
-              <a:rPr lang="it-IT" sz="2000" b="1" dirty="0" err="1">
-                <a:solidFill>
-                  <a:schemeClr val="accent1">
-                    <a:lumMod val="50000"/>
-                  </a:schemeClr>
+              <a:rPr lang="it-IT" b="1" dirty="0" err="1">
+                <a:solidFill>
+                  <a:schemeClr val="tx2"/>
                 </a:solidFill>
                 <a:latin typeface="Arial" panose="020B0604020202020204" pitchFamily="34" charset="0"/>
                 <a:ea typeface="Cambria Math" panose="02040503050406030204" pitchFamily="18" charset="0"/>
@@ -24701,11 +26282,9 @@
               <a:t>develop</a:t>
             </a:r>
             <a:r>
-              <a:rPr lang="it-IT" sz="2000" b="1" dirty="0">
-                <a:solidFill>
-                  <a:schemeClr val="accent1">
-                    <a:lumMod val="50000"/>
-                  </a:schemeClr>
+              <a:rPr lang="it-IT" b="1" dirty="0">
+                <a:solidFill>
+                  <a:schemeClr val="tx2"/>
                 </a:solidFill>
                 <a:latin typeface="Arial" panose="020B0604020202020204" pitchFamily="34" charset="0"/>
                 <a:ea typeface="Cambria Math" panose="02040503050406030204" pitchFamily="18" charset="0"/>
@@ -24714,11 +26293,9 @@
               <a:t> a </a:t>
             </a:r>
             <a:r>
-              <a:rPr lang="it-IT" sz="2000" b="1" dirty="0" err="1">
-                <a:solidFill>
-                  <a:schemeClr val="accent1">
-                    <a:lumMod val="50000"/>
-                  </a:schemeClr>
+              <a:rPr lang="it-IT" b="1" dirty="0" err="1">
+                <a:solidFill>
+                  <a:schemeClr val="tx2"/>
                 </a:solidFill>
                 <a:latin typeface="Arial" panose="020B0604020202020204" pitchFamily="34" charset="0"/>
                 <a:ea typeface="Cambria Math" panose="02040503050406030204" pitchFamily="18" charset="0"/>
@@ -24727,11 +26304,9 @@
               <a:t>logarithmic</a:t>
             </a:r>
             <a:r>
-              <a:rPr lang="it-IT" sz="2000" b="1" dirty="0">
-                <a:solidFill>
-                  <a:schemeClr val="accent1">
-                    <a:lumMod val="50000"/>
-                  </a:schemeClr>
+              <a:rPr lang="it-IT" b="1" dirty="0">
+                <a:solidFill>
+                  <a:schemeClr val="tx2"/>
                 </a:solidFill>
                 <a:latin typeface="Arial" panose="020B0604020202020204" pitchFamily="34" charset="0"/>
                 <a:ea typeface="Cambria Math" panose="02040503050406030204" pitchFamily="18" charset="0"/>
@@ -24740,11 +26315,9 @@
               <a:t> </a:t>
             </a:r>
             <a:r>
-              <a:rPr lang="it-IT" sz="2000" b="1" dirty="0" err="1">
-                <a:solidFill>
-                  <a:schemeClr val="accent1">
-                    <a:lumMod val="50000"/>
-                  </a:schemeClr>
+              <a:rPr lang="it-IT" b="1" dirty="0" err="1">
+                <a:solidFill>
+                  <a:schemeClr val="tx2"/>
                 </a:solidFill>
                 <a:latin typeface="Arial" panose="020B0604020202020204" pitchFamily="34" charset="0"/>
                 <a:ea typeface="Cambria Math" panose="02040503050406030204" pitchFamily="18" charset="0"/>
@@ -24753,11 +26326,9 @@
               <a:t>behaviour</a:t>
             </a:r>
             <a:r>
-              <a:rPr lang="it-IT" sz="2000" b="1" dirty="0">
-                <a:solidFill>
-                  <a:schemeClr val="accent1">
-                    <a:lumMod val="50000"/>
-                  </a:schemeClr>
+              <a:rPr lang="it-IT" b="1" dirty="0">
+                <a:solidFill>
+                  <a:schemeClr val="tx2"/>
                 </a:solidFill>
                 <a:latin typeface="Arial" panose="020B0604020202020204" pitchFamily="34" charset="0"/>
                 <a:ea typeface="Cambria Math" panose="02040503050406030204" pitchFamily="18" charset="0"/>
@@ -24766,9 +26337,13 @@
               <a:t> 	</a:t>
             </a:r>
             <a:r>
-              <a:rPr lang="it-IT" sz="2000" dirty="0">
-                <a:latin typeface="Cambria Math" panose="02040503050406030204" pitchFamily="18" charset="0"/>
+              <a:rPr lang="it-IT" dirty="0">
+                <a:solidFill>
+                  <a:schemeClr val="tx2"/>
+                </a:solidFill>
+                <a:latin typeface="Arial" panose="020B0604020202020204" pitchFamily="34" charset="0"/>
                 <a:ea typeface="Cambria Math" panose="02040503050406030204" pitchFamily="18" charset="0"/>
+                <a:cs typeface="Arial" panose="020B0604020202020204" pitchFamily="34" charset="0"/>
               </a:rPr>
               <a:t>	</a:t>
             </a:r>
@@ -24789,7 +26364,7 @@
         </p:nvSpPr>
         <p:spPr>
           <a:xfrm>
-            <a:off x="5443432" y="3014921"/>
+            <a:off x="5442240" y="3112125"/>
             <a:ext cx="683842" cy="393331"/>
           </a:xfrm>
           <a:prstGeom prst="rightArrow">
@@ -24833,8 +26408,8 @@
         </p:nvSpPr>
         <p:spPr>
           <a:xfrm>
-            <a:off x="6275915" y="3014921"/>
-            <a:ext cx="2366353" cy="400110"/>
+            <a:off x="6274723" y="3124125"/>
+            <a:ext cx="2146742" cy="369332"/>
           </a:xfrm>
           <a:prstGeom prst="rect">
             <a:avLst/>
@@ -24848,11 +26423,9 @@
           <a:lstStyle/>
           <a:p>
             <a:r>
-              <a:rPr lang="it-IT" sz="2000" b="1" dirty="0" err="1">
-                <a:solidFill>
-                  <a:schemeClr val="accent1">
-                    <a:lumMod val="50000"/>
-                  </a:schemeClr>
+              <a:rPr lang="it-IT" b="1" dirty="0" err="1">
+                <a:solidFill>
+                  <a:schemeClr val="tx2"/>
                 </a:solidFill>
                 <a:latin typeface="Arial" panose="020B0604020202020204" pitchFamily="34" charset="0"/>
                 <a:ea typeface="Cambria Math" panose="02040503050406030204" pitchFamily="18" charset="0"/>
@@ -24861,11 +26434,9 @@
               <a:t>Higher</a:t>
             </a:r>
             <a:r>
-              <a:rPr lang="it-IT" sz="2000" b="1" dirty="0">
-                <a:solidFill>
-                  <a:schemeClr val="accent1">
-                    <a:lumMod val="50000"/>
-                  </a:schemeClr>
+              <a:rPr lang="it-IT" b="1" dirty="0">
+                <a:solidFill>
+                  <a:schemeClr val="tx2"/>
                 </a:solidFill>
                 <a:latin typeface="Arial" panose="020B0604020202020204" pitchFamily="34" charset="0"/>
                 <a:ea typeface="Cambria Math" panose="02040503050406030204" pitchFamily="18" charset="0"/>
@@ -24874,11 +26445,9 @@
               <a:t> Re </a:t>
             </a:r>
             <a:r>
-              <a:rPr lang="it-IT" sz="2000" b="1" dirty="0" err="1">
-                <a:solidFill>
-                  <a:schemeClr val="accent1">
-                    <a:lumMod val="50000"/>
-                  </a:schemeClr>
+              <a:rPr lang="it-IT" b="1" dirty="0" err="1">
+                <a:solidFill>
+                  <a:schemeClr val="tx2"/>
                 </a:solidFill>
                 <a:latin typeface="Arial" panose="020B0604020202020204" pitchFamily="34" charset="0"/>
                 <a:ea typeface="Cambria Math" panose="02040503050406030204" pitchFamily="18" charset="0"/>
@@ -24886,11 +26455,9 @@
               </a:rPr>
               <a:t>needed</a:t>
             </a:r>
-            <a:endParaRPr lang="it-IT" sz="2000" b="1" dirty="0">
-              <a:solidFill>
-                <a:schemeClr val="accent1">
-                  <a:lumMod val="50000"/>
-                </a:schemeClr>
+            <a:endParaRPr lang="it-IT" b="1" dirty="0">
+              <a:solidFill>
+                <a:schemeClr val="tx2"/>
               </a:solidFill>
               <a:latin typeface="Arial" panose="020B0604020202020204" pitchFamily="34" charset="0"/>
               <a:ea typeface="Cambria Math" panose="02040503050406030204" pitchFamily="18" charset="0"/>
@@ -25093,9 +26660,6 @@
                     <p:cTn id="3" fill="hold">
                       <p:stCondLst>
                         <p:cond delay="indefinite"/>
-                        <p:cond evt="onBegin" delay="0">
-                          <p:tn val="2"/>
-                        </p:cond>
                       </p:stCondLst>
                       <p:childTnLst>
                         <p:par>
@@ -25105,7 +26669,7 @@
                             </p:stCondLst>
                             <p:childTnLst>
                               <p:par>
-                                <p:cTn id="5" presetID="2" presetClass="entr" presetSubtype="4" fill="hold" grpId="0" nodeType="afterEffect">
+                                <p:cTn id="5" presetID="12" presetClass="entr" presetSubtype="8" fill="hold" grpId="0" nodeType="clickEffect">
                                   <p:stCondLst>
                                     <p:cond delay="0"/>
                                   </p:stCondLst>
@@ -25113,480 +26677,6 @@
                                     <p:set>
                                       <p:cBhvr>
                                         <p:cTn id="6" dur="1" fill="hold">
-                                          <p:stCondLst>
-                                            <p:cond delay="0"/>
-                                          </p:stCondLst>
-                                        </p:cTn>
-                                        <p:tgtEl>
-                                          <p:spTgt spid="14"/>
-                                        </p:tgtEl>
-                                        <p:attrNameLst>
-                                          <p:attrName>style.visibility</p:attrName>
-                                        </p:attrNameLst>
-                                      </p:cBhvr>
-                                      <p:to>
-                                        <p:strVal val="visible"/>
-                                      </p:to>
-                                    </p:set>
-                                    <p:anim calcmode="lin" valueType="num">
-                                      <p:cBhvr additive="base">
-                                        <p:cTn id="7" dur="500" fill="hold"/>
-                                        <p:tgtEl>
-                                          <p:spTgt spid="14"/>
-                                        </p:tgtEl>
-                                        <p:attrNameLst>
-                                          <p:attrName>ppt_x</p:attrName>
-                                        </p:attrNameLst>
-                                      </p:cBhvr>
-                                      <p:tavLst>
-                                        <p:tav tm="0">
-                                          <p:val>
-                                            <p:strVal val="#ppt_x"/>
-                                          </p:val>
-                                        </p:tav>
-                                        <p:tav tm="100000">
-                                          <p:val>
-                                            <p:strVal val="#ppt_x"/>
-                                          </p:val>
-                                        </p:tav>
-                                      </p:tavLst>
-                                    </p:anim>
-                                    <p:anim calcmode="lin" valueType="num">
-                                      <p:cBhvr additive="base">
-                                        <p:cTn id="8" dur="500" fill="hold"/>
-                                        <p:tgtEl>
-                                          <p:spTgt spid="14"/>
-                                        </p:tgtEl>
-                                        <p:attrNameLst>
-                                          <p:attrName>ppt_y</p:attrName>
-                                        </p:attrNameLst>
-                                      </p:cBhvr>
-                                      <p:tavLst>
-                                        <p:tav tm="0">
-                                          <p:val>
-                                            <p:strVal val="1+#ppt_h/2"/>
-                                          </p:val>
-                                        </p:tav>
-                                        <p:tav tm="100000">
-                                          <p:val>
-                                            <p:strVal val="#ppt_y"/>
-                                          </p:val>
-                                        </p:tav>
-                                      </p:tavLst>
-                                    </p:anim>
-                                  </p:childTnLst>
-                                </p:cTn>
-                              </p:par>
-                              <p:par>
-                                <p:cTn id="9" presetID="2" presetClass="entr" presetSubtype="4" fill="hold" grpId="0" nodeType="withEffect">
-                                  <p:stCondLst>
-                                    <p:cond delay="0"/>
-                                  </p:stCondLst>
-                                  <p:childTnLst>
-                                    <p:set>
-                                      <p:cBhvr>
-                                        <p:cTn id="10" dur="1" fill="hold">
-                                          <p:stCondLst>
-                                            <p:cond delay="0"/>
-                                          </p:stCondLst>
-                                        </p:cTn>
-                                        <p:tgtEl>
-                                          <p:spTgt spid="24"/>
-                                        </p:tgtEl>
-                                        <p:attrNameLst>
-                                          <p:attrName>style.visibility</p:attrName>
-                                        </p:attrNameLst>
-                                      </p:cBhvr>
-                                      <p:to>
-                                        <p:strVal val="visible"/>
-                                      </p:to>
-                                    </p:set>
-                                    <p:anim calcmode="lin" valueType="num">
-                                      <p:cBhvr additive="base">
-                                        <p:cTn id="11" dur="500" fill="hold"/>
-                                        <p:tgtEl>
-                                          <p:spTgt spid="24"/>
-                                        </p:tgtEl>
-                                        <p:attrNameLst>
-                                          <p:attrName>ppt_x</p:attrName>
-                                        </p:attrNameLst>
-                                      </p:cBhvr>
-                                      <p:tavLst>
-                                        <p:tav tm="0">
-                                          <p:val>
-                                            <p:strVal val="#ppt_x"/>
-                                          </p:val>
-                                        </p:tav>
-                                        <p:tav tm="100000">
-                                          <p:val>
-                                            <p:strVal val="#ppt_x"/>
-                                          </p:val>
-                                        </p:tav>
-                                      </p:tavLst>
-                                    </p:anim>
-                                    <p:anim calcmode="lin" valueType="num">
-                                      <p:cBhvr additive="base">
-                                        <p:cTn id="12" dur="500" fill="hold"/>
-                                        <p:tgtEl>
-                                          <p:spTgt spid="24"/>
-                                        </p:tgtEl>
-                                        <p:attrNameLst>
-                                          <p:attrName>ppt_y</p:attrName>
-                                        </p:attrNameLst>
-                                      </p:cBhvr>
-                                      <p:tavLst>
-                                        <p:tav tm="0">
-                                          <p:val>
-                                            <p:strVal val="1+#ppt_h/2"/>
-                                          </p:val>
-                                        </p:tav>
-                                        <p:tav tm="100000">
-                                          <p:val>
-                                            <p:strVal val="#ppt_y"/>
-                                          </p:val>
-                                        </p:tav>
-                                      </p:tavLst>
-                                    </p:anim>
-                                  </p:childTnLst>
-                                </p:cTn>
-                              </p:par>
-                              <p:par>
-                                <p:cTn id="13" presetID="2" presetClass="entr" presetSubtype="4" fill="hold" grpId="0" nodeType="withEffect">
-                                  <p:stCondLst>
-                                    <p:cond delay="0"/>
-                                  </p:stCondLst>
-                                  <p:childTnLst>
-                                    <p:set>
-                                      <p:cBhvr>
-                                        <p:cTn id="14" dur="1" fill="hold">
-                                          <p:stCondLst>
-                                            <p:cond delay="0"/>
-                                          </p:stCondLst>
-                                        </p:cTn>
-                                        <p:tgtEl>
-                                          <p:spTgt spid="2"/>
-                                        </p:tgtEl>
-                                        <p:attrNameLst>
-                                          <p:attrName>style.visibility</p:attrName>
-                                        </p:attrNameLst>
-                                      </p:cBhvr>
-                                      <p:to>
-                                        <p:strVal val="visible"/>
-                                      </p:to>
-                                    </p:set>
-                                    <p:anim calcmode="lin" valueType="num">
-                                      <p:cBhvr additive="base">
-                                        <p:cTn id="15" dur="500" fill="hold"/>
-                                        <p:tgtEl>
-                                          <p:spTgt spid="2"/>
-                                        </p:tgtEl>
-                                        <p:attrNameLst>
-                                          <p:attrName>ppt_x</p:attrName>
-                                        </p:attrNameLst>
-                                      </p:cBhvr>
-                                      <p:tavLst>
-                                        <p:tav tm="0">
-                                          <p:val>
-                                            <p:strVal val="#ppt_x"/>
-                                          </p:val>
-                                        </p:tav>
-                                        <p:tav tm="100000">
-                                          <p:val>
-                                            <p:strVal val="#ppt_x"/>
-                                          </p:val>
-                                        </p:tav>
-                                      </p:tavLst>
-                                    </p:anim>
-                                    <p:anim calcmode="lin" valueType="num">
-                                      <p:cBhvr additive="base">
-                                        <p:cTn id="16" dur="500" fill="hold"/>
-                                        <p:tgtEl>
-                                          <p:spTgt spid="2"/>
-                                        </p:tgtEl>
-                                        <p:attrNameLst>
-                                          <p:attrName>ppt_y</p:attrName>
-                                        </p:attrNameLst>
-                                      </p:cBhvr>
-                                      <p:tavLst>
-                                        <p:tav tm="0">
-                                          <p:val>
-                                            <p:strVal val="1+#ppt_h/2"/>
-                                          </p:val>
-                                        </p:tav>
-                                        <p:tav tm="100000">
-                                          <p:val>
-                                            <p:strVal val="#ppt_y"/>
-                                          </p:val>
-                                        </p:tav>
-                                      </p:tavLst>
-                                    </p:anim>
-                                  </p:childTnLst>
-                                </p:cTn>
-                              </p:par>
-                            </p:childTnLst>
-                          </p:cTn>
-                        </p:par>
-                      </p:childTnLst>
-                    </p:cTn>
-                  </p:par>
-                  <p:par>
-                    <p:cTn id="17" fill="hold">
-                      <p:stCondLst>
-                        <p:cond delay="indefinite"/>
-                      </p:stCondLst>
-                      <p:childTnLst>
-                        <p:par>
-                          <p:cTn id="18" fill="hold">
-                            <p:stCondLst>
-                              <p:cond delay="0"/>
-                            </p:stCondLst>
-                            <p:childTnLst>
-                              <p:par>
-                                <p:cTn id="19" presetID="2" presetClass="entr" presetSubtype="4" fill="hold" grpId="0" nodeType="clickEffect">
-                                  <p:stCondLst>
-                                    <p:cond delay="0"/>
-                                  </p:stCondLst>
-                                  <p:childTnLst>
-                                    <p:set>
-                                      <p:cBhvr>
-                                        <p:cTn id="20" dur="1" fill="hold">
-                                          <p:stCondLst>
-                                            <p:cond delay="0"/>
-                                          </p:stCondLst>
-                                        </p:cTn>
-                                        <p:tgtEl>
-                                          <p:spTgt spid="16"/>
-                                        </p:tgtEl>
-                                        <p:attrNameLst>
-                                          <p:attrName>style.visibility</p:attrName>
-                                        </p:attrNameLst>
-                                      </p:cBhvr>
-                                      <p:to>
-                                        <p:strVal val="visible"/>
-                                      </p:to>
-                                    </p:set>
-                                    <p:anim calcmode="lin" valueType="num">
-                                      <p:cBhvr additive="base">
-                                        <p:cTn id="21" dur="500" fill="hold"/>
-                                        <p:tgtEl>
-                                          <p:spTgt spid="16"/>
-                                        </p:tgtEl>
-                                        <p:attrNameLst>
-                                          <p:attrName>ppt_x</p:attrName>
-                                        </p:attrNameLst>
-                                      </p:cBhvr>
-                                      <p:tavLst>
-                                        <p:tav tm="0">
-                                          <p:val>
-                                            <p:strVal val="#ppt_x"/>
-                                          </p:val>
-                                        </p:tav>
-                                        <p:tav tm="100000">
-                                          <p:val>
-                                            <p:strVal val="#ppt_x"/>
-                                          </p:val>
-                                        </p:tav>
-                                      </p:tavLst>
-                                    </p:anim>
-                                    <p:anim calcmode="lin" valueType="num">
-                                      <p:cBhvr additive="base">
-                                        <p:cTn id="22" dur="500" fill="hold"/>
-                                        <p:tgtEl>
-                                          <p:spTgt spid="16"/>
-                                        </p:tgtEl>
-                                        <p:attrNameLst>
-                                          <p:attrName>ppt_y</p:attrName>
-                                        </p:attrNameLst>
-                                      </p:cBhvr>
-                                      <p:tavLst>
-                                        <p:tav tm="0">
-                                          <p:val>
-                                            <p:strVal val="1+#ppt_h/2"/>
-                                          </p:val>
-                                        </p:tav>
-                                        <p:tav tm="100000">
-                                          <p:val>
-                                            <p:strVal val="#ppt_y"/>
-                                          </p:val>
-                                        </p:tav>
-                                      </p:tavLst>
-                                    </p:anim>
-                                  </p:childTnLst>
-                                </p:cTn>
-                              </p:par>
-                              <p:par>
-                                <p:cTn id="23" presetID="2" presetClass="entr" presetSubtype="4" fill="hold" grpId="0" nodeType="withEffect">
-                                  <p:stCondLst>
-                                    <p:cond delay="0"/>
-                                  </p:stCondLst>
-                                  <p:childTnLst>
-                                    <p:set>
-                                      <p:cBhvr>
-                                        <p:cTn id="24" dur="1" fill="hold">
-                                          <p:stCondLst>
-                                            <p:cond delay="0"/>
-                                          </p:stCondLst>
-                                        </p:cTn>
-                                        <p:tgtEl>
-                                          <p:spTgt spid="23"/>
-                                        </p:tgtEl>
-                                        <p:attrNameLst>
-                                          <p:attrName>style.visibility</p:attrName>
-                                        </p:attrNameLst>
-                                      </p:cBhvr>
-                                      <p:to>
-                                        <p:strVal val="visible"/>
-                                      </p:to>
-                                    </p:set>
-                                    <p:anim calcmode="lin" valueType="num">
-                                      <p:cBhvr additive="base">
-                                        <p:cTn id="25" dur="500" fill="hold"/>
-                                        <p:tgtEl>
-                                          <p:spTgt spid="23"/>
-                                        </p:tgtEl>
-                                        <p:attrNameLst>
-                                          <p:attrName>ppt_x</p:attrName>
-                                        </p:attrNameLst>
-                                      </p:cBhvr>
-                                      <p:tavLst>
-                                        <p:tav tm="0">
-                                          <p:val>
-                                            <p:strVal val="#ppt_x"/>
-                                          </p:val>
-                                        </p:tav>
-                                        <p:tav tm="100000">
-                                          <p:val>
-                                            <p:strVal val="#ppt_x"/>
-                                          </p:val>
-                                        </p:tav>
-                                      </p:tavLst>
-                                    </p:anim>
-                                    <p:anim calcmode="lin" valueType="num">
-                                      <p:cBhvr additive="base">
-                                        <p:cTn id="26" dur="500" fill="hold"/>
-                                        <p:tgtEl>
-                                          <p:spTgt spid="23"/>
-                                        </p:tgtEl>
-                                        <p:attrNameLst>
-                                          <p:attrName>ppt_y</p:attrName>
-                                        </p:attrNameLst>
-                                      </p:cBhvr>
-                                      <p:tavLst>
-                                        <p:tav tm="0">
-                                          <p:val>
-                                            <p:strVal val="1+#ppt_h/2"/>
-                                          </p:val>
-                                        </p:tav>
-                                        <p:tav tm="100000">
-                                          <p:val>
-                                            <p:strVal val="#ppt_y"/>
-                                          </p:val>
-                                        </p:tav>
-                                      </p:tavLst>
-                                    </p:anim>
-                                  </p:childTnLst>
-                                </p:cTn>
-                              </p:par>
-                              <p:par>
-                                <p:cTn id="27" presetID="2" presetClass="entr" presetSubtype="4" fill="hold" grpId="0" nodeType="withEffect">
-                                  <p:stCondLst>
-                                    <p:cond delay="0"/>
-                                  </p:stCondLst>
-                                  <p:childTnLst>
-                                    <p:set>
-                                      <p:cBhvr>
-                                        <p:cTn id="28" dur="1" fill="hold">
-                                          <p:stCondLst>
-                                            <p:cond delay="0"/>
-                                          </p:stCondLst>
-                                        </p:cTn>
-                                        <p:tgtEl>
-                                          <p:spTgt spid="18"/>
-                                        </p:tgtEl>
-                                        <p:attrNameLst>
-                                          <p:attrName>style.visibility</p:attrName>
-                                        </p:attrNameLst>
-                                      </p:cBhvr>
-                                      <p:to>
-                                        <p:strVal val="visible"/>
-                                      </p:to>
-                                    </p:set>
-                                    <p:anim calcmode="lin" valueType="num">
-                                      <p:cBhvr additive="base">
-                                        <p:cTn id="29" dur="500" fill="hold"/>
-                                        <p:tgtEl>
-                                          <p:spTgt spid="18"/>
-                                        </p:tgtEl>
-                                        <p:attrNameLst>
-                                          <p:attrName>ppt_x</p:attrName>
-                                        </p:attrNameLst>
-                                      </p:cBhvr>
-                                      <p:tavLst>
-                                        <p:tav tm="0">
-                                          <p:val>
-                                            <p:strVal val="#ppt_x"/>
-                                          </p:val>
-                                        </p:tav>
-                                        <p:tav tm="100000">
-                                          <p:val>
-                                            <p:strVal val="#ppt_x"/>
-                                          </p:val>
-                                        </p:tav>
-                                      </p:tavLst>
-                                    </p:anim>
-                                    <p:anim calcmode="lin" valueType="num">
-                                      <p:cBhvr additive="base">
-                                        <p:cTn id="30" dur="500" fill="hold"/>
-                                        <p:tgtEl>
-                                          <p:spTgt spid="18"/>
-                                        </p:tgtEl>
-                                        <p:attrNameLst>
-                                          <p:attrName>ppt_y</p:attrName>
-                                        </p:attrNameLst>
-                                      </p:cBhvr>
-                                      <p:tavLst>
-                                        <p:tav tm="0">
-                                          <p:val>
-                                            <p:strVal val="1+#ppt_h/2"/>
-                                          </p:val>
-                                        </p:tav>
-                                        <p:tav tm="100000">
-                                          <p:val>
-                                            <p:strVal val="#ppt_y"/>
-                                          </p:val>
-                                        </p:tav>
-                                      </p:tavLst>
-                                    </p:anim>
-                                  </p:childTnLst>
-                                </p:cTn>
-                              </p:par>
-                            </p:childTnLst>
-                          </p:cTn>
-                        </p:par>
-                      </p:childTnLst>
-                    </p:cTn>
-                  </p:par>
-                  <p:par>
-                    <p:cTn id="31" fill="hold">
-                      <p:stCondLst>
-                        <p:cond delay="indefinite"/>
-                      </p:stCondLst>
-                      <p:childTnLst>
-                        <p:par>
-                          <p:cTn id="32" fill="hold">
-                            <p:stCondLst>
-                              <p:cond delay="0"/>
-                            </p:stCondLst>
-                            <p:childTnLst>
-                              <p:par>
-                                <p:cTn id="33" presetID="12" presetClass="entr" presetSubtype="8" fill="hold" grpId="0" nodeType="clickEffect">
-                                  <p:stCondLst>
-                                    <p:cond delay="0"/>
-                                  </p:stCondLst>
-                                  <p:childTnLst>
-                                    <p:set>
-                                      <p:cBhvr>
-                                        <p:cTn id="34" dur="1" fill="hold">
                                           <p:stCondLst>
                                             <p:cond delay="0"/>
                                           </p:stCondLst>
@@ -25604,7 +26694,7 @@
                                     </p:set>
                                     <p:anim calcmode="lin" valueType="num">
                                       <p:cBhvr additive="base">
-                                        <p:cTn id="35" dur="500"/>
+                                        <p:cTn id="7" dur="500"/>
                                         <p:tgtEl>
                                           <p:spTgt spid="17"/>
                                         </p:tgtEl>
@@ -25627,7 +26717,7 @@
                                     </p:anim>
                                     <p:animEffect transition="in" filter="wipe(right)">
                                       <p:cBhvr>
-                                        <p:cTn id="36" dur="500"/>
+                                        <p:cTn id="8" dur="500"/>
                                         <p:tgtEl>
                                           <p:spTgt spid="17"/>
                                         </p:tgtEl>
@@ -25637,14 +26727,14 @@
                                 </p:cTn>
                               </p:par>
                               <p:par>
-                                <p:cTn id="37" presetID="12" presetClass="entr" presetSubtype="8" fill="hold" grpId="0" nodeType="withEffect">
+                                <p:cTn id="9" presetID="12" presetClass="entr" presetSubtype="8" fill="hold" grpId="0" nodeType="withEffect">
                                   <p:stCondLst>
                                     <p:cond delay="0"/>
                                   </p:stCondLst>
                                   <p:childTnLst>
                                     <p:set>
                                       <p:cBhvr>
-                                        <p:cTn id="38" dur="1" fill="hold">
+                                        <p:cTn id="10" dur="1" fill="hold">
                                           <p:stCondLst>
                                             <p:cond delay="0"/>
                                           </p:stCondLst>
@@ -25662,7 +26752,7 @@
                                     </p:set>
                                     <p:anim calcmode="lin" valueType="num">
                                       <p:cBhvr additive="base">
-                                        <p:cTn id="39" dur="500"/>
+                                        <p:cTn id="11" dur="500"/>
                                         <p:tgtEl>
                                           <p:spTgt spid="21"/>
                                         </p:tgtEl>
@@ -25685,7 +26775,7 @@
                                     </p:anim>
                                     <p:animEffect transition="in" filter="wipe(right)">
                                       <p:cBhvr>
-                                        <p:cTn id="40" dur="500"/>
+                                        <p:cTn id="12" dur="500"/>
                                         <p:tgtEl>
                                           <p:spTgt spid="21"/>
                                         </p:tgtEl>
@@ -25722,14 +26812,8 @@
       </p:par>
     </p:tnLst>
     <p:bldLst>
-      <p:bldP spid="2" grpId="0"/>
-      <p:bldP spid="14" grpId="0" animBg="1"/>
-      <p:bldP spid="16" grpId="0"/>
       <p:bldP spid="17" grpId="0" animBg="1"/>
       <p:bldP spid="21" grpId="0"/>
-      <p:bldP spid="18" grpId="0" animBg="1"/>
-      <p:bldP spid="23" grpId="0" animBg="1"/>
-      <p:bldP spid="24" grpId="0" animBg="1"/>
     </p:bldLst>
   </p:timing>
 </p:sld>

--- a/presentazione_meazzo.pptx
+++ b/presentazione_meazzo.pptx
@@ -549,7 +549,22 @@
           <a:bodyPr/>
           <a:lstStyle/>
           <a:p>
-            <a:endParaRPr lang="it-IT" dirty="0"/>
+            <a:r>
+              <a:rPr lang="it-IT" dirty="0"/>
+              <a:t>Buongiorno ... sono ..</a:t>
+            </a:r>
+          </a:p>
+          <a:p>
+            <a:r>
+              <a:rPr lang="it-IT" dirty="0"/>
+              <a:t>Durante la mia tesi mi sono occupato della stesura di un codice altamente parallelo</a:t>
+            </a:r>
+          </a:p>
+          <a:p>
+            <a:r>
+              <a:rPr lang="it-IT" dirty="0"/>
+              <a:t>per la simulazione numerica diretta dei fenomeni legati alla turbolenza</a:t>
+            </a:r>
           </a:p>
         </p:txBody>
       </p:sp>
@@ -640,40 +655,27 @@
           </a:p>
           <a:p>
             <a:r>
+              <a:rPr lang="it-IT" dirty="0" err="1"/>
+              <a:t>Fitting</a:t>
+            </a:r>
+            <a:r>
               <a:rPr lang="it-IT" dirty="0"/>
-              <a:t>Legge di parete: brevemente …,</a:t>
+              <a:t> dati perfetto</a:t>
             </a:r>
           </a:p>
           <a:p>
             <a:r>
               <a:rPr lang="it-IT" dirty="0"/>
-              <a:t>Aritmetica moderna &gt;&gt; KMM 1986</a:t>
-            </a:r>
-          </a:p>
-          <a:p>
-            <a:r>
-              <a:rPr lang="it-IT" dirty="0" err="1"/>
-              <a:t>Tau_w</a:t>
-            </a:r>
+              <a:t>Legge di parete: brevemente …</a:t>
+            </a:r>
+          </a:p>
+          <a:p>
+            <a:endParaRPr lang="it-IT" dirty="0"/>
+          </a:p>
+          <a:p>
             <a:r>
               <a:rPr lang="it-IT" dirty="0"/>
-              <a:t>= </a:t>
-            </a:r>
-            <a:r>
-              <a:rPr lang="it-IT" dirty="0" err="1"/>
-              <a:t>wall</a:t>
-            </a:r>
-            <a:r>
-              <a:rPr lang="it-IT" dirty="0"/>
-              <a:t> </a:t>
-            </a:r>
-            <a:r>
-              <a:rPr lang="it-IT" dirty="0" err="1"/>
-              <a:t>shear</a:t>
-            </a:r>
-            <a:r>
-              <a:rPr lang="it-IT" dirty="0"/>
-              <a:t> stress</a:t>
+              <a:t>PROFILO MEDIO DI VELOCITA'</a:t>
             </a:r>
           </a:p>
         </p:txBody>
@@ -760,36 +762,27 @@
           <a:p>
             <a:r>
               <a:rPr lang="it-IT" dirty="0"/>
-              <a:t>Panoramica legge parete,</a:t>
-            </a:r>
-          </a:p>
-          <a:p>
+              <a:t>Aumento Re	-&gt;costi</a:t>
+            </a:r>
+          </a:p>
+          <a:p>
+            <a:r>
+              <a:rPr lang="it-IT" dirty="0"/>
+              <a:t>Aumento Re =&gt; Aumento portata, variazione </a:t>
+            </a:r>
             <a:r>
               <a:rPr lang="it-IT" dirty="0" err="1"/>
-              <a:t>U_mean</a:t>
-            </a:r>
-            <a:endParaRPr lang="it-IT" dirty="0"/>
-          </a:p>
-          <a:p>
+              <a:t>shear</a:t>
+            </a:r>
             <a:r>
               <a:rPr lang="it-IT" dirty="0"/>
-              <a:t>Componenti sforzo di taglio (</a:t>
-            </a:r>
-            <a:r>
-              <a:rPr lang="it-IT" dirty="0" err="1"/>
-              <a:t>channel_units</a:t>
-            </a:r>
+              <a:t> stress</a:t>
+            </a:r>
+          </a:p>
+          <a:p>
             <a:r>
               <a:rPr lang="it-IT" dirty="0"/>
-              <a:t>) al </a:t>
-            </a:r>
-            <a:r>
-              <a:rPr lang="it-IT" dirty="0" err="1"/>
-              <a:t>var</a:t>
-            </a:r>
-            <a:r>
-              <a:rPr lang="it-IT" dirty="0"/>
-              <a:t> di RE</a:t>
+              <a:t>ampliamento della regione logaritmica </a:t>
             </a:r>
           </a:p>
           <a:p>
@@ -906,6 +899,50 @@
           <a:lstStyle/>
           <a:p>
             <a:r>
+              <a:rPr lang="it-IT" dirty="0" err="1"/>
+              <a:t>Perchè</a:t>
+            </a:r>
+            <a:r>
+              <a:rPr lang="it-IT" dirty="0"/>
+              <a:t> Aumento Re?</a:t>
+            </a:r>
+          </a:p>
+          <a:p>
+            <a:r>
+              <a:rPr lang="it-IT" dirty="0"/>
+              <a:t>Implica ampliamento della regione logaritmica, </a:t>
+            </a:r>
+          </a:p>
+          <a:p>
+            <a:r>
+              <a:rPr lang="it-IT" dirty="0"/>
+              <a:t>Questa regione è riconoscibile impiegando la </a:t>
+            </a:r>
+            <a:r>
+              <a:rPr lang="it-IT" dirty="0" err="1"/>
+              <a:t>indicator</a:t>
+            </a:r>
+            <a:r>
+              <a:rPr lang="it-IT" dirty="0"/>
+              <a:t> </a:t>
+            </a:r>
+            <a:r>
+              <a:rPr lang="it-IT" dirty="0" err="1"/>
+              <a:t>function</a:t>
+            </a:r>
+            <a:endParaRPr lang="it-IT" dirty="0"/>
+          </a:p>
+          <a:p>
+            <a:r>
+              <a:rPr lang="it-IT" dirty="0"/>
+              <a:t>la quale presenta un plateau nel caso in cui il profilo medio di velocità acquisisca un andamento logaritmico</a:t>
+            </a:r>
+          </a:p>
+          <a:p>
+            <a:endParaRPr lang="it-IT" dirty="0"/>
+          </a:p>
+          <a:p>
+            <a:r>
               <a:rPr lang="it-IT" dirty="0"/>
               <a:t>se log -&gt; B=1/K (K=Von Karman)</a:t>
             </a:r>
@@ -992,7 +1029,75 @@
           <a:bodyPr/>
           <a:lstStyle/>
           <a:p>
+            <a:r>
+              <a:rPr lang="it-IT" dirty="0"/>
+              <a:t>All’interno della regione logaritmica,</a:t>
+            </a:r>
+          </a:p>
+          <a:p>
+            <a:r>
+              <a:rPr lang="it-IT" dirty="0"/>
+              <a:t>secondo l'ipotesi di </a:t>
+            </a:r>
+            <a:r>
+              <a:rPr lang="it-IT" dirty="0" err="1"/>
+              <a:t>attached</a:t>
+            </a:r>
+            <a:r>
+              <a:rPr lang="it-IT" dirty="0"/>
+              <a:t> </a:t>
+            </a:r>
+            <a:r>
+              <a:rPr lang="it-IT" dirty="0" err="1"/>
+              <a:t>eddies</a:t>
+            </a:r>
+            <a:r>
+              <a:rPr lang="it-IT" dirty="0"/>
+              <a:t> formulata da </a:t>
+            </a:r>
+            <a:r>
+              <a:rPr lang="it-IT" dirty="0" err="1"/>
+              <a:t>Towsend</a:t>
+            </a:r>
+            <a:r>
+              <a:rPr lang="it-IT" dirty="0"/>
+              <a:t>,</a:t>
+            </a:r>
+          </a:p>
+          <a:p>
+            <a:r>
+              <a:rPr lang="it-IT" dirty="0"/>
+              <a:t>è prevista:</a:t>
+            </a:r>
+          </a:p>
+          <a:p>
+            <a:r>
+              <a:rPr lang="it-IT" dirty="0"/>
+              <a:t>presenza vortici similari, con dimensioni funzione </a:t>
+            </a:r>
+            <a:r>
+              <a:rPr lang="it-IT" dirty="0" err="1"/>
+              <a:t>dist</a:t>
+            </a:r>
+            <a:r>
+              <a:rPr lang="it-IT" dirty="0"/>
+              <a:t> parete</a:t>
+            </a:r>
+          </a:p>
+          <a:p>
+            <a:r>
+              <a:rPr lang="it-IT" dirty="0"/>
+              <a:t>e che modificano campo di velocità sino alla parete</a:t>
+            </a:r>
+          </a:p>
+          <a:p>
             <a:endParaRPr lang="it-IT" dirty="0"/>
+          </a:p>
+          <a:p>
+            <a:r>
+              <a:rPr lang="it-IT" dirty="0"/>
+              <a:t>Secondo questa ipotesi le fluttuazioni dovrebbero essere caratterizzati da 4 andamenti</a:t>
+            </a:r>
           </a:p>
         </p:txBody>
       </p:sp>
@@ -1078,15 +1183,13 @@
           <a:p>
             <a:r>
               <a:rPr lang="it-IT" dirty="0"/>
-              <a:t>Funzione </a:t>
-            </a:r>
-            <a:r>
-              <a:rPr lang="it-IT" dirty="0" err="1"/>
-              <a:t>Predittore</a:t>
-            </a:r>
+              <a:t>Fluttuazioni trasversali presentano andamento logaritmico</a:t>
+            </a:r>
+          </a:p>
+          <a:p>
             <a:r>
               <a:rPr lang="it-IT" dirty="0"/>
-              <a:t> andamento logaritmico</a:t>
+              <a:t>Fluttuazioni longitudinali sono vicine a presentare andamento logaritmico</a:t>
             </a:r>
           </a:p>
         </p:txBody>
@@ -1171,6 +1274,108 @@
           <a:bodyPr/>
           <a:lstStyle/>
           <a:p>
+            <a:r>
+              <a:rPr lang="it-IT" dirty="0"/>
+              <a:t>Abbiamo creato un solutore in grado di gestire grosse simulazioni</a:t>
+            </a:r>
+          </a:p>
+          <a:p>
+            <a:r>
+              <a:rPr lang="it-IT" dirty="0"/>
+              <a:t>e abbiamo raggiunto una buona scalabilità</a:t>
+            </a:r>
+          </a:p>
+          <a:p>
+            <a:endParaRPr lang="it-IT" dirty="0"/>
+          </a:p>
+          <a:p>
+            <a:r>
+              <a:rPr lang="it-IT" dirty="0"/>
+              <a:t>tuttavia la tendenza odierna del mercato si è spostata</a:t>
+            </a:r>
+          </a:p>
+        </p:txBody>
+      </p:sp>
+      <p:sp>
+        <p:nvSpPr>
+          <p:cNvPr id="4" name="Segnaposto numero diapositiva 3"/>
+          <p:cNvSpPr>
+            <a:spLocks noGrp="1"/>
+          </p:cNvSpPr>
+          <p:nvPr>
+            <p:ph type="sldNum" sz="quarter" idx="10"/>
+          </p:nvPr>
+        </p:nvSpPr>
+        <p:spPr/>
+        <p:txBody>
+          <a:bodyPr/>
+          <a:lstStyle/>
+          <a:p>
+            <a:fld id="{1A6B2BED-F6F4-ED4A-9D49-77F4B1011AF7}" type="slidenum">
+              <a:rPr lang="it-IT" smtClean="0"/>
+              <a:t>15</a:t>
+            </a:fld>
+            <a:endParaRPr lang="it-IT"/>
+          </a:p>
+        </p:txBody>
+      </p:sp>
+    </p:spTree>
+    <p:extLst>
+      <p:ext uri="{BB962C8B-B14F-4D97-AF65-F5344CB8AC3E}">
+        <p14:creationId xmlns:p14="http://schemas.microsoft.com/office/powerpoint/2010/main" val="3196860045"/>
+      </p:ext>
+    </p:extLst>
+  </p:cSld>
+  <p:clrMapOvr>
+    <a:masterClrMapping/>
+  </p:clrMapOvr>
+</p:notes>
+</file>
+
+<file path=ppt/notesSlides/notesSlide16.xml><?xml version="1.0" encoding="utf-8"?>
+<p:notes xmlns:a="http://schemas.openxmlformats.org/drawingml/2006/main" xmlns:r="http://schemas.openxmlformats.org/officeDocument/2006/relationships" xmlns:p="http://schemas.openxmlformats.org/presentationml/2006/main">
+  <p:cSld>
+    <p:spTree>
+      <p:nvGrpSpPr>
+        <p:cNvPr id="1" name=""/>
+        <p:cNvGrpSpPr/>
+        <p:nvPr/>
+      </p:nvGrpSpPr>
+      <p:grpSpPr>
+        <a:xfrm>
+          <a:off x="0" y="0"/>
+          <a:ext cx="0" cy="0"/>
+          <a:chOff x="0" y="0"/>
+          <a:chExt cx="0" cy="0"/>
+        </a:xfrm>
+      </p:grpSpPr>
+      <p:sp>
+        <p:nvSpPr>
+          <p:cNvPr id="2" name="Segnaposto immagine diapositiva 1"/>
+          <p:cNvSpPr>
+            <a:spLocks noGrp="1" noRot="1" noChangeAspect="1"/>
+          </p:cNvSpPr>
+          <p:nvPr>
+            <p:ph type="sldImg"/>
+          </p:nvPr>
+        </p:nvSpPr>
+        <p:spPr/>
+      </p:sp>
+      <p:sp>
+        <p:nvSpPr>
+          <p:cNvPr id="3" name="Segnaposto note 2"/>
+          <p:cNvSpPr>
+            <a:spLocks noGrp="1"/>
+          </p:cNvSpPr>
+          <p:nvPr>
+            <p:ph type="body" idx="1"/>
+          </p:nvPr>
+        </p:nvSpPr>
+        <p:spPr/>
+        <p:txBody>
+          <a:bodyPr/>
+          <a:lstStyle/>
+          <a:p>
             <a:endParaRPr lang="it-IT" dirty="0"/>
           </a:p>
         </p:txBody>
@@ -1269,13 +1474,19 @@
           <a:p>
             <a:r>
               <a:rPr lang="it-IT" dirty="0"/>
-              <a:t>Non adottare modelli .. Costi molto elevati computazionale,</a:t>
+              <a:t>Non adottare modelli .. Costi computazionale molto elevato,</a:t>
             </a:r>
           </a:p>
           <a:p>
             <a:r>
               <a:rPr lang="it-IT" dirty="0"/>
-              <a:t>Solo ambito accademico, </a:t>
+              <a:t>che rendono impossibile riprodurre flussi di interesse industriale</a:t>
+            </a:r>
+          </a:p>
+          <a:p>
+            <a:r>
+              <a:rPr lang="it-IT" dirty="0"/>
+              <a:t>pertanto è impiegata solo nell'ambito accademico -&gt;</a:t>
             </a:r>
           </a:p>
           <a:p>
@@ -1374,7 +1585,13 @@
           <a:p>
             <a:r>
               <a:rPr lang="it-IT" dirty="0"/>
-              <a:t>Figure testimoniano trend allineati, ma non proporzionali</a:t>
+              <a:t>Figure testimoniano come crescita dimensioni simulazioni è legata crescita potenza supercalcolatori</a:t>
+            </a:r>
+          </a:p>
+          <a:p>
+            <a:r>
+              <a:rPr lang="it-IT" dirty="0"/>
+              <a:t>non proporzionali</a:t>
             </a:r>
           </a:p>
           <a:p>
@@ -1650,7 +1867,7 @@
           <a:p>
             <a:r>
               <a:rPr lang="it-IT" dirty="0"/>
-              <a:t>dipendenza larghezza banda</a:t>
+              <a:t>dipendenza larghezza banda e dimensione messaggi</a:t>
             </a:r>
           </a:p>
           <a:p>
@@ -1743,28 +1960,76 @@
           <a:p>
             <a:r>
               <a:rPr lang="it-IT" dirty="0"/>
-              <a:t>Il nostro solutore è caratterizzato da..</a:t>
-            </a:r>
-          </a:p>
-          <a:p>
+              <a:t>In questa slide ho riportato principali </a:t>
+            </a:r>
+            <a:r>
+              <a:rPr lang="it-IT" dirty="0" err="1"/>
+              <a:t>feature</a:t>
+            </a:r>
             <a:r>
               <a:rPr lang="it-IT" dirty="0"/>
-              <a:t>Use estensivo delle seguenti librerie esterne,</a:t>
+              <a:t> codice.</a:t>
             </a:r>
           </a:p>
           <a:p>
             <a:r>
               <a:rPr lang="it-IT" dirty="0"/>
-              <a:t>…Grazie all’uso di </a:t>
+              <a:t>Simulazione Channel flow ovvero flusso attraverso canale limitato da 2 pareti</a:t>
+            </a:r>
+          </a:p>
+          <a:p>
+            <a:r>
+              <a:rPr lang="it-IT" dirty="0"/>
+              <a:t>1,2,</a:t>
+            </a:r>
+          </a:p>
+          <a:p>
+            <a:r>
+              <a:rPr lang="it-IT" dirty="0"/>
+              <a:t>caratterizzate da elevata precisione, costi paragonabili alle </a:t>
             </a:r>
             <a:r>
               <a:rPr lang="it-IT" dirty="0" err="1"/>
-              <a:t>fftMPI</a:t>
-            </a:r>
-            <a:endParaRPr lang="it-IT" dirty="0"/>
-          </a:p>
-          <a:p>
-            <a:endParaRPr lang="it-IT" dirty="0"/>
+              <a:t>diff</a:t>
+            </a:r>
+            <a:r>
+              <a:rPr lang="it-IT" dirty="0"/>
+              <a:t> finite</a:t>
+            </a:r>
+          </a:p>
+          <a:p>
+            <a:r>
+              <a:rPr lang="it-IT" dirty="0"/>
+              <a:t>infine ridurre costo computazionale 3,</a:t>
+            </a:r>
+          </a:p>
+          <a:p>
+            <a:r>
+              <a:rPr lang="it-IT" dirty="0"/>
+              <a:t>4, ed è caratterizzato dalla </a:t>
+            </a:r>
+            <a:r>
+              <a:rPr lang="it-IT" dirty="0" err="1"/>
+              <a:t>possiblità</a:t>
+            </a:r>
+            <a:r>
+              <a:rPr lang="it-IT" dirty="0"/>
+              <a:t> </a:t>
+            </a:r>
+            <a:r>
+              <a:rPr lang="it-IT" dirty="0" err="1"/>
+              <a:t>decomp</a:t>
+            </a:r>
+            <a:r>
+              <a:rPr lang="it-IT" dirty="0"/>
+              <a:t> 1D o 2D,</a:t>
+            </a:r>
+          </a:p>
+          <a:p>
+            <a:r>
+              <a:rPr lang="it-IT" dirty="0"/>
+              <a:t>Al fine di adottare le nuove soluzioni è stato introdotto codice in C</a:t>
+            </a:r>
           </a:p>
         </p:txBody>
       </p:sp>
@@ -1850,13 +2115,19 @@
           <a:p>
             <a:r>
               <a:rPr lang="it-IT" dirty="0"/>
-              <a:t>decomposizione 2D arrays,</a:t>
+              <a:t>Decomposizione dominio</a:t>
             </a:r>
           </a:p>
           <a:p>
             <a:r>
               <a:rPr lang="it-IT" dirty="0"/>
-              <a:t>consente maggiore scalabilità del codice,</a:t>
+              <a:t>1D simile originale, </a:t>
+            </a:r>
+          </a:p>
+          <a:p>
+            <a:r>
+              <a:rPr lang="it-IT" dirty="0"/>
+              <a:t>decomposizione 2D,	-&gt;  consente maggiore scalabilità del codice,</a:t>
             </a:r>
           </a:p>
           <a:p>
@@ -1877,6 +2148,20 @@
             <a:r>
               <a:rPr lang="it-IT" dirty="0"/>
               <a:t>prodotto tra i 2 modi più piccoli</a:t>
+            </a:r>
+          </a:p>
+          <a:p>
+            <a:r>
+              <a:rPr lang="it-IT" dirty="0"/>
+              <a:t>Eseguendo </a:t>
+            </a:r>
+            <a:r>
+              <a:rPr lang="it-IT" dirty="0" err="1"/>
+              <a:t>convoluz</a:t>
+            </a:r>
+            <a:r>
+              <a:rPr lang="it-IT" dirty="0"/>
+              <a:t> dominio fisico è necessaria strategia per eseguire trasposizione array</a:t>
             </a:r>
           </a:p>
         </p:txBody>
@@ -1963,15 +2248,15 @@
           <a:p>
             <a:r>
               <a:rPr lang="it-IT" dirty="0"/>
-              <a:t>Benchmark, </a:t>
+              <a:t>Panoramica degli </a:t>
             </a:r>
             <a:r>
               <a:rPr lang="it-IT" dirty="0" err="1"/>
-              <a:t>S</a:t>
+              <a:t>Speedup</a:t>
             </a:r>
             <a:r>
               <a:rPr lang="it-IT" dirty="0"/>
-              <a:t>=</a:t>
+              <a:t> ottenuti dal codice	(=</a:t>
             </a:r>
             <a:r>
               <a:rPr lang="it-IT" dirty="0" err="1"/>
@@ -1985,32 +2270,73 @@
               <a:rPr lang="it-IT" dirty="0" err="1"/>
               <a:t>t_p</a:t>
             </a:r>
+            <a:r>
+              <a:rPr lang="it-IT" dirty="0"/>
+              <a:t>)</a:t>
+            </a:r>
+          </a:p>
+          <a:p>
+            <a:r>
+              <a:rPr lang="it-IT" dirty="0"/>
+              <a:t>CPL, </a:t>
+            </a:r>
+          </a:p>
+          <a:p>
+            <a:r>
+              <a:rPr lang="it-IT" dirty="0"/>
+              <a:t>1D+MPI  2D</a:t>
+            </a:r>
+          </a:p>
+          <a:p>
+            <a:r>
+              <a:rPr lang="it-IT" dirty="0"/>
+              <a:t>dx:</a:t>
+            </a:r>
+          </a:p>
+          <a:p>
+            <a:r>
+              <a:rPr lang="it-IT" dirty="0"/>
+              <a:t>sensibilità </a:t>
+            </a:r>
+            <a:r>
+              <a:rPr lang="it-IT" dirty="0" err="1"/>
+              <a:t>n</a:t>
+            </a:r>
+            <a:r>
+              <a:rPr lang="it-IT" dirty="0"/>
+              <a:t> </a:t>
+            </a:r>
+            <a:r>
+              <a:rPr lang="it-IT" dirty="0" err="1"/>
+              <a:t>cores</a:t>
+            </a:r>
+            <a:r>
+              <a:rPr lang="it-IT" dirty="0"/>
+              <a:t>	-&gt; mancanza </a:t>
+            </a:r>
+            <a:r>
+              <a:rPr lang="it-IT" dirty="0" err="1"/>
+              <a:t>openMP</a:t>
+            </a:r>
+            <a:r>
+              <a:rPr lang="it-IT" dirty="0"/>
+              <a:t> x gestire efficiente elevato </a:t>
+            </a:r>
+            <a:r>
+              <a:rPr lang="it-IT" dirty="0" err="1"/>
+              <a:t>n</a:t>
+            </a:r>
+            <a:r>
+              <a:rPr lang="it-IT" dirty="0"/>
+              <a:t> </a:t>
+            </a:r>
+            <a:r>
+              <a:rPr lang="it-IT" dirty="0" err="1"/>
+              <a:t>thread</a:t>
+            </a:r>
             <a:endParaRPr lang="it-IT" dirty="0"/>
           </a:p>
           <a:p>
-            <a:r>
-              <a:rPr lang="it-IT" dirty="0"/>
-              <a:t>128^3 </a:t>
-            </a:r>
-            <a:r>
-              <a:rPr lang="it-IT" dirty="0" err="1"/>
-              <a:t>cpl</a:t>
-            </a:r>
-            <a:r>
-              <a:rPr lang="it-IT" dirty="0"/>
-              <a:t> vs </a:t>
-            </a:r>
-            <a:r>
-              <a:rPr lang="it-IT" dirty="0" err="1"/>
-              <a:t>mpi</a:t>
-            </a:r>
-            <a:endParaRPr lang="it-IT" dirty="0"/>
-          </a:p>
-          <a:p>
-            <a:r>
-              <a:rPr lang="it-IT" dirty="0"/>
-              <a:t>Mentre </a:t>
-            </a:r>
             <a:r>
               <a:rPr lang="it-IT" dirty="0" err="1"/>
               <a:t>Decomp</a:t>
@@ -2018,20 +2344,6 @@
             <a:r>
               <a:rPr lang="it-IT" dirty="0"/>
               <a:t> 1D non presenta sensibilità al #CORES</a:t>
-            </a:r>
-          </a:p>
-          <a:p>
-            <a:r>
-              <a:rPr lang="it-IT" dirty="0"/>
-              <a:t>256x256x512  </a:t>
-            </a:r>
-            <a:r>
-              <a:rPr lang="it-IT" dirty="0" err="1"/>
-              <a:t>f</a:t>
-            </a:r>
-            <a:r>
-              <a:rPr lang="it-IT" dirty="0"/>
-              <a:t>(CORES)</a:t>
             </a:r>
           </a:p>
           <a:p>
@@ -2140,35 +2452,43 @@
           </a:p>
           <a:p>
             <a:r>
+              <a:rPr lang="it-IT" dirty="0"/>
+              <a:t>suite -&gt; </a:t>
+            </a:r>
+            <a:r>
               <a:rPr lang="it-IT" dirty="0" err="1"/>
               <a:t>Autovettorizzazione</a:t>
             </a:r>
             <a:r>
               <a:rPr lang="it-IT" dirty="0"/>
-              <a:t> codice</a:t>
+              <a:t> codice sopperire... </a:t>
             </a:r>
           </a:p>
           <a:p>
             <a:r>
               <a:rPr lang="it-IT" dirty="0"/>
-              <a:t>Picco </a:t>
+              <a:t>Performance raddoppiate</a:t>
+            </a:r>
+          </a:p>
+          <a:p>
+            <a:endParaRPr lang="it-IT" dirty="0"/>
+          </a:p>
+          <a:p>
+            <a:r>
+              <a:rPr lang="it-IT" dirty="0"/>
+              <a:t>a dx:</a:t>
+            </a:r>
+          </a:p>
+          <a:p>
+            <a:r>
+              <a:rPr lang="it-IT" dirty="0"/>
+              <a:t>Trend di crescita del picco dello </a:t>
             </a:r>
             <a:r>
               <a:rPr lang="it-IT" dirty="0" err="1"/>
-              <a:t>Scaling</a:t>
-            </a:r>
-            <a:r>
-              <a:rPr lang="it-IT" dirty="0"/>
-              <a:t> </a:t>
-            </a:r>
-            <a:r>
-              <a:rPr lang="it-IT" dirty="0" err="1"/>
-              <a:t>f</a:t>
-            </a:r>
-            <a:r>
-              <a:rPr lang="it-IT" dirty="0"/>
-              <a:t>(#modi)</a:t>
-            </a:r>
+              <a:t>speedup</a:t>
+            </a:r>
+            <a:endParaRPr lang="it-IT" dirty="0"/>
           </a:p>
           <a:p>
             <a:pPr marL="0" marR="0" lvl="0" indent="0" algn="l" defTabSz="914400" rtl="0" eaLnBrk="1" fontAlgn="auto" latinLnBrk="0" hangingPunct="1">
@@ -14233,6 +14553,14 @@
 <file path=ppt/slides/slide1.xml><?xml version="1.0" encoding="utf-8"?>
 <p:sld xmlns:a="http://schemas.openxmlformats.org/drawingml/2006/main" xmlns:r="http://schemas.openxmlformats.org/officeDocument/2006/relationships" xmlns:p="http://schemas.openxmlformats.org/presentationml/2006/main">
   <p:cSld>
+    <p:bg>
+      <p:bgPr>
+        <a:solidFill>
+          <a:srgbClr val="728FA5"/>
+        </a:solidFill>
+        <a:effectLst/>
+      </p:bgPr>
+    </p:bg>
     <p:spTree>
       <p:nvGrpSpPr>
         <p:cNvPr id="1" name=""/>
@@ -14247,136 +14575,6 @@
           <a:chExt cx="0" cy="0"/>
         </a:xfrm>
       </p:grpSpPr>
-      <p:sp>
-        <p:nvSpPr>
-          <p:cNvPr id="4" name="Rettangolo 3">
-            <a:extLst>
-              <a:ext uri="{FF2B5EF4-FFF2-40B4-BE49-F238E27FC236}">
-                <a16:creationId xmlns:a16="http://schemas.microsoft.com/office/drawing/2014/main" id="{50C48DEB-B137-5E48-8804-4C80435E9924}"/>
-              </a:ext>
-            </a:extLst>
-          </p:cNvPr>
-          <p:cNvSpPr/>
-          <p:nvPr/>
-        </p:nvSpPr>
-        <p:spPr>
-          <a:xfrm>
-            <a:off x="0" y="-1"/>
-            <a:ext cx="9144000" cy="6858001"/>
-          </a:xfrm>
-          <a:prstGeom prst="rect">
-            <a:avLst/>
-          </a:prstGeom>
-          <a:pattFill prst="pct50">
-            <a:fgClr>
-              <a:srgbClr val="728FA5"/>
-            </a:fgClr>
-            <a:bgClr>
-              <a:schemeClr val="bg1"/>
-            </a:bgClr>
-          </a:pattFill>
-        </p:spPr>
-        <p:style>
-          <a:lnRef idx="1">
-            <a:schemeClr val="accent1"/>
-          </a:lnRef>
-          <a:fillRef idx="3">
-            <a:schemeClr val="accent1"/>
-          </a:fillRef>
-          <a:effectRef idx="2">
-            <a:schemeClr val="accent1"/>
-          </a:effectRef>
-          <a:fontRef idx="minor">
-            <a:schemeClr val="lt1"/>
-          </a:fontRef>
-        </p:style>
-        <p:txBody>
-          <a:bodyPr rtlCol="0" anchor="ctr"/>
-          <a:lstStyle/>
-          <a:p>
-            <a:pPr algn="ctr"/>
-            <a:endParaRPr lang="it-IT"/>
-          </a:p>
-        </p:txBody>
-      </p:sp>
-      <p:sp>
-        <p:nvSpPr>
-          <p:cNvPr id="11" name="Sottotitolo 10"/>
-          <p:cNvSpPr>
-            <a:spLocks noGrp="1"/>
-          </p:cNvSpPr>
-          <p:nvPr>
-            <p:ph type="subTitle" idx="4294967295"/>
-          </p:nvPr>
-        </p:nvSpPr>
-        <p:spPr>
-          <a:xfrm>
-            <a:off x="641534" y="5118100"/>
-            <a:ext cx="7772400" cy="1333500"/>
-          </a:xfrm>
-        </p:spPr>
-        <p:txBody>
-          <a:bodyPr>
-            <a:normAutofit/>
-          </a:bodyPr>
-          <a:lstStyle/>
-          <a:p>
-            <a:pPr algn="ctr"/>
-            <a:r>
-              <a:rPr lang="it-IT" b="1" dirty="0">
-                <a:solidFill>
-                  <a:schemeClr val="bg1"/>
-                </a:solidFill>
-              </a:rPr>
-              <a:t>Milano, XX mese 20XX</a:t>
-            </a:r>
-          </a:p>
-          <a:p>
-            <a:endParaRPr lang="it-IT" dirty="0"/>
-          </a:p>
-        </p:txBody>
-      </p:sp>
-      <p:pic>
-        <p:nvPicPr>
-          <p:cNvPr id="1028" name="Picture 4" descr="Y:\IMMAGINE _COORDINATA_2014\LOGO_UFFICIALE\01_Polimi_centrato\eps\01_Polimi_centrato_COL_negativo.png"/>
-          <p:cNvPicPr>
-            <a:picLocks noChangeAspect="1" noChangeArrowheads="1"/>
-          </p:cNvPicPr>
-          <p:nvPr/>
-        </p:nvPicPr>
-        <p:blipFill>
-          <a:blip r:embed="rId3">
-            <a:extLst>
-              <a:ext uri="{28A0092B-C50C-407E-A947-70E740481C1C}">
-                <a14:useLocalDpi xmlns:a14="http://schemas.microsoft.com/office/drawing/2010/main" val="0"/>
-              </a:ext>
-            </a:extLst>
-          </a:blip>
-          <a:srcRect/>
-          <a:stretch>
-            <a:fillRect/>
-          </a:stretch>
-        </p:blipFill>
-        <p:spPr bwMode="auto">
-          <a:xfrm>
-            <a:off x="3108273" y="299080"/>
-            <a:ext cx="2927453" cy="2158431"/>
-          </a:xfrm>
-          <a:prstGeom prst="rect">
-            <a:avLst/>
-          </a:prstGeom>
-          <a:noFill/>
-          <a:extLst>
-            <a:ext uri="{909E8E84-426E-40DD-AFC4-6F175D3DCCD1}">
-              <a14:hiddenFill xmlns:a14="http://schemas.microsoft.com/office/drawing/2010/main">
-                <a:solidFill>
-                  <a:srgbClr val="FFFFFF"/>
-                </a:solidFill>
-              </a14:hiddenFill>
-            </a:ext>
-          </a:extLst>
-        </p:spPr>
-      </p:pic>
       <p:sp>
         <p:nvSpPr>
           <p:cNvPr id="9" name="Rettangolo 8"/>
@@ -14429,4341 +14627,130 @@
           </a:p>
         </p:txBody>
       </p:sp>
-      <p:grpSp>
-        <p:nvGrpSpPr>
-          <p:cNvPr id="10" name="Gruppo 9"/>
-          <p:cNvGrpSpPr/>
+      <p:sp>
+        <p:nvSpPr>
+          <p:cNvPr id="4" name="Rettangolo 3">
+            <a:extLst>
+              <a:ext uri="{FF2B5EF4-FFF2-40B4-BE49-F238E27FC236}">
+                <a16:creationId xmlns:a16="http://schemas.microsoft.com/office/drawing/2014/main" id="{50C48DEB-B137-5E48-8804-4C80435E9924}"/>
+              </a:ext>
+            </a:extLst>
+          </p:cNvPr>
+          <p:cNvSpPr/>
           <p:nvPr/>
-        </p:nvGrpSpPr>
-        <p:grpSpPr>
+        </p:nvSpPr>
+        <p:spPr>
           <a:xfrm>
-            <a:off x="48007" y="4915024"/>
-            <a:ext cx="9036647" cy="180000"/>
-            <a:chOff x="1218340" y="275867"/>
-            <a:chExt cx="17715122" cy="567843"/>
+            <a:off x="0" y="-1"/>
+            <a:ext cx="9144000" cy="6858001"/>
           </a:xfrm>
-        </p:grpSpPr>
-        <p:cxnSp>
-          <p:nvCxnSpPr>
-            <p:cNvPr id="12" name="Connettore 1 11"/>
-            <p:cNvCxnSpPr/>
-            <p:nvPr userDrawn="1"/>
-          </p:nvCxnSpPr>
-          <p:spPr>
-            <a:xfrm>
-              <a:off x="1218340" y="275867"/>
-              <a:ext cx="0" cy="567843"/>
-            </a:xfrm>
-            <a:prstGeom prst="line">
-              <a:avLst/>
-            </a:prstGeom>
-            <a:ln w="12700">
-              <a:solidFill>
-                <a:schemeClr val="bg1"/>
-              </a:solidFill>
-            </a:ln>
-            <a:effectLst/>
-          </p:spPr>
-          <p:style>
-            <a:lnRef idx="2">
-              <a:schemeClr val="accent1"/>
-            </a:lnRef>
-            <a:fillRef idx="0">
-              <a:schemeClr val="accent1"/>
-            </a:fillRef>
-            <a:effectRef idx="1">
-              <a:schemeClr val="accent1"/>
-            </a:effectRef>
-            <a:fontRef idx="minor">
-              <a:schemeClr val="tx1"/>
-            </a:fontRef>
-          </p:style>
-        </p:cxnSp>
-        <p:cxnSp>
-          <p:nvCxnSpPr>
-            <p:cNvPr id="13" name="Connettore 1 12"/>
-            <p:cNvCxnSpPr/>
-            <p:nvPr userDrawn="1"/>
-          </p:nvCxnSpPr>
-          <p:spPr>
-            <a:xfrm>
-              <a:off x="1367207" y="275867"/>
-              <a:ext cx="0" cy="567843"/>
-            </a:xfrm>
-            <a:prstGeom prst="line">
-              <a:avLst/>
-            </a:prstGeom>
-            <a:ln w="12700">
-              <a:solidFill>
-                <a:schemeClr val="bg1"/>
-              </a:solidFill>
-            </a:ln>
-            <a:effectLst/>
-          </p:spPr>
-          <p:style>
-            <a:lnRef idx="2">
-              <a:schemeClr val="accent1"/>
-            </a:lnRef>
-            <a:fillRef idx="0">
-              <a:schemeClr val="accent1"/>
-            </a:fillRef>
-            <a:effectRef idx="1">
-              <a:schemeClr val="accent1"/>
-            </a:effectRef>
-            <a:fontRef idx="minor">
-              <a:schemeClr val="tx1"/>
-            </a:fontRef>
-          </p:style>
-        </p:cxnSp>
-        <p:cxnSp>
-          <p:nvCxnSpPr>
-            <p:cNvPr id="14" name="Connettore 1 13"/>
-            <p:cNvCxnSpPr/>
-            <p:nvPr userDrawn="1"/>
-          </p:nvCxnSpPr>
-          <p:spPr>
-            <a:xfrm>
-              <a:off x="1516074" y="275867"/>
-              <a:ext cx="0" cy="567843"/>
-            </a:xfrm>
-            <a:prstGeom prst="line">
-              <a:avLst/>
-            </a:prstGeom>
-            <a:ln w="12700">
-              <a:solidFill>
-                <a:schemeClr val="bg1"/>
-              </a:solidFill>
-            </a:ln>
-            <a:effectLst/>
-          </p:spPr>
-          <p:style>
-            <a:lnRef idx="2">
-              <a:schemeClr val="accent1"/>
-            </a:lnRef>
-            <a:fillRef idx="0">
-              <a:schemeClr val="accent1"/>
-            </a:fillRef>
-            <a:effectRef idx="1">
-              <a:schemeClr val="accent1"/>
-            </a:effectRef>
-            <a:fontRef idx="minor">
-              <a:schemeClr val="tx1"/>
-            </a:fontRef>
-          </p:style>
-        </p:cxnSp>
-        <p:cxnSp>
-          <p:nvCxnSpPr>
-            <p:cNvPr id="15" name="Connettore 1 14"/>
-            <p:cNvCxnSpPr/>
-            <p:nvPr userDrawn="1"/>
-          </p:nvCxnSpPr>
-          <p:spPr>
-            <a:xfrm>
-              <a:off x="1664941" y="275867"/>
-              <a:ext cx="0" cy="567843"/>
-            </a:xfrm>
-            <a:prstGeom prst="line">
-              <a:avLst/>
-            </a:prstGeom>
-            <a:ln w="12700">
-              <a:solidFill>
-                <a:schemeClr val="bg1"/>
-              </a:solidFill>
-            </a:ln>
-            <a:effectLst/>
-          </p:spPr>
-          <p:style>
-            <a:lnRef idx="2">
-              <a:schemeClr val="accent1"/>
-            </a:lnRef>
-            <a:fillRef idx="0">
-              <a:schemeClr val="accent1"/>
-            </a:fillRef>
-            <a:effectRef idx="1">
-              <a:schemeClr val="accent1"/>
-            </a:effectRef>
-            <a:fontRef idx="minor">
-              <a:schemeClr val="tx1"/>
-            </a:fontRef>
-          </p:style>
-        </p:cxnSp>
-        <p:cxnSp>
-          <p:nvCxnSpPr>
-            <p:cNvPr id="16" name="Connettore 1 15"/>
-            <p:cNvCxnSpPr/>
-            <p:nvPr userDrawn="1"/>
-          </p:nvCxnSpPr>
-          <p:spPr>
-            <a:xfrm>
-              <a:off x="1813808" y="275867"/>
-              <a:ext cx="0" cy="567843"/>
-            </a:xfrm>
-            <a:prstGeom prst="line">
-              <a:avLst/>
-            </a:prstGeom>
-            <a:ln w="12700">
-              <a:solidFill>
-                <a:schemeClr val="bg1"/>
-              </a:solidFill>
-            </a:ln>
-            <a:effectLst/>
-          </p:spPr>
-          <p:style>
-            <a:lnRef idx="2">
-              <a:schemeClr val="accent1"/>
-            </a:lnRef>
-            <a:fillRef idx="0">
-              <a:schemeClr val="accent1"/>
-            </a:fillRef>
-            <a:effectRef idx="1">
-              <a:schemeClr val="accent1"/>
-            </a:effectRef>
-            <a:fontRef idx="minor">
-              <a:schemeClr val="tx1"/>
-            </a:fontRef>
-          </p:style>
-        </p:cxnSp>
-        <p:cxnSp>
-          <p:nvCxnSpPr>
-            <p:cNvPr id="17" name="Connettore 1 16"/>
-            <p:cNvCxnSpPr/>
-            <p:nvPr userDrawn="1"/>
-          </p:nvCxnSpPr>
-          <p:spPr>
-            <a:xfrm>
-              <a:off x="1962675" y="275867"/>
-              <a:ext cx="0" cy="567843"/>
-            </a:xfrm>
-            <a:prstGeom prst="line">
-              <a:avLst/>
-            </a:prstGeom>
-            <a:ln w="12700">
-              <a:solidFill>
-                <a:schemeClr val="bg1"/>
-              </a:solidFill>
-            </a:ln>
-            <a:effectLst/>
-          </p:spPr>
-          <p:style>
-            <a:lnRef idx="2">
-              <a:schemeClr val="accent1"/>
-            </a:lnRef>
-            <a:fillRef idx="0">
-              <a:schemeClr val="accent1"/>
-            </a:fillRef>
-            <a:effectRef idx="1">
-              <a:schemeClr val="accent1"/>
-            </a:effectRef>
-            <a:fontRef idx="minor">
-              <a:schemeClr val="tx1"/>
-            </a:fontRef>
-          </p:style>
-        </p:cxnSp>
-        <p:cxnSp>
-          <p:nvCxnSpPr>
-            <p:cNvPr id="18" name="Connettore 1 17"/>
-            <p:cNvCxnSpPr/>
-            <p:nvPr userDrawn="1"/>
-          </p:nvCxnSpPr>
-          <p:spPr>
-            <a:xfrm>
-              <a:off x="2111542" y="275867"/>
-              <a:ext cx="0" cy="567843"/>
-            </a:xfrm>
-            <a:prstGeom prst="line">
-              <a:avLst/>
-            </a:prstGeom>
-            <a:ln w="12700">
-              <a:solidFill>
-                <a:schemeClr val="bg1"/>
-              </a:solidFill>
-            </a:ln>
-            <a:effectLst/>
-          </p:spPr>
-          <p:style>
-            <a:lnRef idx="2">
-              <a:schemeClr val="accent1"/>
-            </a:lnRef>
-            <a:fillRef idx="0">
-              <a:schemeClr val="accent1"/>
-            </a:fillRef>
-            <a:effectRef idx="1">
-              <a:schemeClr val="accent1"/>
-            </a:effectRef>
-            <a:fontRef idx="minor">
-              <a:schemeClr val="tx1"/>
-            </a:fontRef>
-          </p:style>
-        </p:cxnSp>
-        <p:cxnSp>
-          <p:nvCxnSpPr>
-            <p:cNvPr id="19" name="Connettore 1 18"/>
-            <p:cNvCxnSpPr/>
-            <p:nvPr userDrawn="1"/>
-          </p:nvCxnSpPr>
-          <p:spPr>
-            <a:xfrm>
-              <a:off x="2260409" y="275867"/>
-              <a:ext cx="0" cy="567843"/>
-            </a:xfrm>
-            <a:prstGeom prst="line">
-              <a:avLst/>
-            </a:prstGeom>
-            <a:ln w="12700">
-              <a:solidFill>
-                <a:schemeClr val="bg1"/>
-              </a:solidFill>
-            </a:ln>
-            <a:effectLst/>
-          </p:spPr>
-          <p:style>
-            <a:lnRef idx="2">
-              <a:schemeClr val="accent1"/>
-            </a:lnRef>
-            <a:fillRef idx="0">
-              <a:schemeClr val="accent1"/>
-            </a:fillRef>
-            <a:effectRef idx="1">
-              <a:schemeClr val="accent1"/>
-            </a:effectRef>
-            <a:fontRef idx="minor">
-              <a:schemeClr val="tx1"/>
-            </a:fontRef>
-          </p:style>
-        </p:cxnSp>
-        <p:cxnSp>
-          <p:nvCxnSpPr>
-            <p:cNvPr id="20" name="Connettore 1 19"/>
-            <p:cNvCxnSpPr/>
-            <p:nvPr userDrawn="1"/>
-          </p:nvCxnSpPr>
-          <p:spPr>
-            <a:xfrm>
-              <a:off x="2409276" y="275867"/>
-              <a:ext cx="0" cy="567843"/>
-            </a:xfrm>
-            <a:prstGeom prst="line">
-              <a:avLst/>
-            </a:prstGeom>
-            <a:ln w="12700">
-              <a:solidFill>
-                <a:schemeClr val="bg1"/>
-              </a:solidFill>
-            </a:ln>
-            <a:effectLst/>
-          </p:spPr>
-          <p:style>
-            <a:lnRef idx="2">
-              <a:schemeClr val="accent1"/>
-            </a:lnRef>
-            <a:fillRef idx="0">
-              <a:schemeClr val="accent1"/>
-            </a:fillRef>
-            <a:effectRef idx="1">
-              <a:schemeClr val="accent1"/>
-            </a:effectRef>
-            <a:fontRef idx="minor">
-              <a:schemeClr val="tx1"/>
-            </a:fontRef>
-          </p:style>
-        </p:cxnSp>
-        <p:cxnSp>
-          <p:nvCxnSpPr>
-            <p:cNvPr id="21" name="Connettore 1 20"/>
-            <p:cNvCxnSpPr/>
-            <p:nvPr userDrawn="1"/>
-          </p:nvCxnSpPr>
-          <p:spPr>
-            <a:xfrm>
-              <a:off x="2558143" y="275867"/>
-              <a:ext cx="0" cy="567843"/>
-            </a:xfrm>
-            <a:prstGeom prst="line">
-              <a:avLst/>
-            </a:prstGeom>
-            <a:ln w="12700">
-              <a:solidFill>
-                <a:schemeClr val="bg1"/>
-              </a:solidFill>
-            </a:ln>
-            <a:effectLst/>
-          </p:spPr>
-          <p:style>
-            <a:lnRef idx="2">
-              <a:schemeClr val="accent1"/>
-            </a:lnRef>
-            <a:fillRef idx="0">
-              <a:schemeClr val="accent1"/>
-            </a:fillRef>
-            <a:effectRef idx="1">
-              <a:schemeClr val="accent1"/>
-            </a:effectRef>
-            <a:fontRef idx="minor">
-              <a:schemeClr val="tx1"/>
-            </a:fontRef>
-          </p:style>
-        </p:cxnSp>
-        <p:cxnSp>
-          <p:nvCxnSpPr>
-            <p:cNvPr id="22" name="Connettore 1 21"/>
-            <p:cNvCxnSpPr/>
-            <p:nvPr userDrawn="1"/>
-          </p:nvCxnSpPr>
-          <p:spPr>
-            <a:xfrm>
-              <a:off x="2707010" y="275867"/>
-              <a:ext cx="0" cy="567843"/>
-            </a:xfrm>
-            <a:prstGeom prst="line">
-              <a:avLst/>
-            </a:prstGeom>
-            <a:ln w="12700">
-              <a:solidFill>
-                <a:schemeClr val="bg1"/>
-              </a:solidFill>
-            </a:ln>
-            <a:effectLst/>
-          </p:spPr>
-          <p:style>
-            <a:lnRef idx="2">
-              <a:schemeClr val="accent1"/>
-            </a:lnRef>
-            <a:fillRef idx="0">
-              <a:schemeClr val="accent1"/>
-            </a:fillRef>
-            <a:effectRef idx="1">
-              <a:schemeClr val="accent1"/>
-            </a:effectRef>
-            <a:fontRef idx="minor">
-              <a:schemeClr val="tx1"/>
-            </a:fontRef>
-          </p:style>
-        </p:cxnSp>
-        <p:cxnSp>
-          <p:nvCxnSpPr>
-            <p:cNvPr id="23" name="Connettore 1 22"/>
-            <p:cNvCxnSpPr/>
-            <p:nvPr userDrawn="1"/>
-          </p:nvCxnSpPr>
-          <p:spPr>
-            <a:xfrm>
-              <a:off x="2855877" y="275867"/>
-              <a:ext cx="0" cy="567843"/>
-            </a:xfrm>
-            <a:prstGeom prst="line">
-              <a:avLst/>
-            </a:prstGeom>
-            <a:ln w="12700">
-              <a:solidFill>
-                <a:schemeClr val="bg1"/>
-              </a:solidFill>
-            </a:ln>
-            <a:effectLst/>
-          </p:spPr>
-          <p:style>
-            <a:lnRef idx="2">
-              <a:schemeClr val="accent1"/>
-            </a:lnRef>
-            <a:fillRef idx="0">
-              <a:schemeClr val="accent1"/>
-            </a:fillRef>
-            <a:effectRef idx="1">
-              <a:schemeClr val="accent1"/>
-            </a:effectRef>
-            <a:fontRef idx="minor">
-              <a:schemeClr val="tx1"/>
-            </a:fontRef>
-          </p:style>
-        </p:cxnSp>
-        <p:cxnSp>
-          <p:nvCxnSpPr>
-            <p:cNvPr id="24" name="Connettore 1 23"/>
-            <p:cNvCxnSpPr/>
-            <p:nvPr userDrawn="1"/>
-          </p:nvCxnSpPr>
-          <p:spPr>
-            <a:xfrm>
-              <a:off x="3004744" y="275867"/>
-              <a:ext cx="0" cy="567843"/>
-            </a:xfrm>
-            <a:prstGeom prst="line">
-              <a:avLst/>
-            </a:prstGeom>
-            <a:ln w="12700">
-              <a:solidFill>
-                <a:schemeClr val="bg1"/>
-              </a:solidFill>
-            </a:ln>
-            <a:effectLst/>
-          </p:spPr>
-          <p:style>
-            <a:lnRef idx="2">
-              <a:schemeClr val="accent1"/>
-            </a:lnRef>
-            <a:fillRef idx="0">
-              <a:schemeClr val="accent1"/>
-            </a:fillRef>
-            <a:effectRef idx="1">
-              <a:schemeClr val="accent1"/>
-            </a:effectRef>
-            <a:fontRef idx="minor">
-              <a:schemeClr val="tx1"/>
-            </a:fontRef>
-          </p:style>
-        </p:cxnSp>
-        <p:cxnSp>
-          <p:nvCxnSpPr>
-            <p:cNvPr id="25" name="Connettore 1 24"/>
-            <p:cNvCxnSpPr/>
-            <p:nvPr userDrawn="1"/>
-          </p:nvCxnSpPr>
-          <p:spPr>
-            <a:xfrm>
-              <a:off x="3153611" y="275867"/>
-              <a:ext cx="0" cy="567843"/>
-            </a:xfrm>
-            <a:prstGeom prst="line">
-              <a:avLst/>
-            </a:prstGeom>
-            <a:ln w="12700">
-              <a:solidFill>
-                <a:schemeClr val="bg1"/>
-              </a:solidFill>
-            </a:ln>
-            <a:effectLst/>
-          </p:spPr>
-          <p:style>
-            <a:lnRef idx="2">
-              <a:schemeClr val="accent1"/>
-            </a:lnRef>
-            <a:fillRef idx="0">
-              <a:schemeClr val="accent1"/>
-            </a:fillRef>
-            <a:effectRef idx="1">
-              <a:schemeClr val="accent1"/>
-            </a:effectRef>
-            <a:fontRef idx="minor">
-              <a:schemeClr val="tx1"/>
-            </a:fontRef>
-          </p:style>
-        </p:cxnSp>
-        <p:cxnSp>
-          <p:nvCxnSpPr>
-            <p:cNvPr id="26" name="Connettore 1 25"/>
-            <p:cNvCxnSpPr/>
-            <p:nvPr userDrawn="1"/>
-          </p:nvCxnSpPr>
-          <p:spPr>
-            <a:xfrm>
-              <a:off x="3302478" y="275867"/>
-              <a:ext cx="0" cy="567843"/>
-            </a:xfrm>
-            <a:prstGeom prst="line">
-              <a:avLst/>
-            </a:prstGeom>
-            <a:ln w="12700">
-              <a:solidFill>
-                <a:schemeClr val="bg1"/>
-              </a:solidFill>
-            </a:ln>
-            <a:effectLst/>
-          </p:spPr>
-          <p:style>
-            <a:lnRef idx="2">
-              <a:schemeClr val="accent1"/>
-            </a:lnRef>
-            <a:fillRef idx="0">
-              <a:schemeClr val="accent1"/>
-            </a:fillRef>
-            <a:effectRef idx="1">
-              <a:schemeClr val="accent1"/>
-            </a:effectRef>
-            <a:fontRef idx="minor">
-              <a:schemeClr val="tx1"/>
-            </a:fontRef>
-          </p:style>
-        </p:cxnSp>
-        <p:cxnSp>
-          <p:nvCxnSpPr>
-            <p:cNvPr id="27" name="Connettore 1 26"/>
-            <p:cNvCxnSpPr/>
-            <p:nvPr userDrawn="1"/>
-          </p:nvCxnSpPr>
-          <p:spPr>
-            <a:xfrm>
-              <a:off x="3451345" y="275867"/>
-              <a:ext cx="0" cy="567843"/>
-            </a:xfrm>
-            <a:prstGeom prst="line">
-              <a:avLst/>
-            </a:prstGeom>
-            <a:ln w="12700">
-              <a:solidFill>
-                <a:schemeClr val="bg1"/>
-              </a:solidFill>
-            </a:ln>
-            <a:effectLst/>
-          </p:spPr>
-          <p:style>
-            <a:lnRef idx="2">
-              <a:schemeClr val="accent1"/>
-            </a:lnRef>
-            <a:fillRef idx="0">
-              <a:schemeClr val="accent1"/>
-            </a:fillRef>
-            <a:effectRef idx="1">
-              <a:schemeClr val="accent1"/>
-            </a:effectRef>
-            <a:fontRef idx="minor">
-              <a:schemeClr val="tx1"/>
-            </a:fontRef>
-          </p:style>
-        </p:cxnSp>
-        <p:cxnSp>
-          <p:nvCxnSpPr>
-            <p:cNvPr id="28" name="Connettore 1 27"/>
-            <p:cNvCxnSpPr/>
-            <p:nvPr userDrawn="1"/>
-          </p:nvCxnSpPr>
-          <p:spPr>
-            <a:xfrm>
-              <a:off x="3600212" y="275867"/>
-              <a:ext cx="0" cy="567843"/>
-            </a:xfrm>
-            <a:prstGeom prst="line">
-              <a:avLst/>
-            </a:prstGeom>
-            <a:ln w="12700">
-              <a:solidFill>
-                <a:schemeClr val="bg1"/>
-              </a:solidFill>
-            </a:ln>
-            <a:effectLst/>
-          </p:spPr>
-          <p:style>
-            <a:lnRef idx="2">
-              <a:schemeClr val="accent1"/>
-            </a:lnRef>
-            <a:fillRef idx="0">
-              <a:schemeClr val="accent1"/>
-            </a:fillRef>
-            <a:effectRef idx="1">
-              <a:schemeClr val="accent1"/>
-            </a:effectRef>
-            <a:fontRef idx="minor">
-              <a:schemeClr val="tx1"/>
-            </a:fontRef>
-          </p:style>
-        </p:cxnSp>
-        <p:cxnSp>
-          <p:nvCxnSpPr>
-            <p:cNvPr id="29" name="Connettore 1 28"/>
-            <p:cNvCxnSpPr/>
-            <p:nvPr userDrawn="1"/>
-          </p:nvCxnSpPr>
-          <p:spPr>
-            <a:xfrm>
-              <a:off x="3749079" y="275867"/>
-              <a:ext cx="0" cy="567843"/>
-            </a:xfrm>
-            <a:prstGeom prst="line">
-              <a:avLst/>
-            </a:prstGeom>
-            <a:ln w="12700">
-              <a:solidFill>
-                <a:schemeClr val="bg1"/>
-              </a:solidFill>
-            </a:ln>
-            <a:effectLst/>
-          </p:spPr>
-          <p:style>
-            <a:lnRef idx="2">
-              <a:schemeClr val="accent1"/>
-            </a:lnRef>
-            <a:fillRef idx="0">
-              <a:schemeClr val="accent1"/>
-            </a:fillRef>
-            <a:effectRef idx="1">
-              <a:schemeClr val="accent1"/>
-            </a:effectRef>
-            <a:fontRef idx="minor">
-              <a:schemeClr val="tx1"/>
-            </a:fontRef>
-          </p:style>
-        </p:cxnSp>
-        <p:cxnSp>
-          <p:nvCxnSpPr>
-            <p:cNvPr id="30" name="Connettore 1 29"/>
-            <p:cNvCxnSpPr/>
-            <p:nvPr userDrawn="1"/>
-          </p:nvCxnSpPr>
-          <p:spPr>
-            <a:xfrm>
-              <a:off x="3897946" y="275867"/>
-              <a:ext cx="0" cy="567843"/>
-            </a:xfrm>
-            <a:prstGeom prst="line">
-              <a:avLst/>
-            </a:prstGeom>
-            <a:ln w="12700">
-              <a:solidFill>
-                <a:schemeClr val="bg1"/>
-              </a:solidFill>
-            </a:ln>
-            <a:effectLst/>
-          </p:spPr>
-          <p:style>
-            <a:lnRef idx="2">
-              <a:schemeClr val="accent1"/>
-            </a:lnRef>
-            <a:fillRef idx="0">
-              <a:schemeClr val="accent1"/>
-            </a:fillRef>
-            <a:effectRef idx="1">
-              <a:schemeClr val="accent1"/>
-            </a:effectRef>
-            <a:fontRef idx="minor">
-              <a:schemeClr val="tx1"/>
-            </a:fontRef>
-          </p:style>
-        </p:cxnSp>
-        <p:cxnSp>
-          <p:nvCxnSpPr>
-            <p:cNvPr id="31" name="Connettore 1 30"/>
-            <p:cNvCxnSpPr/>
-            <p:nvPr userDrawn="1"/>
-          </p:nvCxnSpPr>
-          <p:spPr>
-            <a:xfrm>
-              <a:off x="4046813" y="275867"/>
-              <a:ext cx="0" cy="567843"/>
-            </a:xfrm>
-            <a:prstGeom prst="line">
-              <a:avLst/>
-            </a:prstGeom>
-            <a:ln w="12700">
-              <a:solidFill>
-                <a:schemeClr val="bg1"/>
-              </a:solidFill>
-            </a:ln>
-            <a:effectLst/>
-          </p:spPr>
-          <p:style>
-            <a:lnRef idx="2">
-              <a:schemeClr val="accent1"/>
-            </a:lnRef>
-            <a:fillRef idx="0">
-              <a:schemeClr val="accent1"/>
-            </a:fillRef>
-            <a:effectRef idx="1">
-              <a:schemeClr val="accent1"/>
-            </a:effectRef>
-            <a:fontRef idx="minor">
-              <a:schemeClr val="tx1"/>
-            </a:fontRef>
-          </p:style>
-        </p:cxnSp>
-        <p:cxnSp>
-          <p:nvCxnSpPr>
-            <p:cNvPr id="32" name="Connettore 1 31"/>
-            <p:cNvCxnSpPr/>
-            <p:nvPr userDrawn="1"/>
-          </p:nvCxnSpPr>
-          <p:spPr>
-            <a:xfrm>
-              <a:off x="4195680" y="275867"/>
-              <a:ext cx="0" cy="567843"/>
-            </a:xfrm>
-            <a:prstGeom prst="line">
-              <a:avLst/>
-            </a:prstGeom>
-            <a:ln w="12700">
-              <a:solidFill>
-                <a:schemeClr val="bg1"/>
-              </a:solidFill>
-            </a:ln>
-            <a:effectLst/>
-          </p:spPr>
-          <p:style>
-            <a:lnRef idx="2">
-              <a:schemeClr val="accent1"/>
-            </a:lnRef>
-            <a:fillRef idx="0">
-              <a:schemeClr val="accent1"/>
-            </a:fillRef>
-            <a:effectRef idx="1">
-              <a:schemeClr val="accent1"/>
-            </a:effectRef>
-            <a:fontRef idx="minor">
-              <a:schemeClr val="tx1"/>
-            </a:fontRef>
-          </p:style>
-        </p:cxnSp>
-        <p:cxnSp>
-          <p:nvCxnSpPr>
-            <p:cNvPr id="33" name="Connettore 1 32"/>
-            <p:cNvCxnSpPr/>
-            <p:nvPr userDrawn="1"/>
-          </p:nvCxnSpPr>
-          <p:spPr>
-            <a:xfrm>
-              <a:off x="4344547" y="275867"/>
-              <a:ext cx="0" cy="567843"/>
-            </a:xfrm>
-            <a:prstGeom prst="line">
-              <a:avLst/>
-            </a:prstGeom>
-            <a:ln w="12700">
-              <a:solidFill>
-                <a:schemeClr val="bg1"/>
-              </a:solidFill>
-            </a:ln>
-            <a:effectLst/>
-          </p:spPr>
-          <p:style>
-            <a:lnRef idx="2">
-              <a:schemeClr val="accent1"/>
-            </a:lnRef>
-            <a:fillRef idx="0">
-              <a:schemeClr val="accent1"/>
-            </a:fillRef>
-            <a:effectRef idx="1">
-              <a:schemeClr val="accent1"/>
-            </a:effectRef>
-            <a:fontRef idx="minor">
-              <a:schemeClr val="tx1"/>
-            </a:fontRef>
-          </p:style>
-        </p:cxnSp>
-        <p:cxnSp>
-          <p:nvCxnSpPr>
-            <p:cNvPr id="34" name="Connettore 1 33"/>
-            <p:cNvCxnSpPr/>
-            <p:nvPr userDrawn="1"/>
-          </p:nvCxnSpPr>
-          <p:spPr>
-            <a:xfrm>
-              <a:off x="4493414" y="275867"/>
-              <a:ext cx="0" cy="567843"/>
-            </a:xfrm>
-            <a:prstGeom prst="line">
-              <a:avLst/>
-            </a:prstGeom>
-            <a:ln w="12700">
-              <a:solidFill>
-                <a:schemeClr val="bg1"/>
-              </a:solidFill>
-            </a:ln>
-            <a:effectLst/>
-          </p:spPr>
-          <p:style>
-            <a:lnRef idx="2">
-              <a:schemeClr val="accent1"/>
-            </a:lnRef>
-            <a:fillRef idx="0">
-              <a:schemeClr val="accent1"/>
-            </a:fillRef>
-            <a:effectRef idx="1">
-              <a:schemeClr val="accent1"/>
-            </a:effectRef>
-            <a:fontRef idx="minor">
-              <a:schemeClr val="tx1"/>
-            </a:fontRef>
-          </p:style>
-        </p:cxnSp>
-        <p:cxnSp>
-          <p:nvCxnSpPr>
-            <p:cNvPr id="35" name="Connettore 1 34"/>
-            <p:cNvCxnSpPr/>
-            <p:nvPr userDrawn="1"/>
-          </p:nvCxnSpPr>
-          <p:spPr>
-            <a:xfrm>
-              <a:off x="4642281" y="275867"/>
-              <a:ext cx="0" cy="567843"/>
-            </a:xfrm>
-            <a:prstGeom prst="line">
-              <a:avLst/>
-            </a:prstGeom>
-            <a:ln w="12700">
-              <a:solidFill>
-                <a:schemeClr val="bg1"/>
-              </a:solidFill>
-            </a:ln>
-            <a:effectLst/>
-          </p:spPr>
-          <p:style>
-            <a:lnRef idx="2">
-              <a:schemeClr val="accent1"/>
-            </a:lnRef>
-            <a:fillRef idx="0">
-              <a:schemeClr val="accent1"/>
-            </a:fillRef>
-            <a:effectRef idx="1">
-              <a:schemeClr val="accent1"/>
-            </a:effectRef>
-            <a:fontRef idx="minor">
-              <a:schemeClr val="tx1"/>
-            </a:fontRef>
-          </p:style>
-        </p:cxnSp>
-        <p:cxnSp>
-          <p:nvCxnSpPr>
-            <p:cNvPr id="36" name="Connettore 1 35"/>
-            <p:cNvCxnSpPr/>
-            <p:nvPr userDrawn="1"/>
-          </p:nvCxnSpPr>
-          <p:spPr>
-            <a:xfrm>
-              <a:off x="4791148" y="275867"/>
-              <a:ext cx="0" cy="567843"/>
-            </a:xfrm>
-            <a:prstGeom prst="line">
-              <a:avLst/>
-            </a:prstGeom>
-            <a:ln w="12700">
-              <a:solidFill>
-                <a:schemeClr val="bg1"/>
-              </a:solidFill>
-            </a:ln>
-            <a:effectLst/>
-          </p:spPr>
-          <p:style>
-            <a:lnRef idx="2">
-              <a:schemeClr val="accent1"/>
-            </a:lnRef>
-            <a:fillRef idx="0">
-              <a:schemeClr val="accent1"/>
-            </a:fillRef>
-            <a:effectRef idx="1">
-              <a:schemeClr val="accent1"/>
-            </a:effectRef>
-            <a:fontRef idx="minor">
-              <a:schemeClr val="tx1"/>
-            </a:fontRef>
-          </p:style>
-        </p:cxnSp>
-        <p:cxnSp>
-          <p:nvCxnSpPr>
-            <p:cNvPr id="37" name="Connettore 1 36"/>
-            <p:cNvCxnSpPr/>
-            <p:nvPr userDrawn="1"/>
-          </p:nvCxnSpPr>
-          <p:spPr>
-            <a:xfrm>
-              <a:off x="4940015" y="275867"/>
-              <a:ext cx="0" cy="567843"/>
-            </a:xfrm>
-            <a:prstGeom prst="line">
-              <a:avLst/>
-            </a:prstGeom>
-            <a:ln w="12700">
-              <a:solidFill>
-                <a:schemeClr val="bg1"/>
-              </a:solidFill>
-            </a:ln>
-            <a:effectLst/>
-          </p:spPr>
-          <p:style>
-            <a:lnRef idx="2">
-              <a:schemeClr val="accent1"/>
-            </a:lnRef>
-            <a:fillRef idx="0">
-              <a:schemeClr val="accent1"/>
-            </a:fillRef>
-            <a:effectRef idx="1">
-              <a:schemeClr val="accent1"/>
-            </a:effectRef>
-            <a:fontRef idx="minor">
-              <a:schemeClr val="tx1"/>
-            </a:fontRef>
-          </p:style>
-        </p:cxnSp>
-        <p:cxnSp>
-          <p:nvCxnSpPr>
-            <p:cNvPr id="38" name="Connettore 1 37"/>
-            <p:cNvCxnSpPr/>
-            <p:nvPr userDrawn="1"/>
-          </p:nvCxnSpPr>
-          <p:spPr>
-            <a:xfrm>
-              <a:off x="5088882" y="275867"/>
-              <a:ext cx="0" cy="567843"/>
-            </a:xfrm>
-            <a:prstGeom prst="line">
-              <a:avLst/>
-            </a:prstGeom>
-            <a:ln w="12700">
-              <a:solidFill>
-                <a:schemeClr val="bg1"/>
-              </a:solidFill>
-            </a:ln>
-            <a:effectLst/>
-          </p:spPr>
-          <p:style>
-            <a:lnRef idx="2">
-              <a:schemeClr val="accent1"/>
-            </a:lnRef>
-            <a:fillRef idx="0">
-              <a:schemeClr val="accent1"/>
-            </a:fillRef>
-            <a:effectRef idx="1">
-              <a:schemeClr val="accent1"/>
-            </a:effectRef>
-            <a:fontRef idx="minor">
-              <a:schemeClr val="tx1"/>
-            </a:fontRef>
-          </p:style>
-        </p:cxnSp>
-        <p:cxnSp>
-          <p:nvCxnSpPr>
-            <p:cNvPr id="39" name="Connettore 1 38"/>
-            <p:cNvCxnSpPr/>
-            <p:nvPr userDrawn="1"/>
-          </p:nvCxnSpPr>
-          <p:spPr>
-            <a:xfrm>
-              <a:off x="5237749" y="275867"/>
-              <a:ext cx="0" cy="567843"/>
-            </a:xfrm>
-            <a:prstGeom prst="line">
-              <a:avLst/>
-            </a:prstGeom>
-            <a:ln w="12700">
-              <a:solidFill>
-                <a:schemeClr val="bg1"/>
-              </a:solidFill>
-            </a:ln>
-            <a:effectLst/>
-          </p:spPr>
-          <p:style>
-            <a:lnRef idx="2">
-              <a:schemeClr val="accent1"/>
-            </a:lnRef>
-            <a:fillRef idx="0">
-              <a:schemeClr val="accent1"/>
-            </a:fillRef>
-            <a:effectRef idx="1">
-              <a:schemeClr val="accent1"/>
-            </a:effectRef>
-            <a:fontRef idx="minor">
-              <a:schemeClr val="tx1"/>
-            </a:fontRef>
-          </p:style>
-        </p:cxnSp>
-        <p:cxnSp>
-          <p:nvCxnSpPr>
-            <p:cNvPr id="40" name="Connettore 1 39"/>
-            <p:cNvCxnSpPr/>
-            <p:nvPr userDrawn="1"/>
-          </p:nvCxnSpPr>
-          <p:spPr>
-            <a:xfrm>
-              <a:off x="5386616" y="275867"/>
-              <a:ext cx="0" cy="567843"/>
-            </a:xfrm>
-            <a:prstGeom prst="line">
-              <a:avLst/>
-            </a:prstGeom>
-            <a:ln w="12700">
-              <a:solidFill>
-                <a:schemeClr val="bg1"/>
-              </a:solidFill>
-            </a:ln>
-            <a:effectLst/>
-          </p:spPr>
-          <p:style>
-            <a:lnRef idx="2">
-              <a:schemeClr val="accent1"/>
-            </a:lnRef>
-            <a:fillRef idx="0">
-              <a:schemeClr val="accent1"/>
-            </a:fillRef>
-            <a:effectRef idx="1">
-              <a:schemeClr val="accent1"/>
-            </a:effectRef>
-            <a:fontRef idx="minor">
-              <a:schemeClr val="tx1"/>
-            </a:fontRef>
-          </p:style>
-        </p:cxnSp>
-        <p:cxnSp>
-          <p:nvCxnSpPr>
-            <p:cNvPr id="41" name="Connettore 1 40"/>
-            <p:cNvCxnSpPr/>
-            <p:nvPr userDrawn="1"/>
-          </p:nvCxnSpPr>
-          <p:spPr>
-            <a:xfrm>
-              <a:off x="5535483" y="275867"/>
-              <a:ext cx="0" cy="567843"/>
-            </a:xfrm>
-            <a:prstGeom prst="line">
-              <a:avLst/>
-            </a:prstGeom>
-            <a:ln w="12700">
-              <a:solidFill>
-                <a:schemeClr val="bg1"/>
-              </a:solidFill>
-            </a:ln>
-            <a:effectLst/>
-          </p:spPr>
-          <p:style>
-            <a:lnRef idx="2">
-              <a:schemeClr val="accent1"/>
-            </a:lnRef>
-            <a:fillRef idx="0">
-              <a:schemeClr val="accent1"/>
-            </a:fillRef>
-            <a:effectRef idx="1">
-              <a:schemeClr val="accent1"/>
-            </a:effectRef>
-            <a:fontRef idx="minor">
-              <a:schemeClr val="tx1"/>
-            </a:fontRef>
-          </p:style>
-        </p:cxnSp>
-        <p:cxnSp>
-          <p:nvCxnSpPr>
-            <p:cNvPr id="42" name="Connettore 1 41"/>
-            <p:cNvCxnSpPr/>
-            <p:nvPr userDrawn="1"/>
-          </p:nvCxnSpPr>
-          <p:spPr>
-            <a:xfrm>
-              <a:off x="5684350" y="275867"/>
-              <a:ext cx="0" cy="567843"/>
-            </a:xfrm>
-            <a:prstGeom prst="line">
-              <a:avLst/>
-            </a:prstGeom>
-            <a:ln w="12700">
-              <a:solidFill>
-                <a:schemeClr val="bg1"/>
-              </a:solidFill>
-            </a:ln>
-            <a:effectLst/>
-          </p:spPr>
-          <p:style>
-            <a:lnRef idx="2">
-              <a:schemeClr val="accent1"/>
-            </a:lnRef>
-            <a:fillRef idx="0">
-              <a:schemeClr val="accent1"/>
-            </a:fillRef>
-            <a:effectRef idx="1">
-              <a:schemeClr val="accent1"/>
-            </a:effectRef>
-            <a:fontRef idx="minor">
-              <a:schemeClr val="tx1"/>
-            </a:fontRef>
-          </p:style>
-        </p:cxnSp>
-        <p:cxnSp>
-          <p:nvCxnSpPr>
-            <p:cNvPr id="43" name="Connettore 1 42"/>
-            <p:cNvCxnSpPr/>
-            <p:nvPr userDrawn="1"/>
-          </p:nvCxnSpPr>
-          <p:spPr>
-            <a:xfrm>
-              <a:off x="5833217" y="275867"/>
-              <a:ext cx="0" cy="567843"/>
-            </a:xfrm>
-            <a:prstGeom prst="line">
-              <a:avLst/>
-            </a:prstGeom>
-            <a:ln w="12700">
-              <a:solidFill>
-                <a:schemeClr val="bg1"/>
-              </a:solidFill>
-            </a:ln>
-            <a:effectLst/>
-          </p:spPr>
-          <p:style>
-            <a:lnRef idx="2">
-              <a:schemeClr val="accent1"/>
-            </a:lnRef>
-            <a:fillRef idx="0">
-              <a:schemeClr val="accent1"/>
-            </a:fillRef>
-            <a:effectRef idx="1">
-              <a:schemeClr val="accent1"/>
-            </a:effectRef>
-            <a:fontRef idx="minor">
-              <a:schemeClr val="tx1"/>
-            </a:fontRef>
-          </p:style>
-        </p:cxnSp>
-        <p:cxnSp>
-          <p:nvCxnSpPr>
-            <p:cNvPr id="44" name="Connettore 1 43"/>
-            <p:cNvCxnSpPr/>
-            <p:nvPr userDrawn="1"/>
-          </p:nvCxnSpPr>
-          <p:spPr>
-            <a:xfrm>
-              <a:off x="5982084" y="275867"/>
-              <a:ext cx="0" cy="567843"/>
-            </a:xfrm>
-            <a:prstGeom prst="line">
-              <a:avLst/>
-            </a:prstGeom>
-            <a:ln w="12700">
-              <a:solidFill>
-                <a:schemeClr val="bg1"/>
-              </a:solidFill>
-            </a:ln>
-            <a:effectLst/>
-          </p:spPr>
-          <p:style>
-            <a:lnRef idx="2">
-              <a:schemeClr val="accent1"/>
-            </a:lnRef>
-            <a:fillRef idx="0">
-              <a:schemeClr val="accent1"/>
-            </a:fillRef>
-            <a:effectRef idx="1">
-              <a:schemeClr val="accent1"/>
-            </a:effectRef>
-            <a:fontRef idx="minor">
-              <a:schemeClr val="tx1"/>
-            </a:fontRef>
-          </p:style>
-        </p:cxnSp>
-        <p:cxnSp>
-          <p:nvCxnSpPr>
-            <p:cNvPr id="45" name="Connettore 1 44"/>
-            <p:cNvCxnSpPr/>
-            <p:nvPr userDrawn="1"/>
-          </p:nvCxnSpPr>
-          <p:spPr>
-            <a:xfrm>
-              <a:off x="6130951" y="275867"/>
-              <a:ext cx="0" cy="567843"/>
-            </a:xfrm>
-            <a:prstGeom prst="line">
-              <a:avLst/>
-            </a:prstGeom>
-            <a:ln w="12700">
-              <a:solidFill>
-                <a:schemeClr val="bg1"/>
-              </a:solidFill>
-            </a:ln>
-            <a:effectLst/>
-          </p:spPr>
-          <p:style>
-            <a:lnRef idx="2">
-              <a:schemeClr val="accent1"/>
-            </a:lnRef>
-            <a:fillRef idx="0">
-              <a:schemeClr val="accent1"/>
-            </a:fillRef>
-            <a:effectRef idx="1">
-              <a:schemeClr val="accent1"/>
-            </a:effectRef>
-            <a:fontRef idx="minor">
-              <a:schemeClr val="tx1"/>
-            </a:fontRef>
-          </p:style>
-        </p:cxnSp>
-        <p:cxnSp>
-          <p:nvCxnSpPr>
-            <p:cNvPr id="46" name="Connettore 1 45"/>
-            <p:cNvCxnSpPr/>
-            <p:nvPr userDrawn="1"/>
-          </p:nvCxnSpPr>
-          <p:spPr>
-            <a:xfrm>
-              <a:off x="6279818" y="275867"/>
-              <a:ext cx="0" cy="567843"/>
-            </a:xfrm>
-            <a:prstGeom prst="line">
-              <a:avLst/>
-            </a:prstGeom>
-            <a:ln w="12700">
-              <a:solidFill>
-                <a:schemeClr val="bg1"/>
-              </a:solidFill>
-            </a:ln>
-            <a:effectLst/>
-          </p:spPr>
-          <p:style>
-            <a:lnRef idx="2">
-              <a:schemeClr val="accent1"/>
-            </a:lnRef>
-            <a:fillRef idx="0">
-              <a:schemeClr val="accent1"/>
-            </a:fillRef>
-            <a:effectRef idx="1">
-              <a:schemeClr val="accent1"/>
-            </a:effectRef>
-            <a:fontRef idx="minor">
-              <a:schemeClr val="tx1"/>
-            </a:fontRef>
-          </p:style>
-        </p:cxnSp>
-        <p:cxnSp>
-          <p:nvCxnSpPr>
-            <p:cNvPr id="47" name="Connettore 1 46"/>
-            <p:cNvCxnSpPr/>
-            <p:nvPr userDrawn="1"/>
-          </p:nvCxnSpPr>
-          <p:spPr>
-            <a:xfrm>
-              <a:off x="6428685" y="275867"/>
-              <a:ext cx="0" cy="567843"/>
-            </a:xfrm>
-            <a:prstGeom prst="line">
-              <a:avLst/>
-            </a:prstGeom>
-            <a:ln w="12700">
-              <a:solidFill>
-                <a:schemeClr val="bg1"/>
-              </a:solidFill>
-            </a:ln>
-            <a:effectLst/>
-          </p:spPr>
-          <p:style>
-            <a:lnRef idx="2">
-              <a:schemeClr val="accent1"/>
-            </a:lnRef>
-            <a:fillRef idx="0">
-              <a:schemeClr val="accent1"/>
-            </a:fillRef>
-            <a:effectRef idx="1">
-              <a:schemeClr val="accent1"/>
-            </a:effectRef>
-            <a:fontRef idx="minor">
-              <a:schemeClr val="tx1"/>
-            </a:fontRef>
-          </p:style>
-        </p:cxnSp>
-        <p:cxnSp>
-          <p:nvCxnSpPr>
-            <p:cNvPr id="48" name="Connettore 1 47"/>
-            <p:cNvCxnSpPr/>
-            <p:nvPr userDrawn="1"/>
-          </p:nvCxnSpPr>
-          <p:spPr>
-            <a:xfrm>
-              <a:off x="6577552" y="275867"/>
-              <a:ext cx="0" cy="567843"/>
-            </a:xfrm>
-            <a:prstGeom prst="line">
-              <a:avLst/>
-            </a:prstGeom>
-            <a:ln w="12700">
-              <a:solidFill>
-                <a:schemeClr val="bg1"/>
-              </a:solidFill>
-            </a:ln>
-            <a:effectLst/>
-          </p:spPr>
-          <p:style>
-            <a:lnRef idx="2">
-              <a:schemeClr val="accent1"/>
-            </a:lnRef>
-            <a:fillRef idx="0">
-              <a:schemeClr val="accent1"/>
-            </a:fillRef>
-            <a:effectRef idx="1">
-              <a:schemeClr val="accent1"/>
-            </a:effectRef>
-            <a:fontRef idx="minor">
-              <a:schemeClr val="tx1"/>
-            </a:fontRef>
-          </p:style>
-        </p:cxnSp>
-        <p:cxnSp>
-          <p:nvCxnSpPr>
-            <p:cNvPr id="49" name="Connettore 1 48"/>
-            <p:cNvCxnSpPr/>
-            <p:nvPr userDrawn="1"/>
-          </p:nvCxnSpPr>
-          <p:spPr>
-            <a:xfrm>
-              <a:off x="6726419" y="275867"/>
-              <a:ext cx="0" cy="567843"/>
-            </a:xfrm>
-            <a:prstGeom prst="line">
-              <a:avLst/>
-            </a:prstGeom>
-            <a:ln w="12700">
-              <a:solidFill>
-                <a:schemeClr val="bg1"/>
-              </a:solidFill>
-            </a:ln>
-            <a:effectLst/>
-          </p:spPr>
-          <p:style>
-            <a:lnRef idx="2">
-              <a:schemeClr val="accent1"/>
-            </a:lnRef>
-            <a:fillRef idx="0">
-              <a:schemeClr val="accent1"/>
-            </a:fillRef>
-            <a:effectRef idx="1">
-              <a:schemeClr val="accent1"/>
-            </a:effectRef>
-            <a:fontRef idx="minor">
-              <a:schemeClr val="tx1"/>
-            </a:fontRef>
-          </p:style>
-        </p:cxnSp>
-        <p:cxnSp>
-          <p:nvCxnSpPr>
-            <p:cNvPr id="50" name="Connettore 1 49"/>
-            <p:cNvCxnSpPr/>
-            <p:nvPr userDrawn="1"/>
-          </p:nvCxnSpPr>
-          <p:spPr>
-            <a:xfrm>
-              <a:off x="6875286" y="275867"/>
-              <a:ext cx="0" cy="567843"/>
-            </a:xfrm>
-            <a:prstGeom prst="line">
-              <a:avLst/>
-            </a:prstGeom>
-            <a:ln w="12700">
-              <a:solidFill>
-                <a:schemeClr val="bg1"/>
-              </a:solidFill>
-            </a:ln>
-            <a:effectLst/>
-          </p:spPr>
-          <p:style>
-            <a:lnRef idx="2">
-              <a:schemeClr val="accent1"/>
-            </a:lnRef>
-            <a:fillRef idx="0">
-              <a:schemeClr val="accent1"/>
-            </a:fillRef>
-            <a:effectRef idx="1">
-              <a:schemeClr val="accent1"/>
-            </a:effectRef>
-            <a:fontRef idx="minor">
-              <a:schemeClr val="tx1"/>
-            </a:fontRef>
-          </p:style>
-        </p:cxnSp>
-        <p:cxnSp>
-          <p:nvCxnSpPr>
-            <p:cNvPr id="51" name="Connettore 1 50"/>
-            <p:cNvCxnSpPr/>
-            <p:nvPr userDrawn="1"/>
-          </p:nvCxnSpPr>
-          <p:spPr>
-            <a:xfrm>
-              <a:off x="7024153" y="275867"/>
-              <a:ext cx="0" cy="567843"/>
-            </a:xfrm>
-            <a:prstGeom prst="line">
-              <a:avLst/>
-            </a:prstGeom>
-            <a:ln w="12700">
-              <a:solidFill>
-                <a:schemeClr val="bg1"/>
-              </a:solidFill>
-            </a:ln>
-            <a:effectLst/>
-          </p:spPr>
-          <p:style>
-            <a:lnRef idx="2">
-              <a:schemeClr val="accent1"/>
-            </a:lnRef>
-            <a:fillRef idx="0">
-              <a:schemeClr val="accent1"/>
-            </a:fillRef>
-            <a:effectRef idx="1">
-              <a:schemeClr val="accent1"/>
-            </a:effectRef>
-            <a:fontRef idx="minor">
-              <a:schemeClr val="tx1"/>
-            </a:fontRef>
-          </p:style>
-        </p:cxnSp>
-        <p:cxnSp>
-          <p:nvCxnSpPr>
-            <p:cNvPr id="52" name="Connettore 1 51"/>
-            <p:cNvCxnSpPr/>
-            <p:nvPr userDrawn="1"/>
-          </p:nvCxnSpPr>
-          <p:spPr>
-            <a:xfrm>
-              <a:off x="7173020" y="275867"/>
-              <a:ext cx="0" cy="567843"/>
-            </a:xfrm>
-            <a:prstGeom prst="line">
-              <a:avLst/>
-            </a:prstGeom>
-            <a:ln w="12700">
-              <a:solidFill>
-                <a:schemeClr val="bg1"/>
-              </a:solidFill>
-            </a:ln>
-            <a:effectLst/>
-          </p:spPr>
-          <p:style>
-            <a:lnRef idx="2">
-              <a:schemeClr val="accent1"/>
-            </a:lnRef>
-            <a:fillRef idx="0">
-              <a:schemeClr val="accent1"/>
-            </a:fillRef>
-            <a:effectRef idx="1">
-              <a:schemeClr val="accent1"/>
-            </a:effectRef>
-            <a:fontRef idx="minor">
-              <a:schemeClr val="tx1"/>
-            </a:fontRef>
-          </p:style>
-        </p:cxnSp>
-        <p:cxnSp>
-          <p:nvCxnSpPr>
-            <p:cNvPr id="53" name="Connettore 1 52"/>
-            <p:cNvCxnSpPr/>
-            <p:nvPr userDrawn="1"/>
-          </p:nvCxnSpPr>
-          <p:spPr>
-            <a:xfrm>
-              <a:off x="7321887" y="275867"/>
-              <a:ext cx="0" cy="567843"/>
-            </a:xfrm>
-            <a:prstGeom prst="line">
-              <a:avLst/>
-            </a:prstGeom>
-            <a:ln w="12700">
-              <a:solidFill>
-                <a:schemeClr val="bg1"/>
-              </a:solidFill>
-            </a:ln>
-            <a:effectLst/>
-          </p:spPr>
-          <p:style>
-            <a:lnRef idx="2">
-              <a:schemeClr val="accent1"/>
-            </a:lnRef>
-            <a:fillRef idx="0">
-              <a:schemeClr val="accent1"/>
-            </a:fillRef>
-            <a:effectRef idx="1">
-              <a:schemeClr val="accent1"/>
-            </a:effectRef>
-            <a:fontRef idx="minor">
-              <a:schemeClr val="tx1"/>
-            </a:fontRef>
-          </p:style>
-        </p:cxnSp>
-        <p:cxnSp>
-          <p:nvCxnSpPr>
-            <p:cNvPr id="54" name="Connettore 1 53"/>
-            <p:cNvCxnSpPr/>
-            <p:nvPr userDrawn="1"/>
-          </p:nvCxnSpPr>
-          <p:spPr>
-            <a:xfrm>
-              <a:off x="7470754" y="275867"/>
-              <a:ext cx="0" cy="567843"/>
-            </a:xfrm>
-            <a:prstGeom prst="line">
-              <a:avLst/>
-            </a:prstGeom>
-            <a:ln w="12700">
-              <a:solidFill>
-                <a:schemeClr val="bg1"/>
-              </a:solidFill>
-            </a:ln>
-            <a:effectLst/>
-          </p:spPr>
-          <p:style>
-            <a:lnRef idx="2">
-              <a:schemeClr val="accent1"/>
-            </a:lnRef>
-            <a:fillRef idx="0">
-              <a:schemeClr val="accent1"/>
-            </a:fillRef>
-            <a:effectRef idx="1">
-              <a:schemeClr val="accent1"/>
-            </a:effectRef>
-            <a:fontRef idx="minor">
-              <a:schemeClr val="tx1"/>
-            </a:fontRef>
-          </p:style>
-        </p:cxnSp>
-        <p:cxnSp>
-          <p:nvCxnSpPr>
-            <p:cNvPr id="55" name="Connettore 1 54"/>
-            <p:cNvCxnSpPr/>
-            <p:nvPr userDrawn="1"/>
-          </p:nvCxnSpPr>
-          <p:spPr>
-            <a:xfrm>
-              <a:off x="7619621" y="275867"/>
-              <a:ext cx="0" cy="567843"/>
-            </a:xfrm>
-            <a:prstGeom prst="line">
-              <a:avLst/>
-            </a:prstGeom>
-            <a:ln w="12700">
-              <a:solidFill>
-                <a:schemeClr val="bg1"/>
-              </a:solidFill>
-            </a:ln>
-            <a:effectLst/>
-          </p:spPr>
-          <p:style>
-            <a:lnRef idx="2">
-              <a:schemeClr val="accent1"/>
-            </a:lnRef>
-            <a:fillRef idx="0">
-              <a:schemeClr val="accent1"/>
-            </a:fillRef>
-            <a:effectRef idx="1">
-              <a:schemeClr val="accent1"/>
-            </a:effectRef>
-            <a:fontRef idx="minor">
-              <a:schemeClr val="tx1"/>
-            </a:fontRef>
-          </p:style>
-        </p:cxnSp>
-        <p:cxnSp>
-          <p:nvCxnSpPr>
-            <p:cNvPr id="56" name="Connettore 1 55"/>
-            <p:cNvCxnSpPr/>
-            <p:nvPr userDrawn="1"/>
-          </p:nvCxnSpPr>
-          <p:spPr>
-            <a:xfrm>
-              <a:off x="7768488" y="275867"/>
-              <a:ext cx="0" cy="567843"/>
-            </a:xfrm>
-            <a:prstGeom prst="line">
-              <a:avLst/>
-            </a:prstGeom>
-            <a:ln w="12700">
-              <a:solidFill>
-                <a:schemeClr val="bg1"/>
-              </a:solidFill>
-            </a:ln>
-            <a:effectLst/>
-          </p:spPr>
-          <p:style>
-            <a:lnRef idx="2">
-              <a:schemeClr val="accent1"/>
-            </a:lnRef>
-            <a:fillRef idx="0">
-              <a:schemeClr val="accent1"/>
-            </a:fillRef>
-            <a:effectRef idx="1">
-              <a:schemeClr val="accent1"/>
-            </a:effectRef>
-            <a:fontRef idx="minor">
-              <a:schemeClr val="tx1"/>
-            </a:fontRef>
-          </p:style>
-        </p:cxnSp>
-        <p:cxnSp>
-          <p:nvCxnSpPr>
-            <p:cNvPr id="57" name="Connettore 1 56"/>
-            <p:cNvCxnSpPr/>
-            <p:nvPr userDrawn="1"/>
-          </p:nvCxnSpPr>
-          <p:spPr>
-            <a:xfrm>
-              <a:off x="7917355" y="275867"/>
-              <a:ext cx="0" cy="567843"/>
-            </a:xfrm>
-            <a:prstGeom prst="line">
-              <a:avLst/>
-            </a:prstGeom>
-            <a:ln w="12700">
-              <a:solidFill>
-                <a:schemeClr val="bg1"/>
-              </a:solidFill>
-            </a:ln>
-            <a:effectLst/>
-          </p:spPr>
-          <p:style>
-            <a:lnRef idx="2">
-              <a:schemeClr val="accent1"/>
-            </a:lnRef>
-            <a:fillRef idx="0">
-              <a:schemeClr val="accent1"/>
-            </a:fillRef>
-            <a:effectRef idx="1">
-              <a:schemeClr val="accent1"/>
-            </a:effectRef>
-            <a:fontRef idx="minor">
-              <a:schemeClr val="tx1"/>
-            </a:fontRef>
-          </p:style>
-        </p:cxnSp>
-        <p:cxnSp>
-          <p:nvCxnSpPr>
-            <p:cNvPr id="58" name="Connettore 1 57"/>
-            <p:cNvCxnSpPr/>
-            <p:nvPr userDrawn="1"/>
-          </p:nvCxnSpPr>
-          <p:spPr>
-            <a:xfrm>
-              <a:off x="8066222" y="275867"/>
-              <a:ext cx="0" cy="567843"/>
-            </a:xfrm>
-            <a:prstGeom prst="line">
-              <a:avLst/>
-            </a:prstGeom>
-            <a:ln w="12700">
-              <a:solidFill>
-                <a:schemeClr val="bg1"/>
-              </a:solidFill>
-            </a:ln>
-            <a:effectLst/>
-          </p:spPr>
-          <p:style>
-            <a:lnRef idx="2">
-              <a:schemeClr val="accent1"/>
-            </a:lnRef>
-            <a:fillRef idx="0">
-              <a:schemeClr val="accent1"/>
-            </a:fillRef>
-            <a:effectRef idx="1">
-              <a:schemeClr val="accent1"/>
-            </a:effectRef>
-            <a:fontRef idx="minor">
-              <a:schemeClr val="tx1"/>
-            </a:fontRef>
-          </p:style>
-        </p:cxnSp>
-        <p:cxnSp>
-          <p:nvCxnSpPr>
-            <p:cNvPr id="59" name="Connettore 1 58"/>
-            <p:cNvCxnSpPr/>
-            <p:nvPr userDrawn="1"/>
-          </p:nvCxnSpPr>
-          <p:spPr>
-            <a:xfrm>
-              <a:off x="8215089" y="275867"/>
-              <a:ext cx="0" cy="567843"/>
-            </a:xfrm>
-            <a:prstGeom prst="line">
-              <a:avLst/>
-            </a:prstGeom>
-            <a:ln w="12700">
-              <a:solidFill>
-                <a:schemeClr val="bg1"/>
-              </a:solidFill>
-            </a:ln>
-            <a:effectLst/>
-          </p:spPr>
-          <p:style>
-            <a:lnRef idx="2">
-              <a:schemeClr val="accent1"/>
-            </a:lnRef>
-            <a:fillRef idx="0">
-              <a:schemeClr val="accent1"/>
-            </a:fillRef>
-            <a:effectRef idx="1">
-              <a:schemeClr val="accent1"/>
-            </a:effectRef>
-            <a:fontRef idx="minor">
-              <a:schemeClr val="tx1"/>
-            </a:fontRef>
-          </p:style>
-        </p:cxnSp>
-        <p:cxnSp>
-          <p:nvCxnSpPr>
-            <p:cNvPr id="60" name="Connettore 1 59"/>
-            <p:cNvCxnSpPr/>
-            <p:nvPr userDrawn="1"/>
-          </p:nvCxnSpPr>
-          <p:spPr>
-            <a:xfrm>
-              <a:off x="8363956" y="275867"/>
-              <a:ext cx="0" cy="567843"/>
-            </a:xfrm>
-            <a:prstGeom prst="line">
-              <a:avLst/>
-            </a:prstGeom>
-            <a:ln w="12700">
-              <a:solidFill>
-                <a:schemeClr val="bg1"/>
-              </a:solidFill>
-            </a:ln>
-            <a:effectLst/>
-          </p:spPr>
-          <p:style>
-            <a:lnRef idx="2">
-              <a:schemeClr val="accent1"/>
-            </a:lnRef>
-            <a:fillRef idx="0">
-              <a:schemeClr val="accent1"/>
-            </a:fillRef>
-            <a:effectRef idx="1">
-              <a:schemeClr val="accent1"/>
-            </a:effectRef>
-            <a:fontRef idx="minor">
-              <a:schemeClr val="tx1"/>
-            </a:fontRef>
-          </p:style>
-        </p:cxnSp>
-        <p:cxnSp>
-          <p:nvCxnSpPr>
-            <p:cNvPr id="61" name="Connettore 1 60"/>
-            <p:cNvCxnSpPr/>
-            <p:nvPr userDrawn="1"/>
-          </p:nvCxnSpPr>
-          <p:spPr>
-            <a:xfrm>
-              <a:off x="8512823" y="275867"/>
-              <a:ext cx="0" cy="567843"/>
-            </a:xfrm>
-            <a:prstGeom prst="line">
-              <a:avLst/>
-            </a:prstGeom>
-            <a:ln w="12700">
-              <a:solidFill>
-                <a:schemeClr val="bg1"/>
-              </a:solidFill>
-            </a:ln>
-            <a:effectLst/>
-          </p:spPr>
-          <p:style>
-            <a:lnRef idx="2">
-              <a:schemeClr val="accent1"/>
-            </a:lnRef>
-            <a:fillRef idx="0">
-              <a:schemeClr val="accent1"/>
-            </a:fillRef>
-            <a:effectRef idx="1">
-              <a:schemeClr val="accent1"/>
-            </a:effectRef>
-            <a:fontRef idx="minor">
-              <a:schemeClr val="tx1"/>
-            </a:fontRef>
-          </p:style>
-        </p:cxnSp>
-        <p:cxnSp>
-          <p:nvCxnSpPr>
-            <p:cNvPr id="62" name="Connettore 1 61"/>
-            <p:cNvCxnSpPr/>
-            <p:nvPr userDrawn="1"/>
-          </p:nvCxnSpPr>
-          <p:spPr>
-            <a:xfrm>
-              <a:off x="8661690" y="275867"/>
-              <a:ext cx="0" cy="567843"/>
-            </a:xfrm>
-            <a:prstGeom prst="line">
-              <a:avLst/>
-            </a:prstGeom>
-            <a:ln w="12700">
-              <a:solidFill>
-                <a:schemeClr val="bg1"/>
-              </a:solidFill>
-            </a:ln>
-            <a:effectLst/>
-          </p:spPr>
-          <p:style>
-            <a:lnRef idx="2">
-              <a:schemeClr val="accent1"/>
-            </a:lnRef>
-            <a:fillRef idx="0">
-              <a:schemeClr val="accent1"/>
-            </a:fillRef>
-            <a:effectRef idx="1">
-              <a:schemeClr val="accent1"/>
-            </a:effectRef>
-            <a:fontRef idx="minor">
-              <a:schemeClr val="tx1"/>
-            </a:fontRef>
-          </p:style>
-        </p:cxnSp>
-        <p:cxnSp>
-          <p:nvCxnSpPr>
-            <p:cNvPr id="63" name="Connettore 1 62"/>
-            <p:cNvCxnSpPr/>
-            <p:nvPr userDrawn="1"/>
-          </p:nvCxnSpPr>
-          <p:spPr>
-            <a:xfrm>
-              <a:off x="8810557" y="275867"/>
-              <a:ext cx="0" cy="567843"/>
-            </a:xfrm>
-            <a:prstGeom prst="line">
-              <a:avLst/>
-            </a:prstGeom>
-            <a:ln w="12700">
-              <a:solidFill>
-                <a:schemeClr val="bg1"/>
-              </a:solidFill>
-            </a:ln>
-            <a:effectLst/>
-          </p:spPr>
-          <p:style>
-            <a:lnRef idx="2">
-              <a:schemeClr val="accent1"/>
-            </a:lnRef>
-            <a:fillRef idx="0">
-              <a:schemeClr val="accent1"/>
-            </a:fillRef>
-            <a:effectRef idx="1">
-              <a:schemeClr val="accent1"/>
-            </a:effectRef>
-            <a:fontRef idx="minor">
-              <a:schemeClr val="tx1"/>
-            </a:fontRef>
-          </p:style>
-        </p:cxnSp>
-        <p:cxnSp>
-          <p:nvCxnSpPr>
-            <p:cNvPr id="64" name="Connettore 1 63"/>
-            <p:cNvCxnSpPr/>
-            <p:nvPr userDrawn="1"/>
-          </p:nvCxnSpPr>
-          <p:spPr>
-            <a:xfrm>
-              <a:off x="8959424" y="275867"/>
-              <a:ext cx="0" cy="567843"/>
-            </a:xfrm>
-            <a:prstGeom prst="line">
-              <a:avLst/>
-            </a:prstGeom>
-            <a:ln w="12700">
-              <a:solidFill>
-                <a:schemeClr val="bg1"/>
-              </a:solidFill>
-            </a:ln>
-            <a:effectLst/>
-          </p:spPr>
-          <p:style>
-            <a:lnRef idx="2">
-              <a:schemeClr val="accent1"/>
-            </a:lnRef>
-            <a:fillRef idx="0">
-              <a:schemeClr val="accent1"/>
-            </a:fillRef>
-            <a:effectRef idx="1">
-              <a:schemeClr val="accent1"/>
-            </a:effectRef>
-            <a:fontRef idx="minor">
-              <a:schemeClr val="tx1"/>
-            </a:fontRef>
-          </p:style>
-        </p:cxnSp>
-        <p:cxnSp>
-          <p:nvCxnSpPr>
-            <p:cNvPr id="65" name="Connettore 1 64"/>
-            <p:cNvCxnSpPr/>
-            <p:nvPr userDrawn="1"/>
-          </p:nvCxnSpPr>
-          <p:spPr>
-            <a:xfrm>
-              <a:off x="9108291" y="275867"/>
-              <a:ext cx="0" cy="567843"/>
-            </a:xfrm>
-            <a:prstGeom prst="line">
-              <a:avLst/>
-            </a:prstGeom>
-            <a:ln w="12700">
-              <a:solidFill>
-                <a:schemeClr val="bg1"/>
-              </a:solidFill>
-            </a:ln>
-            <a:effectLst/>
-          </p:spPr>
-          <p:style>
-            <a:lnRef idx="2">
-              <a:schemeClr val="accent1"/>
-            </a:lnRef>
-            <a:fillRef idx="0">
-              <a:schemeClr val="accent1"/>
-            </a:fillRef>
-            <a:effectRef idx="1">
-              <a:schemeClr val="accent1"/>
-            </a:effectRef>
-            <a:fontRef idx="minor">
-              <a:schemeClr val="tx1"/>
-            </a:fontRef>
-          </p:style>
-        </p:cxnSp>
-        <p:cxnSp>
-          <p:nvCxnSpPr>
-            <p:cNvPr id="66" name="Connettore 1 65"/>
-            <p:cNvCxnSpPr/>
-            <p:nvPr userDrawn="1"/>
-          </p:nvCxnSpPr>
-          <p:spPr>
-            <a:xfrm>
-              <a:off x="9257158" y="275867"/>
-              <a:ext cx="0" cy="567843"/>
-            </a:xfrm>
-            <a:prstGeom prst="line">
-              <a:avLst/>
-            </a:prstGeom>
-            <a:ln w="12700">
-              <a:solidFill>
-                <a:schemeClr val="bg1"/>
-              </a:solidFill>
-            </a:ln>
-            <a:effectLst/>
-          </p:spPr>
-          <p:style>
-            <a:lnRef idx="2">
-              <a:schemeClr val="accent1"/>
-            </a:lnRef>
-            <a:fillRef idx="0">
-              <a:schemeClr val="accent1"/>
-            </a:fillRef>
-            <a:effectRef idx="1">
-              <a:schemeClr val="accent1"/>
-            </a:effectRef>
-            <a:fontRef idx="minor">
-              <a:schemeClr val="tx1"/>
-            </a:fontRef>
-          </p:style>
-        </p:cxnSp>
-        <p:cxnSp>
-          <p:nvCxnSpPr>
-            <p:cNvPr id="67" name="Connettore 1 66"/>
-            <p:cNvCxnSpPr/>
-            <p:nvPr userDrawn="1"/>
-          </p:nvCxnSpPr>
-          <p:spPr>
-            <a:xfrm>
-              <a:off x="9406025" y="275867"/>
-              <a:ext cx="0" cy="567843"/>
-            </a:xfrm>
-            <a:prstGeom prst="line">
-              <a:avLst/>
-            </a:prstGeom>
-            <a:ln w="12700">
-              <a:solidFill>
-                <a:schemeClr val="bg1"/>
-              </a:solidFill>
-            </a:ln>
-            <a:effectLst/>
-          </p:spPr>
-          <p:style>
-            <a:lnRef idx="2">
-              <a:schemeClr val="accent1"/>
-            </a:lnRef>
-            <a:fillRef idx="0">
-              <a:schemeClr val="accent1"/>
-            </a:fillRef>
-            <a:effectRef idx="1">
-              <a:schemeClr val="accent1"/>
-            </a:effectRef>
-            <a:fontRef idx="minor">
-              <a:schemeClr val="tx1"/>
-            </a:fontRef>
-          </p:style>
-        </p:cxnSp>
-        <p:cxnSp>
-          <p:nvCxnSpPr>
-            <p:cNvPr id="68" name="Connettore 1 67"/>
-            <p:cNvCxnSpPr/>
-            <p:nvPr userDrawn="1"/>
-          </p:nvCxnSpPr>
-          <p:spPr>
-            <a:xfrm>
-              <a:off x="9554892" y="275867"/>
-              <a:ext cx="0" cy="567843"/>
-            </a:xfrm>
-            <a:prstGeom prst="line">
-              <a:avLst/>
-            </a:prstGeom>
-            <a:ln w="12700">
-              <a:solidFill>
-                <a:schemeClr val="bg1"/>
-              </a:solidFill>
-            </a:ln>
-            <a:effectLst/>
-          </p:spPr>
-          <p:style>
-            <a:lnRef idx="2">
-              <a:schemeClr val="accent1"/>
-            </a:lnRef>
-            <a:fillRef idx="0">
-              <a:schemeClr val="accent1"/>
-            </a:fillRef>
-            <a:effectRef idx="1">
-              <a:schemeClr val="accent1"/>
-            </a:effectRef>
-            <a:fontRef idx="minor">
-              <a:schemeClr val="tx1"/>
-            </a:fontRef>
-          </p:style>
-        </p:cxnSp>
-        <p:cxnSp>
-          <p:nvCxnSpPr>
-            <p:cNvPr id="69" name="Connettore 1 68"/>
-            <p:cNvCxnSpPr/>
-            <p:nvPr userDrawn="1"/>
-          </p:nvCxnSpPr>
-          <p:spPr>
-            <a:xfrm>
-              <a:off x="9703759" y="275867"/>
-              <a:ext cx="0" cy="567843"/>
-            </a:xfrm>
-            <a:prstGeom prst="line">
-              <a:avLst/>
-            </a:prstGeom>
-            <a:ln w="12700">
-              <a:solidFill>
-                <a:schemeClr val="bg1"/>
-              </a:solidFill>
-            </a:ln>
-            <a:effectLst/>
-          </p:spPr>
-          <p:style>
-            <a:lnRef idx="2">
-              <a:schemeClr val="accent1"/>
-            </a:lnRef>
-            <a:fillRef idx="0">
-              <a:schemeClr val="accent1"/>
-            </a:fillRef>
-            <a:effectRef idx="1">
-              <a:schemeClr val="accent1"/>
-            </a:effectRef>
-            <a:fontRef idx="minor">
-              <a:schemeClr val="tx1"/>
-            </a:fontRef>
-          </p:style>
-        </p:cxnSp>
-        <p:cxnSp>
-          <p:nvCxnSpPr>
-            <p:cNvPr id="70" name="Connettore 1 69"/>
-            <p:cNvCxnSpPr/>
-            <p:nvPr userDrawn="1"/>
-          </p:nvCxnSpPr>
-          <p:spPr>
-            <a:xfrm>
-              <a:off x="9852626" y="275867"/>
-              <a:ext cx="0" cy="567843"/>
-            </a:xfrm>
-            <a:prstGeom prst="line">
-              <a:avLst/>
-            </a:prstGeom>
-            <a:ln w="12700">
-              <a:solidFill>
-                <a:schemeClr val="bg1"/>
-              </a:solidFill>
-            </a:ln>
-            <a:effectLst/>
-          </p:spPr>
-          <p:style>
-            <a:lnRef idx="2">
-              <a:schemeClr val="accent1"/>
-            </a:lnRef>
-            <a:fillRef idx="0">
-              <a:schemeClr val="accent1"/>
-            </a:fillRef>
-            <a:effectRef idx="1">
-              <a:schemeClr val="accent1"/>
-            </a:effectRef>
-            <a:fontRef idx="minor">
-              <a:schemeClr val="tx1"/>
-            </a:fontRef>
-          </p:style>
-        </p:cxnSp>
-        <p:cxnSp>
-          <p:nvCxnSpPr>
-            <p:cNvPr id="71" name="Connettore 1 70"/>
-            <p:cNvCxnSpPr/>
-            <p:nvPr userDrawn="1"/>
-          </p:nvCxnSpPr>
-          <p:spPr>
-            <a:xfrm>
-              <a:off x="10001493" y="275867"/>
-              <a:ext cx="0" cy="567843"/>
-            </a:xfrm>
-            <a:prstGeom prst="line">
-              <a:avLst/>
-            </a:prstGeom>
-            <a:ln w="12700">
-              <a:solidFill>
-                <a:schemeClr val="bg1"/>
-              </a:solidFill>
-            </a:ln>
-            <a:effectLst/>
-          </p:spPr>
-          <p:style>
-            <a:lnRef idx="2">
-              <a:schemeClr val="accent1"/>
-            </a:lnRef>
-            <a:fillRef idx="0">
-              <a:schemeClr val="accent1"/>
-            </a:fillRef>
-            <a:effectRef idx="1">
-              <a:schemeClr val="accent1"/>
-            </a:effectRef>
-            <a:fontRef idx="minor">
-              <a:schemeClr val="tx1"/>
-            </a:fontRef>
-          </p:style>
-        </p:cxnSp>
-        <p:cxnSp>
-          <p:nvCxnSpPr>
-            <p:cNvPr id="72" name="Connettore 1 71"/>
-            <p:cNvCxnSpPr/>
-            <p:nvPr userDrawn="1"/>
-          </p:nvCxnSpPr>
-          <p:spPr>
-            <a:xfrm>
-              <a:off x="10150360" y="275867"/>
-              <a:ext cx="0" cy="567843"/>
-            </a:xfrm>
-            <a:prstGeom prst="line">
-              <a:avLst/>
-            </a:prstGeom>
-            <a:ln w="12700">
-              <a:solidFill>
-                <a:schemeClr val="bg1"/>
-              </a:solidFill>
-            </a:ln>
-            <a:effectLst/>
-          </p:spPr>
-          <p:style>
-            <a:lnRef idx="2">
-              <a:schemeClr val="accent1"/>
-            </a:lnRef>
-            <a:fillRef idx="0">
-              <a:schemeClr val="accent1"/>
-            </a:fillRef>
-            <a:effectRef idx="1">
-              <a:schemeClr val="accent1"/>
-            </a:effectRef>
-            <a:fontRef idx="minor">
-              <a:schemeClr val="tx1"/>
-            </a:fontRef>
-          </p:style>
-        </p:cxnSp>
-        <p:cxnSp>
-          <p:nvCxnSpPr>
-            <p:cNvPr id="73" name="Connettore 1 72"/>
-            <p:cNvCxnSpPr/>
-            <p:nvPr userDrawn="1"/>
-          </p:nvCxnSpPr>
-          <p:spPr>
-            <a:xfrm>
-              <a:off x="10299227" y="275867"/>
-              <a:ext cx="0" cy="567843"/>
-            </a:xfrm>
-            <a:prstGeom prst="line">
-              <a:avLst/>
-            </a:prstGeom>
-            <a:ln w="12700">
-              <a:solidFill>
-                <a:schemeClr val="bg1"/>
-              </a:solidFill>
-            </a:ln>
-            <a:effectLst/>
-          </p:spPr>
-          <p:style>
-            <a:lnRef idx="2">
-              <a:schemeClr val="accent1"/>
-            </a:lnRef>
-            <a:fillRef idx="0">
-              <a:schemeClr val="accent1"/>
-            </a:fillRef>
-            <a:effectRef idx="1">
-              <a:schemeClr val="accent1"/>
-            </a:effectRef>
-            <a:fontRef idx="minor">
-              <a:schemeClr val="tx1"/>
-            </a:fontRef>
-          </p:style>
-        </p:cxnSp>
-        <p:cxnSp>
-          <p:nvCxnSpPr>
-            <p:cNvPr id="74" name="Connettore 1 73"/>
-            <p:cNvCxnSpPr/>
-            <p:nvPr userDrawn="1"/>
-          </p:nvCxnSpPr>
-          <p:spPr>
-            <a:xfrm>
-              <a:off x="10448094" y="275867"/>
-              <a:ext cx="0" cy="567843"/>
-            </a:xfrm>
-            <a:prstGeom prst="line">
-              <a:avLst/>
-            </a:prstGeom>
-            <a:ln w="12700">
-              <a:solidFill>
-                <a:schemeClr val="bg1"/>
-              </a:solidFill>
-            </a:ln>
-            <a:effectLst/>
-          </p:spPr>
-          <p:style>
-            <a:lnRef idx="2">
-              <a:schemeClr val="accent1"/>
-            </a:lnRef>
-            <a:fillRef idx="0">
-              <a:schemeClr val="accent1"/>
-            </a:fillRef>
-            <a:effectRef idx="1">
-              <a:schemeClr val="accent1"/>
-            </a:effectRef>
-            <a:fontRef idx="minor">
-              <a:schemeClr val="tx1"/>
-            </a:fontRef>
-          </p:style>
-        </p:cxnSp>
-        <p:cxnSp>
-          <p:nvCxnSpPr>
-            <p:cNvPr id="75" name="Connettore 1 74"/>
-            <p:cNvCxnSpPr/>
-            <p:nvPr userDrawn="1"/>
-          </p:nvCxnSpPr>
-          <p:spPr>
-            <a:xfrm>
-              <a:off x="10596961" y="275867"/>
-              <a:ext cx="0" cy="567843"/>
-            </a:xfrm>
-            <a:prstGeom prst="line">
-              <a:avLst/>
-            </a:prstGeom>
-            <a:ln w="12700">
-              <a:solidFill>
-                <a:schemeClr val="bg1"/>
-              </a:solidFill>
-            </a:ln>
-            <a:effectLst/>
-          </p:spPr>
-          <p:style>
-            <a:lnRef idx="2">
-              <a:schemeClr val="accent1"/>
-            </a:lnRef>
-            <a:fillRef idx="0">
-              <a:schemeClr val="accent1"/>
-            </a:fillRef>
-            <a:effectRef idx="1">
-              <a:schemeClr val="accent1"/>
-            </a:effectRef>
-            <a:fontRef idx="minor">
-              <a:schemeClr val="tx1"/>
-            </a:fontRef>
-          </p:style>
-        </p:cxnSp>
-        <p:cxnSp>
-          <p:nvCxnSpPr>
-            <p:cNvPr id="76" name="Connettore 1 75"/>
-            <p:cNvCxnSpPr/>
-            <p:nvPr userDrawn="1"/>
-          </p:nvCxnSpPr>
-          <p:spPr>
-            <a:xfrm>
-              <a:off x="10745828" y="275867"/>
-              <a:ext cx="0" cy="567843"/>
-            </a:xfrm>
-            <a:prstGeom prst="line">
-              <a:avLst/>
-            </a:prstGeom>
-            <a:ln w="12700">
-              <a:solidFill>
-                <a:schemeClr val="bg1"/>
-              </a:solidFill>
-            </a:ln>
-            <a:effectLst/>
-          </p:spPr>
-          <p:style>
-            <a:lnRef idx="2">
-              <a:schemeClr val="accent1"/>
-            </a:lnRef>
-            <a:fillRef idx="0">
-              <a:schemeClr val="accent1"/>
-            </a:fillRef>
-            <a:effectRef idx="1">
-              <a:schemeClr val="accent1"/>
-            </a:effectRef>
-            <a:fontRef idx="minor">
-              <a:schemeClr val="tx1"/>
-            </a:fontRef>
-          </p:style>
-        </p:cxnSp>
-        <p:cxnSp>
-          <p:nvCxnSpPr>
-            <p:cNvPr id="77" name="Connettore 1 76"/>
-            <p:cNvCxnSpPr/>
-            <p:nvPr userDrawn="1"/>
-          </p:nvCxnSpPr>
-          <p:spPr>
-            <a:xfrm>
-              <a:off x="10894695" y="275867"/>
-              <a:ext cx="0" cy="567843"/>
-            </a:xfrm>
-            <a:prstGeom prst="line">
-              <a:avLst/>
-            </a:prstGeom>
-            <a:ln w="12700">
-              <a:solidFill>
-                <a:schemeClr val="bg1"/>
-              </a:solidFill>
-            </a:ln>
-            <a:effectLst/>
-          </p:spPr>
-          <p:style>
-            <a:lnRef idx="2">
-              <a:schemeClr val="accent1"/>
-            </a:lnRef>
-            <a:fillRef idx="0">
-              <a:schemeClr val="accent1"/>
-            </a:fillRef>
-            <a:effectRef idx="1">
-              <a:schemeClr val="accent1"/>
-            </a:effectRef>
-            <a:fontRef idx="minor">
-              <a:schemeClr val="tx1"/>
-            </a:fontRef>
-          </p:style>
-        </p:cxnSp>
-        <p:cxnSp>
-          <p:nvCxnSpPr>
-            <p:cNvPr id="78" name="Connettore 1 77"/>
-            <p:cNvCxnSpPr/>
-            <p:nvPr userDrawn="1"/>
-          </p:nvCxnSpPr>
-          <p:spPr>
-            <a:xfrm>
-              <a:off x="11043562" y="275867"/>
-              <a:ext cx="0" cy="567843"/>
-            </a:xfrm>
-            <a:prstGeom prst="line">
-              <a:avLst/>
-            </a:prstGeom>
-            <a:ln w="12700">
-              <a:solidFill>
-                <a:schemeClr val="bg1"/>
-              </a:solidFill>
-            </a:ln>
-            <a:effectLst/>
-          </p:spPr>
-          <p:style>
-            <a:lnRef idx="2">
-              <a:schemeClr val="accent1"/>
-            </a:lnRef>
-            <a:fillRef idx="0">
-              <a:schemeClr val="accent1"/>
-            </a:fillRef>
-            <a:effectRef idx="1">
-              <a:schemeClr val="accent1"/>
-            </a:effectRef>
-            <a:fontRef idx="minor">
-              <a:schemeClr val="tx1"/>
-            </a:fontRef>
-          </p:style>
-        </p:cxnSp>
-        <p:cxnSp>
-          <p:nvCxnSpPr>
-            <p:cNvPr id="79" name="Connettore 1 78"/>
-            <p:cNvCxnSpPr/>
-            <p:nvPr userDrawn="1"/>
-          </p:nvCxnSpPr>
-          <p:spPr>
-            <a:xfrm>
-              <a:off x="11192429" y="275867"/>
-              <a:ext cx="0" cy="567843"/>
-            </a:xfrm>
-            <a:prstGeom prst="line">
-              <a:avLst/>
-            </a:prstGeom>
-            <a:ln w="12700">
-              <a:solidFill>
-                <a:schemeClr val="bg1"/>
-              </a:solidFill>
-            </a:ln>
-            <a:effectLst/>
-          </p:spPr>
-          <p:style>
-            <a:lnRef idx="2">
-              <a:schemeClr val="accent1"/>
-            </a:lnRef>
-            <a:fillRef idx="0">
-              <a:schemeClr val="accent1"/>
-            </a:fillRef>
-            <a:effectRef idx="1">
-              <a:schemeClr val="accent1"/>
-            </a:effectRef>
-            <a:fontRef idx="minor">
-              <a:schemeClr val="tx1"/>
-            </a:fontRef>
-          </p:style>
-        </p:cxnSp>
-        <p:cxnSp>
-          <p:nvCxnSpPr>
-            <p:cNvPr id="80" name="Connettore 1 79"/>
-            <p:cNvCxnSpPr/>
-            <p:nvPr userDrawn="1"/>
-          </p:nvCxnSpPr>
-          <p:spPr>
-            <a:xfrm>
-              <a:off x="11341296" y="275867"/>
-              <a:ext cx="0" cy="567843"/>
-            </a:xfrm>
-            <a:prstGeom prst="line">
-              <a:avLst/>
-            </a:prstGeom>
-            <a:ln w="12700">
-              <a:solidFill>
-                <a:schemeClr val="bg1"/>
-              </a:solidFill>
-            </a:ln>
-            <a:effectLst/>
-          </p:spPr>
-          <p:style>
-            <a:lnRef idx="2">
-              <a:schemeClr val="accent1"/>
-            </a:lnRef>
-            <a:fillRef idx="0">
-              <a:schemeClr val="accent1"/>
-            </a:fillRef>
-            <a:effectRef idx="1">
-              <a:schemeClr val="accent1"/>
-            </a:effectRef>
-            <a:fontRef idx="minor">
-              <a:schemeClr val="tx1"/>
-            </a:fontRef>
-          </p:style>
-        </p:cxnSp>
-        <p:cxnSp>
-          <p:nvCxnSpPr>
-            <p:cNvPr id="81" name="Connettore 1 80"/>
-            <p:cNvCxnSpPr/>
-            <p:nvPr userDrawn="1"/>
-          </p:nvCxnSpPr>
-          <p:spPr>
-            <a:xfrm>
-              <a:off x="11490163" y="275867"/>
-              <a:ext cx="0" cy="567843"/>
-            </a:xfrm>
-            <a:prstGeom prst="line">
-              <a:avLst/>
-            </a:prstGeom>
-            <a:ln w="12700">
-              <a:solidFill>
-                <a:schemeClr val="bg1"/>
-              </a:solidFill>
-            </a:ln>
-            <a:effectLst/>
-          </p:spPr>
-          <p:style>
-            <a:lnRef idx="2">
-              <a:schemeClr val="accent1"/>
-            </a:lnRef>
-            <a:fillRef idx="0">
-              <a:schemeClr val="accent1"/>
-            </a:fillRef>
-            <a:effectRef idx="1">
-              <a:schemeClr val="accent1"/>
-            </a:effectRef>
-            <a:fontRef idx="minor">
-              <a:schemeClr val="tx1"/>
-            </a:fontRef>
-          </p:style>
-        </p:cxnSp>
-        <p:cxnSp>
-          <p:nvCxnSpPr>
-            <p:cNvPr id="82" name="Connettore 1 81"/>
-            <p:cNvCxnSpPr/>
-            <p:nvPr userDrawn="1"/>
-          </p:nvCxnSpPr>
-          <p:spPr>
-            <a:xfrm>
-              <a:off x="11639030" y="275867"/>
-              <a:ext cx="0" cy="567843"/>
-            </a:xfrm>
-            <a:prstGeom prst="line">
-              <a:avLst/>
-            </a:prstGeom>
-            <a:ln w="12700">
-              <a:solidFill>
-                <a:schemeClr val="bg1"/>
-              </a:solidFill>
-            </a:ln>
-            <a:effectLst/>
-          </p:spPr>
-          <p:style>
-            <a:lnRef idx="2">
-              <a:schemeClr val="accent1"/>
-            </a:lnRef>
-            <a:fillRef idx="0">
-              <a:schemeClr val="accent1"/>
-            </a:fillRef>
-            <a:effectRef idx="1">
-              <a:schemeClr val="accent1"/>
-            </a:effectRef>
-            <a:fontRef idx="minor">
-              <a:schemeClr val="tx1"/>
-            </a:fontRef>
-          </p:style>
-        </p:cxnSp>
-        <p:cxnSp>
-          <p:nvCxnSpPr>
-            <p:cNvPr id="83" name="Connettore 1 82"/>
-            <p:cNvCxnSpPr/>
-            <p:nvPr userDrawn="1"/>
-          </p:nvCxnSpPr>
-          <p:spPr>
-            <a:xfrm>
-              <a:off x="11787897" y="275867"/>
-              <a:ext cx="0" cy="567843"/>
-            </a:xfrm>
-            <a:prstGeom prst="line">
-              <a:avLst/>
-            </a:prstGeom>
-            <a:ln w="12700">
-              <a:solidFill>
-                <a:schemeClr val="bg1"/>
-              </a:solidFill>
-            </a:ln>
-            <a:effectLst/>
-          </p:spPr>
-          <p:style>
-            <a:lnRef idx="2">
-              <a:schemeClr val="accent1"/>
-            </a:lnRef>
-            <a:fillRef idx="0">
-              <a:schemeClr val="accent1"/>
-            </a:fillRef>
-            <a:effectRef idx="1">
-              <a:schemeClr val="accent1"/>
-            </a:effectRef>
-            <a:fontRef idx="minor">
-              <a:schemeClr val="tx1"/>
-            </a:fontRef>
-          </p:style>
-        </p:cxnSp>
-        <p:cxnSp>
-          <p:nvCxnSpPr>
-            <p:cNvPr id="84" name="Connettore 1 83"/>
-            <p:cNvCxnSpPr/>
-            <p:nvPr userDrawn="1"/>
-          </p:nvCxnSpPr>
-          <p:spPr>
-            <a:xfrm>
-              <a:off x="11936764" y="275867"/>
-              <a:ext cx="0" cy="567843"/>
-            </a:xfrm>
-            <a:prstGeom prst="line">
-              <a:avLst/>
-            </a:prstGeom>
-            <a:ln w="12700">
-              <a:solidFill>
-                <a:schemeClr val="bg1"/>
-              </a:solidFill>
-            </a:ln>
-            <a:effectLst/>
-          </p:spPr>
-          <p:style>
-            <a:lnRef idx="2">
-              <a:schemeClr val="accent1"/>
-            </a:lnRef>
-            <a:fillRef idx="0">
-              <a:schemeClr val="accent1"/>
-            </a:fillRef>
-            <a:effectRef idx="1">
-              <a:schemeClr val="accent1"/>
-            </a:effectRef>
-            <a:fontRef idx="minor">
-              <a:schemeClr val="tx1"/>
-            </a:fontRef>
-          </p:style>
-        </p:cxnSp>
-        <p:cxnSp>
-          <p:nvCxnSpPr>
-            <p:cNvPr id="85" name="Connettore 1 84"/>
-            <p:cNvCxnSpPr/>
-            <p:nvPr userDrawn="1"/>
-          </p:nvCxnSpPr>
-          <p:spPr>
-            <a:xfrm>
-              <a:off x="12085631" y="275867"/>
-              <a:ext cx="0" cy="567843"/>
-            </a:xfrm>
-            <a:prstGeom prst="line">
-              <a:avLst/>
-            </a:prstGeom>
-            <a:ln w="12700">
-              <a:solidFill>
-                <a:schemeClr val="bg1"/>
-              </a:solidFill>
-            </a:ln>
-            <a:effectLst/>
-          </p:spPr>
-          <p:style>
-            <a:lnRef idx="2">
-              <a:schemeClr val="accent1"/>
-            </a:lnRef>
-            <a:fillRef idx="0">
-              <a:schemeClr val="accent1"/>
-            </a:fillRef>
-            <a:effectRef idx="1">
-              <a:schemeClr val="accent1"/>
-            </a:effectRef>
-            <a:fontRef idx="minor">
-              <a:schemeClr val="tx1"/>
-            </a:fontRef>
-          </p:style>
-        </p:cxnSp>
-        <p:cxnSp>
-          <p:nvCxnSpPr>
-            <p:cNvPr id="86" name="Connettore 1 85"/>
-            <p:cNvCxnSpPr/>
-            <p:nvPr userDrawn="1"/>
-          </p:nvCxnSpPr>
-          <p:spPr>
-            <a:xfrm>
-              <a:off x="12234498" y="275867"/>
-              <a:ext cx="0" cy="567843"/>
-            </a:xfrm>
-            <a:prstGeom prst="line">
-              <a:avLst/>
-            </a:prstGeom>
-            <a:ln w="12700">
-              <a:solidFill>
-                <a:schemeClr val="bg1"/>
-              </a:solidFill>
-            </a:ln>
-            <a:effectLst/>
-          </p:spPr>
-          <p:style>
-            <a:lnRef idx="2">
-              <a:schemeClr val="accent1"/>
-            </a:lnRef>
-            <a:fillRef idx="0">
-              <a:schemeClr val="accent1"/>
-            </a:fillRef>
-            <a:effectRef idx="1">
-              <a:schemeClr val="accent1"/>
-            </a:effectRef>
-            <a:fontRef idx="minor">
-              <a:schemeClr val="tx1"/>
-            </a:fontRef>
-          </p:style>
-        </p:cxnSp>
-        <p:cxnSp>
-          <p:nvCxnSpPr>
-            <p:cNvPr id="87" name="Connettore 1 86"/>
-            <p:cNvCxnSpPr/>
-            <p:nvPr userDrawn="1"/>
-          </p:nvCxnSpPr>
-          <p:spPr>
-            <a:xfrm>
-              <a:off x="12383365" y="275867"/>
-              <a:ext cx="0" cy="567843"/>
-            </a:xfrm>
-            <a:prstGeom prst="line">
-              <a:avLst/>
-            </a:prstGeom>
-            <a:ln w="12700">
-              <a:solidFill>
-                <a:schemeClr val="bg1"/>
-              </a:solidFill>
-            </a:ln>
-            <a:effectLst/>
-          </p:spPr>
-          <p:style>
-            <a:lnRef idx="2">
-              <a:schemeClr val="accent1"/>
-            </a:lnRef>
-            <a:fillRef idx="0">
-              <a:schemeClr val="accent1"/>
-            </a:fillRef>
-            <a:effectRef idx="1">
-              <a:schemeClr val="accent1"/>
-            </a:effectRef>
-            <a:fontRef idx="minor">
-              <a:schemeClr val="tx1"/>
-            </a:fontRef>
-          </p:style>
-        </p:cxnSp>
-        <p:cxnSp>
-          <p:nvCxnSpPr>
-            <p:cNvPr id="88" name="Connettore 1 87"/>
-            <p:cNvCxnSpPr/>
-            <p:nvPr userDrawn="1"/>
-          </p:nvCxnSpPr>
-          <p:spPr>
-            <a:xfrm>
-              <a:off x="12532232" y="275867"/>
-              <a:ext cx="0" cy="567843"/>
-            </a:xfrm>
-            <a:prstGeom prst="line">
-              <a:avLst/>
-            </a:prstGeom>
-            <a:ln w="12700">
-              <a:solidFill>
-                <a:schemeClr val="bg1"/>
-              </a:solidFill>
-            </a:ln>
-            <a:effectLst/>
-          </p:spPr>
-          <p:style>
-            <a:lnRef idx="2">
-              <a:schemeClr val="accent1"/>
-            </a:lnRef>
-            <a:fillRef idx="0">
-              <a:schemeClr val="accent1"/>
-            </a:fillRef>
-            <a:effectRef idx="1">
-              <a:schemeClr val="accent1"/>
-            </a:effectRef>
-            <a:fontRef idx="minor">
-              <a:schemeClr val="tx1"/>
-            </a:fontRef>
-          </p:style>
-        </p:cxnSp>
-        <p:cxnSp>
-          <p:nvCxnSpPr>
-            <p:cNvPr id="89" name="Connettore 1 88"/>
-            <p:cNvCxnSpPr/>
-            <p:nvPr userDrawn="1"/>
-          </p:nvCxnSpPr>
-          <p:spPr>
-            <a:xfrm>
-              <a:off x="12681099" y="275867"/>
-              <a:ext cx="0" cy="567843"/>
-            </a:xfrm>
-            <a:prstGeom prst="line">
-              <a:avLst/>
-            </a:prstGeom>
-            <a:ln w="12700">
-              <a:solidFill>
-                <a:schemeClr val="bg1"/>
-              </a:solidFill>
-            </a:ln>
-            <a:effectLst/>
-          </p:spPr>
-          <p:style>
-            <a:lnRef idx="2">
-              <a:schemeClr val="accent1"/>
-            </a:lnRef>
-            <a:fillRef idx="0">
-              <a:schemeClr val="accent1"/>
-            </a:fillRef>
-            <a:effectRef idx="1">
-              <a:schemeClr val="accent1"/>
-            </a:effectRef>
-            <a:fontRef idx="minor">
-              <a:schemeClr val="tx1"/>
-            </a:fontRef>
-          </p:style>
-        </p:cxnSp>
-        <p:cxnSp>
-          <p:nvCxnSpPr>
-            <p:cNvPr id="90" name="Connettore 1 89"/>
-            <p:cNvCxnSpPr/>
-            <p:nvPr userDrawn="1"/>
-          </p:nvCxnSpPr>
-          <p:spPr>
-            <a:xfrm>
-              <a:off x="12829966" y="275867"/>
-              <a:ext cx="0" cy="567843"/>
-            </a:xfrm>
-            <a:prstGeom prst="line">
-              <a:avLst/>
-            </a:prstGeom>
-            <a:ln w="12700">
-              <a:solidFill>
-                <a:schemeClr val="bg1"/>
-              </a:solidFill>
-            </a:ln>
-            <a:effectLst/>
-          </p:spPr>
-          <p:style>
-            <a:lnRef idx="2">
-              <a:schemeClr val="accent1"/>
-            </a:lnRef>
-            <a:fillRef idx="0">
-              <a:schemeClr val="accent1"/>
-            </a:fillRef>
-            <a:effectRef idx="1">
-              <a:schemeClr val="accent1"/>
-            </a:effectRef>
-            <a:fontRef idx="minor">
-              <a:schemeClr val="tx1"/>
-            </a:fontRef>
-          </p:style>
-        </p:cxnSp>
-        <p:cxnSp>
-          <p:nvCxnSpPr>
-            <p:cNvPr id="91" name="Connettore 1 90"/>
-            <p:cNvCxnSpPr/>
-            <p:nvPr userDrawn="1"/>
-          </p:nvCxnSpPr>
-          <p:spPr>
-            <a:xfrm>
-              <a:off x="12978833" y="275867"/>
-              <a:ext cx="0" cy="567843"/>
-            </a:xfrm>
-            <a:prstGeom prst="line">
-              <a:avLst/>
-            </a:prstGeom>
-            <a:ln w="12700">
-              <a:solidFill>
-                <a:schemeClr val="bg1"/>
-              </a:solidFill>
-            </a:ln>
-            <a:effectLst/>
-          </p:spPr>
-          <p:style>
-            <a:lnRef idx="2">
-              <a:schemeClr val="accent1"/>
-            </a:lnRef>
-            <a:fillRef idx="0">
-              <a:schemeClr val="accent1"/>
-            </a:fillRef>
-            <a:effectRef idx="1">
-              <a:schemeClr val="accent1"/>
-            </a:effectRef>
-            <a:fontRef idx="minor">
-              <a:schemeClr val="tx1"/>
-            </a:fontRef>
-          </p:style>
-        </p:cxnSp>
-        <p:cxnSp>
-          <p:nvCxnSpPr>
-            <p:cNvPr id="92" name="Connettore 1 91"/>
-            <p:cNvCxnSpPr/>
-            <p:nvPr userDrawn="1"/>
-          </p:nvCxnSpPr>
-          <p:spPr>
-            <a:xfrm>
-              <a:off x="13127700" y="275867"/>
-              <a:ext cx="0" cy="567843"/>
-            </a:xfrm>
-            <a:prstGeom prst="line">
-              <a:avLst/>
-            </a:prstGeom>
-            <a:ln w="12700">
-              <a:solidFill>
-                <a:schemeClr val="bg1"/>
-              </a:solidFill>
-            </a:ln>
-            <a:effectLst/>
-          </p:spPr>
-          <p:style>
-            <a:lnRef idx="2">
-              <a:schemeClr val="accent1"/>
-            </a:lnRef>
-            <a:fillRef idx="0">
-              <a:schemeClr val="accent1"/>
-            </a:fillRef>
-            <a:effectRef idx="1">
-              <a:schemeClr val="accent1"/>
-            </a:effectRef>
-            <a:fontRef idx="minor">
-              <a:schemeClr val="tx1"/>
-            </a:fontRef>
-          </p:style>
-        </p:cxnSp>
-        <p:cxnSp>
-          <p:nvCxnSpPr>
-            <p:cNvPr id="93" name="Connettore 1 92"/>
-            <p:cNvCxnSpPr/>
-            <p:nvPr userDrawn="1"/>
-          </p:nvCxnSpPr>
-          <p:spPr>
-            <a:xfrm>
-              <a:off x="13276567" y="275867"/>
-              <a:ext cx="0" cy="567843"/>
-            </a:xfrm>
-            <a:prstGeom prst="line">
-              <a:avLst/>
-            </a:prstGeom>
-            <a:ln w="12700">
-              <a:solidFill>
-                <a:schemeClr val="bg1"/>
-              </a:solidFill>
-            </a:ln>
-            <a:effectLst/>
-          </p:spPr>
-          <p:style>
-            <a:lnRef idx="2">
-              <a:schemeClr val="accent1"/>
-            </a:lnRef>
-            <a:fillRef idx="0">
-              <a:schemeClr val="accent1"/>
-            </a:fillRef>
-            <a:effectRef idx="1">
-              <a:schemeClr val="accent1"/>
-            </a:effectRef>
-            <a:fontRef idx="minor">
-              <a:schemeClr val="tx1"/>
-            </a:fontRef>
-          </p:style>
-        </p:cxnSp>
-        <p:cxnSp>
-          <p:nvCxnSpPr>
-            <p:cNvPr id="94" name="Connettore 1 93"/>
-            <p:cNvCxnSpPr/>
-            <p:nvPr userDrawn="1"/>
-          </p:nvCxnSpPr>
-          <p:spPr>
-            <a:xfrm>
-              <a:off x="13425434" y="275867"/>
-              <a:ext cx="0" cy="567843"/>
-            </a:xfrm>
-            <a:prstGeom prst="line">
-              <a:avLst/>
-            </a:prstGeom>
-            <a:ln w="12700">
-              <a:solidFill>
-                <a:schemeClr val="bg1"/>
-              </a:solidFill>
-            </a:ln>
-            <a:effectLst/>
-          </p:spPr>
-          <p:style>
-            <a:lnRef idx="2">
-              <a:schemeClr val="accent1"/>
-            </a:lnRef>
-            <a:fillRef idx="0">
-              <a:schemeClr val="accent1"/>
-            </a:fillRef>
-            <a:effectRef idx="1">
-              <a:schemeClr val="accent1"/>
-            </a:effectRef>
-            <a:fontRef idx="minor">
-              <a:schemeClr val="tx1"/>
-            </a:fontRef>
-          </p:style>
-        </p:cxnSp>
-        <p:cxnSp>
-          <p:nvCxnSpPr>
-            <p:cNvPr id="95" name="Connettore 1 94"/>
-            <p:cNvCxnSpPr/>
-            <p:nvPr userDrawn="1"/>
-          </p:nvCxnSpPr>
-          <p:spPr>
-            <a:xfrm>
-              <a:off x="13574301" y="275867"/>
-              <a:ext cx="0" cy="567843"/>
-            </a:xfrm>
-            <a:prstGeom prst="line">
-              <a:avLst/>
-            </a:prstGeom>
-            <a:ln w="12700">
-              <a:solidFill>
-                <a:schemeClr val="bg1"/>
-              </a:solidFill>
-            </a:ln>
-            <a:effectLst/>
-          </p:spPr>
-          <p:style>
-            <a:lnRef idx="2">
-              <a:schemeClr val="accent1"/>
-            </a:lnRef>
-            <a:fillRef idx="0">
-              <a:schemeClr val="accent1"/>
-            </a:fillRef>
-            <a:effectRef idx="1">
-              <a:schemeClr val="accent1"/>
-            </a:effectRef>
-            <a:fontRef idx="minor">
-              <a:schemeClr val="tx1"/>
-            </a:fontRef>
-          </p:style>
-        </p:cxnSp>
-        <p:cxnSp>
-          <p:nvCxnSpPr>
-            <p:cNvPr id="96" name="Connettore 1 95"/>
-            <p:cNvCxnSpPr/>
-            <p:nvPr userDrawn="1"/>
-          </p:nvCxnSpPr>
-          <p:spPr>
-            <a:xfrm>
-              <a:off x="13723168" y="275867"/>
-              <a:ext cx="0" cy="567843"/>
-            </a:xfrm>
-            <a:prstGeom prst="line">
-              <a:avLst/>
-            </a:prstGeom>
-            <a:ln w="12700">
-              <a:solidFill>
-                <a:schemeClr val="bg1"/>
-              </a:solidFill>
-            </a:ln>
-            <a:effectLst/>
-          </p:spPr>
-          <p:style>
-            <a:lnRef idx="2">
-              <a:schemeClr val="accent1"/>
-            </a:lnRef>
-            <a:fillRef idx="0">
-              <a:schemeClr val="accent1"/>
-            </a:fillRef>
-            <a:effectRef idx="1">
-              <a:schemeClr val="accent1"/>
-            </a:effectRef>
-            <a:fontRef idx="minor">
-              <a:schemeClr val="tx1"/>
-            </a:fontRef>
-          </p:style>
-        </p:cxnSp>
-        <p:cxnSp>
-          <p:nvCxnSpPr>
-            <p:cNvPr id="97" name="Connettore 1 96"/>
-            <p:cNvCxnSpPr/>
-            <p:nvPr userDrawn="1"/>
-          </p:nvCxnSpPr>
-          <p:spPr>
-            <a:xfrm>
-              <a:off x="13872035" y="275867"/>
-              <a:ext cx="0" cy="567843"/>
-            </a:xfrm>
-            <a:prstGeom prst="line">
-              <a:avLst/>
-            </a:prstGeom>
-            <a:ln w="12700">
-              <a:solidFill>
-                <a:schemeClr val="bg1"/>
-              </a:solidFill>
-            </a:ln>
-            <a:effectLst/>
-          </p:spPr>
-          <p:style>
-            <a:lnRef idx="2">
-              <a:schemeClr val="accent1"/>
-            </a:lnRef>
-            <a:fillRef idx="0">
-              <a:schemeClr val="accent1"/>
-            </a:fillRef>
-            <a:effectRef idx="1">
-              <a:schemeClr val="accent1"/>
-            </a:effectRef>
-            <a:fontRef idx="minor">
-              <a:schemeClr val="tx1"/>
-            </a:fontRef>
-          </p:style>
-        </p:cxnSp>
-        <p:cxnSp>
-          <p:nvCxnSpPr>
-            <p:cNvPr id="98" name="Connettore 1 97"/>
-            <p:cNvCxnSpPr/>
-            <p:nvPr userDrawn="1"/>
-          </p:nvCxnSpPr>
-          <p:spPr>
-            <a:xfrm>
-              <a:off x="14020902" y="275867"/>
-              <a:ext cx="0" cy="567843"/>
-            </a:xfrm>
-            <a:prstGeom prst="line">
-              <a:avLst/>
-            </a:prstGeom>
-            <a:ln w="12700">
-              <a:solidFill>
-                <a:schemeClr val="bg1"/>
-              </a:solidFill>
-            </a:ln>
-            <a:effectLst/>
-          </p:spPr>
-          <p:style>
-            <a:lnRef idx="2">
-              <a:schemeClr val="accent1"/>
-            </a:lnRef>
-            <a:fillRef idx="0">
-              <a:schemeClr val="accent1"/>
-            </a:fillRef>
-            <a:effectRef idx="1">
-              <a:schemeClr val="accent1"/>
-            </a:effectRef>
-            <a:fontRef idx="minor">
-              <a:schemeClr val="tx1"/>
-            </a:fontRef>
-          </p:style>
-        </p:cxnSp>
-        <p:cxnSp>
-          <p:nvCxnSpPr>
-            <p:cNvPr id="99" name="Connettore 1 98"/>
-            <p:cNvCxnSpPr/>
-            <p:nvPr userDrawn="1"/>
-          </p:nvCxnSpPr>
-          <p:spPr>
-            <a:xfrm>
-              <a:off x="14169769" y="275867"/>
-              <a:ext cx="0" cy="567843"/>
-            </a:xfrm>
-            <a:prstGeom prst="line">
-              <a:avLst/>
-            </a:prstGeom>
-            <a:ln w="12700">
-              <a:solidFill>
-                <a:schemeClr val="bg1"/>
-              </a:solidFill>
-            </a:ln>
-            <a:effectLst/>
-          </p:spPr>
-          <p:style>
-            <a:lnRef idx="2">
-              <a:schemeClr val="accent1"/>
-            </a:lnRef>
-            <a:fillRef idx="0">
-              <a:schemeClr val="accent1"/>
-            </a:fillRef>
-            <a:effectRef idx="1">
-              <a:schemeClr val="accent1"/>
-            </a:effectRef>
-            <a:fontRef idx="minor">
-              <a:schemeClr val="tx1"/>
-            </a:fontRef>
-          </p:style>
-        </p:cxnSp>
-        <p:cxnSp>
-          <p:nvCxnSpPr>
-            <p:cNvPr id="100" name="Connettore 1 99"/>
-            <p:cNvCxnSpPr/>
-            <p:nvPr userDrawn="1"/>
-          </p:nvCxnSpPr>
-          <p:spPr>
-            <a:xfrm>
-              <a:off x="14318636" y="275867"/>
-              <a:ext cx="0" cy="567843"/>
-            </a:xfrm>
-            <a:prstGeom prst="line">
-              <a:avLst/>
-            </a:prstGeom>
-            <a:ln w="12700">
-              <a:solidFill>
-                <a:schemeClr val="bg1"/>
-              </a:solidFill>
-            </a:ln>
-            <a:effectLst/>
-          </p:spPr>
-          <p:style>
-            <a:lnRef idx="2">
-              <a:schemeClr val="accent1"/>
-            </a:lnRef>
-            <a:fillRef idx="0">
-              <a:schemeClr val="accent1"/>
-            </a:fillRef>
-            <a:effectRef idx="1">
-              <a:schemeClr val="accent1"/>
-            </a:effectRef>
-            <a:fontRef idx="minor">
-              <a:schemeClr val="tx1"/>
-            </a:fontRef>
-          </p:style>
-        </p:cxnSp>
-        <p:cxnSp>
-          <p:nvCxnSpPr>
-            <p:cNvPr id="101" name="Connettore 1 100"/>
-            <p:cNvCxnSpPr/>
-            <p:nvPr userDrawn="1"/>
-          </p:nvCxnSpPr>
-          <p:spPr>
-            <a:xfrm>
-              <a:off x="14467503" y="275867"/>
-              <a:ext cx="0" cy="567843"/>
-            </a:xfrm>
-            <a:prstGeom prst="line">
-              <a:avLst/>
-            </a:prstGeom>
-            <a:ln w="12700">
-              <a:solidFill>
-                <a:schemeClr val="bg1"/>
-              </a:solidFill>
-            </a:ln>
-            <a:effectLst/>
-          </p:spPr>
-          <p:style>
-            <a:lnRef idx="2">
-              <a:schemeClr val="accent1"/>
-            </a:lnRef>
-            <a:fillRef idx="0">
-              <a:schemeClr val="accent1"/>
-            </a:fillRef>
-            <a:effectRef idx="1">
-              <a:schemeClr val="accent1"/>
-            </a:effectRef>
-            <a:fontRef idx="minor">
-              <a:schemeClr val="tx1"/>
-            </a:fontRef>
-          </p:style>
-        </p:cxnSp>
-        <p:cxnSp>
-          <p:nvCxnSpPr>
-            <p:cNvPr id="102" name="Connettore 1 101"/>
-            <p:cNvCxnSpPr/>
-            <p:nvPr userDrawn="1"/>
-          </p:nvCxnSpPr>
-          <p:spPr>
-            <a:xfrm>
-              <a:off x="14616370" y="275867"/>
-              <a:ext cx="0" cy="567843"/>
-            </a:xfrm>
-            <a:prstGeom prst="line">
-              <a:avLst/>
-            </a:prstGeom>
-            <a:ln w="12700">
-              <a:solidFill>
-                <a:schemeClr val="bg1"/>
-              </a:solidFill>
-            </a:ln>
-            <a:effectLst/>
-          </p:spPr>
-          <p:style>
-            <a:lnRef idx="2">
-              <a:schemeClr val="accent1"/>
-            </a:lnRef>
-            <a:fillRef idx="0">
-              <a:schemeClr val="accent1"/>
-            </a:fillRef>
-            <a:effectRef idx="1">
-              <a:schemeClr val="accent1"/>
-            </a:effectRef>
-            <a:fontRef idx="minor">
-              <a:schemeClr val="tx1"/>
-            </a:fontRef>
-          </p:style>
-        </p:cxnSp>
-        <p:cxnSp>
-          <p:nvCxnSpPr>
-            <p:cNvPr id="103" name="Connettore 1 102"/>
-            <p:cNvCxnSpPr/>
-            <p:nvPr userDrawn="1"/>
-          </p:nvCxnSpPr>
-          <p:spPr>
-            <a:xfrm>
-              <a:off x="14765237" y="275867"/>
-              <a:ext cx="0" cy="567843"/>
-            </a:xfrm>
-            <a:prstGeom prst="line">
-              <a:avLst/>
-            </a:prstGeom>
-            <a:ln w="12700">
-              <a:solidFill>
-                <a:schemeClr val="bg1"/>
-              </a:solidFill>
-            </a:ln>
-            <a:effectLst/>
-          </p:spPr>
-          <p:style>
-            <a:lnRef idx="2">
-              <a:schemeClr val="accent1"/>
-            </a:lnRef>
-            <a:fillRef idx="0">
-              <a:schemeClr val="accent1"/>
-            </a:fillRef>
-            <a:effectRef idx="1">
-              <a:schemeClr val="accent1"/>
-            </a:effectRef>
-            <a:fontRef idx="minor">
-              <a:schemeClr val="tx1"/>
-            </a:fontRef>
-          </p:style>
-        </p:cxnSp>
-        <p:cxnSp>
-          <p:nvCxnSpPr>
-            <p:cNvPr id="104" name="Connettore 1 103"/>
-            <p:cNvCxnSpPr/>
-            <p:nvPr userDrawn="1"/>
-          </p:nvCxnSpPr>
-          <p:spPr>
-            <a:xfrm>
-              <a:off x="14914104" y="275867"/>
-              <a:ext cx="0" cy="567843"/>
-            </a:xfrm>
-            <a:prstGeom prst="line">
-              <a:avLst/>
-            </a:prstGeom>
-            <a:ln w="12700">
-              <a:solidFill>
-                <a:schemeClr val="bg1"/>
-              </a:solidFill>
-            </a:ln>
-            <a:effectLst/>
-          </p:spPr>
-          <p:style>
-            <a:lnRef idx="2">
-              <a:schemeClr val="accent1"/>
-            </a:lnRef>
-            <a:fillRef idx="0">
-              <a:schemeClr val="accent1"/>
-            </a:fillRef>
-            <a:effectRef idx="1">
-              <a:schemeClr val="accent1"/>
-            </a:effectRef>
-            <a:fontRef idx="minor">
-              <a:schemeClr val="tx1"/>
-            </a:fontRef>
-          </p:style>
-        </p:cxnSp>
-        <p:cxnSp>
-          <p:nvCxnSpPr>
-            <p:cNvPr id="105" name="Connettore 1 104"/>
-            <p:cNvCxnSpPr/>
-            <p:nvPr userDrawn="1"/>
-          </p:nvCxnSpPr>
-          <p:spPr>
-            <a:xfrm>
-              <a:off x="15062971" y="275867"/>
-              <a:ext cx="0" cy="567843"/>
-            </a:xfrm>
-            <a:prstGeom prst="line">
-              <a:avLst/>
-            </a:prstGeom>
-            <a:ln w="12700">
-              <a:solidFill>
-                <a:schemeClr val="bg1"/>
-              </a:solidFill>
-            </a:ln>
-            <a:effectLst/>
-          </p:spPr>
-          <p:style>
-            <a:lnRef idx="2">
-              <a:schemeClr val="accent1"/>
-            </a:lnRef>
-            <a:fillRef idx="0">
-              <a:schemeClr val="accent1"/>
-            </a:fillRef>
-            <a:effectRef idx="1">
-              <a:schemeClr val="accent1"/>
-            </a:effectRef>
-            <a:fontRef idx="minor">
-              <a:schemeClr val="tx1"/>
-            </a:fontRef>
-          </p:style>
-        </p:cxnSp>
-        <p:cxnSp>
-          <p:nvCxnSpPr>
-            <p:cNvPr id="106" name="Connettore 1 105"/>
-            <p:cNvCxnSpPr/>
-            <p:nvPr userDrawn="1"/>
-          </p:nvCxnSpPr>
-          <p:spPr>
-            <a:xfrm>
-              <a:off x="15211838" y="275867"/>
-              <a:ext cx="0" cy="567843"/>
-            </a:xfrm>
-            <a:prstGeom prst="line">
-              <a:avLst/>
-            </a:prstGeom>
-            <a:ln w="12700">
-              <a:solidFill>
-                <a:schemeClr val="bg1"/>
-              </a:solidFill>
-            </a:ln>
-            <a:effectLst/>
-          </p:spPr>
-          <p:style>
-            <a:lnRef idx="2">
-              <a:schemeClr val="accent1"/>
-            </a:lnRef>
-            <a:fillRef idx="0">
-              <a:schemeClr val="accent1"/>
-            </a:fillRef>
-            <a:effectRef idx="1">
-              <a:schemeClr val="accent1"/>
-            </a:effectRef>
-            <a:fontRef idx="minor">
-              <a:schemeClr val="tx1"/>
-            </a:fontRef>
-          </p:style>
-        </p:cxnSp>
-        <p:cxnSp>
-          <p:nvCxnSpPr>
-            <p:cNvPr id="107" name="Connettore 1 106"/>
-            <p:cNvCxnSpPr/>
-            <p:nvPr userDrawn="1"/>
-          </p:nvCxnSpPr>
-          <p:spPr>
-            <a:xfrm>
-              <a:off x="15360705" y="275867"/>
-              <a:ext cx="0" cy="567843"/>
-            </a:xfrm>
-            <a:prstGeom prst="line">
-              <a:avLst/>
-            </a:prstGeom>
-            <a:ln w="12700">
-              <a:solidFill>
-                <a:schemeClr val="bg1"/>
-              </a:solidFill>
-            </a:ln>
-            <a:effectLst/>
-          </p:spPr>
-          <p:style>
-            <a:lnRef idx="2">
-              <a:schemeClr val="accent1"/>
-            </a:lnRef>
-            <a:fillRef idx="0">
-              <a:schemeClr val="accent1"/>
-            </a:fillRef>
-            <a:effectRef idx="1">
-              <a:schemeClr val="accent1"/>
-            </a:effectRef>
-            <a:fontRef idx="minor">
-              <a:schemeClr val="tx1"/>
-            </a:fontRef>
-          </p:style>
-        </p:cxnSp>
-        <p:cxnSp>
-          <p:nvCxnSpPr>
-            <p:cNvPr id="108" name="Connettore 1 107"/>
-            <p:cNvCxnSpPr/>
-            <p:nvPr userDrawn="1"/>
-          </p:nvCxnSpPr>
-          <p:spPr>
-            <a:xfrm>
-              <a:off x="15509572" y="275867"/>
-              <a:ext cx="0" cy="567843"/>
-            </a:xfrm>
-            <a:prstGeom prst="line">
-              <a:avLst/>
-            </a:prstGeom>
-            <a:ln w="12700">
-              <a:solidFill>
-                <a:schemeClr val="bg1"/>
-              </a:solidFill>
-            </a:ln>
-            <a:effectLst/>
-          </p:spPr>
-          <p:style>
-            <a:lnRef idx="2">
-              <a:schemeClr val="accent1"/>
-            </a:lnRef>
-            <a:fillRef idx="0">
-              <a:schemeClr val="accent1"/>
-            </a:fillRef>
-            <a:effectRef idx="1">
-              <a:schemeClr val="accent1"/>
-            </a:effectRef>
-            <a:fontRef idx="minor">
-              <a:schemeClr val="tx1"/>
-            </a:fontRef>
-          </p:style>
-        </p:cxnSp>
-        <p:cxnSp>
-          <p:nvCxnSpPr>
-            <p:cNvPr id="109" name="Connettore 1 108"/>
-            <p:cNvCxnSpPr/>
-            <p:nvPr userDrawn="1"/>
-          </p:nvCxnSpPr>
-          <p:spPr>
-            <a:xfrm>
-              <a:off x="15658439" y="275867"/>
-              <a:ext cx="0" cy="567843"/>
-            </a:xfrm>
-            <a:prstGeom prst="line">
-              <a:avLst/>
-            </a:prstGeom>
-            <a:ln w="12700">
-              <a:solidFill>
-                <a:schemeClr val="bg1"/>
-              </a:solidFill>
-            </a:ln>
-            <a:effectLst/>
-          </p:spPr>
-          <p:style>
-            <a:lnRef idx="2">
-              <a:schemeClr val="accent1"/>
-            </a:lnRef>
-            <a:fillRef idx="0">
-              <a:schemeClr val="accent1"/>
-            </a:fillRef>
-            <a:effectRef idx="1">
-              <a:schemeClr val="accent1"/>
-            </a:effectRef>
-            <a:fontRef idx="minor">
-              <a:schemeClr val="tx1"/>
-            </a:fontRef>
-          </p:style>
-        </p:cxnSp>
-        <p:cxnSp>
-          <p:nvCxnSpPr>
-            <p:cNvPr id="110" name="Connettore 1 109"/>
-            <p:cNvCxnSpPr/>
-            <p:nvPr userDrawn="1"/>
-          </p:nvCxnSpPr>
-          <p:spPr>
-            <a:xfrm>
-              <a:off x="15807306" y="275867"/>
-              <a:ext cx="0" cy="567843"/>
-            </a:xfrm>
-            <a:prstGeom prst="line">
-              <a:avLst/>
-            </a:prstGeom>
-            <a:ln w="12700">
-              <a:solidFill>
-                <a:schemeClr val="bg1"/>
-              </a:solidFill>
-            </a:ln>
-            <a:effectLst/>
-          </p:spPr>
-          <p:style>
-            <a:lnRef idx="2">
-              <a:schemeClr val="accent1"/>
-            </a:lnRef>
-            <a:fillRef idx="0">
-              <a:schemeClr val="accent1"/>
-            </a:fillRef>
-            <a:effectRef idx="1">
-              <a:schemeClr val="accent1"/>
-            </a:effectRef>
-            <a:fontRef idx="minor">
-              <a:schemeClr val="tx1"/>
-            </a:fontRef>
-          </p:style>
-        </p:cxnSp>
-        <p:cxnSp>
-          <p:nvCxnSpPr>
-            <p:cNvPr id="111" name="Connettore 1 110"/>
-            <p:cNvCxnSpPr/>
-            <p:nvPr userDrawn="1"/>
-          </p:nvCxnSpPr>
-          <p:spPr>
-            <a:xfrm>
-              <a:off x="15956173" y="275867"/>
-              <a:ext cx="0" cy="567843"/>
-            </a:xfrm>
-            <a:prstGeom prst="line">
-              <a:avLst/>
-            </a:prstGeom>
-            <a:ln w="12700">
-              <a:solidFill>
-                <a:schemeClr val="bg1"/>
-              </a:solidFill>
-            </a:ln>
-            <a:effectLst/>
-          </p:spPr>
-          <p:style>
-            <a:lnRef idx="2">
-              <a:schemeClr val="accent1"/>
-            </a:lnRef>
-            <a:fillRef idx="0">
-              <a:schemeClr val="accent1"/>
-            </a:fillRef>
-            <a:effectRef idx="1">
-              <a:schemeClr val="accent1"/>
-            </a:effectRef>
-            <a:fontRef idx="minor">
-              <a:schemeClr val="tx1"/>
-            </a:fontRef>
-          </p:style>
-        </p:cxnSp>
-        <p:cxnSp>
-          <p:nvCxnSpPr>
-            <p:cNvPr id="112" name="Connettore 1 111"/>
-            <p:cNvCxnSpPr/>
-            <p:nvPr userDrawn="1"/>
-          </p:nvCxnSpPr>
-          <p:spPr>
-            <a:xfrm>
-              <a:off x="16105040" y="275867"/>
-              <a:ext cx="0" cy="567843"/>
-            </a:xfrm>
-            <a:prstGeom prst="line">
-              <a:avLst/>
-            </a:prstGeom>
-            <a:ln w="12700">
-              <a:solidFill>
-                <a:schemeClr val="bg1"/>
-              </a:solidFill>
-            </a:ln>
-            <a:effectLst/>
-          </p:spPr>
-          <p:style>
-            <a:lnRef idx="2">
-              <a:schemeClr val="accent1"/>
-            </a:lnRef>
-            <a:fillRef idx="0">
-              <a:schemeClr val="accent1"/>
-            </a:fillRef>
-            <a:effectRef idx="1">
-              <a:schemeClr val="accent1"/>
-            </a:effectRef>
-            <a:fontRef idx="minor">
-              <a:schemeClr val="tx1"/>
-            </a:fontRef>
-          </p:style>
-        </p:cxnSp>
-        <p:cxnSp>
-          <p:nvCxnSpPr>
-            <p:cNvPr id="113" name="Connettore 1 112"/>
-            <p:cNvCxnSpPr/>
-            <p:nvPr userDrawn="1"/>
-          </p:nvCxnSpPr>
-          <p:spPr>
-            <a:xfrm>
-              <a:off x="16253907" y="275867"/>
-              <a:ext cx="0" cy="567843"/>
-            </a:xfrm>
-            <a:prstGeom prst="line">
-              <a:avLst/>
-            </a:prstGeom>
-            <a:ln w="12700">
-              <a:solidFill>
-                <a:schemeClr val="bg1"/>
-              </a:solidFill>
-            </a:ln>
-            <a:effectLst/>
-          </p:spPr>
-          <p:style>
-            <a:lnRef idx="2">
-              <a:schemeClr val="accent1"/>
-            </a:lnRef>
-            <a:fillRef idx="0">
-              <a:schemeClr val="accent1"/>
-            </a:fillRef>
-            <a:effectRef idx="1">
-              <a:schemeClr val="accent1"/>
-            </a:effectRef>
-            <a:fontRef idx="minor">
-              <a:schemeClr val="tx1"/>
-            </a:fontRef>
-          </p:style>
-        </p:cxnSp>
-        <p:cxnSp>
-          <p:nvCxnSpPr>
-            <p:cNvPr id="114" name="Connettore 1 113"/>
-            <p:cNvCxnSpPr/>
-            <p:nvPr userDrawn="1"/>
-          </p:nvCxnSpPr>
-          <p:spPr>
-            <a:xfrm>
-              <a:off x="16402774" y="275867"/>
-              <a:ext cx="0" cy="567843"/>
-            </a:xfrm>
-            <a:prstGeom prst="line">
-              <a:avLst/>
-            </a:prstGeom>
-            <a:ln w="12700">
-              <a:solidFill>
-                <a:schemeClr val="bg1"/>
-              </a:solidFill>
-            </a:ln>
-            <a:effectLst/>
-          </p:spPr>
-          <p:style>
-            <a:lnRef idx="2">
-              <a:schemeClr val="accent1"/>
-            </a:lnRef>
-            <a:fillRef idx="0">
-              <a:schemeClr val="accent1"/>
-            </a:fillRef>
-            <a:effectRef idx="1">
-              <a:schemeClr val="accent1"/>
-            </a:effectRef>
-            <a:fontRef idx="minor">
-              <a:schemeClr val="tx1"/>
-            </a:fontRef>
-          </p:style>
-        </p:cxnSp>
-        <p:cxnSp>
-          <p:nvCxnSpPr>
-            <p:cNvPr id="115" name="Connettore 1 114"/>
-            <p:cNvCxnSpPr/>
-            <p:nvPr userDrawn="1"/>
-          </p:nvCxnSpPr>
-          <p:spPr>
-            <a:xfrm>
-              <a:off x="16551641" y="275867"/>
-              <a:ext cx="0" cy="567843"/>
-            </a:xfrm>
-            <a:prstGeom prst="line">
-              <a:avLst/>
-            </a:prstGeom>
-            <a:ln w="12700">
-              <a:solidFill>
-                <a:schemeClr val="bg1"/>
-              </a:solidFill>
-            </a:ln>
-            <a:effectLst/>
-          </p:spPr>
-          <p:style>
-            <a:lnRef idx="2">
-              <a:schemeClr val="accent1"/>
-            </a:lnRef>
-            <a:fillRef idx="0">
-              <a:schemeClr val="accent1"/>
-            </a:fillRef>
-            <a:effectRef idx="1">
-              <a:schemeClr val="accent1"/>
-            </a:effectRef>
-            <a:fontRef idx="minor">
-              <a:schemeClr val="tx1"/>
-            </a:fontRef>
-          </p:style>
-        </p:cxnSp>
-        <p:cxnSp>
-          <p:nvCxnSpPr>
-            <p:cNvPr id="116" name="Connettore 1 115"/>
-            <p:cNvCxnSpPr/>
-            <p:nvPr userDrawn="1"/>
-          </p:nvCxnSpPr>
-          <p:spPr>
-            <a:xfrm>
-              <a:off x="16700508" y="275867"/>
-              <a:ext cx="0" cy="567843"/>
-            </a:xfrm>
-            <a:prstGeom prst="line">
-              <a:avLst/>
-            </a:prstGeom>
-            <a:ln w="12700">
-              <a:solidFill>
-                <a:schemeClr val="bg1"/>
-              </a:solidFill>
-            </a:ln>
-            <a:effectLst/>
-          </p:spPr>
-          <p:style>
-            <a:lnRef idx="2">
-              <a:schemeClr val="accent1"/>
-            </a:lnRef>
-            <a:fillRef idx="0">
-              <a:schemeClr val="accent1"/>
-            </a:fillRef>
-            <a:effectRef idx="1">
-              <a:schemeClr val="accent1"/>
-            </a:effectRef>
-            <a:fontRef idx="minor">
-              <a:schemeClr val="tx1"/>
-            </a:fontRef>
-          </p:style>
-        </p:cxnSp>
-        <p:cxnSp>
-          <p:nvCxnSpPr>
-            <p:cNvPr id="117" name="Connettore 1 116"/>
-            <p:cNvCxnSpPr/>
-            <p:nvPr userDrawn="1"/>
-          </p:nvCxnSpPr>
-          <p:spPr>
-            <a:xfrm>
-              <a:off x="16849375" y="275867"/>
-              <a:ext cx="0" cy="567843"/>
-            </a:xfrm>
-            <a:prstGeom prst="line">
-              <a:avLst/>
-            </a:prstGeom>
-            <a:ln w="12700">
-              <a:solidFill>
-                <a:schemeClr val="bg1"/>
-              </a:solidFill>
-            </a:ln>
-            <a:effectLst/>
-          </p:spPr>
-          <p:style>
-            <a:lnRef idx="2">
-              <a:schemeClr val="accent1"/>
-            </a:lnRef>
-            <a:fillRef idx="0">
-              <a:schemeClr val="accent1"/>
-            </a:fillRef>
-            <a:effectRef idx="1">
-              <a:schemeClr val="accent1"/>
-            </a:effectRef>
-            <a:fontRef idx="minor">
-              <a:schemeClr val="tx1"/>
-            </a:fontRef>
-          </p:style>
-        </p:cxnSp>
-        <p:cxnSp>
-          <p:nvCxnSpPr>
-            <p:cNvPr id="118" name="Connettore 1 117"/>
-            <p:cNvCxnSpPr/>
-            <p:nvPr userDrawn="1"/>
-          </p:nvCxnSpPr>
-          <p:spPr>
-            <a:xfrm>
-              <a:off x="16998242" y="275867"/>
-              <a:ext cx="0" cy="567843"/>
-            </a:xfrm>
-            <a:prstGeom prst="line">
-              <a:avLst/>
-            </a:prstGeom>
-            <a:ln w="12700">
-              <a:solidFill>
-                <a:schemeClr val="bg1"/>
-              </a:solidFill>
-            </a:ln>
-            <a:effectLst/>
-          </p:spPr>
-          <p:style>
-            <a:lnRef idx="2">
-              <a:schemeClr val="accent1"/>
-            </a:lnRef>
-            <a:fillRef idx="0">
-              <a:schemeClr val="accent1"/>
-            </a:fillRef>
-            <a:effectRef idx="1">
-              <a:schemeClr val="accent1"/>
-            </a:effectRef>
-            <a:fontRef idx="minor">
-              <a:schemeClr val="tx1"/>
-            </a:fontRef>
-          </p:style>
-        </p:cxnSp>
-        <p:cxnSp>
-          <p:nvCxnSpPr>
-            <p:cNvPr id="119" name="Connettore 1 118"/>
-            <p:cNvCxnSpPr/>
-            <p:nvPr userDrawn="1"/>
-          </p:nvCxnSpPr>
-          <p:spPr>
-            <a:xfrm>
-              <a:off x="17147109" y="275867"/>
-              <a:ext cx="0" cy="567843"/>
-            </a:xfrm>
-            <a:prstGeom prst="line">
-              <a:avLst/>
-            </a:prstGeom>
-            <a:ln w="12700">
-              <a:solidFill>
-                <a:schemeClr val="bg1"/>
-              </a:solidFill>
-            </a:ln>
-            <a:effectLst/>
-          </p:spPr>
-          <p:style>
-            <a:lnRef idx="2">
-              <a:schemeClr val="accent1"/>
-            </a:lnRef>
-            <a:fillRef idx="0">
-              <a:schemeClr val="accent1"/>
-            </a:fillRef>
-            <a:effectRef idx="1">
-              <a:schemeClr val="accent1"/>
-            </a:effectRef>
-            <a:fontRef idx="minor">
-              <a:schemeClr val="tx1"/>
-            </a:fontRef>
-          </p:style>
-        </p:cxnSp>
-        <p:cxnSp>
-          <p:nvCxnSpPr>
-            <p:cNvPr id="120" name="Connettore 1 119"/>
-            <p:cNvCxnSpPr/>
-            <p:nvPr userDrawn="1"/>
-          </p:nvCxnSpPr>
-          <p:spPr>
-            <a:xfrm>
-              <a:off x="17295976" y="275867"/>
-              <a:ext cx="0" cy="567843"/>
-            </a:xfrm>
-            <a:prstGeom prst="line">
-              <a:avLst/>
-            </a:prstGeom>
-            <a:ln w="12700">
-              <a:solidFill>
-                <a:schemeClr val="bg1"/>
-              </a:solidFill>
-            </a:ln>
-            <a:effectLst/>
-          </p:spPr>
-          <p:style>
-            <a:lnRef idx="2">
-              <a:schemeClr val="accent1"/>
-            </a:lnRef>
-            <a:fillRef idx="0">
-              <a:schemeClr val="accent1"/>
-            </a:fillRef>
-            <a:effectRef idx="1">
-              <a:schemeClr val="accent1"/>
-            </a:effectRef>
-            <a:fontRef idx="minor">
-              <a:schemeClr val="tx1"/>
-            </a:fontRef>
-          </p:style>
-        </p:cxnSp>
-        <p:cxnSp>
-          <p:nvCxnSpPr>
-            <p:cNvPr id="121" name="Connettore 1 120"/>
-            <p:cNvCxnSpPr/>
-            <p:nvPr userDrawn="1"/>
-          </p:nvCxnSpPr>
-          <p:spPr>
-            <a:xfrm>
-              <a:off x="17444843" y="275867"/>
-              <a:ext cx="0" cy="567843"/>
-            </a:xfrm>
-            <a:prstGeom prst="line">
-              <a:avLst/>
-            </a:prstGeom>
-            <a:ln w="12700">
-              <a:solidFill>
-                <a:schemeClr val="bg1"/>
-              </a:solidFill>
-            </a:ln>
-            <a:effectLst/>
-          </p:spPr>
-          <p:style>
-            <a:lnRef idx="2">
-              <a:schemeClr val="accent1"/>
-            </a:lnRef>
-            <a:fillRef idx="0">
-              <a:schemeClr val="accent1"/>
-            </a:fillRef>
-            <a:effectRef idx="1">
-              <a:schemeClr val="accent1"/>
-            </a:effectRef>
-            <a:fontRef idx="minor">
-              <a:schemeClr val="tx1"/>
-            </a:fontRef>
-          </p:style>
-        </p:cxnSp>
-        <p:cxnSp>
-          <p:nvCxnSpPr>
-            <p:cNvPr id="122" name="Connettore 1 121"/>
-            <p:cNvCxnSpPr/>
-            <p:nvPr userDrawn="1"/>
-          </p:nvCxnSpPr>
-          <p:spPr>
-            <a:xfrm>
-              <a:off x="17593710" y="275867"/>
-              <a:ext cx="0" cy="567843"/>
-            </a:xfrm>
-            <a:prstGeom prst="line">
-              <a:avLst/>
-            </a:prstGeom>
-            <a:ln w="12700">
-              <a:solidFill>
-                <a:schemeClr val="bg1"/>
-              </a:solidFill>
-            </a:ln>
-            <a:effectLst/>
-          </p:spPr>
-          <p:style>
-            <a:lnRef idx="2">
-              <a:schemeClr val="accent1"/>
-            </a:lnRef>
-            <a:fillRef idx="0">
-              <a:schemeClr val="accent1"/>
-            </a:fillRef>
-            <a:effectRef idx="1">
-              <a:schemeClr val="accent1"/>
-            </a:effectRef>
-            <a:fontRef idx="minor">
-              <a:schemeClr val="tx1"/>
-            </a:fontRef>
-          </p:style>
-        </p:cxnSp>
-        <p:cxnSp>
-          <p:nvCxnSpPr>
-            <p:cNvPr id="123" name="Connettore 1 122"/>
-            <p:cNvCxnSpPr/>
-            <p:nvPr userDrawn="1"/>
-          </p:nvCxnSpPr>
-          <p:spPr>
-            <a:xfrm>
-              <a:off x="17742577" y="275867"/>
-              <a:ext cx="0" cy="567843"/>
-            </a:xfrm>
-            <a:prstGeom prst="line">
-              <a:avLst/>
-            </a:prstGeom>
-            <a:ln w="12700">
-              <a:solidFill>
-                <a:schemeClr val="bg1"/>
-              </a:solidFill>
-            </a:ln>
-            <a:effectLst/>
-          </p:spPr>
-          <p:style>
-            <a:lnRef idx="2">
-              <a:schemeClr val="accent1"/>
-            </a:lnRef>
-            <a:fillRef idx="0">
-              <a:schemeClr val="accent1"/>
-            </a:fillRef>
-            <a:effectRef idx="1">
-              <a:schemeClr val="accent1"/>
-            </a:effectRef>
-            <a:fontRef idx="minor">
-              <a:schemeClr val="tx1"/>
-            </a:fontRef>
-          </p:style>
-        </p:cxnSp>
-        <p:cxnSp>
-          <p:nvCxnSpPr>
-            <p:cNvPr id="124" name="Connettore 1 123"/>
-            <p:cNvCxnSpPr/>
-            <p:nvPr userDrawn="1"/>
-          </p:nvCxnSpPr>
-          <p:spPr>
-            <a:xfrm>
-              <a:off x="17891444" y="275867"/>
-              <a:ext cx="0" cy="567843"/>
-            </a:xfrm>
-            <a:prstGeom prst="line">
-              <a:avLst/>
-            </a:prstGeom>
-            <a:ln w="12700">
-              <a:solidFill>
-                <a:schemeClr val="bg1"/>
-              </a:solidFill>
-            </a:ln>
-            <a:effectLst/>
-          </p:spPr>
-          <p:style>
-            <a:lnRef idx="2">
-              <a:schemeClr val="accent1"/>
-            </a:lnRef>
-            <a:fillRef idx="0">
-              <a:schemeClr val="accent1"/>
-            </a:fillRef>
-            <a:effectRef idx="1">
-              <a:schemeClr val="accent1"/>
-            </a:effectRef>
-            <a:fontRef idx="minor">
-              <a:schemeClr val="tx1"/>
-            </a:fontRef>
-          </p:style>
-        </p:cxnSp>
-        <p:cxnSp>
-          <p:nvCxnSpPr>
-            <p:cNvPr id="125" name="Connettore 1 124"/>
-            <p:cNvCxnSpPr/>
-            <p:nvPr userDrawn="1"/>
-          </p:nvCxnSpPr>
-          <p:spPr>
-            <a:xfrm>
-              <a:off x="18040311" y="275867"/>
-              <a:ext cx="0" cy="567843"/>
-            </a:xfrm>
-            <a:prstGeom prst="line">
-              <a:avLst/>
-            </a:prstGeom>
-            <a:ln w="12700">
-              <a:solidFill>
-                <a:schemeClr val="bg1"/>
-              </a:solidFill>
-            </a:ln>
-            <a:effectLst/>
-          </p:spPr>
-          <p:style>
-            <a:lnRef idx="2">
-              <a:schemeClr val="accent1"/>
-            </a:lnRef>
-            <a:fillRef idx="0">
-              <a:schemeClr val="accent1"/>
-            </a:fillRef>
-            <a:effectRef idx="1">
-              <a:schemeClr val="accent1"/>
-            </a:effectRef>
-            <a:fontRef idx="minor">
-              <a:schemeClr val="tx1"/>
-            </a:fontRef>
-          </p:style>
-        </p:cxnSp>
-        <p:cxnSp>
-          <p:nvCxnSpPr>
-            <p:cNvPr id="126" name="Connettore 1 125"/>
-            <p:cNvCxnSpPr/>
-            <p:nvPr userDrawn="1"/>
-          </p:nvCxnSpPr>
-          <p:spPr>
-            <a:xfrm>
-              <a:off x="18189178" y="275867"/>
-              <a:ext cx="0" cy="567843"/>
-            </a:xfrm>
-            <a:prstGeom prst="line">
-              <a:avLst/>
-            </a:prstGeom>
-            <a:ln w="12700">
-              <a:solidFill>
-                <a:schemeClr val="bg1"/>
-              </a:solidFill>
-            </a:ln>
-            <a:effectLst/>
-          </p:spPr>
-          <p:style>
-            <a:lnRef idx="2">
-              <a:schemeClr val="accent1"/>
-            </a:lnRef>
-            <a:fillRef idx="0">
-              <a:schemeClr val="accent1"/>
-            </a:fillRef>
-            <a:effectRef idx="1">
-              <a:schemeClr val="accent1"/>
-            </a:effectRef>
-            <a:fontRef idx="minor">
-              <a:schemeClr val="tx1"/>
-            </a:fontRef>
-          </p:style>
-        </p:cxnSp>
-        <p:cxnSp>
-          <p:nvCxnSpPr>
-            <p:cNvPr id="127" name="Connettore 1 126"/>
-            <p:cNvCxnSpPr/>
-            <p:nvPr userDrawn="1"/>
-          </p:nvCxnSpPr>
-          <p:spPr>
-            <a:xfrm>
-              <a:off x="18338045" y="275867"/>
-              <a:ext cx="0" cy="567843"/>
-            </a:xfrm>
-            <a:prstGeom prst="line">
-              <a:avLst/>
-            </a:prstGeom>
-            <a:ln w="12700">
-              <a:solidFill>
-                <a:schemeClr val="bg1"/>
-              </a:solidFill>
-            </a:ln>
-            <a:effectLst/>
-          </p:spPr>
-          <p:style>
-            <a:lnRef idx="2">
-              <a:schemeClr val="accent1"/>
-            </a:lnRef>
-            <a:fillRef idx="0">
-              <a:schemeClr val="accent1"/>
-            </a:fillRef>
-            <a:effectRef idx="1">
-              <a:schemeClr val="accent1"/>
-            </a:effectRef>
-            <a:fontRef idx="minor">
-              <a:schemeClr val="tx1"/>
-            </a:fontRef>
-          </p:style>
-        </p:cxnSp>
-        <p:cxnSp>
-          <p:nvCxnSpPr>
-            <p:cNvPr id="128" name="Connettore 1 127"/>
-            <p:cNvCxnSpPr/>
-            <p:nvPr userDrawn="1"/>
-          </p:nvCxnSpPr>
-          <p:spPr>
-            <a:xfrm>
-              <a:off x="18486912" y="275867"/>
-              <a:ext cx="0" cy="567843"/>
-            </a:xfrm>
-            <a:prstGeom prst="line">
-              <a:avLst/>
-            </a:prstGeom>
-            <a:ln w="12700">
-              <a:solidFill>
-                <a:schemeClr val="bg1"/>
-              </a:solidFill>
-            </a:ln>
-            <a:effectLst/>
-          </p:spPr>
-          <p:style>
-            <a:lnRef idx="2">
-              <a:schemeClr val="accent1"/>
-            </a:lnRef>
-            <a:fillRef idx="0">
-              <a:schemeClr val="accent1"/>
-            </a:fillRef>
-            <a:effectRef idx="1">
-              <a:schemeClr val="accent1"/>
-            </a:effectRef>
-            <a:fontRef idx="minor">
-              <a:schemeClr val="tx1"/>
-            </a:fontRef>
-          </p:style>
-        </p:cxnSp>
-        <p:cxnSp>
-          <p:nvCxnSpPr>
-            <p:cNvPr id="129" name="Connettore 1 128"/>
-            <p:cNvCxnSpPr/>
-            <p:nvPr userDrawn="1"/>
-          </p:nvCxnSpPr>
-          <p:spPr>
-            <a:xfrm>
-              <a:off x="18635779" y="275867"/>
-              <a:ext cx="0" cy="567843"/>
-            </a:xfrm>
-            <a:prstGeom prst="line">
-              <a:avLst/>
-            </a:prstGeom>
-            <a:ln w="12700">
-              <a:solidFill>
-                <a:schemeClr val="bg1"/>
-              </a:solidFill>
-            </a:ln>
-            <a:effectLst/>
-          </p:spPr>
-          <p:style>
-            <a:lnRef idx="2">
-              <a:schemeClr val="accent1"/>
-            </a:lnRef>
-            <a:fillRef idx="0">
-              <a:schemeClr val="accent1"/>
-            </a:fillRef>
-            <a:effectRef idx="1">
-              <a:schemeClr val="accent1"/>
-            </a:effectRef>
-            <a:fontRef idx="minor">
-              <a:schemeClr val="tx1"/>
-            </a:fontRef>
-          </p:style>
-        </p:cxnSp>
-        <p:cxnSp>
-          <p:nvCxnSpPr>
-            <p:cNvPr id="130" name="Connettore 1 129"/>
-            <p:cNvCxnSpPr/>
-            <p:nvPr userDrawn="1"/>
-          </p:nvCxnSpPr>
-          <p:spPr>
-            <a:xfrm>
-              <a:off x="18784646" y="275867"/>
-              <a:ext cx="0" cy="567843"/>
-            </a:xfrm>
-            <a:prstGeom prst="line">
-              <a:avLst/>
-            </a:prstGeom>
-            <a:ln w="12700">
-              <a:solidFill>
-                <a:schemeClr val="bg1"/>
-              </a:solidFill>
-            </a:ln>
-            <a:effectLst/>
-          </p:spPr>
-          <p:style>
-            <a:lnRef idx="2">
-              <a:schemeClr val="accent1"/>
-            </a:lnRef>
-            <a:fillRef idx="0">
-              <a:schemeClr val="accent1"/>
-            </a:fillRef>
-            <a:effectRef idx="1">
-              <a:schemeClr val="accent1"/>
-            </a:effectRef>
-            <a:fontRef idx="minor">
-              <a:schemeClr val="tx1"/>
-            </a:fontRef>
-          </p:style>
-        </p:cxnSp>
-        <p:cxnSp>
-          <p:nvCxnSpPr>
-            <p:cNvPr id="131" name="Connettore 1 130"/>
-            <p:cNvCxnSpPr/>
-            <p:nvPr userDrawn="1"/>
-          </p:nvCxnSpPr>
-          <p:spPr>
-            <a:xfrm>
-              <a:off x="18933462" y="275867"/>
-              <a:ext cx="0" cy="567843"/>
-            </a:xfrm>
-            <a:prstGeom prst="line">
-              <a:avLst/>
-            </a:prstGeom>
-            <a:ln w="12700">
-              <a:solidFill>
-                <a:schemeClr val="bg1"/>
-              </a:solidFill>
-            </a:ln>
-            <a:effectLst/>
-          </p:spPr>
-          <p:style>
-            <a:lnRef idx="2">
-              <a:schemeClr val="accent1"/>
-            </a:lnRef>
-            <a:fillRef idx="0">
-              <a:schemeClr val="accent1"/>
-            </a:fillRef>
-            <a:effectRef idx="1">
-              <a:schemeClr val="accent1"/>
-            </a:effectRef>
-            <a:fontRef idx="minor">
-              <a:schemeClr val="tx1"/>
-            </a:fontRef>
-          </p:style>
-        </p:cxnSp>
-      </p:grpSp>
+          <a:prstGeom prst="rect">
+            <a:avLst/>
+          </a:prstGeom>
+          <a:noFill/>
+          <a:effectLst/>
+        </p:spPr>
+        <p:style>
+          <a:lnRef idx="1">
+            <a:schemeClr val="accent1"/>
+          </a:lnRef>
+          <a:fillRef idx="3">
+            <a:schemeClr val="accent1"/>
+          </a:fillRef>
+          <a:effectRef idx="2">
+            <a:schemeClr val="accent1"/>
+          </a:effectRef>
+          <a:fontRef idx="minor">
+            <a:schemeClr val="lt1"/>
+          </a:fontRef>
+        </p:style>
+        <p:txBody>
+          <a:bodyPr rtlCol="0" anchor="ctr"/>
+          <a:lstStyle/>
+          <a:p>
+            <a:pPr algn="ctr"/>
+            <a:endParaRPr lang="it-IT"/>
+          </a:p>
+        </p:txBody>
+      </p:sp>
+      <p:sp>
+        <p:nvSpPr>
+          <p:cNvPr id="11" name="Sottotitolo 10"/>
+          <p:cNvSpPr>
+            <a:spLocks noGrp="1"/>
+          </p:cNvSpPr>
+          <p:nvPr>
+            <p:ph type="subTitle" idx="4294967295"/>
+          </p:nvPr>
+        </p:nvSpPr>
+        <p:spPr>
+          <a:xfrm>
+            <a:off x="680142" y="5424663"/>
+            <a:ext cx="7772400" cy="1333500"/>
+          </a:xfrm>
+        </p:spPr>
+        <p:txBody>
+          <a:bodyPr>
+            <a:normAutofit/>
+          </a:bodyPr>
+          <a:lstStyle/>
+          <a:p>
+            <a:pPr algn="ctr"/>
+            <a:r>
+              <a:rPr lang="it-IT" sz="2000" dirty="0">
+                <a:solidFill>
+                  <a:schemeClr val="bg1"/>
+                </a:solidFill>
+              </a:rPr>
+              <a:t>Milano, 3 Ottobre 2019</a:t>
+            </a:r>
+          </a:p>
+          <a:p>
+            <a:endParaRPr lang="it-IT" dirty="0"/>
+          </a:p>
+        </p:txBody>
+      </p:sp>
+      <p:pic>
+        <p:nvPicPr>
+          <p:cNvPr id="1028" name="Picture 4" descr="Y:\IMMAGINE _COORDINATA_2014\LOGO_UFFICIALE\01_Polimi_centrato\eps\01_Polimi_centrato_COL_negativo.png"/>
+          <p:cNvPicPr>
+            <a:picLocks noChangeAspect="1" noChangeArrowheads="1"/>
+          </p:cNvPicPr>
+          <p:nvPr/>
+        </p:nvPicPr>
+        <p:blipFill>
+          <a:blip r:embed="rId3">
+            <a:extLst>
+              <a:ext uri="{28A0092B-C50C-407E-A947-70E740481C1C}">
+                <a14:useLocalDpi xmlns:a14="http://schemas.microsoft.com/office/drawing/2010/main" val="0"/>
+              </a:ext>
+            </a:extLst>
+          </a:blip>
+          <a:srcRect/>
+          <a:stretch>
+            <a:fillRect/>
+          </a:stretch>
+        </p:blipFill>
+        <p:spPr bwMode="auto">
+          <a:xfrm>
+            <a:off x="3108273" y="299080"/>
+            <a:ext cx="2927453" cy="2158431"/>
+          </a:xfrm>
+          <a:prstGeom prst="rect">
+            <a:avLst/>
+          </a:prstGeom>
+          <a:noFill/>
+          <a:extLst>
+            <a:ext uri="{909E8E84-426E-40DD-AFC4-6F175D3DCCD1}">
+              <a14:hiddenFill xmlns:a14="http://schemas.microsoft.com/office/drawing/2010/main">
+                <a:solidFill>
+                  <a:srgbClr val="FFFFFF"/>
+                </a:solidFill>
+              </a14:hiddenFill>
+            </a:ext>
+          </a:extLst>
+        </p:spPr>
+      </p:pic>
       <p:sp>
         <p:nvSpPr>
           <p:cNvPr id="133" name="Sottotitolo 2"/>
@@ -18774,8 +14761,8 @@
         </p:nvSpPr>
         <p:spPr>
           <a:xfrm>
-            <a:off x="5068441" y="5563107"/>
-            <a:ext cx="3940301" cy="825500"/>
+            <a:off x="4726808" y="6091413"/>
+            <a:ext cx="4417192" cy="825500"/>
           </a:xfrm>
           <a:prstGeom prst="rect">
             <a:avLst/>
@@ -18950,7 +14937,15 @@
                   <a:schemeClr val="bg1"/>
                 </a:solidFill>
               </a:rPr>
-              <a:t>Relatore: Prof. Maurizio Quadrio</a:t>
+              <a:t>Relatore</a:t>
+            </a:r>
+            <a:r>
+              <a:rPr lang="it-IT" sz="2000" b="1" dirty="0">
+                <a:solidFill>
+                  <a:schemeClr val="bg1"/>
+                </a:solidFill>
+              </a:rPr>
+              <a:t>: Prof. Maurizio Quadrio</a:t>
             </a:r>
           </a:p>
         </p:txBody>
@@ -18965,12 +14960,13 @@
         </p:nvSpPr>
         <p:spPr>
           <a:xfrm>
-            <a:off x="503638" y="3351285"/>
+            <a:off x="503636" y="3400150"/>
             <a:ext cx="8125411" cy="1297422"/>
           </a:xfrm>
           <a:prstGeom prst="rect">
             <a:avLst/>
           </a:prstGeom>
+          <a:noFill/>
         </p:spPr>
         <p:txBody>
           <a:bodyPr>
@@ -18993,7 +14989,7 @@
             </a:lvl1pPr>
           </a:lstStyle>
           <a:p>
-            <a:pPr>
+            <a:pPr algn="just">
               <a:spcAft>
                 <a:spcPts val="600"/>
               </a:spcAft>
@@ -19022,8 +15018,8 @@
         </p:nvSpPr>
         <p:spPr>
           <a:xfrm>
-            <a:off x="287811" y="5547957"/>
-            <a:ext cx="2861681" cy="677108"/>
+            <a:off x="503637" y="6091413"/>
+            <a:ext cx="2932213" cy="677108"/>
           </a:xfrm>
           <a:prstGeom prst="rect">
             <a:avLst/>
@@ -19037,7 +15033,7 @@
           <a:lstStyle/>
           <a:p>
             <a:r>
-              <a:rPr lang="it-IT" sz="2000" dirty="0">
+              <a:rPr lang="it-IT" sz="2000" b="1" dirty="0">
                 <a:solidFill>
                   <a:schemeClr val="bg1"/>
                 </a:solidFill>
@@ -20213,8 +16209,8 @@
         </p:nvSpPr>
         <p:spPr>
           <a:xfrm>
-            <a:off x="3846904" y="2270237"/>
-            <a:ext cx="1303165" cy="1300936"/>
+            <a:off x="3846905" y="2270237"/>
+            <a:ext cx="1087386" cy="1300936"/>
           </a:xfrm>
           <a:prstGeom prst="rect">
             <a:avLst/>
@@ -20457,8 +16453,8 @@
         </p:nvSpPr>
         <p:spPr>
           <a:xfrm rot="16200000">
-            <a:off x="4425458" y="3293605"/>
-            <a:ext cx="145937" cy="1303283"/>
+            <a:off x="4315047" y="3398970"/>
+            <a:ext cx="150984" cy="1087506"/>
           </a:xfrm>
           <a:prstGeom prst="leftBrace">
             <a:avLst/>
@@ -21999,8 +17995,8 @@
         </p:blipFill>
         <p:spPr>
           <a:xfrm>
-            <a:off x="4425087" y="1305455"/>
-            <a:ext cx="4718913" cy="3539184"/>
+            <a:off x="3431494" y="1275597"/>
+            <a:ext cx="5712506" cy="4284378"/>
           </a:xfrm>
           <a:prstGeom prst="rect">
             <a:avLst/>
@@ -22059,96 +18055,55 @@
           </a:p>
         </p:txBody>
       </p:sp>
-      <mc:AlternateContent xmlns:mc="http://schemas.openxmlformats.org/markup-compatibility/2006">
-        <mc:Choice xmlns:a14="http://schemas.microsoft.com/office/drawing/2010/main" Requires="a14">
-          <p:sp>
-            <p:nvSpPr>
-              <p:cNvPr id="10" name="Titolo 1">
-                <a:extLst>
-                  <a:ext uri="{FF2B5EF4-FFF2-40B4-BE49-F238E27FC236}">
-                    <a16:creationId xmlns:a16="http://schemas.microsoft.com/office/drawing/2014/main" id="{02406097-9AE7-0740-A479-2E15153677BE}"/>
-                  </a:ext>
-                </a:extLst>
-              </p:cNvPr>
-              <p:cNvSpPr>
-                <a:spLocks noGrp="1"/>
-              </p:cNvSpPr>
-              <p:nvPr>
-                <p:ph type="title"/>
-              </p:nvPr>
-            </p:nvSpPr>
-            <p:spPr/>
-            <p:txBody>
-              <a:bodyPr/>
-              <a:lstStyle/>
-              <a:p>
-                <a:r>
-                  <a:rPr lang="it-IT" dirty="0"/>
-                  <a:t>Interest in </a:t>
-                </a:r>
-                <a:r>
-                  <a:rPr lang="it-IT" dirty="0" err="1"/>
-                  <a:t>Increasing</a:t>
-                </a:r>
-                <a:r>
-                  <a:rPr lang="it-IT" dirty="0"/>
-                  <a:t> </a:t>
-                </a:r>
-                <a14:m>
-                  <m:oMath xmlns:m="http://schemas.openxmlformats.org/officeDocument/2006/math">
-                    <m:r>
-                      <a:rPr lang="it-IT" b="1" i="0" smtClean="0">
-                        <a:latin typeface="Cambria Math" panose="02040503050406030204" pitchFamily="18" charset="0"/>
-                      </a:rPr>
-                      <m:t>𝐑𝐞</m:t>
-                    </m:r>
-                  </m:oMath>
-                </a14:m>
-                <a:endParaRPr lang="it-IT" dirty="0"/>
-              </a:p>
-            </p:txBody>
-          </p:sp>
-        </mc:Choice>
-        <mc:Fallback>
-          <p:sp>
-            <p:nvSpPr>
-              <p:cNvPr id="10" name="Titolo 1">
-                <a:extLst>
-                  <a:ext uri="{FF2B5EF4-FFF2-40B4-BE49-F238E27FC236}">
-                    <a16:creationId xmlns:a16="http://schemas.microsoft.com/office/drawing/2014/main" id="{02406097-9AE7-0740-A479-2E15153677BE}"/>
-                  </a:ext>
-                </a:extLst>
-              </p:cNvPr>
-              <p:cNvSpPr>
-                <a:spLocks noGrp="1" noRot="1" noChangeAspect="1" noMove="1" noResize="1" noEditPoints="1" noAdjustHandles="1" noChangeArrowheads="1" noChangeShapeType="1" noTextEdit="1"/>
-              </p:cNvSpPr>
-              <p:nvPr>
-                <p:ph type="title"/>
-              </p:nvPr>
-            </p:nvSpPr>
-            <p:spPr>
-              <a:blipFill>
-                <a:blip r:embed="rId4"/>
-                <a:stretch>
-                  <a:fillRect l="-888" t="-4478"/>
-                </a:stretch>
-              </a:blipFill>
-            </p:spPr>
-            <p:txBody>
-              <a:bodyPr/>
-              <a:lstStyle/>
-              <a:p>
-                <a:r>
-                  <a:rPr lang="it-IT">
-                    <a:noFill/>
-                  </a:rPr>
-                  <a:t> </a:t>
-                </a:r>
-              </a:p>
-            </p:txBody>
-          </p:sp>
-        </mc:Fallback>
-      </mc:AlternateContent>
+      <p:sp>
+        <p:nvSpPr>
+          <p:cNvPr id="10" name="Titolo 1">
+            <a:extLst>
+              <a:ext uri="{FF2B5EF4-FFF2-40B4-BE49-F238E27FC236}">
+                <a16:creationId xmlns:a16="http://schemas.microsoft.com/office/drawing/2014/main" id="{02406097-9AE7-0740-A479-2E15153677BE}"/>
+              </a:ext>
+            </a:extLst>
+          </p:cNvPr>
+          <p:cNvSpPr>
+            <a:spLocks noGrp="1"/>
+          </p:cNvSpPr>
+          <p:nvPr>
+            <p:ph type="title"/>
+          </p:nvPr>
+        </p:nvSpPr>
+        <p:spPr/>
+        <p:txBody>
+          <a:bodyPr/>
+          <a:lstStyle/>
+          <a:p>
+            <a:r>
+              <a:rPr lang="it-IT" dirty="0"/>
+              <a:t>A </a:t>
+            </a:r>
+            <a:r>
+              <a:rPr lang="it-IT" dirty="0" err="1"/>
+              <a:t>Better</a:t>
+            </a:r>
+            <a:r>
+              <a:rPr lang="it-IT" dirty="0"/>
+              <a:t> Look </a:t>
+            </a:r>
+            <a:r>
+              <a:rPr lang="it-IT" dirty="0" err="1"/>
+              <a:t>at</a:t>
+            </a:r>
+            <a:r>
+              <a:rPr lang="it-IT" dirty="0"/>
+              <a:t> the Log </a:t>
+            </a:r>
+            <a:r>
+              <a:rPr lang="it-IT" dirty="0" err="1"/>
+              <a:t>Region</a:t>
+            </a:r>
+            <a:endParaRPr lang="it-IT" dirty="0"/>
+          </a:p>
+        </p:txBody>
+      </p:sp>
       <mc:AlternateContent xmlns:mc="http://schemas.openxmlformats.org/markup-compatibility/2006">
         <mc:Choice xmlns:a14="http://schemas.microsoft.com/office/drawing/2010/main" Requires="a14">
           <p:sp>
@@ -22165,7 +18120,7 @@
             </p:nvSpPr>
             <p:spPr>
               <a:xfrm>
-                <a:off x="1182245" y="4844639"/>
+                <a:off x="548465" y="3490520"/>
                 <a:ext cx="2338552" cy="726417"/>
               </a:xfrm>
               <a:prstGeom prst="rect">
@@ -22435,755 +18390,16 @@
             </p:nvSpPr>
             <p:spPr>
               <a:xfrm>
-                <a:off x="1182245" y="4844639"/>
+                <a:off x="548465" y="3490520"/>
                 <a:ext cx="2338552" cy="726417"/>
               </a:xfrm>
               <a:prstGeom prst="rect">
                 <a:avLst/>
               </a:prstGeom>
               <a:blipFill>
-                <a:blip r:embed="rId5"/>
+                <a:blip r:embed="rId4"/>
                 <a:stretch>
-                  <a:fillRect b="-11864"/>
-                </a:stretch>
-              </a:blipFill>
-            </p:spPr>
-            <p:txBody>
-              <a:bodyPr/>
-              <a:lstStyle/>
-              <a:p>
-                <a:r>
-                  <a:rPr lang="it-IT">
-                    <a:noFill/>
-                  </a:rPr>
-                  <a:t> </a:t>
-                </a:r>
-              </a:p>
-            </p:txBody>
-          </p:sp>
-        </mc:Fallback>
-      </mc:AlternateContent>
-      <mc:AlternateContent xmlns:mc="http://schemas.openxmlformats.org/markup-compatibility/2006">
-        <mc:Choice xmlns:a14="http://schemas.microsoft.com/office/drawing/2010/main" Requires="a14">
-          <p:sp>
-            <p:nvSpPr>
-              <p:cNvPr id="16" name="CasellaDiTesto 15">
-                <a:extLst>
-                  <a:ext uri="{FF2B5EF4-FFF2-40B4-BE49-F238E27FC236}">
-                    <a16:creationId xmlns:a16="http://schemas.microsoft.com/office/drawing/2014/main" id="{8F9A5F85-C872-1741-8381-CC6EFC122A3C}"/>
-                  </a:ext>
-                </a:extLst>
-              </p:cNvPr>
-              <p:cNvSpPr txBox="1"/>
-              <p:nvPr/>
-            </p:nvSpPr>
-            <p:spPr>
-              <a:xfrm>
-                <a:off x="288521" y="1550061"/>
-                <a:ext cx="4326510" cy="1754326"/>
-              </a:xfrm>
-              <a:prstGeom prst="rect">
-                <a:avLst/>
-              </a:prstGeom>
-              <a:noFill/>
-            </p:spPr>
-            <p:txBody>
-              <a:bodyPr wrap="square" rtlCol="0">
-                <a:spAutoFit/>
-              </a:bodyPr>
-              <a:lstStyle/>
-              <a:p>
-                <a:pPr algn="just"/>
-                <a:r>
-                  <a:rPr lang="it-IT" b="1" dirty="0" err="1">
-                    <a:solidFill>
-                      <a:schemeClr val="tx2"/>
-                    </a:solidFill>
-                    <a:latin typeface="Arial" panose="020B0604020202020204" pitchFamily="34" charset="0"/>
-                    <a:cs typeface="Arial" panose="020B0604020202020204" pitchFamily="34" charset="0"/>
-                  </a:rPr>
-                  <a:t>If</a:t>
-                </a:r>
-                <a:r>
-                  <a:rPr lang="it-IT" b="1" dirty="0">
-                    <a:solidFill>
-                      <a:schemeClr val="tx2"/>
-                    </a:solidFill>
-                    <a:latin typeface="Arial" panose="020B0604020202020204" pitchFamily="34" charset="0"/>
-                    <a:cs typeface="Arial" panose="020B0604020202020204" pitchFamily="34" charset="0"/>
-                  </a:rPr>
-                  <a:t> </a:t>
-                </a:r>
-                <a14:m>
-                  <m:oMath xmlns:m="http://schemas.openxmlformats.org/officeDocument/2006/math">
-                    <m:r>
-                      <a:rPr lang="it-IT" b="1" i="0" smtClean="0">
-                        <a:solidFill>
-                          <a:schemeClr val="tx2"/>
-                        </a:solidFill>
-                        <a:latin typeface="Cambria Math" panose="02040503050406030204" pitchFamily="18" charset="0"/>
-                        <a:cs typeface="Arial" panose="020B0604020202020204" pitchFamily="34" charset="0"/>
-                      </a:rPr>
-                      <m:t>𝐑𝐞</m:t>
-                    </m:r>
-                  </m:oMath>
-                </a14:m>
-                <a:r>
-                  <a:rPr lang="it-IT" b="1" dirty="0">
-                    <a:solidFill>
-                      <a:schemeClr val="tx2"/>
-                    </a:solidFill>
-                    <a:latin typeface="Arial" panose="020B0604020202020204" pitchFamily="34" charset="0"/>
-                    <a:cs typeface="Arial" panose="020B0604020202020204" pitchFamily="34" charset="0"/>
-                  </a:rPr>
-                  <a:t> </a:t>
-                </a:r>
-                <a:r>
-                  <a:rPr lang="it-IT" b="1" dirty="0" err="1">
-                    <a:solidFill>
-                      <a:schemeClr val="tx2"/>
-                    </a:solidFill>
-                    <a:latin typeface="Arial" panose="020B0604020202020204" pitchFamily="34" charset="0"/>
-                    <a:cs typeface="Arial" panose="020B0604020202020204" pitchFamily="34" charset="0"/>
-                  </a:rPr>
-                  <a:t>is</a:t>
-                </a:r>
-                <a:r>
-                  <a:rPr lang="it-IT" b="1" dirty="0">
-                    <a:solidFill>
-                      <a:schemeClr val="tx2"/>
-                    </a:solidFill>
-                    <a:latin typeface="Arial" panose="020B0604020202020204" pitchFamily="34" charset="0"/>
-                    <a:cs typeface="Arial" panose="020B0604020202020204" pitchFamily="34" charset="0"/>
-                  </a:rPr>
-                  <a:t> </a:t>
-                </a:r>
-                <a:r>
-                  <a:rPr lang="it-IT" b="1" dirty="0" err="1">
-                    <a:solidFill>
-                      <a:schemeClr val="tx2"/>
-                    </a:solidFill>
-                    <a:latin typeface="Arial" panose="020B0604020202020204" pitchFamily="34" charset="0"/>
-                    <a:cs typeface="Arial" panose="020B0604020202020204" pitchFamily="34" charset="0"/>
-                  </a:rPr>
-                  <a:t>very</a:t>
-                </a:r>
-                <a:r>
-                  <a:rPr lang="it-IT" b="1" dirty="0">
-                    <a:solidFill>
-                      <a:schemeClr val="tx2"/>
-                    </a:solidFill>
-                    <a:latin typeface="Arial" panose="020B0604020202020204" pitchFamily="34" charset="0"/>
-                    <a:cs typeface="Arial" panose="020B0604020202020204" pitchFamily="34" charset="0"/>
-                  </a:rPr>
-                  <a:t> large </a:t>
-                </a:r>
-                <a:r>
-                  <a:rPr lang="it-IT" b="1" dirty="0" err="1">
-                    <a:solidFill>
-                      <a:schemeClr val="tx2"/>
-                    </a:solidFill>
-                    <a:latin typeface="Arial" panose="020B0604020202020204" pitchFamily="34" charset="0"/>
-                    <a:cs typeface="Arial" panose="020B0604020202020204" pitchFamily="34" charset="0"/>
-                  </a:rPr>
-                  <a:t>exist</a:t>
-                </a:r>
-                <a:r>
-                  <a:rPr lang="it-IT" b="1" dirty="0">
-                    <a:solidFill>
-                      <a:schemeClr val="tx2"/>
-                    </a:solidFill>
-                    <a:latin typeface="Arial" panose="020B0604020202020204" pitchFamily="34" charset="0"/>
-                    <a:cs typeface="Arial" panose="020B0604020202020204" pitchFamily="34" charset="0"/>
-                  </a:rPr>
-                  <a:t> an intermediate </a:t>
-                </a:r>
-                <a:r>
-                  <a:rPr lang="it-IT" b="1" dirty="0" err="1">
-                    <a:solidFill>
-                      <a:schemeClr val="tx2"/>
-                    </a:solidFill>
-                    <a:latin typeface="Arial" panose="020B0604020202020204" pitchFamily="34" charset="0"/>
-                    <a:cs typeface="Arial" panose="020B0604020202020204" pitchFamily="34" charset="0"/>
-                  </a:rPr>
-                  <a:t>layer</a:t>
-                </a:r>
-                <a:r>
-                  <a:rPr lang="it-IT" b="1" dirty="0">
-                    <a:solidFill>
-                      <a:schemeClr val="tx2"/>
-                    </a:solidFill>
-                    <a:latin typeface="Arial" panose="020B0604020202020204" pitchFamily="34" charset="0"/>
-                    <a:cs typeface="Arial" panose="020B0604020202020204" pitchFamily="34" charset="0"/>
-                  </a:rPr>
-                  <a:t> in </a:t>
-                </a:r>
-                <a:r>
-                  <a:rPr lang="it-IT" b="1" dirty="0" err="1">
-                    <a:solidFill>
-                      <a:schemeClr val="tx2"/>
-                    </a:solidFill>
-                    <a:latin typeface="Arial" panose="020B0604020202020204" pitchFamily="34" charset="0"/>
-                    <a:cs typeface="Arial" panose="020B0604020202020204" pitchFamily="34" charset="0"/>
-                  </a:rPr>
-                  <a:t>which</a:t>
-                </a:r>
-                <a:r>
-                  <a:rPr lang="it-IT" b="1" dirty="0">
-                    <a:solidFill>
-                      <a:schemeClr val="tx2"/>
-                    </a:solidFill>
-                    <a:latin typeface="Arial" panose="020B0604020202020204" pitchFamily="34" charset="0"/>
-                    <a:cs typeface="Arial" panose="020B0604020202020204" pitchFamily="34" charset="0"/>
-                  </a:rPr>
-                  <a:t> the </a:t>
-                </a:r>
-                <a:r>
-                  <a:rPr lang="it-IT" b="1" dirty="0" err="1">
-                    <a:solidFill>
-                      <a:schemeClr val="tx2"/>
-                    </a:solidFill>
-                    <a:latin typeface="Arial" panose="020B0604020202020204" pitchFamily="34" charset="0"/>
-                    <a:cs typeface="Arial" panose="020B0604020202020204" pitchFamily="34" charset="0"/>
-                  </a:rPr>
-                  <a:t>profile</a:t>
-                </a:r>
-                <a:r>
-                  <a:rPr lang="it-IT" b="1" dirty="0">
-                    <a:solidFill>
-                      <a:schemeClr val="tx2"/>
-                    </a:solidFill>
-                    <a:latin typeface="Arial" panose="020B0604020202020204" pitchFamily="34" charset="0"/>
-                    <a:cs typeface="Arial" panose="020B0604020202020204" pitchFamily="34" charset="0"/>
-                  </a:rPr>
-                  <a:t> of </a:t>
-                </a:r>
-                <a14:m>
-                  <m:oMath xmlns:m="http://schemas.openxmlformats.org/officeDocument/2006/math">
-                    <m:d>
-                      <m:dPr>
-                        <m:begChr m:val="⟨"/>
-                        <m:endChr m:val="⟩"/>
-                        <m:ctrlPr>
-                          <a:rPr lang="it-IT" b="1" i="1" smtClean="0">
-                            <a:solidFill>
-                              <a:schemeClr val="tx2"/>
-                            </a:solidFill>
-                            <a:latin typeface="Cambria Math" panose="02040503050406030204" pitchFamily="18" charset="0"/>
-                            <a:cs typeface="Arial" panose="020B0604020202020204" pitchFamily="34" charset="0"/>
-                          </a:rPr>
-                        </m:ctrlPr>
-                      </m:dPr>
-                      <m:e>
-                        <m:r>
-                          <a:rPr lang="it-IT" b="1" i="1" smtClean="0">
-                            <a:solidFill>
-                              <a:schemeClr val="tx2"/>
-                            </a:solidFill>
-                            <a:latin typeface="Cambria Math" panose="02040503050406030204" pitchFamily="18" charset="0"/>
-                            <a:cs typeface="Arial" panose="020B0604020202020204" pitchFamily="34" charset="0"/>
-                          </a:rPr>
-                          <m:t>𝒖</m:t>
-                        </m:r>
-                      </m:e>
-                    </m:d>
-                  </m:oMath>
-                </a14:m>
-                <a:r>
-                  <a:rPr lang="it-IT" b="1" dirty="0">
-                    <a:solidFill>
-                      <a:schemeClr val="tx2"/>
-                    </a:solidFill>
-                    <a:latin typeface="Arial" panose="020B0604020202020204" pitchFamily="34" charset="0"/>
-                    <a:cs typeface="Arial" panose="020B0604020202020204" pitchFamily="34" charset="0"/>
-                  </a:rPr>
-                  <a:t> </a:t>
-                </a:r>
-                <a:r>
-                  <a:rPr lang="it-IT" b="1" dirty="0" err="1">
-                    <a:solidFill>
-                      <a:schemeClr val="tx2"/>
-                    </a:solidFill>
-                    <a:latin typeface="Arial" panose="020B0604020202020204" pitchFamily="34" charset="0"/>
-                    <a:cs typeface="Arial" panose="020B0604020202020204" pitchFamily="34" charset="0"/>
-                  </a:rPr>
-                  <a:t>depends</a:t>
-                </a:r>
-                <a:r>
-                  <a:rPr lang="it-IT" b="1" dirty="0">
-                    <a:solidFill>
-                      <a:schemeClr val="tx2"/>
-                    </a:solidFill>
-                    <a:latin typeface="Arial" panose="020B0604020202020204" pitchFamily="34" charset="0"/>
-                    <a:cs typeface="Arial" panose="020B0604020202020204" pitchFamily="34" charset="0"/>
-                  </a:rPr>
-                  <a:t> on the </a:t>
-                </a:r>
-                <a:r>
-                  <a:rPr lang="it-IT" b="1" dirty="0" err="1">
-                    <a:solidFill>
-                      <a:schemeClr val="tx2"/>
-                    </a:solidFill>
-                    <a:latin typeface="Arial" panose="020B0604020202020204" pitchFamily="34" charset="0"/>
-                    <a:cs typeface="Arial" panose="020B0604020202020204" pitchFamily="34" charset="0"/>
-                  </a:rPr>
-                  <a:t>viscous</a:t>
-                </a:r>
-                <a:r>
-                  <a:rPr lang="it-IT" b="1" dirty="0">
-                    <a:solidFill>
-                      <a:schemeClr val="tx2"/>
-                    </a:solidFill>
-                    <a:latin typeface="Arial" panose="020B0604020202020204" pitchFamily="34" charset="0"/>
-                    <a:cs typeface="Arial" panose="020B0604020202020204" pitchFamily="34" charset="0"/>
-                  </a:rPr>
-                  <a:t> </a:t>
-                </a:r>
-                <a:r>
-                  <a:rPr lang="it-IT" b="1" dirty="0" err="1">
-                    <a:solidFill>
-                      <a:schemeClr val="tx2"/>
-                    </a:solidFill>
-                    <a:latin typeface="Arial" panose="020B0604020202020204" pitchFamily="34" charset="0"/>
-                    <a:cs typeface="Arial" panose="020B0604020202020204" pitchFamily="34" charset="0"/>
-                  </a:rPr>
-                  <a:t>length</a:t>
-                </a:r>
-                <a:r>
-                  <a:rPr lang="it-IT" b="1" dirty="0">
-                    <a:solidFill>
-                      <a:schemeClr val="tx2"/>
-                    </a:solidFill>
-                    <a:latin typeface="Arial" panose="020B0604020202020204" pitchFamily="34" charset="0"/>
-                    <a:cs typeface="Arial" panose="020B0604020202020204" pitchFamily="34" charset="0"/>
-                  </a:rPr>
-                  <a:t> alone. In </a:t>
-                </a:r>
-                <a:r>
-                  <a:rPr lang="it-IT" b="1" dirty="0" err="1">
-                    <a:solidFill>
-                      <a:schemeClr val="tx2"/>
-                    </a:solidFill>
-                    <a:latin typeface="Arial" panose="020B0604020202020204" pitchFamily="34" charset="0"/>
-                    <a:cs typeface="Arial" panose="020B0604020202020204" pitchFamily="34" charset="0"/>
-                  </a:rPr>
-                  <a:t>this</a:t>
-                </a:r>
-                <a:r>
-                  <a:rPr lang="it-IT" b="1" dirty="0">
-                    <a:solidFill>
-                      <a:schemeClr val="tx2"/>
-                    </a:solidFill>
-                    <a:latin typeface="Arial" panose="020B0604020202020204" pitchFamily="34" charset="0"/>
-                    <a:cs typeface="Arial" panose="020B0604020202020204" pitchFamily="34" charset="0"/>
-                  </a:rPr>
-                  <a:t> </a:t>
-                </a:r>
-                <a:r>
-                  <a:rPr lang="it-IT" b="1" dirty="0" err="1">
-                    <a:solidFill>
-                      <a:schemeClr val="tx2"/>
-                    </a:solidFill>
-                    <a:latin typeface="Arial" panose="020B0604020202020204" pitchFamily="34" charset="0"/>
-                    <a:cs typeface="Arial" panose="020B0604020202020204" pitchFamily="34" charset="0"/>
-                  </a:rPr>
-                  <a:t>layer</a:t>
-                </a:r>
-                <a:r>
-                  <a:rPr lang="it-IT" b="1" dirty="0">
-                    <a:solidFill>
-                      <a:schemeClr val="tx2"/>
-                    </a:solidFill>
-                    <a:latin typeface="Arial" panose="020B0604020202020204" pitchFamily="34" charset="0"/>
-                    <a:cs typeface="Arial" panose="020B0604020202020204" pitchFamily="34" charset="0"/>
-                  </a:rPr>
-                  <a:t> the </a:t>
-                </a:r>
-                <a:r>
-                  <a:rPr lang="it-IT" b="1" dirty="0" err="1">
-                    <a:solidFill>
-                      <a:schemeClr val="tx2"/>
-                    </a:solidFill>
-                    <a:latin typeface="Arial" panose="020B0604020202020204" pitchFamily="34" charset="0"/>
-                    <a:cs typeface="Arial" panose="020B0604020202020204" pitchFamily="34" charset="0"/>
-                  </a:rPr>
-                  <a:t>behaviour</a:t>
-                </a:r>
-                <a:r>
-                  <a:rPr lang="it-IT" b="1" dirty="0">
-                    <a:solidFill>
-                      <a:schemeClr val="tx2"/>
-                    </a:solidFill>
-                    <a:latin typeface="Arial" panose="020B0604020202020204" pitchFamily="34" charset="0"/>
-                    <a:cs typeface="Arial" panose="020B0604020202020204" pitchFamily="34" charset="0"/>
-                  </a:rPr>
-                  <a:t> of </a:t>
-                </a:r>
-                <a14:m>
-                  <m:oMath xmlns:m="http://schemas.openxmlformats.org/officeDocument/2006/math">
-                    <m:d>
-                      <m:dPr>
-                        <m:begChr m:val="⟨"/>
-                        <m:endChr m:val="⟩"/>
-                        <m:ctrlPr>
-                          <a:rPr lang="it-IT" b="1" i="1">
-                            <a:solidFill>
-                              <a:schemeClr val="tx2"/>
-                            </a:solidFill>
-                            <a:latin typeface="Cambria Math" panose="02040503050406030204" pitchFamily="18" charset="0"/>
-                            <a:cs typeface="Arial" panose="020B0604020202020204" pitchFamily="34" charset="0"/>
-                          </a:rPr>
-                        </m:ctrlPr>
-                      </m:dPr>
-                      <m:e>
-                        <m:r>
-                          <a:rPr lang="it-IT" b="1" i="1">
-                            <a:solidFill>
-                              <a:schemeClr val="tx2"/>
-                            </a:solidFill>
-                            <a:latin typeface="Cambria Math" panose="02040503050406030204" pitchFamily="18" charset="0"/>
-                            <a:cs typeface="Arial" panose="020B0604020202020204" pitchFamily="34" charset="0"/>
-                          </a:rPr>
-                          <m:t>𝒖</m:t>
-                        </m:r>
-                      </m:e>
-                    </m:d>
-                  </m:oMath>
-                </a14:m>
-                <a:r>
-                  <a:rPr lang="it-IT" b="1" dirty="0">
-                    <a:solidFill>
-                      <a:schemeClr val="tx2"/>
-                    </a:solidFill>
-                    <a:latin typeface="Arial" panose="020B0604020202020204" pitchFamily="34" charset="0"/>
-                    <a:cs typeface="Arial" panose="020B0604020202020204" pitchFamily="34" charset="0"/>
-                  </a:rPr>
-                  <a:t> </a:t>
-                </a:r>
-                <a:r>
-                  <a:rPr lang="it-IT" b="1" dirty="0" err="1">
-                    <a:solidFill>
-                      <a:schemeClr val="tx2"/>
-                    </a:solidFill>
-                    <a:latin typeface="Arial" panose="020B0604020202020204" pitchFamily="34" charset="0"/>
-                    <a:cs typeface="Arial" panose="020B0604020202020204" pitchFamily="34" charset="0"/>
-                  </a:rPr>
-                  <a:t>assumes</a:t>
-                </a:r>
-                <a:r>
-                  <a:rPr lang="it-IT" b="1" dirty="0">
-                    <a:solidFill>
-                      <a:schemeClr val="tx2"/>
-                    </a:solidFill>
-                    <a:latin typeface="Arial" panose="020B0604020202020204" pitchFamily="34" charset="0"/>
-                    <a:cs typeface="Arial" panose="020B0604020202020204" pitchFamily="34" charset="0"/>
-                  </a:rPr>
-                  <a:t> the </a:t>
-                </a:r>
-                <a:r>
-                  <a:rPr lang="it-IT" b="1" dirty="0" err="1">
-                    <a:solidFill>
-                      <a:schemeClr val="tx2"/>
-                    </a:solidFill>
-                    <a:latin typeface="Arial" panose="020B0604020202020204" pitchFamily="34" charset="0"/>
-                    <a:cs typeface="Arial" panose="020B0604020202020204" pitchFamily="34" charset="0"/>
-                  </a:rPr>
-                  <a:t>typical</a:t>
-                </a:r>
-                <a:r>
-                  <a:rPr lang="it-IT" b="1" dirty="0">
-                    <a:solidFill>
-                      <a:schemeClr val="tx2"/>
-                    </a:solidFill>
-                    <a:latin typeface="Arial" panose="020B0604020202020204" pitchFamily="34" charset="0"/>
-                    <a:cs typeface="Arial" panose="020B0604020202020204" pitchFamily="34" charset="0"/>
-                  </a:rPr>
-                  <a:t> </a:t>
-                </a:r>
-                <a:r>
-                  <a:rPr lang="it-IT" b="1" dirty="0" err="1">
-                    <a:solidFill>
-                      <a:schemeClr val="tx2"/>
-                    </a:solidFill>
-                    <a:latin typeface="Arial" panose="020B0604020202020204" pitchFamily="34" charset="0"/>
-                    <a:cs typeface="Arial" panose="020B0604020202020204" pitchFamily="34" charset="0"/>
-                  </a:rPr>
-                  <a:t>logarithmic</a:t>
-                </a:r>
-                <a:r>
-                  <a:rPr lang="it-IT" b="1" dirty="0">
-                    <a:solidFill>
-                      <a:schemeClr val="tx2"/>
-                    </a:solidFill>
-                    <a:latin typeface="Arial" panose="020B0604020202020204" pitchFamily="34" charset="0"/>
-                    <a:cs typeface="Arial" panose="020B0604020202020204" pitchFamily="34" charset="0"/>
-                  </a:rPr>
-                  <a:t> </a:t>
-                </a:r>
-                <a:r>
-                  <a:rPr lang="it-IT" b="1" dirty="0" err="1">
-                    <a:solidFill>
-                      <a:schemeClr val="tx2"/>
-                    </a:solidFill>
-                    <a:latin typeface="Arial" panose="020B0604020202020204" pitchFamily="34" charset="0"/>
-                    <a:cs typeface="Arial" panose="020B0604020202020204" pitchFamily="34" charset="0"/>
-                  </a:rPr>
-                  <a:t>profile</a:t>
-                </a:r>
-                <a:endParaRPr lang="it-IT" b="1" dirty="0">
-                  <a:solidFill>
-                    <a:schemeClr val="tx2"/>
-                  </a:solidFill>
-                  <a:latin typeface="Arial" panose="020B0604020202020204" pitchFamily="34" charset="0"/>
-                  <a:cs typeface="Arial" panose="020B0604020202020204" pitchFamily="34" charset="0"/>
-                </a:endParaRPr>
-              </a:p>
-            </p:txBody>
-          </p:sp>
-        </mc:Choice>
-        <mc:Fallback>
-          <p:sp>
-            <p:nvSpPr>
-              <p:cNvPr id="16" name="CasellaDiTesto 15">
-                <a:extLst>
-                  <a:ext uri="{FF2B5EF4-FFF2-40B4-BE49-F238E27FC236}">
-                    <a16:creationId xmlns:a16="http://schemas.microsoft.com/office/drawing/2014/main" id="{8F9A5F85-C872-1741-8381-CC6EFC122A3C}"/>
-                  </a:ext>
-                </a:extLst>
-              </p:cNvPr>
-              <p:cNvSpPr txBox="1">
-                <a:spLocks noRot="1" noChangeAspect="1" noMove="1" noResize="1" noEditPoints="1" noAdjustHandles="1" noChangeArrowheads="1" noChangeShapeType="1" noTextEdit="1"/>
-              </p:cNvSpPr>
-              <p:nvPr/>
-            </p:nvSpPr>
-            <p:spPr>
-              <a:xfrm>
-                <a:off x="288521" y="1550061"/>
-                <a:ext cx="4326510" cy="1754326"/>
-              </a:xfrm>
-              <a:prstGeom prst="rect">
-                <a:avLst/>
-              </a:prstGeom>
-              <a:blipFill>
-                <a:blip r:embed="rId6"/>
-                <a:stretch>
-                  <a:fillRect l="-1173" t="-719" r="-1173" b="-4317"/>
-                </a:stretch>
-              </a:blipFill>
-            </p:spPr>
-            <p:txBody>
-              <a:bodyPr/>
-              <a:lstStyle/>
-              <a:p>
-                <a:r>
-                  <a:rPr lang="it-IT">
-                    <a:noFill/>
-                  </a:rPr>
-                  <a:t> </a:t>
-                </a:r>
-              </a:p>
-            </p:txBody>
-          </p:sp>
-        </mc:Fallback>
-      </mc:AlternateContent>
-      <mc:AlternateContent xmlns:mc="http://schemas.openxmlformats.org/markup-compatibility/2006" xmlns:a14="http://schemas.microsoft.com/office/drawing/2010/main">
-        <mc:Choice Requires="a14">
-          <p:sp>
-            <p:nvSpPr>
-              <p:cNvPr id="17" name="CasellaDiTesto 16">
-                <a:extLst>
-                  <a:ext uri="{FF2B5EF4-FFF2-40B4-BE49-F238E27FC236}">
-                    <a16:creationId xmlns:a16="http://schemas.microsoft.com/office/drawing/2014/main" id="{16BF7ED8-C050-5F4D-BD28-34FFBE7B6996}"/>
-                  </a:ext>
-                </a:extLst>
-              </p:cNvPr>
-              <p:cNvSpPr txBox="1"/>
-              <p:nvPr/>
-            </p:nvSpPr>
-            <p:spPr>
-              <a:xfrm>
-                <a:off x="4955058" y="4844640"/>
-                <a:ext cx="4188941" cy="1200329"/>
-              </a:xfrm>
-              <a:prstGeom prst="rect">
-                <a:avLst/>
-              </a:prstGeom>
-              <a:noFill/>
-            </p:spPr>
-            <p:txBody>
-              <a:bodyPr wrap="square" rtlCol="0">
-                <a:spAutoFit/>
-              </a:bodyPr>
-              <a:lstStyle/>
-              <a:p>
-                <a:r>
-                  <a:rPr lang="it-IT" b="1" dirty="0">
-                    <a:solidFill>
-                      <a:schemeClr val="tx2"/>
-                    </a:solidFill>
-                    <a:latin typeface="Arial" panose="020B0604020202020204" pitchFamily="34" charset="0"/>
-                    <a:cs typeface="Arial" panose="020B0604020202020204" pitchFamily="34" charset="0"/>
-                  </a:rPr>
-                  <a:t>Comparative data from "Direct </a:t>
-                </a:r>
-                <a:r>
-                  <a:rPr lang="it-IT" b="1" dirty="0" err="1">
-                    <a:solidFill>
-                      <a:schemeClr val="tx2"/>
-                    </a:solidFill>
-                    <a:latin typeface="Arial" panose="020B0604020202020204" pitchFamily="34" charset="0"/>
-                    <a:cs typeface="Arial" panose="020B0604020202020204" pitchFamily="34" charset="0"/>
-                  </a:rPr>
-                  <a:t>Numerical</a:t>
-                </a:r>
-                <a:r>
-                  <a:rPr lang="it-IT" b="1" dirty="0">
-                    <a:solidFill>
-                      <a:schemeClr val="tx2"/>
-                    </a:solidFill>
-                    <a:latin typeface="Arial" panose="020B0604020202020204" pitchFamily="34" charset="0"/>
-                    <a:cs typeface="Arial" panose="020B0604020202020204" pitchFamily="34" charset="0"/>
-                  </a:rPr>
-                  <a:t> </a:t>
-                </a:r>
-                <a:r>
-                  <a:rPr lang="it-IT" b="1" dirty="0" err="1">
-                    <a:solidFill>
-                      <a:schemeClr val="tx2"/>
-                    </a:solidFill>
-                    <a:latin typeface="Arial" panose="020B0604020202020204" pitchFamily="34" charset="0"/>
-                    <a:cs typeface="Arial" panose="020B0604020202020204" pitchFamily="34" charset="0"/>
-                  </a:rPr>
-                  <a:t>Simulation</a:t>
-                </a:r>
-                <a:r>
-                  <a:rPr lang="it-IT" b="1" dirty="0">
-                    <a:solidFill>
-                      <a:schemeClr val="tx2"/>
-                    </a:solidFill>
-                    <a:latin typeface="Arial" panose="020B0604020202020204" pitchFamily="34" charset="0"/>
-                    <a:cs typeface="Arial" panose="020B0604020202020204" pitchFamily="34" charset="0"/>
-                  </a:rPr>
-                  <a:t> of </a:t>
-                </a:r>
-                <a:r>
-                  <a:rPr lang="it-IT" b="1" dirty="0" err="1">
-                    <a:solidFill>
-                      <a:schemeClr val="tx2"/>
-                    </a:solidFill>
-                    <a:latin typeface="Arial" panose="020B0604020202020204" pitchFamily="34" charset="0"/>
-                    <a:cs typeface="Arial" panose="020B0604020202020204" pitchFamily="34" charset="0"/>
-                  </a:rPr>
-                  <a:t>Turbulent</a:t>
-                </a:r>
-                <a:r>
-                  <a:rPr lang="it-IT" b="1" dirty="0">
-                    <a:solidFill>
-                      <a:schemeClr val="tx2"/>
-                    </a:solidFill>
-                    <a:latin typeface="Arial" panose="020B0604020202020204" pitchFamily="34" charset="0"/>
-                    <a:cs typeface="Arial" panose="020B0604020202020204" pitchFamily="34" charset="0"/>
-                  </a:rPr>
-                  <a:t> Channel Flow up to </a:t>
-                </a:r>
-                <a14:m>
-                  <m:oMath xmlns:m="http://schemas.openxmlformats.org/officeDocument/2006/math">
-                    <m:sSub>
-                      <m:sSubPr>
-                        <m:ctrlPr>
-                          <a:rPr lang="it-IT" b="1" i="1" smtClean="0">
-                            <a:solidFill>
-                              <a:schemeClr val="tx2"/>
-                            </a:solidFill>
-                            <a:latin typeface="Cambria Math" panose="02040503050406030204" pitchFamily="18" charset="0"/>
-                          </a:rPr>
-                        </m:ctrlPr>
-                      </m:sSubPr>
-                      <m:e>
-                        <m:r>
-                          <a:rPr lang="it-IT" b="1" i="1" smtClean="0">
-                            <a:solidFill>
-                              <a:schemeClr val="tx2"/>
-                            </a:solidFill>
-                            <a:latin typeface="Cambria Math" panose="02040503050406030204" pitchFamily="18" charset="0"/>
-                          </a:rPr>
-                          <m:t>𝑹𝒆</m:t>
-                        </m:r>
-                      </m:e>
-                      <m:sub>
-                        <m:r>
-                          <a:rPr lang="it-IT" b="1" i="1" smtClean="0">
-                            <a:solidFill>
-                              <a:schemeClr val="tx2"/>
-                            </a:solidFill>
-                            <a:latin typeface="Cambria Math" panose="02040503050406030204" pitchFamily="18" charset="0"/>
-                            <a:ea typeface="Cambria Math" panose="02040503050406030204" pitchFamily="18" charset="0"/>
-                          </a:rPr>
-                          <m:t>𝝉</m:t>
-                        </m:r>
-                      </m:sub>
-                    </m:sSub>
-                    <m:r>
-                      <a:rPr lang="it-IT" b="1" i="1" smtClean="0">
-                        <a:solidFill>
-                          <a:schemeClr val="tx2"/>
-                        </a:solidFill>
-                        <a:latin typeface="Cambria Math" panose="02040503050406030204" pitchFamily="18" charset="0"/>
-                      </a:rPr>
-                      <m:t>=</m:t>
-                    </m:r>
-                    <m:r>
-                      <a:rPr lang="it-IT" b="1" i="1" smtClean="0">
-                        <a:solidFill>
-                          <a:schemeClr val="tx2"/>
-                        </a:solidFill>
-                        <a:latin typeface="Cambria Math" panose="02040503050406030204" pitchFamily="18" charset="0"/>
-                      </a:rPr>
-                      <m:t>𝟓𝟐𝟎𝟎</m:t>
-                    </m:r>
-                  </m:oMath>
-                </a14:m>
-                <a:r>
-                  <a:rPr lang="it-IT" b="1" dirty="0">
-                    <a:solidFill>
-                      <a:schemeClr val="tx2"/>
-                    </a:solidFill>
-                    <a:latin typeface="Arial" panose="020B0604020202020204" pitchFamily="34" charset="0"/>
-                    <a:cs typeface="Arial" panose="020B0604020202020204" pitchFamily="34" charset="0"/>
-                  </a:rPr>
-                  <a:t>", Moser and Lee, JFM(2015) </a:t>
-                </a:r>
-              </a:p>
-            </p:txBody>
-          </p:sp>
-        </mc:Choice>
-        <mc:Fallback xmlns="">
-          <p:sp>
-            <p:nvSpPr>
-              <p:cNvPr id="17" name="CasellaDiTesto 16">
-                <a:extLst>
-                  <a:ext uri="{FF2B5EF4-FFF2-40B4-BE49-F238E27FC236}">
-                    <a16:creationId xmlns:a16="http://schemas.microsoft.com/office/drawing/2014/main" id="{16BF7ED8-C050-5F4D-BD28-34FFBE7B6996}"/>
-                  </a:ext>
-                </a:extLst>
-              </p:cNvPr>
-              <p:cNvSpPr txBox="1">
-                <a:spLocks noRot="1" noChangeAspect="1" noMove="1" noResize="1" noEditPoints="1" noAdjustHandles="1" noChangeArrowheads="1" noChangeShapeType="1" noTextEdit="1"/>
-              </p:cNvSpPr>
-              <p:nvPr/>
-            </p:nvSpPr>
-            <p:spPr>
-              <a:xfrm>
-                <a:off x="4955058" y="4844640"/>
-                <a:ext cx="4188941" cy="1200329"/>
-              </a:xfrm>
-              <a:prstGeom prst="rect">
-                <a:avLst/>
-              </a:prstGeom>
-              <a:blipFill>
-                <a:blip r:embed="rId7"/>
-                <a:stretch>
-                  <a:fillRect l="-1208" t="-1042" b="-6250"/>
+                  <a:fillRect b="-12069"/>
                 </a:stretch>
               </a:blipFill>
             </p:spPr>
@@ -23204,10 +18420,190 @@
       </mc:AlternateContent>
       <p:sp>
         <p:nvSpPr>
-          <p:cNvPr id="18" name="Anello 17">
+          <p:cNvPr id="17" name="CasellaDiTesto 16">
             <a:extLst>
               <a:ext uri="{FF2B5EF4-FFF2-40B4-BE49-F238E27FC236}">
-                <a16:creationId xmlns:a16="http://schemas.microsoft.com/office/drawing/2014/main" id="{D5A9F72B-3DF7-E145-8CA9-FA850A2CF1E0}"/>
+                <a16:creationId xmlns:a16="http://schemas.microsoft.com/office/drawing/2014/main" id="{16BF7ED8-C050-5F4D-BD28-34FFBE7B6996}"/>
+              </a:ext>
+            </a:extLst>
+          </p:cNvPr>
+          <p:cNvSpPr txBox="1"/>
+          <p:nvPr/>
+        </p:nvSpPr>
+        <p:spPr>
+          <a:xfrm>
+            <a:off x="4134679" y="5545063"/>
+            <a:ext cx="5009321" cy="369332"/>
+          </a:xfrm>
+          <a:prstGeom prst="rect">
+            <a:avLst/>
+          </a:prstGeom>
+          <a:noFill/>
+        </p:spPr>
+        <p:txBody>
+          <a:bodyPr wrap="square" rtlCol="0">
+            <a:spAutoFit/>
+          </a:bodyPr>
+          <a:lstStyle/>
+          <a:p>
+            <a:r>
+              <a:rPr lang="it-IT" b="1" dirty="0">
+                <a:solidFill>
+                  <a:schemeClr val="tx2"/>
+                </a:solidFill>
+                <a:latin typeface="Arial" panose="020B0604020202020204" pitchFamily="34" charset="0"/>
+                <a:cs typeface="Arial" panose="020B0604020202020204" pitchFamily="34" charset="0"/>
+              </a:rPr>
+              <a:t>: </a:t>
+            </a:r>
+            <a:r>
+              <a:rPr lang="it-IT" b="1" dirty="0" err="1">
+                <a:solidFill>
+                  <a:schemeClr val="tx2"/>
+                </a:solidFill>
+                <a:latin typeface="Arial" panose="020B0604020202020204" pitchFamily="34" charset="0"/>
+                <a:cs typeface="Arial" panose="020B0604020202020204" pitchFamily="34" charset="0"/>
+              </a:rPr>
+              <a:t>Ref</a:t>
+            </a:r>
+            <a:r>
+              <a:rPr lang="it-IT" b="1" dirty="0">
+                <a:solidFill>
+                  <a:schemeClr val="tx2"/>
+                </a:solidFill>
+                <a:latin typeface="Arial" panose="020B0604020202020204" pitchFamily="34" charset="0"/>
+                <a:cs typeface="Arial" panose="020B0604020202020204" pitchFamily="34" charset="0"/>
+              </a:rPr>
+              <a:t>. data from Moser and Lee, JFM(2015) </a:t>
+            </a:r>
+          </a:p>
+        </p:txBody>
+      </p:sp>
+      <p:sp>
+        <p:nvSpPr>
+          <p:cNvPr id="2" name="CasellaDiTesto 1">
+            <a:extLst>
+              <a:ext uri="{FF2B5EF4-FFF2-40B4-BE49-F238E27FC236}">
+                <a16:creationId xmlns:a16="http://schemas.microsoft.com/office/drawing/2014/main" id="{6670D4E3-E5BC-EC43-9A0A-1F08F2B9F965}"/>
+              </a:ext>
+            </a:extLst>
+          </p:cNvPr>
+          <p:cNvSpPr txBox="1"/>
+          <p:nvPr/>
+        </p:nvSpPr>
+        <p:spPr>
+          <a:xfrm>
+            <a:off x="288521" y="2321788"/>
+            <a:ext cx="3197357" cy="646331"/>
+          </a:xfrm>
+          <a:prstGeom prst="rect">
+            <a:avLst/>
+          </a:prstGeom>
+          <a:noFill/>
+        </p:spPr>
+        <p:txBody>
+          <a:bodyPr wrap="square" rtlCol="0">
+            <a:spAutoFit/>
+          </a:bodyPr>
+          <a:lstStyle/>
+          <a:p>
+            <a:pPr algn="just"/>
+            <a:r>
+              <a:rPr lang="it-IT" b="1" dirty="0">
+                <a:solidFill>
+                  <a:schemeClr val="tx2"/>
+                </a:solidFill>
+                <a:latin typeface="Arial" panose="020B0604020202020204" pitchFamily="34" charset="0"/>
+                <a:cs typeface="Arial" panose="020B0604020202020204" pitchFamily="34" charset="0"/>
+              </a:rPr>
+              <a:t>A </a:t>
+            </a:r>
+            <a:r>
+              <a:rPr lang="it-IT" b="1" dirty="0" err="1">
+                <a:solidFill>
+                  <a:schemeClr val="tx2"/>
+                </a:solidFill>
+                <a:latin typeface="Arial" panose="020B0604020202020204" pitchFamily="34" charset="0"/>
+                <a:cs typeface="Arial" panose="020B0604020202020204" pitchFamily="34" charset="0"/>
+              </a:rPr>
+              <a:t>well</a:t>
+            </a:r>
+            <a:r>
+              <a:rPr lang="it-IT" b="1" dirty="0">
+                <a:solidFill>
+                  <a:schemeClr val="tx2"/>
+                </a:solidFill>
+                <a:latin typeface="Arial" panose="020B0604020202020204" pitchFamily="34" charset="0"/>
+                <a:cs typeface="Arial" panose="020B0604020202020204" pitchFamily="34" charset="0"/>
+              </a:rPr>
+              <a:t> </a:t>
+            </a:r>
+            <a:r>
+              <a:rPr lang="it-IT" b="1" dirty="0" err="1">
+                <a:solidFill>
+                  <a:schemeClr val="tx2"/>
+                </a:solidFill>
+                <a:latin typeface="Arial" panose="020B0604020202020204" pitchFamily="34" charset="0"/>
+                <a:cs typeface="Arial" panose="020B0604020202020204" pitchFamily="34" charset="0"/>
+              </a:rPr>
+              <a:t>established</a:t>
+            </a:r>
+            <a:r>
+              <a:rPr lang="it-IT" b="1" dirty="0">
+                <a:solidFill>
+                  <a:schemeClr val="tx2"/>
+                </a:solidFill>
+                <a:latin typeface="Arial" panose="020B0604020202020204" pitchFamily="34" charset="0"/>
+                <a:cs typeface="Arial" panose="020B0604020202020204" pitchFamily="34" charset="0"/>
+              </a:rPr>
+              <a:t> </a:t>
+            </a:r>
+            <a:r>
+              <a:rPr lang="it-IT" b="1" dirty="0" err="1">
+                <a:solidFill>
+                  <a:schemeClr val="tx2"/>
+                </a:solidFill>
+                <a:latin typeface="Arial" panose="020B0604020202020204" pitchFamily="34" charset="0"/>
+                <a:cs typeface="Arial" panose="020B0604020202020204" pitchFamily="34" charset="0"/>
+              </a:rPr>
+              <a:t>indicator</a:t>
+            </a:r>
+            <a:r>
+              <a:rPr lang="it-IT" b="1" dirty="0">
+                <a:solidFill>
+                  <a:schemeClr val="tx2"/>
+                </a:solidFill>
+                <a:latin typeface="Arial" panose="020B0604020202020204" pitchFamily="34" charset="0"/>
+                <a:cs typeface="Arial" panose="020B0604020202020204" pitchFamily="34" charset="0"/>
+              </a:rPr>
+              <a:t> </a:t>
+            </a:r>
+            <a:r>
+              <a:rPr lang="it-IT" b="1" dirty="0" err="1">
+                <a:solidFill>
+                  <a:schemeClr val="tx2"/>
+                </a:solidFill>
+                <a:latin typeface="Arial" panose="020B0604020202020204" pitchFamily="34" charset="0"/>
+                <a:cs typeface="Arial" panose="020B0604020202020204" pitchFamily="34" charset="0"/>
+              </a:rPr>
+              <a:t>function</a:t>
+            </a:r>
+            <a:endParaRPr lang="it-IT" b="1" dirty="0">
+              <a:solidFill>
+                <a:schemeClr val="tx2"/>
+              </a:solidFill>
+              <a:latin typeface="Arial" panose="020B0604020202020204" pitchFamily="34" charset="0"/>
+              <a:cs typeface="Arial" panose="020B0604020202020204" pitchFamily="34" charset="0"/>
+            </a:endParaRPr>
+          </a:p>
+        </p:txBody>
+      </p:sp>
+      <p:sp>
+        <p:nvSpPr>
+          <p:cNvPr id="3" name="Rettangolo 2">
+            <a:extLst>
+              <a:ext uri="{FF2B5EF4-FFF2-40B4-BE49-F238E27FC236}">
+                <a16:creationId xmlns:a16="http://schemas.microsoft.com/office/drawing/2014/main" id="{38C8FD91-C99D-7E48-8715-8637641753E4}"/>
               </a:ext>
             </a:extLst>
           </p:cNvPr>
@@ -23216,18 +18612,68 @@
         </p:nvSpPr>
         <p:spPr>
           <a:xfrm>
-            <a:off x="6881750" y="2958397"/>
-            <a:ext cx="1025611" cy="345990"/>
+            <a:off x="3657599" y="5711686"/>
+            <a:ext cx="477079" cy="92765"/>
           </a:xfrm>
-          <a:prstGeom prst="donut">
+          <a:prstGeom prst="rect">
             <a:avLst/>
           </a:prstGeom>
           <a:solidFill>
-            <a:schemeClr val="tx2">
-              <a:lumMod val="60000"/>
-              <a:lumOff val="40000"/>
-              <a:alpha val="23000"/>
+            <a:schemeClr val="bg1">
+              <a:lumMod val="75000"/>
             </a:schemeClr>
+          </a:solidFill>
+          <a:ln>
+            <a:noFill/>
+          </a:ln>
+        </p:spPr>
+        <p:style>
+          <a:lnRef idx="0">
+            <a:scrgbClr r="0" g="0" b="0"/>
+          </a:lnRef>
+          <a:fillRef idx="0">
+            <a:scrgbClr r="0" g="0" b="0"/>
+          </a:fillRef>
+          <a:effectRef idx="0">
+            <a:scrgbClr r="0" g="0" b="0"/>
+          </a:effectRef>
+          <a:fontRef idx="minor">
+            <a:schemeClr val="lt1"/>
+          </a:fontRef>
+        </p:style>
+        <p:txBody>
+          <a:bodyPr rtlCol="0" anchor="ctr"/>
+          <a:lstStyle/>
+          <a:p>
+            <a:pPr algn="ctr"/>
+            <a:endParaRPr lang="it-IT"/>
+          </a:p>
+        </p:txBody>
+      </p:sp>
+      <p:sp>
+        <p:nvSpPr>
+          <p:cNvPr id="4" name="Cornice 3">
+            <a:extLst>
+              <a:ext uri="{FF2B5EF4-FFF2-40B4-BE49-F238E27FC236}">
+                <a16:creationId xmlns:a16="http://schemas.microsoft.com/office/drawing/2014/main" id="{BECACFEC-1F3A-FF48-9885-E7BB85E94382}"/>
+              </a:ext>
+            </a:extLst>
+          </p:cNvPr>
+          <p:cNvSpPr/>
+          <p:nvPr/>
+        </p:nvSpPr>
+        <p:spPr>
+          <a:xfrm>
+            <a:off x="6709893" y="3696238"/>
+            <a:ext cx="708338" cy="334850"/>
+          </a:xfrm>
+          <a:prstGeom prst="frame">
+            <a:avLst/>
+          </a:prstGeom>
+          <a:solidFill>
+            <a:srgbClr val="40A3FF">
+              <a:alpha val="48000"/>
+            </a:srgbClr>
           </a:solidFill>
           <a:ln>
             <a:noFill/>
@@ -23262,259 +18708,56 @@
       </p:sp>
       <p:sp>
         <p:nvSpPr>
-          <p:cNvPr id="2" name="CasellaDiTesto 1">
+          <p:cNvPr id="14" name="Cornice 13">
             <a:extLst>
               <a:ext uri="{FF2B5EF4-FFF2-40B4-BE49-F238E27FC236}">
-                <a16:creationId xmlns:a16="http://schemas.microsoft.com/office/drawing/2014/main" id="{6670D4E3-E5BC-EC43-9A0A-1F08F2B9F965}"/>
+                <a16:creationId xmlns:a16="http://schemas.microsoft.com/office/drawing/2014/main" id="{E756850E-BBDC-E042-BA21-6F0257902DA6}"/>
               </a:ext>
             </a:extLst>
           </p:cNvPr>
-          <p:cNvSpPr txBox="1"/>
+          <p:cNvSpPr/>
           <p:nvPr/>
         </p:nvSpPr>
         <p:spPr>
           <a:xfrm>
-            <a:off x="288521" y="3612848"/>
-            <a:ext cx="4136565" cy="923330"/>
+            <a:off x="6728604" y="3626124"/>
+            <a:ext cx="380518" cy="290270"/>
           </a:xfrm>
-          <a:prstGeom prst="rect">
+          <a:prstGeom prst="frame">
             <a:avLst/>
           </a:prstGeom>
-          <a:noFill/>
+          <a:solidFill>
+            <a:srgbClr val="FFC000">
+              <a:alpha val="48000"/>
+            </a:srgbClr>
+          </a:solidFill>
+          <a:ln>
+            <a:noFill/>
+          </a:ln>
         </p:spPr>
+        <p:style>
+          <a:lnRef idx="1">
+            <a:schemeClr val="accent1"/>
+          </a:lnRef>
+          <a:fillRef idx="3">
+            <a:schemeClr val="accent1"/>
+          </a:fillRef>
+          <a:effectRef idx="2">
+            <a:schemeClr val="accent1"/>
+          </a:effectRef>
+          <a:fontRef idx="minor">
+            <a:schemeClr val="lt1"/>
+          </a:fontRef>
+        </p:style>
         <p:txBody>
-          <a:bodyPr wrap="square" rtlCol="0">
-            <a:spAutoFit/>
-          </a:bodyPr>
+          <a:bodyPr rtlCol="0" anchor="ctr"/>
           <a:lstStyle/>
           <a:p>
-            <a:pPr algn="just"/>
-            <a:r>
-              <a:rPr lang="it-IT" b="1" dirty="0">
-                <a:solidFill>
-                  <a:schemeClr val="tx2"/>
-                </a:solidFill>
-                <a:latin typeface="Arial" panose="020B0604020202020204" pitchFamily="34" charset="0"/>
-                <a:cs typeface="Arial" panose="020B0604020202020204" pitchFamily="34" charset="0"/>
-              </a:rPr>
-              <a:t>A </a:t>
-            </a:r>
-            <a:r>
-              <a:rPr lang="it-IT" b="1" dirty="0" err="1">
-                <a:solidFill>
-                  <a:schemeClr val="tx2"/>
-                </a:solidFill>
-                <a:latin typeface="Arial" panose="020B0604020202020204" pitchFamily="34" charset="0"/>
-                <a:cs typeface="Arial" panose="020B0604020202020204" pitchFamily="34" charset="0"/>
-              </a:rPr>
-              <a:t>well</a:t>
-            </a:r>
-            <a:r>
-              <a:rPr lang="it-IT" b="1" dirty="0">
-                <a:solidFill>
-                  <a:schemeClr val="tx2"/>
-                </a:solidFill>
-                <a:latin typeface="Arial" panose="020B0604020202020204" pitchFamily="34" charset="0"/>
-                <a:cs typeface="Arial" panose="020B0604020202020204" pitchFamily="34" charset="0"/>
-              </a:rPr>
-              <a:t> </a:t>
-            </a:r>
-            <a:r>
-              <a:rPr lang="it-IT" b="1" dirty="0" err="1">
-                <a:solidFill>
-                  <a:schemeClr val="tx2"/>
-                </a:solidFill>
-                <a:latin typeface="Arial" panose="020B0604020202020204" pitchFamily="34" charset="0"/>
-                <a:cs typeface="Arial" panose="020B0604020202020204" pitchFamily="34" charset="0"/>
-              </a:rPr>
-              <a:t>established</a:t>
-            </a:r>
-            <a:r>
-              <a:rPr lang="it-IT" b="1" dirty="0">
-                <a:solidFill>
-                  <a:schemeClr val="tx2"/>
-                </a:solidFill>
-                <a:latin typeface="Arial" panose="020B0604020202020204" pitchFamily="34" charset="0"/>
-                <a:cs typeface="Arial" panose="020B0604020202020204" pitchFamily="34" charset="0"/>
-              </a:rPr>
-              <a:t> </a:t>
-            </a:r>
-            <a:r>
-              <a:rPr lang="it-IT" b="1" dirty="0" err="1">
-                <a:solidFill>
-                  <a:schemeClr val="tx2"/>
-                </a:solidFill>
-                <a:latin typeface="Arial" panose="020B0604020202020204" pitchFamily="34" charset="0"/>
-                <a:cs typeface="Arial" panose="020B0604020202020204" pitchFamily="34" charset="0"/>
-              </a:rPr>
-              <a:t>indicator</a:t>
-            </a:r>
-            <a:r>
-              <a:rPr lang="it-IT" b="1" dirty="0">
-                <a:solidFill>
-                  <a:schemeClr val="tx2"/>
-                </a:solidFill>
-                <a:latin typeface="Arial" panose="020B0604020202020204" pitchFamily="34" charset="0"/>
-                <a:cs typeface="Arial" panose="020B0604020202020204" pitchFamily="34" charset="0"/>
-              </a:rPr>
-              <a:t> </a:t>
-            </a:r>
-            <a:r>
-              <a:rPr lang="it-IT" b="1" dirty="0" err="1">
-                <a:solidFill>
-                  <a:schemeClr val="tx2"/>
-                </a:solidFill>
-                <a:latin typeface="Arial" panose="020B0604020202020204" pitchFamily="34" charset="0"/>
-                <a:cs typeface="Arial" panose="020B0604020202020204" pitchFamily="34" charset="0"/>
-              </a:rPr>
-              <a:t>function</a:t>
-            </a:r>
-            <a:r>
-              <a:rPr lang="it-IT" b="1" dirty="0">
-                <a:solidFill>
-                  <a:schemeClr val="tx2"/>
-                </a:solidFill>
-                <a:latin typeface="Arial" panose="020B0604020202020204" pitchFamily="34" charset="0"/>
-                <a:cs typeface="Arial" panose="020B0604020202020204" pitchFamily="34" charset="0"/>
-              </a:rPr>
-              <a:t> </a:t>
-            </a:r>
-            <a:r>
-              <a:rPr lang="it-IT" b="1" dirty="0" err="1">
-                <a:solidFill>
-                  <a:schemeClr val="tx2"/>
-                </a:solidFill>
-                <a:latin typeface="Arial" panose="020B0604020202020204" pitchFamily="34" charset="0"/>
-                <a:cs typeface="Arial" panose="020B0604020202020204" pitchFamily="34" charset="0"/>
-              </a:rPr>
-              <a:t>has</a:t>
-            </a:r>
-            <a:r>
-              <a:rPr lang="it-IT" b="1" dirty="0">
-                <a:solidFill>
-                  <a:schemeClr val="tx2"/>
-                </a:solidFill>
-                <a:latin typeface="Arial" panose="020B0604020202020204" pitchFamily="34" charset="0"/>
-                <a:cs typeface="Arial" panose="020B0604020202020204" pitchFamily="34" charset="0"/>
-              </a:rPr>
-              <a:t> </a:t>
-            </a:r>
-            <a:r>
-              <a:rPr lang="it-IT" b="1" dirty="0" err="1">
-                <a:solidFill>
-                  <a:schemeClr val="tx2"/>
-                </a:solidFill>
-                <a:latin typeface="Arial" panose="020B0604020202020204" pitchFamily="34" charset="0"/>
-                <a:cs typeface="Arial" panose="020B0604020202020204" pitchFamily="34" charset="0"/>
-              </a:rPr>
-              <a:t>been</a:t>
-            </a:r>
-            <a:r>
-              <a:rPr lang="it-IT" b="1" dirty="0">
-                <a:solidFill>
-                  <a:schemeClr val="tx2"/>
-                </a:solidFill>
-                <a:latin typeface="Arial" panose="020B0604020202020204" pitchFamily="34" charset="0"/>
-                <a:cs typeface="Arial" panose="020B0604020202020204" pitchFamily="34" charset="0"/>
-              </a:rPr>
-              <a:t> </a:t>
-            </a:r>
-            <a:r>
-              <a:rPr lang="it-IT" b="1" dirty="0" err="1">
-                <a:solidFill>
-                  <a:schemeClr val="tx2"/>
-                </a:solidFill>
-                <a:latin typeface="Arial" panose="020B0604020202020204" pitchFamily="34" charset="0"/>
-                <a:cs typeface="Arial" panose="020B0604020202020204" pitchFamily="34" charset="0"/>
-              </a:rPr>
-              <a:t>used</a:t>
-            </a:r>
-            <a:r>
-              <a:rPr lang="it-IT" b="1" dirty="0">
-                <a:solidFill>
-                  <a:schemeClr val="tx2"/>
-                </a:solidFill>
-                <a:latin typeface="Arial" panose="020B0604020202020204" pitchFamily="34" charset="0"/>
-                <a:cs typeface="Arial" panose="020B0604020202020204" pitchFamily="34" charset="0"/>
-              </a:rPr>
-              <a:t> with the </a:t>
-            </a:r>
-            <a:r>
-              <a:rPr lang="it-IT" b="1" dirty="0" err="1">
-                <a:solidFill>
-                  <a:schemeClr val="tx2"/>
-                </a:solidFill>
-                <a:latin typeface="Arial" panose="020B0604020202020204" pitchFamily="34" charset="0"/>
-                <a:cs typeface="Arial" panose="020B0604020202020204" pitchFamily="34" charset="0"/>
-              </a:rPr>
-              <a:t>purpose</a:t>
-            </a:r>
-            <a:r>
-              <a:rPr lang="it-IT" b="1" dirty="0">
-                <a:solidFill>
-                  <a:schemeClr val="tx2"/>
-                </a:solidFill>
-                <a:latin typeface="Arial" panose="020B0604020202020204" pitchFamily="34" charset="0"/>
-                <a:cs typeface="Arial" panose="020B0604020202020204" pitchFamily="34" charset="0"/>
-              </a:rPr>
-              <a:t> to </a:t>
-            </a:r>
-            <a:r>
-              <a:rPr lang="it-IT" b="1" dirty="0" err="1">
-                <a:solidFill>
-                  <a:schemeClr val="tx2"/>
-                </a:solidFill>
-                <a:latin typeface="Arial" panose="020B0604020202020204" pitchFamily="34" charset="0"/>
-                <a:cs typeface="Arial" panose="020B0604020202020204" pitchFamily="34" charset="0"/>
-              </a:rPr>
-              <a:t>identify</a:t>
-            </a:r>
-            <a:r>
-              <a:rPr lang="it-IT" b="1" dirty="0">
-                <a:solidFill>
-                  <a:schemeClr val="tx2"/>
-                </a:solidFill>
-                <a:latin typeface="Arial" panose="020B0604020202020204" pitchFamily="34" charset="0"/>
-                <a:cs typeface="Arial" panose="020B0604020202020204" pitchFamily="34" charset="0"/>
-              </a:rPr>
-              <a:t> </a:t>
-            </a:r>
-            <a:r>
-              <a:rPr lang="it-IT" b="1" dirty="0" err="1">
-                <a:solidFill>
-                  <a:schemeClr val="tx2"/>
-                </a:solidFill>
-                <a:latin typeface="Arial" panose="020B0604020202020204" pitchFamily="34" charset="0"/>
-                <a:cs typeface="Arial" panose="020B0604020202020204" pitchFamily="34" charset="0"/>
-              </a:rPr>
-              <a:t>such</a:t>
-            </a:r>
-            <a:r>
-              <a:rPr lang="it-IT" b="1" dirty="0">
-                <a:solidFill>
-                  <a:schemeClr val="tx2"/>
-                </a:solidFill>
-                <a:latin typeface="Arial" panose="020B0604020202020204" pitchFamily="34" charset="0"/>
-                <a:cs typeface="Arial" panose="020B0604020202020204" pitchFamily="34" charset="0"/>
-              </a:rPr>
-              <a:t> </a:t>
-            </a:r>
-            <a:r>
-              <a:rPr lang="it-IT" b="1" dirty="0" err="1">
-                <a:solidFill>
-                  <a:schemeClr val="tx2"/>
-                </a:solidFill>
-                <a:latin typeface="Arial" panose="020B0604020202020204" pitchFamily="34" charset="0"/>
-                <a:cs typeface="Arial" panose="020B0604020202020204" pitchFamily="34" charset="0"/>
-              </a:rPr>
-              <a:t>regions</a:t>
-            </a:r>
-            <a:endParaRPr lang="it-IT" b="1" dirty="0">
-              <a:solidFill>
-                <a:schemeClr val="tx2"/>
-              </a:solidFill>
-              <a:latin typeface="Arial" panose="020B0604020202020204" pitchFamily="34" charset="0"/>
-              <a:cs typeface="Arial" panose="020B0604020202020204" pitchFamily="34" charset="0"/>
+            <a:pPr algn="ctr"/>
+            <a:endParaRPr lang="it-IT">
+              <a:solidFill>
+                <a:schemeClr val="tx1"/>
+              </a:solidFill>
             </a:endParaRPr>
           </a:p>
         </p:txBody>
@@ -24347,24 +19590,14 @@
               <a:buChar char="•"/>
             </a:pPr>
             <a:r>
-              <a:rPr lang="it-IT" b="1" dirty="0" err="1">
+              <a:rPr lang="it-IT" b="1" dirty="0">
                 <a:solidFill>
                   <a:schemeClr val="tx2"/>
                 </a:solidFill>
                 <a:latin typeface="Arial" panose="020B0604020202020204" pitchFamily="34" charset="0"/>
                 <a:cs typeface="Arial" panose="020B0604020202020204" pitchFamily="34" charset="0"/>
               </a:rPr>
-              <a:t>Hierarchy</a:t>
-            </a:r>
-            <a:r>
-              <a:rPr lang="it-IT" b="1" dirty="0">
-                <a:solidFill>
-                  <a:schemeClr val="tx2"/>
-                </a:solidFill>
-                <a:latin typeface="Arial" panose="020B0604020202020204" pitchFamily="34" charset="0"/>
-                <a:cs typeface="Arial" panose="020B0604020202020204" pitchFamily="34" charset="0"/>
-              </a:rPr>
-              <a:t> of self-</a:t>
+              <a:t>Self-</a:t>
             </a:r>
             <a:r>
               <a:rPr lang="it-IT" b="1" dirty="0" err="1">
@@ -24460,7 +19693,7 @@
                 <a:latin typeface="Arial" panose="020B0604020202020204" pitchFamily="34" charset="0"/>
                 <a:cs typeface="Arial" panose="020B0604020202020204" pitchFamily="34" charset="0"/>
               </a:rPr>
-              <a:t>extent</a:t>
+              <a:t>influenced</a:t>
             </a:r>
             <a:r>
               <a:rPr lang="it-IT" b="1" dirty="0">
@@ -24470,7 +19703,7 @@
                 <a:latin typeface="Arial" panose="020B0604020202020204" pitchFamily="34" charset="0"/>
                 <a:cs typeface="Arial" panose="020B0604020202020204" pitchFamily="34" charset="0"/>
               </a:rPr>
-              <a:t> to the </a:t>
+              <a:t> up to </a:t>
             </a:r>
             <a:r>
               <a:rPr lang="it-IT" b="1" dirty="0" err="1">
@@ -25469,6 +20702,108 @@
           </p:sp>
         </mc:Fallback>
       </mc:AlternateContent>
+      <p:sp>
+        <p:nvSpPr>
+          <p:cNvPr id="6" name="Rettangolo 5">
+            <a:extLst>
+              <a:ext uri="{FF2B5EF4-FFF2-40B4-BE49-F238E27FC236}">
+                <a16:creationId xmlns:a16="http://schemas.microsoft.com/office/drawing/2014/main" id="{B4517E34-C11B-644F-A414-3FA721E0B1B2}"/>
+              </a:ext>
+            </a:extLst>
+          </p:cNvPr>
+          <p:cNvSpPr/>
+          <p:nvPr/>
+        </p:nvSpPr>
+        <p:spPr>
+          <a:xfrm>
+            <a:off x="3909391" y="2515943"/>
+            <a:ext cx="225287" cy="238831"/>
+          </a:xfrm>
+          <a:prstGeom prst="rect">
+            <a:avLst/>
+          </a:prstGeom>
+          <a:solidFill>
+            <a:schemeClr val="bg1"/>
+          </a:solidFill>
+          <a:ln>
+            <a:noFill/>
+          </a:ln>
+          <a:effectLst/>
+        </p:spPr>
+        <p:style>
+          <a:lnRef idx="1">
+            <a:schemeClr val="accent1"/>
+          </a:lnRef>
+          <a:fillRef idx="3">
+            <a:schemeClr val="accent1"/>
+          </a:fillRef>
+          <a:effectRef idx="2">
+            <a:schemeClr val="accent1"/>
+          </a:effectRef>
+          <a:fontRef idx="minor">
+            <a:schemeClr val="lt1"/>
+          </a:fontRef>
+        </p:style>
+        <p:txBody>
+          <a:bodyPr rtlCol="0" anchor="ctr"/>
+          <a:lstStyle/>
+          <a:p>
+            <a:pPr algn="ctr"/>
+            <a:endParaRPr lang="it-IT"/>
+          </a:p>
+        </p:txBody>
+      </p:sp>
+      <p:sp>
+        <p:nvSpPr>
+          <p:cNvPr id="15" name="Rettangolo 14">
+            <a:extLst>
+              <a:ext uri="{FF2B5EF4-FFF2-40B4-BE49-F238E27FC236}">
+                <a16:creationId xmlns:a16="http://schemas.microsoft.com/office/drawing/2014/main" id="{944F98AF-2FCE-C74A-B62B-B72F15EB60EB}"/>
+              </a:ext>
+            </a:extLst>
+          </p:cNvPr>
+          <p:cNvSpPr/>
+          <p:nvPr/>
+        </p:nvSpPr>
+        <p:spPr>
+          <a:xfrm>
+            <a:off x="3900170" y="4074371"/>
+            <a:ext cx="225287" cy="238831"/>
+          </a:xfrm>
+          <a:prstGeom prst="rect">
+            <a:avLst/>
+          </a:prstGeom>
+          <a:solidFill>
+            <a:schemeClr val="bg1"/>
+          </a:solidFill>
+          <a:ln>
+            <a:noFill/>
+          </a:ln>
+          <a:effectLst/>
+        </p:spPr>
+        <p:style>
+          <a:lnRef idx="1">
+            <a:schemeClr val="accent1"/>
+          </a:lnRef>
+          <a:fillRef idx="3">
+            <a:schemeClr val="accent1"/>
+          </a:fillRef>
+          <a:effectRef idx="2">
+            <a:schemeClr val="accent1"/>
+          </a:effectRef>
+          <a:fontRef idx="minor">
+            <a:schemeClr val="lt1"/>
+          </a:fontRef>
+        </p:style>
+        <p:txBody>
+          <a:bodyPr rtlCol="0" anchor="ctr"/>
+          <a:lstStyle/>
+          <a:p>
+            <a:pPr algn="ctr"/>
+            <a:endParaRPr lang="it-IT"/>
+          </a:p>
+        </p:txBody>
+      </p:sp>
     </p:spTree>
     <p:extLst>
       <p:ext uri="{BB962C8B-B14F-4D97-AF65-F5344CB8AC3E}">
@@ -26082,58 +21417,6 @@
       </p:sp>
       <p:sp>
         <p:nvSpPr>
-          <p:cNvPr id="14" name="Rettangolo 13">
-            <a:extLst>
-              <a:ext uri="{FF2B5EF4-FFF2-40B4-BE49-F238E27FC236}">
-                <a16:creationId xmlns:a16="http://schemas.microsoft.com/office/drawing/2014/main" id="{CA7A36A7-3E5E-394B-A9CE-B3F46C468C97}"/>
-              </a:ext>
-            </a:extLst>
-          </p:cNvPr>
-          <p:cNvSpPr/>
-          <p:nvPr/>
-        </p:nvSpPr>
-        <p:spPr>
-          <a:xfrm>
-            <a:off x="1710244" y="4349713"/>
-            <a:ext cx="225909" cy="92872"/>
-          </a:xfrm>
-          <a:prstGeom prst="rect">
-            <a:avLst/>
-          </a:prstGeom>
-          <a:solidFill>
-            <a:schemeClr val="accent3">
-              <a:alpha val="50000"/>
-            </a:schemeClr>
-          </a:solidFill>
-          <a:ln>
-            <a:noFill/>
-          </a:ln>
-        </p:spPr>
-        <p:style>
-          <a:lnRef idx="0">
-            <a:scrgbClr r="0" g="0" b="0"/>
-          </a:lnRef>
-          <a:fillRef idx="0">
-            <a:scrgbClr r="0" g="0" b="0"/>
-          </a:fillRef>
-          <a:effectRef idx="0">
-            <a:scrgbClr r="0" g="0" b="0"/>
-          </a:effectRef>
-          <a:fontRef idx="minor">
-            <a:schemeClr val="lt1"/>
-          </a:fontRef>
-        </p:style>
-        <p:txBody>
-          <a:bodyPr rtlCol="0" anchor="ctr"/>
-          <a:lstStyle/>
-          <a:p>
-            <a:pPr algn="ctr"/>
-            <a:endParaRPr lang="it-IT" dirty="0"/>
-          </a:p>
-        </p:txBody>
-      </p:sp>
-      <p:sp>
-        <p:nvSpPr>
           <p:cNvPr id="16" name="CasellaDiTesto 15">
             <a:extLst>
               <a:ext uri="{FF2B5EF4-FFF2-40B4-BE49-F238E27FC236}">
@@ -26468,10 +21751,10 @@
       </p:sp>
       <p:sp>
         <p:nvSpPr>
-          <p:cNvPr id="18" name="Rettangolo 17">
+          <p:cNvPr id="23" name="Rettangolo 22">
             <a:extLst>
               <a:ext uri="{FF2B5EF4-FFF2-40B4-BE49-F238E27FC236}">
-                <a16:creationId xmlns:a16="http://schemas.microsoft.com/office/drawing/2014/main" id="{4A7EFE9D-8E1A-4A4E-ABF4-35ABD24FAF3F}"/>
+                <a16:creationId xmlns:a16="http://schemas.microsoft.com/office/drawing/2014/main" id="{E48D0641-9707-9940-84F9-D1B7A58F4E00}"/>
               </a:ext>
             </a:extLst>
           </p:cNvPr>
@@ -26479,9 +21762,9 @@
           <p:nvPr/>
         </p:nvSpPr>
         <p:spPr>
-          <a:xfrm rot="570774">
-            <a:off x="1740001" y="2822028"/>
-            <a:ext cx="505438" cy="74648"/>
+          <a:xfrm rot="195060">
+            <a:off x="3149265" y="2791222"/>
+            <a:ext cx="1207493" cy="105666"/>
           </a:xfrm>
           <a:prstGeom prst="rect">
             <a:avLst/>
@@ -26522,60 +21805,6 @@
       </p:sp>
       <p:sp>
         <p:nvSpPr>
-          <p:cNvPr id="23" name="Rettangolo 22">
-            <a:extLst>
-              <a:ext uri="{FF2B5EF4-FFF2-40B4-BE49-F238E27FC236}">
-                <a16:creationId xmlns:a16="http://schemas.microsoft.com/office/drawing/2014/main" id="{E48D0641-9707-9940-84F9-D1B7A58F4E00}"/>
-              </a:ext>
-            </a:extLst>
-          </p:cNvPr>
-          <p:cNvSpPr/>
-          <p:nvPr/>
-        </p:nvSpPr>
-        <p:spPr>
-          <a:xfrm rot="570774">
-            <a:off x="4016110" y="2813560"/>
-            <a:ext cx="505438" cy="74648"/>
-          </a:xfrm>
-          <a:prstGeom prst="rect">
-            <a:avLst/>
-          </a:prstGeom>
-          <a:solidFill>
-            <a:schemeClr val="tx2">
-              <a:lumMod val="40000"/>
-              <a:lumOff val="60000"/>
-              <a:alpha val="50000"/>
-            </a:schemeClr>
-          </a:solidFill>
-          <a:ln>
-            <a:noFill/>
-          </a:ln>
-        </p:spPr>
-        <p:style>
-          <a:lnRef idx="0">
-            <a:scrgbClr r="0" g="0" b="0"/>
-          </a:lnRef>
-          <a:fillRef idx="0">
-            <a:scrgbClr r="0" g="0" b="0"/>
-          </a:fillRef>
-          <a:effectRef idx="0">
-            <a:scrgbClr r="0" g="0" b="0"/>
-          </a:effectRef>
-          <a:fontRef idx="minor">
-            <a:schemeClr val="lt1"/>
-          </a:fontRef>
-        </p:style>
-        <p:txBody>
-          <a:bodyPr rtlCol="0" anchor="ctr"/>
-          <a:lstStyle/>
-          <a:p>
-            <a:pPr algn="ctr"/>
-            <a:endParaRPr lang="it-IT" dirty="0"/>
-          </a:p>
-        </p:txBody>
-      </p:sp>
-      <p:sp>
-        <p:nvSpPr>
           <p:cNvPr id="24" name="Rettangolo 23">
             <a:extLst>
               <a:ext uri="{FF2B5EF4-FFF2-40B4-BE49-F238E27FC236}">
@@ -26588,8 +21817,8 @@
         </p:nvSpPr>
         <p:spPr>
           <a:xfrm>
-            <a:off x="4013416" y="4349713"/>
-            <a:ext cx="225909" cy="92872"/>
+            <a:off x="3194462" y="4320209"/>
+            <a:ext cx="435951" cy="123875"/>
           </a:xfrm>
           <a:prstGeom prst="rect">
             <a:avLst/>
@@ -27171,8 +22400,8 @@
         </p:nvSpPr>
         <p:spPr>
           <a:xfrm>
-            <a:off x="584833" y="3051902"/>
-            <a:ext cx="7988418" cy="923330"/>
+            <a:off x="584833" y="3265624"/>
+            <a:ext cx="7988418" cy="646331"/>
           </a:xfrm>
           <a:prstGeom prst="rect">
             <a:avLst/>
@@ -27184,19 +22413,6 @@
             <a:spAutoFit/>
           </a:bodyPr>
           <a:lstStyle/>
-          <a:p>
-            <a:pPr algn="ctr"/>
-            <a:r>
-              <a:rPr lang="it-IT" b="1" dirty="0">
-                <a:solidFill>
-                  <a:srgbClr val="003F6E"/>
-                </a:solidFill>
-                <a:latin typeface="Arial" panose="020B0604020202020204" pitchFamily="34" charset="0"/>
-                <a:cs typeface="Arial" panose="020B0604020202020204" pitchFamily="34" charset="0"/>
-              </a:rPr>
-              <a:t>BUT,</a:t>
-            </a:r>
-          </a:p>
           <a:p>
             <a:pPr algn="just"/>
             <a:r>
@@ -33551,8 +28767,8 @@
               <a:lin ang="0" scaled="0"/>
               <a:tileRect/>
             </a:gradFill>
-            <a:headEnd type="oval" w="lg" len="lg"/>
-            <a:tailEnd type="none"/>
+            <a:headEnd type="oval" w="med" len="med"/>
+            <a:tailEnd type="none" w="sm" len="sm"/>
           </a:ln>
           <a:effectLst/>
         </p:spPr>
@@ -33631,7 +28847,7 @@
         </p:nvCxnSpPr>
         <p:spPr>
           <a:xfrm flipH="1">
-            <a:off x="1073844" y="4646896"/>
+            <a:off x="1073844" y="4646523"/>
             <a:ext cx="188900" cy="0"/>
           </a:xfrm>
           <a:prstGeom prst="straightConnector1">
@@ -34146,36 +29362,6 @@
           </a:p>
         </p:txBody>
       </p:sp>
-      <p:pic>
-        <p:nvPicPr>
-          <p:cNvPr id="8" name="Immagine 7">
-            <a:extLst>
-              <a:ext uri="{FF2B5EF4-FFF2-40B4-BE49-F238E27FC236}">
-                <a16:creationId xmlns:a16="http://schemas.microsoft.com/office/drawing/2014/main" id="{FEDDD34E-2EF6-C942-B26A-26FC0DAEE659}"/>
-              </a:ext>
-            </a:extLst>
-          </p:cNvPr>
-          <p:cNvPicPr>
-            <a:picLocks noChangeAspect="1"/>
-          </p:cNvPicPr>
-          <p:nvPr/>
-        </p:nvPicPr>
-        <p:blipFill>
-          <a:blip r:embed="rId3"/>
-          <a:stretch>
-            <a:fillRect/>
-          </a:stretch>
-        </p:blipFill>
-        <p:spPr>
-          <a:xfrm>
-            <a:off x="-5276" y="1503403"/>
-            <a:ext cx="4588279" cy="3692706"/>
-          </a:xfrm>
-          <a:prstGeom prst="rect">
-            <a:avLst/>
-          </a:prstGeom>
-        </p:spPr>
-      </p:pic>
       <p:sp>
         <p:nvSpPr>
           <p:cNvPr id="9" name="CasellaDiTesto 8">
@@ -34293,7 +29479,27 @@
                 <a:latin typeface="Arial" panose="020B0604020202020204" pitchFamily="34" charset="0"/>
                 <a:cs typeface="Arial" panose="020B0604020202020204" pitchFamily="34" charset="0"/>
               </a:rPr>
-              <a:t>, to exploit the </a:t>
+              <a:t>, to </a:t>
+            </a:r>
+            <a:r>
+              <a:rPr lang="it-IT" b="1" dirty="0" err="1">
+                <a:solidFill>
+                  <a:schemeClr val="tx2"/>
+                </a:solidFill>
+                <a:latin typeface="Arial" panose="020B0604020202020204" pitchFamily="34" charset="0"/>
+                <a:cs typeface="Arial" panose="020B0604020202020204" pitchFamily="34" charset="0"/>
+              </a:rPr>
+              <a:t>achieve</a:t>
+            </a:r>
+            <a:r>
+              <a:rPr lang="it-IT" b="1" dirty="0">
+                <a:solidFill>
+                  <a:schemeClr val="tx2"/>
+                </a:solidFill>
+                <a:latin typeface="Arial" panose="020B0604020202020204" pitchFamily="34" charset="0"/>
+                <a:cs typeface="Arial" panose="020B0604020202020204" pitchFamily="34" charset="0"/>
+              </a:rPr>
+              <a:t> the </a:t>
             </a:r>
             <a:r>
               <a:rPr lang="it-IT" b="1" dirty="0" err="1">
@@ -34410,6 +29616,36 @@
           <p:nvPr/>
         </p:nvPicPr>
         <p:blipFill>
+          <a:blip r:embed="rId3"/>
+          <a:stretch>
+            <a:fillRect/>
+          </a:stretch>
+        </p:blipFill>
+        <p:spPr>
+          <a:xfrm>
+            <a:off x="4555721" y="1471092"/>
+            <a:ext cx="4588279" cy="3441209"/>
+          </a:xfrm>
+          <a:prstGeom prst="rect">
+            <a:avLst/>
+          </a:prstGeom>
+        </p:spPr>
+      </p:pic>
+      <p:pic>
+        <p:nvPicPr>
+          <p:cNvPr id="4" name="Immagine 3">
+            <a:extLst>
+              <a:ext uri="{FF2B5EF4-FFF2-40B4-BE49-F238E27FC236}">
+                <a16:creationId xmlns:a16="http://schemas.microsoft.com/office/drawing/2014/main" id="{39C6DDAF-57B6-884B-9DD6-4956946659EB}"/>
+              </a:ext>
+            </a:extLst>
+          </p:cNvPr>
+          <p:cNvPicPr>
+            <a:picLocks noChangeAspect="1"/>
+          </p:cNvPicPr>
+          <p:nvPr/>
+        </p:nvPicPr>
+        <p:blipFill>
           <a:blip r:embed="rId4"/>
           <a:stretch>
             <a:fillRect/>
@@ -34417,14 +29653,78 @@
         </p:blipFill>
         <p:spPr>
           <a:xfrm>
-            <a:off x="4550014" y="1629151"/>
-            <a:ext cx="4588279" cy="3441209"/>
+            <a:off x="441191" y="1652582"/>
+            <a:ext cx="4011539" cy="3543526"/>
           </a:xfrm>
           <a:prstGeom prst="rect">
             <a:avLst/>
           </a:prstGeom>
         </p:spPr>
       </p:pic>
+      <p:sp>
+        <p:nvSpPr>
+          <p:cNvPr id="3" name="CasellaDiTesto 2">
+            <a:extLst>
+              <a:ext uri="{FF2B5EF4-FFF2-40B4-BE49-F238E27FC236}">
+                <a16:creationId xmlns:a16="http://schemas.microsoft.com/office/drawing/2014/main" id="{F5C0AEBE-2C8D-6840-8734-24C2D3058B7A}"/>
+              </a:ext>
+            </a:extLst>
+          </p:cNvPr>
+          <p:cNvSpPr txBox="1"/>
+          <p:nvPr/>
+        </p:nvSpPr>
+        <p:spPr>
+          <a:xfrm>
+            <a:off x="445060" y="4681469"/>
+            <a:ext cx="1435008" cy="230832"/>
+          </a:xfrm>
+          <a:prstGeom prst="rect">
+            <a:avLst/>
+          </a:prstGeom>
+          <a:noFill/>
+        </p:spPr>
+        <p:txBody>
+          <a:bodyPr wrap="none" rtlCol="0">
+            <a:spAutoFit/>
+          </a:bodyPr>
+          <a:lstStyle/>
+          <a:p>
+            <a:r>
+              <a:rPr lang="it-IT" sz="900" i="1" dirty="0" err="1">
+                <a:solidFill>
+                  <a:schemeClr val="bg1">
+                    <a:lumMod val="50000"/>
+                  </a:schemeClr>
+                </a:solidFill>
+                <a:latin typeface="Arial" panose="020B0604020202020204" pitchFamily="34" charset="0"/>
+                <a:cs typeface="Arial" panose="020B0604020202020204" pitchFamily="34" charset="0"/>
+              </a:rPr>
+              <a:t>Courtesy</a:t>
+            </a:r>
+            <a:r>
+              <a:rPr lang="it-IT" sz="900" i="1" dirty="0">
+                <a:solidFill>
+                  <a:schemeClr val="bg1">
+                    <a:lumMod val="50000"/>
+                  </a:schemeClr>
+                </a:solidFill>
+                <a:latin typeface="Arial" panose="020B0604020202020204" pitchFamily="34" charset="0"/>
+                <a:cs typeface="Arial" panose="020B0604020202020204" pitchFamily="34" charset="0"/>
+              </a:rPr>
+              <a:t> of TOP500.org</a:t>
+            </a:r>
+            <a:endParaRPr lang="it-IT" i="1" dirty="0">
+              <a:solidFill>
+                <a:schemeClr val="bg1">
+                  <a:lumMod val="50000"/>
+                </a:schemeClr>
+              </a:solidFill>
+              <a:latin typeface="Arial" panose="020B0604020202020204" pitchFamily="34" charset="0"/>
+              <a:cs typeface="Arial" panose="020B0604020202020204" pitchFamily="34" charset="0"/>
+            </a:endParaRPr>
+          </a:p>
+        </p:txBody>
+      </p:sp>
     </p:spTree>
     <p:extLst>
       <p:ext uri="{BB962C8B-B14F-4D97-AF65-F5344CB8AC3E}">
@@ -34929,7 +30229,7 @@
                   <a:schemeClr val="tx2"/>
                 </a:solidFill>
               </a:rPr>
-              <a:t>low-parallelized</a:t>
+              <a:t>poor-parallelized</a:t>
             </a:r>
             <a:r>
               <a:rPr lang="it-IT" sz="1900" b="1" dirty="0">
@@ -35459,7 +30759,7 @@
                 <a:latin typeface="Arial" panose="020B0604020202020204" pitchFamily="34" charset="0"/>
                 <a:cs typeface="Arial" panose="020B0604020202020204" pitchFamily="34" charset="0"/>
               </a:rPr>
-              <a:t>", P. Luchini and M. Quadrio, JCP (2005)</a:t>
+              <a:t>", P. Luchini and M. Quadrio, JCP (2006)</a:t>
             </a:r>
           </a:p>
           <a:p>
@@ -36045,22 +31345,6 @@
                   <a:schemeClr val="tx2"/>
                 </a:solidFill>
               </a:rPr>
-              <a:t>Paradigm</a:t>
-            </a:r>
-            <a:r>
-              <a:rPr lang="it-IT" sz="1800" b="1" dirty="0">
-                <a:solidFill>
-                  <a:schemeClr val="tx2"/>
-                </a:solidFill>
-              </a:rPr>
-              <a:t> </a:t>
-            </a:r>
-            <a:r>
-              <a:rPr lang="it-IT" sz="1800" b="1" dirty="0" err="1">
-                <a:solidFill>
-                  <a:schemeClr val="tx2"/>
-                </a:solidFill>
-              </a:rPr>
               <a:t>Pros</a:t>
             </a:r>
             <a:r>
@@ -36296,22 +31580,6 @@
             <a:pPr>
               <a:defRPr/>
             </a:pPr>
-            <a:r>
-              <a:rPr lang="it-IT" sz="1800" b="1" dirty="0" err="1">
-                <a:solidFill>
-                  <a:schemeClr val="tx2"/>
-                </a:solidFill>
-              </a:rPr>
-              <a:t>Paradigm</a:t>
-            </a:r>
-            <a:r>
-              <a:rPr lang="it-IT" sz="1800" b="1" dirty="0">
-                <a:solidFill>
-                  <a:schemeClr val="tx2"/>
-                </a:solidFill>
-              </a:rPr>
-              <a:t> </a:t>
-            </a:r>
             <a:r>
               <a:rPr lang="it-IT" sz="1800" b="1" dirty="0" err="1">
                 <a:solidFill>
@@ -36751,7 +32019,7 @@
                 <a:latin typeface="Arial" panose="020B0604020202020204" pitchFamily="34" charset="0"/>
                 <a:cs typeface="Arial" panose="020B0604020202020204" pitchFamily="34" charset="0"/>
               </a:rPr>
-              <a:t>Written</a:t>
+              <a:t>Based</a:t>
             </a:r>
             <a:r>
               <a:rPr lang="it-IT" b="1" dirty="0">
@@ -36761,7 +32029,7 @@
                 <a:latin typeface="Arial" panose="020B0604020202020204" pitchFamily="34" charset="0"/>
                 <a:cs typeface="Arial" panose="020B0604020202020204" pitchFamily="34" charset="0"/>
               </a:rPr>
-              <a:t> </a:t>
+              <a:t> on Fourier </a:t>
             </a:r>
             <a:r>
               <a:rPr lang="it-IT" b="1" dirty="0" err="1">
@@ -36771,7 +32039,7 @@
                 <a:latin typeface="Arial" panose="020B0604020202020204" pitchFamily="34" charset="0"/>
                 <a:cs typeface="Arial" panose="020B0604020202020204" pitchFamily="34" charset="0"/>
               </a:rPr>
-              <a:t>partially</a:t>
+              <a:t>expansion</a:t>
             </a:r>
             <a:r>
               <a:rPr lang="it-IT" b="1" dirty="0">
@@ -36781,7 +32049,7 @@
                 <a:latin typeface="Arial" panose="020B0604020202020204" pitchFamily="34" charset="0"/>
                 <a:cs typeface="Arial" panose="020B0604020202020204" pitchFamily="34" charset="0"/>
               </a:rPr>
-              <a:t> in CPL and </a:t>
+              <a:t> </a:t>
             </a:r>
             <a:r>
               <a:rPr lang="it-IT" b="1" dirty="0" err="1">
@@ -36791,7 +32059,7 @@
                 <a:latin typeface="Arial" panose="020B0604020202020204" pitchFamily="34" charset="0"/>
                 <a:cs typeface="Arial" panose="020B0604020202020204" pitchFamily="34" charset="0"/>
               </a:rPr>
-              <a:t>partially</a:t>
+              <a:t>series</a:t>
             </a:r>
             <a:r>
               <a:rPr lang="it-IT" b="1" dirty="0">
@@ -36801,8 +32069,65 @@
                 <a:latin typeface="Arial" panose="020B0604020202020204" pitchFamily="34" charset="0"/>
                 <a:cs typeface="Arial" panose="020B0604020202020204" pitchFamily="34" charset="0"/>
               </a:rPr>
-              <a:t> in C</a:t>
-            </a:r>
+              <a:t> </a:t>
+            </a:r>
+            <a:r>
+              <a:rPr lang="it-IT" b="1" dirty="0" err="1">
+                <a:solidFill>
+                  <a:schemeClr val="tx2"/>
+                </a:solidFill>
+                <a:latin typeface="Arial" panose="020B0604020202020204" pitchFamily="34" charset="0"/>
+                <a:cs typeface="Arial" panose="020B0604020202020204" pitchFamily="34" charset="0"/>
+              </a:rPr>
+              <a:t>along</a:t>
+            </a:r>
+            <a:r>
+              <a:rPr lang="it-IT" b="1" dirty="0">
+                <a:solidFill>
+                  <a:schemeClr val="tx2"/>
+                </a:solidFill>
+                <a:latin typeface="Arial" panose="020B0604020202020204" pitchFamily="34" charset="0"/>
+                <a:cs typeface="Arial" panose="020B0604020202020204" pitchFamily="34" charset="0"/>
+              </a:rPr>
+              <a:t> </a:t>
+            </a:r>
+            <a:r>
+              <a:rPr lang="it-IT" b="1" dirty="0" err="1">
+                <a:solidFill>
+                  <a:schemeClr val="tx2"/>
+                </a:solidFill>
+                <a:latin typeface="Arial" panose="020B0604020202020204" pitchFamily="34" charset="0"/>
+                <a:cs typeface="Arial" panose="020B0604020202020204" pitchFamily="34" charset="0"/>
+              </a:rPr>
+              <a:t>homogenous</a:t>
+            </a:r>
+            <a:r>
+              <a:rPr lang="it-IT" b="1" dirty="0">
+                <a:solidFill>
+                  <a:schemeClr val="tx2"/>
+                </a:solidFill>
+                <a:latin typeface="Arial" panose="020B0604020202020204" pitchFamily="34" charset="0"/>
+                <a:cs typeface="Arial" panose="020B0604020202020204" pitchFamily="34" charset="0"/>
+              </a:rPr>
+              <a:t> </a:t>
+            </a:r>
+            <a:r>
+              <a:rPr lang="it-IT" b="1" dirty="0" err="1">
+                <a:solidFill>
+                  <a:schemeClr val="tx2"/>
+                </a:solidFill>
+                <a:latin typeface="Arial" panose="020B0604020202020204" pitchFamily="34" charset="0"/>
+                <a:cs typeface="Arial" panose="020B0604020202020204" pitchFamily="34" charset="0"/>
+              </a:rPr>
+              <a:t>directions</a:t>
+            </a:r>
+            <a:endParaRPr lang="it-IT" b="1" dirty="0">
+              <a:solidFill>
+                <a:schemeClr val="tx2"/>
+              </a:solidFill>
+              <a:latin typeface="Arial" panose="020B0604020202020204" pitchFamily="34" charset="0"/>
+              <a:cs typeface="Arial" panose="020B0604020202020204" pitchFamily="34" charset="0"/>
+            </a:endParaRPr>
           </a:p>
           <a:p>
             <a:pPr marL="285750" indent="-285750" algn="just">
@@ -36813,114 +32138,104 @@
               <a:buChar char="Ø"/>
             </a:pPr>
             <a:r>
-              <a:rPr lang="it-IT" b="1" dirty="0" err="1">
+              <a:rPr lang="it-IT" b="1" dirty="0">
                 <a:solidFill>
                   <a:schemeClr val="tx2"/>
                 </a:solidFill>
                 <a:latin typeface="Arial" panose="020B0604020202020204" pitchFamily="34" charset="0"/>
                 <a:cs typeface="Arial" panose="020B0604020202020204" pitchFamily="34" charset="0"/>
               </a:rPr>
-              <a:t>Based</a:t>
-            </a:r>
-            <a:r>
-              <a:rPr lang="it-IT" b="1" dirty="0">
+              <a:t>Compact finite </a:t>
+            </a:r>
+            <a:r>
+              <a:rPr lang="it-IT" b="1" dirty="0" err="1">
                 <a:solidFill>
                   <a:schemeClr val="tx2"/>
                 </a:solidFill>
                 <a:latin typeface="Arial" panose="020B0604020202020204" pitchFamily="34" charset="0"/>
                 <a:cs typeface="Arial" panose="020B0604020202020204" pitchFamily="34" charset="0"/>
               </a:rPr>
-              <a:t> on Fourier </a:t>
-            </a:r>
-            <a:r>
-              <a:rPr lang="it-IT" b="1" dirty="0" err="1">
+              <a:t>differences</a:t>
+            </a:r>
+            <a:r>
+              <a:rPr lang="it-IT" b="1" dirty="0">
                 <a:solidFill>
                   <a:schemeClr val="tx2"/>
                 </a:solidFill>
                 <a:latin typeface="Arial" panose="020B0604020202020204" pitchFamily="34" charset="0"/>
                 <a:cs typeface="Arial" panose="020B0604020202020204" pitchFamily="34" charset="0"/>
               </a:rPr>
-              <a:t>expansion</a:t>
-            </a:r>
-            <a:r>
-              <a:rPr lang="it-IT" b="1" dirty="0">
+              <a:t> </a:t>
+            </a:r>
+            <a:r>
+              <a:rPr lang="it-IT" b="1" dirty="0" err="1">
                 <a:solidFill>
                   <a:schemeClr val="tx2"/>
                 </a:solidFill>
                 <a:latin typeface="Arial" panose="020B0604020202020204" pitchFamily="34" charset="0"/>
                 <a:cs typeface="Arial" panose="020B0604020202020204" pitchFamily="34" charset="0"/>
               </a:rPr>
-              <a:t> </a:t>
-            </a:r>
-            <a:r>
-              <a:rPr lang="it-IT" b="1" dirty="0" err="1">
+              <a:t>along</a:t>
+            </a:r>
+            <a:r>
+              <a:rPr lang="it-IT" b="1" dirty="0">
                 <a:solidFill>
                   <a:schemeClr val="tx2"/>
                 </a:solidFill>
                 <a:latin typeface="Arial" panose="020B0604020202020204" pitchFamily="34" charset="0"/>
                 <a:cs typeface="Arial" panose="020B0604020202020204" pitchFamily="34" charset="0"/>
               </a:rPr>
-              <a:t>series</a:t>
-            </a:r>
-            <a:r>
-              <a:rPr lang="it-IT" b="1" dirty="0">
+              <a:t> </a:t>
+            </a:r>
+            <a:r>
+              <a:rPr lang="it-IT" b="1" dirty="0" err="1">
                 <a:solidFill>
                   <a:schemeClr val="tx2"/>
                 </a:solidFill>
                 <a:latin typeface="Arial" panose="020B0604020202020204" pitchFamily="34" charset="0"/>
                 <a:cs typeface="Arial" panose="020B0604020202020204" pitchFamily="34" charset="0"/>
               </a:rPr>
-              <a:t> </a:t>
-            </a:r>
-            <a:r>
-              <a:rPr lang="it-IT" b="1" dirty="0" err="1">
+              <a:t>wall</a:t>
+            </a:r>
+            <a:r>
+              <a:rPr lang="it-IT" b="1" dirty="0">
                 <a:solidFill>
                   <a:schemeClr val="tx2"/>
                 </a:solidFill>
                 <a:latin typeface="Arial" panose="020B0604020202020204" pitchFamily="34" charset="0"/>
                 <a:cs typeface="Arial" panose="020B0604020202020204" pitchFamily="34" charset="0"/>
               </a:rPr>
-              <a:t>along</a:t>
-            </a:r>
-            <a:r>
-              <a:rPr lang="it-IT" b="1" dirty="0">
+              <a:t> </a:t>
+            </a:r>
+            <a:r>
+              <a:rPr lang="it-IT" b="1" dirty="0" err="1">
                 <a:solidFill>
                   <a:schemeClr val="tx2"/>
                 </a:solidFill>
                 <a:latin typeface="Arial" panose="020B0604020202020204" pitchFamily="34" charset="0"/>
                 <a:cs typeface="Arial" panose="020B0604020202020204" pitchFamily="34" charset="0"/>
               </a:rPr>
-              <a:t> </a:t>
-            </a:r>
-            <a:r>
-              <a:rPr lang="it-IT" b="1" dirty="0" err="1">
+              <a:t>normal</a:t>
+            </a:r>
+            <a:r>
+              <a:rPr lang="it-IT" b="1" dirty="0">
                 <a:solidFill>
                   <a:schemeClr val="tx2"/>
                 </a:solidFill>
                 <a:latin typeface="Arial" panose="020B0604020202020204" pitchFamily="34" charset="0"/>
                 <a:cs typeface="Arial" panose="020B0604020202020204" pitchFamily="34" charset="0"/>
               </a:rPr>
-              <a:t>homogenous</a:t>
-            </a:r>
-            <a:r>
-              <a:rPr lang="it-IT" b="1" dirty="0">
+              <a:t> </a:t>
+            </a:r>
+            <a:r>
+              <a:rPr lang="it-IT" b="1" dirty="0" err="1">
                 <a:solidFill>
                   <a:schemeClr val="tx2"/>
                 </a:solidFill>
                 <a:latin typeface="Arial" panose="020B0604020202020204" pitchFamily="34" charset="0"/>
                 <a:cs typeface="Arial" panose="020B0604020202020204" pitchFamily="34" charset="0"/>
               </a:rPr>
-              <a:t> </a:t>
-            </a:r>
-            <a:r>
-              <a:rPr lang="it-IT" b="1" dirty="0" err="1">
-                <a:solidFill>
-                  <a:schemeClr val="tx2"/>
-                </a:solidFill>
-                <a:latin typeface="Arial" panose="020B0604020202020204" pitchFamily="34" charset="0"/>
-                <a:cs typeface="Arial" panose="020B0604020202020204" pitchFamily="34" charset="0"/>
-              </a:rPr>
-              <a:t>directions</a:t>
+              <a:t>direction</a:t>
             </a:r>
             <a:endParaRPr lang="it-IT" b="1" dirty="0">
               <a:solidFill>
@@ -36939,104 +32254,114 @@
               <a:buChar char="Ø"/>
             </a:pPr>
             <a:r>
-              <a:rPr lang="it-IT" b="1" dirty="0">
+              <a:rPr lang="it-IT" b="1" dirty="0" err="1">
                 <a:solidFill>
                   <a:schemeClr val="tx2"/>
                 </a:solidFill>
                 <a:latin typeface="Arial" panose="020B0604020202020204" pitchFamily="34" charset="0"/>
                 <a:cs typeface="Arial" panose="020B0604020202020204" pitchFamily="34" charset="0"/>
               </a:rPr>
-              <a:t>Compact finite </a:t>
-            </a:r>
-            <a:r>
-              <a:rPr lang="it-IT" b="1" dirty="0" err="1">
+              <a:t>Convolutions</a:t>
+            </a:r>
+            <a:r>
+              <a:rPr lang="it-IT" b="1" dirty="0">
                 <a:solidFill>
                   <a:schemeClr val="tx2"/>
                 </a:solidFill>
                 <a:latin typeface="Arial" panose="020B0604020202020204" pitchFamily="34" charset="0"/>
                 <a:cs typeface="Arial" panose="020B0604020202020204" pitchFamily="34" charset="0"/>
               </a:rPr>
-              <a:t>differences</a:t>
-            </a:r>
-            <a:r>
-              <a:rPr lang="it-IT" b="1" dirty="0">
+              <a:t> </a:t>
+            </a:r>
+            <a:r>
+              <a:rPr lang="it-IT" b="1" dirty="0" err="1">
                 <a:solidFill>
                   <a:schemeClr val="tx2"/>
                 </a:solidFill>
                 <a:latin typeface="Arial" panose="020B0604020202020204" pitchFamily="34" charset="0"/>
                 <a:cs typeface="Arial" panose="020B0604020202020204" pitchFamily="34" charset="0"/>
               </a:rPr>
-              <a:t> </a:t>
-            </a:r>
-            <a:r>
-              <a:rPr lang="it-IT" b="1" dirty="0" err="1">
+              <a:t>computed</a:t>
+            </a:r>
+            <a:r>
+              <a:rPr lang="it-IT" b="1" dirty="0">
                 <a:solidFill>
                   <a:schemeClr val="tx2"/>
                 </a:solidFill>
                 <a:latin typeface="Arial" panose="020B0604020202020204" pitchFamily="34" charset="0"/>
                 <a:cs typeface="Arial" panose="020B0604020202020204" pitchFamily="34" charset="0"/>
               </a:rPr>
-              <a:t>along</a:t>
-            </a:r>
-            <a:r>
-              <a:rPr lang="it-IT" b="1" dirty="0">
+              <a:t> in </a:t>
+            </a:r>
+            <a:r>
+              <a:rPr lang="it-IT" b="1" dirty="0" err="1">
                 <a:solidFill>
                   <a:schemeClr val="tx2"/>
                 </a:solidFill>
                 <a:latin typeface="Arial" panose="020B0604020202020204" pitchFamily="34" charset="0"/>
                 <a:cs typeface="Arial" panose="020B0604020202020204" pitchFamily="34" charset="0"/>
               </a:rPr>
-              <a:t> </a:t>
-            </a:r>
-            <a:r>
-              <a:rPr lang="it-IT" b="1" dirty="0" err="1">
+              <a:t>physical</a:t>
+            </a:r>
+            <a:r>
+              <a:rPr lang="it-IT" b="1" dirty="0">
                 <a:solidFill>
                   <a:schemeClr val="tx2"/>
                 </a:solidFill>
                 <a:latin typeface="Arial" panose="020B0604020202020204" pitchFamily="34" charset="0"/>
                 <a:cs typeface="Arial" panose="020B0604020202020204" pitchFamily="34" charset="0"/>
               </a:rPr>
-              <a:t>wall</a:t>
-            </a:r>
-            <a:r>
-              <a:rPr lang="it-IT" b="1" dirty="0">
+              <a:t> </a:t>
+            </a:r>
+            <a:r>
+              <a:rPr lang="it-IT" b="1" dirty="0" err="1">
                 <a:solidFill>
                   <a:schemeClr val="tx2"/>
                 </a:solidFill>
                 <a:latin typeface="Arial" panose="020B0604020202020204" pitchFamily="34" charset="0"/>
                 <a:cs typeface="Arial" panose="020B0604020202020204" pitchFamily="34" charset="0"/>
               </a:rPr>
-              <a:t> </a:t>
-            </a:r>
-            <a:r>
-              <a:rPr lang="it-IT" b="1" dirty="0" err="1">
+              <a:t>space</a:t>
+            </a:r>
+            <a:r>
+              <a:rPr lang="it-IT" b="1" dirty="0">
                 <a:solidFill>
                   <a:schemeClr val="tx2"/>
                 </a:solidFill>
                 <a:latin typeface="Arial" panose="020B0604020202020204" pitchFamily="34" charset="0"/>
                 <a:cs typeface="Arial" panose="020B0604020202020204" pitchFamily="34" charset="0"/>
               </a:rPr>
-              <a:t>normal</a:t>
-            </a:r>
-            <a:r>
-              <a:rPr lang="it-IT" b="1" dirty="0">
+              <a:t> to reduce </a:t>
+            </a:r>
+            <a:r>
+              <a:rPr lang="it-IT" b="1" dirty="0" err="1">
                 <a:solidFill>
                   <a:schemeClr val="tx2"/>
                 </a:solidFill>
                 <a:latin typeface="Arial" panose="020B0604020202020204" pitchFamily="34" charset="0"/>
                 <a:cs typeface="Arial" panose="020B0604020202020204" pitchFamily="34" charset="0"/>
               </a:rPr>
-              <a:t> </a:t>
-            </a:r>
-            <a:r>
-              <a:rPr lang="it-IT" b="1" dirty="0" err="1">
+              <a:t>computational</a:t>
+            </a:r>
+            <a:r>
+              <a:rPr lang="it-IT" b="1" dirty="0">
                 <a:solidFill>
                   <a:schemeClr val="tx2"/>
                 </a:solidFill>
                 <a:latin typeface="Arial" panose="020B0604020202020204" pitchFamily="34" charset="0"/>
                 <a:cs typeface="Arial" panose="020B0604020202020204" pitchFamily="34" charset="0"/>
               </a:rPr>
-              <a:t>direction</a:t>
+              <a:t> </a:t>
+            </a:r>
+            <a:r>
+              <a:rPr lang="it-IT" b="1" dirty="0" err="1">
+                <a:solidFill>
+                  <a:schemeClr val="tx2"/>
+                </a:solidFill>
+                <a:latin typeface="Arial" panose="020B0604020202020204" pitchFamily="34" charset="0"/>
+                <a:cs typeface="Arial" panose="020B0604020202020204" pitchFamily="34" charset="0"/>
+              </a:rPr>
+              <a:t>cost</a:t>
             </a:r>
             <a:endParaRPr lang="it-IT" b="1" dirty="0">
               <a:solidFill>
@@ -37057,17 +32382,17 @@
             <a:r>
               <a:rPr lang="it-IT" b="1" dirty="0" err="1">
                 <a:solidFill>
-                  <a:schemeClr val="tx2"/>
+                  <a:srgbClr val="FF0000"/>
                 </a:solidFill>
                 <a:latin typeface="Arial" panose="020B0604020202020204" pitchFamily="34" charset="0"/>
                 <a:cs typeface="Arial" panose="020B0604020202020204" pitchFamily="34" charset="0"/>
               </a:rPr>
-              <a:t>Convolutions</a:t>
+              <a:t>Massively</a:t>
             </a:r>
             <a:r>
               <a:rPr lang="it-IT" b="1" dirty="0">
                 <a:solidFill>
-                  <a:schemeClr val="tx2"/>
+                  <a:srgbClr val="FF0000"/>
                 </a:solidFill>
                 <a:latin typeface="Arial" panose="020B0604020202020204" pitchFamily="34" charset="0"/>
                 <a:cs typeface="Arial" panose="020B0604020202020204" pitchFamily="34" charset="0"/>
@@ -37077,56 +32402,56 @@
             <a:r>
               <a:rPr lang="it-IT" b="1" dirty="0" err="1">
                 <a:solidFill>
-                  <a:schemeClr val="tx2"/>
+                  <a:srgbClr val="FF0000"/>
                 </a:solidFill>
                 <a:latin typeface="Arial" panose="020B0604020202020204" pitchFamily="34" charset="0"/>
                 <a:cs typeface="Arial" panose="020B0604020202020204" pitchFamily="34" charset="0"/>
               </a:rPr>
-              <a:t>computed</a:t>
+              <a:t>parallel</a:t>
             </a:r>
             <a:r>
               <a:rPr lang="it-IT" b="1" dirty="0">
                 <a:solidFill>
-                  <a:schemeClr val="tx2"/>
+                  <a:srgbClr val="FF0000"/>
                 </a:solidFill>
                 <a:latin typeface="Arial" panose="020B0604020202020204" pitchFamily="34" charset="0"/>
                 <a:cs typeface="Arial" panose="020B0604020202020204" pitchFamily="34" charset="0"/>
               </a:rPr>
-              <a:t> in time domain to reduce </a:t>
+              <a:t> </a:t>
             </a:r>
             <a:r>
               <a:rPr lang="it-IT" b="1" dirty="0" err="1">
                 <a:solidFill>
-                  <a:schemeClr val="tx2"/>
+                  <a:srgbClr val="FF0000"/>
                 </a:solidFill>
                 <a:latin typeface="Arial" panose="020B0604020202020204" pitchFamily="34" charset="0"/>
                 <a:cs typeface="Arial" panose="020B0604020202020204" pitchFamily="34" charset="0"/>
               </a:rPr>
-              <a:t>computational</a:t>
+              <a:t>thanks</a:t>
             </a:r>
             <a:r>
               <a:rPr lang="it-IT" b="1" dirty="0">
                 <a:solidFill>
-                  <a:schemeClr val="tx2"/>
+                  <a:srgbClr val="FF0000"/>
                 </a:solidFill>
                 <a:latin typeface="Arial" panose="020B0604020202020204" pitchFamily="34" charset="0"/>
                 <a:cs typeface="Arial" panose="020B0604020202020204" pitchFamily="34" charset="0"/>
               </a:rPr>
-              <a:t> </a:t>
+              <a:t> to MPI </a:t>
             </a:r>
             <a:r>
               <a:rPr lang="it-IT" b="1" dirty="0" err="1">
                 <a:solidFill>
-                  <a:schemeClr val="tx2"/>
+                  <a:srgbClr val="FF0000"/>
                 </a:solidFill>
                 <a:latin typeface="Arial" panose="020B0604020202020204" pitchFamily="34" charset="0"/>
                 <a:cs typeface="Arial" panose="020B0604020202020204" pitchFamily="34" charset="0"/>
               </a:rPr>
-              <a:t>cost</a:t>
+              <a:t>implementation</a:t>
             </a:r>
             <a:endParaRPr lang="it-IT" b="1" dirty="0">
               <a:solidFill>
-                <a:schemeClr val="tx2"/>
+                <a:srgbClr val="FF0000"/>
               </a:solidFill>
               <a:latin typeface="Arial" panose="020B0604020202020204" pitchFamily="34" charset="0"/>
               <a:cs typeface="Arial" panose="020B0604020202020204" pitchFamily="34" charset="0"/>
@@ -37141,78 +32466,28 @@
               <a:buChar char="Ø"/>
             </a:pPr>
             <a:r>
-              <a:rPr lang="it-IT" b="1" dirty="0" err="1">
-                <a:solidFill>
-                  <a:schemeClr val="tx2"/>
+              <a:rPr lang="it-IT" b="1" dirty="0">
+                <a:solidFill>
+                  <a:srgbClr val="FF0000"/>
                 </a:solidFill>
                 <a:latin typeface="Arial" panose="020B0604020202020204" pitchFamily="34" charset="0"/>
                 <a:cs typeface="Arial" panose="020B0604020202020204" pitchFamily="34" charset="0"/>
               </a:rPr>
-              <a:t>Massively</a:t>
-            </a:r>
-            <a:r>
-              <a:rPr lang="it-IT" b="1" dirty="0">
-                <a:solidFill>
-                  <a:schemeClr val="tx2"/>
+              <a:t>1D or 2D domain </a:t>
+            </a:r>
+            <a:r>
+              <a:rPr lang="it-IT" b="1" dirty="0" err="1">
+                <a:solidFill>
+                  <a:srgbClr val="FF0000"/>
                 </a:solidFill>
                 <a:latin typeface="Arial" panose="020B0604020202020204" pitchFamily="34" charset="0"/>
                 <a:cs typeface="Arial" panose="020B0604020202020204" pitchFamily="34" charset="0"/>
               </a:rPr>
-              <a:t> </a:t>
-            </a:r>
-            <a:r>
-              <a:rPr lang="it-IT" b="1" dirty="0" err="1">
-                <a:solidFill>
-                  <a:schemeClr val="tx2"/>
-                </a:solidFill>
-                <a:latin typeface="Arial" panose="020B0604020202020204" pitchFamily="34" charset="0"/>
-                <a:cs typeface="Arial" panose="020B0604020202020204" pitchFamily="34" charset="0"/>
-              </a:rPr>
-              <a:t>parallel</a:t>
-            </a:r>
-            <a:r>
-              <a:rPr lang="it-IT" b="1" dirty="0">
-                <a:solidFill>
-                  <a:schemeClr val="tx2"/>
-                </a:solidFill>
-                <a:latin typeface="Arial" panose="020B0604020202020204" pitchFamily="34" charset="0"/>
-                <a:cs typeface="Arial" panose="020B0604020202020204" pitchFamily="34" charset="0"/>
-              </a:rPr>
-              <a:t> </a:t>
-            </a:r>
-            <a:r>
-              <a:rPr lang="it-IT" b="1" dirty="0" err="1">
-                <a:solidFill>
-                  <a:schemeClr val="tx2"/>
-                </a:solidFill>
-                <a:latin typeface="Arial" panose="020B0604020202020204" pitchFamily="34" charset="0"/>
-                <a:cs typeface="Arial" panose="020B0604020202020204" pitchFamily="34" charset="0"/>
-              </a:rPr>
-              <a:t>thanks</a:t>
-            </a:r>
-            <a:r>
-              <a:rPr lang="it-IT" b="1" dirty="0">
-                <a:solidFill>
-                  <a:schemeClr val="tx2"/>
-                </a:solidFill>
-                <a:latin typeface="Arial" panose="020B0604020202020204" pitchFamily="34" charset="0"/>
-                <a:cs typeface="Arial" panose="020B0604020202020204" pitchFamily="34" charset="0"/>
-              </a:rPr>
-              <a:t> to MPI </a:t>
-            </a:r>
-            <a:r>
-              <a:rPr lang="it-IT" b="1" dirty="0" err="1">
-                <a:solidFill>
-                  <a:schemeClr val="tx2"/>
-                </a:solidFill>
-                <a:latin typeface="Arial" panose="020B0604020202020204" pitchFamily="34" charset="0"/>
-                <a:cs typeface="Arial" panose="020B0604020202020204" pitchFamily="34" charset="0"/>
-              </a:rPr>
-              <a:t>implementation</a:t>
+              <a:t>decomposition</a:t>
             </a:r>
             <a:endParaRPr lang="it-IT" b="1" dirty="0">
               <a:solidFill>
-                <a:schemeClr val="tx2"/>
+                <a:srgbClr val="FF0000"/>
               </a:solidFill>
               <a:latin typeface="Arial" panose="020B0604020202020204" pitchFamily="34" charset="0"/>
               <a:cs typeface="Arial" panose="020B0604020202020204" pitchFamily="34" charset="0"/>
@@ -37227,32 +32502,65 @@
               <a:buChar char="Ø"/>
             </a:pPr>
             <a:r>
-              <a:rPr lang="it-IT" b="1" dirty="0">
-                <a:solidFill>
-                  <a:schemeClr val="tx2"/>
+              <a:rPr lang="it-IT" b="1" dirty="0" err="1">
+                <a:solidFill>
+                  <a:srgbClr val="FF0000"/>
                 </a:solidFill>
                 <a:latin typeface="Arial" panose="020B0604020202020204" pitchFamily="34" charset="0"/>
                 <a:cs typeface="Arial" panose="020B0604020202020204" pitchFamily="34" charset="0"/>
               </a:rPr>
-              <a:t>1D or 2D domain </a:t>
-            </a:r>
-            <a:r>
-              <a:rPr lang="it-IT" b="1" dirty="0" err="1">
-                <a:solidFill>
-                  <a:schemeClr val="tx2"/>
+              <a:t>Written</a:t>
+            </a:r>
+            <a:r>
+              <a:rPr lang="it-IT" b="1" dirty="0">
+                <a:solidFill>
+                  <a:srgbClr val="FF0000"/>
                 </a:solidFill>
                 <a:latin typeface="Arial" panose="020B0604020202020204" pitchFamily="34" charset="0"/>
                 <a:cs typeface="Arial" panose="020B0604020202020204" pitchFamily="34" charset="0"/>
               </a:rPr>
-              <a:t>decomposition</a:t>
-            </a:r>
-            <a:endParaRPr lang="it-IT" b="1" dirty="0">
-              <a:solidFill>
-                <a:schemeClr val="tx2"/>
-              </a:solidFill>
-              <a:latin typeface="Arial" panose="020B0604020202020204" pitchFamily="34" charset="0"/>
-              <a:cs typeface="Arial" panose="020B0604020202020204" pitchFamily="34" charset="0"/>
-            </a:endParaRPr>
+              <a:t> </a:t>
+            </a:r>
+            <a:r>
+              <a:rPr lang="it-IT" b="1" dirty="0" err="1">
+                <a:solidFill>
+                  <a:srgbClr val="FF0000"/>
+                </a:solidFill>
+                <a:latin typeface="Arial" panose="020B0604020202020204" pitchFamily="34" charset="0"/>
+                <a:cs typeface="Arial" panose="020B0604020202020204" pitchFamily="34" charset="0"/>
+              </a:rPr>
+              <a:t>partially</a:t>
+            </a:r>
+            <a:r>
+              <a:rPr lang="it-IT" b="1" dirty="0">
+                <a:solidFill>
+                  <a:srgbClr val="FF0000"/>
+                </a:solidFill>
+                <a:latin typeface="Arial" panose="020B0604020202020204" pitchFamily="34" charset="0"/>
+                <a:cs typeface="Arial" panose="020B0604020202020204" pitchFamily="34" charset="0"/>
+              </a:rPr>
+              <a:t> in CPL and </a:t>
+            </a:r>
+            <a:r>
+              <a:rPr lang="it-IT" b="1" dirty="0" err="1">
+                <a:solidFill>
+                  <a:srgbClr val="FF0000"/>
+                </a:solidFill>
+                <a:latin typeface="Arial" panose="020B0604020202020204" pitchFamily="34" charset="0"/>
+                <a:cs typeface="Arial" panose="020B0604020202020204" pitchFamily="34" charset="0"/>
+              </a:rPr>
+              <a:t>partially</a:t>
+            </a:r>
+            <a:r>
+              <a:rPr lang="it-IT" b="1" dirty="0">
+                <a:solidFill>
+                  <a:srgbClr val="FF0000"/>
+                </a:solidFill>
+                <a:latin typeface="Arial" panose="020B0604020202020204" pitchFamily="34" charset="0"/>
+                <a:cs typeface="Arial" panose="020B0604020202020204" pitchFamily="34" charset="0"/>
+              </a:rPr>
+              <a:t> in C</a:t>
+            </a:r>
           </a:p>
         </p:txBody>
       </p:sp>
@@ -37432,8 +32740,8 @@
         </p:nvSpPr>
         <p:spPr>
           <a:xfrm>
-            <a:off x="6403789" y="5276760"/>
-            <a:ext cx="1801199" cy="369332"/>
+            <a:off x="6301518" y="5276760"/>
+            <a:ext cx="2005742" cy="369332"/>
           </a:xfrm>
           <a:prstGeom prst="rect">
             <a:avLst/>
@@ -37455,21 +32763,15 @@
                 <a:latin typeface="Arial" panose="020B0604020202020204" pitchFamily="34" charset="0"/>
                 <a:cs typeface="Arial" panose="020B0604020202020204" pitchFamily="34" charset="0"/>
               </a:rPr>
-              <a:t>Array</a:t>
-            </a:r>
-            <a:r>
-              <a:rPr lang="it-IT" b="1" dirty="0">
+              <a:t>Array </a:t>
+            </a:r>
+            <a:r>
+              <a:rPr lang="it-IT" b="1" dirty="0" err="1">
                 <a:solidFill>
                   <a:schemeClr val="tx2"/>
                 </a:solidFill>
-              </a:rPr>
-              <a:t> </a:t>
-            </a:r>
-            <a:r>
-              <a:rPr lang="it-IT" b="1" dirty="0" err="1">
-                <a:solidFill>
-                  <a:schemeClr val="tx2"/>
-                </a:solidFill>
+                <a:latin typeface="Arial" panose="020B0604020202020204" pitchFamily="34" charset="0"/>
+                <a:cs typeface="Arial" panose="020B0604020202020204" pitchFamily="34" charset="0"/>
               </a:rPr>
               <a:t>Transpose</a:t>
             </a:r>
@@ -37477,6 +32779,8 @@
               <a:solidFill>
                 <a:schemeClr val="tx2"/>
               </a:solidFill>
+              <a:latin typeface="Arial" panose="020B0604020202020204" pitchFamily="34" charset="0"/>
+              <a:cs typeface="Arial" panose="020B0604020202020204" pitchFamily="34" charset="0"/>
             </a:endParaRPr>
           </a:p>
         </p:txBody>
@@ -37729,34 +33033,115 @@
       </p:sp>
       <p:pic>
         <p:nvPicPr>
-          <p:cNvPr id="11" name="Immagine 10">
+          <p:cNvPr id="1025" name="Picture 1" descr="page3image48481712">
             <a:extLst>
               <a:ext uri="{FF2B5EF4-FFF2-40B4-BE49-F238E27FC236}">
-                <a16:creationId xmlns:a16="http://schemas.microsoft.com/office/drawing/2014/main" id="{AB8B36B9-3365-E043-9D62-97AD3674FD5B}"/>
+                <a16:creationId xmlns:a16="http://schemas.microsoft.com/office/drawing/2014/main" id="{4E44C83C-F97E-2E4F-99E4-E47483DE38FC}"/>
               </a:ext>
             </a:extLst>
           </p:cNvPr>
           <p:cNvPicPr>
-            <a:picLocks noChangeAspect="1"/>
+            <a:picLocks noChangeAspect="1" noChangeArrowheads="1"/>
           </p:cNvPicPr>
           <p:nvPr/>
         </p:nvPicPr>
         <p:blipFill>
-          <a:blip r:embed="rId3"/>
+          <a:blip r:embed="rId3">
+            <a:extLst>
+              <a:ext uri="{28A0092B-C50C-407E-A947-70E740481C1C}">
+                <a14:useLocalDpi xmlns:a14="http://schemas.microsoft.com/office/drawing/2010/main" val="0"/>
+              </a:ext>
+            </a:extLst>
+          </a:blip>
+          <a:srcRect/>
           <a:stretch>
             <a:fillRect/>
           </a:stretch>
         </p:blipFill>
-        <p:spPr>
+        <p:spPr bwMode="auto">
           <a:xfrm>
-            <a:off x="1733299" y="2190749"/>
-            <a:ext cx="5771528" cy="3344863"/>
+            <a:off x="1603929" y="1589562"/>
+            <a:ext cx="5950226" cy="4462670"/>
           </a:xfrm>
           <a:prstGeom prst="rect">
             <a:avLst/>
           </a:prstGeom>
+          <a:noFill/>
+          <a:extLst>
+            <a:ext uri="{909E8E84-426E-40DD-AFC4-6F175D3DCCD1}">
+              <a14:hiddenFill xmlns:a14="http://schemas.microsoft.com/office/drawing/2010/main">
+                <a:solidFill>
+                  <a:srgbClr val="FFFFFF"/>
+                </a:solidFill>
+              </a14:hiddenFill>
+            </a:ext>
+          </a:extLst>
         </p:spPr>
       </p:pic>
+      <p:sp>
+        <p:nvSpPr>
+          <p:cNvPr id="9" name="CasellaDiTesto 8">
+            <a:extLst>
+              <a:ext uri="{FF2B5EF4-FFF2-40B4-BE49-F238E27FC236}">
+                <a16:creationId xmlns:a16="http://schemas.microsoft.com/office/drawing/2014/main" id="{563FA6AE-53E5-6143-92CD-CD2D0550A207}"/>
+              </a:ext>
+            </a:extLst>
+          </p:cNvPr>
+          <p:cNvSpPr txBox="1"/>
+          <p:nvPr/>
+        </p:nvSpPr>
+        <p:spPr>
+          <a:xfrm>
+            <a:off x="282733" y="5821400"/>
+            <a:ext cx="1435008" cy="230832"/>
+          </a:xfrm>
+          <a:prstGeom prst="rect">
+            <a:avLst/>
+          </a:prstGeom>
+          <a:noFill/>
+        </p:spPr>
+        <p:txBody>
+          <a:bodyPr wrap="none" rtlCol="0">
+            <a:spAutoFit/>
+          </a:bodyPr>
+          <a:lstStyle/>
+          <a:p>
+            <a:r>
+              <a:rPr lang="it-IT" sz="900" i="1" dirty="0" err="1">
+                <a:solidFill>
+                  <a:schemeClr val="bg1">
+                    <a:lumMod val="50000"/>
+                  </a:schemeClr>
+                </a:solidFill>
+                <a:latin typeface="Arial" panose="020B0604020202020204" pitchFamily="34" charset="0"/>
+                <a:cs typeface="Arial" panose="020B0604020202020204" pitchFamily="34" charset="0"/>
+              </a:rPr>
+              <a:t>Courtesy</a:t>
+            </a:r>
+            <a:r>
+              <a:rPr lang="it-IT" sz="900" i="1" dirty="0">
+                <a:solidFill>
+                  <a:schemeClr val="bg1">
+                    <a:lumMod val="50000"/>
+                  </a:schemeClr>
+                </a:solidFill>
+                <a:latin typeface="Arial" panose="020B0604020202020204" pitchFamily="34" charset="0"/>
+                <a:cs typeface="Arial" panose="020B0604020202020204" pitchFamily="34" charset="0"/>
+              </a:rPr>
+              <a:t> of P3DFFT.net</a:t>
+            </a:r>
+            <a:endParaRPr lang="it-IT" i="1" dirty="0">
+              <a:solidFill>
+                <a:schemeClr val="bg1">
+                  <a:lumMod val="50000"/>
+                </a:schemeClr>
+              </a:solidFill>
+              <a:latin typeface="Arial" panose="020B0604020202020204" pitchFamily="34" charset="0"/>
+              <a:cs typeface="Arial" panose="020B0604020202020204" pitchFamily="34" charset="0"/>
+            </a:endParaRPr>
+          </a:p>
+        </p:txBody>
+      </p:sp>
     </p:spTree>
     <p:extLst>
       <p:ext uri="{BB962C8B-B14F-4D97-AF65-F5344CB8AC3E}">

--- a/presentazione_meazzo.pptx
+++ b/presentazione_meazzo.pptx
@@ -263,7 +263,7 @@
           <a:p>
             <a:fld id="{2A16072E-76B3-D244-B44B-73D8EDDBFA70}" type="datetimeFigureOut">
               <a:rPr lang="it-IT" smtClean="0"/>
-              <a:t>26/09/19</a:t>
+              <a:t>30/09/19</a:t>
             </a:fld>
             <a:endParaRPr lang="it-IT"/>
           </a:p>
@@ -563,7 +563,24 @@
           <a:p>
             <a:r>
               <a:rPr lang="it-IT" dirty="0"/>
-              <a:t>per la simulazione numerica diretta dei fenomeni legati alla turbolenza</a:t>
+              <a:t>per la simulazione numerica diretta delle </a:t>
+            </a:r>
+            <a:r>
+              <a:rPr lang="it-IT" dirty="0" err="1"/>
+              <a:t>eq</a:t>
+            </a:r>
+            <a:r>
+              <a:rPr lang="it-IT" dirty="0"/>
+              <a:t> NS,</a:t>
+            </a:r>
+          </a:p>
+          <a:p>
+            <a:endParaRPr lang="it-IT" dirty="0"/>
+          </a:p>
+          <a:p>
+            <a:r>
+              <a:rPr lang="it-IT" dirty="0"/>
+              <a:t>Scopo approfondire i fenomeni legati alla turbolenza</a:t>
             </a:r>
           </a:p>
         </p:txBody>
@@ -650,7 +667,7 @@
           <a:p>
             <a:r>
               <a:rPr lang="it-IT" dirty="0"/>
-              <a:t>Validare solutore, Re=5600</a:t>
+              <a:t>Validare solutore,</a:t>
             </a:r>
           </a:p>
           <a:p>
@@ -675,7 +692,30 @@
           <a:p>
             <a:r>
               <a:rPr lang="it-IT" dirty="0"/>
-              <a:t>PROFILO MEDIO DI VELOCITA'</a:t>
+              <a:t>PROFILO MEDIO DI VELOCITA’</a:t>
+            </a:r>
+          </a:p>
+          <a:p>
+            <a:pPr marL="0" marR="0" lvl="0" indent="0" algn="l" defTabSz="914400" rtl="0" eaLnBrk="1" fontAlgn="auto" latinLnBrk="0" hangingPunct="1">
+              <a:lnSpc>
+                <a:spcPct val="100000"/>
+              </a:lnSpc>
+              <a:spcBef>
+                <a:spcPts val="0"/>
+              </a:spcBef>
+              <a:spcAft>
+                <a:spcPts val="0"/>
+              </a:spcAft>
+              <a:buClrTx/>
+              <a:buSzTx/>
+              <a:buFontTx/>
+              <a:buNone/>
+              <a:tabLst/>
+              <a:defRPr/>
+            </a:pPr>
+            <a:r>
+              <a:rPr lang="it-IT" dirty="0"/>
+              <a:t>Il profilo medio di velocità risulta non influenzato dalla viscosità</a:t>
             </a:r>
           </a:p>
         </p:txBody>
@@ -776,7 +816,7 @@
             </a:r>
             <a:r>
               <a:rPr lang="it-IT" dirty="0"/>
-              <a:t> stress</a:t>
+              <a:t> stress, con gli sforzi di Reynolds che tendono ad aumentare a discapito degli sforzi viscosi,</a:t>
             </a:r>
           </a:p>
           <a:p>
@@ -784,9 +824,6 @@
               <a:rPr lang="it-IT" dirty="0"/>
               <a:t>ampliamento della regione logaritmica </a:t>
             </a:r>
-          </a:p>
-          <a:p>
-            <a:endParaRPr lang="it-IT" dirty="0"/>
           </a:p>
           <a:p>
             <a:r>
@@ -899,24 +936,14 @@
           <a:lstStyle/>
           <a:p>
             <a:r>
-              <a:rPr lang="it-IT" dirty="0" err="1"/>
-              <a:t>Perchè</a:t>
-            </a:r>
-            <a:r>
               <a:rPr lang="it-IT" dirty="0"/>
-              <a:t> Aumento Re?</a:t>
+              <a:t>Abbiamo concentrato la nostra attenzione sulla regione logaritmica. </a:t>
             </a:r>
           </a:p>
           <a:p>
             <a:r>
               <a:rPr lang="it-IT" dirty="0"/>
-              <a:t>Implica ampliamento della regione logaritmica, </a:t>
-            </a:r>
-          </a:p>
-          <a:p>
-            <a:r>
-              <a:rPr lang="it-IT" dirty="0"/>
-              <a:t>Questa regione è riconoscibile impiegando la </a:t>
+              <a:t>Al fine di riconoscere l'andamento logaritmico ci siamo affidati alla </a:t>
             </a:r>
             <a:r>
               <a:rPr lang="it-IT" dirty="0" err="1"/>
@@ -935,16 +962,13 @@
           <a:p>
             <a:r>
               <a:rPr lang="it-IT" dirty="0"/>
-              <a:t>la quale presenta un plateau nel caso in cui il profilo medio di velocità acquisisca un andamento logaritmico</a:t>
-            </a:r>
-          </a:p>
-          <a:p>
-            <a:endParaRPr lang="it-IT" dirty="0"/>
+              <a:t>la quale presenta un plateau nel caso in cui il profilo medio di velocità esibisce un andamento logaritmico.</a:t>
+            </a:r>
           </a:p>
           <a:p>
             <a:r>
               <a:rPr lang="it-IT" dirty="0"/>
-              <a:t>se log -&gt; B=1/K (K=Von Karman)</a:t>
+              <a:t>Potete osservare come effettivamente il plateau nel riquadro blu sia più esteso rispetto a quello del riquadro arancione.</a:t>
             </a:r>
           </a:p>
         </p:txBody>
@@ -1031,13 +1055,38 @@
           <a:p>
             <a:r>
               <a:rPr lang="it-IT" dirty="0"/>
-              <a:t>All’interno della regione logaritmica,</a:t>
-            </a:r>
-          </a:p>
-          <a:p>
+              <a:t>Secondo la teoria più accreditata all'interno della regione logaritmica, in presenza di </a:t>
+            </a:r>
+            <a:r>
+              <a:rPr lang="it-IT" dirty="0" err="1"/>
+              <a:t>un'elevato</a:t>
+            </a:r>
             <a:r>
               <a:rPr lang="it-IT" dirty="0"/>
-              <a:t>secondo l'ipotesi di </a:t>
+              <a:t> numero di Re si sviluppano</a:t>
+            </a:r>
+          </a:p>
+          <a:p>
+            <a:endParaRPr lang="it-IT" dirty="0"/>
+          </a:p>
+          <a:p>
+            <a:r>
+              <a:rPr lang="it-IT" dirty="0"/>
+              <a:t>strutture vorticose, con dimensioni funzione </a:t>
+            </a:r>
+            <a:r>
+              <a:rPr lang="it-IT" dirty="0" err="1"/>
+              <a:t>dist</a:t>
+            </a:r>
+            <a:r>
+              <a:rPr lang="it-IT" dirty="0"/>
+              <a:t> parete, che si estendono sino alla parete stessa, modificando campo di velocità</a:t>
+            </a:r>
+          </a:p>
+          <a:p>
+            <a:r>
+              <a:rPr lang="it-IT" dirty="0"/>
+              <a:t>Questa è l'ipotesi di </a:t>
             </a:r>
             <a:r>
               <a:rPr lang="it-IT" dirty="0" err="1"/>
@@ -1057,46 +1106,29 @@
             </a:r>
             <a:r>
               <a:rPr lang="it-IT" dirty="0" err="1"/>
-              <a:t>Towsend</a:t>
+              <a:t>Townsend</a:t>
             </a:r>
             <a:r>
               <a:rPr lang="it-IT" dirty="0"/>
-              <a:t>,</a:t>
-            </a:r>
+              <a:t>.</a:t>
+            </a:r>
+          </a:p>
+          <a:p>
+            <a:endParaRPr lang="it-IT" dirty="0"/>
           </a:p>
           <a:p>
             <a:r>
               <a:rPr lang="it-IT" dirty="0"/>
-              <a:t>è prevista:</a:t>
-            </a:r>
+              <a:t>Secondo questa teoria le fluttuazioni dovrebbero esibire 4 andamenti caratteristici</a:t>
+            </a:r>
+          </a:p>
+          <a:p>
+            <a:endParaRPr lang="it-IT" dirty="0"/>
           </a:p>
           <a:p>
             <a:r>
               <a:rPr lang="it-IT" dirty="0"/>
-              <a:t>presenza vortici similari, con dimensioni funzione </a:t>
-            </a:r>
-            <a:r>
-              <a:rPr lang="it-IT" dirty="0" err="1"/>
-              <a:t>dist</a:t>
-            </a:r>
-            <a:r>
-              <a:rPr lang="it-IT" dirty="0"/>
-              <a:t> parete</a:t>
-            </a:r>
-          </a:p>
-          <a:p>
-            <a:r>
-              <a:rPr lang="it-IT" dirty="0"/>
-              <a:t>e che modificano campo di velocità sino alla parete</a:t>
-            </a:r>
-          </a:p>
-          <a:p>
-            <a:endParaRPr lang="it-IT" dirty="0"/>
-          </a:p>
-          <a:p>
-            <a:r>
-              <a:rPr lang="it-IT" dirty="0"/>
-              <a:t>Secondo questa ipotesi le fluttuazioni dovrebbero essere caratterizzati da 4 andamenti</a:t>
+              <a:t>Nostra simulazione identifica questi andamenti</a:t>
             </a:r>
           </a:p>
         </p:txBody>
@@ -1183,13 +1215,47 @@
           <a:p>
             <a:r>
               <a:rPr lang="it-IT" dirty="0"/>
-              <a:t>Fluttuazioni trasversali presentano andamento logaritmico</a:t>
-            </a:r>
-          </a:p>
-          <a:p>
+              <a:t>Al fine di identificare andamenti logaritmici abbiamo impiegato delle </a:t>
+            </a:r>
+            <a:r>
+              <a:rPr lang="it-IT" dirty="0" err="1"/>
+              <a:t>indicator</a:t>
+            </a:r>
             <a:r>
               <a:rPr lang="it-IT" dirty="0"/>
-              <a:t>Fluttuazioni longitudinali sono vicine a presentare andamento logaritmico</a:t>
+              <a:t> </a:t>
+            </a:r>
+            <a:r>
+              <a:rPr lang="it-IT" dirty="0" err="1"/>
+              <a:t>function</a:t>
+            </a:r>
+            <a:r>
+              <a:rPr lang="it-IT" dirty="0"/>
+              <a:t> simili alla precedente, le quali hanno identificato</a:t>
+            </a:r>
+          </a:p>
+          <a:p>
+            <a:endParaRPr lang="it-IT" dirty="0"/>
+          </a:p>
+          <a:p>
+            <a:r>
+              <a:rPr lang="it-IT" dirty="0"/>
+              <a:t>nelle Fluttuazioni trasversali andamento logaritmico</a:t>
+            </a:r>
+          </a:p>
+          <a:p>
+            <a:r>
+              <a:rPr lang="it-IT" dirty="0"/>
+              <a:t>mentre le Fluttuazioni longitudinali sono vicine a presentare andamento logaritmico</a:t>
+            </a:r>
+          </a:p>
+          <a:p>
+            <a:endParaRPr lang="it-IT" dirty="0"/>
+          </a:p>
+          <a:p>
+            <a:r>
+              <a:rPr lang="it-IT" dirty="0"/>
+              <a:t>recenti studi hanno provato che aumentando il numero di Re anche quest'ultima fluttuazione esibisce un comportamento logaritmico.</a:t>
             </a:r>
           </a:p>
         </p:txBody>
@@ -1294,6 +1360,15 @@
               <a:t>tuttavia la tendenza odierna del mercato si è spostata</a:t>
             </a:r>
           </a:p>
+          <a:p>
+            <a:endParaRPr lang="it-IT" dirty="0"/>
+          </a:p>
+          <a:p>
+            <a:r>
+              <a:rPr lang="it-IT" dirty="0"/>
+              <a:t>ridurre impatto ambientale</a:t>
+            </a:r>
+          </a:p>
         </p:txBody>
       </p:sp>
       <p:sp>
@@ -1468,31 +1543,45 @@
           <a:p>
             <a:r>
               <a:rPr lang="it-IT" dirty="0"/>
-              <a:t>DNS non si avvale,</a:t>
+              <a:t>Non adottare modelli -&gt; </a:t>
             </a:r>
           </a:p>
           <a:p>
             <a:r>
               <a:rPr lang="it-IT" dirty="0"/>
-              <a:t>Non adottare modelli .. Costi computazionale molto elevato,</a:t>
+              <a:t>Costi computazionale molto elevato, dettati dalla necessità di risolvere tutte le scale spaziali, crescono al crescere del RE</a:t>
             </a:r>
           </a:p>
           <a:p>
             <a:r>
               <a:rPr lang="it-IT" dirty="0"/>
-              <a:t>che rendono impossibile riprodurre flussi di interesse industriale</a:t>
-            </a:r>
-          </a:p>
-          <a:p>
+              <a:t>Questo aspetto rende impossibile riprodurre flussi di interesse industriale </a:t>
+            </a:r>
+            <a:r>
+              <a:rPr lang="it-IT" dirty="0" err="1"/>
+              <a:t>poichè</a:t>
+            </a:r>
             <a:r>
               <a:rPr lang="it-IT" dirty="0"/>
-              <a:t>pertanto è impiegata solo nell'ambito accademico -&gt;</a:t>
+              <a:t> caratterizzati da elevato Re</a:t>
             </a:r>
           </a:p>
           <a:p>
             <a:r>
               <a:rPr lang="it-IT" dirty="0"/>
-              <a:t>Scopo approfondire conoscenza turbolenza al fine di creare modelli affidabili</a:t>
+              <a:t>pertanto, la DNS, è impiegata solo nell'ambito accademico.</a:t>
+            </a:r>
+          </a:p>
+          <a:p>
+            <a:r>
+              <a:rPr lang="it-IT" dirty="0"/>
+              <a:t>Vantaggio principale DNS rispetto approccio sperimentale è la capacità di non perturbare il campo di moto</a:t>
+            </a:r>
+          </a:p>
+          <a:p>
+            <a:r>
+              <a:rPr lang="it-IT" dirty="0"/>
+              <a:t>Ciò consente punto di vista interno al fenomeno, che rende possibile tarare modelli in modo molto preciso.</a:t>
             </a:r>
           </a:p>
         </p:txBody>
@@ -1579,26 +1668,33 @@
           <a:p>
             <a:r>
               <a:rPr lang="it-IT" dirty="0"/>
-              <a:t>Costi computazioni -&gt; HPC</a:t>
+              <a:t>sostenere gli elevati Costi computazioni si adottano soluzioni HPC, </a:t>
             </a:r>
           </a:p>
           <a:p>
             <a:r>
               <a:rPr lang="it-IT" dirty="0"/>
-              <a:t>Figure testimoniano come crescita dimensioni simulazioni è legata crescita potenza supercalcolatori</a:t>
+              <a:t>richiede sviluppo solutori altamente parallelizzati</a:t>
             </a:r>
           </a:p>
           <a:p>
             <a:r>
               <a:rPr lang="it-IT" dirty="0"/>
-              <a:t>non proporzionali</a:t>
-            </a:r>
-          </a:p>
-          <a:p>
+              <a:t>Figure testimoniano come crescita dimensioni simulazioni correlata crescita potenza supercalcolatori,</a:t>
+            </a:r>
+          </a:p>
+          <a:p>
+            <a:r>
+              <a:rPr lang="it-IT" dirty="0" err="1"/>
+              <a:t>benchè</a:t>
+            </a:r>
             <a:r>
               <a:rPr lang="it-IT" dirty="0"/>
-              <a:t>HPC necessario sviluppo solutore parallelizzati</a:t>
-            </a:r>
+              <a:t> relazione non proporzionale</a:t>
+            </a:r>
+          </a:p>
+          <a:p>
+            <a:endParaRPr lang="it-IT" dirty="0"/>
           </a:p>
         </p:txBody>
       </p:sp>
@@ -1690,8 +1786,11 @@
           <a:p>
             <a:r>
               <a:rPr lang="it-IT" dirty="0"/>
-              <a:t>bassa efficienza parallela</a:t>
-            </a:r>
+              <a:t>scarsa efficienza parallela</a:t>
+            </a:r>
+          </a:p>
+          <a:p>
+            <a:endParaRPr lang="it-IT" dirty="0"/>
           </a:p>
           <a:p>
             <a:r>
@@ -1725,7 +1824,15 @@
             </a:pPr>
             <a:r>
               <a:rPr lang="it-IT" dirty="0"/>
-              <a:t>Libreria che contiene un insieme di funzioni pensate per gestire la comunicazione tra processori appartenenti alla stessa rete</a:t>
+              <a:t>Libreria che contiene un insieme di funzioni pensate per gestire la comunicazione tra processori appartenenti alla stessa rete, mantenuta e sviluppata dai maggiori </a:t>
+            </a:r>
+            <a:r>
+              <a:rPr lang="it-IT" dirty="0" err="1"/>
+              <a:t>players</a:t>
+            </a:r>
+            <a:r>
+              <a:rPr lang="it-IT" dirty="0"/>
+              <a:t> del mercato info e le università</a:t>
             </a:r>
           </a:p>
           <a:p>
@@ -1818,24 +1925,13 @@
           <a:p>
             <a:r>
               <a:rPr lang="it-IT" dirty="0"/>
-              <a:t>Adozione MPI richiede apposito metodo di programmazione</a:t>
+              <a:t>Adozione MPI richiede apposito metodo di programmazione al fine di non sprecare le risorse computazionali replicando inutilmente le operazioni su più di un processore.</a:t>
             </a:r>
           </a:p>
           <a:p>
             <a:r>
               <a:rPr lang="it-IT" dirty="0"/>
-              <a:t>1 codice 4000 </a:t>
-            </a:r>
-            <a:r>
-              <a:rPr lang="it-IT" dirty="0" err="1"/>
-              <a:t>cores</a:t>
-            </a:r>
-            <a:endParaRPr lang="it-IT" dirty="0"/>
-          </a:p>
-          <a:p>
-            <a:r>
-              <a:rPr lang="it-IT" dirty="0"/>
-              <a:t>Vantaggi di questo modello di programmazione</a:t>
+              <a:t>Vantaggi di questo modello di programmazione sono</a:t>
             </a:r>
           </a:p>
           <a:p>
@@ -1855,20 +1951,31 @@
           <a:p>
             <a:r>
               <a:rPr lang="it-IT" dirty="0"/>
+              <a:t>elevato quantitativo di RAM</a:t>
+            </a:r>
+          </a:p>
+          <a:p>
+            <a:r>
+              <a:rPr lang="it-IT" dirty="0"/>
               <a:t>utilizzo di hardware standard rispetto a CUDA </a:t>
             </a:r>
           </a:p>
           <a:p>
             <a:r>
               <a:rPr lang="it-IT" dirty="0"/>
-              <a:t>Svantaggi: latenza messaggi, </a:t>
+              <a:t>Svantaggi: latenza messaggi, legata a larghezza banda disponibile e alla dimensione dei messaggi</a:t>
             </a:r>
           </a:p>
           <a:p>
             <a:r>
               <a:rPr lang="it-IT" dirty="0"/>
-              <a:t>dipendenza larghezza banda e dimensione messaggi</a:t>
-            </a:r>
+              <a:t>difficoltà nell'individuare problemi in fase di </a:t>
+            </a:r>
+            <a:r>
+              <a:rPr lang="it-IT" dirty="0" err="1"/>
+              <a:t>testing</a:t>
+            </a:r>
+            <a:endParaRPr lang="it-IT" dirty="0"/>
           </a:p>
           <a:p>
             <a:endParaRPr lang="it-IT" dirty="0"/>
@@ -1974,19 +2081,13 @@
           <a:p>
             <a:r>
               <a:rPr lang="it-IT" dirty="0"/>
-              <a:t>Simulazione Channel flow ovvero flusso attraverso canale limitato da 2 pareti</a:t>
+              <a:t>il solver è stato impiegato per eseguire una simulazione Channel flow ovvero flusso attraverso canale limitato da 2 pareti</a:t>
             </a:r>
           </a:p>
           <a:p>
             <a:r>
               <a:rPr lang="it-IT" dirty="0"/>
-              <a:t>1,2,</a:t>
-            </a:r>
-          </a:p>
-          <a:p>
-            <a:r>
-              <a:rPr lang="it-IT" dirty="0"/>
-              <a:t>caratterizzate da elevata precisione, costi paragonabili alle </a:t>
+              <a:t>1,2,caratterizzate da elevata precisione, costi paragonabili alle </a:t>
             </a:r>
             <a:r>
               <a:rPr lang="it-IT" dirty="0" err="1"/>
@@ -1994,7 +2095,7 @@
             </a:r>
             <a:r>
               <a:rPr lang="it-IT" dirty="0"/>
-              <a:t> finite</a:t>
+              <a:t> fin</a:t>
             </a:r>
           </a:p>
           <a:p>
@@ -2004,25 +2105,12 @@
             </a:r>
           </a:p>
           <a:p>
+            <a:endParaRPr lang="it-IT" dirty="0"/>
+          </a:p>
+          <a:p>
             <a:r>
               <a:rPr lang="it-IT" dirty="0"/>
-              <a:t>4, ed è caratterizzato dalla </a:t>
-            </a:r>
-            <a:r>
-              <a:rPr lang="it-IT" dirty="0" err="1"/>
-              <a:t>possiblità</a:t>
-            </a:r>
-            <a:r>
-              <a:rPr lang="it-IT" dirty="0"/>
-              <a:t> </a:t>
-            </a:r>
-            <a:r>
-              <a:rPr lang="it-IT" dirty="0" err="1"/>
-              <a:t>decomp</a:t>
-            </a:r>
-            <a:r>
-              <a:rPr lang="it-IT" dirty="0"/>
-              <a:t> 1D o 2D,</a:t>
+              <a:t>In questa nuova versione del solutore abbiamo introdotto MPI e la possibilità di decomporre il dominio secondo una logica 2D</a:t>
             </a:r>
           </a:p>
           <a:p>
@@ -2115,13 +2203,60 @@
           <a:p>
             <a:r>
               <a:rPr lang="it-IT" dirty="0"/>
-              <a:t>Decomposizione dominio</a:t>
-            </a:r>
-          </a:p>
-          <a:p>
+              <a:t>Questa slide riporta le possibili tipologie di decomposizione, </a:t>
+            </a:r>
+          </a:p>
+          <a:p>
+            <a:r>
+              <a:rPr lang="it-IT" dirty="0" err="1"/>
+              <a:t>config</a:t>
+            </a:r>
             <a:r>
               <a:rPr lang="it-IT" dirty="0"/>
-              <a:t>1D simile originale, </a:t>
+              <a:t> 1D, consente ad ogni </a:t>
+            </a:r>
+            <a:r>
+              <a:rPr lang="it-IT" dirty="0" err="1"/>
+              <a:t>proc</a:t>
+            </a:r>
+            <a:r>
+              <a:rPr lang="it-IT" dirty="0"/>
+              <a:t> possedere </a:t>
+            </a:r>
+            <a:r>
+              <a:rPr lang="it-IT" dirty="0" err="1"/>
+              <a:t>localm</a:t>
+            </a:r>
+            <a:r>
+              <a:rPr lang="it-IT" dirty="0"/>
+              <a:t> </a:t>
+            </a:r>
+            <a:r>
+              <a:rPr lang="it-IT" dirty="0" err="1"/>
+              <a:t>num</a:t>
+            </a:r>
+            <a:r>
+              <a:rPr lang="it-IT" dirty="0"/>
+              <a:t> onda agevole </a:t>
+            </a:r>
+            <a:r>
+              <a:rPr lang="it-IT" dirty="0" err="1"/>
+              <a:t>Trasf</a:t>
+            </a:r>
+            <a:r>
+              <a:rPr lang="it-IT" dirty="0"/>
+              <a:t> </a:t>
+            </a:r>
+            <a:r>
+              <a:rPr lang="it-IT" dirty="0" err="1"/>
+              <a:t>Four</a:t>
+            </a:r>
+            <a:endParaRPr lang="it-IT" dirty="0"/>
+          </a:p>
+          <a:p>
+            <a:r>
+              <a:rPr lang="it-IT" dirty="0"/>
+              <a:t>TUTTAVIA, penalizza risoluzione del sistema lineare la quale richiede conoscenza di tutte le coppie di valori in direzione y.</a:t>
             </a:r>
           </a:p>
           <a:p>
@@ -2153,16 +2288,13 @@
           <a:p>
             <a:r>
               <a:rPr lang="it-IT" dirty="0"/>
-              <a:t>Eseguendo </a:t>
+              <a:t>Tuttavia al fine eseguire trasformata Fourier 2D è stata necessaria l'adozione di un'opportuna strategia, basata su trasposizioni degli array, gestita attraverso </a:t>
             </a:r>
             <a:r>
               <a:rPr lang="it-IT" dirty="0" err="1"/>
-              <a:t>convoluz</a:t>
-            </a:r>
-            <a:r>
-              <a:rPr lang="it-IT" dirty="0"/>
-              <a:t> dominio fisico è necessaria strategia per eseguire trasposizione array</a:t>
-            </a:r>
+              <a:t>fftMPI</a:t>
+            </a:r>
+            <a:endParaRPr lang="it-IT" dirty="0"/>
           </a:p>
         </p:txBody>
       </p:sp>
@@ -2278,13 +2410,15 @@
           <a:p>
             <a:r>
               <a:rPr lang="it-IT" dirty="0"/>
-              <a:t>CPL, </a:t>
-            </a:r>
-          </a:p>
-          <a:p>
+              <a:t>CPL, 1D+MPI , salto qualità 2D, incremento delle </a:t>
+            </a:r>
+            <a:r>
+              <a:rPr lang="it-IT" dirty="0" err="1"/>
+              <a:t>perf</a:t>
+            </a:r>
             <a:r>
               <a:rPr lang="it-IT" dirty="0"/>
-              <a:t>1D+MPI  2D</a:t>
+              <a:t> fattore 10</a:t>
             </a:r>
           </a:p>
           <a:p>
@@ -2296,7 +2430,15 @@
           <a:p>
             <a:r>
               <a:rPr lang="it-IT" dirty="0"/>
-              <a:t>sensibilità </a:t>
+              <a:t>sensibilità dello </a:t>
+            </a:r>
+            <a:r>
+              <a:rPr lang="it-IT" dirty="0" err="1"/>
+              <a:t>speedup</a:t>
+            </a:r>
+            <a:r>
+              <a:rPr lang="it-IT" dirty="0"/>
+              <a:t> al </a:t>
             </a:r>
             <a:r>
               <a:rPr lang="it-IT" dirty="0" err="1"/>
@@ -2334,7 +2476,40 @@
               <a:rPr lang="it-IT" dirty="0" err="1"/>
               <a:t>thread</a:t>
             </a:r>
-            <a:endParaRPr lang="it-IT" dirty="0"/>
+            <a:r>
+              <a:rPr lang="it-IT" dirty="0"/>
+              <a:t> locali, ciò comporta downgrade delle performance, poiché MPI è si in grado di gestire le comunicazioni interne al processore stesso, ma in modo poco efficiente.</a:t>
+            </a:r>
+          </a:p>
+          <a:p>
+            <a:r>
+              <a:rPr lang="it-IT" dirty="0"/>
+              <a:t>Ulteriori test su architettura con meno </a:t>
+            </a:r>
+            <a:r>
+              <a:rPr lang="it-IT" dirty="0" err="1"/>
+              <a:t>cores</a:t>
+            </a:r>
+            <a:r>
+              <a:rPr lang="it-IT" dirty="0"/>
+              <a:t> ha evidenziato dei benefici, mentre impiegando </a:t>
+            </a:r>
+            <a:r>
+              <a:rPr lang="it-IT" dirty="0" err="1"/>
+              <a:t>n</a:t>
+            </a:r>
+            <a:r>
+              <a:rPr lang="it-IT" dirty="0"/>
+              <a:t> processori in modalità single-core lo </a:t>
+            </a:r>
+            <a:r>
+              <a:rPr lang="it-IT" dirty="0" err="1"/>
+              <a:t>scaling</a:t>
+            </a:r>
+            <a:r>
+              <a:rPr lang="it-IT" dirty="0"/>
+              <a:t> risulta essere molto vicino a quello teorico</a:t>
+            </a:r>
           </a:p>
           <a:p>
             <a:r>
@@ -2343,7 +2518,7 @@
             </a:r>
             <a:r>
               <a:rPr lang="it-IT" dirty="0"/>
-              <a:t> 1D non presenta sensibilità al #CORES</a:t>
+              <a:t> 1D non presenta sensibilità al #CORES.</a:t>
             </a:r>
           </a:p>
           <a:p>
@@ -2447,13 +2622,29 @@
             </a:r>
             <a:r>
               <a:rPr lang="it-IT" dirty="0"/>
-              <a:t> -&gt; adottato Intel 18,</a:t>
-            </a:r>
-          </a:p>
-          <a:p>
+              <a:t> -&gt; adottato Intel </a:t>
+            </a:r>
+            <a:r>
+              <a:rPr lang="it-IT" dirty="0" err="1"/>
+              <a:t>compiler</a:t>
+            </a:r>
             <a:r>
               <a:rPr lang="it-IT" dirty="0"/>
-              <a:t>suite -&gt; </a:t>
+              <a:t> compilation,</a:t>
+            </a:r>
+          </a:p>
+          <a:p>
+            <a:r>
+              <a:rPr lang="it-IT" dirty="0"/>
+              <a:t>suite offre possibilità di </a:t>
+            </a:r>
+            <a:r>
+              <a:rPr lang="it-IT" dirty="0" err="1"/>
+              <a:t>eseg</a:t>
+            </a:r>
+            <a:r>
+              <a:rPr lang="it-IT" dirty="0"/>
+              <a:t> </a:t>
             </a:r>
             <a:r>
               <a:rPr lang="it-IT" dirty="0" err="1"/>
@@ -2471,9 +2662,6 @@
             </a:r>
           </a:p>
           <a:p>
-            <a:endParaRPr lang="it-IT" dirty="0"/>
-          </a:p>
-          <a:p>
             <a:r>
               <a:rPr lang="it-IT" dirty="0"/>
               <a:t>a dx:</a:t>
@@ -2482,13 +2670,49 @@
           <a:p>
             <a:r>
               <a:rPr lang="it-IT" dirty="0"/>
-              <a:t>Trend di crescita del picco dello </a:t>
+              <a:t>Trend del picco dello </a:t>
             </a:r>
             <a:r>
               <a:rPr lang="it-IT" dirty="0" err="1"/>
               <a:t>speedup</a:t>
             </a:r>
+            <a:r>
+              <a:rPr lang="it-IT" dirty="0"/>
+              <a:t> al variare del numero di modi della </a:t>
+            </a:r>
+            <a:r>
+              <a:rPr lang="it-IT" dirty="0" err="1"/>
+              <a:t>sim</a:t>
+            </a:r>
             <a:endParaRPr lang="it-IT" dirty="0"/>
+          </a:p>
+          <a:p>
+            <a:r>
+              <a:rPr lang="it-IT" dirty="0"/>
+              <a:t>Esibisce una crescita tipo </a:t>
+            </a:r>
+            <a:r>
+              <a:rPr lang="it-IT" dirty="0" err="1"/>
+              <a:t>NlogN</a:t>
+            </a:r>
+            <a:r>
+              <a:rPr lang="it-IT" dirty="0"/>
+              <a:t>, tipica delle implementazioni altamente parallelizzate che non adottano </a:t>
+            </a:r>
+            <a:r>
+              <a:rPr lang="it-IT" dirty="0" err="1"/>
+              <a:t>OpenMP</a:t>
+            </a:r>
+            <a:r>
+              <a:rPr lang="it-IT" dirty="0"/>
+              <a:t>.</a:t>
+            </a:r>
+          </a:p>
+          <a:p>
+            <a:r>
+              <a:rPr lang="it-IT" dirty="0"/>
+              <a:t>Il numero ottimale di processi paralleli cresce al crescere delle dimensioni della simulazione</a:t>
+            </a:r>
           </a:p>
           <a:p>
             <a:pPr marL="0" marR="0" lvl="0" indent="0" algn="l" defTabSz="914400" rtl="0" eaLnBrk="1" fontAlgn="auto" latinLnBrk="0" hangingPunct="1">
@@ -2514,8 +2738,28 @@
             </a:r>
             <a:r>
               <a:rPr lang="it-IT" dirty="0"/>
-              <a:t> poco efficace,</a:t>
-            </a:r>
+              <a:t> poco efficace.</a:t>
+            </a:r>
+          </a:p>
+          <a:p>
+            <a:pPr marL="0" marR="0" lvl="0" indent="0" algn="l" defTabSz="914400" rtl="0" eaLnBrk="1" fontAlgn="auto" latinLnBrk="0" hangingPunct="1">
+              <a:lnSpc>
+                <a:spcPct val="100000"/>
+              </a:lnSpc>
+              <a:spcBef>
+                <a:spcPts val="0"/>
+              </a:spcBef>
+              <a:spcAft>
+                <a:spcPts val="0"/>
+              </a:spcAft>
+              <a:buClrTx/>
+              <a:buSzTx/>
+              <a:buFontTx/>
+              <a:buNone/>
+              <a:tabLst/>
+              <a:defRPr/>
+            </a:pPr>
+            <a:endParaRPr lang="it-IT" dirty="0"/>
           </a:p>
           <a:p>
             <a:endParaRPr lang="it-IT" dirty="0"/>
@@ -14701,6 +14945,8 @@
                 <a:solidFill>
                   <a:schemeClr val="bg1"/>
                 </a:solidFill>
+                <a:latin typeface="Futura Medium" panose="020B0602020204020303" pitchFamily="34" charset="-79"/>
+                <a:cs typeface="Futura Medium" panose="020B0602020204020303" pitchFamily="34" charset="-79"/>
               </a:rPr>
               <a:t>Milano, 3 Ottobre 2019</a:t>
             </a:r>
@@ -17776,7 +18022,7 @@
                 <a:latin typeface="Arial" panose="020B0604020202020204" pitchFamily="34" charset="0"/>
                 <a:cs typeface="Arial" panose="020B0604020202020204" pitchFamily="34" charset="0"/>
               </a:rPr>
-              <a:t>step</a:t>
+              <a:t>iteration</a:t>
             </a:r>
             <a:endParaRPr lang="it-IT" b="1" dirty="0">
               <a:solidFill>
@@ -18104,8 +18350,8 @@
           </a:p>
         </p:txBody>
       </p:sp>
-      <mc:AlternateContent xmlns:mc="http://schemas.openxmlformats.org/markup-compatibility/2006">
-        <mc:Choice xmlns:a14="http://schemas.microsoft.com/office/drawing/2010/main" Requires="a14">
+      <mc:AlternateContent xmlns:mc="http://schemas.openxmlformats.org/markup-compatibility/2006" xmlns:a14="http://schemas.microsoft.com/office/drawing/2010/main">
+        <mc:Choice Requires="a14">
           <p:sp>
             <p:nvSpPr>
               <p:cNvPr id="6" name="CasellaDiTesto 5">
@@ -18373,7 +18619,7 @@
             </p:txBody>
           </p:sp>
         </mc:Choice>
-        <mc:Fallback>
+        <mc:Fallback xmlns="">
           <p:sp>
             <p:nvSpPr>
               <p:cNvPr id="6" name="CasellaDiTesto 5">
@@ -19821,8 +20067,8 @@
           </a:p>
         </p:txBody>
       </p:sp>
-      <mc:AlternateContent xmlns:mc="http://schemas.openxmlformats.org/markup-compatibility/2006">
-        <mc:Choice xmlns:a14="http://schemas.microsoft.com/office/drawing/2010/main" Requires="a14">
+      <mc:AlternateContent xmlns:mc="http://schemas.openxmlformats.org/markup-compatibility/2006" xmlns:a14="http://schemas.microsoft.com/office/drawing/2010/main">
+        <mc:Choice Requires="a14">
           <p:sp>
             <p:nvSpPr>
               <p:cNvPr id="4" name="CasellaDiTesto 3">
@@ -19851,6 +20097,7 @@
               </a:bodyPr>
               <a:lstStyle/>
               <a:p>
+                <a:pPr/>
                 <a14:m>
                   <m:oMathPara xmlns:m="http://schemas.openxmlformats.org/officeDocument/2006/math">
                     <m:oMathParaPr>
@@ -20657,7 +20904,7 @@
             </p:txBody>
           </p:sp>
         </mc:Choice>
-        <mc:Fallback>
+        <mc:Fallback xmlns="">
           <p:sp>
             <p:nvSpPr>
               <p:cNvPr id="4" name="CasellaDiTesto 3">
@@ -28036,7 +28283,7 @@
         <p:spPr>
           <a:xfrm>
             <a:off x="376381" y="1886312"/>
-            <a:ext cx="8405322" cy="1754326"/>
+            <a:ext cx="8405322" cy="1703030"/>
           </a:xfrm>
           <a:prstGeom prst="rect">
             <a:avLst/>
@@ -28049,26 +28296,184 @@
           </a:bodyPr>
           <a:lstStyle/>
           <a:p>
-            <a:pPr algn="just"/>
-            <a:r>
-              <a:rPr lang="it-IT" b="1" dirty="0">
+            <a:pPr marL="285750" indent="-285750" algn="just">
+              <a:lnSpc>
+                <a:spcPct val="150000"/>
+              </a:lnSpc>
+              <a:buFont typeface="Arial" panose="020B0604020202020204" pitchFamily="34" charset="0"/>
+              <a:buChar char="•"/>
+            </a:pPr>
+            <a:r>
+              <a:rPr lang="it-IT" b="1" dirty="0" err="1">
                 <a:solidFill>
                   <a:schemeClr val="tx2"/>
                 </a:solidFill>
                 <a:latin typeface="Arial" panose="020B0604020202020204" pitchFamily="34" charset="0"/>
                 <a:cs typeface="Arial" panose="020B0604020202020204" pitchFamily="34" charset="0"/>
               </a:rPr>
-              <a:t>In </a:t>
-            </a:r>
-            <a:r>
-              <a:rPr lang="it-IT" b="1" dirty="0" err="1">
+              <a:t>Solves</a:t>
+            </a:r>
+            <a:r>
+              <a:rPr lang="it-IT" b="1" dirty="0">
                 <a:solidFill>
                   <a:schemeClr val="tx2"/>
                 </a:solidFill>
                 <a:latin typeface="Arial" panose="020B0604020202020204" pitchFamily="34" charset="0"/>
                 <a:cs typeface="Arial" panose="020B0604020202020204" pitchFamily="34" charset="0"/>
               </a:rPr>
-              <a:t>order</a:t>
+              <a:t> the </a:t>
+            </a:r>
+            <a:r>
+              <a:rPr lang="it-IT" b="1" dirty="0" err="1">
+                <a:solidFill>
+                  <a:schemeClr val="tx2"/>
+                </a:solidFill>
+                <a:latin typeface="Arial" panose="020B0604020202020204" pitchFamily="34" charset="0"/>
+                <a:cs typeface="Arial" panose="020B0604020202020204" pitchFamily="34" charset="0"/>
+              </a:rPr>
+              <a:t>discretized</a:t>
+            </a:r>
+            <a:r>
+              <a:rPr lang="it-IT" b="1" dirty="0">
+                <a:solidFill>
+                  <a:schemeClr val="tx2"/>
+                </a:solidFill>
+                <a:latin typeface="Arial" panose="020B0604020202020204" pitchFamily="34" charset="0"/>
+                <a:cs typeface="Arial" panose="020B0604020202020204" pitchFamily="34" charset="0"/>
+              </a:rPr>
+              <a:t> </a:t>
+            </a:r>
+            <a:r>
+              <a:rPr lang="it-IT" b="1" dirty="0" err="1">
+                <a:solidFill>
+                  <a:schemeClr val="tx2"/>
+                </a:solidFill>
+                <a:latin typeface="Arial" panose="020B0604020202020204" pitchFamily="34" charset="0"/>
+                <a:cs typeface="Arial" panose="020B0604020202020204" pitchFamily="34" charset="0"/>
+              </a:rPr>
+              <a:t>PDEs</a:t>
+            </a:r>
+            <a:endParaRPr lang="it-IT" b="1" dirty="0">
+              <a:solidFill>
+                <a:schemeClr val="tx2"/>
+              </a:solidFill>
+              <a:latin typeface="Arial" panose="020B0604020202020204" pitchFamily="34" charset="0"/>
+              <a:cs typeface="Arial" panose="020B0604020202020204" pitchFamily="34" charset="0"/>
+            </a:endParaRPr>
+          </a:p>
+          <a:p>
+            <a:pPr marL="285750" indent="-285750" algn="just">
+              <a:lnSpc>
+                <a:spcPct val="150000"/>
+              </a:lnSpc>
+              <a:buFont typeface="Arial" panose="020B0604020202020204" pitchFamily="34" charset="0"/>
+              <a:buChar char="•"/>
+            </a:pPr>
+            <a:r>
+              <a:rPr lang="it-IT" b="1" dirty="0">
+                <a:solidFill>
+                  <a:schemeClr val="tx2"/>
+                </a:solidFill>
+                <a:latin typeface="Arial" panose="020B0604020202020204" pitchFamily="34" charset="0"/>
+                <a:cs typeface="Arial" panose="020B0604020202020204" pitchFamily="34" charset="0"/>
+              </a:rPr>
+              <a:t>No </a:t>
+            </a:r>
+            <a:r>
+              <a:rPr lang="it-IT" b="1" dirty="0" err="1">
+                <a:solidFill>
+                  <a:schemeClr val="tx2"/>
+                </a:solidFill>
+                <a:latin typeface="Arial" panose="020B0604020202020204" pitchFamily="34" charset="0"/>
+                <a:cs typeface="Arial" panose="020B0604020202020204" pitchFamily="34" charset="0"/>
+              </a:rPr>
+              <a:t>turbulence</a:t>
+            </a:r>
+            <a:r>
+              <a:rPr lang="it-IT" b="1" dirty="0">
+                <a:solidFill>
+                  <a:schemeClr val="tx2"/>
+                </a:solidFill>
+                <a:latin typeface="Arial" panose="020B0604020202020204" pitchFamily="34" charset="0"/>
+                <a:cs typeface="Arial" panose="020B0604020202020204" pitchFamily="34" charset="0"/>
+              </a:rPr>
+              <a:t> </a:t>
+            </a:r>
+            <a:r>
+              <a:rPr lang="it-IT" b="1" dirty="0" err="1">
+                <a:solidFill>
+                  <a:schemeClr val="tx2"/>
+                </a:solidFill>
+                <a:latin typeface="Arial" panose="020B0604020202020204" pitchFamily="34" charset="0"/>
+                <a:cs typeface="Arial" panose="020B0604020202020204" pitchFamily="34" charset="0"/>
+              </a:rPr>
+              <a:t>models</a:t>
+            </a:r>
+            <a:r>
+              <a:rPr lang="it-IT" b="1" dirty="0">
+                <a:solidFill>
+                  <a:schemeClr val="tx2"/>
+                </a:solidFill>
+                <a:latin typeface="Arial" panose="020B0604020202020204" pitchFamily="34" charset="0"/>
+                <a:cs typeface="Arial" panose="020B0604020202020204" pitchFamily="34" charset="0"/>
+              </a:rPr>
+              <a:t> </a:t>
+            </a:r>
+            <a:r>
+              <a:rPr lang="it-IT" b="1" dirty="0" err="1">
+                <a:solidFill>
+                  <a:schemeClr val="tx2"/>
+                </a:solidFill>
+                <a:latin typeface="Arial" panose="020B0604020202020204" pitchFamily="34" charset="0"/>
+                <a:cs typeface="Arial" panose="020B0604020202020204" pitchFamily="34" charset="0"/>
+              </a:rPr>
+              <a:t>involved</a:t>
+            </a:r>
+            <a:endParaRPr lang="it-IT" b="1" dirty="0">
+              <a:solidFill>
+                <a:schemeClr val="tx2"/>
+              </a:solidFill>
+              <a:latin typeface="Arial" panose="020B0604020202020204" pitchFamily="34" charset="0"/>
+              <a:cs typeface="Arial" panose="020B0604020202020204" pitchFamily="34" charset="0"/>
+            </a:endParaRPr>
+          </a:p>
+          <a:p>
+            <a:pPr marL="742950" lvl="1" indent="-285750" algn="just">
+              <a:lnSpc>
+                <a:spcPct val="150000"/>
+              </a:lnSpc>
+              <a:buFont typeface="Arial" panose="020B0604020202020204" pitchFamily="34" charset="0"/>
+              <a:buChar char="•"/>
+            </a:pPr>
+            <a:r>
+              <a:rPr lang="it-IT" b="1" dirty="0" err="1">
+                <a:solidFill>
+                  <a:schemeClr val="tx2"/>
+                </a:solidFill>
+                <a:latin typeface="Arial" panose="020B0604020202020204" pitchFamily="34" charset="0"/>
+                <a:cs typeface="Arial" panose="020B0604020202020204" pitchFamily="34" charset="0"/>
+              </a:rPr>
+              <a:t>Requires</a:t>
+            </a:r>
+            <a:r>
+              <a:rPr lang="it-IT" b="1" dirty="0">
+                <a:solidFill>
+                  <a:schemeClr val="tx2"/>
+                </a:solidFill>
+                <a:latin typeface="Arial" panose="020B0604020202020204" pitchFamily="34" charset="0"/>
+                <a:cs typeface="Arial" panose="020B0604020202020204" pitchFamily="34" charset="0"/>
+              </a:rPr>
+              <a:t> extra-fine </a:t>
+            </a:r>
+            <a:r>
+              <a:rPr lang="it-IT" b="1" dirty="0" err="1">
+                <a:solidFill>
+                  <a:schemeClr val="tx2"/>
+                </a:solidFill>
+                <a:latin typeface="Arial" panose="020B0604020202020204" pitchFamily="34" charset="0"/>
+                <a:cs typeface="Arial" panose="020B0604020202020204" pitchFamily="34" charset="0"/>
+              </a:rPr>
+              <a:t>mesh</a:t>
             </a:r>
             <a:r>
               <a:rPr lang="it-IT" b="1" dirty="0">
@@ -28088,47 +28493,7 @@
                 <a:latin typeface="Arial" panose="020B0604020202020204" pitchFamily="34" charset="0"/>
                 <a:cs typeface="Arial" panose="020B0604020202020204" pitchFamily="34" charset="0"/>
               </a:rPr>
-              <a:t>get</a:t>
-            </a:r>
-            <a:r>
-              <a:rPr lang="it-IT" b="1" dirty="0">
-                <a:solidFill>
-                  <a:schemeClr val="tx2"/>
-                </a:solidFill>
-                <a:latin typeface="Arial" panose="020B0604020202020204" pitchFamily="34" charset="0"/>
-                <a:cs typeface="Arial" panose="020B0604020202020204" pitchFamily="34" charset="0"/>
-              </a:rPr>
-              <a:t> an </a:t>
-            </a:r>
-            <a:r>
-              <a:rPr lang="it-IT" b="1" dirty="0" err="1">
-                <a:solidFill>
-                  <a:schemeClr val="tx2"/>
-                </a:solidFill>
-                <a:latin typeface="Arial" panose="020B0604020202020204" pitchFamily="34" charset="0"/>
-                <a:cs typeface="Arial" panose="020B0604020202020204" pitchFamily="34" charset="0"/>
-              </a:rPr>
-              <a:t>insight</a:t>
-            </a:r>
-            <a:r>
-              <a:rPr lang="it-IT" b="1" dirty="0">
-                <a:solidFill>
-                  <a:schemeClr val="tx2"/>
-                </a:solidFill>
-                <a:latin typeface="Arial" panose="020B0604020202020204" pitchFamily="34" charset="0"/>
-                <a:cs typeface="Arial" panose="020B0604020202020204" pitchFamily="34" charset="0"/>
-              </a:rPr>
-              <a:t> of the </a:t>
-            </a:r>
-            <a:r>
-              <a:rPr lang="it-IT" b="1" dirty="0" err="1">
-                <a:solidFill>
-                  <a:schemeClr val="tx2"/>
-                </a:solidFill>
-                <a:latin typeface="Arial" panose="020B0604020202020204" pitchFamily="34" charset="0"/>
-                <a:cs typeface="Arial" panose="020B0604020202020204" pitchFamily="34" charset="0"/>
-              </a:rPr>
-              <a:t>turbulence</a:t>
+              <a:t>resolve</a:t>
             </a:r>
             <a:r>
               <a:rPr lang="it-IT" b="1" dirty="0">
@@ -28148,47 +28513,7 @@
                 <a:latin typeface="Arial" panose="020B0604020202020204" pitchFamily="34" charset="0"/>
                 <a:cs typeface="Arial" panose="020B0604020202020204" pitchFamily="34" charset="0"/>
               </a:rPr>
-              <a:t>phenomena</a:t>
-            </a:r>
-            <a:r>
-              <a:rPr lang="it-IT" b="1" dirty="0">
-                <a:solidFill>
-                  <a:schemeClr val="tx2"/>
-                </a:solidFill>
-                <a:latin typeface="Arial" panose="020B0604020202020204" pitchFamily="34" charset="0"/>
-                <a:cs typeface="Arial" panose="020B0604020202020204" pitchFamily="34" charset="0"/>
-              </a:rPr>
-              <a:t> the </a:t>
-            </a:r>
-            <a:r>
-              <a:rPr lang="it-IT" b="1" dirty="0" err="1">
-                <a:solidFill>
-                  <a:schemeClr val="tx2"/>
-                </a:solidFill>
-                <a:latin typeface="Arial" panose="020B0604020202020204" pitchFamily="34" charset="0"/>
-                <a:cs typeface="Arial" panose="020B0604020202020204" pitchFamily="34" charset="0"/>
-              </a:rPr>
-              <a:t>only</a:t>
-            </a:r>
-            <a:r>
-              <a:rPr lang="it-IT" b="1" dirty="0">
-                <a:solidFill>
-                  <a:schemeClr val="tx2"/>
-                </a:solidFill>
-                <a:latin typeface="Arial" panose="020B0604020202020204" pitchFamily="34" charset="0"/>
-                <a:cs typeface="Arial" panose="020B0604020202020204" pitchFamily="34" charset="0"/>
-              </a:rPr>
-              <a:t> way </a:t>
-            </a:r>
-            <a:r>
-              <a:rPr lang="it-IT" b="1" dirty="0" err="1">
-                <a:solidFill>
-                  <a:schemeClr val="tx2"/>
-                </a:solidFill>
-                <a:latin typeface="Arial" panose="020B0604020202020204" pitchFamily="34" charset="0"/>
-                <a:cs typeface="Arial" panose="020B0604020202020204" pitchFamily="34" charset="0"/>
-              </a:rPr>
-              <a:t>towards</a:t>
+              <a:t>all</a:t>
             </a:r>
             <a:r>
               <a:rPr lang="it-IT" b="1" dirty="0">
@@ -28208,7 +28533,7 @@
                 <a:latin typeface="Arial" panose="020B0604020202020204" pitchFamily="34" charset="0"/>
                 <a:cs typeface="Arial" panose="020B0604020202020204" pitchFamily="34" charset="0"/>
               </a:rPr>
-              <a:t>knowledge</a:t>
+              <a:t>spatial</a:t>
             </a:r>
             <a:r>
               <a:rPr lang="it-IT" b="1" dirty="0">
@@ -28228,27 +28553,33 @@
                 <a:latin typeface="Arial" panose="020B0604020202020204" pitchFamily="34" charset="0"/>
                 <a:cs typeface="Arial" panose="020B0604020202020204" pitchFamily="34" charset="0"/>
               </a:rPr>
-              <a:t>is</a:t>
-            </a:r>
-            <a:r>
-              <a:rPr lang="it-IT" b="1" dirty="0">
+              <a:t>scales</a:t>
+            </a:r>
+            <a:endParaRPr lang="it-IT" b="1" dirty="0">
+              <a:solidFill>
+                <a:schemeClr val="tx2"/>
+              </a:solidFill>
+              <a:latin typeface="Arial" panose="020B0604020202020204" pitchFamily="34" charset="0"/>
+              <a:cs typeface="Arial" panose="020B0604020202020204" pitchFamily="34" charset="0"/>
+            </a:endParaRPr>
+          </a:p>
+          <a:p>
+            <a:pPr marL="742950" lvl="1" indent="-285750" algn="just">
+              <a:lnSpc>
+                <a:spcPct val="150000"/>
+              </a:lnSpc>
+              <a:buFont typeface="Arial" panose="020B0604020202020204" pitchFamily="34" charset="0"/>
+              <a:buChar char="•"/>
+            </a:pPr>
+            <a:r>
+              <a:rPr lang="it-IT" b="1" dirty="0" err="1">
                 <a:solidFill>
                   <a:schemeClr val="tx2"/>
                 </a:solidFill>
                 <a:latin typeface="Arial" panose="020B0604020202020204" pitchFamily="34" charset="0"/>
                 <a:cs typeface="Arial" panose="020B0604020202020204" pitchFamily="34" charset="0"/>
               </a:rPr>
-              <a:t> the </a:t>
-            </a:r>
-            <a:r>
-              <a:rPr lang="it-IT" b="1" dirty="0" err="1">
-                <a:solidFill>
-                  <a:schemeClr val="tx2"/>
-                </a:solidFill>
-                <a:latin typeface="Arial" panose="020B0604020202020204" pitchFamily="34" charset="0"/>
-                <a:cs typeface="Arial" panose="020B0604020202020204" pitchFamily="34" charset="0"/>
-              </a:rPr>
-              <a:t>direct</a:t>
+              <a:t>Exceptional</a:t>
             </a:r>
             <a:r>
               <a:rPr lang="it-IT" b="1" dirty="0">
@@ -28268,7 +28599,7 @@
                 <a:latin typeface="Arial" panose="020B0604020202020204" pitchFamily="34" charset="0"/>
                 <a:cs typeface="Arial" panose="020B0604020202020204" pitchFamily="34" charset="0"/>
               </a:rPr>
-              <a:t>numerical</a:t>
+              <a:t>computational</a:t>
             </a:r>
             <a:r>
               <a:rPr lang="it-IT" b="1" dirty="0">
@@ -28288,27 +28619,7 @@
                 <a:latin typeface="Arial" panose="020B0604020202020204" pitchFamily="34" charset="0"/>
                 <a:cs typeface="Arial" panose="020B0604020202020204" pitchFamily="34" charset="0"/>
               </a:rPr>
-              <a:t>simulation</a:t>
-            </a:r>
-            <a:r>
-              <a:rPr lang="it-IT" b="1" dirty="0">
-                <a:solidFill>
-                  <a:schemeClr val="tx2"/>
-                </a:solidFill>
-                <a:latin typeface="Arial" panose="020B0604020202020204" pitchFamily="34" charset="0"/>
-                <a:cs typeface="Arial" panose="020B0604020202020204" pitchFamily="34" charset="0"/>
-              </a:rPr>
-              <a:t> (DNS) of the </a:t>
-            </a:r>
-            <a:r>
-              <a:rPr lang="it-IT" b="1" dirty="0" err="1">
-                <a:solidFill>
-                  <a:schemeClr val="tx2"/>
-                </a:solidFill>
-                <a:latin typeface="Arial" panose="020B0604020202020204" pitchFamily="34" charset="0"/>
-                <a:cs typeface="Arial" panose="020B0604020202020204" pitchFamily="34" charset="0"/>
-              </a:rPr>
-              <a:t>Navier-Stokes</a:t>
+              <a:t>resources</a:t>
             </a:r>
             <a:r>
               <a:rPr lang="it-IT" b="1" dirty="0">
@@ -28328,401 +28639,15 @@
                 <a:latin typeface="Arial" panose="020B0604020202020204" pitchFamily="34" charset="0"/>
                 <a:cs typeface="Arial" panose="020B0604020202020204" pitchFamily="34" charset="0"/>
               </a:rPr>
-              <a:t>equations</a:t>
-            </a:r>
-            <a:r>
-              <a:rPr lang="it-IT" b="1" dirty="0">
-                <a:solidFill>
-                  <a:schemeClr val="tx2"/>
-                </a:solidFill>
-                <a:latin typeface="Arial" panose="020B0604020202020204" pitchFamily="34" charset="0"/>
-                <a:cs typeface="Arial" panose="020B0604020202020204" pitchFamily="34" charset="0"/>
-              </a:rPr>
-              <a:t>.</a:t>
-            </a:r>
-          </a:p>
-          <a:p>
-            <a:pPr algn="just"/>
-            <a:r>
-              <a:rPr lang="it-IT" b="1" dirty="0" err="1">
-                <a:solidFill>
-                  <a:schemeClr val="tx2"/>
-                </a:solidFill>
-                <a:latin typeface="Arial" panose="020B0604020202020204" pitchFamily="34" charset="0"/>
-                <a:cs typeface="Arial" panose="020B0604020202020204" pitchFamily="34" charset="0"/>
-              </a:rPr>
-              <a:t>This</a:t>
-            </a:r>
-            <a:r>
-              <a:rPr lang="it-IT" b="1" dirty="0">
-                <a:solidFill>
-                  <a:schemeClr val="tx2"/>
-                </a:solidFill>
-                <a:latin typeface="Arial" panose="020B0604020202020204" pitchFamily="34" charset="0"/>
-                <a:cs typeface="Arial" panose="020B0604020202020204" pitchFamily="34" charset="0"/>
-              </a:rPr>
-              <a:t> </a:t>
-            </a:r>
-            <a:r>
-              <a:rPr lang="it-IT" b="1" dirty="0" err="1">
-                <a:solidFill>
-                  <a:schemeClr val="tx2"/>
-                </a:solidFill>
-                <a:latin typeface="Arial" panose="020B0604020202020204" pitchFamily="34" charset="0"/>
-                <a:cs typeface="Arial" panose="020B0604020202020204" pitchFamily="34" charset="0"/>
-              </a:rPr>
-              <a:t>computational</a:t>
-            </a:r>
-            <a:r>
-              <a:rPr lang="it-IT" b="1" dirty="0">
-                <a:solidFill>
-                  <a:schemeClr val="tx2"/>
-                </a:solidFill>
-                <a:latin typeface="Arial" panose="020B0604020202020204" pitchFamily="34" charset="0"/>
-                <a:cs typeface="Arial" panose="020B0604020202020204" pitchFamily="34" charset="0"/>
-              </a:rPr>
-              <a:t> </a:t>
-            </a:r>
-            <a:r>
-              <a:rPr lang="it-IT" b="1" dirty="0" err="1">
-                <a:solidFill>
-                  <a:schemeClr val="tx2"/>
-                </a:solidFill>
-                <a:latin typeface="Arial" panose="020B0604020202020204" pitchFamily="34" charset="0"/>
-                <a:cs typeface="Arial" panose="020B0604020202020204" pitchFamily="34" charset="0"/>
-              </a:rPr>
-              <a:t>technique</a:t>
-            </a:r>
-            <a:r>
-              <a:rPr lang="it-IT" b="1" dirty="0">
-                <a:solidFill>
-                  <a:schemeClr val="tx2"/>
-                </a:solidFill>
-                <a:latin typeface="Arial" panose="020B0604020202020204" pitchFamily="34" charset="0"/>
-                <a:cs typeface="Arial" panose="020B0604020202020204" pitchFamily="34" charset="0"/>
-              </a:rPr>
-              <a:t> </a:t>
-            </a:r>
-            <a:r>
-              <a:rPr lang="it-IT" b="1" dirty="0" err="1">
-                <a:solidFill>
-                  <a:schemeClr val="tx2"/>
-                </a:solidFill>
-                <a:latin typeface="Arial" panose="020B0604020202020204" pitchFamily="34" charset="0"/>
-                <a:cs typeface="Arial" panose="020B0604020202020204" pitchFamily="34" charset="0"/>
-              </a:rPr>
-              <a:t>does</a:t>
-            </a:r>
-            <a:r>
-              <a:rPr lang="it-IT" b="1" dirty="0">
-                <a:solidFill>
-                  <a:schemeClr val="tx2"/>
-                </a:solidFill>
-                <a:latin typeface="Arial" panose="020B0604020202020204" pitchFamily="34" charset="0"/>
-                <a:cs typeface="Arial" panose="020B0604020202020204" pitchFamily="34" charset="0"/>
-              </a:rPr>
-              <a:t> </a:t>
-            </a:r>
-            <a:r>
-              <a:rPr lang="it-IT" b="1" dirty="0" err="1">
-                <a:solidFill>
-                  <a:schemeClr val="tx2"/>
-                </a:solidFill>
-                <a:latin typeface="Arial" panose="020B0604020202020204" pitchFamily="34" charset="0"/>
-                <a:cs typeface="Arial" panose="020B0604020202020204" pitchFamily="34" charset="0"/>
-              </a:rPr>
-              <a:t>not</a:t>
-            </a:r>
-            <a:r>
-              <a:rPr lang="it-IT" b="1" dirty="0">
-                <a:solidFill>
-                  <a:schemeClr val="tx2"/>
-                </a:solidFill>
-                <a:latin typeface="Arial" panose="020B0604020202020204" pitchFamily="34" charset="0"/>
-                <a:cs typeface="Arial" panose="020B0604020202020204" pitchFamily="34" charset="0"/>
-              </a:rPr>
-              <a:t> involve </a:t>
-            </a:r>
-            <a:r>
-              <a:rPr lang="it-IT" b="1" dirty="0" err="1">
-                <a:solidFill>
-                  <a:schemeClr val="tx2"/>
-                </a:solidFill>
-                <a:latin typeface="Arial" panose="020B0604020202020204" pitchFamily="34" charset="0"/>
-                <a:cs typeface="Arial" panose="020B0604020202020204" pitchFamily="34" charset="0"/>
-              </a:rPr>
-              <a:t>turbulence</a:t>
-            </a:r>
-            <a:r>
-              <a:rPr lang="it-IT" b="1" dirty="0">
-                <a:solidFill>
-                  <a:schemeClr val="tx2"/>
-                </a:solidFill>
-                <a:latin typeface="Arial" panose="020B0604020202020204" pitchFamily="34" charset="0"/>
-                <a:cs typeface="Arial" panose="020B0604020202020204" pitchFamily="34" charset="0"/>
-              </a:rPr>
-              <a:t> </a:t>
-            </a:r>
-            <a:r>
-              <a:rPr lang="it-IT" b="1" dirty="0" err="1">
-                <a:solidFill>
-                  <a:schemeClr val="tx2"/>
-                </a:solidFill>
-                <a:latin typeface="Arial" panose="020B0604020202020204" pitchFamily="34" charset="0"/>
-                <a:cs typeface="Arial" panose="020B0604020202020204" pitchFamily="34" charset="0"/>
-              </a:rPr>
-              <a:t>models</a:t>
-            </a:r>
-            <a:r>
-              <a:rPr lang="it-IT" b="1" dirty="0">
-                <a:solidFill>
-                  <a:schemeClr val="tx2"/>
-                </a:solidFill>
-                <a:latin typeface="Arial" panose="020B0604020202020204" pitchFamily="34" charset="0"/>
-                <a:cs typeface="Arial" panose="020B0604020202020204" pitchFamily="34" charset="0"/>
-              </a:rPr>
-              <a:t>, </a:t>
-            </a:r>
-            <a:r>
-              <a:rPr lang="it-IT" b="1" dirty="0" err="1">
-                <a:solidFill>
-                  <a:schemeClr val="tx2"/>
-                </a:solidFill>
-                <a:latin typeface="Arial" panose="020B0604020202020204" pitchFamily="34" charset="0"/>
-                <a:cs typeface="Arial" panose="020B0604020202020204" pitchFamily="34" charset="0"/>
-              </a:rPr>
-              <a:t>therefore</a:t>
-            </a:r>
-            <a:r>
-              <a:rPr lang="it-IT" b="1" dirty="0">
-                <a:solidFill>
-                  <a:schemeClr val="tx2"/>
-                </a:solidFill>
-                <a:latin typeface="Arial" panose="020B0604020202020204" pitchFamily="34" charset="0"/>
-                <a:cs typeface="Arial" panose="020B0604020202020204" pitchFamily="34" charset="0"/>
-              </a:rPr>
-              <a:t> </a:t>
-            </a:r>
-            <a:r>
-              <a:rPr lang="it-IT" b="1" dirty="0" err="1">
-                <a:solidFill>
-                  <a:schemeClr val="tx2"/>
-                </a:solidFill>
-                <a:latin typeface="Arial" panose="020B0604020202020204" pitchFamily="34" charset="0"/>
-                <a:cs typeface="Arial" panose="020B0604020202020204" pitchFamily="34" charset="0"/>
-              </a:rPr>
-              <a:t>requires</a:t>
-            </a:r>
-            <a:r>
-              <a:rPr lang="it-IT" b="1" dirty="0">
-                <a:solidFill>
-                  <a:schemeClr val="tx2"/>
-                </a:solidFill>
-                <a:latin typeface="Arial" panose="020B0604020202020204" pitchFamily="34" charset="0"/>
-                <a:cs typeface="Arial" panose="020B0604020202020204" pitchFamily="34" charset="0"/>
-              </a:rPr>
-              <a:t> </a:t>
-            </a:r>
-            <a:r>
-              <a:rPr lang="it-IT" b="1" dirty="0" err="1">
-                <a:solidFill>
-                  <a:schemeClr val="tx2"/>
-                </a:solidFill>
-                <a:latin typeface="Arial" panose="020B0604020202020204" pitchFamily="34" charset="0"/>
-                <a:cs typeface="Arial" panose="020B0604020202020204" pitchFamily="34" charset="0"/>
-              </a:rPr>
-              <a:t>exceptional</a:t>
-            </a:r>
-            <a:r>
-              <a:rPr lang="it-IT" b="1" dirty="0">
-                <a:solidFill>
-                  <a:schemeClr val="tx2"/>
-                </a:solidFill>
-                <a:latin typeface="Arial" panose="020B0604020202020204" pitchFamily="34" charset="0"/>
-                <a:cs typeface="Arial" panose="020B0604020202020204" pitchFamily="34" charset="0"/>
-              </a:rPr>
-              <a:t> </a:t>
-            </a:r>
-            <a:r>
-              <a:rPr lang="it-IT" b="1" dirty="0" err="1">
-                <a:solidFill>
-                  <a:schemeClr val="tx2"/>
-                </a:solidFill>
-                <a:latin typeface="Arial" panose="020B0604020202020204" pitchFamily="34" charset="0"/>
-                <a:cs typeface="Arial" panose="020B0604020202020204" pitchFamily="34" charset="0"/>
-              </a:rPr>
-              <a:t>computational</a:t>
-            </a:r>
-            <a:r>
-              <a:rPr lang="it-IT" b="1" dirty="0">
-                <a:solidFill>
-                  <a:schemeClr val="tx2"/>
-                </a:solidFill>
-                <a:latin typeface="Arial" panose="020B0604020202020204" pitchFamily="34" charset="0"/>
-                <a:cs typeface="Arial" panose="020B0604020202020204" pitchFamily="34" charset="0"/>
-              </a:rPr>
-              <a:t> </a:t>
-            </a:r>
-            <a:r>
-              <a:rPr lang="it-IT" b="1" dirty="0" err="1">
-                <a:solidFill>
-                  <a:schemeClr val="tx2"/>
-                </a:solidFill>
-                <a:latin typeface="Arial" panose="020B0604020202020204" pitchFamily="34" charset="0"/>
-                <a:cs typeface="Arial" panose="020B0604020202020204" pitchFamily="34" charset="0"/>
-              </a:rPr>
-              <a:t>power</a:t>
-            </a:r>
-            <a:r>
-              <a:rPr lang="it-IT" b="1" dirty="0">
-                <a:solidFill>
-                  <a:schemeClr val="tx2"/>
-                </a:solidFill>
-                <a:latin typeface="Arial" panose="020B0604020202020204" pitchFamily="34" charset="0"/>
-                <a:cs typeface="Arial" panose="020B0604020202020204" pitchFamily="34" charset="0"/>
-              </a:rPr>
-              <a:t> in </a:t>
-            </a:r>
-            <a:r>
-              <a:rPr lang="it-IT" b="1" dirty="0" err="1">
-                <a:solidFill>
-                  <a:schemeClr val="tx2"/>
-                </a:solidFill>
-                <a:latin typeface="Arial" panose="020B0604020202020204" pitchFamily="34" charset="0"/>
-                <a:cs typeface="Arial" panose="020B0604020202020204" pitchFamily="34" charset="0"/>
-              </a:rPr>
-              <a:t>order</a:t>
-            </a:r>
-            <a:r>
-              <a:rPr lang="it-IT" b="1" dirty="0">
-                <a:solidFill>
-                  <a:schemeClr val="tx2"/>
-                </a:solidFill>
-                <a:latin typeface="Arial" panose="020B0604020202020204" pitchFamily="34" charset="0"/>
-                <a:cs typeface="Arial" panose="020B0604020202020204" pitchFamily="34" charset="0"/>
-              </a:rPr>
-              <a:t> to investigate </a:t>
-            </a:r>
-            <a:r>
-              <a:rPr lang="it-IT" b="1" dirty="0" err="1">
-                <a:solidFill>
-                  <a:schemeClr val="tx2"/>
-                </a:solidFill>
-                <a:latin typeface="Arial" panose="020B0604020202020204" pitchFamily="34" charset="0"/>
-                <a:cs typeface="Arial" panose="020B0604020202020204" pitchFamily="34" charset="0"/>
-              </a:rPr>
-              <a:t>all</a:t>
-            </a:r>
-            <a:r>
-              <a:rPr lang="it-IT" b="1" dirty="0">
-                <a:solidFill>
-                  <a:schemeClr val="tx2"/>
-                </a:solidFill>
-                <a:latin typeface="Arial" panose="020B0604020202020204" pitchFamily="34" charset="0"/>
-                <a:cs typeface="Arial" panose="020B0604020202020204" pitchFamily="34" charset="0"/>
-              </a:rPr>
-              <a:t> </a:t>
-            </a:r>
-            <a:r>
-              <a:rPr lang="it-IT" b="1" dirty="0" err="1">
-                <a:solidFill>
-                  <a:schemeClr val="tx2"/>
-                </a:solidFill>
-                <a:latin typeface="Arial" panose="020B0604020202020204" pitchFamily="34" charset="0"/>
-                <a:cs typeface="Arial" panose="020B0604020202020204" pitchFamily="34" charset="0"/>
-              </a:rPr>
-              <a:t>spatial</a:t>
-            </a:r>
-            <a:r>
-              <a:rPr lang="it-IT" b="1" dirty="0">
-                <a:solidFill>
-                  <a:schemeClr val="tx2"/>
-                </a:solidFill>
-                <a:latin typeface="Arial" panose="020B0604020202020204" pitchFamily="34" charset="0"/>
-                <a:cs typeface="Arial" panose="020B0604020202020204" pitchFamily="34" charset="0"/>
-              </a:rPr>
-              <a:t> </a:t>
-            </a:r>
-            <a:r>
-              <a:rPr lang="it-IT" b="1" dirty="0" err="1">
-                <a:solidFill>
-                  <a:schemeClr val="tx2"/>
-                </a:solidFill>
-                <a:latin typeface="Arial" panose="020B0604020202020204" pitchFamily="34" charset="0"/>
-                <a:cs typeface="Arial" panose="020B0604020202020204" pitchFamily="34" charset="0"/>
-              </a:rPr>
-              <a:t>scales</a:t>
-            </a:r>
-            <a:r>
-              <a:rPr lang="it-IT" b="1" dirty="0">
-                <a:solidFill>
-                  <a:schemeClr val="tx2"/>
-                </a:solidFill>
-                <a:latin typeface="Arial" panose="020B0604020202020204" pitchFamily="34" charset="0"/>
-                <a:cs typeface="Arial" panose="020B0604020202020204" pitchFamily="34" charset="0"/>
-              </a:rPr>
-              <a:t>, from the dissipative </a:t>
-            </a:r>
-            <a:r>
-              <a:rPr lang="it-IT" b="1" dirty="0" err="1">
-                <a:solidFill>
-                  <a:schemeClr val="tx2"/>
-                </a:solidFill>
-                <a:latin typeface="Arial" panose="020B0604020202020204" pitchFamily="34" charset="0"/>
-                <a:cs typeface="Arial" panose="020B0604020202020204" pitchFamily="34" charset="0"/>
-              </a:rPr>
-              <a:t>ones</a:t>
-            </a:r>
-            <a:r>
-              <a:rPr lang="it-IT" b="1" dirty="0">
-                <a:solidFill>
-                  <a:schemeClr val="tx2"/>
-                </a:solidFill>
-                <a:latin typeface="Arial" panose="020B0604020202020204" pitchFamily="34" charset="0"/>
-                <a:cs typeface="Arial" panose="020B0604020202020204" pitchFamily="34" charset="0"/>
-              </a:rPr>
-              <a:t> up to the </a:t>
-            </a:r>
-            <a:r>
-              <a:rPr lang="it-IT" b="1" dirty="0" err="1">
-                <a:solidFill>
-                  <a:schemeClr val="tx2"/>
-                </a:solidFill>
-                <a:latin typeface="Arial" panose="020B0604020202020204" pitchFamily="34" charset="0"/>
-                <a:cs typeface="Arial" panose="020B0604020202020204" pitchFamily="34" charset="0"/>
-              </a:rPr>
-              <a:t>integral</a:t>
-            </a:r>
-            <a:r>
-              <a:rPr lang="it-IT" b="1" dirty="0">
-                <a:solidFill>
-                  <a:schemeClr val="tx2"/>
-                </a:solidFill>
-                <a:latin typeface="Arial" panose="020B0604020202020204" pitchFamily="34" charset="0"/>
-                <a:cs typeface="Arial" panose="020B0604020202020204" pitchFamily="34" charset="0"/>
-              </a:rPr>
-              <a:t> </a:t>
-            </a:r>
-            <a:r>
-              <a:rPr lang="it-IT" b="1" dirty="0" err="1">
-                <a:solidFill>
-                  <a:schemeClr val="tx2"/>
-                </a:solidFill>
-                <a:latin typeface="Arial" panose="020B0604020202020204" pitchFamily="34" charset="0"/>
-                <a:cs typeface="Arial" panose="020B0604020202020204" pitchFamily="34" charset="0"/>
-              </a:rPr>
-              <a:t>length</a:t>
-            </a:r>
-            <a:r>
-              <a:rPr lang="it-IT" b="1" dirty="0">
-                <a:solidFill>
-                  <a:schemeClr val="tx2"/>
-                </a:solidFill>
-                <a:latin typeface="Arial" panose="020B0604020202020204" pitchFamily="34" charset="0"/>
-                <a:cs typeface="Arial" panose="020B0604020202020204" pitchFamily="34" charset="0"/>
-              </a:rPr>
-              <a:t>. </a:t>
-            </a:r>
+              <a:t>required</a:t>
+            </a:r>
+            <a:endParaRPr lang="it-IT" b="1" dirty="0">
+              <a:solidFill>
+                <a:schemeClr val="tx2"/>
+              </a:solidFill>
+              <a:latin typeface="Arial" panose="020B0604020202020204" pitchFamily="34" charset="0"/>
+              <a:cs typeface="Arial" panose="020B0604020202020204" pitchFamily="34" charset="0"/>
+            </a:endParaRPr>
           </a:p>
         </p:txBody>
       </p:sp>
@@ -31357,16 +31282,6 @@
             </a:r>
           </a:p>
           <a:p>
-            <a:pPr>
-              <a:defRPr/>
-            </a:pPr>
-            <a:endParaRPr lang="it-IT" sz="1800" b="1" dirty="0">
-              <a:solidFill>
-                <a:schemeClr val="tx2"/>
-              </a:solidFill>
-            </a:endParaRPr>
-          </a:p>
-          <a:p>
             <a:pPr marL="342900" indent="-342900">
               <a:lnSpc>
                 <a:spcPct val="150000"/>
@@ -31375,62 +31290,6 @@
               <a:buChar char="•"/>
               <a:defRPr/>
             </a:pPr>
-            <a:r>
-              <a:rPr lang="it-IT" sz="1800" b="1" dirty="0" err="1">
-                <a:solidFill>
-                  <a:schemeClr val="tx2"/>
-                </a:solidFill>
-              </a:rPr>
-              <a:t>Scales</a:t>
-            </a:r>
-            <a:r>
-              <a:rPr lang="it-IT" sz="1800" b="1" dirty="0">
-                <a:solidFill>
-                  <a:schemeClr val="tx2"/>
-                </a:solidFill>
-              </a:rPr>
-              <a:t> </a:t>
-            </a:r>
-            <a:r>
-              <a:rPr lang="it-IT" sz="1800" b="1" dirty="0" err="1">
-                <a:solidFill>
-                  <a:schemeClr val="tx2"/>
-                </a:solidFill>
-              </a:rPr>
-              <a:t>well</a:t>
-            </a:r>
-            <a:r>
-              <a:rPr lang="it-IT" sz="1800" b="1" dirty="0">
-                <a:solidFill>
-                  <a:schemeClr val="tx2"/>
-                </a:solidFill>
-              </a:rPr>
-              <a:t> with a large </a:t>
-            </a:r>
-            <a:r>
-              <a:rPr lang="it-IT" sz="1800" b="1" dirty="0" err="1">
-                <a:solidFill>
-                  <a:schemeClr val="tx2"/>
-                </a:solidFill>
-              </a:rPr>
-              <a:t>number</a:t>
-            </a:r>
-            <a:r>
-              <a:rPr lang="it-IT" sz="1800" b="1" dirty="0">
-                <a:solidFill>
-                  <a:schemeClr val="tx2"/>
-                </a:solidFill>
-              </a:rPr>
-              <a:t> of </a:t>
-            </a:r>
-            <a:r>
-              <a:rPr lang="it-IT" sz="1800" b="1" dirty="0" err="1">
-                <a:solidFill>
-                  <a:schemeClr val="tx2"/>
-                </a:solidFill>
-              </a:rPr>
-              <a:t>nodes</a:t>
-            </a:r>
             <a:endParaRPr lang="it-IT" sz="1800" b="1" dirty="0">
               <a:solidFill>
                 <a:schemeClr val="tx2"/>
@@ -31452,7 +31311,7 @@
                   <a:schemeClr val="tx2"/>
                 </a:solidFill>
               </a:rPr>
-              <a:t>Provides</a:t>
+              <a:t>Scales</a:t>
             </a:r>
             <a:r>
               <a:rPr lang="it-IT" sz="1800" b="1" dirty="0">
@@ -31460,7 +31319,7 @@
                   <a:schemeClr val="tx2"/>
                 </a:solidFill>
               </a:rPr>
-              <a:t> large </a:t>
+              <a:t> </a:t>
             </a:r>
             <a:r>
               <a:rPr lang="it-IT" sz="1800" b="1" dirty="0" err="1">
@@ -31468,7 +31327,7 @@
                   <a:schemeClr val="tx2"/>
                 </a:solidFill>
               </a:rPr>
-              <a:t>virtual</a:t>
+              <a:t>well</a:t>
             </a:r>
             <a:r>
               <a:rPr lang="it-IT" sz="1800" b="1" dirty="0">
@@ -31476,7 +31335,7 @@
                   <a:schemeClr val="tx2"/>
                 </a:solidFill>
               </a:rPr>
-              <a:t> </a:t>
+              <a:t> with a large </a:t>
             </a:r>
             <a:r>
               <a:rPr lang="it-IT" sz="1800" b="1" dirty="0" err="1">
@@ -31484,7 +31343,7 @@
                   <a:schemeClr val="tx2"/>
                 </a:solidFill>
               </a:rPr>
-              <a:t>memory</a:t>
+              <a:t>number</a:t>
             </a:r>
             <a:r>
               <a:rPr lang="it-IT" sz="1800" b="1" dirty="0">
@@ -31492,7 +31351,7 @@
                   <a:schemeClr val="tx2"/>
                 </a:solidFill>
               </a:rPr>
-              <a:t> </a:t>
+              <a:t> of </a:t>
             </a:r>
             <a:r>
               <a:rPr lang="it-IT" sz="1800" b="1" dirty="0" err="1">
@@ -31500,7 +31359,7 @@
                   <a:schemeClr val="tx2"/>
                 </a:solidFill>
               </a:rPr>
-              <a:t>space</a:t>
+              <a:t>nodes</a:t>
             </a:r>
             <a:endParaRPr lang="it-IT" sz="1800" b="1" dirty="0">
               <a:solidFill>
@@ -31523,7 +31382,7 @@
                   <a:schemeClr val="tx2"/>
                 </a:solidFill>
               </a:rPr>
-              <a:t>No </a:t>
+              <a:t>Greater </a:t>
             </a:r>
             <a:r>
               <a:rPr lang="it-IT" sz="1800" b="1" dirty="0" err="1">
@@ -31531,7 +31390,7 @@
                   <a:schemeClr val="tx2"/>
                 </a:solidFill>
               </a:rPr>
-              <a:t>need</a:t>
+              <a:t>availability</a:t>
             </a:r>
             <a:r>
               <a:rPr lang="it-IT" sz="1800" b="1" dirty="0">
@@ -31539,7 +31398,7 @@
                   <a:schemeClr val="tx2"/>
                 </a:solidFill>
               </a:rPr>
-              <a:t> to replicate data</a:t>
+              <a:t> of RAM</a:t>
             </a:r>
           </a:p>
           <a:p>
@@ -31557,6 +31416,40 @@
                   <a:schemeClr val="tx2"/>
                 </a:solidFill>
               </a:rPr>
+              <a:t>No </a:t>
+            </a:r>
+            <a:r>
+              <a:rPr lang="it-IT" sz="1800" b="1" dirty="0" err="1">
+                <a:solidFill>
+                  <a:schemeClr val="tx2"/>
+                </a:solidFill>
+              </a:rPr>
+              <a:t>need</a:t>
+            </a:r>
+            <a:r>
+              <a:rPr lang="it-IT" sz="1800" b="1" dirty="0">
+                <a:solidFill>
+                  <a:schemeClr val="tx2"/>
+                </a:solidFill>
+              </a:rPr>
+              <a:t> to replicate data</a:t>
+            </a:r>
+          </a:p>
+          <a:p>
+            <a:pPr marL="342900" indent="-342900">
+              <a:lnSpc>
+                <a:spcPct val="150000"/>
+              </a:lnSpc>
+              <a:buFont typeface="Arial" panose="020B0604020202020204" pitchFamily="34" charset="0"/>
+              <a:buChar char="•"/>
+              <a:defRPr/>
+            </a:pPr>
+            <a:r>
+              <a:rPr lang="it-IT" sz="1800" b="1" dirty="0">
+                <a:solidFill>
+                  <a:schemeClr val="tx2"/>
+                </a:solidFill>
+              </a:rPr>
               <a:t>Use </a:t>
             </a:r>
             <a:r>
@@ -31575,6 +31468,16 @@
               </a:rPr>
               <a:t> hardware</a:t>
             </a:r>
+          </a:p>
+          <a:p>
+            <a:pPr>
+              <a:defRPr/>
+            </a:pPr>
+            <a:endParaRPr lang="it-IT" sz="1800" b="1" dirty="0">
+              <a:solidFill>
+                <a:schemeClr val="tx2"/>
+              </a:solidFill>
+            </a:endParaRPr>
           </a:p>
           <a:p>
             <a:pPr>

--- a/presentazione_meazzo.pptx
+++ b/presentazione_meazzo.pptx
@@ -5,7 +5,7 @@
     <p:sldMasterId id="2147483648" r:id="rId1"/>
   </p:sldMasterIdLst>
   <p:notesMasterIdLst>
-    <p:notesMasterId r:id="rId18"/>
+    <p:notesMasterId r:id="rId19"/>
   </p:notesMasterIdLst>
   <p:sldIdLst>
     <p:sldId id="261" r:id="rId2"/>
@@ -22,8 +22,9 @@
     <p:sldId id="277" r:id="rId13"/>
     <p:sldId id="304" r:id="rId14"/>
     <p:sldId id="285" r:id="rId15"/>
-    <p:sldId id="272" r:id="rId16"/>
-    <p:sldId id="271" r:id="rId17"/>
+    <p:sldId id="305" r:id="rId16"/>
+    <p:sldId id="272" r:id="rId17"/>
+    <p:sldId id="271" r:id="rId18"/>
   </p:sldIdLst>
   <p:sldSz cx="9144000" cy="6858000" type="screen4x3"/>
   <p:notesSz cx="6858000" cy="9144000"/>
@@ -153,6 +154,7 @@
             <p14:sldId id="277"/>
             <p14:sldId id="304"/>
             <p14:sldId id="285"/>
+            <p14:sldId id="305"/>
           </p14:sldIdLst>
         </p14:section>
         <p14:section name="Conclusioni" id="{9F1D12F2-CA14-054C-B91C-67D54E033CCC}">
@@ -1342,31 +1344,111 @@
           <a:p>
             <a:r>
               <a:rPr lang="it-IT" dirty="0"/>
-              <a:t>Abbiamo creato un solutore in grado di gestire grosse simulazioni</a:t>
-            </a:r>
-          </a:p>
-          <a:p>
+              <a:t>Al giorno d’oggi teoria </a:t>
+            </a:r>
+            <a:r>
+              <a:rPr lang="it-IT" dirty="0" err="1"/>
+              <a:t>attached</a:t>
+            </a:r>
             <a:r>
               <a:rPr lang="it-IT" dirty="0"/>
-              <a:t>e abbiamo raggiunto una buona scalabilità</a:t>
-            </a:r>
-          </a:p>
-          <a:p>
-            <a:endParaRPr lang="it-IT" dirty="0"/>
-          </a:p>
-          <a:p>
+              <a:t> </a:t>
+            </a:r>
+            <a:r>
+              <a:rPr lang="it-IT" dirty="0" err="1"/>
+              <a:t>eddies</a:t>
+            </a:r>
             <a:r>
               <a:rPr lang="it-IT" dirty="0"/>
-              <a:t>tuttavia la tendenza odierna del mercato si è spostata</a:t>
-            </a:r>
-          </a:p>
-          <a:p>
-            <a:endParaRPr lang="it-IT" dirty="0"/>
+              <a:t> risulta essere molto affermata, </a:t>
+            </a:r>
           </a:p>
           <a:p>
             <a:r>
               <a:rPr lang="it-IT" dirty="0"/>
-              <a:t>ridurre impatto ambientale</a:t>
+              <a:t>Capacità di prevedere correttamente l'andamento di diverse statistiche, tra cui i comportamenti dei MOMENTI SECONDO ORD.</a:t>
+            </a:r>
+          </a:p>
+          <a:p>
+            <a:r>
+              <a:rPr lang="it-IT" dirty="0"/>
+              <a:t>Tuttavia essa è LIMITATA a flussi ad elevati numeri di Re ed è in grado di descrivere SOLO fenomeni nella Zona </a:t>
+            </a:r>
+            <a:r>
+              <a:rPr lang="it-IT" dirty="0" err="1"/>
+              <a:t>LOGaritmica</a:t>
+            </a:r>
+            <a:r>
+              <a:rPr lang="it-IT" dirty="0"/>
+              <a:t>, pertanto gli sforzi sono indirizzati ad ampliare il </a:t>
+            </a:r>
+            <a:r>
+              <a:rPr lang="it-IT" dirty="0" err="1"/>
+              <a:t>range</a:t>
+            </a:r>
+            <a:r>
+              <a:rPr lang="it-IT" dirty="0"/>
+              <a:t> di scale coinvolte nella teoria.</a:t>
+            </a:r>
+          </a:p>
+          <a:p>
+            <a:r>
+              <a:rPr lang="it-IT" dirty="0"/>
+              <a:t>PER DARE UN'IDEA DI DOVE SIAMO:      La nostra conoscenza della turbolenza è ancora limitata. Al momento la </a:t>
+            </a:r>
+            <a:r>
+              <a:rPr lang="it-IT" dirty="0" err="1"/>
+              <a:t>sim</a:t>
+            </a:r>
+            <a:r>
+              <a:rPr lang="it-IT" dirty="0"/>
+              <a:t> + grande </a:t>
+            </a:r>
+            <a:r>
+              <a:rPr lang="it-IT" dirty="0" err="1"/>
+              <a:t>Re_t</a:t>
+            </a:r>
+            <a:r>
+              <a:rPr lang="it-IT" dirty="0"/>
+              <a:t> 5200; secondo stima accreditata </a:t>
+            </a:r>
+            <a:r>
+              <a:rPr lang="it-IT" dirty="0" err="1"/>
+              <a:t>Re_t</a:t>
+            </a:r>
+            <a:r>
+              <a:rPr lang="it-IT" dirty="0"/>
+              <a:t> 10'000 rappresenterebbe l'ultima DNS necessaria, SEPARAZIONE Scale.	Richiederebbe 1 anno simulazione su </a:t>
+            </a:r>
+            <a:r>
+              <a:rPr lang="it-IT" dirty="0" err="1"/>
+              <a:t>supercom</a:t>
+            </a:r>
+            <a:r>
+              <a:rPr lang="it-IT" dirty="0"/>
+              <a:t> </a:t>
+            </a:r>
+            <a:r>
+              <a:rPr lang="it-IT" dirty="0" err="1"/>
+              <a:t>Exascala</a:t>
+            </a:r>
+            <a:r>
+              <a:rPr lang="it-IT" dirty="0"/>
+              <a:t>. </a:t>
+            </a:r>
+          </a:p>
+          <a:p>
+            <a:r>
+              <a:rPr lang="it-IT" dirty="0"/>
+              <a:t>Non esiste al momento stimata la realizzazione 2023 crescita ritmo </a:t>
+            </a:r>
+            <a:r>
+              <a:rPr lang="it-IT" dirty="0" err="1"/>
+              <a:t>cost</a:t>
+            </a:r>
+            <a:r>
+              <a:rPr lang="it-IT" dirty="0"/>
+              <a:t>. 	Summit , possibile alternativa computer quantistici</a:t>
             </a:r>
           </a:p>
         </p:txBody>
@@ -1397,7 +1479,7 @@
     </p:spTree>
     <p:extLst>
       <p:ext uri="{BB962C8B-B14F-4D97-AF65-F5344CB8AC3E}">
-        <p14:creationId xmlns:p14="http://schemas.microsoft.com/office/powerpoint/2010/main" val="3196860045"/>
+        <p14:creationId xmlns:p14="http://schemas.microsoft.com/office/powerpoint/2010/main" val="1458363473"/>
       </p:ext>
     </p:extLst>
   </p:cSld>
@@ -1451,7 +1533,34 @@
           <a:bodyPr/>
           <a:lstStyle/>
           <a:p>
+            <a:r>
+              <a:rPr lang="it-IT" dirty="0"/>
+              <a:t>Abbiamo creato un solutore in grado di gestire grosse simulazioni</a:t>
+            </a:r>
+          </a:p>
+          <a:p>
+            <a:r>
+              <a:rPr lang="it-IT" dirty="0"/>
+              <a:t>e abbiamo raggiunto una buona scalabilità</a:t>
+            </a:r>
+          </a:p>
+          <a:p>
             <a:endParaRPr lang="it-IT" dirty="0"/>
+          </a:p>
+          <a:p>
+            <a:r>
+              <a:rPr lang="it-IT" dirty="0"/>
+              <a:t>tuttavia la tendenza odierna del mercato si è spostata</a:t>
+            </a:r>
+          </a:p>
+          <a:p>
+            <a:endParaRPr lang="it-IT" dirty="0"/>
+          </a:p>
+          <a:p>
+            <a:r>
+              <a:rPr lang="it-IT" dirty="0"/>
+              <a:t>ridurre impatto ambientale</a:t>
+            </a:r>
           </a:p>
         </p:txBody>
       </p:sp>
@@ -1473,6 +1582,90 @@
             <a:fld id="{1A6B2BED-F6F4-ED4A-9D49-77F4B1011AF7}" type="slidenum">
               <a:rPr lang="it-IT" smtClean="0"/>
               <a:t>16</a:t>
+            </a:fld>
+            <a:endParaRPr lang="it-IT"/>
+          </a:p>
+        </p:txBody>
+      </p:sp>
+    </p:spTree>
+    <p:extLst>
+      <p:ext uri="{BB962C8B-B14F-4D97-AF65-F5344CB8AC3E}">
+        <p14:creationId xmlns:p14="http://schemas.microsoft.com/office/powerpoint/2010/main" val="3196860045"/>
+      </p:ext>
+    </p:extLst>
+  </p:cSld>
+  <p:clrMapOvr>
+    <a:masterClrMapping/>
+  </p:clrMapOvr>
+</p:notes>
+</file>
+
+<file path=ppt/notesSlides/notesSlide17.xml><?xml version="1.0" encoding="utf-8"?>
+<p:notes xmlns:a="http://schemas.openxmlformats.org/drawingml/2006/main" xmlns:r="http://schemas.openxmlformats.org/officeDocument/2006/relationships" xmlns:p="http://schemas.openxmlformats.org/presentationml/2006/main">
+  <p:cSld>
+    <p:spTree>
+      <p:nvGrpSpPr>
+        <p:cNvPr id="1" name=""/>
+        <p:cNvGrpSpPr/>
+        <p:nvPr/>
+      </p:nvGrpSpPr>
+      <p:grpSpPr>
+        <a:xfrm>
+          <a:off x="0" y="0"/>
+          <a:ext cx="0" cy="0"/>
+          <a:chOff x="0" y="0"/>
+          <a:chExt cx="0" cy="0"/>
+        </a:xfrm>
+      </p:grpSpPr>
+      <p:sp>
+        <p:nvSpPr>
+          <p:cNvPr id="2" name="Segnaposto immagine diapositiva 1"/>
+          <p:cNvSpPr>
+            <a:spLocks noGrp="1" noRot="1" noChangeAspect="1"/>
+          </p:cNvSpPr>
+          <p:nvPr>
+            <p:ph type="sldImg"/>
+          </p:nvPr>
+        </p:nvSpPr>
+        <p:spPr/>
+      </p:sp>
+      <p:sp>
+        <p:nvSpPr>
+          <p:cNvPr id="3" name="Segnaposto note 2"/>
+          <p:cNvSpPr>
+            <a:spLocks noGrp="1"/>
+          </p:cNvSpPr>
+          <p:nvPr>
+            <p:ph type="body" idx="1"/>
+          </p:nvPr>
+        </p:nvSpPr>
+        <p:spPr/>
+        <p:txBody>
+          <a:bodyPr/>
+          <a:lstStyle/>
+          <a:p>
+            <a:endParaRPr lang="it-IT" dirty="0"/>
+          </a:p>
+        </p:txBody>
+      </p:sp>
+      <p:sp>
+        <p:nvSpPr>
+          <p:cNvPr id="4" name="Segnaposto numero diapositiva 3"/>
+          <p:cNvSpPr>
+            <a:spLocks noGrp="1"/>
+          </p:cNvSpPr>
+          <p:nvPr>
+            <p:ph type="sldNum" sz="quarter" idx="10"/>
+          </p:nvPr>
+        </p:nvSpPr>
+        <p:spPr/>
+        <p:txBody>
+          <a:bodyPr/>
+          <a:lstStyle/>
+          <a:p>
+            <a:fld id="{1A6B2BED-F6F4-ED4A-9D49-77F4B1011AF7}" type="slidenum">
+              <a:rPr lang="it-IT" smtClean="0"/>
+              <a:t>17</a:t>
             </a:fld>
             <a:endParaRPr lang="it-IT"/>
           </a:p>
@@ -1573,6 +1766,9 @@
             </a:r>
           </a:p>
           <a:p>
+            <a:endParaRPr lang="it-IT" dirty="0"/>
+          </a:p>
+          <a:p>
             <a:r>
               <a:rPr lang="it-IT" dirty="0"/>
               <a:t>Vantaggio principale DNS rispetto approccio sperimentale è la capacità di non perturbare il campo di moto</a:t>
@@ -2492,15 +2688,7 @@
             </a:r>
             <a:r>
               <a:rPr lang="it-IT" dirty="0"/>
-              <a:t> ha evidenziato dei benefici, mentre impiegando </a:t>
-            </a:r>
-            <a:r>
-              <a:rPr lang="it-IT" dirty="0" err="1"/>
-              <a:t>n</a:t>
-            </a:r>
-            <a:r>
-              <a:rPr lang="it-IT" dirty="0"/>
-              <a:t> processori in modalità single-core lo </a:t>
+              <a:t> ha evidenziato dei benefici, mentre impiegando N processori in modalità single-core lo </a:t>
             </a:r>
             <a:r>
               <a:rPr lang="it-IT" dirty="0" err="1"/>
@@ -22314,6 +22502,1117 @@
       </p:grpSpPr>
       <p:sp>
         <p:nvSpPr>
+          <p:cNvPr id="5" name="Rettangolo 4">
+            <a:extLst>
+              <a:ext uri="{FF2B5EF4-FFF2-40B4-BE49-F238E27FC236}">
+                <a16:creationId xmlns:a16="http://schemas.microsoft.com/office/drawing/2014/main" id="{BF4B3357-CDC2-2442-86C2-E5C7C2A7230E}"/>
+              </a:ext>
+            </a:extLst>
+          </p:cNvPr>
+          <p:cNvSpPr/>
+          <p:nvPr/>
+        </p:nvSpPr>
+        <p:spPr>
+          <a:xfrm>
+            <a:off x="83127" y="6317672"/>
+            <a:ext cx="3063834" cy="344385"/>
+          </a:xfrm>
+          <a:prstGeom prst="rect">
+            <a:avLst/>
+          </a:prstGeom>
+          <a:solidFill>
+            <a:srgbClr val="728FA5"/>
+          </a:solidFill>
+          <a:ln>
+            <a:noFill/>
+          </a:ln>
+        </p:spPr>
+        <p:style>
+          <a:lnRef idx="0">
+            <a:scrgbClr r="0" g="0" b="0"/>
+          </a:lnRef>
+          <a:fillRef idx="0">
+            <a:scrgbClr r="0" g="0" b="0"/>
+          </a:fillRef>
+          <a:effectRef idx="0">
+            <a:scrgbClr r="0" g="0" b="0"/>
+          </a:effectRef>
+          <a:fontRef idx="minor">
+            <a:schemeClr val="lt1"/>
+          </a:fontRef>
+        </p:style>
+        <p:txBody>
+          <a:bodyPr rtlCol="0" anchor="ctr"/>
+          <a:lstStyle/>
+          <a:p>
+            <a:endParaRPr lang="it-IT" sz="1400" dirty="0"/>
+          </a:p>
+        </p:txBody>
+      </p:sp>
+      <p:sp>
+        <p:nvSpPr>
+          <p:cNvPr id="8" name="Rettangolo 7">
+            <a:extLst>
+              <a:ext uri="{FF2B5EF4-FFF2-40B4-BE49-F238E27FC236}">
+                <a16:creationId xmlns:a16="http://schemas.microsoft.com/office/drawing/2014/main" id="{5586F461-EC0C-D148-A5B3-CCDFE544B77E}"/>
+              </a:ext>
+            </a:extLst>
+          </p:cNvPr>
+          <p:cNvSpPr/>
+          <p:nvPr/>
+        </p:nvSpPr>
+        <p:spPr>
+          <a:xfrm>
+            <a:off x="288521" y="6317672"/>
+            <a:ext cx="2858440" cy="344385"/>
+          </a:xfrm>
+          <a:prstGeom prst="rect">
+            <a:avLst/>
+          </a:prstGeom>
+          <a:solidFill>
+            <a:srgbClr val="728FA5"/>
+          </a:solidFill>
+          <a:ln>
+            <a:noFill/>
+          </a:ln>
+        </p:spPr>
+        <p:style>
+          <a:lnRef idx="0">
+            <a:scrgbClr r="0" g="0" b="0"/>
+          </a:lnRef>
+          <a:fillRef idx="0">
+            <a:scrgbClr r="0" g="0" b="0"/>
+          </a:fillRef>
+          <a:effectRef idx="0">
+            <a:scrgbClr r="0" g="0" b="0"/>
+          </a:effectRef>
+          <a:fontRef idx="minor">
+            <a:schemeClr val="lt1"/>
+          </a:fontRef>
+        </p:style>
+        <p:txBody>
+          <a:bodyPr rtlCol="0" anchor="ctr"/>
+          <a:lstStyle/>
+          <a:p>
+            <a:r>
+              <a:rPr lang="it-IT" sz="1400" dirty="0"/>
+              <a:t>Mirco Meazzo - 873477</a:t>
+            </a:r>
+          </a:p>
+        </p:txBody>
+      </p:sp>
+      <p:sp>
+        <p:nvSpPr>
+          <p:cNvPr id="10" name="Titolo 1">
+            <a:extLst>
+              <a:ext uri="{FF2B5EF4-FFF2-40B4-BE49-F238E27FC236}">
+                <a16:creationId xmlns:a16="http://schemas.microsoft.com/office/drawing/2014/main" id="{02406097-9AE7-0740-A479-2E15153677BE}"/>
+              </a:ext>
+            </a:extLst>
+          </p:cNvPr>
+          <p:cNvSpPr>
+            <a:spLocks noGrp="1"/>
+          </p:cNvSpPr>
+          <p:nvPr>
+            <p:ph type="title"/>
+          </p:nvPr>
+        </p:nvSpPr>
+        <p:spPr/>
+        <p:txBody>
+          <a:bodyPr/>
+          <a:lstStyle/>
+          <a:p>
+            <a:r>
+              <a:rPr lang="it-IT" dirty="0" err="1"/>
+              <a:t>Towards</a:t>
+            </a:r>
+            <a:r>
+              <a:rPr lang="it-IT" dirty="0"/>
+              <a:t> Future</a:t>
+            </a:r>
+          </a:p>
+        </p:txBody>
+      </p:sp>
+      <p:sp>
+        <p:nvSpPr>
+          <p:cNvPr id="3" name="CasellaDiTesto 2">
+            <a:extLst>
+              <a:ext uri="{FF2B5EF4-FFF2-40B4-BE49-F238E27FC236}">
+                <a16:creationId xmlns:a16="http://schemas.microsoft.com/office/drawing/2014/main" id="{792DE343-49CE-5147-B998-22C0FB7BE21E}"/>
+              </a:ext>
+            </a:extLst>
+          </p:cNvPr>
+          <p:cNvSpPr txBox="1"/>
+          <p:nvPr/>
+        </p:nvSpPr>
+        <p:spPr>
+          <a:xfrm>
+            <a:off x="399608" y="1838036"/>
+            <a:ext cx="8358862" cy="1200329"/>
+          </a:xfrm>
+          <a:prstGeom prst="rect">
+            <a:avLst/>
+          </a:prstGeom>
+          <a:noFill/>
+        </p:spPr>
+        <p:txBody>
+          <a:bodyPr wrap="square" rtlCol="0">
+            <a:spAutoFit/>
+          </a:bodyPr>
+          <a:lstStyle/>
+          <a:p>
+            <a:pPr algn="just"/>
+            <a:r>
+              <a:rPr lang="it-IT" b="1" dirty="0">
+                <a:solidFill>
+                  <a:schemeClr val="tx2"/>
+                </a:solidFill>
+                <a:latin typeface="Arial" panose="020B0604020202020204" pitchFamily="34" charset="0"/>
+                <a:cs typeface="Arial" panose="020B0604020202020204" pitchFamily="34" charset="0"/>
+              </a:rPr>
+              <a:t>AEM </a:t>
+            </a:r>
+            <a:r>
+              <a:rPr lang="it-IT" b="1" dirty="0" err="1">
+                <a:solidFill>
+                  <a:schemeClr val="tx2"/>
+                </a:solidFill>
+                <a:latin typeface="Arial" panose="020B0604020202020204" pitchFamily="34" charset="0"/>
+                <a:cs typeface="Arial" panose="020B0604020202020204" pitchFamily="34" charset="0"/>
+              </a:rPr>
+              <a:t>provides</a:t>
+            </a:r>
+            <a:r>
+              <a:rPr lang="it-IT" b="1" dirty="0">
+                <a:solidFill>
+                  <a:schemeClr val="tx2"/>
+                </a:solidFill>
+                <a:latin typeface="Arial" panose="020B0604020202020204" pitchFamily="34" charset="0"/>
+                <a:cs typeface="Arial" panose="020B0604020202020204" pitchFamily="34" charset="0"/>
+              </a:rPr>
+              <a:t> </a:t>
+            </a:r>
+            <a:r>
+              <a:rPr lang="it-IT" b="1" dirty="0" err="1">
+                <a:solidFill>
+                  <a:schemeClr val="tx2"/>
+                </a:solidFill>
+                <a:latin typeface="Arial" panose="020B0604020202020204" pitchFamily="34" charset="0"/>
+                <a:cs typeface="Arial" panose="020B0604020202020204" pitchFamily="34" charset="0"/>
+              </a:rPr>
+              <a:t>powerful</a:t>
+            </a:r>
+            <a:r>
+              <a:rPr lang="it-IT" b="1" dirty="0">
+                <a:solidFill>
+                  <a:schemeClr val="tx2"/>
+                </a:solidFill>
+                <a:latin typeface="Arial" panose="020B0604020202020204" pitchFamily="34" charset="0"/>
+                <a:cs typeface="Arial" panose="020B0604020202020204" pitchFamily="34" charset="0"/>
+              </a:rPr>
+              <a:t> and accurate </a:t>
+            </a:r>
+            <a:r>
+              <a:rPr lang="it-IT" b="1" dirty="0" err="1">
+                <a:solidFill>
+                  <a:schemeClr val="tx2"/>
+                </a:solidFill>
+                <a:latin typeface="Arial" panose="020B0604020202020204" pitchFamily="34" charset="0"/>
+                <a:cs typeface="Arial" panose="020B0604020202020204" pitchFamily="34" charset="0"/>
+              </a:rPr>
+              <a:t>framework</a:t>
+            </a:r>
+            <a:r>
+              <a:rPr lang="it-IT" b="1" dirty="0">
+                <a:solidFill>
+                  <a:schemeClr val="tx2"/>
+                </a:solidFill>
+                <a:latin typeface="Arial" panose="020B0604020202020204" pitchFamily="34" charset="0"/>
+                <a:cs typeface="Arial" panose="020B0604020202020204" pitchFamily="34" charset="0"/>
+              </a:rPr>
+              <a:t> for </a:t>
+            </a:r>
+            <a:r>
+              <a:rPr lang="it-IT" b="1" dirty="0" err="1">
+                <a:solidFill>
+                  <a:schemeClr val="tx2"/>
+                </a:solidFill>
+                <a:latin typeface="Arial" panose="020B0604020202020204" pitchFamily="34" charset="0"/>
+                <a:cs typeface="Arial" panose="020B0604020202020204" pitchFamily="34" charset="0"/>
+              </a:rPr>
+              <a:t>predictions</a:t>
+            </a:r>
+            <a:r>
+              <a:rPr lang="it-IT" b="1" dirty="0">
+                <a:solidFill>
+                  <a:schemeClr val="tx2"/>
+                </a:solidFill>
+                <a:latin typeface="Arial" panose="020B0604020202020204" pitchFamily="34" charset="0"/>
+                <a:cs typeface="Arial" panose="020B0604020202020204" pitchFamily="34" charset="0"/>
+              </a:rPr>
+              <a:t> of the </a:t>
+            </a:r>
+            <a:r>
+              <a:rPr lang="it-IT" b="1" dirty="0" err="1">
+                <a:solidFill>
+                  <a:schemeClr val="tx2"/>
+                </a:solidFill>
+                <a:latin typeface="Arial" panose="020B0604020202020204" pitchFamily="34" charset="0"/>
+                <a:cs typeface="Arial" panose="020B0604020202020204" pitchFamily="34" charset="0"/>
+              </a:rPr>
+              <a:t>scaling</a:t>
+            </a:r>
+            <a:r>
+              <a:rPr lang="it-IT" b="1" dirty="0">
+                <a:solidFill>
+                  <a:schemeClr val="tx2"/>
+                </a:solidFill>
+                <a:latin typeface="Arial" panose="020B0604020202020204" pitchFamily="34" charset="0"/>
+                <a:cs typeface="Arial" panose="020B0604020202020204" pitchFamily="34" charset="0"/>
+              </a:rPr>
+              <a:t> </a:t>
+            </a:r>
+            <a:r>
+              <a:rPr lang="it-IT" b="1" dirty="0" err="1">
+                <a:solidFill>
+                  <a:schemeClr val="tx2"/>
+                </a:solidFill>
+                <a:latin typeface="Arial" panose="020B0604020202020204" pitchFamily="34" charset="0"/>
+                <a:cs typeface="Arial" panose="020B0604020202020204" pitchFamily="34" charset="0"/>
+              </a:rPr>
+              <a:t>behaviors</a:t>
+            </a:r>
+            <a:r>
+              <a:rPr lang="it-IT" b="1" dirty="0">
+                <a:solidFill>
+                  <a:schemeClr val="tx2"/>
+                </a:solidFill>
+                <a:latin typeface="Arial" panose="020B0604020202020204" pitchFamily="34" charset="0"/>
+                <a:cs typeface="Arial" panose="020B0604020202020204" pitchFamily="34" charset="0"/>
+              </a:rPr>
+              <a:t> for </a:t>
+            </a:r>
+            <a:r>
+              <a:rPr lang="it-IT" b="1" dirty="0" err="1">
+                <a:solidFill>
+                  <a:schemeClr val="tx2"/>
+                </a:solidFill>
+                <a:latin typeface="Arial" panose="020B0604020202020204" pitchFamily="34" charset="0"/>
+                <a:cs typeface="Arial" panose="020B0604020202020204" pitchFamily="34" charset="0"/>
+              </a:rPr>
+              <a:t>various</a:t>
+            </a:r>
+            <a:r>
+              <a:rPr lang="it-IT" b="1" dirty="0">
+                <a:solidFill>
+                  <a:schemeClr val="tx2"/>
+                </a:solidFill>
+                <a:latin typeface="Arial" panose="020B0604020202020204" pitchFamily="34" charset="0"/>
+                <a:cs typeface="Arial" panose="020B0604020202020204" pitchFamily="34" charset="0"/>
+              </a:rPr>
+              <a:t> </a:t>
+            </a:r>
+            <a:r>
+              <a:rPr lang="it-IT" b="1" dirty="0" err="1">
+                <a:solidFill>
+                  <a:schemeClr val="tx2"/>
+                </a:solidFill>
+                <a:latin typeface="Arial" panose="020B0604020202020204" pitchFamily="34" charset="0"/>
+                <a:cs typeface="Arial" panose="020B0604020202020204" pitchFamily="34" charset="0"/>
+              </a:rPr>
+              <a:t>turbulence</a:t>
+            </a:r>
+            <a:r>
+              <a:rPr lang="it-IT" b="1" dirty="0">
+                <a:solidFill>
+                  <a:schemeClr val="tx2"/>
+                </a:solidFill>
+                <a:latin typeface="Arial" panose="020B0604020202020204" pitchFamily="34" charset="0"/>
+                <a:cs typeface="Arial" panose="020B0604020202020204" pitchFamily="34" charset="0"/>
+              </a:rPr>
+              <a:t> </a:t>
+            </a:r>
+            <a:r>
+              <a:rPr lang="it-IT" b="1" dirty="0" err="1">
+                <a:solidFill>
+                  <a:schemeClr val="tx2"/>
+                </a:solidFill>
+                <a:latin typeface="Arial" panose="020B0604020202020204" pitchFamily="34" charset="0"/>
+                <a:cs typeface="Arial" panose="020B0604020202020204" pitchFamily="34" charset="0"/>
+              </a:rPr>
+              <a:t>statistics</a:t>
+            </a:r>
+            <a:r>
+              <a:rPr lang="it-IT" b="1" dirty="0">
+                <a:solidFill>
+                  <a:schemeClr val="tx2"/>
+                </a:solidFill>
+                <a:latin typeface="Arial" panose="020B0604020202020204" pitchFamily="34" charset="0"/>
+                <a:cs typeface="Arial" panose="020B0604020202020204" pitchFamily="34" charset="0"/>
+              </a:rPr>
+              <a:t>.</a:t>
+            </a:r>
+          </a:p>
+          <a:p>
+            <a:pPr algn="just"/>
+            <a:r>
+              <a:rPr lang="it-IT" b="1" dirty="0" err="1">
+                <a:solidFill>
+                  <a:schemeClr val="tx2"/>
+                </a:solidFill>
+                <a:latin typeface="Arial" panose="020B0604020202020204" pitchFamily="34" charset="0"/>
+                <a:cs typeface="Arial" panose="020B0604020202020204" pitchFamily="34" charset="0"/>
+              </a:rPr>
+              <a:t>Improvements</a:t>
+            </a:r>
+            <a:r>
+              <a:rPr lang="it-IT" b="1" dirty="0">
+                <a:solidFill>
+                  <a:schemeClr val="tx2"/>
+                </a:solidFill>
+                <a:latin typeface="Arial" panose="020B0604020202020204" pitchFamily="34" charset="0"/>
+                <a:cs typeface="Arial" panose="020B0604020202020204" pitchFamily="34" charset="0"/>
+              </a:rPr>
+              <a:t> are </a:t>
+            </a:r>
+            <a:r>
+              <a:rPr lang="it-IT" b="1" dirty="0" err="1">
+                <a:solidFill>
+                  <a:schemeClr val="tx2"/>
+                </a:solidFill>
+                <a:latin typeface="Arial" panose="020B0604020202020204" pitchFamily="34" charset="0"/>
+                <a:cs typeface="Arial" panose="020B0604020202020204" pitchFamily="34" charset="0"/>
+              </a:rPr>
+              <a:t>focused</a:t>
+            </a:r>
+            <a:r>
+              <a:rPr lang="it-IT" b="1" dirty="0">
+                <a:solidFill>
+                  <a:schemeClr val="tx2"/>
+                </a:solidFill>
+                <a:latin typeface="Arial" panose="020B0604020202020204" pitchFamily="34" charset="0"/>
+                <a:cs typeface="Arial" panose="020B0604020202020204" pitchFamily="34" charset="0"/>
+              </a:rPr>
+              <a:t> to </a:t>
+            </a:r>
+            <a:r>
+              <a:rPr lang="it-IT" b="1" dirty="0" err="1">
+                <a:solidFill>
+                  <a:schemeClr val="tx2"/>
+                </a:solidFill>
+                <a:latin typeface="Arial" panose="020B0604020202020204" pitchFamily="34" charset="0"/>
+                <a:cs typeface="Arial" panose="020B0604020202020204" pitchFamily="34" charset="0"/>
+              </a:rPr>
+              <a:t>extend</a:t>
+            </a:r>
+            <a:r>
+              <a:rPr lang="it-IT" b="1" dirty="0">
+                <a:solidFill>
+                  <a:schemeClr val="tx2"/>
+                </a:solidFill>
+                <a:latin typeface="Arial" panose="020B0604020202020204" pitchFamily="34" charset="0"/>
+                <a:cs typeface="Arial" panose="020B0604020202020204" pitchFamily="34" charset="0"/>
+              </a:rPr>
+              <a:t> the </a:t>
+            </a:r>
+            <a:r>
+              <a:rPr lang="it-IT" b="1" dirty="0" err="1">
+                <a:solidFill>
+                  <a:schemeClr val="tx2"/>
+                </a:solidFill>
+                <a:latin typeface="Arial" panose="020B0604020202020204" pitchFamily="34" charset="0"/>
+                <a:cs typeface="Arial" panose="020B0604020202020204" pitchFamily="34" charset="0"/>
+              </a:rPr>
+              <a:t>theory</a:t>
+            </a:r>
+            <a:r>
+              <a:rPr lang="it-IT" b="1" dirty="0">
+                <a:solidFill>
+                  <a:schemeClr val="tx2"/>
+                </a:solidFill>
+                <a:latin typeface="Arial" panose="020B0604020202020204" pitchFamily="34" charset="0"/>
+                <a:cs typeface="Arial" panose="020B0604020202020204" pitchFamily="34" charset="0"/>
+              </a:rPr>
+              <a:t> to a </a:t>
+            </a:r>
+            <a:r>
+              <a:rPr lang="it-IT" b="1" dirty="0" err="1">
+                <a:solidFill>
+                  <a:schemeClr val="tx2"/>
+                </a:solidFill>
+                <a:latin typeface="Arial" panose="020B0604020202020204" pitchFamily="34" charset="0"/>
+                <a:cs typeface="Arial" panose="020B0604020202020204" pitchFamily="34" charset="0"/>
+              </a:rPr>
+              <a:t>greater</a:t>
+            </a:r>
+            <a:r>
+              <a:rPr lang="it-IT" b="1" dirty="0">
+                <a:solidFill>
+                  <a:schemeClr val="tx2"/>
+                </a:solidFill>
+                <a:latin typeface="Arial" panose="020B0604020202020204" pitchFamily="34" charset="0"/>
+                <a:cs typeface="Arial" panose="020B0604020202020204" pitchFamily="34" charset="0"/>
+              </a:rPr>
+              <a:t> </a:t>
+            </a:r>
+            <a:r>
+              <a:rPr lang="it-IT" b="1" dirty="0" err="1">
+                <a:solidFill>
+                  <a:schemeClr val="tx2"/>
+                </a:solidFill>
+                <a:latin typeface="Arial" panose="020B0604020202020204" pitchFamily="34" charset="0"/>
+                <a:cs typeface="Arial" panose="020B0604020202020204" pitchFamily="34" charset="0"/>
+              </a:rPr>
+              <a:t>range</a:t>
+            </a:r>
+            <a:r>
+              <a:rPr lang="it-IT" b="1" dirty="0">
+                <a:solidFill>
+                  <a:schemeClr val="tx2"/>
+                </a:solidFill>
+                <a:latin typeface="Arial" panose="020B0604020202020204" pitchFamily="34" charset="0"/>
+                <a:cs typeface="Arial" panose="020B0604020202020204" pitchFamily="34" charset="0"/>
+              </a:rPr>
+              <a:t> of </a:t>
+            </a:r>
+            <a:r>
+              <a:rPr lang="it-IT" b="1" dirty="0" err="1">
+                <a:solidFill>
+                  <a:schemeClr val="tx2"/>
+                </a:solidFill>
+                <a:latin typeface="Arial" panose="020B0604020202020204" pitchFamily="34" charset="0"/>
+                <a:cs typeface="Arial" panose="020B0604020202020204" pitchFamily="34" charset="0"/>
+              </a:rPr>
+              <a:t>scales</a:t>
+            </a:r>
+            <a:endParaRPr lang="it-IT" b="1" dirty="0">
+              <a:solidFill>
+                <a:schemeClr val="tx2"/>
+              </a:solidFill>
+              <a:latin typeface="Arial" panose="020B0604020202020204" pitchFamily="34" charset="0"/>
+              <a:cs typeface="Arial" panose="020B0604020202020204" pitchFamily="34" charset="0"/>
+            </a:endParaRPr>
+          </a:p>
+        </p:txBody>
+      </p:sp>
+      <p:sp>
+        <p:nvSpPr>
+          <p:cNvPr id="7" name="CasellaDiTesto 6">
+            <a:extLst>
+              <a:ext uri="{FF2B5EF4-FFF2-40B4-BE49-F238E27FC236}">
+                <a16:creationId xmlns:a16="http://schemas.microsoft.com/office/drawing/2014/main" id="{1006508B-1B51-CA43-BD81-4A461E179568}"/>
+              </a:ext>
+            </a:extLst>
+          </p:cNvPr>
+          <p:cNvSpPr txBox="1"/>
+          <p:nvPr/>
+        </p:nvSpPr>
+        <p:spPr>
+          <a:xfrm>
+            <a:off x="399609" y="4735727"/>
+            <a:ext cx="8358862" cy="646331"/>
+          </a:xfrm>
+          <a:prstGeom prst="rect">
+            <a:avLst/>
+          </a:prstGeom>
+          <a:noFill/>
+        </p:spPr>
+        <p:txBody>
+          <a:bodyPr wrap="square" rtlCol="0">
+            <a:spAutoFit/>
+          </a:bodyPr>
+          <a:lstStyle/>
+          <a:p>
+            <a:pPr algn="just"/>
+            <a:r>
+              <a:rPr lang="it-IT" b="1" dirty="0" err="1">
+                <a:solidFill>
+                  <a:schemeClr val="tx2"/>
+                </a:solidFill>
+                <a:latin typeface="Arial" panose="020B0604020202020204" pitchFamily="34" charset="0"/>
+                <a:cs typeface="Arial" panose="020B0604020202020204" pitchFamily="34" charset="0"/>
+              </a:rPr>
+              <a:t>Exascale</a:t>
+            </a:r>
+            <a:r>
+              <a:rPr lang="it-IT" b="1" dirty="0">
+                <a:solidFill>
+                  <a:schemeClr val="tx2"/>
+                </a:solidFill>
+                <a:latin typeface="Arial" panose="020B0604020202020204" pitchFamily="34" charset="0"/>
+                <a:cs typeface="Arial" panose="020B0604020202020204" pitchFamily="34" charset="0"/>
+              </a:rPr>
+              <a:t> </a:t>
+            </a:r>
+            <a:r>
+              <a:rPr lang="it-IT" b="1" dirty="0" err="1">
+                <a:solidFill>
+                  <a:schemeClr val="tx2"/>
+                </a:solidFill>
+                <a:latin typeface="Arial" panose="020B0604020202020204" pitchFamily="34" charset="0"/>
+                <a:cs typeface="Arial" panose="020B0604020202020204" pitchFamily="34" charset="0"/>
+              </a:rPr>
+              <a:t>supercomputer</a:t>
+            </a:r>
+            <a:r>
+              <a:rPr lang="it-IT" b="1" dirty="0">
+                <a:solidFill>
+                  <a:schemeClr val="tx2"/>
+                </a:solidFill>
+                <a:latin typeface="Arial" panose="020B0604020202020204" pitchFamily="34" charset="0"/>
+                <a:cs typeface="Arial" panose="020B0604020202020204" pitchFamily="34" charset="0"/>
+              </a:rPr>
+              <a:t> </a:t>
+            </a:r>
+            <a:r>
+              <a:rPr lang="it-IT" b="1" dirty="0" err="1">
+                <a:solidFill>
+                  <a:schemeClr val="tx2"/>
+                </a:solidFill>
+                <a:latin typeface="Arial" panose="020B0604020202020204" pitchFamily="34" charset="0"/>
+                <a:cs typeface="Arial" panose="020B0604020202020204" pitchFamily="34" charset="0"/>
+              </a:rPr>
+              <a:t>will</a:t>
+            </a:r>
+            <a:r>
+              <a:rPr lang="it-IT" b="1" dirty="0">
+                <a:solidFill>
+                  <a:schemeClr val="tx2"/>
+                </a:solidFill>
+                <a:latin typeface="Arial" panose="020B0604020202020204" pitchFamily="34" charset="0"/>
+                <a:cs typeface="Arial" panose="020B0604020202020204" pitchFamily="34" charset="0"/>
+              </a:rPr>
+              <a:t> </a:t>
+            </a:r>
+            <a:r>
+              <a:rPr lang="it-IT" b="1" dirty="0" err="1">
+                <a:solidFill>
+                  <a:schemeClr val="tx2"/>
+                </a:solidFill>
+                <a:latin typeface="Arial" panose="020B0604020202020204" pitchFamily="34" charset="0"/>
+                <a:cs typeface="Arial" panose="020B0604020202020204" pitchFamily="34" charset="0"/>
+              </a:rPr>
+              <a:t>not</a:t>
+            </a:r>
+            <a:r>
+              <a:rPr lang="it-IT" b="1" dirty="0">
+                <a:solidFill>
+                  <a:schemeClr val="tx2"/>
+                </a:solidFill>
+                <a:latin typeface="Arial" panose="020B0604020202020204" pitchFamily="34" charset="0"/>
+                <a:cs typeface="Arial" panose="020B0604020202020204" pitchFamily="34" charset="0"/>
+              </a:rPr>
+              <a:t> be </a:t>
+            </a:r>
+            <a:r>
+              <a:rPr lang="it-IT" b="1" dirty="0" err="1">
+                <a:solidFill>
+                  <a:schemeClr val="tx2"/>
+                </a:solidFill>
+                <a:latin typeface="Arial" panose="020B0604020202020204" pitchFamily="34" charset="0"/>
+                <a:cs typeface="Arial" panose="020B0604020202020204" pitchFamily="34" charset="0"/>
+              </a:rPr>
+              <a:t>available</a:t>
+            </a:r>
+            <a:r>
+              <a:rPr lang="it-IT" b="1" dirty="0">
+                <a:solidFill>
+                  <a:schemeClr val="tx2"/>
+                </a:solidFill>
+                <a:latin typeface="Arial" panose="020B0604020202020204" pitchFamily="34" charset="0"/>
+                <a:cs typeface="Arial" panose="020B0604020202020204" pitchFamily="34" charset="0"/>
+              </a:rPr>
+              <a:t> </a:t>
+            </a:r>
+            <a:r>
+              <a:rPr lang="it-IT" b="1" dirty="0" err="1">
+                <a:solidFill>
+                  <a:schemeClr val="tx2"/>
+                </a:solidFill>
+                <a:latin typeface="Arial" panose="020B0604020202020204" pitchFamily="34" charset="0"/>
+                <a:cs typeface="Arial" panose="020B0604020202020204" pitchFamily="34" charset="0"/>
+              </a:rPr>
+              <a:t>before</a:t>
+            </a:r>
+            <a:r>
+              <a:rPr lang="it-IT" b="1" dirty="0">
+                <a:solidFill>
+                  <a:schemeClr val="tx2"/>
+                </a:solidFill>
+                <a:latin typeface="Arial" panose="020B0604020202020204" pitchFamily="34" charset="0"/>
+                <a:cs typeface="Arial" panose="020B0604020202020204" pitchFamily="34" charset="0"/>
+              </a:rPr>
+              <a:t> 2023, </a:t>
+            </a:r>
+            <a:r>
+              <a:rPr lang="it-IT" b="1" dirty="0" err="1">
+                <a:solidFill>
+                  <a:schemeClr val="tx2"/>
+                </a:solidFill>
+                <a:latin typeface="Arial" panose="020B0604020202020204" pitchFamily="34" charset="0"/>
+                <a:cs typeface="Arial" panose="020B0604020202020204" pitchFamily="34" charset="0"/>
+              </a:rPr>
+              <a:t>assuming</a:t>
+            </a:r>
+            <a:r>
+              <a:rPr lang="it-IT" b="1" dirty="0">
+                <a:solidFill>
+                  <a:schemeClr val="tx2"/>
+                </a:solidFill>
+                <a:latin typeface="Arial" panose="020B0604020202020204" pitchFamily="34" charset="0"/>
+                <a:cs typeface="Arial" panose="020B0604020202020204" pitchFamily="34" charset="0"/>
+              </a:rPr>
+              <a:t> a </a:t>
+            </a:r>
+            <a:r>
+              <a:rPr lang="it-IT" b="1" dirty="0" err="1">
+                <a:solidFill>
+                  <a:schemeClr val="tx2"/>
+                </a:solidFill>
+                <a:latin typeface="Arial" panose="020B0604020202020204" pitchFamily="34" charset="0"/>
+                <a:cs typeface="Arial" panose="020B0604020202020204" pitchFamily="34" charset="0"/>
+              </a:rPr>
+              <a:t>constant</a:t>
+            </a:r>
+            <a:r>
+              <a:rPr lang="it-IT" b="1" dirty="0">
+                <a:solidFill>
+                  <a:schemeClr val="tx2"/>
+                </a:solidFill>
+                <a:latin typeface="Arial" panose="020B0604020202020204" pitchFamily="34" charset="0"/>
+                <a:cs typeface="Arial" panose="020B0604020202020204" pitchFamily="34" charset="0"/>
+              </a:rPr>
+              <a:t> rate of </a:t>
+            </a:r>
+            <a:r>
+              <a:rPr lang="it-IT" b="1" dirty="0" err="1">
+                <a:solidFill>
+                  <a:schemeClr val="tx2"/>
+                </a:solidFill>
+                <a:latin typeface="Arial" panose="020B0604020202020204" pitchFamily="34" charset="0"/>
+                <a:cs typeface="Arial" panose="020B0604020202020204" pitchFamily="34" charset="0"/>
+              </a:rPr>
+              <a:t>grown</a:t>
+            </a:r>
+            <a:r>
+              <a:rPr lang="it-IT" b="1" dirty="0">
+                <a:solidFill>
+                  <a:schemeClr val="tx2"/>
+                </a:solidFill>
+                <a:latin typeface="Arial" panose="020B0604020202020204" pitchFamily="34" charset="0"/>
+                <a:cs typeface="Arial" panose="020B0604020202020204" pitchFamily="34" charset="0"/>
+              </a:rPr>
+              <a:t> for hardware </a:t>
+            </a:r>
+            <a:r>
+              <a:rPr lang="it-IT" b="1" dirty="0" err="1">
+                <a:solidFill>
+                  <a:schemeClr val="tx2"/>
+                </a:solidFill>
+                <a:latin typeface="Arial" panose="020B0604020202020204" pitchFamily="34" charset="0"/>
+                <a:cs typeface="Arial" panose="020B0604020202020204" pitchFamily="34" charset="0"/>
+              </a:rPr>
+              <a:t>technologies</a:t>
+            </a:r>
+            <a:endParaRPr lang="it-IT" b="1" dirty="0">
+              <a:solidFill>
+                <a:schemeClr val="tx2"/>
+              </a:solidFill>
+              <a:latin typeface="Arial" panose="020B0604020202020204" pitchFamily="34" charset="0"/>
+              <a:cs typeface="Arial" panose="020B0604020202020204" pitchFamily="34" charset="0"/>
+            </a:endParaRPr>
+          </a:p>
+        </p:txBody>
+      </p:sp>
+      <mc:AlternateContent xmlns:mc="http://schemas.openxmlformats.org/markup-compatibility/2006">
+        <mc:Choice xmlns:a14="http://schemas.microsoft.com/office/drawing/2010/main" Requires="a14">
+          <p:sp>
+            <p:nvSpPr>
+              <p:cNvPr id="12" name="CasellaDiTesto 11">
+                <a:extLst>
+                  <a:ext uri="{FF2B5EF4-FFF2-40B4-BE49-F238E27FC236}">
+                    <a16:creationId xmlns:a16="http://schemas.microsoft.com/office/drawing/2014/main" id="{501BB9F7-D7AF-0548-B241-ECF590ED1CEF}"/>
+                  </a:ext>
+                </a:extLst>
+              </p:cNvPr>
+              <p:cNvSpPr txBox="1"/>
+              <p:nvPr/>
+            </p:nvSpPr>
+            <p:spPr>
+              <a:xfrm>
+                <a:off x="399608" y="3568201"/>
+                <a:ext cx="3112218" cy="646331"/>
+              </a:xfrm>
+              <a:prstGeom prst="rect">
+                <a:avLst/>
+              </a:prstGeom>
+              <a:noFill/>
+            </p:spPr>
+            <p:txBody>
+              <a:bodyPr wrap="square" rtlCol="0">
+                <a:spAutoFit/>
+              </a:bodyPr>
+              <a:lstStyle/>
+              <a:p>
+                <a:pPr algn="just"/>
+                <a:r>
+                  <a:rPr lang="it-IT" b="1" dirty="0">
+                    <a:solidFill>
+                      <a:schemeClr val="tx2"/>
+                    </a:solidFill>
+                    <a:latin typeface="Arial" panose="020B0604020202020204" pitchFamily="34" charset="0"/>
+                    <a:cs typeface="Arial" panose="020B0604020202020204" pitchFamily="34" charset="0"/>
+                  </a:rPr>
+                  <a:t>Ultimate </a:t>
+                </a:r>
+                <a:r>
+                  <a:rPr lang="it-IT" b="1" dirty="0" err="1">
+                    <a:solidFill>
+                      <a:schemeClr val="tx2"/>
+                    </a:solidFill>
+                    <a:latin typeface="Arial" panose="020B0604020202020204" pitchFamily="34" charset="0"/>
+                    <a:cs typeface="Arial" panose="020B0604020202020204" pitchFamily="34" charset="0"/>
+                  </a:rPr>
+                  <a:t>Turbulence</a:t>
+                </a:r>
+                <a:r>
+                  <a:rPr lang="it-IT" b="1" dirty="0">
+                    <a:solidFill>
+                      <a:schemeClr val="tx2"/>
+                    </a:solidFill>
+                    <a:latin typeface="Arial" panose="020B0604020202020204" pitchFamily="34" charset="0"/>
+                    <a:cs typeface="Arial" panose="020B0604020202020204" pitchFamily="34" charset="0"/>
+                  </a:rPr>
+                  <a:t> </a:t>
+                </a:r>
+              </a:p>
+              <a:p>
+                <a:pPr algn="just"/>
+                <a:r>
+                  <a:rPr lang="it-IT" b="1" dirty="0" err="1">
+                    <a:solidFill>
+                      <a:schemeClr val="tx2"/>
+                    </a:solidFill>
+                    <a:latin typeface="Arial" panose="020B0604020202020204" pitchFamily="34" charset="0"/>
+                    <a:cs typeface="Arial" panose="020B0604020202020204" pitchFamily="34" charset="0"/>
+                  </a:rPr>
+                  <a:t>Threshold</a:t>
+                </a:r>
+                <a:r>
+                  <a:rPr lang="it-IT" b="1" dirty="0">
+                    <a:solidFill>
+                      <a:schemeClr val="tx2"/>
+                    </a:solidFill>
+                    <a:latin typeface="Arial" panose="020B0604020202020204" pitchFamily="34" charset="0"/>
+                    <a:cs typeface="Arial" panose="020B0604020202020204" pitchFamily="34" charset="0"/>
+                  </a:rPr>
+                  <a:t> </a:t>
+                </a:r>
+                <a:r>
+                  <a:rPr lang="it-IT" b="1" dirty="0" err="1">
+                    <a:solidFill>
+                      <a:schemeClr val="tx2"/>
+                    </a:solidFill>
+                    <a:latin typeface="Arial" panose="020B0604020202020204" pitchFamily="34" charset="0"/>
+                    <a:cs typeface="Arial" panose="020B0604020202020204" pitchFamily="34" charset="0"/>
+                  </a:rPr>
+                  <a:t>is</a:t>
+                </a:r>
+                <a:r>
+                  <a:rPr lang="it-IT" b="1" dirty="0">
+                    <a:solidFill>
+                      <a:schemeClr val="tx2"/>
+                    </a:solidFill>
+                    <a:latin typeface="Arial" panose="020B0604020202020204" pitchFamily="34" charset="0"/>
+                    <a:cs typeface="Arial" panose="020B0604020202020204" pitchFamily="34" charset="0"/>
+                  </a:rPr>
+                  <a:t> </a:t>
+                </a:r>
+                <a14:m>
+                  <m:oMath xmlns:m="http://schemas.openxmlformats.org/officeDocument/2006/math">
+                    <m:sSub>
+                      <m:sSubPr>
+                        <m:ctrlPr>
+                          <a:rPr lang="it-IT" b="1" smtClean="0">
+                            <a:solidFill>
+                              <a:schemeClr val="tx2"/>
+                            </a:solidFill>
+                            <a:latin typeface="Cambria Math" panose="02040503050406030204" pitchFamily="18" charset="0"/>
+                          </a:rPr>
+                        </m:ctrlPr>
+                      </m:sSubPr>
+                      <m:e>
+                        <m:r>
+                          <a:rPr lang="it-IT" b="1" i="0" smtClean="0">
+                            <a:solidFill>
+                              <a:schemeClr val="tx2"/>
+                            </a:solidFill>
+                            <a:latin typeface="Cambria Math" panose="02040503050406030204" pitchFamily="18" charset="0"/>
+                          </a:rPr>
+                          <m:t>𝐑𝐞</m:t>
+                        </m:r>
+                      </m:e>
+                      <m:sub>
+                        <m:r>
+                          <a:rPr lang="it-IT" b="1" i="0" smtClean="0">
+                            <a:solidFill>
+                              <a:schemeClr val="tx2"/>
+                            </a:solidFill>
+                            <a:latin typeface="Cambria Math" panose="02040503050406030204" pitchFamily="18" charset="0"/>
+                            <a:ea typeface="Cambria Math" panose="02040503050406030204" pitchFamily="18" charset="0"/>
+                          </a:rPr>
+                          <m:t>𝛕</m:t>
+                        </m:r>
+                      </m:sub>
+                    </m:sSub>
+                  </m:oMath>
+                </a14:m>
+                <a:r>
+                  <a:rPr lang="it-IT" b="1" dirty="0">
+                    <a:solidFill>
+                      <a:schemeClr val="tx2"/>
+                    </a:solidFill>
+                    <a:latin typeface="Arial" panose="020B0604020202020204" pitchFamily="34" charset="0"/>
+                    <a:cs typeface="Arial" panose="020B0604020202020204" pitchFamily="34" charset="0"/>
+                  </a:rPr>
+                  <a:t>=10000</a:t>
+                </a:r>
+              </a:p>
+            </p:txBody>
+          </p:sp>
+        </mc:Choice>
+        <mc:Fallback>
+          <p:sp>
+            <p:nvSpPr>
+              <p:cNvPr id="12" name="CasellaDiTesto 11">
+                <a:extLst>
+                  <a:ext uri="{FF2B5EF4-FFF2-40B4-BE49-F238E27FC236}">
+                    <a16:creationId xmlns:a16="http://schemas.microsoft.com/office/drawing/2014/main" id="{501BB9F7-D7AF-0548-B241-ECF590ED1CEF}"/>
+                  </a:ext>
+                </a:extLst>
+              </p:cNvPr>
+              <p:cNvSpPr txBox="1">
+                <a:spLocks noRot="1" noChangeAspect="1" noMove="1" noResize="1" noEditPoints="1" noAdjustHandles="1" noChangeArrowheads="1" noChangeShapeType="1" noTextEdit="1"/>
+              </p:cNvSpPr>
+              <p:nvPr/>
+            </p:nvSpPr>
+            <p:spPr>
+              <a:xfrm>
+                <a:off x="399608" y="3568201"/>
+                <a:ext cx="3112218" cy="646331"/>
+              </a:xfrm>
+              <a:prstGeom prst="rect">
+                <a:avLst/>
+              </a:prstGeom>
+              <a:blipFill>
+                <a:blip r:embed="rId3"/>
+                <a:stretch>
+                  <a:fillRect l="-1215" t="-3846" b="-11538"/>
+                </a:stretch>
+              </a:blipFill>
+            </p:spPr>
+            <p:txBody>
+              <a:bodyPr/>
+              <a:lstStyle/>
+              <a:p>
+                <a:r>
+                  <a:rPr lang="it-IT">
+                    <a:noFill/>
+                  </a:rPr>
+                  <a:t> </a:t>
+                </a:r>
+              </a:p>
+            </p:txBody>
+          </p:sp>
+        </mc:Fallback>
+      </mc:AlternateContent>
+      <p:sp>
+        <p:nvSpPr>
+          <p:cNvPr id="13" name="Freccia destra 12">
+            <a:extLst>
+              <a:ext uri="{FF2B5EF4-FFF2-40B4-BE49-F238E27FC236}">
+                <a16:creationId xmlns:a16="http://schemas.microsoft.com/office/drawing/2014/main" id="{567CCC73-9ADC-4543-A2E7-DCB5E8B60004}"/>
+              </a:ext>
+            </a:extLst>
+          </p:cNvPr>
+          <p:cNvSpPr/>
+          <p:nvPr/>
+        </p:nvSpPr>
+        <p:spPr>
+          <a:xfrm>
+            <a:off x="4025229" y="3674975"/>
+            <a:ext cx="920612" cy="415498"/>
+          </a:xfrm>
+          <a:prstGeom prst="rightArrow">
+            <a:avLst/>
+          </a:prstGeom>
+        </p:spPr>
+        <p:style>
+          <a:lnRef idx="1">
+            <a:schemeClr val="accent1"/>
+          </a:lnRef>
+          <a:fillRef idx="3">
+            <a:schemeClr val="accent1"/>
+          </a:fillRef>
+          <a:effectRef idx="2">
+            <a:schemeClr val="accent1"/>
+          </a:effectRef>
+          <a:fontRef idx="minor">
+            <a:schemeClr val="lt1"/>
+          </a:fontRef>
+        </p:style>
+        <p:txBody>
+          <a:bodyPr rtlCol="0" anchor="ctr"/>
+          <a:lstStyle/>
+          <a:p>
+            <a:pPr algn="ctr"/>
+            <a:endParaRPr lang="it-IT"/>
+          </a:p>
+        </p:txBody>
+      </p:sp>
+      <p:sp>
+        <p:nvSpPr>
+          <p:cNvPr id="14" name="CasellaDiTesto 13">
+            <a:extLst>
+              <a:ext uri="{FF2B5EF4-FFF2-40B4-BE49-F238E27FC236}">
+                <a16:creationId xmlns:a16="http://schemas.microsoft.com/office/drawing/2014/main" id="{23EE997F-D02D-224D-9F02-53BEEF66A200}"/>
+              </a:ext>
+            </a:extLst>
+          </p:cNvPr>
+          <p:cNvSpPr txBox="1"/>
+          <p:nvPr/>
+        </p:nvSpPr>
+        <p:spPr>
+          <a:xfrm>
+            <a:off x="5791598" y="3559559"/>
+            <a:ext cx="2966872" cy="646331"/>
+          </a:xfrm>
+          <a:prstGeom prst="rect">
+            <a:avLst/>
+          </a:prstGeom>
+          <a:noFill/>
+        </p:spPr>
+        <p:txBody>
+          <a:bodyPr wrap="square" rtlCol="0">
+            <a:spAutoFit/>
+          </a:bodyPr>
+          <a:lstStyle/>
+          <a:p>
+            <a:pPr algn="just"/>
+            <a:r>
+              <a:rPr lang="it-IT" b="1" dirty="0">
+                <a:solidFill>
+                  <a:schemeClr val="tx2"/>
+                </a:solidFill>
+                <a:latin typeface="Arial" panose="020B0604020202020204" pitchFamily="34" charset="0"/>
+                <a:cs typeface="Arial" panose="020B0604020202020204" pitchFamily="34" charset="0"/>
+              </a:rPr>
+              <a:t>1-year </a:t>
+            </a:r>
+            <a:r>
+              <a:rPr lang="it-IT" b="1" dirty="0" err="1">
+                <a:solidFill>
+                  <a:schemeClr val="tx2"/>
+                </a:solidFill>
+                <a:latin typeface="Arial" panose="020B0604020202020204" pitchFamily="34" charset="0"/>
+                <a:cs typeface="Arial" panose="020B0604020202020204" pitchFamily="34" charset="0"/>
+              </a:rPr>
+              <a:t>simulation</a:t>
+            </a:r>
+            <a:r>
+              <a:rPr lang="it-IT" b="1" dirty="0">
+                <a:solidFill>
+                  <a:schemeClr val="tx2"/>
+                </a:solidFill>
+                <a:latin typeface="Arial" panose="020B0604020202020204" pitchFamily="34" charset="0"/>
+                <a:cs typeface="Arial" panose="020B0604020202020204" pitchFamily="34" charset="0"/>
+              </a:rPr>
+              <a:t> on </a:t>
+            </a:r>
+            <a:r>
+              <a:rPr lang="it-IT" b="1" dirty="0" err="1">
+                <a:solidFill>
+                  <a:schemeClr val="tx2"/>
+                </a:solidFill>
+                <a:latin typeface="Arial" panose="020B0604020202020204" pitchFamily="34" charset="0"/>
+                <a:cs typeface="Arial" panose="020B0604020202020204" pitchFamily="34" charset="0"/>
+              </a:rPr>
+              <a:t>Exascale</a:t>
+            </a:r>
+            <a:r>
+              <a:rPr lang="it-IT" b="1" dirty="0">
+                <a:solidFill>
+                  <a:schemeClr val="tx2"/>
+                </a:solidFill>
+                <a:latin typeface="Arial" panose="020B0604020202020204" pitchFamily="34" charset="0"/>
+                <a:cs typeface="Arial" panose="020B0604020202020204" pitchFamily="34" charset="0"/>
+              </a:rPr>
+              <a:t> </a:t>
+            </a:r>
+            <a:r>
+              <a:rPr lang="it-IT" b="1" dirty="0" err="1">
+                <a:solidFill>
+                  <a:schemeClr val="tx2"/>
+                </a:solidFill>
+                <a:latin typeface="Arial" panose="020B0604020202020204" pitchFamily="34" charset="0"/>
+                <a:cs typeface="Arial" panose="020B0604020202020204" pitchFamily="34" charset="0"/>
+              </a:rPr>
+              <a:t>supercomputer</a:t>
+            </a:r>
+            <a:endParaRPr lang="it-IT" b="1" dirty="0">
+              <a:solidFill>
+                <a:schemeClr val="tx2"/>
+              </a:solidFill>
+              <a:latin typeface="Arial" panose="020B0604020202020204" pitchFamily="34" charset="0"/>
+              <a:cs typeface="Arial" panose="020B0604020202020204" pitchFamily="34" charset="0"/>
+            </a:endParaRPr>
+          </a:p>
+        </p:txBody>
+      </p:sp>
+    </p:spTree>
+    <p:extLst>
+      <p:ext uri="{BB962C8B-B14F-4D97-AF65-F5344CB8AC3E}">
+        <p14:creationId xmlns:p14="http://schemas.microsoft.com/office/powerpoint/2010/main" val="594568715"/>
+      </p:ext>
+    </p:extLst>
+  </p:cSld>
+  <p:clrMapOvr>
+    <a:masterClrMapping/>
+  </p:clrMapOvr>
+  <mc:AlternateContent xmlns:mc="http://schemas.openxmlformats.org/markup-compatibility/2006" xmlns:p14="http://schemas.microsoft.com/office/powerpoint/2010/main">
+    <mc:Choice Requires="p14">
+      <p:transition p14:dur="400">
+        <p:wipe/>
+      </p:transition>
+    </mc:Choice>
+    <mc:Fallback xmlns="">
+      <p:transition>
+        <p:wipe/>
+      </p:transition>
+    </mc:Fallback>
+  </mc:AlternateContent>
+</p:sld>
+</file>
+
+<file path=ppt/slides/slide16.xml><?xml version="1.0" encoding="utf-8"?>
+<p:sld xmlns:a="http://schemas.openxmlformats.org/drawingml/2006/main" xmlns:r="http://schemas.openxmlformats.org/officeDocument/2006/relationships" xmlns:p="http://schemas.openxmlformats.org/presentationml/2006/main">
+  <p:cSld>
+    <p:spTree>
+      <p:nvGrpSpPr>
+        <p:cNvPr id="1" name=""/>
+        <p:cNvGrpSpPr/>
+        <p:nvPr/>
+      </p:nvGrpSpPr>
+      <p:grpSpPr>
+        <a:xfrm>
+          <a:off x="0" y="0"/>
+          <a:ext cx="0" cy="0"/>
+          <a:chOff x="0" y="0"/>
+          <a:chExt cx="0" cy="0"/>
+        </a:xfrm>
+      </p:grpSpPr>
+      <p:sp>
+        <p:nvSpPr>
           <p:cNvPr id="2" name="Titolo 1"/>
           <p:cNvSpPr>
             <a:spLocks noGrp="1"/>
@@ -23407,7 +24706,7 @@
 </p:sld>
 </file>
 
-<file path=ppt/slides/slide16.xml><?xml version="1.0" encoding="utf-8"?>
+<file path=ppt/slides/slide17.xml><?xml version="1.0" encoding="utf-8"?>
 <p:sld xmlns:a="http://schemas.openxmlformats.org/drawingml/2006/main" xmlns:r="http://schemas.openxmlformats.org/officeDocument/2006/relationships" xmlns:p="http://schemas.openxmlformats.org/presentationml/2006/main">
   <p:cSld>
     <p:spTree>

--- a/presentazione_meazzo.pptx
+++ b/presentazione_meazzo.pptx
@@ -1257,7 +1257,7 @@
           <a:p>
             <a:r>
               <a:rPr lang="it-IT" dirty="0"/>
-              <a:t>recenti studi hanno provato che aumentando il numero di Re anche quest'ultima fluttuazione esibisce un comportamento logaritmico.</a:t>
+              <a:t>recenti studi hanno provato che aumentando il numero di Re anche quest'ultima fluttuazione esibisce il comportamento atteso.</a:t>
             </a:r>
           </a:p>
         </p:txBody>
@@ -1550,16 +1550,35 @@
           <a:p>
             <a:r>
               <a:rPr lang="it-IT" dirty="0"/>
-              <a:t>tuttavia la tendenza odierna del mercato si è spostata</a:t>
-            </a:r>
-          </a:p>
-          <a:p>
+              <a:t>tuttavia la tendenza odierna del mercato si è spostata da</a:t>
+            </a:r>
+          </a:p>
+          <a:p>
+            <a:r>
+              <a:rPr lang="it-IT" dirty="0"/>
+              <a:t>AUMENTO clock </a:t>
+            </a:r>
+            <a:r>
+              <a:rPr lang="it-IT" dirty="0" err="1"/>
+              <a:t>frequency</a:t>
+            </a:r>
+            <a:r>
+              <a:rPr lang="it-IT" dirty="0"/>
+              <a:t> verso Aumento numero </a:t>
+            </a:r>
+            <a:r>
+              <a:rPr lang="it-IT" dirty="0" err="1"/>
+              <a:t>cores</a:t>
+            </a:r>
             <a:endParaRPr lang="it-IT" dirty="0"/>
           </a:p>
           <a:p>
+            <a:endParaRPr lang="it-IT" dirty="0"/>
+          </a:p>
+          <a:p>
             <a:r>
               <a:rPr lang="it-IT" dirty="0"/>
-              <a:t>ridurre impatto ambientale</a:t>
+              <a:t>ridurre impatto ambientale,  Realizzabilità</a:t>
             </a:r>
           </a:p>
         </p:txBody>
@@ -1742,7 +1761,15 @@
           <a:p>
             <a:r>
               <a:rPr lang="it-IT" dirty="0"/>
-              <a:t>Costi computazionale molto elevato, dettati dalla necessità di risolvere tutte le scale spaziali, crescono al crescere del RE</a:t>
+              <a:t>Costi computazionale molto elevato, dettati dalla necessità di RISOLVERE tutte le SCALE </a:t>
+            </a:r>
+            <a:r>
+              <a:rPr lang="it-IT" dirty="0" err="1"/>
+              <a:t>SPAZiali</a:t>
+            </a:r>
+            <a:r>
+              <a:rPr lang="it-IT" dirty="0"/>
+              <a:t>, crescono al crescere del RE</a:t>
             </a:r>
           </a:p>
           <a:p>
@@ -1778,6 +1805,12 @@
             <a:r>
               <a:rPr lang="it-IT" dirty="0"/>
               <a:t>Ciò consente punto di vista interno al fenomeno, che rende possibile tarare modelli in modo molto preciso.</a:t>
+            </a:r>
+          </a:p>
+          <a:p>
+            <a:r>
+              <a:rPr lang="it-IT" dirty="0"/>
+              <a:t>Questi modelli vengono poi inseriti nelle RANS e nelle LES tipiche dell'industria</a:t>
             </a:r>
           </a:p>
         </p:txBody>
@@ -2133,7 +2166,7 @@
           <a:p>
             <a:r>
               <a:rPr lang="it-IT" dirty="0"/>
-              <a:t>Principale possibilità di scalare elevato </a:t>
+              <a:t>Possibilità di scalare elevato </a:t>
             </a:r>
             <a:r>
               <a:rPr lang="it-IT" dirty="0" err="1"/>
@@ -2147,14 +2180,17 @@
           <a:p>
             <a:r>
               <a:rPr lang="it-IT" dirty="0"/>
-              <a:t>elevato quantitativo di RAM</a:t>
+              <a:t>Elevato quantitativo di RAM disponibile</a:t>
             </a:r>
           </a:p>
           <a:p>
             <a:r>
               <a:rPr lang="it-IT" dirty="0"/>
-              <a:t>utilizzo di hardware standard rispetto a CUDA </a:t>
-            </a:r>
+              <a:t>Utilizzo di hardware standard rispetto a CUDA </a:t>
+            </a:r>
+          </a:p>
+          <a:p>
+            <a:endParaRPr lang="it-IT" dirty="0"/>
           </a:p>
           <a:p>
             <a:r>
@@ -2297,7 +2333,21 @@
           <a:p>
             <a:r>
               <a:rPr lang="it-IT" dirty="0"/>
-              <a:t>infine ridurre costo computazionale 3,</a:t>
+              <a:t>infine ridurre costo computazionale 3 -&gt; </a:t>
+            </a:r>
+          </a:p>
+          <a:p>
+            <a:r>
+              <a:rPr lang="it-IT" dirty="0"/>
+              <a:t>Adozione </a:t>
+            </a:r>
+            <a:r>
+              <a:rPr lang="it-IT" dirty="0" err="1"/>
+              <a:t>Trasf</a:t>
+            </a:r>
+            <a:r>
+              <a:rPr lang="it-IT" dirty="0"/>
+              <a:t> Fourier</a:t>
             </a:r>
           </a:p>
           <a:p>
@@ -2452,7 +2502,7 @@
           <a:p>
             <a:r>
               <a:rPr lang="it-IT" dirty="0"/>
-              <a:t>TUTTAVIA, penalizza risoluzione del sistema lineare la quale richiede conoscenza di tutte le coppie di valori in direzione y.</a:t>
+              <a:t>TUTTAVIA, penalizza risoluzione del sistema lineare il quale richiede conoscenza di tutte le coppie di valori in direzione y.</a:t>
             </a:r>
           </a:p>
           <a:p>
@@ -2606,7 +2656,23 @@
           <a:p>
             <a:r>
               <a:rPr lang="it-IT" dirty="0"/>
-              <a:t>CPL, 1D+MPI , salto qualità 2D, incremento delle </a:t>
+              <a:t>CPL, In rosso potete osservare </a:t>
+            </a:r>
+            <a:r>
+              <a:rPr lang="it-IT" dirty="0" err="1"/>
+              <a:t>PERFormance</a:t>
+            </a:r>
+            <a:r>
+              <a:rPr lang="it-IT" dirty="0"/>
+              <a:t> del solutore basato su </a:t>
+            </a:r>
+            <a:r>
+              <a:rPr lang="it-IT" dirty="0" err="1"/>
+              <a:t>decomp</a:t>
+            </a:r>
+            <a:r>
+              <a:rPr lang="it-IT" dirty="0"/>
+              <a:t> 1D con MPI, salto qualità 2D, incremento delle </a:t>
             </a:r>
             <a:r>
               <a:rPr lang="it-IT" dirty="0" err="1"/>
@@ -15167,7 +15233,7 @@
         </p:blipFill>
         <p:spPr bwMode="auto">
           <a:xfrm>
-            <a:off x="3108273" y="299080"/>
+            <a:off x="3108273" y="497864"/>
             <a:ext cx="2927453" cy="2158431"/>
           </a:xfrm>
           <a:prstGeom prst="rect">
@@ -22647,8 +22713,8 @@
         </p:nvSpPr>
         <p:spPr>
           <a:xfrm>
-            <a:off x="399608" y="1838036"/>
-            <a:ext cx="8358862" cy="1200329"/>
+            <a:off x="383235" y="1452297"/>
+            <a:ext cx="8358862" cy="2308324"/>
           </a:xfrm>
           <a:prstGeom prst="rect">
             <a:avLst/>
@@ -22661,7 +22727,11 @@
           </a:bodyPr>
           <a:lstStyle/>
           <a:p>
-            <a:pPr algn="just"/>
+            <a:pPr algn="just">
+              <a:lnSpc>
+                <a:spcPct val="150000"/>
+              </a:lnSpc>
+            </a:pPr>
             <a:r>
               <a:rPr lang="it-IT" b="1" dirty="0">
                 <a:solidFill>
@@ -22690,8 +22760,17 @@
                 <a:latin typeface="Arial" panose="020B0604020202020204" pitchFamily="34" charset="0"/>
                 <a:cs typeface="Arial" panose="020B0604020202020204" pitchFamily="34" charset="0"/>
               </a:rPr>
-              <a:t> </a:t>
-            </a:r>
+              <a:t>:</a:t>
+            </a:r>
+          </a:p>
+          <a:p>
+            <a:pPr marL="285750" indent="-285750" algn="just">
+              <a:lnSpc>
+                <a:spcPct val="150000"/>
+              </a:lnSpc>
+              <a:buFont typeface="Arial" panose="020B0604020202020204" pitchFamily="34" charset="0"/>
+              <a:buChar char="•"/>
+            </a:pPr>
             <a:r>
               <a:rPr lang="it-IT" b="1" dirty="0" err="1">
                 <a:solidFill>
@@ -22700,7 +22779,7 @@
                 <a:latin typeface="Arial" panose="020B0604020202020204" pitchFamily="34" charset="0"/>
                 <a:cs typeface="Arial" panose="020B0604020202020204" pitchFamily="34" charset="0"/>
               </a:rPr>
-              <a:t>powerful</a:t>
+              <a:t>Idealization</a:t>
             </a:r>
             <a:r>
               <a:rPr lang="it-IT" b="1" dirty="0">
@@ -22710,7 +22789,7 @@
                 <a:latin typeface="Arial" panose="020B0604020202020204" pitchFamily="34" charset="0"/>
                 <a:cs typeface="Arial" panose="020B0604020202020204" pitchFamily="34" charset="0"/>
               </a:rPr>
-              <a:t> and accurate </a:t>
+              <a:t> of the </a:t>
             </a:r>
             <a:r>
               <a:rPr lang="it-IT" b="1" dirty="0" err="1">
@@ -22720,8 +22799,24 @@
                 <a:latin typeface="Arial" panose="020B0604020202020204" pitchFamily="34" charset="0"/>
                 <a:cs typeface="Arial" panose="020B0604020202020204" pitchFamily="34" charset="0"/>
               </a:rPr>
-              <a:t>framework</a:t>
-            </a:r>
+              <a:t>phenomena</a:t>
+            </a:r>
+            <a:endParaRPr lang="it-IT" b="1" dirty="0">
+              <a:solidFill>
+                <a:schemeClr val="tx2"/>
+              </a:solidFill>
+              <a:latin typeface="Arial" panose="020B0604020202020204" pitchFamily="34" charset="0"/>
+              <a:cs typeface="Arial" panose="020B0604020202020204" pitchFamily="34" charset="0"/>
+            </a:endParaRPr>
+          </a:p>
+          <a:p>
+            <a:pPr marL="285750" indent="-285750" algn="just">
+              <a:lnSpc>
+                <a:spcPct val="150000"/>
+              </a:lnSpc>
+              <a:buFont typeface="Arial" panose="020B0604020202020204" pitchFamily="34" charset="0"/>
+              <a:buChar char="•"/>
+            </a:pPr>
             <a:r>
               <a:rPr lang="it-IT" b="1" dirty="0">
                 <a:solidFill>
@@ -22730,7 +22825,7 @@
                 <a:latin typeface="Arial" panose="020B0604020202020204" pitchFamily="34" charset="0"/>
                 <a:cs typeface="Arial" panose="020B0604020202020204" pitchFamily="34" charset="0"/>
               </a:rPr>
-              <a:t> for </a:t>
+              <a:t>Accurate </a:t>
             </a:r>
             <a:r>
               <a:rPr lang="it-IT" b="1" dirty="0" err="1">
@@ -22740,7 +22835,7 @@
                 <a:latin typeface="Arial" panose="020B0604020202020204" pitchFamily="34" charset="0"/>
                 <a:cs typeface="Arial" panose="020B0604020202020204" pitchFamily="34" charset="0"/>
               </a:rPr>
-              <a:t>predictions</a:t>
+              <a:t>framework</a:t>
             </a:r>
             <a:r>
               <a:rPr lang="it-IT" b="1" dirty="0">
@@ -22750,7 +22845,7 @@
                 <a:latin typeface="Arial" panose="020B0604020202020204" pitchFamily="34" charset="0"/>
                 <a:cs typeface="Arial" panose="020B0604020202020204" pitchFamily="34" charset="0"/>
               </a:rPr>
-              <a:t> of the </a:t>
+              <a:t> for </a:t>
             </a:r>
             <a:r>
               <a:rPr lang="it-IT" b="1" dirty="0" err="1">
@@ -22760,7 +22855,7 @@
                 <a:latin typeface="Arial" panose="020B0604020202020204" pitchFamily="34" charset="0"/>
                 <a:cs typeface="Arial" panose="020B0604020202020204" pitchFamily="34" charset="0"/>
               </a:rPr>
-              <a:t>scaling</a:t>
+              <a:t>turbulence</a:t>
             </a:r>
             <a:r>
               <a:rPr lang="it-IT" b="1" dirty="0">
@@ -22780,7 +22875,7 @@
                 <a:latin typeface="Arial" panose="020B0604020202020204" pitchFamily="34" charset="0"/>
                 <a:cs typeface="Arial" panose="020B0604020202020204" pitchFamily="34" charset="0"/>
               </a:rPr>
-              <a:t>behaviors</a:t>
+              <a:t>statistics</a:t>
             </a:r>
             <a:r>
               <a:rPr lang="it-IT" b="1" dirty="0">
@@ -22790,7 +22885,7 @@
                 <a:latin typeface="Arial" panose="020B0604020202020204" pitchFamily="34" charset="0"/>
                 <a:cs typeface="Arial" panose="020B0604020202020204" pitchFamily="34" charset="0"/>
               </a:rPr>
-              <a:t> for </a:t>
+              <a:t> </a:t>
             </a:r>
             <a:r>
               <a:rPr lang="it-IT" b="1" dirty="0" err="1">
@@ -22800,7 +22895,7 @@
                 <a:latin typeface="Arial" panose="020B0604020202020204" pitchFamily="34" charset="0"/>
                 <a:cs typeface="Arial" panose="020B0604020202020204" pitchFamily="34" charset="0"/>
               </a:rPr>
-              <a:t>various</a:t>
+              <a:t>predictions</a:t>
             </a:r>
             <a:r>
               <a:rPr lang="it-IT" b="1" dirty="0">
@@ -22810,48 +22905,22 @@
                 <a:latin typeface="Arial" panose="020B0604020202020204" pitchFamily="34" charset="0"/>
                 <a:cs typeface="Arial" panose="020B0604020202020204" pitchFamily="34" charset="0"/>
               </a:rPr>
-              <a:t> </a:t>
-            </a:r>
-            <a:r>
-              <a:rPr lang="it-IT" b="1" dirty="0" err="1">
-                <a:solidFill>
-                  <a:schemeClr val="tx2"/>
-                </a:solidFill>
-                <a:latin typeface="Arial" panose="020B0604020202020204" pitchFamily="34" charset="0"/>
-                <a:cs typeface="Arial" panose="020B0604020202020204" pitchFamily="34" charset="0"/>
-              </a:rPr>
-              <a:t>turbulence</a:t>
-            </a:r>
-            <a:r>
-              <a:rPr lang="it-IT" b="1" dirty="0">
-                <a:solidFill>
-                  <a:schemeClr val="tx2"/>
-                </a:solidFill>
-                <a:latin typeface="Arial" panose="020B0604020202020204" pitchFamily="34" charset="0"/>
-                <a:cs typeface="Arial" panose="020B0604020202020204" pitchFamily="34" charset="0"/>
-              </a:rPr>
-              <a:t> </a:t>
-            </a:r>
-            <a:r>
-              <a:rPr lang="it-IT" b="1" dirty="0" err="1">
-                <a:solidFill>
-                  <a:schemeClr val="tx2"/>
-                </a:solidFill>
-                <a:latin typeface="Arial" panose="020B0604020202020204" pitchFamily="34" charset="0"/>
-                <a:cs typeface="Arial" panose="020B0604020202020204" pitchFamily="34" charset="0"/>
-              </a:rPr>
-              <a:t>statistics</a:t>
-            </a:r>
-            <a:r>
-              <a:rPr lang="it-IT" b="1" dirty="0">
-                <a:solidFill>
-                  <a:schemeClr val="tx2"/>
-                </a:solidFill>
-                <a:latin typeface="Arial" panose="020B0604020202020204" pitchFamily="34" charset="0"/>
-                <a:cs typeface="Arial" panose="020B0604020202020204" pitchFamily="34" charset="0"/>
-              </a:rPr>
               <a:t>.</a:t>
             </a:r>
+          </a:p>
+          <a:p>
+            <a:pPr algn="just">
+              <a:lnSpc>
+                <a:spcPct val="150000"/>
+              </a:lnSpc>
+            </a:pPr>
+            <a:endParaRPr lang="it-IT" b="1" dirty="0">
+              <a:solidFill>
+                <a:schemeClr val="tx2"/>
+              </a:solidFill>
+              <a:latin typeface="Arial" panose="020B0604020202020204" pitchFamily="34" charset="0"/>
+              <a:cs typeface="Arial" panose="020B0604020202020204" pitchFamily="34" charset="0"/>
+            </a:endParaRPr>
           </a:p>
           <a:p>
             <a:pPr algn="just"/>
@@ -23009,7 +23078,7 @@
         </p:nvSpPr>
         <p:spPr>
           <a:xfrm>
-            <a:off x="399609" y="4735727"/>
+            <a:off x="420299" y="5109746"/>
             <a:ext cx="8358862" cy="646331"/>
           </a:xfrm>
           <a:prstGeom prst="rect">
@@ -23240,7 +23309,7 @@
             </p:nvSpPr>
             <p:spPr>
               <a:xfrm>
-                <a:off x="399608" y="3568201"/>
+                <a:off x="383235" y="4233352"/>
                 <a:ext cx="3112218" cy="646331"/>
               </a:xfrm>
               <a:prstGeom prst="rect">
@@ -23398,7 +23467,7 @@
             </p:nvSpPr>
             <p:spPr>
               <a:xfrm>
-                <a:off x="399608" y="3568201"/>
+                <a:off x="383235" y="4233352"/>
                 <a:ext cx="3112218" cy="646331"/>
               </a:xfrm>
               <a:prstGeom prst="rect">
@@ -23407,7 +23476,7 @@
               <a:blipFill>
                 <a:blip r:embed="rId3"/>
                 <a:stretch>
-                  <a:fillRect l="-1215" t="-3846" b="-11538"/>
+                  <a:fillRect l="-1626" t="-1923" b="-13462"/>
                 </a:stretch>
               </a:blipFill>
             </p:spPr>
@@ -23440,7 +23509,7 @@
         </p:nvSpPr>
         <p:spPr>
           <a:xfrm>
-            <a:off x="4025229" y="3674975"/>
+            <a:off x="4085986" y="4348768"/>
             <a:ext cx="920612" cy="415498"/>
           </a:xfrm>
           <a:prstGeom prst="rightArrow">
@@ -23484,7 +23553,7 @@
         </p:nvSpPr>
         <p:spPr>
           <a:xfrm>
-            <a:off x="5791598" y="3559559"/>
+            <a:off x="5758851" y="4233353"/>
             <a:ext cx="2966872" cy="646331"/>
           </a:xfrm>
           <a:prstGeom prst="rect">

--- a/presentazione_meazzo.pptx
+++ b/presentazione_meazzo.pptx
@@ -559,7 +559,7 @@
           <a:p>
             <a:r>
               <a:rPr lang="it-IT" dirty="0"/>
-              <a:t>Durante la mia tesi mi sono occupato della stesura di un codice altamente parallelo</a:t>
+              <a:t>Durante la mia tesi mi sono occupato dello SVILUPPO di un codice altamente parallelo</a:t>
             </a:r>
           </a:p>
           <a:p>
@@ -582,7 +582,7 @@
           <a:p>
             <a:r>
               <a:rPr lang="it-IT" dirty="0"/>
-              <a:t>Scopo approfondire i fenomeni legati alla turbolenza</a:t>
+              <a:t>Scopo MIGLIORARE SCALABILITA' PARALLELA del codice al fine di approfondire i fenomeni legati alla turbolenza</a:t>
             </a:r>
           </a:p>
         </p:txBody>
@@ -669,23 +669,95 @@
           <a:p>
             <a:r>
               <a:rPr lang="it-IT" dirty="0"/>
-              <a:t>Validare solutore,</a:t>
-            </a:r>
-          </a:p>
-          <a:p>
-            <a:r>
-              <a:rPr lang="it-IT" dirty="0" err="1"/>
-              <a:t>Fitting</a:t>
-            </a:r>
+              <a:t>Validare solutore, ripetuto la simulazione di KMM 1987 e confrontato </a:t>
+            </a:r>
+            <a:r>
+              <a:rPr lang="it-IT" sz="1200" b="0" i="0" u="none" strike="noStrike" kern="1200" dirty="0">
+                <a:solidFill>
+                  <a:schemeClr val="tx1"/>
+                </a:solidFill>
+                <a:effectLst/>
+                <a:latin typeface="+mn-lt"/>
+                <a:ea typeface="+mn-ea"/>
+                <a:cs typeface="+mn-cs"/>
+              </a:rPr>
+              <a:t>una statistica tanto semplice quanto importante, </a:t>
+            </a:r>
+          </a:p>
+          <a:p>
+            <a:r>
+              <a:rPr lang="it-IT" sz="1200" b="0" i="0" u="none" strike="noStrike" kern="1200" dirty="0">
+                <a:solidFill>
+                  <a:schemeClr val="tx1"/>
+                </a:solidFill>
+                <a:effectLst/>
+                <a:latin typeface="+mn-lt"/>
+                <a:ea typeface="+mn-ea"/>
+                <a:cs typeface="+mn-cs"/>
+              </a:rPr>
+              <a:t>il profilo medio di velocità. </a:t>
+            </a:r>
+          </a:p>
+          <a:p>
+            <a:r>
+              <a:rPr lang="it-IT" sz="1200" b="0" i="0" u="none" strike="noStrike" kern="1200" dirty="0">
+                <a:solidFill>
+                  <a:schemeClr val="tx1"/>
+                </a:solidFill>
+                <a:effectLst/>
+                <a:latin typeface="+mn-lt"/>
+                <a:ea typeface="+mn-ea"/>
+                <a:cs typeface="+mn-cs"/>
+              </a:rPr>
+              <a:t>Come potete osservare i profili risultano essere perfettamente sovrapposti.</a:t>
+            </a:r>
+          </a:p>
+          <a:p>
+            <a:r>
+              <a:rPr lang="it-IT" sz="1200" b="0" i="0" u="none" strike="noStrike" kern="1200" dirty="0">
+                <a:solidFill>
+                  <a:schemeClr val="tx1"/>
+                </a:solidFill>
+                <a:effectLst/>
+                <a:latin typeface="+mn-lt"/>
+                <a:ea typeface="+mn-ea"/>
+                <a:cs typeface="+mn-cs"/>
+              </a:rPr>
+              <a:t>Esso è importante </a:t>
+            </a:r>
+            <a:r>
+              <a:rPr lang="it-IT" sz="1200" b="0" i="0" u="none" strike="noStrike" kern="1200" dirty="0" err="1">
+                <a:solidFill>
+                  <a:schemeClr val="tx1"/>
+                </a:solidFill>
+                <a:effectLst/>
+                <a:latin typeface="+mn-lt"/>
+                <a:ea typeface="+mn-ea"/>
+                <a:cs typeface="+mn-cs"/>
+              </a:rPr>
+              <a:t>perchè</a:t>
+            </a:r>
+            <a:r>
+              <a:rPr lang="it-IT" sz="1200" b="0" i="0" u="none" strike="noStrike" kern="1200" dirty="0">
+                <a:solidFill>
+                  <a:schemeClr val="tx1"/>
+                </a:solidFill>
+                <a:effectLst/>
+                <a:latin typeface="+mn-lt"/>
+                <a:ea typeface="+mn-ea"/>
+                <a:cs typeface="+mn-cs"/>
+              </a:rPr>
+              <a:t>, soprattutto ad alto Re, questo presenta un comportamento universale nella forma della "legge di parete"</a:t>
+            </a:r>
+            <a:endParaRPr lang="it-IT" dirty="0"/>
+          </a:p>
+          <a:p>
+            <a:endParaRPr lang="it-IT" dirty="0"/>
+          </a:p>
+          <a:p>
             <a:r>
               <a:rPr lang="it-IT" dirty="0"/>
-              <a:t> dati perfetto</a:t>
-            </a:r>
-          </a:p>
-          <a:p>
-            <a:r>
-              <a:rPr lang="it-IT" dirty="0"/>
-              <a:t>Legge di parete: brevemente …</a:t>
+              <a:t>Legge di parete TEORIZZA esistenza una regione viscosa in prossimità della parete..</a:t>
             </a:r>
           </a:p>
           <a:p>
@@ -810,7 +882,19 @@
           <a:p>
             <a:r>
               <a:rPr lang="it-IT" dirty="0"/>
-              <a:t>Aumento Re =&gt; Aumento portata, variazione </a:t>
+              <a:t>PER OGNI PASSO TEMPORALE</a:t>
+            </a:r>
+          </a:p>
+          <a:p>
+            <a:r>
+              <a:rPr lang="it-IT" dirty="0"/>
+              <a:t>Aumento Re =&gt; variazione del profilo medio di velocità, qui in scala non logaritmica, </a:t>
+            </a:r>
+          </a:p>
+          <a:p>
+            <a:r>
+              <a:rPr lang="it-IT" dirty="0"/>
+              <a:t>variazione </a:t>
             </a:r>
             <a:r>
               <a:rPr lang="it-IT" dirty="0" err="1"/>
@@ -939,7 +1023,16 @@
           <a:p>
             <a:r>
               <a:rPr lang="it-IT" dirty="0"/>
-              <a:t>Abbiamo concentrato la nostra attenzione sulla regione logaritmica. </a:t>
+              <a:t>Abbiamo concentrato la nostra attenzione sulla regione logaritmica.</a:t>
+            </a:r>
+          </a:p>
+          <a:p>
+            <a:endParaRPr lang="it-IT" dirty="0"/>
+          </a:p>
+          <a:p>
+            <a:r>
+              <a:rPr lang="it-IT" dirty="0"/>
+              <a:t> </a:t>
             </a:r>
           </a:p>
           <a:p>
@@ -1112,7 +1205,7 @@
             </a:r>
             <a:r>
               <a:rPr lang="it-IT" dirty="0"/>
-              <a:t>.</a:t>
+              <a:t> negli anni 60, e tornata in auge recentemente grazie alle simulazioni numeriche.</a:t>
             </a:r>
           </a:p>
           <a:p>
@@ -1394,7 +1487,13 @@
           <a:p>
             <a:r>
               <a:rPr lang="it-IT" dirty="0"/>
-              <a:t>PER DARE UN'IDEA DI DOVE SIAMO:      La nostra conoscenza della turbolenza è ancora limitata. Al momento la </a:t>
+              <a:t>PER DARE UN'IDEA DI DOVE SIAMO: </a:t>
+            </a:r>
+          </a:p>
+          <a:p>
+            <a:r>
+              <a:rPr lang="it-IT" dirty="0"/>
+              <a:t>Al momento la </a:t>
             </a:r>
             <a:r>
               <a:rPr lang="it-IT" dirty="0" err="1"/>
@@ -1418,7 +1517,7 @@
             </a:r>
             <a:r>
               <a:rPr lang="it-IT" dirty="0"/>
-              <a:t> 10'000 rappresenterebbe l'ultima DNS necessaria, SEPARAZIONE Scale.	Richiederebbe 1 anno simulazione su </a:t>
+              <a:t> 10'000 rappresenterebbe la soglia indispensabile per ottenere SEPARAZIONE Scale.	Richiederebbe 1 anno simulazione su </a:t>
             </a:r>
             <a:r>
               <a:rPr lang="it-IT" dirty="0" err="1"/>
@@ -1663,6 +1762,70 @@
           <a:bodyPr/>
           <a:lstStyle/>
           <a:p>
+            <a:r>
+              <a:rPr lang="it-IT" dirty="0"/>
+              <a:t>dette IMPLICITE </a:t>
+            </a:r>
+            <a:r>
+              <a:rPr lang="it-IT" dirty="0" err="1"/>
+              <a:t>perchè</a:t>
+            </a:r>
+            <a:r>
+              <a:rPr lang="it-IT" dirty="0"/>
+              <a:t> INVERSIONE SIST LINEARE</a:t>
+            </a:r>
+          </a:p>
+          <a:p>
+            <a:r>
+              <a:rPr lang="it-IT" dirty="0"/>
+              <a:t>APPROSSIMANO l'operatore differenziale per mezzo di RAPPORTO TRA COEFF -&gt; Accuratezza su </a:t>
+            </a:r>
+            <a:r>
+              <a:rPr lang="it-IT" dirty="0" err="1"/>
+              <a:t>range</a:t>
+            </a:r>
+            <a:r>
+              <a:rPr lang="it-IT" dirty="0"/>
+              <a:t> frequenze maggiori</a:t>
+            </a:r>
+          </a:p>
+          <a:p>
+            <a:r>
+              <a:rPr lang="it-IT" dirty="0" err="1"/>
+              <a:t>accurtezza</a:t>
+            </a:r>
+            <a:r>
+              <a:rPr lang="it-IT" dirty="0"/>
+              <a:t> prossima a metodi spettrali</a:t>
+            </a:r>
+          </a:p>
+          <a:p>
+            <a:endParaRPr lang="it-IT" dirty="0"/>
+          </a:p>
+          <a:p>
+            <a:endParaRPr lang="it-IT" dirty="0"/>
+          </a:p>
+          <a:p>
+            <a:r>
+              <a:rPr lang="it-IT" dirty="0"/>
+              <a:t>Spettrale approssima funzione attraverso POLINOMI DEFINITI GLOBALMENTE</a:t>
+            </a:r>
+          </a:p>
+          <a:p>
+            <a:r>
+              <a:rPr lang="it-IT" dirty="0"/>
+              <a:t>garantisce precisione dipendente da </a:t>
+            </a:r>
+            <a:r>
+              <a:rPr lang="it-IT" dirty="0" err="1"/>
+              <a:t>smoothing</a:t>
+            </a:r>
+            <a:r>
+              <a:rPr lang="it-IT" dirty="0"/>
+              <a:t> funzione e non grado polinomio</a:t>
+            </a:r>
+          </a:p>
+          <a:p>
             <a:endParaRPr lang="it-IT" dirty="0"/>
           </a:p>
         </p:txBody>
@@ -1783,13 +1946,7 @@
             </a:r>
             <a:r>
               <a:rPr lang="it-IT" dirty="0"/>
-              <a:t> caratterizzati da elevato Re</a:t>
-            </a:r>
-          </a:p>
-          <a:p>
-            <a:r>
-              <a:rPr lang="it-IT" dirty="0"/>
-              <a:t>pertanto, la DNS, è impiegata solo nell'ambito accademico.</a:t>
+              <a:t> caratterizzati da elevato Re.</a:t>
             </a:r>
           </a:p>
           <a:p>
@@ -1903,8 +2060,153 @@
           <a:p>
             <a:r>
               <a:rPr lang="it-IT" dirty="0"/>
-              <a:t>richiede sviluppo solutori altamente parallelizzati</a:t>
-            </a:r>
+              <a:t>richiede sviluppo solutori altamente parallelizzati-&gt; Potenze teoriche</a:t>
+            </a:r>
+          </a:p>
+          <a:p>
+            <a:r>
+              <a:rPr lang="it-IT" sz="1200" b="0" i="0" u="none" strike="noStrike" kern="1200" dirty="0" err="1">
+                <a:solidFill>
+                  <a:schemeClr val="tx1"/>
+                </a:solidFill>
+                <a:effectLst/>
+                <a:latin typeface="+mn-lt"/>
+                <a:ea typeface="+mn-ea"/>
+                <a:cs typeface="+mn-cs"/>
+              </a:rPr>
+              <a:t>Fig</a:t>
+            </a:r>
+            <a:r>
+              <a:rPr lang="it-IT" sz="1200" b="0" i="0" u="none" strike="noStrike" kern="1200" dirty="0">
+                <a:solidFill>
+                  <a:schemeClr val="tx1"/>
+                </a:solidFill>
+                <a:effectLst/>
+                <a:latin typeface="+mn-lt"/>
+                <a:ea typeface="+mn-ea"/>
+                <a:cs typeface="+mn-cs"/>
+              </a:rPr>
+              <a:t> SX, presa da </a:t>
+            </a:r>
+            <a:r>
+              <a:rPr lang="it-IT" sz="1200" b="0" i="0" kern="1200" dirty="0">
+                <a:solidFill>
+                  <a:schemeClr val="tx1"/>
+                </a:solidFill>
+                <a:effectLst/>
+                <a:latin typeface="+mn-lt"/>
+                <a:ea typeface="+mn-ea"/>
+                <a:cs typeface="+mn-cs"/>
+                <a:hlinkClick r:id="rId3"/>
+              </a:rPr>
+              <a:t>top500.org</a:t>
+            </a:r>
+            <a:r>
+              <a:rPr lang="it-IT" sz="1200" b="0" i="0" kern="1200" dirty="0">
+                <a:solidFill>
+                  <a:schemeClr val="tx1"/>
+                </a:solidFill>
+                <a:effectLst/>
+                <a:latin typeface="+mn-lt"/>
+                <a:ea typeface="+mn-ea"/>
+                <a:cs typeface="+mn-cs"/>
+              </a:rPr>
+              <a:t>, mostra</a:t>
+            </a:r>
+            <a:r>
+              <a:rPr lang="it-IT" sz="1200" b="0" i="0" u="none" strike="noStrike" kern="1200" dirty="0">
+                <a:solidFill>
+                  <a:schemeClr val="tx1"/>
+                </a:solidFill>
+                <a:effectLst/>
+                <a:latin typeface="+mn-lt"/>
+                <a:ea typeface="+mn-ea"/>
+                <a:cs typeface="+mn-cs"/>
+              </a:rPr>
+              <a:t> la crescita della potenza di calcolo, in SCALA LOG, in funzione del tempo. </a:t>
+            </a:r>
+          </a:p>
+          <a:p>
+            <a:r>
+              <a:rPr lang="it-IT" sz="1200" b="0" i="0" u="none" strike="noStrike" kern="1200" dirty="0">
+                <a:solidFill>
+                  <a:schemeClr val="tx1"/>
+                </a:solidFill>
+                <a:effectLst/>
+                <a:latin typeface="+mn-lt"/>
+                <a:ea typeface="+mn-ea"/>
+                <a:cs typeface="+mn-cs"/>
+              </a:rPr>
+              <a:t>(del primo, del 500, somma primi 500) </a:t>
+            </a:r>
+            <a:r>
+              <a:rPr lang="it-IT" sz="1200" b="0" i="0" u="none" strike="noStrike" kern="1200" dirty="0" err="1">
+                <a:solidFill>
+                  <a:schemeClr val="tx1"/>
+                </a:solidFill>
+                <a:effectLst/>
+                <a:latin typeface="+mn-lt"/>
+                <a:ea typeface="+mn-ea"/>
+                <a:cs typeface="+mn-cs"/>
+              </a:rPr>
+              <a:t>supercomputer</a:t>
+            </a:r>
+            <a:r>
+              <a:rPr lang="it-IT" sz="1200" b="0" i="0" u="none" strike="noStrike" kern="1200" dirty="0">
+                <a:solidFill>
+                  <a:schemeClr val="tx1"/>
+                </a:solidFill>
+                <a:effectLst/>
+                <a:latin typeface="+mn-lt"/>
+                <a:ea typeface="+mn-ea"/>
+                <a:cs typeface="+mn-cs"/>
+              </a:rPr>
+              <a:t> al mondo.</a:t>
+            </a:r>
+          </a:p>
+          <a:p>
+            <a:endParaRPr lang="it-IT" sz="1200" b="0" i="0" u="none" strike="noStrike" kern="1200" dirty="0">
+              <a:solidFill>
+                <a:schemeClr val="tx1"/>
+              </a:solidFill>
+              <a:effectLst/>
+              <a:latin typeface="+mn-lt"/>
+              <a:ea typeface="+mn-ea"/>
+              <a:cs typeface="+mn-cs"/>
+            </a:endParaRPr>
+          </a:p>
+          <a:p>
+            <a:r>
+              <a:rPr lang="it-IT" dirty="0"/>
+              <a:t>Come si </a:t>
+            </a:r>
+            <a:r>
+              <a:rPr lang="it-IT" sz="1200" b="0" i="0" u="none" strike="noStrike" kern="1200" dirty="0">
+                <a:solidFill>
+                  <a:schemeClr val="tx1"/>
+                </a:solidFill>
+                <a:effectLst/>
+                <a:latin typeface="+mn-lt"/>
+                <a:ea typeface="+mn-ea"/>
+                <a:cs typeface="+mn-cs"/>
+              </a:rPr>
+              <a:t>Vede si ha una CRESCITA CONTINUA che comporta un RADDOPPIO PERF ogni 2 anni circa.</a:t>
+            </a:r>
+          </a:p>
+          <a:p>
+            <a:r>
+              <a:rPr lang="it-IT" sz="1200" b="0" i="0" u="none" strike="noStrike" kern="1200" dirty="0">
+                <a:solidFill>
+                  <a:schemeClr val="tx1"/>
+                </a:solidFill>
+                <a:effectLst/>
+                <a:latin typeface="+mn-lt"/>
+                <a:ea typeface="+mn-ea"/>
+                <a:cs typeface="+mn-cs"/>
+              </a:rPr>
+              <a:t>A dx: grafico mostra l'andamento delle dimensioni delle simulazioni, in funzione del tempo.</a:t>
+            </a:r>
+            <a:endParaRPr lang="it-IT" dirty="0"/>
           </a:p>
           <a:p>
             <a:r>
@@ -2009,13 +2311,48 @@
           <a:p>
             <a:r>
               <a:rPr lang="it-IT" dirty="0"/>
-              <a:t>Punto di partenza è stato codice a memoria distribuita</a:t>
-            </a:r>
-          </a:p>
-          <a:p>
-            <a:r>
+              <a:t>Punto di partenza è stato codice a memoria distribuita e condivisa</a:t>
+            </a:r>
+          </a:p>
+          <a:p>
+            <a:r>
+              <a:rPr lang="it-IT" sz="1200" b="0" i="0" u="none" strike="noStrike" kern="1200" dirty="0">
+                <a:solidFill>
+                  <a:schemeClr val="tx1"/>
+                </a:solidFill>
+                <a:effectLst/>
+                <a:latin typeface="+mn-lt"/>
+                <a:ea typeface="+mn-ea"/>
+                <a:cs typeface="+mn-cs"/>
+              </a:rPr>
+              <a:t>pensato per essere scalabile solo su un numero ridotto di</a:t>
+            </a:r>
+            <a:br>
               <a:rPr lang="it-IT" dirty="0"/>
-              <a:t>scarsa efficienza parallela</a:t>
+            </a:br>
+            <a:r>
+              <a:rPr lang="it-IT" sz="1200" b="0" i="0" u="none" strike="noStrike" kern="1200" dirty="0">
+                <a:solidFill>
+                  <a:schemeClr val="tx1"/>
+                </a:solidFill>
+                <a:effectLst/>
+                <a:latin typeface="+mn-lt"/>
+                <a:ea typeface="+mn-ea"/>
+                <a:cs typeface="+mn-cs"/>
+              </a:rPr>
+              <a:t>processori, pertanto presenta </a:t>
+            </a:r>
+            <a:r>
+              <a:rPr lang="it-IT" dirty="0"/>
+              <a:t>capacità di </a:t>
+            </a:r>
+            <a:r>
+              <a:rPr lang="it-IT" dirty="0" err="1"/>
+              <a:t>scaling</a:t>
+            </a:r>
+            <a:r>
+              <a:rPr lang="it-IT" dirty="0"/>
+              <a:t> parallelo limitate.</a:t>
             </a:r>
           </a:p>
           <a:p>
@@ -2024,13 +2361,7 @@
           <a:p>
             <a:r>
               <a:rPr lang="it-IT" dirty="0"/>
-              <a:t>Al fine di aumentare efficienza </a:t>
-            </a:r>
-          </a:p>
-          <a:p>
-            <a:r>
-              <a:rPr lang="it-IT" dirty="0"/>
-              <a:t>innanzitutto introdotto MPI:</a:t>
+              <a:t>Al fine di aumentare efficienza parallela è stata rimossa l'interfaccia di comunicazione originale ed è stato introdotto MPI:</a:t>
             </a:r>
           </a:p>
           <a:p>
@@ -2053,7 +2384,50 @@
             </a:pPr>
             <a:r>
               <a:rPr lang="it-IT" dirty="0"/>
-              <a:t>Libreria che contiene un insieme di funzioni pensate per gestire la comunicazione tra processori appartenenti alla stessa rete, mantenuta e sviluppata dai maggiori </a:t>
+              <a:t>Libreria che contiene un insieme di funzioni pensate per gestire la comunicazione tra processori appartenenti alla stessa rete, </a:t>
+            </a:r>
+          </a:p>
+          <a:p>
+            <a:pPr marL="0" marR="0" lvl="0" indent="0" algn="l" defTabSz="914400" rtl="0" eaLnBrk="1" fontAlgn="auto" latinLnBrk="0" hangingPunct="1">
+              <a:lnSpc>
+                <a:spcPct val="100000"/>
+              </a:lnSpc>
+              <a:spcBef>
+                <a:spcPts val="0"/>
+              </a:spcBef>
+              <a:spcAft>
+                <a:spcPts val="0"/>
+              </a:spcAft>
+              <a:buClrTx/>
+              <a:buSzTx/>
+              <a:buFontTx/>
+              <a:buNone/>
+              <a:tabLst/>
+              <a:defRPr/>
+            </a:pPr>
+            <a:endParaRPr lang="it-IT" dirty="0"/>
+          </a:p>
+          <a:p>
+            <a:pPr marL="0" marR="0" lvl="0" indent="0" algn="l" defTabSz="914400" rtl="0" eaLnBrk="1" fontAlgn="auto" latinLnBrk="0" hangingPunct="1">
+              <a:lnSpc>
+                <a:spcPct val="100000"/>
+              </a:lnSpc>
+              <a:spcBef>
+                <a:spcPts val="0"/>
+              </a:spcBef>
+              <a:spcAft>
+                <a:spcPts val="0"/>
+              </a:spcAft>
+              <a:buClrTx/>
+              <a:buSzTx/>
+              <a:buFontTx/>
+              <a:buNone/>
+              <a:tabLst/>
+              <a:defRPr/>
+            </a:pPr>
+            <a:r>
+              <a:rPr lang="it-IT" dirty="0"/>
+              <a:t>mantenuta e sviluppata dai maggiori </a:t>
             </a:r>
             <a:r>
               <a:rPr lang="it-IT" dirty="0" err="1"/>
@@ -2186,7 +2560,7 @@
           <a:p>
             <a:r>
               <a:rPr lang="it-IT" dirty="0"/>
-              <a:t>Utilizzo di hardware standard rispetto a CUDA </a:t>
+              <a:t>Utilizzo di hardware standard rispetto ad altre piattaforme per calcolo parallelo come CUDA </a:t>
             </a:r>
           </a:p>
           <a:p>
@@ -2195,7 +2569,7 @@
           <a:p>
             <a:r>
               <a:rPr lang="it-IT" dirty="0"/>
-              <a:t>Svantaggi: latenza messaggi, legata a larghezza banda disponibile e alla dimensione dei messaggi</a:t>
+              <a:t>Svantaggi: latenza delle comunicazioni, legata a larghezza banda disponibile e alla dimensione dei messaggi</a:t>
             </a:r>
           </a:p>
           <a:p>
@@ -2313,7 +2687,7 @@
           <a:p>
             <a:r>
               <a:rPr lang="it-IT" dirty="0"/>
-              <a:t>il solver è stato impiegato per eseguire una simulazione Channel flow ovvero flusso attraverso canale limitato da 2 pareti</a:t>
+              <a:t>il solutore è stato impiegato per eseguire una simulazione di un flusso attraverso canale limitato da 2 pareti</a:t>
             </a:r>
           </a:p>
           <a:p>
@@ -2333,13 +2707,7 @@
           <a:p>
             <a:r>
               <a:rPr lang="it-IT" dirty="0"/>
-              <a:t>infine ridurre costo computazionale 3 -&gt; </a:t>
-            </a:r>
-          </a:p>
-          <a:p>
-            <a:r>
-              <a:rPr lang="it-IT" dirty="0"/>
-              <a:t>Adozione </a:t>
+              <a:t>infine ridurre costo computazionale 3 abbiamo eseguito le convoluzioni nello spazio fisico -&gt; richiesto Adozione </a:t>
             </a:r>
             <a:r>
               <a:rPr lang="it-IT" dirty="0" err="1"/>
@@ -2347,8 +2715,13 @@
             </a:r>
             <a:r>
               <a:rPr lang="it-IT" dirty="0"/>
-              <a:t> Fourier</a:t>
-            </a:r>
+              <a:t> Fourier nel piano </a:t>
+            </a:r>
+            <a:r>
+              <a:rPr lang="it-IT" dirty="0" err="1"/>
+              <a:t>xz</a:t>
+            </a:r>
+            <a:endParaRPr lang="it-IT" dirty="0"/>
           </a:p>
           <a:p>
             <a:endParaRPr lang="it-IT" dirty="0"/>
@@ -2502,7 +2875,15 @@
           <a:p>
             <a:r>
               <a:rPr lang="it-IT" dirty="0"/>
-              <a:t>TUTTAVIA, penalizza risoluzione del sistema lineare il quale richiede conoscenza di tutte le coppie di valori in direzione y.</a:t>
+              <a:t>TUTTAVIA, penalizza risoluzione del sistema lineare il quale richiede conoscenza di tutte le coppie di valori in direzione y. Parlo di coppie </a:t>
+            </a:r>
+            <a:r>
+              <a:rPr lang="it-IT" dirty="0" err="1"/>
+              <a:t>poichè</a:t>
+            </a:r>
+            <a:r>
+              <a:rPr lang="it-IT" dirty="0"/>
+              <a:t> codice impiega espansioni in serie di Fourier.</a:t>
             </a:r>
           </a:p>
           <a:p>
@@ -2634,7 +3015,7 @@
             </a:r>
             <a:r>
               <a:rPr lang="it-IT" dirty="0"/>
-              <a:t> ottenuti dal codice	(=</a:t>
+              <a:t> ottenuti dal codice in funzione del numero di processi (</a:t>
             </a:r>
             <a:r>
               <a:rPr lang="it-IT" dirty="0" err="1"/>
@@ -2740,8 +3121,19 @@
             </a:r>
             <a:r>
               <a:rPr lang="it-IT" dirty="0"/>
-              <a:t> locali, ciò comporta downgrade delle performance, poiché MPI è si in grado di gestire le comunicazioni interne al processore stesso, ma in modo poco efficiente.</a:t>
-            </a:r>
+              <a:t> locali, ciò comporta </a:t>
+            </a:r>
+            <a:r>
+              <a:rPr lang="it-IT" dirty="0" err="1"/>
+              <a:t>abbasamento</a:t>
+            </a:r>
+            <a:r>
+              <a:rPr lang="it-IT" dirty="0"/>
+              <a:t> delle performance, poiché MPI è si in grado di gestire le comunicazioni interne al processore stesso, ma in modo poco efficiente.</a:t>
+            </a:r>
+          </a:p>
+          <a:p>
+            <a:endParaRPr lang="it-IT" dirty="0"/>
           </a:p>
           <a:p>
             <a:r>
@@ -32869,7 +33261,12 @@
             </a:r>
           </a:p>
           <a:p>
-            <a:pPr>
+            <a:pPr marL="342900" indent="-342900">
+              <a:lnSpc>
+                <a:spcPct val="150000"/>
+              </a:lnSpc>
+              <a:buFont typeface="Arial" panose="020B0604020202020204" pitchFamily="34" charset="0"/>
+              <a:buChar char="•"/>
               <a:defRPr/>
             </a:pPr>
             <a:endParaRPr lang="it-IT" sz="1800" b="1" dirty="0">
